--- a/others/TicTacX.pptx
+++ b/others/TicTacX.pptx
@@ -1,36 +1,36 @@
 
 <file path=ppt/presentation.xml><?xml version="1.0" encoding="utf-8"?>
-<p:presentation xmlns:a="http://schemas.openxmlformats.org/drawingml/2006/main" xmlns:r="http://schemas.openxmlformats.org/officeDocument/2006/relationships" xmlns:p="http://schemas.openxmlformats.org/presentationml/2006/main" saveSubsetFonts="1" embedTrueTypeFonts="true">
+<p:presentation xmlns:a="http://schemas.openxmlformats.org/drawingml/2006/main" xmlns:r="http://schemas.openxmlformats.org/officeDocument/2006/relationships" xmlns:p="http://schemas.openxmlformats.org/presentationml/2006/main" embedTrueTypeFonts="1" saveSubsetFonts="1">
   <p:sldMasterIdLst>
     <p:sldMasterId id="2147483648" r:id="rId1"/>
   </p:sldMasterIdLst>
   <p:sldIdLst>
-    <p:sldId id="256" r:id="rId6"/>
-    <p:sldId id="257" r:id="rId7"/>
-    <p:sldId id="258" r:id="rId8"/>
-    <p:sldId id="259" r:id="rId9"/>
-    <p:sldId id="260" r:id="rId10"/>
-    <p:sldId id="261" r:id="rId11"/>
-    <p:sldId id="262" r:id="rId12"/>
-    <p:sldId id="263" r:id="rId13"/>
-    <p:sldId id="264" r:id="rId14"/>
-    <p:sldId id="265" r:id="rId15"/>
-    <p:sldId id="266" r:id="rId16"/>
-    <p:sldId id="267" r:id="rId17"/>
-    <p:sldId id="268" r:id="rId18"/>
-    <p:sldId id="269" r:id="rId19"/>
-    <p:sldId id="270" r:id="rId20"/>
+    <p:sldId id="256" r:id="rId2"/>
+    <p:sldId id="257" r:id="rId3"/>
+    <p:sldId id="258" r:id="rId4"/>
+    <p:sldId id="259" r:id="rId5"/>
+    <p:sldId id="260" r:id="rId6"/>
+    <p:sldId id="261" r:id="rId7"/>
+    <p:sldId id="262" r:id="rId8"/>
+    <p:sldId id="263" r:id="rId9"/>
+    <p:sldId id="264" r:id="rId10"/>
+    <p:sldId id="265" r:id="rId11"/>
+    <p:sldId id="266" r:id="rId12"/>
+    <p:sldId id="267" r:id="rId13"/>
+    <p:sldId id="268" r:id="rId14"/>
+    <p:sldId id="269" r:id="rId15"/>
+    <p:sldId id="270" r:id="rId16"/>
   </p:sldIdLst>
   <p:sldSz cx="18288000" cy="10287000"/>
   <p:notesSz cx="6858000" cy="9144000"/>
   <p:embeddedFontLst>
     <p:embeddedFont>
-      <p:font typeface="Arial Bold" charset="1" panose="020B0802020202020204"/>
-      <p:regular r:id="rId21"/>
+      <p:font typeface="Arial Bold"/>
+      <p:regular r:id="rId17"/>
     </p:embeddedFont>
     <p:embeddedFont>
-      <p:font typeface="Arial Italics" charset="1" panose="020B0502020202090204"/>
-      <p:regular r:id="rId22"/>
+      <p:font typeface="Arial Italics" panose="020B0604020202020204" charset="0"/>
+      <p:regular r:id="rId18"/>
     </p:embeddedFont>
   </p:embeddedFontLst>
   <p:defaultTextStyle>
@@ -128,7 +128,67 @@
       </a:defRPr>
     </a:lvl9pPr>
   </p:defaultTextStyle>
+  <p:extLst>
+    <p:ext uri="{EFAFB233-063F-42B5-8137-9DF3F51BA10A}">
+      <p15:sldGuideLst xmlns:p15="http://schemas.microsoft.com/office/powerpoint/2012/main">
+        <p15:guide id="1" orient="horz" pos="2160">
+          <p15:clr>
+            <a:srgbClr val="A4A3A4"/>
+          </p15:clr>
+        </p15:guide>
+        <p15:guide id="2" pos="2880">
+          <p15:clr>
+            <a:srgbClr val="A4A3A4"/>
+          </p15:clr>
+        </p15:guide>
+      </p15:sldGuideLst>
+    </p:ext>
+  </p:extLst>
 </p:presentation>
+</file>
+
+<file path=ppt/changesInfos/changesInfo1.xml><?xml version="1.0" encoding="utf-8"?>
+<pc:chgInfo xmlns:a="http://schemas.openxmlformats.org/drawingml/2006/main" xmlns:r="http://schemas.openxmlformats.org/officeDocument/2006/relationships" xmlns:ac="http://schemas.microsoft.com/office/drawing/2013/main/command" xmlns:pc="http://schemas.microsoft.com/office/powerpoint/2013/main/command">
+  <pc:docChgLst>
+    <pc:chgData name="Md Ishrak Mashroor" userId="e451b154c326eb62" providerId="LiveId" clId="{CEA78450-4F91-469D-B8F2-4266BBE6DA38}"/>
+    <pc:docChg chg="modSld">
+      <pc:chgData name="Md Ishrak Mashroor" userId="e451b154c326eb62" providerId="LiveId" clId="{CEA78450-4F91-469D-B8F2-4266BBE6DA38}" dt="2025-08-11T17:48:06.172" v="9" actId="14100"/>
+      <pc:docMkLst>
+        <pc:docMk/>
+      </pc:docMkLst>
+      <pc:sldChg chg="modSp mod">
+        <pc:chgData name="Md Ishrak Mashroor" userId="e451b154c326eb62" providerId="LiveId" clId="{CEA78450-4F91-469D-B8F2-4266BBE6DA38}" dt="2025-08-11T17:47:45.853" v="5" actId="14100"/>
+        <pc:sldMkLst>
+          <pc:docMk/>
+          <pc:sldMk cId="0" sldId="256"/>
+        </pc:sldMkLst>
+        <pc:spChg chg="mod">
+          <ac:chgData name="Md Ishrak Mashroor" userId="e451b154c326eb62" providerId="LiveId" clId="{CEA78450-4F91-469D-B8F2-4266BBE6DA38}" dt="2025-08-11T17:47:45.853" v="5" actId="14100"/>
+          <ac:spMkLst>
+            <pc:docMk/>
+            <pc:sldMk cId="0" sldId="256"/>
+            <ac:spMk id="9" creationId="{00000000-0000-0000-0000-000000000000}"/>
+          </ac:spMkLst>
+        </pc:spChg>
+      </pc:sldChg>
+      <pc:sldChg chg="modSp mod">
+        <pc:chgData name="Md Ishrak Mashroor" userId="e451b154c326eb62" providerId="LiveId" clId="{CEA78450-4F91-469D-B8F2-4266BBE6DA38}" dt="2025-08-11T17:48:06.172" v="9" actId="14100"/>
+        <pc:sldMkLst>
+          <pc:docMk/>
+          <pc:sldMk cId="0" sldId="257"/>
+        </pc:sldMkLst>
+        <pc:spChg chg="mod">
+          <ac:chgData name="Md Ishrak Mashroor" userId="e451b154c326eb62" providerId="LiveId" clId="{CEA78450-4F91-469D-B8F2-4266BBE6DA38}" dt="2025-08-11T17:48:06.172" v="9" actId="14100"/>
+          <ac:spMkLst>
+            <pc:docMk/>
+            <pc:sldMk cId="0" sldId="257"/>
+            <ac:spMk id="3" creationId="{00000000-0000-0000-0000-000000000000}"/>
+          </ac:spMkLst>
+        </pc:spChg>
+      </pc:sldChg>
+    </pc:docChg>
+  </pc:docChgLst>
+</pc:chgInfo>
 </file>
 
 <file path=ppt/slideLayouts/slideLayout1.xml><?xml version="1.0" encoding="utf-8"?>
@@ -169,10 +229,9 @@
           <a:lstStyle/>
           <a:p>
             <a:r>
-              <a:rPr lang="en-US" smtClean="0"/>
+              <a:rPr lang="en-US"/>
               <a:t>Click to edit Master title style</a:t>
             </a:r>
-            <a:endParaRPr lang="en-US"/>
           </a:p>
         </p:txBody>
       </p:sp>
@@ -288,10 +347,9 @@
           </a:lstStyle>
           <a:p>
             <a:r>
-              <a:rPr lang="en-US" smtClean="0"/>
+              <a:rPr lang="en-US"/>
               <a:t>Click to edit Master subtitle style</a:t>
             </a:r>
-            <a:endParaRPr lang="en-US"/>
           </a:p>
         </p:txBody>
       </p:sp>
@@ -313,7 +371,7 @@
             <a:fld id="{1D8BD707-D9CF-40AE-B4C6-C98DA3205C09}" type="datetimeFigureOut">
               <a:rPr lang="en-US" smtClean="0"/>
               <a:pPr/>
-              <a:t>8/1/2011</a:t>
+              <a:t>8/11/2025</a:t>
             </a:fld>
             <a:endParaRPr lang="en-US"/>
           </a:p>
@@ -403,10 +461,9 @@
           <a:lstStyle/>
           <a:p>
             <a:r>
-              <a:rPr lang="en-US" smtClean="0"/>
+              <a:rPr lang="en-US"/>
               <a:t>Click to edit Master title style</a:t>
             </a:r>
-            <a:endParaRPr lang="en-US"/>
           </a:p>
         </p:txBody>
       </p:sp>
@@ -427,38 +484,37 @@
           <a:p>
             <a:pPr lvl="0"/>
             <a:r>
-              <a:rPr lang="en-US" smtClean="0"/>
+              <a:rPr lang="en-US"/>
               <a:t>Click to edit Master text styles</a:t>
             </a:r>
           </a:p>
           <a:p>
             <a:pPr lvl="1"/>
             <a:r>
-              <a:rPr lang="en-US" smtClean="0"/>
+              <a:rPr lang="en-US"/>
               <a:t>Second level</a:t>
             </a:r>
           </a:p>
           <a:p>
             <a:pPr lvl="2"/>
             <a:r>
-              <a:rPr lang="en-US" smtClean="0"/>
+              <a:rPr lang="en-US"/>
               <a:t>Third level</a:t>
             </a:r>
           </a:p>
           <a:p>
             <a:pPr lvl="3"/>
             <a:r>
-              <a:rPr lang="en-US" smtClean="0"/>
+              <a:rPr lang="en-US"/>
               <a:t>Fourth level</a:t>
             </a:r>
           </a:p>
           <a:p>
             <a:pPr lvl="4"/>
             <a:r>
-              <a:rPr lang="en-US" smtClean="0"/>
+              <a:rPr lang="en-US"/>
               <a:t>Fifth level</a:t>
             </a:r>
-            <a:endParaRPr lang="en-US"/>
           </a:p>
         </p:txBody>
       </p:sp>
@@ -480,7 +536,7 @@
             <a:fld id="{1D8BD707-D9CF-40AE-B4C6-C98DA3205C09}" type="datetimeFigureOut">
               <a:rPr lang="en-US" smtClean="0"/>
               <a:pPr/>
-              <a:t>8/1/2011</a:t>
+              <a:t>8/11/2025</a:t>
             </a:fld>
             <a:endParaRPr lang="en-US"/>
           </a:p>
@@ -575,10 +631,9 @@
           <a:lstStyle/>
           <a:p>
             <a:r>
-              <a:rPr lang="en-US" smtClean="0"/>
+              <a:rPr lang="en-US"/>
               <a:t>Click to edit Master title style</a:t>
             </a:r>
-            <a:endParaRPr lang="en-US"/>
           </a:p>
         </p:txBody>
       </p:sp>
@@ -604,38 +659,37 @@
           <a:p>
             <a:pPr lvl="0"/>
             <a:r>
-              <a:rPr lang="en-US" smtClean="0"/>
+              <a:rPr lang="en-US"/>
               <a:t>Click to edit Master text styles</a:t>
             </a:r>
           </a:p>
           <a:p>
             <a:pPr lvl="1"/>
             <a:r>
-              <a:rPr lang="en-US" smtClean="0"/>
+              <a:rPr lang="en-US"/>
               <a:t>Second level</a:t>
             </a:r>
           </a:p>
           <a:p>
             <a:pPr lvl="2"/>
             <a:r>
-              <a:rPr lang="en-US" smtClean="0"/>
+              <a:rPr lang="en-US"/>
               <a:t>Third level</a:t>
             </a:r>
           </a:p>
           <a:p>
             <a:pPr lvl="3"/>
             <a:r>
-              <a:rPr lang="en-US" smtClean="0"/>
+              <a:rPr lang="en-US"/>
               <a:t>Fourth level</a:t>
             </a:r>
           </a:p>
           <a:p>
             <a:pPr lvl="4"/>
             <a:r>
-              <a:rPr lang="en-US" smtClean="0"/>
+              <a:rPr lang="en-US"/>
               <a:t>Fifth level</a:t>
             </a:r>
-            <a:endParaRPr lang="en-US"/>
           </a:p>
         </p:txBody>
       </p:sp>
@@ -657,7 +711,7 @@
             <a:fld id="{1D8BD707-D9CF-40AE-B4C6-C98DA3205C09}" type="datetimeFigureOut">
               <a:rPr lang="en-US" smtClean="0"/>
               <a:pPr/>
-              <a:t>8/1/2011</a:t>
+              <a:t>8/11/2025</a:t>
             </a:fld>
             <a:endParaRPr lang="en-US"/>
           </a:p>
@@ -747,10 +801,9 @@
           <a:lstStyle/>
           <a:p>
             <a:r>
-              <a:rPr lang="en-US" smtClean="0"/>
+              <a:rPr lang="en-US"/>
               <a:t>Click to edit Master title style</a:t>
             </a:r>
-            <a:endParaRPr lang="en-US"/>
           </a:p>
         </p:txBody>
       </p:sp>
@@ -771,38 +824,37 @@
           <a:p>
             <a:pPr lvl="0"/>
             <a:r>
-              <a:rPr lang="en-US" smtClean="0"/>
+              <a:rPr lang="en-US"/>
               <a:t>Click to edit Master text styles</a:t>
             </a:r>
           </a:p>
           <a:p>
             <a:pPr lvl="1"/>
             <a:r>
-              <a:rPr lang="en-US" smtClean="0"/>
+              <a:rPr lang="en-US"/>
               <a:t>Second level</a:t>
             </a:r>
           </a:p>
           <a:p>
             <a:pPr lvl="2"/>
             <a:r>
-              <a:rPr lang="en-US" smtClean="0"/>
+              <a:rPr lang="en-US"/>
               <a:t>Third level</a:t>
             </a:r>
           </a:p>
           <a:p>
             <a:pPr lvl="3"/>
             <a:r>
-              <a:rPr lang="en-US" smtClean="0"/>
+              <a:rPr lang="en-US"/>
               <a:t>Fourth level</a:t>
             </a:r>
           </a:p>
           <a:p>
             <a:pPr lvl="4"/>
             <a:r>
-              <a:rPr lang="en-US" smtClean="0"/>
+              <a:rPr lang="en-US"/>
               <a:t>Fifth level</a:t>
             </a:r>
-            <a:endParaRPr lang="en-US"/>
           </a:p>
         </p:txBody>
       </p:sp>
@@ -824,7 +876,7 @@
             <a:fld id="{1D8BD707-D9CF-40AE-B4C6-C98DA3205C09}" type="datetimeFigureOut">
               <a:rPr lang="en-US" smtClean="0"/>
               <a:pPr/>
-              <a:t>8/1/2011</a:t>
+              <a:t>8/11/2025</a:t>
             </a:fld>
             <a:endParaRPr lang="en-US"/>
           </a:p>
@@ -923,10 +975,9 @@
           </a:lstStyle>
           <a:p>
             <a:r>
-              <a:rPr lang="en-US" smtClean="0"/>
+              <a:rPr lang="en-US"/>
               <a:t>Click to edit Master title style</a:t>
             </a:r>
-            <a:endParaRPr lang="en-US"/>
           </a:p>
         </p:txBody>
       </p:sp>
@@ -1043,7 +1094,7 @@
           <a:p>
             <a:pPr lvl="0"/>
             <a:r>
-              <a:rPr lang="en-US" smtClean="0"/>
+              <a:rPr lang="en-US"/>
               <a:t>Click to edit Master text styles</a:t>
             </a:r>
           </a:p>
@@ -1067,7 +1118,7 @@
             <a:fld id="{1D8BD707-D9CF-40AE-B4C6-C98DA3205C09}" type="datetimeFigureOut">
               <a:rPr lang="en-US" smtClean="0"/>
               <a:pPr/>
-              <a:t>8/1/2011</a:t>
+              <a:t>8/11/2025</a:t>
             </a:fld>
             <a:endParaRPr lang="en-US"/>
           </a:p>
@@ -1157,10 +1208,9 @@
           <a:lstStyle/>
           <a:p>
             <a:r>
-              <a:rPr lang="en-US" smtClean="0"/>
+              <a:rPr lang="en-US"/>
               <a:t>Click to edit Master title style</a:t>
             </a:r>
-            <a:endParaRPr lang="en-US"/>
           </a:p>
         </p:txBody>
       </p:sp>
@@ -1214,38 +1264,37 @@
           <a:p>
             <a:pPr lvl="0"/>
             <a:r>
-              <a:rPr lang="en-US" smtClean="0"/>
+              <a:rPr lang="en-US"/>
               <a:t>Click to edit Master text styles</a:t>
             </a:r>
           </a:p>
           <a:p>
             <a:pPr lvl="1"/>
             <a:r>
-              <a:rPr lang="en-US" smtClean="0"/>
+              <a:rPr lang="en-US"/>
               <a:t>Second level</a:t>
             </a:r>
           </a:p>
           <a:p>
             <a:pPr lvl="2"/>
             <a:r>
-              <a:rPr lang="en-US" smtClean="0"/>
+              <a:rPr lang="en-US"/>
               <a:t>Third level</a:t>
             </a:r>
           </a:p>
           <a:p>
             <a:pPr lvl="3"/>
             <a:r>
-              <a:rPr lang="en-US" smtClean="0"/>
+              <a:rPr lang="en-US"/>
               <a:t>Fourth level</a:t>
             </a:r>
           </a:p>
           <a:p>
             <a:pPr lvl="4"/>
             <a:r>
-              <a:rPr lang="en-US" smtClean="0"/>
+              <a:rPr lang="en-US"/>
               <a:t>Fifth level</a:t>
             </a:r>
-            <a:endParaRPr lang="en-US"/>
           </a:p>
         </p:txBody>
       </p:sp>
@@ -1299,38 +1348,37 @@
           <a:p>
             <a:pPr lvl="0"/>
             <a:r>
-              <a:rPr lang="en-US" smtClean="0"/>
+              <a:rPr lang="en-US"/>
               <a:t>Click to edit Master text styles</a:t>
             </a:r>
           </a:p>
           <a:p>
             <a:pPr lvl="1"/>
             <a:r>
-              <a:rPr lang="en-US" smtClean="0"/>
+              <a:rPr lang="en-US"/>
               <a:t>Second level</a:t>
             </a:r>
           </a:p>
           <a:p>
             <a:pPr lvl="2"/>
             <a:r>
-              <a:rPr lang="en-US" smtClean="0"/>
+              <a:rPr lang="en-US"/>
               <a:t>Third level</a:t>
             </a:r>
           </a:p>
           <a:p>
             <a:pPr lvl="3"/>
             <a:r>
-              <a:rPr lang="en-US" smtClean="0"/>
+              <a:rPr lang="en-US"/>
               <a:t>Fourth level</a:t>
             </a:r>
           </a:p>
           <a:p>
             <a:pPr lvl="4"/>
             <a:r>
-              <a:rPr lang="en-US" smtClean="0"/>
+              <a:rPr lang="en-US"/>
               <a:t>Fifth level</a:t>
             </a:r>
-            <a:endParaRPr lang="en-US"/>
           </a:p>
         </p:txBody>
       </p:sp>
@@ -1352,7 +1400,7 @@
             <a:fld id="{1D8BD707-D9CF-40AE-B4C6-C98DA3205C09}" type="datetimeFigureOut">
               <a:rPr lang="en-US" smtClean="0"/>
               <a:pPr/>
-              <a:t>8/1/2011</a:t>
+              <a:t>8/11/2025</a:t>
             </a:fld>
             <a:endParaRPr lang="en-US"/>
           </a:p>
@@ -1446,10 +1494,9 @@
           </a:lstStyle>
           <a:p>
             <a:r>
-              <a:rPr lang="en-US" smtClean="0"/>
+              <a:rPr lang="en-US"/>
               <a:t>Click to edit Master title style</a:t>
             </a:r>
-            <a:endParaRPr lang="en-US"/>
           </a:p>
         </p:txBody>
       </p:sp>
@@ -1512,7 +1559,7 @@
           <a:p>
             <a:pPr lvl="0"/>
             <a:r>
-              <a:rPr lang="en-US" smtClean="0"/>
+              <a:rPr lang="en-US"/>
               <a:t>Click to edit Master text styles</a:t>
             </a:r>
           </a:p>
@@ -1568,38 +1615,37 @@
           <a:p>
             <a:pPr lvl="0"/>
             <a:r>
-              <a:rPr lang="en-US" smtClean="0"/>
+              <a:rPr lang="en-US"/>
               <a:t>Click to edit Master text styles</a:t>
             </a:r>
           </a:p>
           <a:p>
             <a:pPr lvl="1"/>
             <a:r>
-              <a:rPr lang="en-US" smtClean="0"/>
+              <a:rPr lang="en-US"/>
               <a:t>Second level</a:t>
             </a:r>
           </a:p>
           <a:p>
             <a:pPr lvl="2"/>
             <a:r>
-              <a:rPr lang="en-US" smtClean="0"/>
+              <a:rPr lang="en-US"/>
               <a:t>Third level</a:t>
             </a:r>
           </a:p>
           <a:p>
             <a:pPr lvl="3"/>
             <a:r>
-              <a:rPr lang="en-US" smtClean="0"/>
+              <a:rPr lang="en-US"/>
               <a:t>Fourth level</a:t>
             </a:r>
           </a:p>
           <a:p>
             <a:pPr lvl="4"/>
             <a:r>
-              <a:rPr lang="en-US" smtClean="0"/>
+              <a:rPr lang="en-US"/>
               <a:t>Fifth level</a:t>
             </a:r>
-            <a:endParaRPr lang="en-US"/>
           </a:p>
         </p:txBody>
       </p:sp>
@@ -1662,7 +1708,7 @@
           <a:p>
             <a:pPr lvl="0"/>
             <a:r>
-              <a:rPr lang="en-US" smtClean="0"/>
+              <a:rPr lang="en-US"/>
               <a:t>Click to edit Master text styles</a:t>
             </a:r>
           </a:p>
@@ -1718,38 +1764,37 @@
           <a:p>
             <a:pPr lvl="0"/>
             <a:r>
-              <a:rPr lang="en-US" smtClean="0"/>
+              <a:rPr lang="en-US"/>
               <a:t>Click to edit Master text styles</a:t>
             </a:r>
           </a:p>
           <a:p>
             <a:pPr lvl="1"/>
             <a:r>
-              <a:rPr lang="en-US" smtClean="0"/>
+              <a:rPr lang="en-US"/>
               <a:t>Second level</a:t>
             </a:r>
           </a:p>
           <a:p>
             <a:pPr lvl="2"/>
             <a:r>
-              <a:rPr lang="en-US" smtClean="0"/>
+              <a:rPr lang="en-US"/>
               <a:t>Third level</a:t>
             </a:r>
           </a:p>
           <a:p>
             <a:pPr lvl="3"/>
             <a:r>
-              <a:rPr lang="en-US" smtClean="0"/>
+              <a:rPr lang="en-US"/>
               <a:t>Fourth level</a:t>
             </a:r>
           </a:p>
           <a:p>
             <a:pPr lvl="4"/>
             <a:r>
-              <a:rPr lang="en-US" smtClean="0"/>
+              <a:rPr lang="en-US"/>
               <a:t>Fifth level</a:t>
             </a:r>
-            <a:endParaRPr lang="en-US"/>
           </a:p>
         </p:txBody>
       </p:sp>
@@ -1771,7 +1816,7 @@
             <a:fld id="{1D8BD707-D9CF-40AE-B4C6-C98DA3205C09}" type="datetimeFigureOut">
               <a:rPr lang="en-US" smtClean="0"/>
               <a:pPr/>
-              <a:t>8/1/2011</a:t>
+              <a:t>8/11/2025</a:t>
             </a:fld>
             <a:endParaRPr lang="en-US"/>
           </a:p>
@@ -1861,10 +1906,9 @@
           <a:lstStyle/>
           <a:p>
             <a:r>
-              <a:rPr lang="en-US" smtClean="0"/>
+              <a:rPr lang="en-US"/>
               <a:t>Click to edit Master title style</a:t>
             </a:r>
-            <a:endParaRPr lang="en-US"/>
           </a:p>
         </p:txBody>
       </p:sp>
@@ -1886,7 +1930,7 @@
             <a:fld id="{1D8BD707-D9CF-40AE-B4C6-C98DA3205C09}" type="datetimeFigureOut">
               <a:rPr lang="en-US" smtClean="0"/>
               <a:pPr/>
-              <a:t>8/1/2011</a:t>
+              <a:t>8/11/2025</a:t>
             </a:fld>
             <a:endParaRPr lang="en-US"/>
           </a:p>
@@ -1978,7 +2022,7 @@
             <a:fld id="{1D8BD707-D9CF-40AE-B4C6-C98DA3205C09}" type="datetimeFigureOut">
               <a:rPr lang="en-US" smtClean="0"/>
               <a:pPr/>
-              <a:t>8/1/2011</a:t>
+              <a:t>8/11/2025</a:t>
             </a:fld>
             <a:endParaRPr lang="en-US"/>
           </a:p>
@@ -2077,10 +2121,9 @@
           </a:lstStyle>
           <a:p>
             <a:r>
-              <a:rPr lang="en-US" smtClean="0"/>
+              <a:rPr lang="en-US"/>
               <a:t>Click to edit Master title style</a:t>
             </a:r>
-            <a:endParaRPr lang="en-US"/>
           </a:p>
         </p:txBody>
       </p:sp>
@@ -2134,38 +2177,37 @@
           <a:p>
             <a:pPr lvl="0"/>
             <a:r>
-              <a:rPr lang="en-US" smtClean="0"/>
+              <a:rPr lang="en-US"/>
               <a:t>Click to edit Master text styles</a:t>
             </a:r>
           </a:p>
           <a:p>
             <a:pPr lvl="1"/>
             <a:r>
-              <a:rPr lang="en-US" smtClean="0"/>
+              <a:rPr lang="en-US"/>
               <a:t>Second level</a:t>
             </a:r>
           </a:p>
           <a:p>
             <a:pPr lvl="2"/>
             <a:r>
-              <a:rPr lang="en-US" smtClean="0"/>
+              <a:rPr lang="en-US"/>
               <a:t>Third level</a:t>
             </a:r>
           </a:p>
           <a:p>
             <a:pPr lvl="3"/>
             <a:r>
-              <a:rPr lang="en-US" smtClean="0"/>
+              <a:rPr lang="en-US"/>
               <a:t>Fourth level</a:t>
             </a:r>
           </a:p>
           <a:p>
             <a:pPr lvl="4"/>
             <a:r>
-              <a:rPr lang="en-US" smtClean="0"/>
+              <a:rPr lang="en-US"/>
               <a:t>Fifth level</a:t>
             </a:r>
-            <a:endParaRPr lang="en-US"/>
           </a:p>
         </p:txBody>
       </p:sp>
@@ -2228,7 +2270,7 @@
           <a:p>
             <a:pPr lvl="0"/>
             <a:r>
-              <a:rPr lang="en-US" smtClean="0"/>
+              <a:rPr lang="en-US"/>
               <a:t>Click to edit Master text styles</a:t>
             </a:r>
           </a:p>
@@ -2252,7 +2294,7 @@
             <a:fld id="{1D8BD707-D9CF-40AE-B4C6-C98DA3205C09}" type="datetimeFigureOut">
               <a:rPr lang="en-US" smtClean="0"/>
               <a:pPr/>
-              <a:t>8/1/2011</a:t>
+              <a:t>8/11/2025</a:t>
             </a:fld>
             <a:endParaRPr lang="en-US"/>
           </a:p>
@@ -2351,10 +2393,9 @@
           </a:lstStyle>
           <a:p>
             <a:r>
-              <a:rPr lang="en-US" smtClean="0"/>
+              <a:rPr lang="en-US"/>
               <a:t>Click to edit Master title style</a:t>
             </a:r>
-            <a:endParaRPr lang="en-US"/>
           </a:p>
         </p:txBody>
       </p:sp>
@@ -2478,7 +2519,7 @@
           <a:p>
             <a:pPr lvl="0"/>
             <a:r>
-              <a:rPr lang="en-US" smtClean="0"/>
+              <a:rPr lang="en-US"/>
               <a:t>Click to edit Master text styles</a:t>
             </a:r>
           </a:p>
@@ -2502,7 +2543,7 @@
             <a:fld id="{1D8BD707-D9CF-40AE-B4C6-C98DA3205C09}" type="datetimeFigureOut">
               <a:rPr lang="en-US" smtClean="0"/>
               <a:pPr/>
-              <a:t>8/1/2011</a:t>
+              <a:t>8/11/2025</a:t>
             </a:fld>
             <a:endParaRPr lang="en-US"/>
           </a:p>
@@ -2607,10 +2648,9 @@
           <a:lstStyle/>
           <a:p>
             <a:r>
-              <a:rPr lang="en-US" smtClean="0"/>
+              <a:rPr lang="en-US"/>
               <a:t>Click to edit Master title style</a:t>
             </a:r>
-            <a:endParaRPr lang="en-US"/>
           </a:p>
         </p:txBody>
       </p:sp>
@@ -2641,38 +2681,37 @@
           <a:p>
             <a:pPr lvl="0"/>
             <a:r>
-              <a:rPr lang="en-US" smtClean="0"/>
+              <a:rPr lang="en-US"/>
               <a:t>Click to edit Master text styles</a:t>
             </a:r>
           </a:p>
           <a:p>
             <a:pPr lvl="1"/>
             <a:r>
-              <a:rPr lang="en-US" smtClean="0"/>
+              <a:rPr lang="en-US"/>
               <a:t>Second level</a:t>
             </a:r>
           </a:p>
           <a:p>
             <a:pPr lvl="2"/>
             <a:r>
-              <a:rPr lang="en-US" smtClean="0"/>
+              <a:rPr lang="en-US"/>
               <a:t>Third level</a:t>
             </a:r>
           </a:p>
           <a:p>
             <a:pPr lvl="3"/>
             <a:r>
-              <a:rPr lang="en-US" smtClean="0"/>
+              <a:rPr lang="en-US"/>
               <a:t>Fourth level</a:t>
             </a:r>
           </a:p>
           <a:p>
             <a:pPr lvl="4"/>
             <a:r>
-              <a:rPr lang="en-US" smtClean="0"/>
+              <a:rPr lang="en-US"/>
               <a:t>Fifth level</a:t>
             </a:r>
-            <a:endParaRPr lang="en-US"/>
           </a:p>
         </p:txBody>
       </p:sp>
@@ -2712,7 +2751,7 @@
             <a:fld id="{1D8BD707-D9CF-40AE-B4C6-C98DA3205C09}" type="datetimeFigureOut">
               <a:rPr lang="en-US" smtClean="0"/>
               <a:pPr/>
-              <a:t>8/1/2011</a:t>
+              <a:t>8/11/2025</a:t>
             </a:fld>
             <a:endParaRPr lang="en-US"/>
           </a:p>
@@ -3067,13 +3106,14 @@
 </file>
 
 <file path=ppt/slides/slide1.xml><?xml version="1.0" encoding="utf-8"?>
-<p:sld xmlns:p="http://schemas.openxmlformats.org/presentationml/2006/main" xmlns:a="http://schemas.openxmlformats.org/drawingml/2006/main" xmlns:r="http://schemas.openxmlformats.org/officeDocument/2006/relationships">
+<p:sld xmlns:a="http://schemas.openxmlformats.org/drawingml/2006/main" xmlns:r="http://schemas.openxmlformats.org/officeDocument/2006/relationships" xmlns:p="http://schemas.openxmlformats.org/presentationml/2006/main">
   <p:cSld>
     <p:bg>
       <p:bgPr>
         <a:solidFill>
           <a:srgbClr val="F7F7F7"/>
         </a:solidFill>
+        <a:effectLst/>
       </p:bgPr>
     </p:bg>
     <p:spTree>
@@ -3092,12 +3132,12 @@
       </p:grpSpPr>
       <p:sp>
         <p:nvSpPr>
-          <p:cNvPr name="Freeform 2" id="2"/>
+          <p:cNvPr id="2" name="Freeform 2"/>
           <p:cNvSpPr/>
           <p:nvPr/>
         </p:nvSpPr>
         <p:spPr>
-          <a:xfrm flipH="false" flipV="false" rot="0">
+          <a:xfrm>
             <a:off x="0" y="0"/>
             <a:ext cx="18288000" cy="10287000"/>
           </a:xfrm>
@@ -3106,9 +3146,9 @@
             <a:gdLst/>
             <a:ahLst/>
             <a:cxnLst/>
-            <a:rect r="r" b="b" t="t" l="l"/>
+            <a:rect l="l" t="t" r="r" b="b"/>
             <a:pathLst>
-              <a:path h="10287000" w="18288000">
+              <a:path w="18288000" h="10287000">
                 <a:moveTo>
                   <a:pt x="0" y="0"/>
                 </a:moveTo>
@@ -3131,15 +3171,22 @@
           <a:blipFill>
             <a:blip r:embed="rId2"/>
             <a:stretch>
-              <a:fillRect l="0" t="-9222" r="0" b="-9222"/>
+              <a:fillRect t="-9222" b="-9222"/>
             </a:stretch>
           </a:blipFill>
         </p:spPr>
-      </p:sp>
-      <p:sp>
-        <p:nvSpPr>
-          <p:cNvPr name="TextBox 3" id="3"/>
-          <p:cNvSpPr txBox="true"/>
+        <p:txBody>
+          <a:bodyPr/>
+          <a:lstStyle/>
+          <a:p>
+            <a:endParaRPr lang="en-US"/>
+          </a:p>
+        </p:txBody>
+      </p:sp>
+      <p:sp>
+        <p:nvSpPr>
+          <p:cNvPr id="3" name="TextBox 3"/>
+          <p:cNvSpPr txBox="1"/>
           <p:nvPr/>
         </p:nvSpPr>
         <p:spPr>
@@ -3152,7 +3199,7 @@
           </a:prstGeom>
         </p:spPr>
         <p:txBody>
-          <a:bodyPr anchor="t" rtlCol="false" tIns="0" lIns="0" bIns="0" rIns="0">
+          <a:bodyPr lIns="0" tIns="0" rIns="0" bIns="0" rtlCol="0" anchor="t">
             <a:spAutoFit/>
           </a:bodyPr>
           <a:lstStyle/>
@@ -3163,7 +3210,7 @@
               </a:lnSpc>
             </a:pPr>
             <a:r>
-              <a:rPr lang="en-US" sz="9999" b="true">
+              <a:rPr lang="en-US" sz="9999" b="1">
                 <a:solidFill>
                   <a:srgbClr val="F7F7F7"/>
                 </a:solidFill>
@@ -3179,8 +3226,8 @@
       </p:sp>
       <p:sp>
         <p:nvSpPr>
-          <p:cNvPr name="TextBox 4" id="4"/>
-          <p:cNvSpPr txBox="true"/>
+          <p:cNvPr id="4" name="TextBox 4"/>
+          <p:cNvSpPr txBox="1"/>
           <p:nvPr/>
         </p:nvSpPr>
         <p:spPr>
@@ -3193,7 +3240,7 @@
           </a:prstGeom>
         </p:spPr>
         <p:txBody>
-          <a:bodyPr anchor="t" rtlCol="false" tIns="0" lIns="0" bIns="0" rIns="0">
+          <a:bodyPr lIns="0" tIns="0" rIns="0" bIns="0" rtlCol="0" anchor="t">
             <a:spAutoFit/>
           </a:bodyPr>
           <a:lstStyle/>
@@ -3204,7 +3251,7 @@
               </a:lnSpc>
             </a:pPr>
             <a:r>
-              <a:rPr lang="en-US" sz="24895" b="true">
+              <a:rPr lang="en-US" sz="24895" b="1">
                 <a:solidFill>
                   <a:srgbClr val="F7F7F7"/>
                 </a:solidFill>
@@ -3220,7 +3267,7 @@
       </p:sp>
       <p:grpSp>
         <p:nvGrpSpPr>
-          <p:cNvPr name="Group 5" id="5"/>
+          <p:cNvPr id="5" name="Group 5"/>
           <p:cNvGrpSpPr/>
           <p:nvPr/>
         </p:nvGrpSpPr>
@@ -3234,12 +3281,12 @@
         </p:grpSpPr>
         <p:sp>
           <p:nvSpPr>
-            <p:cNvPr name="Freeform 6" id="6"/>
+            <p:cNvPr id="6" name="Freeform 6"/>
             <p:cNvSpPr/>
             <p:nvPr/>
           </p:nvSpPr>
           <p:spPr>
-            <a:xfrm flipH="false" flipV="false" rot="0">
+            <a:xfrm>
               <a:off x="0" y="0"/>
               <a:ext cx="1113791" cy="231340"/>
             </a:xfrm>
@@ -3248,9 +3295,9 @@
               <a:gdLst/>
               <a:ahLst/>
               <a:cxnLst/>
-              <a:rect r="r" b="b" t="t" l="l"/>
+              <a:rect l="l" t="t" r="r" b="b"/>
               <a:pathLst>
-                <a:path h="231340" w="1113791">
+                <a:path w="1113791" h="231340">
                   <a:moveTo>
                     <a:pt x="0" y="0"/>
                   </a:moveTo>
@@ -3278,11 +3325,18 @@
               <a:miter/>
             </a:ln>
           </p:spPr>
+          <p:txBody>
+            <a:bodyPr/>
+            <a:lstStyle/>
+            <a:p>
+              <a:endParaRPr lang="en-US"/>
+            </a:p>
+          </p:txBody>
         </p:sp>
         <p:sp>
           <p:nvSpPr>
-            <p:cNvPr name="TextBox 7" id="7"/>
-            <p:cNvSpPr txBox="true"/>
+            <p:cNvPr id="7" name="TextBox 7"/>
+            <p:cNvSpPr txBox="1"/>
             <p:nvPr/>
           </p:nvSpPr>
           <p:spPr>
@@ -3295,7 +3349,7 @@
             </a:prstGeom>
           </p:spPr>
           <p:txBody>
-            <a:bodyPr anchor="ctr" rtlCol="false" tIns="93682" lIns="93682" bIns="93682" rIns="93682"/>
+            <a:bodyPr lIns="93682" tIns="93682" rIns="93682" bIns="93682" rtlCol="0" anchor="ctr"/>
             <a:lstStyle/>
             <a:p>
               <a:pPr algn="ctr">
@@ -3306,14 +3360,15 @@
                   <a:spcPct val="0"/>
                 </a:spcBef>
               </a:pPr>
+              <a:endParaRPr/>
             </a:p>
           </p:txBody>
         </p:sp>
       </p:grpSp>
       <p:sp>
         <p:nvSpPr>
-          <p:cNvPr name="TextBox 8" id="8"/>
-          <p:cNvSpPr txBox="true"/>
+          <p:cNvPr id="8" name="TextBox 8"/>
+          <p:cNvSpPr txBox="1"/>
           <p:nvPr/>
         </p:nvSpPr>
         <p:spPr>
@@ -3326,7 +3381,7 @@
           </a:prstGeom>
         </p:spPr>
         <p:txBody>
-          <a:bodyPr anchor="t" rtlCol="false" tIns="0" lIns="0" bIns="0" rIns="0">
+          <a:bodyPr lIns="0" tIns="0" rIns="0" bIns="0" rtlCol="0" anchor="t">
             <a:spAutoFit/>
           </a:bodyPr>
           <a:lstStyle/>
@@ -3337,7 +3392,7 @@
               </a:lnSpc>
             </a:pPr>
             <a:r>
-              <a:rPr lang="en-US" sz="4991" b="true">
+              <a:rPr lang="en-US" sz="4991" b="1">
                 <a:solidFill>
                   <a:srgbClr val="F7F7F7"/>
                 </a:solidFill>
@@ -3353,21 +3408,21 @@
       </p:sp>
       <p:sp>
         <p:nvSpPr>
-          <p:cNvPr name="TextBox 9" id="9"/>
-          <p:cNvSpPr txBox="true"/>
+          <p:cNvPr id="9" name="TextBox 9"/>
+          <p:cNvSpPr txBox="1"/>
           <p:nvPr/>
         </p:nvSpPr>
         <p:spPr>
-          <a:xfrm rot="0">
+          <a:xfrm>
             <a:off x="1028700" y="923925"/>
-            <a:ext cx="2982688" cy="953135"/>
+            <a:ext cx="3238500" cy="422167"/>
           </a:xfrm>
           <a:prstGeom prst="rect">
             <a:avLst/>
           </a:prstGeom>
         </p:spPr>
         <p:txBody>
-          <a:bodyPr anchor="t" rtlCol="false" tIns="0" lIns="0" bIns="0" rIns="0">
+          <a:bodyPr wrap="square" lIns="0" tIns="0" rIns="0" bIns="0" rtlCol="0" anchor="t">
             <a:spAutoFit/>
           </a:bodyPr>
           <a:lstStyle/>
@@ -3378,7 +3433,7 @@
               </a:lnSpc>
             </a:pPr>
             <a:r>
-              <a:rPr lang="en-US" b="true" sz="2600" spc="-52">
+              <a:rPr lang="en-US" sz="2600" b="1" spc="-52" dirty="0">
                 <a:solidFill>
                   <a:srgbClr val="F7F7F7"/>
                 </a:solidFill>
@@ -3387,19 +3442,19 @@
                 <a:cs typeface="Arial Bold"/>
                 <a:sym typeface="Arial Bold"/>
               </a:rPr>
-              <a:t>CSE 115.4 | Group 4 </a:t>
-            </a:r>
-          </a:p>
-        </p:txBody>
-      </p:sp>
-      <p:sp>
-        <p:nvSpPr>
-          <p:cNvPr name="TextBox 10" id="10"/>
-          <p:cNvSpPr txBox="true"/>
+              <a:t>CSE 115.4 | Group 2</a:t>
+            </a:r>
+          </a:p>
+        </p:txBody>
+      </p:sp>
+      <p:sp>
+        <p:nvSpPr>
+          <p:cNvPr id="10" name="TextBox 10"/>
+          <p:cNvSpPr txBox="1"/>
           <p:nvPr/>
         </p:nvSpPr>
         <p:spPr>
-          <a:xfrm rot="0">
+          <a:xfrm>
             <a:off x="1028700" y="8762415"/>
             <a:ext cx="2424961" cy="495935"/>
           </a:xfrm>
@@ -3408,7 +3463,7 @@
           </a:prstGeom>
         </p:spPr>
         <p:txBody>
-          <a:bodyPr anchor="t" rtlCol="false" tIns="0" lIns="0" bIns="0" rIns="0">
+          <a:bodyPr lIns="0" tIns="0" rIns="0" bIns="0" rtlCol="0" anchor="t">
             <a:spAutoFit/>
           </a:bodyPr>
           <a:lstStyle/>
@@ -3419,7 +3474,7 @@
               </a:lnSpc>
             </a:pPr>
             <a:r>
-              <a:rPr lang="en-US" sz="2600" i="true">
+              <a:rPr lang="en-US" sz="2600" i="1">
                 <a:solidFill>
                   <a:srgbClr val="F7F7F7"/>
                 </a:solidFill>
@@ -3435,12 +3490,12 @@
       </p:sp>
       <p:sp>
         <p:nvSpPr>
-          <p:cNvPr name="TextBox 11" id="11"/>
-          <p:cNvSpPr txBox="true"/>
+          <p:cNvPr id="11" name="TextBox 11"/>
+          <p:cNvSpPr txBox="1"/>
           <p:nvPr/>
         </p:nvSpPr>
         <p:spPr>
-          <a:xfrm rot="0">
+          <a:xfrm>
             <a:off x="3453661" y="8762415"/>
             <a:ext cx="13805639" cy="495935"/>
           </a:xfrm>
@@ -3449,7 +3504,7 @@
           </a:prstGeom>
         </p:spPr>
         <p:txBody>
-          <a:bodyPr anchor="t" rtlCol="false" tIns="0" lIns="0" bIns="0" rIns="0">
+          <a:bodyPr lIns="0" tIns="0" rIns="0" bIns="0" rtlCol="0" anchor="t">
             <a:spAutoFit/>
           </a:bodyPr>
           <a:lstStyle/>
@@ -3460,7 +3515,7 @@
               </a:lnSpc>
             </a:pPr>
             <a:r>
-              <a:rPr lang="en-US" b="true" sz="2600" spc="-52">
+              <a:rPr lang="en-US" sz="2600" b="1" spc="-52">
                 <a:solidFill>
                   <a:srgbClr val="F7F7F7"/>
                 </a:solidFill>
@@ -3476,12 +3531,12 @@
       </p:sp>
       <p:sp>
         <p:nvSpPr>
-          <p:cNvPr name="TextBox 12" id="12"/>
-          <p:cNvSpPr txBox="true"/>
+          <p:cNvPr id="12" name="TextBox 12"/>
+          <p:cNvSpPr txBox="1"/>
           <p:nvPr/>
         </p:nvSpPr>
         <p:spPr>
-          <a:xfrm rot="0">
+          <a:xfrm>
             <a:off x="14276612" y="923925"/>
             <a:ext cx="2982688" cy="495935"/>
           </a:xfrm>
@@ -3490,7 +3545,7 @@
           </a:prstGeom>
         </p:spPr>
         <p:txBody>
-          <a:bodyPr anchor="t" rtlCol="false" tIns="0" lIns="0" bIns="0" rIns="0">
+          <a:bodyPr lIns="0" tIns="0" rIns="0" bIns="0" rtlCol="0" anchor="t">
             <a:spAutoFit/>
           </a:bodyPr>
           <a:lstStyle/>
@@ -3501,7 +3556,7 @@
               </a:lnSpc>
             </a:pPr>
             <a:r>
-              <a:rPr lang="en-US" b="true" sz="2600" spc="-52">
+              <a:rPr lang="en-US" sz="2600" b="1" spc="-52">
                 <a:solidFill>
                   <a:srgbClr val="F7F7F7"/>
                 </a:solidFill>
@@ -3524,13 +3579,14 @@
 </file>
 
 <file path=ppt/slides/slide10.xml><?xml version="1.0" encoding="utf-8"?>
-<p:sld xmlns:p="http://schemas.openxmlformats.org/presentationml/2006/main" xmlns:a="http://schemas.openxmlformats.org/drawingml/2006/main" xmlns:r="http://schemas.openxmlformats.org/officeDocument/2006/relationships">
+<p:sld xmlns:a="http://schemas.openxmlformats.org/drawingml/2006/main" xmlns:r="http://schemas.openxmlformats.org/officeDocument/2006/relationships" xmlns:p="http://schemas.openxmlformats.org/presentationml/2006/main">
   <p:cSld>
     <p:bg>
       <p:bgPr>
         <a:solidFill>
           <a:srgbClr val="F7F7F7"/>
         </a:solidFill>
+        <a:effectLst/>
       </p:bgPr>
     </p:bg>
     <p:spTree>
@@ -3549,12 +3605,12 @@
       </p:grpSpPr>
       <p:sp>
         <p:nvSpPr>
-          <p:cNvPr name="Freeform 2" id="2"/>
+          <p:cNvPr id="2" name="Freeform 2"/>
           <p:cNvSpPr/>
           <p:nvPr/>
         </p:nvSpPr>
         <p:spPr>
-          <a:xfrm flipH="false" flipV="false" rot="0">
+          <a:xfrm>
             <a:off x="0" y="0"/>
             <a:ext cx="18288000" cy="10287000"/>
           </a:xfrm>
@@ -3563,9 +3619,9 @@
             <a:gdLst/>
             <a:ahLst/>
             <a:cxnLst/>
-            <a:rect r="r" b="b" t="t" l="l"/>
+            <a:rect l="l" t="t" r="r" b="b"/>
             <a:pathLst>
-              <a:path h="10287000" w="18288000">
+              <a:path w="18288000" h="10287000">
                 <a:moveTo>
                   <a:pt x="0" y="0"/>
                 </a:moveTo>
@@ -3588,19 +3644,26 @@
           <a:blipFill>
             <a:blip r:embed="rId2"/>
             <a:stretch>
-              <a:fillRect l="0" t="-9222" r="0" b="-9222"/>
+              <a:fillRect t="-9222" b="-9222"/>
             </a:stretch>
           </a:blipFill>
         </p:spPr>
-      </p:sp>
-      <p:sp>
-        <p:nvSpPr>
-          <p:cNvPr name="TextBox 3" id="3"/>
-          <p:cNvSpPr txBox="true"/>
+        <p:txBody>
+          <a:bodyPr/>
+          <a:lstStyle/>
+          <a:p>
+            <a:endParaRPr lang="en-US"/>
+          </a:p>
+        </p:txBody>
+      </p:sp>
+      <p:sp>
+        <p:nvSpPr>
+          <p:cNvPr id="3" name="TextBox 3"/>
+          <p:cNvSpPr txBox="1"/>
           <p:nvPr/>
         </p:nvSpPr>
         <p:spPr>
-          <a:xfrm rot="0">
+          <a:xfrm>
             <a:off x="1028700" y="923925"/>
             <a:ext cx="2982688" cy="953135"/>
           </a:xfrm>
@@ -3609,7 +3672,7 @@
           </a:prstGeom>
         </p:spPr>
         <p:txBody>
-          <a:bodyPr anchor="t" rtlCol="false" tIns="0" lIns="0" bIns="0" rIns="0">
+          <a:bodyPr lIns="0" tIns="0" rIns="0" bIns="0" rtlCol="0" anchor="t">
             <a:spAutoFit/>
           </a:bodyPr>
           <a:lstStyle/>
@@ -3620,7 +3683,7 @@
               </a:lnSpc>
             </a:pPr>
             <a:r>
-              <a:rPr lang="en-US" b="true" sz="2600" spc="-52">
+              <a:rPr lang="en-US" sz="2600" b="1" spc="-52">
                 <a:solidFill>
                   <a:srgbClr val="F7F7F7"/>
                 </a:solidFill>
@@ -3636,12 +3699,12 @@
       </p:sp>
       <p:sp>
         <p:nvSpPr>
-          <p:cNvPr name="TextBox 4" id="4"/>
-          <p:cNvSpPr txBox="true"/>
+          <p:cNvPr id="4" name="TextBox 4"/>
+          <p:cNvSpPr txBox="1"/>
           <p:nvPr/>
         </p:nvSpPr>
         <p:spPr>
-          <a:xfrm rot="0">
+          <a:xfrm>
             <a:off x="1028700" y="8762415"/>
             <a:ext cx="2424961" cy="495935"/>
           </a:xfrm>
@@ -3650,7 +3713,7 @@
           </a:prstGeom>
         </p:spPr>
         <p:txBody>
-          <a:bodyPr anchor="t" rtlCol="false" tIns="0" lIns="0" bIns="0" rIns="0">
+          <a:bodyPr lIns="0" tIns="0" rIns="0" bIns="0" rtlCol="0" anchor="t">
             <a:spAutoFit/>
           </a:bodyPr>
           <a:lstStyle/>
@@ -3661,7 +3724,7 @@
               </a:lnSpc>
             </a:pPr>
             <a:r>
-              <a:rPr lang="en-US" sz="2600" i="true">
+              <a:rPr lang="en-US" sz="2600" i="1">
                 <a:solidFill>
                   <a:srgbClr val="F7F7F7"/>
                 </a:solidFill>
@@ -3677,12 +3740,12 @@
       </p:sp>
       <p:sp>
         <p:nvSpPr>
-          <p:cNvPr name="TextBox 5" id="5"/>
-          <p:cNvSpPr txBox="true"/>
+          <p:cNvPr id="5" name="TextBox 5"/>
+          <p:cNvSpPr txBox="1"/>
           <p:nvPr/>
         </p:nvSpPr>
         <p:spPr>
-          <a:xfrm rot="0">
+          <a:xfrm>
             <a:off x="14276612" y="923925"/>
             <a:ext cx="2982688" cy="495935"/>
           </a:xfrm>
@@ -3691,7 +3754,7 @@
           </a:prstGeom>
         </p:spPr>
         <p:txBody>
-          <a:bodyPr anchor="t" rtlCol="false" tIns="0" lIns="0" bIns="0" rIns="0">
+          <a:bodyPr lIns="0" tIns="0" rIns="0" bIns="0" rtlCol="0" anchor="t">
             <a:spAutoFit/>
           </a:bodyPr>
           <a:lstStyle/>
@@ -3702,7 +3765,7 @@
               </a:lnSpc>
             </a:pPr>
             <a:r>
-              <a:rPr lang="en-US" b="true" sz="2600" spc="-52">
+              <a:rPr lang="en-US" sz="2600" b="1" spc="-52">
                 <a:solidFill>
                   <a:srgbClr val="F7F7F7"/>
                 </a:solidFill>
@@ -3718,12 +3781,12 @@
       </p:sp>
       <p:sp>
         <p:nvSpPr>
-          <p:cNvPr name="TextBox 6" id="6"/>
-          <p:cNvSpPr txBox="true"/>
+          <p:cNvPr id="6" name="TextBox 6"/>
+          <p:cNvSpPr txBox="1"/>
           <p:nvPr/>
         </p:nvSpPr>
         <p:spPr>
-          <a:xfrm rot="0">
+          <a:xfrm>
             <a:off x="1028700" y="1456055"/>
             <a:ext cx="5854005" cy="1369695"/>
           </a:xfrm>
@@ -3732,7 +3795,7 @@
           </a:prstGeom>
         </p:spPr>
         <p:txBody>
-          <a:bodyPr anchor="t" rtlCol="false" tIns="0" lIns="0" bIns="0" rIns="0">
+          <a:bodyPr lIns="0" tIns="0" rIns="0" bIns="0" rtlCol="0" anchor="t">
             <a:spAutoFit/>
           </a:bodyPr>
           <a:lstStyle/>
@@ -3743,7 +3806,7 @@
               </a:lnSpc>
             </a:pPr>
             <a:r>
-              <a:rPr lang="en-US" sz="7200" b="true">
+              <a:rPr lang="en-US" sz="7200" b="1">
                 <a:solidFill>
                   <a:srgbClr val="F7F7F7"/>
                 </a:solidFill>
@@ -3759,12 +3822,12 @@
       </p:sp>
       <p:sp>
         <p:nvSpPr>
-          <p:cNvPr name="TextBox 7" id="7"/>
-          <p:cNvSpPr txBox="true"/>
+          <p:cNvPr id="7" name="TextBox 7"/>
+          <p:cNvSpPr txBox="1"/>
           <p:nvPr/>
         </p:nvSpPr>
         <p:spPr>
-          <a:xfrm rot="0">
+          <a:xfrm>
             <a:off x="3453661" y="8762415"/>
             <a:ext cx="13805639" cy="495935"/>
           </a:xfrm>
@@ -3773,7 +3836,7 @@
           </a:prstGeom>
         </p:spPr>
         <p:txBody>
-          <a:bodyPr anchor="t" rtlCol="false" tIns="0" lIns="0" bIns="0" rIns="0">
+          <a:bodyPr lIns="0" tIns="0" rIns="0" bIns="0" rtlCol="0" anchor="t">
             <a:spAutoFit/>
           </a:bodyPr>
           <a:lstStyle/>
@@ -3784,7 +3847,7 @@
               </a:lnSpc>
             </a:pPr>
             <a:r>
-              <a:rPr lang="en-US" b="true" sz="2600" spc="-52">
+              <a:rPr lang="en-US" sz="2600" b="1" spc="-52">
                 <a:solidFill>
                   <a:srgbClr val="F7F7F7"/>
                 </a:solidFill>
@@ -3807,13 +3870,14 @@
 </file>
 
 <file path=ppt/slides/slide11.xml><?xml version="1.0" encoding="utf-8"?>
-<p:sld xmlns:p="http://schemas.openxmlformats.org/presentationml/2006/main" xmlns:a="http://schemas.openxmlformats.org/drawingml/2006/main" xmlns:r="http://schemas.openxmlformats.org/officeDocument/2006/relationships">
+<p:sld xmlns:a="http://schemas.openxmlformats.org/drawingml/2006/main" xmlns:r="http://schemas.openxmlformats.org/officeDocument/2006/relationships" xmlns:p="http://schemas.openxmlformats.org/presentationml/2006/main">
   <p:cSld>
     <p:bg>
       <p:bgPr>
         <a:solidFill>
           <a:srgbClr val="F7F7F7"/>
         </a:solidFill>
+        <a:effectLst/>
       </p:bgPr>
     </p:bg>
     <p:spTree>
@@ -3832,12 +3896,12 @@
       </p:grpSpPr>
       <p:sp>
         <p:nvSpPr>
-          <p:cNvPr name="Freeform 2" id="2"/>
+          <p:cNvPr id="2" name="Freeform 2"/>
           <p:cNvSpPr/>
           <p:nvPr/>
         </p:nvSpPr>
         <p:spPr>
-          <a:xfrm flipH="false" flipV="false" rot="0">
+          <a:xfrm>
             <a:off x="0" y="0"/>
             <a:ext cx="18288000" cy="10287000"/>
           </a:xfrm>
@@ -3846,9 +3910,9 @@
             <a:gdLst/>
             <a:ahLst/>
             <a:cxnLst/>
-            <a:rect r="r" b="b" t="t" l="l"/>
+            <a:rect l="l" t="t" r="r" b="b"/>
             <a:pathLst>
-              <a:path h="10287000" w="18288000">
+              <a:path w="18288000" h="10287000">
                 <a:moveTo>
                   <a:pt x="0" y="0"/>
                 </a:moveTo>
@@ -3871,19 +3935,26 @@
           <a:blipFill>
             <a:blip r:embed="rId2"/>
             <a:stretch>
-              <a:fillRect l="0" t="-9222" r="0" b="-9222"/>
+              <a:fillRect t="-9222" b="-9222"/>
             </a:stretch>
           </a:blipFill>
         </p:spPr>
-      </p:sp>
-      <p:sp>
-        <p:nvSpPr>
-          <p:cNvPr name="TextBox 3" id="3"/>
-          <p:cNvSpPr txBox="true"/>
+        <p:txBody>
+          <a:bodyPr/>
+          <a:lstStyle/>
+          <a:p>
+            <a:endParaRPr lang="en-US"/>
+          </a:p>
+        </p:txBody>
+      </p:sp>
+      <p:sp>
+        <p:nvSpPr>
+          <p:cNvPr id="3" name="TextBox 3"/>
+          <p:cNvSpPr txBox="1"/>
           <p:nvPr/>
         </p:nvSpPr>
         <p:spPr>
-          <a:xfrm rot="0">
+          <a:xfrm>
             <a:off x="1028700" y="923925"/>
             <a:ext cx="2982688" cy="953135"/>
           </a:xfrm>
@@ -3892,7 +3963,7 @@
           </a:prstGeom>
         </p:spPr>
         <p:txBody>
-          <a:bodyPr anchor="t" rtlCol="false" tIns="0" lIns="0" bIns="0" rIns="0">
+          <a:bodyPr lIns="0" tIns="0" rIns="0" bIns="0" rtlCol="0" anchor="t">
             <a:spAutoFit/>
           </a:bodyPr>
           <a:lstStyle/>
@@ -3903,7 +3974,7 @@
               </a:lnSpc>
             </a:pPr>
             <a:r>
-              <a:rPr lang="en-US" b="true" sz="2600" spc="-52">
+              <a:rPr lang="en-US" sz="2600" b="1" spc="-52">
                 <a:solidFill>
                   <a:srgbClr val="F7F7F7"/>
                 </a:solidFill>
@@ -3919,12 +3990,12 @@
       </p:sp>
       <p:sp>
         <p:nvSpPr>
-          <p:cNvPr name="TextBox 4" id="4"/>
-          <p:cNvSpPr txBox="true"/>
+          <p:cNvPr id="4" name="TextBox 4"/>
+          <p:cNvSpPr txBox="1"/>
           <p:nvPr/>
         </p:nvSpPr>
         <p:spPr>
-          <a:xfrm rot="0">
+          <a:xfrm>
             <a:off x="1028700" y="8762415"/>
             <a:ext cx="2424961" cy="495935"/>
           </a:xfrm>
@@ -3933,7 +4004,7 @@
           </a:prstGeom>
         </p:spPr>
         <p:txBody>
-          <a:bodyPr anchor="t" rtlCol="false" tIns="0" lIns="0" bIns="0" rIns="0">
+          <a:bodyPr lIns="0" tIns="0" rIns="0" bIns="0" rtlCol="0" anchor="t">
             <a:spAutoFit/>
           </a:bodyPr>
           <a:lstStyle/>
@@ -3944,7 +4015,7 @@
               </a:lnSpc>
             </a:pPr>
             <a:r>
-              <a:rPr lang="en-US" sz="2600" i="true">
+              <a:rPr lang="en-US" sz="2600" i="1">
                 <a:solidFill>
                   <a:srgbClr val="F7F7F7"/>
                 </a:solidFill>
@@ -3960,12 +4031,12 @@
       </p:sp>
       <p:sp>
         <p:nvSpPr>
-          <p:cNvPr name="TextBox 5" id="5"/>
-          <p:cNvSpPr txBox="true"/>
+          <p:cNvPr id="5" name="TextBox 5"/>
+          <p:cNvSpPr txBox="1"/>
           <p:nvPr/>
         </p:nvSpPr>
         <p:spPr>
-          <a:xfrm rot="0">
+          <a:xfrm>
             <a:off x="14276612" y="923925"/>
             <a:ext cx="2982688" cy="495935"/>
           </a:xfrm>
@@ -3974,7 +4045,7 @@
           </a:prstGeom>
         </p:spPr>
         <p:txBody>
-          <a:bodyPr anchor="t" rtlCol="false" tIns="0" lIns="0" bIns="0" rIns="0">
+          <a:bodyPr lIns="0" tIns="0" rIns="0" bIns="0" rtlCol="0" anchor="t">
             <a:spAutoFit/>
           </a:bodyPr>
           <a:lstStyle/>
@@ -3985,7 +4056,7 @@
               </a:lnSpc>
             </a:pPr>
             <a:r>
-              <a:rPr lang="en-US" b="true" sz="2600" spc="-52">
+              <a:rPr lang="en-US" sz="2600" b="1" spc="-52">
                 <a:solidFill>
                   <a:srgbClr val="F7F7F7"/>
                 </a:solidFill>
@@ -4001,12 +4072,12 @@
       </p:sp>
       <p:sp>
         <p:nvSpPr>
-          <p:cNvPr name="TextBox 6" id="6"/>
-          <p:cNvSpPr txBox="true"/>
+          <p:cNvPr id="6" name="TextBox 6"/>
+          <p:cNvSpPr txBox="1"/>
           <p:nvPr/>
         </p:nvSpPr>
         <p:spPr>
-          <a:xfrm rot="0">
+          <a:xfrm>
             <a:off x="1028700" y="1456055"/>
             <a:ext cx="9249172" cy="1369695"/>
           </a:xfrm>
@@ -4015,7 +4086,7 @@
           </a:prstGeom>
         </p:spPr>
         <p:txBody>
-          <a:bodyPr anchor="t" rtlCol="false" tIns="0" lIns="0" bIns="0" rIns="0">
+          <a:bodyPr lIns="0" tIns="0" rIns="0" bIns="0" rtlCol="0" anchor="t">
             <a:spAutoFit/>
           </a:bodyPr>
           <a:lstStyle/>
@@ -4026,7 +4097,7 @@
               </a:lnSpc>
             </a:pPr>
             <a:r>
-              <a:rPr lang="en-US" sz="7200" b="true">
+              <a:rPr lang="en-US" sz="7200" b="1">
                 <a:solidFill>
                   <a:srgbClr val="F7F7F7"/>
                 </a:solidFill>
@@ -4042,12 +4113,12 @@
       </p:sp>
       <p:sp>
         <p:nvSpPr>
-          <p:cNvPr name="TextBox 7" id="7"/>
-          <p:cNvSpPr txBox="true"/>
+          <p:cNvPr id="7" name="TextBox 7"/>
+          <p:cNvSpPr txBox="1"/>
           <p:nvPr/>
         </p:nvSpPr>
         <p:spPr>
-          <a:xfrm rot="0">
+          <a:xfrm>
             <a:off x="3453661" y="8762415"/>
             <a:ext cx="13805639" cy="495935"/>
           </a:xfrm>
@@ -4056,7 +4127,7 @@
           </a:prstGeom>
         </p:spPr>
         <p:txBody>
-          <a:bodyPr anchor="t" rtlCol="false" tIns="0" lIns="0" bIns="0" rIns="0">
+          <a:bodyPr lIns="0" tIns="0" rIns="0" bIns="0" rtlCol="0" anchor="t">
             <a:spAutoFit/>
           </a:bodyPr>
           <a:lstStyle/>
@@ -4067,7 +4138,7 @@
               </a:lnSpc>
             </a:pPr>
             <a:r>
-              <a:rPr lang="en-US" b="true" sz="2600" spc="-52">
+              <a:rPr lang="en-US" sz="2600" b="1" spc="-52">
                 <a:solidFill>
                   <a:srgbClr val="F7F7F7"/>
                 </a:solidFill>
@@ -4090,13 +4161,14 @@
 </file>
 
 <file path=ppt/slides/slide12.xml><?xml version="1.0" encoding="utf-8"?>
-<p:sld xmlns:p="http://schemas.openxmlformats.org/presentationml/2006/main" xmlns:a="http://schemas.openxmlformats.org/drawingml/2006/main" xmlns:r="http://schemas.openxmlformats.org/officeDocument/2006/relationships">
+<p:sld xmlns:a="http://schemas.openxmlformats.org/drawingml/2006/main" xmlns:r="http://schemas.openxmlformats.org/officeDocument/2006/relationships" xmlns:p="http://schemas.openxmlformats.org/presentationml/2006/main">
   <p:cSld>
     <p:bg>
       <p:bgPr>
         <a:solidFill>
           <a:srgbClr val="F7F7F7"/>
         </a:solidFill>
+        <a:effectLst/>
       </p:bgPr>
     </p:bg>
     <p:spTree>
@@ -4115,12 +4187,12 @@
       </p:grpSpPr>
       <p:sp>
         <p:nvSpPr>
-          <p:cNvPr name="Freeform 2" id="2"/>
+          <p:cNvPr id="2" name="Freeform 2"/>
           <p:cNvSpPr/>
           <p:nvPr/>
         </p:nvSpPr>
         <p:spPr>
-          <a:xfrm flipH="false" flipV="false" rot="0">
+          <a:xfrm>
             <a:off x="0" y="0"/>
             <a:ext cx="18288000" cy="10287000"/>
           </a:xfrm>
@@ -4129,9 +4201,9 @@
             <a:gdLst/>
             <a:ahLst/>
             <a:cxnLst/>
-            <a:rect r="r" b="b" t="t" l="l"/>
+            <a:rect l="l" t="t" r="r" b="b"/>
             <a:pathLst>
-              <a:path h="10287000" w="18288000">
+              <a:path w="18288000" h="10287000">
                 <a:moveTo>
                   <a:pt x="0" y="0"/>
                 </a:moveTo>
@@ -4154,19 +4226,26 @@
           <a:blipFill>
             <a:blip r:embed="rId2"/>
             <a:stretch>
-              <a:fillRect l="0" t="-9222" r="0" b="-9222"/>
+              <a:fillRect t="-9222" b="-9222"/>
             </a:stretch>
           </a:blipFill>
         </p:spPr>
-      </p:sp>
-      <p:sp>
-        <p:nvSpPr>
-          <p:cNvPr name="TextBox 3" id="3"/>
-          <p:cNvSpPr txBox="true"/>
+        <p:txBody>
+          <a:bodyPr/>
+          <a:lstStyle/>
+          <a:p>
+            <a:endParaRPr lang="en-US"/>
+          </a:p>
+        </p:txBody>
+      </p:sp>
+      <p:sp>
+        <p:nvSpPr>
+          <p:cNvPr id="3" name="TextBox 3"/>
+          <p:cNvSpPr txBox="1"/>
           <p:nvPr/>
         </p:nvSpPr>
         <p:spPr>
-          <a:xfrm rot="0">
+          <a:xfrm>
             <a:off x="1028700" y="923925"/>
             <a:ext cx="2982688" cy="953135"/>
           </a:xfrm>
@@ -4175,7 +4254,7 @@
           </a:prstGeom>
         </p:spPr>
         <p:txBody>
-          <a:bodyPr anchor="t" rtlCol="false" tIns="0" lIns="0" bIns="0" rIns="0">
+          <a:bodyPr lIns="0" tIns="0" rIns="0" bIns="0" rtlCol="0" anchor="t">
             <a:spAutoFit/>
           </a:bodyPr>
           <a:lstStyle/>
@@ -4186,7 +4265,7 @@
               </a:lnSpc>
             </a:pPr>
             <a:r>
-              <a:rPr lang="en-US" b="true" sz="2600" spc="-52">
+              <a:rPr lang="en-US" sz="2600" b="1" spc="-52">
                 <a:solidFill>
                   <a:srgbClr val="F7F7F7"/>
                 </a:solidFill>
@@ -4202,12 +4281,12 @@
       </p:sp>
       <p:sp>
         <p:nvSpPr>
-          <p:cNvPr name="TextBox 4" id="4"/>
-          <p:cNvSpPr txBox="true"/>
+          <p:cNvPr id="4" name="TextBox 4"/>
+          <p:cNvSpPr txBox="1"/>
           <p:nvPr/>
         </p:nvSpPr>
         <p:spPr>
-          <a:xfrm rot="0">
+          <a:xfrm>
             <a:off x="1028700" y="8762415"/>
             <a:ext cx="2424961" cy="495935"/>
           </a:xfrm>
@@ -4216,7 +4295,7 @@
           </a:prstGeom>
         </p:spPr>
         <p:txBody>
-          <a:bodyPr anchor="t" rtlCol="false" tIns="0" lIns="0" bIns="0" rIns="0">
+          <a:bodyPr lIns="0" tIns="0" rIns="0" bIns="0" rtlCol="0" anchor="t">
             <a:spAutoFit/>
           </a:bodyPr>
           <a:lstStyle/>
@@ -4227,7 +4306,7 @@
               </a:lnSpc>
             </a:pPr>
             <a:r>
-              <a:rPr lang="en-US" sz="2600" i="true">
+              <a:rPr lang="en-US" sz="2600" i="1">
                 <a:solidFill>
                   <a:srgbClr val="F7F7F7"/>
                 </a:solidFill>
@@ -4243,12 +4322,12 @@
       </p:sp>
       <p:sp>
         <p:nvSpPr>
-          <p:cNvPr name="TextBox 5" id="5"/>
-          <p:cNvSpPr txBox="true"/>
+          <p:cNvPr id="5" name="TextBox 5"/>
+          <p:cNvSpPr txBox="1"/>
           <p:nvPr/>
         </p:nvSpPr>
         <p:spPr>
-          <a:xfrm rot="0">
+          <a:xfrm>
             <a:off x="14276612" y="923925"/>
             <a:ext cx="2982688" cy="495935"/>
           </a:xfrm>
@@ -4257,7 +4336,7 @@
           </a:prstGeom>
         </p:spPr>
         <p:txBody>
-          <a:bodyPr anchor="t" rtlCol="false" tIns="0" lIns="0" bIns="0" rIns="0">
+          <a:bodyPr lIns="0" tIns="0" rIns="0" bIns="0" rtlCol="0" anchor="t">
             <a:spAutoFit/>
           </a:bodyPr>
           <a:lstStyle/>
@@ -4268,7 +4347,7 @@
               </a:lnSpc>
             </a:pPr>
             <a:r>
-              <a:rPr lang="en-US" b="true" sz="2600" spc="-52">
+              <a:rPr lang="en-US" sz="2600" b="1" spc="-52">
                 <a:solidFill>
                   <a:srgbClr val="F7F7F7"/>
                 </a:solidFill>
@@ -4284,12 +4363,12 @@
       </p:sp>
       <p:sp>
         <p:nvSpPr>
-          <p:cNvPr name="TextBox 6" id="6"/>
-          <p:cNvSpPr txBox="true"/>
+          <p:cNvPr id="6" name="TextBox 6"/>
+          <p:cNvSpPr txBox="1"/>
           <p:nvPr/>
         </p:nvSpPr>
         <p:spPr>
-          <a:xfrm rot="0">
+          <a:xfrm>
             <a:off x="1028700" y="1456055"/>
             <a:ext cx="8433594" cy="1369695"/>
           </a:xfrm>
@@ -4298,7 +4377,7 @@
           </a:prstGeom>
         </p:spPr>
         <p:txBody>
-          <a:bodyPr anchor="t" rtlCol="false" tIns="0" lIns="0" bIns="0" rIns="0">
+          <a:bodyPr lIns="0" tIns="0" rIns="0" bIns="0" rtlCol="0" anchor="t">
             <a:spAutoFit/>
           </a:bodyPr>
           <a:lstStyle/>
@@ -4309,7 +4388,7 @@
               </a:lnSpc>
             </a:pPr>
             <a:r>
-              <a:rPr lang="en-US" sz="7200" b="true">
+              <a:rPr lang="en-US" sz="7200" b="1">
                 <a:solidFill>
                   <a:srgbClr val="F7F7F7"/>
                 </a:solidFill>
@@ -4325,12 +4404,12 @@
       </p:sp>
       <p:sp>
         <p:nvSpPr>
-          <p:cNvPr name="TextBox 7" id="7"/>
-          <p:cNvSpPr txBox="true"/>
+          <p:cNvPr id="7" name="TextBox 7"/>
+          <p:cNvSpPr txBox="1"/>
           <p:nvPr/>
         </p:nvSpPr>
         <p:spPr>
-          <a:xfrm rot="0">
+          <a:xfrm>
             <a:off x="3453661" y="8762415"/>
             <a:ext cx="13805639" cy="495935"/>
           </a:xfrm>
@@ -4339,7 +4418,7 @@
           </a:prstGeom>
         </p:spPr>
         <p:txBody>
-          <a:bodyPr anchor="t" rtlCol="false" tIns="0" lIns="0" bIns="0" rIns="0">
+          <a:bodyPr lIns="0" tIns="0" rIns="0" bIns="0" rtlCol="0" anchor="t">
             <a:spAutoFit/>
           </a:bodyPr>
           <a:lstStyle/>
@@ -4350,7 +4429,7 @@
               </a:lnSpc>
             </a:pPr>
             <a:r>
-              <a:rPr lang="en-US" b="true" sz="2600" spc="-52">
+              <a:rPr lang="en-US" sz="2600" b="1" spc="-52">
                 <a:solidFill>
                   <a:srgbClr val="F7F7F7"/>
                 </a:solidFill>
@@ -4366,7 +4445,7 @@
       </p:sp>
       <p:grpSp>
         <p:nvGrpSpPr>
-          <p:cNvPr name="Group 8" id="8"/>
+          <p:cNvPr id="8" name="Group 8"/>
           <p:cNvGrpSpPr/>
           <p:nvPr/>
         </p:nvGrpSpPr>
@@ -4380,12 +4459,12 @@
         </p:grpSpPr>
         <p:sp>
           <p:nvSpPr>
-            <p:cNvPr name="Freeform 9" id="9"/>
+            <p:cNvPr id="9" name="Freeform 9"/>
             <p:cNvSpPr/>
             <p:nvPr/>
           </p:nvSpPr>
           <p:spPr>
-            <a:xfrm flipH="false" flipV="false" rot="0">
+            <a:xfrm>
               <a:off x="0" y="0"/>
               <a:ext cx="1075645" cy="1153864"/>
             </a:xfrm>
@@ -4394,9 +4473,9 @@
               <a:gdLst/>
               <a:ahLst/>
               <a:cxnLst/>
-              <a:rect r="r" b="b" t="t" l="l"/>
+              <a:rect l="l" t="t" r="r" b="b"/>
               <a:pathLst>
-                <a:path h="1153864" w="1075645">
+                <a:path w="1075645" h="1153864">
                   <a:moveTo>
                     <a:pt x="0" y="0"/>
                   </a:moveTo>
@@ -4433,11 +4512,18 @@
               <a:miter/>
             </a:ln>
           </p:spPr>
+          <p:txBody>
+            <a:bodyPr/>
+            <a:lstStyle/>
+            <a:p>
+              <a:endParaRPr lang="en-US"/>
+            </a:p>
+          </p:txBody>
         </p:sp>
         <p:sp>
           <p:nvSpPr>
-            <p:cNvPr name="TextBox 10" id="10"/>
-            <p:cNvSpPr txBox="true"/>
+            <p:cNvPr id="10" name="TextBox 10"/>
+            <p:cNvSpPr txBox="1"/>
             <p:nvPr/>
           </p:nvSpPr>
           <p:spPr>
@@ -4450,7 +4536,7 @@
             </a:prstGeom>
           </p:spPr>
           <p:txBody>
-            <a:bodyPr anchor="ctr" rtlCol="false" tIns="50800" lIns="50800" bIns="50800" rIns="50800"/>
+            <a:bodyPr lIns="50800" tIns="50800" rIns="50800" bIns="50800" rtlCol="0" anchor="ctr"/>
             <a:lstStyle/>
             <a:p>
               <a:pPr algn="ctr">
@@ -4458,18 +4544,19 @@
                   <a:spcPts val="3640"/>
                 </a:lnSpc>
               </a:pPr>
+              <a:endParaRPr/>
             </a:p>
           </p:txBody>
         </p:sp>
       </p:grpSp>
       <p:sp>
         <p:nvSpPr>
-          <p:cNvPr name="TextBox 11" id="11"/>
-          <p:cNvSpPr txBox="true"/>
+          <p:cNvPr id="11" name="TextBox 11"/>
+          <p:cNvSpPr txBox="1"/>
           <p:nvPr/>
         </p:nvSpPr>
         <p:spPr>
-          <a:xfrm rot="0">
+          <a:xfrm>
             <a:off x="1820849" y="3504449"/>
             <a:ext cx="4381078" cy="2612390"/>
           </a:xfrm>
@@ -4478,7 +4565,7 @@
           </a:prstGeom>
         </p:spPr>
         <p:txBody>
-          <a:bodyPr anchor="t" rtlCol="false" tIns="0" lIns="0" bIns="0" rIns="0">
+          <a:bodyPr lIns="0" tIns="0" rIns="0" bIns="0" rtlCol="0" anchor="t">
             <a:spAutoFit/>
           </a:bodyPr>
           <a:lstStyle/>
@@ -4492,7 +4579,7 @@
               </a:spcBef>
             </a:pPr>
             <a:r>
-              <a:rPr lang="en-US" b="true" sz="2899" spc="-57">
+              <a:rPr lang="en-US" sz="2899" b="1" spc="-57">
                 <a:solidFill>
                   <a:srgbClr val="F7F7F7"/>
                 </a:solidFill>
@@ -4508,7 +4595,7 @@
       </p:sp>
       <p:grpSp>
         <p:nvGrpSpPr>
-          <p:cNvPr name="Group 12" id="12"/>
+          <p:cNvPr id="12" name="Group 12"/>
           <p:cNvGrpSpPr/>
           <p:nvPr/>
         </p:nvGrpSpPr>
@@ -4522,12 +4609,12 @@
         </p:grpSpPr>
         <p:sp>
           <p:nvSpPr>
-            <p:cNvPr name="Freeform 13" id="13"/>
+            <p:cNvPr id="13" name="Freeform 13"/>
             <p:cNvSpPr/>
             <p:nvPr/>
           </p:nvSpPr>
           <p:spPr>
-            <a:xfrm flipH="false" flipV="false" rot="0">
+            <a:xfrm>
               <a:off x="0" y="0"/>
               <a:ext cx="1075645" cy="1153864"/>
             </a:xfrm>
@@ -4536,9 +4623,9 @@
               <a:gdLst/>
               <a:ahLst/>
               <a:cxnLst/>
-              <a:rect r="r" b="b" t="t" l="l"/>
+              <a:rect l="l" t="t" r="r" b="b"/>
               <a:pathLst>
-                <a:path h="1153864" w="1075645">
+                <a:path w="1075645" h="1153864">
                   <a:moveTo>
                     <a:pt x="0" y="0"/>
                   </a:moveTo>
@@ -4575,11 +4662,18 @@
               <a:miter/>
             </a:ln>
           </p:spPr>
+          <p:txBody>
+            <a:bodyPr/>
+            <a:lstStyle/>
+            <a:p>
+              <a:endParaRPr lang="en-US"/>
+            </a:p>
+          </p:txBody>
         </p:sp>
         <p:sp>
           <p:nvSpPr>
-            <p:cNvPr name="TextBox 14" id="14"/>
-            <p:cNvSpPr txBox="true"/>
+            <p:cNvPr id="14" name="TextBox 14"/>
+            <p:cNvSpPr txBox="1"/>
             <p:nvPr/>
           </p:nvSpPr>
           <p:spPr>
@@ -4592,7 +4686,7 @@
             </a:prstGeom>
           </p:spPr>
           <p:txBody>
-            <a:bodyPr anchor="ctr" rtlCol="false" tIns="50800" lIns="50800" bIns="50800" rIns="50800"/>
+            <a:bodyPr lIns="50800" tIns="50800" rIns="50800" bIns="50800" rtlCol="0" anchor="ctr"/>
             <a:lstStyle/>
             <a:p>
               <a:pPr algn="ctr">
@@ -4600,13 +4694,14 @@
                   <a:spcPts val="3640"/>
                 </a:lnSpc>
               </a:pPr>
+              <a:endParaRPr/>
             </a:p>
           </p:txBody>
         </p:sp>
       </p:grpSp>
       <p:grpSp>
         <p:nvGrpSpPr>
-          <p:cNvPr name="Group 15" id="15"/>
+          <p:cNvPr id="15" name="Group 15"/>
           <p:cNvGrpSpPr/>
           <p:nvPr/>
         </p:nvGrpSpPr>
@@ -4620,12 +4715,12 @@
         </p:grpSpPr>
         <p:sp>
           <p:nvSpPr>
-            <p:cNvPr name="Freeform 16" id="16"/>
+            <p:cNvPr id="16" name="Freeform 16"/>
             <p:cNvSpPr/>
             <p:nvPr/>
           </p:nvSpPr>
           <p:spPr>
-            <a:xfrm flipH="false" flipV="false" rot="0">
+            <a:xfrm>
               <a:off x="0" y="0"/>
               <a:ext cx="1075645" cy="1153864"/>
             </a:xfrm>
@@ -4634,9 +4729,9 @@
               <a:gdLst/>
               <a:ahLst/>
               <a:cxnLst/>
-              <a:rect r="r" b="b" t="t" l="l"/>
+              <a:rect l="l" t="t" r="r" b="b"/>
               <a:pathLst>
-                <a:path h="1153864" w="1075645">
+                <a:path w="1075645" h="1153864">
                   <a:moveTo>
                     <a:pt x="0" y="0"/>
                   </a:moveTo>
@@ -4673,11 +4768,18 @@
               <a:miter/>
             </a:ln>
           </p:spPr>
+          <p:txBody>
+            <a:bodyPr/>
+            <a:lstStyle/>
+            <a:p>
+              <a:endParaRPr lang="en-US"/>
+            </a:p>
+          </p:txBody>
         </p:sp>
         <p:sp>
           <p:nvSpPr>
-            <p:cNvPr name="TextBox 17" id="17"/>
-            <p:cNvSpPr txBox="true"/>
+            <p:cNvPr id="17" name="TextBox 17"/>
+            <p:cNvSpPr txBox="1"/>
             <p:nvPr/>
           </p:nvSpPr>
           <p:spPr>
@@ -4690,7 +4792,7 @@
             </a:prstGeom>
           </p:spPr>
           <p:txBody>
-            <a:bodyPr anchor="ctr" rtlCol="false" tIns="50800" lIns="50800" bIns="50800" rIns="50800"/>
+            <a:bodyPr lIns="50800" tIns="50800" rIns="50800" bIns="50800" rtlCol="0" anchor="ctr"/>
             <a:lstStyle/>
             <a:p>
               <a:pPr algn="ctr">
@@ -4698,18 +4800,19 @@
                   <a:spcPts val="3640"/>
                 </a:lnSpc>
               </a:pPr>
+              <a:endParaRPr/>
             </a:p>
           </p:txBody>
         </p:sp>
       </p:grpSp>
       <p:sp>
         <p:nvSpPr>
-          <p:cNvPr name="TextBox 18" id="18"/>
-          <p:cNvSpPr txBox="true"/>
+          <p:cNvPr id="18" name="TextBox 18"/>
+          <p:cNvSpPr txBox="1"/>
           <p:nvPr/>
         </p:nvSpPr>
         <p:spPr>
-          <a:xfrm rot="0">
+          <a:xfrm>
             <a:off x="12296187" y="3744421"/>
             <a:ext cx="4381078" cy="1728470"/>
           </a:xfrm>
@@ -4718,7 +4821,7 @@
           </a:prstGeom>
         </p:spPr>
         <p:txBody>
-          <a:bodyPr anchor="t" rtlCol="false" tIns="0" lIns="0" bIns="0" rIns="0">
+          <a:bodyPr lIns="0" tIns="0" rIns="0" bIns="0" rtlCol="0" anchor="t">
             <a:spAutoFit/>
           </a:bodyPr>
           <a:lstStyle/>
@@ -4729,7 +4832,7 @@
               </a:lnSpc>
             </a:pPr>
             <a:r>
-              <a:rPr lang="en-US" b="true" sz="3199" spc="-63">
+              <a:rPr lang="en-US" sz="3199" b="1" spc="-63">
                 <a:solidFill>
                   <a:srgbClr val="F7F7F7"/>
                 </a:solidFill>
@@ -4751,7 +4854,7 @@
               </a:spcBef>
             </a:pPr>
             <a:r>
-              <a:rPr lang="en-US" b="true" sz="3199" spc="-63">
+              <a:rPr lang="en-US" sz="3199" b="1" spc="-63">
                 <a:solidFill>
                   <a:srgbClr val="F7F7F7"/>
                 </a:solidFill>
@@ -4767,12 +4870,12 @@
       </p:sp>
       <p:sp>
         <p:nvSpPr>
-          <p:cNvPr name="TextBox 19" id="19"/>
-          <p:cNvSpPr txBox="true"/>
+          <p:cNvPr id="19" name="TextBox 19"/>
+          <p:cNvSpPr txBox="1"/>
           <p:nvPr/>
         </p:nvSpPr>
         <p:spPr>
-          <a:xfrm rot="0">
+          <a:xfrm>
             <a:off x="6953461" y="3744421"/>
             <a:ext cx="4381078" cy="1673860"/>
           </a:xfrm>
@@ -4781,7 +4884,7 @@
           </a:prstGeom>
         </p:spPr>
         <p:txBody>
-          <a:bodyPr anchor="t" rtlCol="false" tIns="0" lIns="0" bIns="0" rIns="0">
+          <a:bodyPr lIns="0" tIns="0" rIns="0" bIns="0" rtlCol="0" anchor="t">
             <a:spAutoFit/>
           </a:bodyPr>
           <a:lstStyle/>
@@ -4792,7 +4895,7 @@
               </a:lnSpc>
             </a:pPr>
             <a:r>
-              <a:rPr lang="en-US" b="true" sz="3099" spc="-61">
+              <a:rPr lang="en-US" sz="3099" b="1" spc="-61">
                 <a:solidFill>
                   <a:srgbClr val="F7F7F7"/>
                 </a:solidFill>
@@ -4814,7 +4917,7 @@
               </a:spcBef>
             </a:pPr>
             <a:r>
-              <a:rPr lang="en-US" b="true" sz="3099" spc="-61">
+              <a:rPr lang="en-US" sz="3099" b="1" spc="-61">
                 <a:solidFill>
                   <a:srgbClr val="F7F7F7"/>
                 </a:solidFill>
@@ -4837,13 +4940,14 @@
 </file>
 
 <file path=ppt/slides/slide13.xml><?xml version="1.0" encoding="utf-8"?>
-<p:sld xmlns:p="http://schemas.openxmlformats.org/presentationml/2006/main" xmlns:a="http://schemas.openxmlformats.org/drawingml/2006/main" xmlns:r="http://schemas.openxmlformats.org/officeDocument/2006/relationships">
+<p:sld xmlns:a="http://schemas.openxmlformats.org/drawingml/2006/main" xmlns:r="http://schemas.openxmlformats.org/officeDocument/2006/relationships" xmlns:p="http://schemas.openxmlformats.org/presentationml/2006/main">
   <p:cSld>
     <p:bg>
       <p:bgPr>
         <a:solidFill>
           <a:srgbClr val="F7F7F7"/>
         </a:solidFill>
+        <a:effectLst/>
       </p:bgPr>
     </p:bg>
     <p:spTree>
@@ -4862,12 +4966,12 @@
       </p:grpSpPr>
       <p:sp>
         <p:nvSpPr>
-          <p:cNvPr name="Freeform 2" id="2"/>
+          <p:cNvPr id="2" name="Freeform 2"/>
           <p:cNvSpPr/>
           <p:nvPr/>
         </p:nvSpPr>
         <p:spPr>
-          <a:xfrm flipH="false" flipV="false" rot="0">
+          <a:xfrm>
             <a:off x="0" y="0"/>
             <a:ext cx="18288000" cy="10287000"/>
           </a:xfrm>
@@ -4876,9 +4980,9 @@
             <a:gdLst/>
             <a:ahLst/>
             <a:cxnLst/>
-            <a:rect r="r" b="b" t="t" l="l"/>
+            <a:rect l="l" t="t" r="r" b="b"/>
             <a:pathLst>
-              <a:path h="10287000" w="18288000">
+              <a:path w="18288000" h="10287000">
                 <a:moveTo>
                   <a:pt x="0" y="0"/>
                 </a:moveTo>
@@ -4901,19 +5005,26 @@
           <a:blipFill>
             <a:blip r:embed="rId2"/>
             <a:stretch>
-              <a:fillRect l="0" t="-9222" r="0" b="-9222"/>
+              <a:fillRect t="-9222" b="-9222"/>
             </a:stretch>
           </a:blipFill>
         </p:spPr>
-      </p:sp>
-      <p:sp>
-        <p:nvSpPr>
-          <p:cNvPr name="TextBox 3" id="3"/>
-          <p:cNvSpPr txBox="true"/>
+        <p:txBody>
+          <a:bodyPr/>
+          <a:lstStyle/>
+          <a:p>
+            <a:endParaRPr lang="en-US"/>
+          </a:p>
+        </p:txBody>
+      </p:sp>
+      <p:sp>
+        <p:nvSpPr>
+          <p:cNvPr id="3" name="TextBox 3"/>
+          <p:cNvSpPr txBox="1"/>
           <p:nvPr/>
         </p:nvSpPr>
         <p:spPr>
-          <a:xfrm rot="0">
+          <a:xfrm>
             <a:off x="1028700" y="923925"/>
             <a:ext cx="2982688" cy="953135"/>
           </a:xfrm>
@@ -4922,7 +5033,7 @@
           </a:prstGeom>
         </p:spPr>
         <p:txBody>
-          <a:bodyPr anchor="t" rtlCol="false" tIns="0" lIns="0" bIns="0" rIns="0">
+          <a:bodyPr lIns="0" tIns="0" rIns="0" bIns="0" rtlCol="0" anchor="t">
             <a:spAutoFit/>
           </a:bodyPr>
           <a:lstStyle/>
@@ -4933,7 +5044,7 @@
               </a:lnSpc>
             </a:pPr>
             <a:r>
-              <a:rPr lang="en-US" b="true" sz="2600" spc="-52">
+              <a:rPr lang="en-US" sz="2600" b="1" spc="-52">
                 <a:solidFill>
                   <a:srgbClr val="F7F7F7"/>
                 </a:solidFill>
@@ -4949,12 +5060,12 @@
       </p:sp>
       <p:sp>
         <p:nvSpPr>
-          <p:cNvPr name="TextBox 4" id="4"/>
-          <p:cNvSpPr txBox="true"/>
+          <p:cNvPr id="4" name="TextBox 4"/>
+          <p:cNvSpPr txBox="1"/>
           <p:nvPr/>
         </p:nvSpPr>
         <p:spPr>
-          <a:xfrm rot="0">
+          <a:xfrm>
             <a:off x="1028700" y="8762415"/>
             <a:ext cx="2424961" cy="495935"/>
           </a:xfrm>
@@ -4963,7 +5074,7 @@
           </a:prstGeom>
         </p:spPr>
         <p:txBody>
-          <a:bodyPr anchor="t" rtlCol="false" tIns="0" lIns="0" bIns="0" rIns="0">
+          <a:bodyPr lIns="0" tIns="0" rIns="0" bIns="0" rtlCol="0" anchor="t">
             <a:spAutoFit/>
           </a:bodyPr>
           <a:lstStyle/>
@@ -4974,7 +5085,7 @@
               </a:lnSpc>
             </a:pPr>
             <a:r>
-              <a:rPr lang="en-US" sz="2600" i="true">
+              <a:rPr lang="en-US" sz="2600" i="1">
                 <a:solidFill>
                   <a:srgbClr val="F7F7F7"/>
                 </a:solidFill>
@@ -4990,12 +5101,12 @@
       </p:sp>
       <p:sp>
         <p:nvSpPr>
-          <p:cNvPr name="TextBox 5" id="5"/>
-          <p:cNvSpPr txBox="true"/>
+          <p:cNvPr id="5" name="TextBox 5"/>
+          <p:cNvSpPr txBox="1"/>
           <p:nvPr/>
         </p:nvSpPr>
         <p:spPr>
-          <a:xfrm rot="0">
+          <a:xfrm>
             <a:off x="14276612" y="923925"/>
             <a:ext cx="2982688" cy="495935"/>
           </a:xfrm>
@@ -5004,7 +5115,7 @@
           </a:prstGeom>
         </p:spPr>
         <p:txBody>
-          <a:bodyPr anchor="t" rtlCol="false" tIns="0" lIns="0" bIns="0" rIns="0">
+          <a:bodyPr lIns="0" tIns="0" rIns="0" bIns="0" rtlCol="0" anchor="t">
             <a:spAutoFit/>
           </a:bodyPr>
           <a:lstStyle/>
@@ -5015,7 +5126,7 @@
               </a:lnSpc>
             </a:pPr>
             <a:r>
-              <a:rPr lang="en-US" b="true" sz="2600" spc="-52">
+              <a:rPr lang="en-US" sz="2600" b="1" spc="-52">
                 <a:solidFill>
                   <a:srgbClr val="F7F7F7"/>
                 </a:solidFill>
@@ -5031,12 +5142,12 @@
       </p:sp>
       <p:sp>
         <p:nvSpPr>
-          <p:cNvPr name="TextBox 6" id="6"/>
-          <p:cNvSpPr txBox="true"/>
+          <p:cNvPr id="6" name="TextBox 6"/>
+          <p:cNvSpPr txBox="1"/>
           <p:nvPr/>
         </p:nvSpPr>
         <p:spPr>
-          <a:xfrm rot="0">
+          <a:xfrm>
             <a:off x="1028700" y="1456055"/>
             <a:ext cx="8433594" cy="1369695"/>
           </a:xfrm>
@@ -5045,7 +5156,7 @@
           </a:prstGeom>
         </p:spPr>
         <p:txBody>
-          <a:bodyPr anchor="t" rtlCol="false" tIns="0" lIns="0" bIns="0" rIns="0">
+          <a:bodyPr lIns="0" tIns="0" rIns="0" bIns="0" rtlCol="0" anchor="t">
             <a:spAutoFit/>
           </a:bodyPr>
           <a:lstStyle/>
@@ -5056,7 +5167,7 @@
               </a:lnSpc>
             </a:pPr>
             <a:r>
-              <a:rPr lang="en-US" sz="7200" b="true">
+              <a:rPr lang="en-US" sz="7200" b="1">
                 <a:solidFill>
                   <a:srgbClr val="F7F7F7"/>
                 </a:solidFill>
@@ -5072,12 +5183,12 @@
       </p:sp>
       <p:sp>
         <p:nvSpPr>
-          <p:cNvPr name="TextBox 7" id="7"/>
-          <p:cNvSpPr txBox="true"/>
+          <p:cNvPr id="7" name="TextBox 7"/>
+          <p:cNvSpPr txBox="1"/>
           <p:nvPr/>
         </p:nvSpPr>
         <p:spPr>
-          <a:xfrm rot="0">
+          <a:xfrm>
             <a:off x="3453661" y="8762415"/>
             <a:ext cx="13805639" cy="495935"/>
           </a:xfrm>
@@ -5086,7 +5197,7 @@
           </a:prstGeom>
         </p:spPr>
         <p:txBody>
-          <a:bodyPr anchor="t" rtlCol="false" tIns="0" lIns="0" bIns="0" rIns="0">
+          <a:bodyPr lIns="0" tIns="0" rIns="0" bIns="0" rtlCol="0" anchor="t">
             <a:spAutoFit/>
           </a:bodyPr>
           <a:lstStyle/>
@@ -5097,7 +5208,7 @@
               </a:lnSpc>
             </a:pPr>
             <a:r>
-              <a:rPr lang="en-US" b="true" sz="2600" spc="-52">
+              <a:rPr lang="en-US" sz="2600" b="1" spc="-52">
                 <a:solidFill>
                   <a:srgbClr val="F7F7F7"/>
                 </a:solidFill>
@@ -5113,7 +5224,7 @@
       </p:sp>
       <p:grpSp>
         <p:nvGrpSpPr>
-          <p:cNvPr name="Group 8" id="8"/>
+          <p:cNvPr id="8" name="Group 8"/>
           <p:cNvGrpSpPr/>
           <p:nvPr/>
         </p:nvGrpSpPr>
@@ -5127,12 +5238,12 @@
         </p:grpSpPr>
         <p:sp>
           <p:nvSpPr>
-            <p:cNvPr name="Freeform 9" id="9"/>
+            <p:cNvPr id="9" name="Freeform 9"/>
             <p:cNvSpPr/>
             <p:nvPr/>
           </p:nvSpPr>
           <p:spPr>
-            <a:xfrm flipH="false" flipV="false" rot="0">
+            <a:xfrm>
               <a:off x="0" y="0"/>
               <a:ext cx="1075645" cy="1153864"/>
             </a:xfrm>
@@ -5141,9 +5252,9 @@
               <a:gdLst/>
               <a:ahLst/>
               <a:cxnLst/>
-              <a:rect r="r" b="b" t="t" l="l"/>
+              <a:rect l="l" t="t" r="r" b="b"/>
               <a:pathLst>
-                <a:path h="1153864" w="1075645">
+                <a:path w="1075645" h="1153864">
                   <a:moveTo>
                     <a:pt x="0" y="0"/>
                   </a:moveTo>
@@ -5180,11 +5291,18 @@
               <a:miter/>
             </a:ln>
           </p:spPr>
+          <p:txBody>
+            <a:bodyPr/>
+            <a:lstStyle/>
+            <a:p>
+              <a:endParaRPr lang="en-US"/>
+            </a:p>
+          </p:txBody>
         </p:sp>
         <p:sp>
           <p:nvSpPr>
-            <p:cNvPr name="TextBox 10" id="10"/>
-            <p:cNvSpPr txBox="true"/>
+            <p:cNvPr id="10" name="TextBox 10"/>
+            <p:cNvSpPr txBox="1"/>
             <p:nvPr/>
           </p:nvSpPr>
           <p:spPr>
@@ -5197,7 +5315,7 @@
             </a:prstGeom>
           </p:spPr>
           <p:txBody>
-            <a:bodyPr anchor="ctr" rtlCol="false" tIns="50800" lIns="50800" bIns="50800" rIns="50800"/>
+            <a:bodyPr lIns="50800" tIns="50800" rIns="50800" bIns="50800" rtlCol="0" anchor="ctr"/>
             <a:lstStyle/>
             <a:p>
               <a:pPr algn="ctr">
@@ -5205,18 +5323,19 @@
                   <a:spcPts val="3640"/>
                 </a:lnSpc>
               </a:pPr>
+              <a:endParaRPr/>
             </a:p>
           </p:txBody>
         </p:sp>
       </p:grpSp>
       <p:sp>
         <p:nvSpPr>
-          <p:cNvPr name="TextBox 11" id="11"/>
-          <p:cNvSpPr txBox="true"/>
+          <p:cNvPr id="11" name="TextBox 11"/>
+          <p:cNvSpPr txBox="1"/>
           <p:nvPr/>
         </p:nvSpPr>
         <p:spPr>
-          <a:xfrm rot="0">
+          <a:xfrm>
             <a:off x="1820849" y="3744421"/>
             <a:ext cx="4381078" cy="1728470"/>
           </a:xfrm>
@@ -5225,7 +5344,7 @@
           </a:prstGeom>
         </p:spPr>
         <p:txBody>
-          <a:bodyPr anchor="t" rtlCol="false" tIns="0" lIns="0" bIns="0" rIns="0">
+          <a:bodyPr lIns="0" tIns="0" rIns="0" bIns="0" rtlCol="0" anchor="t">
             <a:spAutoFit/>
           </a:bodyPr>
           <a:lstStyle/>
@@ -5239,7 +5358,7 @@
               </a:spcBef>
             </a:pPr>
             <a:r>
-              <a:rPr lang="en-US" b="true" sz="3199" spc="-63">
+              <a:rPr lang="en-US" sz="3199" b="1" spc="-63">
                 <a:solidFill>
                   <a:srgbClr val="F7F7F7"/>
                 </a:solidFill>
@@ -5255,7 +5374,7 @@
       </p:sp>
       <p:grpSp>
         <p:nvGrpSpPr>
-          <p:cNvPr name="Group 12" id="12"/>
+          <p:cNvPr id="12" name="Group 12"/>
           <p:cNvGrpSpPr/>
           <p:nvPr/>
         </p:nvGrpSpPr>
@@ -5269,12 +5388,12 @@
         </p:grpSpPr>
         <p:sp>
           <p:nvSpPr>
-            <p:cNvPr name="Freeform 13" id="13"/>
+            <p:cNvPr id="13" name="Freeform 13"/>
             <p:cNvSpPr/>
             <p:nvPr/>
           </p:nvSpPr>
           <p:spPr>
-            <a:xfrm flipH="false" flipV="false" rot="0">
+            <a:xfrm>
               <a:off x="0" y="0"/>
               <a:ext cx="1075645" cy="1153864"/>
             </a:xfrm>
@@ -5283,9 +5402,9 @@
               <a:gdLst/>
               <a:ahLst/>
               <a:cxnLst/>
-              <a:rect r="r" b="b" t="t" l="l"/>
+              <a:rect l="l" t="t" r="r" b="b"/>
               <a:pathLst>
-                <a:path h="1153864" w="1075645">
+                <a:path w="1075645" h="1153864">
                   <a:moveTo>
                     <a:pt x="0" y="0"/>
                   </a:moveTo>
@@ -5322,11 +5441,18 @@
               <a:miter/>
             </a:ln>
           </p:spPr>
+          <p:txBody>
+            <a:bodyPr/>
+            <a:lstStyle/>
+            <a:p>
+              <a:endParaRPr lang="en-US"/>
+            </a:p>
+          </p:txBody>
         </p:sp>
         <p:sp>
           <p:nvSpPr>
-            <p:cNvPr name="TextBox 14" id="14"/>
-            <p:cNvSpPr txBox="true"/>
+            <p:cNvPr id="14" name="TextBox 14"/>
+            <p:cNvSpPr txBox="1"/>
             <p:nvPr/>
           </p:nvSpPr>
           <p:spPr>
@@ -5339,7 +5465,7 @@
             </a:prstGeom>
           </p:spPr>
           <p:txBody>
-            <a:bodyPr anchor="ctr" rtlCol="false" tIns="50800" lIns="50800" bIns="50800" rIns="50800"/>
+            <a:bodyPr lIns="50800" tIns="50800" rIns="50800" bIns="50800" rtlCol="0" anchor="ctr"/>
             <a:lstStyle/>
             <a:p>
               <a:pPr algn="ctr">
@@ -5347,13 +5473,14 @@
                   <a:spcPts val="3640"/>
                 </a:lnSpc>
               </a:pPr>
+              <a:endParaRPr/>
             </a:p>
           </p:txBody>
         </p:sp>
       </p:grpSp>
       <p:grpSp>
         <p:nvGrpSpPr>
-          <p:cNvPr name="Group 15" id="15"/>
+          <p:cNvPr id="15" name="Group 15"/>
           <p:cNvGrpSpPr/>
           <p:nvPr/>
         </p:nvGrpSpPr>
@@ -5367,12 +5494,12 @@
         </p:grpSpPr>
         <p:sp>
           <p:nvSpPr>
-            <p:cNvPr name="Freeform 16" id="16"/>
+            <p:cNvPr id="16" name="Freeform 16"/>
             <p:cNvSpPr/>
             <p:nvPr/>
           </p:nvSpPr>
           <p:spPr>
-            <a:xfrm flipH="false" flipV="false" rot="0">
+            <a:xfrm>
               <a:off x="0" y="0"/>
               <a:ext cx="1075645" cy="1153864"/>
             </a:xfrm>
@@ -5381,9 +5508,9 @@
               <a:gdLst/>
               <a:ahLst/>
               <a:cxnLst/>
-              <a:rect r="r" b="b" t="t" l="l"/>
+              <a:rect l="l" t="t" r="r" b="b"/>
               <a:pathLst>
-                <a:path h="1153864" w="1075645">
+                <a:path w="1075645" h="1153864">
                   <a:moveTo>
                     <a:pt x="0" y="0"/>
                   </a:moveTo>
@@ -5420,11 +5547,18 @@
               <a:miter/>
             </a:ln>
           </p:spPr>
+          <p:txBody>
+            <a:bodyPr/>
+            <a:lstStyle/>
+            <a:p>
+              <a:endParaRPr lang="en-US"/>
+            </a:p>
+          </p:txBody>
         </p:sp>
         <p:sp>
           <p:nvSpPr>
-            <p:cNvPr name="TextBox 17" id="17"/>
-            <p:cNvSpPr txBox="true"/>
+            <p:cNvPr id="17" name="TextBox 17"/>
+            <p:cNvSpPr txBox="1"/>
             <p:nvPr/>
           </p:nvSpPr>
           <p:spPr>
@@ -5437,7 +5571,7 @@
             </a:prstGeom>
           </p:spPr>
           <p:txBody>
-            <a:bodyPr anchor="ctr" rtlCol="false" tIns="50800" lIns="50800" bIns="50800" rIns="50800"/>
+            <a:bodyPr lIns="50800" tIns="50800" rIns="50800" bIns="50800" rtlCol="0" anchor="ctr"/>
             <a:lstStyle/>
             <a:p>
               <a:pPr algn="ctr">
@@ -5445,18 +5579,19 @@
                   <a:spcPts val="3640"/>
                 </a:lnSpc>
               </a:pPr>
+              <a:endParaRPr/>
             </a:p>
           </p:txBody>
         </p:sp>
       </p:grpSp>
       <p:sp>
         <p:nvSpPr>
-          <p:cNvPr name="TextBox 18" id="18"/>
-          <p:cNvSpPr txBox="true"/>
+          <p:cNvPr id="18" name="TextBox 18"/>
+          <p:cNvSpPr txBox="1"/>
           <p:nvPr/>
         </p:nvSpPr>
         <p:spPr>
-          <a:xfrm rot="0">
+          <a:xfrm>
             <a:off x="12296187" y="3744421"/>
             <a:ext cx="4381078" cy="2290445"/>
           </a:xfrm>
@@ -5465,7 +5600,7 @@
           </a:prstGeom>
         </p:spPr>
         <p:txBody>
-          <a:bodyPr anchor="t" rtlCol="false" tIns="0" lIns="0" bIns="0" rIns="0">
+          <a:bodyPr lIns="0" tIns="0" rIns="0" bIns="0" rtlCol="0" anchor="t">
             <a:spAutoFit/>
           </a:bodyPr>
           <a:lstStyle/>
@@ -5479,7 +5614,7 @@
               </a:spcBef>
             </a:pPr>
             <a:r>
-              <a:rPr lang="en-US" b="true" sz="3199" spc="-63">
+              <a:rPr lang="en-US" sz="3199" b="1" spc="-63">
                 <a:solidFill>
                   <a:srgbClr val="F7F7F7"/>
                 </a:solidFill>
@@ -5495,12 +5630,12 @@
       </p:sp>
       <p:sp>
         <p:nvSpPr>
-          <p:cNvPr name="TextBox 19" id="19"/>
-          <p:cNvSpPr txBox="true"/>
+          <p:cNvPr id="19" name="TextBox 19"/>
+          <p:cNvSpPr txBox="1"/>
           <p:nvPr/>
         </p:nvSpPr>
         <p:spPr>
-          <a:xfrm rot="0">
+          <a:xfrm>
             <a:off x="6953461" y="3744421"/>
             <a:ext cx="4381078" cy="1728470"/>
           </a:xfrm>
@@ -5509,7 +5644,7 @@
           </a:prstGeom>
         </p:spPr>
         <p:txBody>
-          <a:bodyPr anchor="t" rtlCol="false" tIns="0" lIns="0" bIns="0" rIns="0">
+          <a:bodyPr lIns="0" tIns="0" rIns="0" bIns="0" rtlCol="0" anchor="t">
             <a:spAutoFit/>
           </a:bodyPr>
           <a:lstStyle/>
@@ -5523,7 +5658,7 @@
               </a:spcBef>
             </a:pPr>
             <a:r>
-              <a:rPr lang="en-US" b="true" sz="3199" spc="-63">
+              <a:rPr lang="en-US" sz="3199" b="1" spc="-63">
                 <a:solidFill>
                   <a:srgbClr val="F7F7F7"/>
                 </a:solidFill>
@@ -5546,13 +5681,14 @@
 </file>
 
 <file path=ppt/slides/slide14.xml><?xml version="1.0" encoding="utf-8"?>
-<p:sld xmlns:p="http://schemas.openxmlformats.org/presentationml/2006/main" xmlns:a="http://schemas.openxmlformats.org/drawingml/2006/main" xmlns:r="http://schemas.openxmlformats.org/officeDocument/2006/relationships">
+<p:sld xmlns:a="http://schemas.openxmlformats.org/drawingml/2006/main" xmlns:r="http://schemas.openxmlformats.org/officeDocument/2006/relationships" xmlns:p="http://schemas.openxmlformats.org/presentationml/2006/main">
   <p:cSld>
     <p:bg>
       <p:bgPr>
         <a:solidFill>
           <a:srgbClr val="F7F7F7"/>
         </a:solidFill>
+        <a:effectLst/>
       </p:bgPr>
     </p:bg>
     <p:spTree>
@@ -5571,12 +5707,12 @@
       </p:grpSpPr>
       <p:sp>
         <p:nvSpPr>
-          <p:cNvPr name="Freeform 2" id="2"/>
+          <p:cNvPr id="2" name="Freeform 2"/>
           <p:cNvSpPr/>
           <p:nvPr/>
         </p:nvSpPr>
         <p:spPr>
-          <a:xfrm flipH="false" flipV="false" rot="0">
+          <a:xfrm>
             <a:off x="0" y="0"/>
             <a:ext cx="18288000" cy="10287000"/>
           </a:xfrm>
@@ -5585,9 +5721,9 @@
             <a:gdLst/>
             <a:ahLst/>
             <a:cxnLst/>
-            <a:rect r="r" b="b" t="t" l="l"/>
+            <a:rect l="l" t="t" r="r" b="b"/>
             <a:pathLst>
-              <a:path h="10287000" w="18288000">
+              <a:path w="18288000" h="10287000">
                 <a:moveTo>
                   <a:pt x="0" y="0"/>
                 </a:moveTo>
@@ -5610,19 +5746,26 @@
           <a:blipFill>
             <a:blip r:embed="rId2"/>
             <a:stretch>
-              <a:fillRect l="0" t="-9222" r="0" b="-9222"/>
+              <a:fillRect t="-9222" b="-9222"/>
             </a:stretch>
           </a:blipFill>
         </p:spPr>
-      </p:sp>
-      <p:sp>
-        <p:nvSpPr>
-          <p:cNvPr name="Freeform 3" id="3"/>
+        <p:txBody>
+          <a:bodyPr/>
+          <a:lstStyle/>
+          <a:p>
+            <a:endParaRPr lang="en-US"/>
+          </a:p>
+        </p:txBody>
+      </p:sp>
+      <p:sp>
+        <p:nvSpPr>
+          <p:cNvPr id="3" name="Freeform 3"/>
           <p:cNvSpPr/>
           <p:nvPr/>
         </p:nvSpPr>
         <p:spPr>
-          <a:xfrm flipH="false" flipV="false" rot="0">
+          <a:xfrm>
             <a:off x="1331621" y="2825750"/>
             <a:ext cx="5359535" cy="5359535"/>
           </a:xfrm>
@@ -5631,9 +5774,9 @@
             <a:gdLst/>
             <a:ahLst/>
             <a:cxnLst/>
-            <a:rect r="r" b="b" t="t" l="l"/>
+            <a:rect l="l" t="t" r="r" b="b"/>
             <a:pathLst>
-              <a:path h="5359535" w="5359535">
+              <a:path w="5359535" h="5359535">
                 <a:moveTo>
                   <a:pt x="0" y="0"/>
                 </a:moveTo>
@@ -5656,19 +5799,26 @@
           <a:blipFill>
             <a:blip r:embed="rId3"/>
             <a:stretch>
-              <a:fillRect l="0" t="0" r="0" b="0"/>
+              <a:fillRect/>
             </a:stretch>
           </a:blipFill>
         </p:spPr>
-      </p:sp>
-      <p:sp>
-        <p:nvSpPr>
-          <p:cNvPr name="TextBox 4" id="4"/>
-          <p:cNvSpPr txBox="true"/>
+        <p:txBody>
+          <a:bodyPr/>
+          <a:lstStyle/>
+          <a:p>
+            <a:endParaRPr lang="en-US"/>
+          </a:p>
+        </p:txBody>
+      </p:sp>
+      <p:sp>
+        <p:nvSpPr>
+          <p:cNvPr id="4" name="TextBox 4"/>
+          <p:cNvSpPr txBox="1"/>
           <p:nvPr/>
         </p:nvSpPr>
         <p:spPr>
-          <a:xfrm rot="0">
+          <a:xfrm>
             <a:off x="1028700" y="923925"/>
             <a:ext cx="2982688" cy="953135"/>
           </a:xfrm>
@@ -5677,7 +5827,7 @@
           </a:prstGeom>
         </p:spPr>
         <p:txBody>
-          <a:bodyPr anchor="t" rtlCol="false" tIns="0" lIns="0" bIns="0" rIns="0">
+          <a:bodyPr lIns="0" tIns="0" rIns="0" bIns="0" rtlCol="0" anchor="t">
             <a:spAutoFit/>
           </a:bodyPr>
           <a:lstStyle/>
@@ -5688,7 +5838,7 @@
               </a:lnSpc>
             </a:pPr>
             <a:r>
-              <a:rPr lang="en-US" b="true" sz="2600" spc="-52">
+              <a:rPr lang="en-US" sz="2600" b="1" spc="-52">
                 <a:solidFill>
                   <a:srgbClr val="F7F7F7"/>
                 </a:solidFill>
@@ -5704,12 +5854,12 @@
       </p:sp>
       <p:sp>
         <p:nvSpPr>
-          <p:cNvPr name="TextBox 5" id="5"/>
-          <p:cNvSpPr txBox="true"/>
+          <p:cNvPr id="5" name="TextBox 5"/>
+          <p:cNvSpPr txBox="1"/>
           <p:nvPr/>
         </p:nvSpPr>
         <p:spPr>
-          <a:xfrm rot="0">
+          <a:xfrm>
             <a:off x="1028700" y="8762415"/>
             <a:ext cx="2424961" cy="495935"/>
           </a:xfrm>
@@ -5718,7 +5868,7 @@
           </a:prstGeom>
         </p:spPr>
         <p:txBody>
-          <a:bodyPr anchor="t" rtlCol="false" tIns="0" lIns="0" bIns="0" rIns="0">
+          <a:bodyPr lIns="0" tIns="0" rIns="0" bIns="0" rtlCol="0" anchor="t">
             <a:spAutoFit/>
           </a:bodyPr>
           <a:lstStyle/>
@@ -5729,7 +5879,7 @@
               </a:lnSpc>
             </a:pPr>
             <a:r>
-              <a:rPr lang="en-US" sz="2600" i="true">
+              <a:rPr lang="en-US" sz="2600" i="1">
                 <a:solidFill>
                   <a:srgbClr val="F7F7F7"/>
                 </a:solidFill>
@@ -5745,12 +5895,12 @@
       </p:sp>
       <p:sp>
         <p:nvSpPr>
-          <p:cNvPr name="TextBox 6" id="6"/>
-          <p:cNvSpPr txBox="true"/>
+          <p:cNvPr id="6" name="TextBox 6"/>
+          <p:cNvSpPr txBox="1"/>
           <p:nvPr/>
         </p:nvSpPr>
         <p:spPr>
-          <a:xfrm rot="0">
+          <a:xfrm>
             <a:off x="14276612" y="923925"/>
             <a:ext cx="2982688" cy="495935"/>
           </a:xfrm>
@@ -5759,7 +5909,7 @@
           </a:prstGeom>
         </p:spPr>
         <p:txBody>
-          <a:bodyPr anchor="t" rtlCol="false" tIns="0" lIns="0" bIns="0" rIns="0">
+          <a:bodyPr lIns="0" tIns="0" rIns="0" bIns="0" rtlCol="0" anchor="t">
             <a:spAutoFit/>
           </a:bodyPr>
           <a:lstStyle/>
@@ -5770,7 +5920,7 @@
               </a:lnSpc>
             </a:pPr>
             <a:r>
-              <a:rPr lang="en-US" b="true" sz="2600" spc="-52">
+              <a:rPr lang="en-US" sz="2600" b="1" spc="-52">
                 <a:solidFill>
                   <a:srgbClr val="F7F7F7"/>
                 </a:solidFill>
@@ -5786,12 +5936,12 @@
       </p:sp>
       <p:sp>
         <p:nvSpPr>
-          <p:cNvPr name="TextBox 7" id="7"/>
-          <p:cNvSpPr txBox="true"/>
+          <p:cNvPr id="7" name="TextBox 7"/>
+          <p:cNvSpPr txBox="1"/>
           <p:nvPr/>
         </p:nvSpPr>
         <p:spPr>
-          <a:xfrm rot="0">
+          <a:xfrm>
             <a:off x="1028700" y="1456055"/>
             <a:ext cx="6146602" cy="1369695"/>
           </a:xfrm>
@@ -5800,7 +5950,7 @@
           </a:prstGeom>
         </p:spPr>
         <p:txBody>
-          <a:bodyPr anchor="t" rtlCol="false" tIns="0" lIns="0" bIns="0" rIns="0">
+          <a:bodyPr lIns="0" tIns="0" rIns="0" bIns="0" rtlCol="0" anchor="t">
             <a:spAutoFit/>
           </a:bodyPr>
           <a:lstStyle/>
@@ -5811,7 +5961,7 @@
               </a:lnSpc>
             </a:pPr>
             <a:r>
-              <a:rPr lang="en-US" sz="7200" b="true">
+              <a:rPr lang="en-US" sz="7200" b="1">
                 <a:solidFill>
                   <a:srgbClr val="F7F7F7"/>
                 </a:solidFill>
@@ -5827,12 +5977,12 @@
       </p:sp>
       <p:sp>
         <p:nvSpPr>
-          <p:cNvPr name="TextBox 8" id="8"/>
-          <p:cNvSpPr txBox="true"/>
+          <p:cNvPr id="8" name="TextBox 8"/>
+          <p:cNvSpPr txBox="1"/>
           <p:nvPr/>
         </p:nvSpPr>
         <p:spPr>
-          <a:xfrm rot="0">
+          <a:xfrm>
             <a:off x="3453661" y="8762415"/>
             <a:ext cx="13805639" cy="495935"/>
           </a:xfrm>
@@ -5841,7 +5991,7 @@
           </a:prstGeom>
         </p:spPr>
         <p:txBody>
-          <a:bodyPr anchor="t" rtlCol="false" tIns="0" lIns="0" bIns="0" rIns="0">
+          <a:bodyPr lIns="0" tIns="0" rIns="0" bIns="0" rtlCol="0" anchor="t">
             <a:spAutoFit/>
           </a:bodyPr>
           <a:lstStyle/>
@@ -5852,7 +6002,7 @@
               </a:lnSpc>
             </a:pPr>
             <a:r>
-              <a:rPr lang="en-US" b="true" sz="2600" spc="-52">
+              <a:rPr lang="en-US" sz="2600" b="1" spc="-52">
                 <a:solidFill>
                   <a:srgbClr val="F7F7F7"/>
                 </a:solidFill>
@@ -5875,13 +6025,14 @@
 </file>
 
 <file path=ppt/slides/slide15.xml><?xml version="1.0" encoding="utf-8"?>
-<p:sld xmlns:p="http://schemas.openxmlformats.org/presentationml/2006/main" xmlns:a="http://schemas.openxmlformats.org/drawingml/2006/main" xmlns:r="http://schemas.openxmlformats.org/officeDocument/2006/relationships">
+<p:sld xmlns:a="http://schemas.openxmlformats.org/drawingml/2006/main" xmlns:r="http://schemas.openxmlformats.org/officeDocument/2006/relationships" xmlns:p="http://schemas.openxmlformats.org/presentationml/2006/main">
   <p:cSld>
     <p:bg>
       <p:bgPr>
         <a:solidFill>
           <a:srgbClr val="F7F7F7"/>
         </a:solidFill>
+        <a:effectLst/>
       </p:bgPr>
     </p:bg>
     <p:spTree>
@@ -5900,12 +6051,12 @@
       </p:grpSpPr>
       <p:sp>
         <p:nvSpPr>
-          <p:cNvPr name="Freeform 2" id="2"/>
+          <p:cNvPr id="2" name="Freeform 2"/>
           <p:cNvSpPr/>
           <p:nvPr/>
         </p:nvSpPr>
         <p:spPr>
-          <a:xfrm flipH="false" flipV="false" rot="0">
+          <a:xfrm>
             <a:off x="0" y="0"/>
             <a:ext cx="18288000" cy="10287000"/>
           </a:xfrm>
@@ -5914,9 +6065,9 @@
             <a:gdLst/>
             <a:ahLst/>
             <a:cxnLst/>
-            <a:rect r="r" b="b" t="t" l="l"/>
+            <a:rect l="l" t="t" r="r" b="b"/>
             <a:pathLst>
-              <a:path h="10287000" w="18288000">
+              <a:path w="18288000" h="10287000">
                 <a:moveTo>
                   <a:pt x="0" y="0"/>
                 </a:moveTo>
@@ -5939,19 +6090,26 @@
           <a:blipFill>
             <a:blip r:embed="rId2"/>
             <a:stretch>
-              <a:fillRect l="0" t="-9222" r="0" b="-9222"/>
+              <a:fillRect t="-9222" b="-9222"/>
             </a:stretch>
           </a:blipFill>
         </p:spPr>
-      </p:sp>
-      <p:sp>
-        <p:nvSpPr>
-          <p:cNvPr name="TextBox 3" id="3"/>
-          <p:cNvSpPr txBox="true"/>
+        <p:txBody>
+          <a:bodyPr/>
+          <a:lstStyle/>
+          <a:p>
+            <a:endParaRPr lang="en-US"/>
+          </a:p>
+        </p:txBody>
+      </p:sp>
+      <p:sp>
+        <p:nvSpPr>
+          <p:cNvPr id="3" name="TextBox 3"/>
+          <p:cNvSpPr txBox="1"/>
           <p:nvPr/>
         </p:nvSpPr>
         <p:spPr>
-          <a:xfrm rot="0">
+          <a:xfrm>
             <a:off x="2792981" y="2867350"/>
             <a:ext cx="12702039" cy="4348208"/>
           </a:xfrm>
@@ -5960,7 +6118,7 @@
           </a:prstGeom>
         </p:spPr>
         <p:txBody>
-          <a:bodyPr anchor="t" rtlCol="false" tIns="0" lIns="0" bIns="0" rIns="0">
+          <a:bodyPr lIns="0" tIns="0" rIns="0" bIns="0" rtlCol="0" anchor="t">
             <a:spAutoFit/>
           </a:bodyPr>
           <a:lstStyle/>
@@ -5971,7 +6129,7 @@
               </a:lnSpc>
             </a:pPr>
             <a:r>
-              <a:rPr lang="en-US" b="true" sz="18520" spc="-370">
+              <a:rPr lang="en-US" sz="18520" b="1" spc="-370">
                 <a:solidFill>
                   <a:srgbClr val="F7F7F7"/>
                 </a:solidFill>
@@ -5987,7 +6145,7 @@
       </p:sp>
       <p:grpSp>
         <p:nvGrpSpPr>
-          <p:cNvPr name="Group 4" id="4"/>
+          <p:cNvPr id="4" name="Group 4"/>
           <p:cNvGrpSpPr/>
           <p:nvPr/>
         </p:nvGrpSpPr>
@@ -6001,12 +6159,12 @@
         </p:grpSpPr>
         <p:sp>
           <p:nvSpPr>
-            <p:cNvPr name="Freeform 5" id="5"/>
+            <p:cNvPr id="5" name="Freeform 5"/>
             <p:cNvSpPr/>
             <p:nvPr/>
           </p:nvSpPr>
           <p:spPr>
-            <a:xfrm flipH="false" flipV="false" rot="0">
+            <a:xfrm>
               <a:off x="0" y="0"/>
               <a:ext cx="1322107" cy="231340"/>
             </a:xfrm>
@@ -6015,9 +6173,9 @@
               <a:gdLst/>
               <a:ahLst/>
               <a:cxnLst/>
-              <a:rect r="r" b="b" t="t" l="l"/>
+              <a:rect l="l" t="t" r="r" b="b"/>
               <a:pathLst>
-                <a:path h="231340" w="1322107">
+                <a:path w="1322107" h="231340">
                   <a:moveTo>
                     <a:pt x="0" y="0"/>
                   </a:moveTo>
@@ -6045,11 +6203,18 @@
               <a:miter/>
             </a:ln>
           </p:spPr>
+          <p:txBody>
+            <a:bodyPr/>
+            <a:lstStyle/>
+            <a:p>
+              <a:endParaRPr lang="en-US"/>
+            </a:p>
+          </p:txBody>
         </p:sp>
         <p:sp>
           <p:nvSpPr>
-            <p:cNvPr name="TextBox 6" id="6"/>
-            <p:cNvSpPr txBox="true"/>
+            <p:cNvPr id="6" name="TextBox 6"/>
+            <p:cNvSpPr txBox="1"/>
             <p:nvPr/>
           </p:nvSpPr>
           <p:spPr>
@@ -6062,7 +6227,7 @@
             </a:prstGeom>
           </p:spPr>
           <p:txBody>
-            <a:bodyPr anchor="ctr" rtlCol="false" tIns="45229" lIns="45229" bIns="45229" rIns="45229"/>
+            <a:bodyPr lIns="45229" tIns="45229" rIns="45229" bIns="45229" rtlCol="0" anchor="ctr"/>
             <a:lstStyle/>
             <a:p>
               <a:pPr algn="ctr">
@@ -6073,14 +6238,15 @@
                   <a:spcPct val="0"/>
                 </a:spcBef>
               </a:pPr>
+              <a:endParaRPr/>
             </a:p>
           </p:txBody>
         </p:sp>
       </p:grpSp>
       <p:sp>
         <p:nvSpPr>
-          <p:cNvPr name="TextBox 7" id="7"/>
-          <p:cNvSpPr txBox="true"/>
+          <p:cNvPr id="7" name="TextBox 7"/>
+          <p:cNvSpPr txBox="1"/>
           <p:nvPr/>
         </p:nvSpPr>
         <p:spPr>
@@ -6093,7 +6259,7 @@
           </a:prstGeom>
         </p:spPr>
         <p:txBody>
-          <a:bodyPr anchor="t" rtlCol="false" tIns="0" lIns="0" bIns="0" rIns="0">
+          <a:bodyPr lIns="0" tIns="0" rIns="0" bIns="0" rtlCol="0" anchor="t">
             <a:spAutoFit/>
           </a:bodyPr>
           <a:lstStyle/>
@@ -6104,7 +6270,7 @@
               </a:lnSpc>
             </a:pPr>
             <a:r>
-              <a:rPr lang="en-US" sz="4049" b="true">
+              <a:rPr lang="en-US" sz="4049" b="1">
                 <a:solidFill>
                   <a:srgbClr val="F7F7F7"/>
                 </a:solidFill>
@@ -6120,7 +6286,7 @@
       </p:sp>
       <p:grpSp>
         <p:nvGrpSpPr>
-          <p:cNvPr name="Group 8" id="8"/>
+          <p:cNvPr id="8" name="Group 8"/>
           <p:cNvGrpSpPr/>
           <p:nvPr/>
         </p:nvGrpSpPr>
@@ -6134,12 +6300,12 @@
         </p:grpSpPr>
         <p:sp>
           <p:nvSpPr>
-            <p:cNvPr name="Freeform 9" id="9"/>
+            <p:cNvPr id="9" name="Freeform 9"/>
             <p:cNvSpPr/>
             <p:nvPr/>
           </p:nvSpPr>
           <p:spPr>
-            <a:xfrm flipH="false" flipV="false" rot="0">
+            <a:xfrm>
               <a:off x="0" y="0"/>
               <a:ext cx="46981" cy="1705926"/>
             </a:xfrm>
@@ -6148,9 +6314,9 @@
               <a:gdLst/>
               <a:ahLst/>
               <a:cxnLst/>
-              <a:rect r="r" b="b" t="t" l="l"/>
+              <a:rect l="l" t="t" r="r" b="b"/>
               <a:pathLst>
-                <a:path h="1705926" w="46981">
+                <a:path w="46981" h="1705926">
                   <a:moveTo>
                     <a:pt x="0" y="0"/>
                   </a:moveTo>
@@ -6171,11 +6337,18 @@
               <a:srgbClr val="027166"/>
             </a:solidFill>
           </p:spPr>
+          <p:txBody>
+            <a:bodyPr/>
+            <a:lstStyle/>
+            <a:p>
+              <a:endParaRPr lang="en-US"/>
+            </a:p>
+          </p:txBody>
         </p:sp>
         <p:sp>
           <p:nvSpPr>
-            <p:cNvPr name="TextBox 10" id="10"/>
-            <p:cNvSpPr txBox="true"/>
+            <p:cNvPr id="10" name="TextBox 10"/>
+            <p:cNvSpPr txBox="1"/>
             <p:nvPr/>
           </p:nvSpPr>
           <p:spPr>
@@ -6188,7 +6361,7 @@
             </a:prstGeom>
           </p:spPr>
           <p:txBody>
-            <a:bodyPr anchor="ctr" rtlCol="false" tIns="50800" lIns="50800" bIns="50800" rIns="50800"/>
+            <a:bodyPr lIns="50800" tIns="50800" rIns="50800" bIns="50800" rtlCol="0" anchor="ctr"/>
             <a:lstStyle/>
             <a:p>
               <a:pPr algn="just">
@@ -6196,13 +6369,14 @@
                   <a:spcPts val="3640"/>
                 </a:lnSpc>
               </a:pPr>
+              <a:endParaRPr/>
             </a:p>
           </p:txBody>
         </p:sp>
       </p:grpSp>
       <p:grpSp>
         <p:nvGrpSpPr>
-          <p:cNvPr name="Group 11" id="11"/>
+          <p:cNvPr id="11" name="Group 11"/>
           <p:cNvGrpSpPr/>
           <p:nvPr/>
         </p:nvGrpSpPr>
@@ -6216,12 +6390,12 @@
         </p:grpSpPr>
         <p:sp>
           <p:nvSpPr>
-            <p:cNvPr name="Freeform 12" id="12"/>
+            <p:cNvPr id="12" name="Freeform 12"/>
             <p:cNvSpPr/>
             <p:nvPr/>
           </p:nvSpPr>
           <p:spPr>
-            <a:xfrm flipH="false" flipV="false" rot="0">
+            <a:xfrm>
               <a:off x="0" y="0"/>
               <a:ext cx="46981" cy="1705926"/>
             </a:xfrm>
@@ -6230,9 +6404,9 @@
               <a:gdLst/>
               <a:ahLst/>
               <a:cxnLst/>
-              <a:rect r="r" b="b" t="t" l="l"/>
+              <a:rect l="l" t="t" r="r" b="b"/>
               <a:pathLst>
-                <a:path h="1705926" w="46981">
+                <a:path w="46981" h="1705926">
                   <a:moveTo>
                     <a:pt x="0" y="0"/>
                   </a:moveTo>
@@ -6253,11 +6427,18 @@
               <a:srgbClr val="027166"/>
             </a:solidFill>
           </p:spPr>
+          <p:txBody>
+            <a:bodyPr/>
+            <a:lstStyle/>
+            <a:p>
+              <a:endParaRPr lang="en-US"/>
+            </a:p>
+          </p:txBody>
         </p:sp>
         <p:sp>
           <p:nvSpPr>
-            <p:cNvPr name="TextBox 13" id="13"/>
-            <p:cNvSpPr txBox="true"/>
+            <p:cNvPr id="13" name="TextBox 13"/>
+            <p:cNvSpPr txBox="1"/>
             <p:nvPr/>
           </p:nvSpPr>
           <p:spPr>
@@ -6270,7 +6451,7 @@
             </a:prstGeom>
           </p:spPr>
           <p:txBody>
-            <a:bodyPr anchor="ctr" rtlCol="false" tIns="50800" lIns="50800" bIns="50800" rIns="50800"/>
+            <a:bodyPr lIns="50800" tIns="50800" rIns="50800" bIns="50800" rtlCol="0" anchor="ctr"/>
             <a:lstStyle/>
             <a:p>
               <a:pPr algn="just">
@@ -6278,18 +6459,19 @@
                   <a:spcPts val="3640"/>
                 </a:lnSpc>
               </a:pPr>
+              <a:endParaRPr/>
             </a:p>
           </p:txBody>
         </p:sp>
       </p:grpSp>
       <p:sp>
         <p:nvSpPr>
-          <p:cNvPr name="TextBox 14" id="14"/>
-          <p:cNvSpPr txBox="true"/>
+          <p:cNvPr id="14" name="TextBox 14"/>
+          <p:cNvSpPr txBox="1"/>
           <p:nvPr/>
         </p:nvSpPr>
         <p:spPr>
-          <a:xfrm rot="0">
+          <a:xfrm>
             <a:off x="1028700" y="923925"/>
             <a:ext cx="2982688" cy="953135"/>
           </a:xfrm>
@@ -6298,7 +6480,7 @@
           </a:prstGeom>
         </p:spPr>
         <p:txBody>
-          <a:bodyPr anchor="t" rtlCol="false" tIns="0" lIns="0" bIns="0" rIns="0">
+          <a:bodyPr lIns="0" tIns="0" rIns="0" bIns="0" rtlCol="0" anchor="t">
             <a:spAutoFit/>
           </a:bodyPr>
           <a:lstStyle/>
@@ -6309,7 +6491,7 @@
               </a:lnSpc>
             </a:pPr>
             <a:r>
-              <a:rPr lang="en-US" b="true" sz="2600" spc="-52">
+              <a:rPr lang="en-US" sz="2600" b="1" spc="-52">
                 <a:solidFill>
                   <a:srgbClr val="F7F7F7"/>
                 </a:solidFill>
@@ -6325,12 +6507,12 @@
       </p:sp>
       <p:sp>
         <p:nvSpPr>
-          <p:cNvPr name="TextBox 15" id="15"/>
-          <p:cNvSpPr txBox="true"/>
+          <p:cNvPr id="15" name="TextBox 15"/>
+          <p:cNvSpPr txBox="1"/>
           <p:nvPr/>
         </p:nvSpPr>
         <p:spPr>
-          <a:xfrm rot="0">
+          <a:xfrm>
             <a:off x="1028700" y="8762415"/>
             <a:ext cx="2424961" cy="495935"/>
           </a:xfrm>
@@ -6339,7 +6521,7 @@
           </a:prstGeom>
         </p:spPr>
         <p:txBody>
-          <a:bodyPr anchor="t" rtlCol="false" tIns="0" lIns="0" bIns="0" rIns="0">
+          <a:bodyPr lIns="0" tIns="0" rIns="0" bIns="0" rtlCol="0" anchor="t">
             <a:spAutoFit/>
           </a:bodyPr>
           <a:lstStyle/>
@@ -6350,7 +6532,7 @@
               </a:lnSpc>
             </a:pPr>
             <a:r>
-              <a:rPr lang="en-US" sz="2600" i="true">
+              <a:rPr lang="en-US" sz="2600" i="1">
                 <a:solidFill>
                   <a:srgbClr val="F7F7F7"/>
                 </a:solidFill>
@@ -6366,12 +6548,12 @@
       </p:sp>
       <p:sp>
         <p:nvSpPr>
-          <p:cNvPr name="TextBox 16" id="16"/>
-          <p:cNvSpPr txBox="true"/>
+          <p:cNvPr id="16" name="TextBox 16"/>
+          <p:cNvSpPr txBox="1"/>
           <p:nvPr/>
         </p:nvSpPr>
         <p:spPr>
-          <a:xfrm rot="0">
+          <a:xfrm>
             <a:off x="14276612" y="923925"/>
             <a:ext cx="2982688" cy="495935"/>
           </a:xfrm>
@@ -6380,7 +6562,7 @@
           </a:prstGeom>
         </p:spPr>
         <p:txBody>
-          <a:bodyPr anchor="t" rtlCol="false" tIns="0" lIns="0" bIns="0" rIns="0">
+          <a:bodyPr lIns="0" tIns="0" rIns="0" bIns="0" rtlCol="0" anchor="t">
             <a:spAutoFit/>
           </a:bodyPr>
           <a:lstStyle/>
@@ -6391,7 +6573,7 @@
               </a:lnSpc>
             </a:pPr>
             <a:r>
-              <a:rPr lang="en-US" b="true" sz="2600" spc="-52">
+              <a:rPr lang="en-US" sz="2600" b="1" spc="-52">
                 <a:solidFill>
                   <a:srgbClr val="F7F7F7"/>
                 </a:solidFill>
@@ -6407,12 +6589,12 @@
       </p:sp>
       <p:sp>
         <p:nvSpPr>
-          <p:cNvPr name="TextBox 17" id="17"/>
-          <p:cNvSpPr txBox="true"/>
+          <p:cNvPr id="17" name="TextBox 17"/>
+          <p:cNvSpPr txBox="1"/>
           <p:nvPr/>
         </p:nvSpPr>
         <p:spPr>
-          <a:xfrm rot="0">
+          <a:xfrm>
             <a:off x="3453661" y="8762415"/>
             <a:ext cx="13805639" cy="495935"/>
           </a:xfrm>
@@ -6421,7 +6603,7 @@
           </a:prstGeom>
         </p:spPr>
         <p:txBody>
-          <a:bodyPr anchor="t" rtlCol="false" tIns="0" lIns="0" bIns="0" rIns="0">
+          <a:bodyPr lIns="0" tIns="0" rIns="0" bIns="0" rtlCol="0" anchor="t">
             <a:spAutoFit/>
           </a:bodyPr>
           <a:lstStyle/>
@@ -6432,7 +6614,7 @@
               </a:lnSpc>
             </a:pPr>
             <a:r>
-              <a:rPr lang="en-US" b="true" sz="2600" spc="-52">
+              <a:rPr lang="en-US" sz="2600" b="1" spc="-52">
                 <a:solidFill>
                   <a:srgbClr val="F7F7F7"/>
                 </a:solidFill>
@@ -6455,13 +6637,14 @@
 </file>
 
 <file path=ppt/slides/slide2.xml><?xml version="1.0" encoding="utf-8"?>
-<p:sld xmlns:p="http://schemas.openxmlformats.org/presentationml/2006/main" xmlns:a="http://schemas.openxmlformats.org/drawingml/2006/main" xmlns:r="http://schemas.openxmlformats.org/officeDocument/2006/relationships">
+<p:sld xmlns:a="http://schemas.openxmlformats.org/drawingml/2006/main" xmlns:r="http://schemas.openxmlformats.org/officeDocument/2006/relationships" xmlns:p="http://schemas.openxmlformats.org/presentationml/2006/main">
   <p:cSld>
     <p:bg>
       <p:bgPr>
         <a:solidFill>
           <a:srgbClr val="F7F7F7"/>
         </a:solidFill>
+        <a:effectLst/>
       </p:bgPr>
     </p:bg>
     <p:spTree>
@@ -6480,12 +6663,12 @@
       </p:grpSpPr>
       <p:sp>
         <p:nvSpPr>
-          <p:cNvPr name="Freeform 2" id="2"/>
+          <p:cNvPr id="2" name="Freeform 2"/>
           <p:cNvSpPr/>
           <p:nvPr/>
         </p:nvSpPr>
         <p:spPr>
-          <a:xfrm flipH="false" flipV="false" rot="0">
+          <a:xfrm>
             <a:off x="0" y="0"/>
             <a:ext cx="18288000" cy="10287000"/>
           </a:xfrm>
@@ -6494,9 +6677,9 @@
             <a:gdLst/>
             <a:ahLst/>
             <a:cxnLst/>
-            <a:rect r="r" b="b" t="t" l="l"/>
+            <a:rect l="l" t="t" r="r" b="b"/>
             <a:pathLst>
-              <a:path h="10287000" w="18288000">
+              <a:path w="18288000" h="10287000">
                 <a:moveTo>
                   <a:pt x="0" y="0"/>
                 </a:moveTo>
@@ -6519,28 +6702,35 @@
           <a:blipFill>
             <a:blip r:embed="rId2"/>
             <a:stretch>
-              <a:fillRect l="0" t="-9222" r="0" b="-9222"/>
+              <a:fillRect t="-9222" b="-9222"/>
             </a:stretch>
           </a:blipFill>
         </p:spPr>
-      </p:sp>
-      <p:sp>
-        <p:nvSpPr>
-          <p:cNvPr name="TextBox 3" id="3"/>
-          <p:cNvSpPr txBox="true"/>
+        <p:txBody>
+          <a:bodyPr/>
+          <a:lstStyle/>
+          <a:p>
+            <a:endParaRPr lang="en-US"/>
+          </a:p>
+        </p:txBody>
+      </p:sp>
+      <p:sp>
+        <p:nvSpPr>
+          <p:cNvPr id="3" name="TextBox 3"/>
+          <p:cNvSpPr txBox="1"/>
           <p:nvPr/>
         </p:nvSpPr>
         <p:spPr>
-          <a:xfrm rot="0">
+          <a:xfrm>
             <a:off x="1028700" y="923925"/>
-            <a:ext cx="2982688" cy="953135"/>
+            <a:ext cx="3314700" cy="422167"/>
           </a:xfrm>
           <a:prstGeom prst="rect">
             <a:avLst/>
           </a:prstGeom>
         </p:spPr>
         <p:txBody>
-          <a:bodyPr anchor="t" rtlCol="false" tIns="0" lIns="0" bIns="0" rIns="0">
+          <a:bodyPr wrap="square" lIns="0" tIns="0" rIns="0" bIns="0" rtlCol="0" anchor="t">
             <a:spAutoFit/>
           </a:bodyPr>
           <a:lstStyle/>
@@ -6551,7 +6741,7 @@
               </a:lnSpc>
             </a:pPr>
             <a:r>
-              <a:rPr lang="en-US" b="true" sz="2600" spc="-52">
+              <a:rPr lang="en-US" sz="2600" b="1" spc="-52" dirty="0">
                 <a:solidFill>
                   <a:srgbClr val="F7F7F7"/>
                 </a:solidFill>
@@ -6560,19 +6750,19 @@
                 <a:cs typeface="Arial Bold"/>
                 <a:sym typeface="Arial Bold"/>
               </a:rPr>
-              <a:t>CSE 115.4 | Group 4 </a:t>
-            </a:r>
-          </a:p>
-        </p:txBody>
-      </p:sp>
-      <p:sp>
-        <p:nvSpPr>
-          <p:cNvPr name="TextBox 4" id="4"/>
-          <p:cNvSpPr txBox="true"/>
+              <a:t>CSE 115.4 | Group 2</a:t>
+            </a:r>
+          </a:p>
+        </p:txBody>
+      </p:sp>
+      <p:sp>
+        <p:nvSpPr>
+          <p:cNvPr id="4" name="TextBox 4"/>
+          <p:cNvSpPr txBox="1"/>
           <p:nvPr/>
         </p:nvSpPr>
         <p:spPr>
-          <a:xfrm rot="0">
+          <a:xfrm>
             <a:off x="1028700" y="8762415"/>
             <a:ext cx="2424961" cy="495935"/>
           </a:xfrm>
@@ -6581,7 +6771,7 @@
           </a:prstGeom>
         </p:spPr>
         <p:txBody>
-          <a:bodyPr anchor="t" rtlCol="false" tIns="0" lIns="0" bIns="0" rIns="0">
+          <a:bodyPr lIns="0" tIns="0" rIns="0" bIns="0" rtlCol="0" anchor="t">
             <a:spAutoFit/>
           </a:bodyPr>
           <a:lstStyle/>
@@ -6592,7 +6782,7 @@
               </a:lnSpc>
             </a:pPr>
             <a:r>
-              <a:rPr lang="en-US" sz="2600" i="true">
+              <a:rPr lang="en-US" sz="2600" i="1">
                 <a:solidFill>
                   <a:srgbClr val="F7F7F7"/>
                 </a:solidFill>
@@ -6608,12 +6798,12 @@
       </p:sp>
       <p:sp>
         <p:nvSpPr>
-          <p:cNvPr name="TextBox 5" id="5"/>
-          <p:cNvSpPr txBox="true"/>
+          <p:cNvPr id="5" name="TextBox 5"/>
+          <p:cNvSpPr txBox="1"/>
           <p:nvPr/>
         </p:nvSpPr>
         <p:spPr>
-          <a:xfrm rot="0">
+          <a:xfrm>
             <a:off x="14276612" y="923925"/>
             <a:ext cx="2982688" cy="495935"/>
           </a:xfrm>
@@ -6622,7 +6812,7 @@
           </a:prstGeom>
         </p:spPr>
         <p:txBody>
-          <a:bodyPr anchor="t" rtlCol="false" tIns="0" lIns="0" bIns="0" rIns="0">
+          <a:bodyPr lIns="0" tIns="0" rIns="0" bIns="0" rtlCol="0" anchor="t">
             <a:spAutoFit/>
           </a:bodyPr>
           <a:lstStyle/>
@@ -6633,7 +6823,7 @@
               </a:lnSpc>
             </a:pPr>
             <a:r>
-              <a:rPr lang="en-US" b="true" sz="2600" spc="-52">
+              <a:rPr lang="en-US" sz="2600" b="1" spc="-52">
                 <a:solidFill>
                   <a:srgbClr val="F7F7F7"/>
                 </a:solidFill>
@@ -6649,12 +6839,12 @@
       </p:sp>
       <p:sp>
         <p:nvSpPr>
-          <p:cNvPr name="TextBox 6" id="6"/>
-          <p:cNvSpPr txBox="true"/>
+          <p:cNvPr id="6" name="TextBox 6"/>
+          <p:cNvSpPr txBox="1"/>
           <p:nvPr/>
         </p:nvSpPr>
         <p:spPr>
-          <a:xfrm rot="0">
+          <a:xfrm>
             <a:off x="1028700" y="1456055"/>
             <a:ext cx="6249095" cy="1369695"/>
           </a:xfrm>
@@ -6663,7 +6853,7 @@
           </a:prstGeom>
         </p:spPr>
         <p:txBody>
-          <a:bodyPr anchor="t" rtlCol="false" tIns="0" lIns="0" bIns="0" rIns="0">
+          <a:bodyPr lIns="0" tIns="0" rIns="0" bIns="0" rtlCol="0" anchor="t">
             <a:spAutoFit/>
           </a:bodyPr>
           <a:lstStyle/>
@@ -6674,7 +6864,7 @@
               </a:lnSpc>
             </a:pPr>
             <a:r>
-              <a:rPr lang="en-US" sz="7200" b="true">
+              <a:rPr lang="en-US" sz="7200" b="1" dirty="0">
                 <a:solidFill>
                   <a:srgbClr val="F7F7F7"/>
                 </a:solidFill>
@@ -6690,12 +6880,12 @@
       </p:sp>
       <p:sp>
         <p:nvSpPr>
-          <p:cNvPr name="TextBox 7" id="7"/>
-          <p:cNvSpPr txBox="true"/>
+          <p:cNvPr id="7" name="TextBox 7"/>
+          <p:cNvSpPr txBox="1"/>
           <p:nvPr/>
         </p:nvSpPr>
         <p:spPr>
-          <a:xfrm rot="0">
+          <a:xfrm>
             <a:off x="1303801" y="4261206"/>
             <a:ext cx="15680399" cy="2284095"/>
           </a:xfrm>
@@ -6704,7 +6894,7 @@
           </a:prstGeom>
         </p:spPr>
         <p:txBody>
-          <a:bodyPr anchor="t" rtlCol="false" tIns="0" lIns="0" bIns="0" rIns="0">
+          <a:bodyPr lIns="0" tIns="0" rIns="0" bIns="0" rtlCol="0" anchor="t">
             <a:spAutoFit/>
           </a:bodyPr>
           <a:lstStyle/>
@@ -6715,7 +6905,7 @@
               </a:lnSpc>
             </a:pPr>
             <a:r>
-              <a:rPr lang="en-US" sz="4200" b="true">
+              <a:rPr lang="en-US" sz="4200" b="1">
                 <a:solidFill>
                   <a:srgbClr val="F7F7F7"/>
                 </a:solidFill>
@@ -6731,12 +6921,12 @@
       </p:sp>
       <p:sp>
         <p:nvSpPr>
-          <p:cNvPr name="TextBox 8" id="8"/>
-          <p:cNvSpPr txBox="true"/>
+          <p:cNvPr id="8" name="TextBox 8"/>
+          <p:cNvSpPr txBox="1"/>
           <p:nvPr/>
         </p:nvSpPr>
         <p:spPr>
-          <a:xfrm rot="0">
+          <a:xfrm>
             <a:off x="3453661" y="8762415"/>
             <a:ext cx="13805639" cy="495935"/>
           </a:xfrm>
@@ -6745,7 +6935,7 @@
           </a:prstGeom>
         </p:spPr>
         <p:txBody>
-          <a:bodyPr anchor="t" rtlCol="false" tIns="0" lIns="0" bIns="0" rIns="0">
+          <a:bodyPr lIns="0" tIns="0" rIns="0" bIns="0" rtlCol="0" anchor="t">
             <a:spAutoFit/>
           </a:bodyPr>
           <a:lstStyle/>
@@ -6756,7 +6946,7 @@
               </a:lnSpc>
             </a:pPr>
             <a:r>
-              <a:rPr lang="en-US" b="true" sz="2600" spc="-52">
+              <a:rPr lang="en-US" sz="2600" b="1" spc="-52">
                 <a:solidFill>
                   <a:srgbClr val="F7F7F7"/>
                 </a:solidFill>
@@ -6779,13 +6969,14 @@
 </file>
 
 <file path=ppt/slides/slide3.xml><?xml version="1.0" encoding="utf-8"?>
-<p:sld xmlns:p="http://schemas.openxmlformats.org/presentationml/2006/main" xmlns:a="http://schemas.openxmlformats.org/drawingml/2006/main" xmlns:r="http://schemas.openxmlformats.org/officeDocument/2006/relationships">
+<p:sld xmlns:a="http://schemas.openxmlformats.org/drawingml/2006/main" xmlns:r="http://schemas.openxmlformats.org/officeDocument/2006/relationships" xmlns:p="http://schemas.openxmlformats.org/presentationml/2006/main">
   <p:cSld>
     <p:bg>
       <p:bgPr>
         <a:solidFill>
           <a:srgbClr val="F7F7F7"/>
         </a:solidFill>
+        <a:effectLst/>
       </p:bgPr>
     </p:bg>
     <p:spTree>
@@ -6804,12 +6995,12 @@
       </p:grpSpPr>
       <p:sp>
         <p:nvSpPr>
-          <p:cNvPr name="Freeform 2" id="2"/>
+          <p:cNvPr id="2" name="Freeform 2"/>
           <p:cNvSpPr/>
           <p:nvPr/>
         </p:nvSpPr>
         <p:spPr>
-          <a:xfrm flipH="false" flipV="false" rot="0">
+          <a:xfrm>
             <a:off x="0" y="0"/>
             <a:ext cx="18288000" cy="10287000"/>
           </a:xfrm>
@@ -6818,9 +7009,9 @@
             <a:gdLst/>
             <a:ahLst/>
             <a:cxnLst/>
-            <a:rect r="r" b="b" t="t" l="l"/>
+            <a:rect l="l" t="t" r="r" b="b"/>
             <a:pathLst>
-              <a:path h="10287000" w="18288000">
+              <a:path w="18288000" h="10287000">
                 <a:moveTo>
                   <a:pt x="0" y="0"/>
                 </a:moveTo>
@@ -6843,19 +7034,26 @@
           <a:blipFill>
             <a:blip r:embed="rId2"/>
             <a:stretch>
-              <a:fillRect l="0" t="-9222" r="0" b="-9222"/>
+              <a:fillRect t="-9222" b="-9222"/>
             </a:stretch>
           </a:blipFill>
         </p:spPr>
-      </p:sp>
-      <p:sp>
-        <p:nvSpPr>
-          <p:cNvPr name="TextBox 3" id="3"/>
-          <p:cNvSpPr txBox="true"/>
+        <p:txBody>
+          <a:bodyPr/>
+          <a:lstStyle/>
+          <a:p>
+            <a:endParaRPr lang="en-US"/>
+          </a:p>
+        </p:txBody>
+      </p:sp>
+      <p:sp>
+        <p:nvSpPr>
+          <p:cNvPr id="3" name="TextBox 3"/>
+          <p:cNvSpPr txBox="1"/>
           <p:nvPr/>
         </p:nvSpPr>
         <p:spPr>
-          <a:xfrm rot="0">
+          <a:xfrm>
             <a:off x="1028700" y="923925"/>
             <a:ext cx="2982688" cy="953135"/>
           </a:xfrm>
@@ -6864,7 +7062,7 @@
           </a:prstGeom>
         </p:spPr>
         <p:txBody>
-          <a:bodyPr anchor="t" rtlCol="false" tIns="0" lIns="0" bIns="0" rIns="0">
+          <a:bodyPr lIns="0" tIns="0" rIns="0" bIns="0" rtlCol="0" anchor="t">
             <a:spAutoFit/>
           </a:bodyPr>
           <a:lstStyle/>
@@ -6875,7 +7073,7 @@
               </a:lnSpc>
             </a:pPr>
             <a:r>
-              <a:rPr lang="en-US" b="true" sz="2600" spc="-52">
+              <a:rPr lang="en-US" sz="2600" b="1" spc="-52">
                 <a:solidFill>
                   <a:srgbClr val="F7F7F7"/>
                 </a:solidFill>
@@ -6891,12 +7089,12 @@
       </p:sp>
       <p:sp>
         <p:nvSpPr>
-          <p:cNvPr name="TextBox 4" id="4"/>
-          <p:cNvSpPr txBox="true"/>
+          <p:cNvPr id="4" name="TextBox 4"/>
+          <p:cNvSpPr txBox="1"/>
           <p:nvPr/>
         </p:nvSpPr>
         <p:spPr>
-          <a:xfrm rot="0">
+          <a:xfrm>
             <a:off x="1028700" y="8762415"/>
             <a:ext cx="2424961" cy="495935"/>
           </a:xfrm>
@@ -6905,7 +7103,7 @@
           </a:prstGeom>
         </p:spPr>
         <p:txBody>
-          <a:bodyPr anchor="t" rtlCol="false" tIns="0" lIns="0" bIns="0" rIns="0">
+          <a:bodyPr lIns="0" tIns="0" rIns="0" bIns="0" rtlCol="0" anchor="t">
             <a:spAutoFit/>
           </a:bodyPr>
           <a:lstStyle/>
@@ -6916,7 +7114,7 @@
               </a:lnSpc>
             </a:pPr>
             <a:r>
-              <a:rPr lang="en-US" sz="2600" i="true">
+              <a:rPr lang="en-US" sz="2600" i="1">
                 <a:solidFill>
                   <a:srgbClr val="F7F7F7"/>
                 </a:solidFill>
@@ -6932,12 +7130,12 @@
       </p:sp>
       <p:sp>
         <p:nvSpPr>
-          <p:cNvPr name="TextBox 5" id="5"/>
-          <p:cNvSpPr txBox="true"/>
+          <p:cNvPr id="5" name="TextBox 5"/>
+          <p:cNvSpPr txBox="1"/>
           <p:nvPr/>
         </p:nvSpPr>
         <p:spPr>
-          <a:xfrm rot="0">
+          <a:xfrm>
             <a:off x="14276612" y="923925"/>
             <a:ext cx="2982688" cy="495935"/>
           </a:xfrm>
@@ -6946,7 +7144,7 @@
           </a:prstGeom>
         </p:spPr>
         <p:txBody>
-          <a:bodyPr anchor="t" rtlCol="false" tIns="0" lIns="0" bIns="0" rIns="0">
+          <a:bodyPr lIns="0" tIns="0" rIns="0" bIns="0" rtlCol="0" anchor="t">
             <a:spAutoFit/>
           </a:bodyPr>
           <a:lstStyle/>
@@ -6957,7 +7155,7 @@
               </a:lnSpc>
             </a:pPr>
             <a:r>
-              <a:rPr lang="en-US" b="true" sz="2600" spc="-52">
+              <a:rPr lang="en-US" sz="2600" b="1" spc="-52">
                 <a:solidFill>
                   <a:srgbClr val="F7F7F7"/>
                 </a:solidFill>
@@ -6973,12 +7171,12 @@
       </p:sp>
       <p:sp>
         <p:nvSpPr>
-          <p:cNvPr name="TextBox 6" id="6"/>
-          <p:cNvSpPr txBox="true"/>
+          <p:cNvPr id="6" name="TextBox 6"/>
+          <p:cNvSpPr txBox="1"/>
           <p:nvPr/>
         </p:nvSpPr>
         <p:spPr>
-          <a:xfrm rot="0">
+          <a:xfrm>
             <a:off x="1028700" y="1456055"/>
             <a:ext cx="6994327" cy="1369695"/>
           </a:xfrm>
@@ -6987,7 +7185,7 @@
           </a:prstGeom>
         </p:spPr>
         <p:txBody>
-          <a:bodyPr anchor="t" rtlCol="false" tIns="0" lIns="0" bIns="0" rIns="0">
+          <a:bodyPr lIns="0" tIns="0" rIns="0" bIns="0" rtlCol="0" anchor="t">
             <a:spAutoFit/>
           </a:bodyPr>
           <a:lstStyle/>
@@ -6998,7 +7196,7 @@
               </a:lnSpc>
             </a:pPr>
             <a:r>
-              <a:rPr lang="en-US" sz="7200" b="true">
+              <a:rPr lang="en-US" sz="7200" b="1">
                 <a:solidFill>
                   <a:srgbClr val="F7F7F7"/>
                 </a:solidFill>
@@ -7014,12 +7212,12 @@
       </p:sp>
       <p:sp>
         <p:nvSpPr>
-          <p:cNvPr name="TextBox 7" id="7"/>
-          <p:cNvSpPr txBox="true"/>
+          <p:cNvPr id="7" name="TextBox 7"/>
+          <p:cNvSpPr txBox="1"/>
           <p:nvPr/>
         </p:nvSpPr>
         <p:spPr>
-          <a:xfrm rot="0">
+          <a:xfrm>
             <a:off x="1028700" y="3317886"/>
             <a:ext cx="16230600" cy="4512945"/>
           </a:xfrm>
@@ -7028,7 +7226,7 @@
           </a:prstGeom>
         </p:spPr>
         <p:txBody>
-          <a:bodyPr anchor="t" rtlCol="false" tIns="0" lIns="0" bIns="0" rIns="0">
+          <a:bodyPr lIns="0" tIns="0" rIns="0" bIns="0" rtlCol="0" anchor="t">
             <a:spAutoFit/>
           </a:bodyPr>
           <a:lstStyle/>
@@ -7039,7 +7237,7 @@
               </a:lnSpc>
             </a:pPr>
             <a:r>
-              <a:rPr lang="en-US" sz="4200" b="true">
+              <a:rPr lang="en-US" sz="4200" b="1">
                 <a:solidFill>
                   <a:srgbClr val="F7F7F7"/>
                 </a:solidFill>
@@ -7057,9 +7255,18 @@
                 <a:spcPts val="5880"/>
               </a:lnSpc>
             </a:pPr>
-          </a:p>
-          <a:p>
-            <a:pPr algn="l" marL="906780" indent="-453390" lvl="1">
+            <a:endParaRPr lang="en-US" sz="4200" b="1">
+              <a:solidFill>
+                <a:srgbClr val="F7F7F7"/>
+              </a:solidFill>
+              <a:latin typeface="Arial Bold"/>
+              <a:ea typeface="Arial Bold"/>
+              <a:cs typeface="Arial Bold"/>
+              <a:sym typeface="Arial Bold"/>
+            </a:endParaRPr>
+          </a:p>
+          <a:p>
+            <a:pPr marL="906780" lvl="1" indent="-453390" algn="l">
               <a:lnSpc>
                 <a:spcPts val="5880"/>
               </a:lnSpc>
@@ -7067,7 +7274,7 @@
               <a:buChar char="•"/>
             </a:pPr>
             <a:r>
-              <a:rPr lang="en-US" b="true" sz="4200">
+              <a:rPr lang="en-US" sz="4200" b="1">
                 <a:solidFill>
                   <a:srgbClr val="F7F7F7"/>
                 </a:solidFill>
@@ -7080,7 +7287,7 @@
             </a:r>
           </a:p>
           <a:p>
-            <a:pPr algn="l" marL="906780" indent="-453390" lvl="1">
+            <a:pPr marL="906780" lvl="1" indent="-453390" algn="l">
               <a:lnSpc>
                 <a:spcPts val="5880"/>
               </a:lnSpc>
@@ -7088,7 +7295,7 @@
               <a:buChar char="•"/>
             </a:pPr>
             <a:r>
-              <a:rPr lang="en-US" b="true" sz="4200">
+              <a:rPr lang="en-US" sz="4200" b="1">
                 <a:solidFill>
                   <a:srgbClr val="F7F7F7"/>
                 </a:solidFill>
@@ -7101,7 +7308,7 @@
             </a:r>
           </a:p>
           <a:p>
-            <a:pPr algn="l" marL="906780" indent="-453390" lvl="1">
+            <a:pPr marL="906780" lvl="1" indent="-453390" algn="l">
               <a:lnSpc>
                 <a:spcPts val="5880"/>
               </a:lnSpc>
@@ -7109,7 +7316,7 @@
               <a:buChar char="•"/>
             </a:pPr>
             <a:r>
-              <a:rPr lang="en-US" b="true" sz="4200">
+              <a:rPr lang="en-US" sz="4200" b="1">
                 <a:solidFill>
                   <a:srgbClr val="F7F7F7"/>
                 </a:solidFill>
@@ -7122,7 +7329,7 @@
             </a:r>
           </a:p>
           <a:p>
-            <a:pPr algn="l" marL="906780" indent="-453390" lvl="1">
+            <a:pPr marL="906780" lvl="1" indent="-453390" algn="l">
               <a:lnSpc>
                 <a:spcPts val="5880"/>
               </a:lnSpc>
@@ -7130,7 +7337,7 @@
               <a:buChar char="•"/>
             </a:pPr>
             <a:r>
-              <a:rPr lang="en-US" b="true" sz="4200">
+              <a:rPr lang="en-US" sz="4200" b="1">
                 <a:solidFill>
                   <a:srgbClr val="F7F7F7"/>
                 </a:solidFill>
@@ -7146,12 +7353,12 @@
       </p:sp>
       <p:sp>
         <p:nvSpPr>
-          <p:cNvPr name="TextBox 8" id="8"/>
-          <p:cNvSpPr txBox="true"/>
+          <p:cNvPr id="8" name="TextBox 8"/>
+          <p:cNvSpPr txBox="1"/>
           <p:nvPr/>
         </p:nvSpPr>
         <p:spPr>
-          <a:xfrm rot="0">
+          <a:xfrm>
             <a:off x="3453661" y="8762415"/>
             <a:ext cx="13805639" cy="495935"/>
           </a:xfrm>
@@ -7160,7 +7367,7 @@
           </a:prstGeom>
         </p:spPr>
         <p:txBody>
-          <a:bodyPr anchor="t" rtlCol="false" tIns="0" lIns="0" bIns="0" rIns="0">
+          <a:bodyPr lIns="0" tIns="0" rIns="0" bIns="0" rtlCol="0" anchor="t">
             <a:spAutoFit/>
           </a:bodyPr>
           <a:lstStyle/>
@@ -7171,7 +7378,7 @@
               </a:lnSpc>
             </a:pPr>
             <a:r>
-              <a:rPr lang="en-US" b="true" sz="2600" spc="-52">
+              <a:rPr lang="en-US" sz="2600" b="1" spc="-52">
                 <a:solidFill>
                   <a:srgbClr val="F7F7F7"/>
                 </a:solidFill>
@@ -7194,13 +7401,14 @@
 </file>
 
 <file path=ppt/slides/slide4.xml><?xml version="1.0" encoding="utf-8"?>
-<p:sld xmlns:p="http://schemas.openxmlformats.org/presentationml/2006/main" xmlns:a="http://schemas.openxmlformats.org/drawingml/2006/main" xmlns:r="http://schemas.openxmlformats.org/officeDocument/2006/relationships">
+<p:sld xmlns:a="http://schemas.openxmlformats.org/drawingml/2006/main" xmlns:r="http://schemas.openxmlformats.org/officeDocument/2006/relationships" xmlns:p="http://schemas.openxmlformats.org/presentationml/2006/main">
   <p:cSld>
     <p:bg>
       <p:bgPr>
         <a:solidFill>
           <a:srgbClr val="F7F7F7"/>
         </a:solidFill>
+        <a:effectLst/>
       </p:bgPr>
     </p:bg>
     <p:spTree>
@@ -7219,12 +7427,12 @@
       </p:grpSpPr>
       <p:sp>
         <p:nvSpPr>
-          <p:cNvPr name="Freeform 2" id="2"/>
+          <p:cNvPr id="2" name="Freeform 2"/>
           <p:cNvSpPr/>
           <p:nvPr/>
         </p:nvSpPr>
         <p:spPr>
-          <a:xfrm flipH="false" flipV="false" rot="0">
+          <a:xfrm>
             <a:off x="0" y="0"/>
             <a:ext cx="18288000" cy="10287000"/>
           </a:xfrm>
@@ -7233,9 +7441,9 @@
             <a:gdLst/>
             <a:ahLst/>
             <a:cxnLst/>
-            <a:rect r="r" b="b" t="t" l="l"/>
+            <a:rect l="l" t="t" r="r" b="b"/>
             <a:pathLst>
-              <a:path h="10287000" w="18288000">
+              <a:path w="18288000" h="10287000">
                 <a:moveTo>
                   <a:pt x="0" y="0"/>
                 </a:moveTo>
@@ -7258,19 +7466,26 @@
           <a:blipFill>
             <a:blip r:embed="rId2"/>
             <a:stretch>
-              <a:fillRect l="0" t="-9222" r="0" b="-9222"/>
+              <a:fillRect t="-9222" b="-9222"/>
             </a:stretch>
           </a:blipFill>
         </p:spPr>
+        <p:txBody>
+          <a:bodyPr/>
+          <a:lstStyle/>
+          <a:p>
+            <a:endParaRPr lang="en-US"/>
+          </a:p>
+        </p:txBody>
       </p:sp>
       <p:grpSp>
         <p:nvGrpSpPr>
-          <p:cNvPr name="Group 3" id="3"/>
+          <p:cNvPr id="3" name="Group 3"/>
           <p:cNvGrpSpPr/>
           <p:nvPr/>
         </p:nvGrpSpPr>
         <p:grpSpPr>
-          <a:xfrm rot="0">
+          <a:xfrm>
             <a:off x="1028700" y="3363274"/>
             <a:ext cx="6345092" cy="1583422"/>
             <a:chOff x="0" y="0"/>
@@ -7279,12 +7494,12 @@
         </p:grpSpPr>
         <p:sp>
           <p:nvSpPr>
-            <p:cNvPr name="Freeform 4" id="4"/>
+            <p:cNvPr id="4" name="Freeform 4"/>
             <p:cNvSpPr/>
             <p:nvPr/>
           </p:nvSpPr>
           <p:spPr>
-            <a:xfrm flipH="false" flipV="false" rot="0">
+            <a:xfrm>
               <a:off x="0" y="0"/>
               <a:ext cx="2007169" cy="500890"/>
             </a:xfrm>
@@ -7293,9 +7508,9 @@
               <a:gdLst/>
               <a:ahLst/>
               <a:cxnLst/>
-              <a:rect r="r" b="b" t="t" l="l"/>
+              <a:rect l="l" t="t" r="r" b="b"/>
               <a:pathLst>
-                <a:path h="500890" w="2007169">
+                <a:path w="2007169" h="500890">
                   <a:moveTo>
                     <a:pt x="1803969" y="0"/>
                   </a:moveTo>
@@ -7329,11 +7544,18 @@
               <a:miter/>
             </a:ln>
           </p:spPr>
+          <p:txBody>
+            <a:bodyPr/>
+            <a:lstStyle/>
+            <a:p>
+              <a:endParaRPr lang="en-US"/>
+            </a:p>
+          </p:txBody>
         </p:sp>
         <p:sp>
           <p:nvSpPr>
-            <p:cNvPr name="TextBox 5" id="5"/>
-            <p:cNvSpPr txBox="true"/>
+            <p:cNvPr id="5" name="TextBox 5"/>
+            <p:cNvSpPr txBox="1"/>
             <p:nvPr/>
           </p:nvSpPr>
           <p:spPr>
@@ -7346,7 +7568,7 @@
             </a:prstGeom>
           </p:spPr>
           <p:txBody>
-            <a:bodyPr anchor="ctr" rtlCol="false" tIns="50800" lIns="50800" bIns="50800" rIns="50800"/>
+            <a:bodyPr lIns="50800" tIns="50800" rIns="50800" bIns="50800" rtlCol="0" anchor="ctr"/>
             <a:lstStyle/>
             <a:p>
               <a:pPr algn="ctr">
@@ -7354,18 +7576,19 @@
                   <a:spcPts val="3640"/>
                 </a:lnSpc>
               </a:pPr>
+              <a:endParaRPr/>
             </a:p>
           </p:txBody>
         </p:sp>
       </p:grpSp>
       <p:grpSp>
         <p:nvGrpSpPr>
-          <p:cNvPr name="Group 6" id="6"/>
+          <p:cNvPr id="6" name="Group 6"/>
           <p:cNvGrpSpPr/>
           <p:nvPr/>
         </p:nvGrpSpPr>
         <p:grpSpPr>
-          <a:xfrm rot="0">
+          <a:xfrm>
             <a:off x="1028700" y="5480096"/>
             <a:ext cx="6345092" cy="1583422"/>
             <a:chOff x="0" y="0"/>
@@ -7374,12 +7597,12 @@
         </p:grpSpPr>
         <p:sp>
           <p:nvSpPr>
-            <p:cNvPr name="Freeform 7" id="7"/>
+            <p:cNvPr id="7" name="Freeform 7"/>
             <p:cNvSpPr/>
             <p:nvPr/>
           </p:nvSpPr>
           <p:spPr>
-            <a:xfrm flipH="false" flipV="false" rot="0">
+            <a:xfrm>
               <a:off x="0" y="0"/>
               <a:ext cx="2007169" cy="500890"/>
             </a:xfrm>
@@ -7388,9 +7611,9 @@
               <a:gdLst/>
               <a:ahLst/>
               <a:cxnLst/>
-              <a:rect r="r" b="b" t="t" l="l"/>
+              <a:rect l="l" t="t" r="r" b="b"/>
               <a:pathLst>
-                <a:path h="500890" w="2007169">
+                <a:path w="2007169" h="500890">
                   <a:moveTo>
                     <a:pt x="1803969" y="0"/>
                   </a:moveTo>
@@ -7424,11 +7647,18 @@
               <a:miter/>
             </a:ln>
           </p:spPr>
+          <p:txBody>
+            <a:bodyPr/>
+            <a:lstStyle/>
+            <a:p>
+              <a:endParaRPr lang="en-US"/>
+            </a:p>
+          </p:txBody>
         </p:sp>
         <p:sp>
           <p:nvSpPr>
-            <p:cNvPr name="TextBox 8" id="8"/>
-            <p:cNvSpPr txBox="true"/>
+            <p:cNvPr id="8" name="TextBox 8"/>
+            <p:cNvSpPr txBox="1"/>
             <p:nvPr/>
           </p:nvSpPr>
           <p:spPr>
@@ -7441,7 +7671,7 @@
             </a:prstGeom>
           </p:spPr>
           <p:txBody>
-            <a:bodyPr anchor="ctr" rtlCol="false" tIns="50800" lIns="50800" bIns="50800" rIns="50800"/>
+            <a:bodyPr lIns="50800" tIns="50800" rIns="50800" bIns="50800" rtlCol="0" anchor="ctr"/>
             <a:lstStyle/>
             <a:p>
               <a:pPr algn="ctr">
@@ -7449,18 +7679,19 @@
                   <a:spcPts val="3640"/>
                 </a:lnSpc>
               </a:pPr>
+              <a:endParaRPr/>
             </a:p>
           </p:txBody>
         </p:sp>
       </p:grpSp>
       <p:sp>
         <p:nvSpPr>
-          <p:cNvPr name="Freeform 9" id="9"/>
+          <p:cNvPr id="9" name="Freeform 9"/>
           <p:cNvSpPr/>
           <p:nvPr/>
         </p:nvSpPr>
         <p:spPr>
-          <a:xfrm flipH="false" flipV="false" rot="0">
+          <a:xfrm>
             <a:off x="11240634" y="3703994"/>
             <a:ext cx="4363491" cy="5917470"/>
           </a:xfrm>
@@ -7469,9 +7700,9 @@
             <a:gdLst/>
             <a:ahLst/>
             <a:cxnLst/>
-            <a:rect r="r" b="b" t="t" l="l"/>
+            <a:rect l="l" t="t" r="r" b="b"/>
             <a:pathLst>
-              <a:path h="5917470" w="4363491">
+              <a:path w="4363491" h="5917470">
                 <a:moveTo>
                   <a:pt x="0" y="0"/>
                 </a:moveTo>
@@ -7494,19 +7725,26 @@
           <a:blipFill>
             <a:blip r:embed="rId3"/>
             <a:stretch>
-              <a:fillRect l="0" t="0" r="0" b="0"/>
+              <a:fillRect/>
             </a:stretch>
           </a:blipFill>
         </p:spPr>
-      </p:sp>
-      <p:sp>
-        <p:nvSpPr>
-          <p:cNvPr name="TextBox 10" id="10"/>
-          <p:cNvSpPr txBox="true"/>
+        <p:txBody>
+          <a:bodyPr/>
+          <a:lstStyle/>
+          <a:p>
+            <a:endParaRPr lang="en-US"/>
+          </a:p>
+        </p:txBody>
+      </p:sp>
+      <p:sp>
+        <p:nvSpPr>
+          <p:cNvPr id="10" name="TextBox 10"/>
+          <p:cNvSpPr txBox="1"/>
           <p:nvPr/>
         </p:nvSpPr>
         <p:spPr>
-          <a:xfrm rot="0">
+          <a:xfrm>
             <a:off x="1028700" y="923925"/>
             <a:ext cx="2982688" cy="953135"/>
           </a:xfrm>
@@ -7515,7 +7753,7 @@
           </a:prstGeom>
         </p:spPr>
         <p:txBody>
-          <a:bodyPr anchor="t" rtlCol="false" tIns="0" lIns="0" bIns="0" rIns="0">
+          <a:bodyPr lIns="0" tIns="0" rIns="0" bIns="0" rtlCol="0" anchor="t">
             <a:spAutoFit/>
           </a:bodyPr>
           <a:lstStyle/>
@@ -7526,7 +7764,7 @@
               </a:lnSpc>
             </a:pPr>
             <a:r>
-              <a:rPr lang="en-US" b="true" sz="2600" spc="-52">
+              <a:rPr lang="en-US" sz="2600" b="1" spc="-52">
                 <a:solidFill>
                   <a:srgbClr val="F7F7F7"/>
                 </a:solidFill>
@@ -7542,12 +7780,12 @@
       </p:sp>
       <p:sp>
         <p:nvSpPr>
-          <p:cNvPr name="TextBox 11" id="11"/>
-          <p:cNvSpPr txBox="true"/>
+          <p:cNvPr id="11" name="TextBox 11"/>
+          <p:cNvSpPr txBox="1"/>
           <p:nvPr/>
         </p:nvSpPr>
         <p:spPr>
-          <a:xfrm rot="0">
+          <a:xfrm>
             <a:off x="1028700" y="8762415"/>
             <a:ext cx="2424961" cy="495935"/>
           </a:xfrm>
@@ -7556,7 +7794,7 @@
           </a:prstGeom>
         </p:spPr>
         <p:txBody>
-          <a:bodyPr anchor="t" rtlCol="false" tIns="0" lIns="0" bIns="0" rIns="0">
+          <a:bodyPr lIns="0" tIns="0" rIns="0" bIns="0" rtlCol="0" anchor="t">
             <a:spAutoFit/>
           </a:bodyPr>
           <a:lstStyle/>
@@ -7567,7 +7805,7 @@
               </a:lnSpc>
             </a:pPr>
             <a:r>
-              <a:rPr lang="en-US" sz="2600" i="true">
+              <a:rPr lang="en-US" sz="2600" i="1">
                 <a:solidFill>
                   <a:srgbClr val="F7F7F7"/>
                 </a:solidFill>
@@ -7583,12 +7821,12 @@
       </p:sp>
       <p:sp>
         <p:nvSpPr>
-          <p:cNvPr name="TextBox 12" id="12"/>
-          <p:cNvSpPr txBox="true"/>
+          <p:cNvPr id="12" name="TextBox 12"/>
+          <p:cNvSpPr txBox="1"/>
           <p:nvPr/>
         </p:nvSpPr>
         <p:spPr>
-          <a:xfrm rot="0">
+          <a:xfrm>
             <a:off x="14276612" y="923925"/>
             <a:ext cx="2982688" cy="495935"/>
           </a:xfrm>
@@ -7597,7 +7835,7 @@
           </a:prstGeom>
         </p:spPr>
         <p:txBody>
-          <a:bodyPr anchor="t" rtlCol="false" tIns="0" lIns="0" bIns="0" rIns="0">
+          <a:bodyPr lIns="0" tIns="0" rIns="0" bIns="0" rtlCol="0" anchor="t">
             <a:spAutoFit/>
           </a:bodyPr>
           <a:lstStyle/>
@@ -7608,7 +7846,7 @@
               </a:lnSpc>
             </a:pPr>
             <a:r>
-              <a:rPr lang="en-US" b="true" sz="2600" spc="-52">
+              <a:rPr lang="en-US" sz="2600" b="1" spc="-52">
                 <a:solidFill>
                   <a:srgbClr val="F7F7F7"/>
                 </a:solidFill>
@@ -7624,12 +7862,12 @@
       </p:sp>
       <p:sp>
         <p:nvSpPr>
-          <p:cNvPr name="TextBox 13" id="13"/>
-          <p:cNvSpPr txBox="true"/>
+          <p:cNvPr id="13" name="TextBox 13"/>
+          <p:cNvSpPr txBox="1"/>
           <p:nvPr/>
         </p:nvSpPr>
         <p:spPr>
-          <a:xfrm rot="0">
+          <a:xfrm>
             <a:off x="1028700" y="1456055"/>
             <a:ext cx="7228384" cy="1369695"/>
           </a:xfrm>
@@ -7638,7 +7876,7 @@
           </a:prstGeom>
         </p:spPr>
         <p:txBody>
-          <a:bodyPr anchor="t" rtlCol="false" tIns="0" lIns="0" bIns="0" rIns="0">
+          <a:bodyPr lIns="0" tIns="0" rIns="0" bIns="0" rtlCol="0" anchor="t">
             <a:spAutoFit/>
           </a:bodyPr>
           <a:lstStyle/>
@@ -7649,7 +7887,7 @@
               </a:lnSpc>
             </a:pPr>
             <a:r>
-              <a:rPr lang="en-US" sz="7200" b="true">
+              <a:rPr lang="en-US" sz="7200" b="1">
                 <a:solidFill>
                   <a:srgbClr val="F7F7F7"/>
                 </a:solidFill>
@@ -7665,12 +7903,12 @@
       </p:sp>
       <p:sp>
         <p:nvSpPr>
-          <p:cNvPr name="TextBox 14" id="14"/>
-          <p:cNvSpPr txBox="true"/>
+          <p:cNvPr id="14" name="TextBox 14"/>
+          <p:cNvSpPr txBox="1"/>
           <p:nvPr/>
         </p:nvSpPr>
         <p:spPr>
-          <a:xfrm rot="0">
+          <a:xfrm>
             <a:off x="3453661" y="8762415"/>
             <a:ext cx="13805639" cy="495935"/>
           </a:xfrm>
@@ -7679,7 +7917,7 @@
           </a:prstGeom>
         </p:spPr>
         <p:txBody>
-          <a:bodyPr anchor="t" rtlCol="false" tIns="0" lIns="0" bIns="0" rIns="0">
+          <a:bodyPr lIns="0" tIns="0" rIns="0" bIns="0" rtlCol="0" anchor="t">
             <a:spAutoFit/>
           </a:bodyPr>
           <a:lstStyle/>
@@ -7690,7 +7928,7 @@
               </a:lnSpc>
             </a:pPr>
             <a:r>
-              <a:rPr lang="en-US" b="true" sz="2600" spc="-52">
+              <a:rPr lang="en-US" sz="2600" b="1" spc="-52">
                 <a:solidFill>
                   <a:srgbClr val="F7F7F7"/>
                 </a:solidFill>
@@ -7706,12 +7944,12 @@
       </p:sp>
       <p:sp>
         <p:nvSpPr>
-          <p:cNvPr name="TextBox 15" id="15"/>
-          <p:cNvSpPr txBox="true"/>
+          <p:cNvPr id="15" name="TextBox 15"/>
+          <p:cNvSpPr txBox="1"/>
           <p:nvPr/>
         </p:nvSpPr>
         <p:spPr>
-          <a:xfrm rot="0">
+          <a:xfrm>
             <a:off x="1109259" y="3589694"/>
             <a:ext cx="5804259" cy="1068352"/>
           </a:xfrm>
@@ -7720,7 +7958,7 @@
           </a:prstGeom>
         </p:spPr>
         <p:txBody>
-          <a:bodyPr anchor="t" rtlCol="false" tIns="0" lIns="0" bIns="0" rIns="0">
+          <a:bodyPr lIns="0" tIns="0" rIns="0" bIns="0" rtlCol="0" anchor="t">
             <a:spAutoFit/>
           </a:bodyPr>
           <a:lstStyle/>
@@ -7734,7 +7972,7 @@
               </a:spcBef>
             </a:pPr>
             <a:r>
-              <a:rPr lang="en-US" b="true" sz="2938" spc="-58">
+              <a:rPr lang="en-US" sz="2938" b="1" spc="-58">
                 <a:solidFill>
                   <a:srgbClr val="F7F7F7"/>
                 </a:solidFill>
@@ -7750,12 +7988,12 @@
       </p:sp>
       <p:sp>
         <p:nvSpPr>
-          <p:cNvPr name="TextBox 16" id="16"/>
-          <p:cNvSpPr txBox="true"/>
+          <p:cNvPr id="16" name="TextBox 16"/>
+          <p:cNvSpPr txBox="1"/>
           <p:nvPr/>
         </p:nvSpPr>
         <p:spPr>
-          <a:xfrm rot="0">
+          <a:xfrm>
             <a:off x="1028700" y="5708696"/>
             <a:ext cx="6698418" cy="1556667"/>
           </a:xfrm>
@@ -7764,7 +8002,7 @@
           </a:prstGeom>
         </p:spPr>
         <p:txBody>
-          <a:bodyPr anchor="t" rtlCol="false" tIns="0" lIns="0" bIns="0" rIns="0">
+          <a:bodyPr lIns="0" tIns="0" rIns="0" bIns="0" rtlCol="0" anchor="t">
             <a:spAutoFit/>
           </a:bodyPr>
           <a:lstStyle/>
@@ -7775,7 +8013,7 @@
               </a:lnSpc>
             </a:pPr>
             <a:r>
-              <a:rPr lang="en-US" sz="2938" spc="-58" b="true">
+              <a:rPr lang="en-US" sz="2938" b="1" spc="-58">
                 <a:solidFill>
                   <a:srgbClr val="F7F7F7"/>
                 </a:solidFill>
@@ -7796,6 +8034,15 @@
                 <a:spcPct val="0"/>
               </a:spcBef>
             </a:pPr>
+            <a:endParaRPr lang="en-US" sz="2938" b="1" spc="-58">
+              <a:solidFill>
+                <a:srgbClr val="F7F7F7"/>
+              </a:solidFill>
+              <a:latin typeface="Arial Bold"/>
+              <a:ea typeface="Arial Bold"/>
+              <a:cs typeface="Arial Bold"/>
+              <a:sym typeface="Arial Bold"/>
+            </a:endParaRPr>
           </a:p>
         </p:txBody>
       </p:sp>
@@ -7808,13 +8055,14 @@
 </file>
 
 <file path=ppt/slides/slide5.xml><?xml version="1.0" encoding="utf-8"?>
-<p:sld xmlns:p="http://schemas.openxmlformats.org/presentationml/2006/main" xmlns:a="http://schemas.openxmlformats.org/drawingml/2006/main" xmlns:r="http://schemas.openxmlformats.org/officeDocument/2006/relationships">
+<p:sld xmlns:a="http://schemas.openxmlformats.org/drawingml/2006/main" xmlns:r="http://schemas.openxmlformats.org/officeDocument/2006/relationships" xmlns:p="http://schemas.openxmlformats.org/presentationml/2006/main">
   <p:cSld>
     <p:bg>
       <p:bgPr>
         <a:solidFill>
           <a:srgbClr val="F7F7F7"/>
         </a:solidFill>
+        <a:effectLst/>
       </p:bgPr>
     </p:bg>
     <p:spTree>
@@ -7833,12 +8081,12 @@
       </p:grpSpPr>
       <p:sp>
         <p:nvSpPr>
-          <p:cNvPr name="Freeform 2" id="2"/>
+          <p:cNvPr id="2" name="Freeform 2"/>
           <p:cNvSpPr/>
           <p:nvPr/>
         </p:nvSpPr>
         <p:spPr>
-          <a:xfrm flipH="false" flipV="false" rot="0">
+          <a:xfrm>
             <a:off x="0" y="0"/>
             <a:ext cx="18288000" cy="10287000"/>
           </a:xfrm>
@@ -7847,9 +8095,9 @@
             <a:gdLst/>
             <a:ahLst/>
             <a:cxnLst/>
-            <a:rect r="r" b="b" t="t" l="l"/>
+            <a:rect l="l" t="t" r="r" b="b"/>
             <a:pathLst>
-              <a:path h="10287000" w="18288000">
+              <a:path w="18288000" h="10287000">
                 <a:moveTo>
                   <a:pt x="0" y="0"/>
                 </a:moveTo>
@@ -7872,19 +8120,26 @@
           <a:blipFill>
             <a:blip r:embed="rId2"/>
             <a:stretch>
-              <a:fillRect l="0" t="-9222" r="0" b="-9222"/>
+              <a:fillRect t="-9222" b="-9222"/>
             </a:stretch>
           </a:blipFill>
         </p:spPr>
-      </p:sp>
-      <p:sp>
-        <p:nvSpPr>
-          <p:cNvPr name="TextBox 3" id="3"/>
-          <p:cNvSpPr txBox="true"/>
+        <p:txBody>
+          <a:bodyPr/>
+          <a:lstStyle/>
+          <a:p>
+            <a:endParaRPr lang="en-US"/>
+          </a:p>
+        </p:txBody>
+      </p:sp>
+      <p:sp>
+        <p:nvSpPr>
+          <p:cNvPr id="3" name="TextBox 3"/>
+          <p:cNvSpPr txBox="1"/>
           <p:nvPr/>
         </p:nvSpPr>
         <p:spPr>
-          <a:xfrm rot="0">
+          <a:xfrm>
             <a:off x="1028700" y="923925"/>
             <a:ext cx="2982688" cy="953135"/>
           </a:xfrm>
@@ -7893,7 +8148,7 @@
           </a:prstGeom>
         </p:spPr>
         <p:txBody>
-          <a:bodyPr anchor="t" rtlCol="false" tIns="0" lIns="0" bIns="0" rIns="0">
+          <a:bodyPr lIns="0" tIns="0" rIns="0" bIns="0" rtlCol="0" anchor="t">
             <a:spAutoFit/>
           </a:bodyPr>
           <a:lstStyle/>
@@ -7904,7 +8159,7 @@
               </a:lnSpc>
             </a:pPr>
             <a:r>
-              <a:rPr lang="en-US" b="true" sz="2600" spc="-52">
+              <a:rPr lang="en-US" sz="2600" b="1" spc="-52">
                 <a:solidFill>
                   <a:srgbClr val="F7F7F7"/>
                 </a:solidFill>
@@ -7920,12 +8175,12 @@
       </p:sp>
       <p:sp>
         <p:nvSpPr>
-          <p:cNvPr name="TextBox 4" id="4"/>
-          <p:cNvSpPr txBox="true"/>
+          <p:cNvPr id="4" name="TextBox 4"/>
+          <p:cNvSpPr txBox="1"/>
           <p:nvPr/>
         </p:nvSpPr>
         <p:spPr>
-          <a:xfrm rot="0">
+          <a:xfrm>
             <a:off x="1028700" y="8762415"/>
             <a:ext cx="2424961" cy="495935"/>
           </a:xfrm>
@@ -7934,7 +8189,7 @@
           </a:prstGeom>
         </p:spPr>
         <p:txBody>
-          <a:bodyPr anchor="t" rtlCol="false" tIns="0" lIns="0" bIns="0" rIns="0">
+          <a:bodyPr lIns="0" tIns="0" rIns="0" bIns="0" rtlCol="0" anchor="t">
             <a:spAutoFit/>
           </a:bodyPr>
           <a:lstStyle/>
@@ -7945,7 +8200,7 @@
               </a:lnSpc>
             </a:pPr>
             <a:r>
-              <a:rPr lang="en-US" sz="2600" i="true">
+              <a:rPr lang="en-US" sz="2600" i="1">
                 <a:solidFill>
                   <a:srgbClr val="F7F7F7"/>
                 </a:solidFill>
@@ -7961,12 +8216,12 @@
       </p:sp>
       <p:sp>
         <p:nvSpPr>
-          <p:cNvPr name="TextBox 5" id="5"/>
-          <p:cNvSpPr txBox="true"/>
+          <p:cNvPr id="5" name="TextBox 5"/>
+          <p:cNvSpPr txBox="1"/>
           <p:nvPr/>
         </p:nvSpPr>
         <p:spPr>
-          <a:xfrm rot="0">
+          <a:xfrm>
             <a:off x="14276612" y="923925"/>
             <a:ext cx="2982688" cy="495935"/>
           </a:xfrm>
@@ -7975,7 +8230,7 @@
           </a:prstGeom>
         </p:spPr>
         <p:txBody>
-          <a:bodyPr anchor="t" rtlCol="false" tIns="0" lIns="0" bIns="0" rIns="0">
+          <a:bodyPr lIns="0" tIns="0" rIns="0" bIns="0" rtlCol="0" anchor="t">
             <a:spAutoFit/>
           </a:bodyPr>
           <a:lstStyle/>
@@ -7986,7 +8241,7 @@
               </a:lnSpc>
             </a:pPr>
             <a:r>
-              <a:rPr lang="en-US" b="true" sz="2600" spc="-52">
+              <a:rPr lang="en-US" sz="2600" b="1" spc="-52">
                 <a:solidFill>
                   <a:srgbClr val="F7F7F7"/>
                 </a:solidFill>
@@ -8002,12 +8257,12 @@
       </p:sp>
       <p:sp>
         <p:nvSpPr>
-          <p:cNvPr name="TextBox 6" id="6"/>
-          <p:cNvSpPr txBox="true"/>
+          <p:cNvPr id="6" name="TextBox 6"/>
+          <p:cNvSpPr txBox="1"/>
           <p:nvPr/>
         </p:nvSpPr>
         <p:spPr>
-          <a:xfrm rot="0">
+          <a:xfrm>
             <a:off x="1028700" y="1456055"/>
             <a:ext cx="6350596" cy="1369695"/>
           </a:xfrm>
@@ -8016,7 +8271,7 @@
           </a:prstGeom>
         </p:spPr>
         <p:txBody>
-          <a:bodyPr anchor="t" rtlCol="false" tIns="0" lIns="0" bIns="0" rIns="0">
+          <a:bodyPr lIns="0" tIns="0" rIns="0" bIns="0" rtlCol="0" anchor="t">
             <a:spAutoFit/>
           </a:bodyPr>
           <a:lstStyle/>
@@ -8027,7 +8282,7 @@
               </a:lnSpc>
             </a:pPr>
             <a:r>
-              <a:rPr lang="en-US" sz="7200" b="true">
+              <a:rPr lang="en-US" sz="7200" b="1">
                 <a:solidFill>
                   <a:srgbClr val="F7F7F7"/>
                 </a:solidFill>
@@ -8043,12 +8298,12 @@
       </p:sp>
       <p:sp>
         <p:nvSpPr>
-          <p:cNvPr name="TextBox 7" id="7"/>
-          <p:cNvSpPr txBox="true"/>
+          <p:cNvPr id="7" name="TextBox 7"/>
+          <p:cNvSpPr txBox="1"/>
           <p:nvPr/>
         </p:nvSpPr>
         <p:spPr>
-          <a:xfrm rot="0">
+          <a:xfrm>
             <a:off x="3453661" y="8762415"/>
             <a:ext cx="13805639" cy="495935"/>
           </a:xfrm>
@@ -8057,7 +8312,7 @@
           </a:prstGeom>
         </p:spPr>
         <p:txBody>
-          <a:bodyPr anchor="t" rtlCol="false" tIns="0" lIns="0" bIns="0" rIns="0">
+          <a:bodyPr lIns="0" tIns="0" rIns="0" bIns="0" rtlCol="0" anchor="t">
             <a:spAutoFit/>
           </a:bodyPr>
           <a:lstStyle/>
@@ -8068,7 +8323,7 @@
               </a:lnSpc>
             </a:pPr>
             <a:r>
-              <a:rPr lang="en-US" b="true" sz="2600" spc="-52">
+              <a:rPr lang="en-US" sz="2600" b="1" spc="-52">
                 <a:solidFill>
                   <a:srgbClr val="F7F7F7"/>
                 </a:solidFill>
@@ -8084,12 +8339,12 @@
       </p:sp>
       <p:grpSp>
         <p:nvGrpSpPr>
-          <p:cNvPr name="Group 8" id="8"/>
+          <p:cNvPr id="8" name="Group 8"/>
           <p:cNvGrpSpPr/>
           <p:nvPr/>
         </p:nvGrpSpPr>
         <p:grpSpPr>
-          <a:xfrm rot="0">
+          <a:xfrm>
             <a:off x="5705855" y="3205577"/>
             <a:ext cx="7655969" cy="2392079"/>
             <a:chOff x="0" y="0"/>
@@ -8098,12 +8353,12 @@
         </p:grpSpPr>
         <p:sp>
           <p:nvSpPr>
-            <p:cNvPr name="Freeform 9" id="9"/>
+            <p:cNvPr id="9" name="Freeform 9"/>
             <p:cNvSpPr/>
             <p:nvPr/>
           </p:nvSpPr>
           <p:spPr>
-            <a:xfrm flipH="false" flipV="false" rot="0">
+            <a:xfrm>
               <a:off x="0" y="0"/>
               <a:ext cx="1363164" cy="425915"/>
             </a:xfrm>
@@ -8112,9 +8367,9 @@
               <a:gdLst/>
               <a:ahLst/>
               <a:cxnLst/>
-              <a:rect r="r" b="b" t="t" l="l"/>
+              <a:rect l="l" t="t" r="r" b="b"/>
               <a:pathLst>
-                <a:path h="425915" w="1363164">
+                <a:path w="1363164" h="425915">
                   <a:moveTo>
                     <a:pt x="1159964" y="0"/>
                   </a:moveTo>
@@ -8148,11 +8403,18 @@
               <a:miter/>
             </a:ln>
           </p:spPr>
+          <p:txBody>
+            <a:bodyPr/>
+            <a:lstStyle/>
+            <a:p>
+              <a:endParaRPr lang="en-US"/>
+            </a:p>
+          </p:txBody>
         </p:sp>
         <p:sp>
           <p:nvSpPr>
-            <p:cNvPr name="TextBox 10" id="10"/>
-            <p:cNvSpPr txBox="true"/>
+            <p:cNvPr id="10" name="TextBox 10"/>
+            <p:cNvSpPr txBox="1"/>
             <p:nvPr/>
           </p:nvSpPr>
           <p:spPr>
@@ -8165,17 +8427,17 @@
             </a:prstGeom>
           </p:spPr>
           <p:txBody>
-            <a:bodyPr anchor="ctr" rtlCol="false" tIns="50800" lIns="50800" bIns="50800" rIns="50800"/>
+            <a:bodyPr lIns="50800" tIns="50800" rIns="50800" bIns="50800" rtlCol="0" anchor="ctr"/>
             <a:lstStyle/>
             <a:p>
-              <a:pPr algn="ctr" marL="734056" indent="-367028" lvl="1">
+              <a:pPr marL="734056" lvl="1" indent="-367028" algn="ctr">
                 <a:lnSpc>
                   <a:spcPts val="4759"/>
                 </a:lnSpc>
-                <a:buAutoNum type="arabicPeriod" startAt="1"/>
+                <a:buAutoNum type="arabicPeriod"/>
               </a:pPr>
               <a:r>
-                <a:rPr lang="en-US" b="true" sz="3399" spc="-67">
+                <a:rPr lang="en-US" sz="3399" b="1" spc="-67">
                   <a:solidFill>
                     <a:srgbClr val="FFFFFF"/>
                   </a:solidFill>
@@ -8193,18 +8455,27 @@
                   <a:spcPts val="3640"/>
                 </a:lnSpc>
               </a:pPr>
+              <a:endParaRPr lang="en-US" sz="3399" b="1" spc="-67">
+                <a:solidFill>
+                  <a:srgbClr val="FFFFFF"/>
+                </a:solidFill>
+                <a:latin typeface="Arial Bold"/>
+                <a:ea typeface="Arial Bold"/>
+                <a:cs typeface="Arial Bold"/>
+                <a:sym typeface="Arial Bold"/>
+              </a:endParaRPr>
             </a:p>
           </p:txBody>
         </p:sp>
       </p:grpSp>
       <p:grpSp>
         <p:nvGrpSpPr>
-          <p:cNvPr name="Group 11" id="11"/>
+          <p:cNvPr id="11" name="Group 11"/>
           <p:cNvGrpSpPr/>
           <p:nvPr/>
         </p:nvGrpSpPr>
         <p:grpSpPr>
-          <a:xfrm rot="0">
+          <a:xfrm>
             <a:off x="5705855" y="5978655"/>
             <a:ext cx="7655969" cy="2392079"/>
             <a:chOff x="0" y="0"/>
@@ -8213,12 +8484,12 @@
         </p:grpSpPr>
         <p:sp>
           <p:nvSpPr>
-            <p:cNvPr name="Freeform 12" id="12"/>
+            <p:cNvPr id="12" name="Freeform 12"/>
             <p:cNvSpPr/>
             <p:nvPr/>
           </p:nvSpPr>
           <p:spPr>
-            <a:xfrm flipH="false" flipV="false" rot="0">
+            <a:xfrm>
               <a:off x="0" y="0"/>
               <a:ext cx="1363164" cy="425915"/>
             </a:xfrm>
@@ -8227,9 +8498,9 @@
               <a:gdLst/>
               <a:ahLst/>
               <a:cxnLst/>
-              <a:rect r="r" b="b" t="t" l="l"/>
+              <a:rect l="l" t="t" r="r" b="b"/>
               <a:pathLst>
-                <a:path h="425915" w="1363164">
+                <a:path w="1363164" h="425915">
                   <a:moveTo>
                     <a:pt x="1159964" y="0"/>
                   </a:moveTo>
@@ -8263,11 +8534,18 @@
               <a:miter/>
             </a:ln>
           </p:spPr>
+          <p:txBody>
+            <a:bodyPr/>
+            <a:lstStyle/>
+            <a:p>
+              <a:endParaRPr lang="en-US"/>
+            </a:p>
+          </p:txBody>
         </p:sp>
         <p:sp>
           <p:nvSpPr>
-            <p:cNvPr name="TextBox 13" id="13"/>
-            <p:cNvSpPr txBox="true"/>
+            <p:cNvPr id="13" name="TextBox 13"/>
+            <p:cNvSpPr txBox="1"/>
             <p:nvPr/>
           </p:nvSpPr>
           <p:spPr>
@@ -8280,7 +8558,7 @@
             </a:prstGeom>
           </p:spPr>
           <p:txBody>
-            <a:bodyPr anchor="ctr" rtlCol="false" tIns="50800" lIns="50800" bIns="50800" rIns="50800"/>
+            <a:bodyPr lIns="50800" tIns="50800" rIns="50800" bIns="50800" rtlCol="0" anchor="ctr"/>
             <a:lstStyle/>
             <a:p>
               <a:pPr algn="ctr">
@@ -8289,7 +8567,7 @@
                 </a:lnSpc>
               </a:pPr>
               <a:r>
-                <a:rPr lang="en-US" b="true" sz="3399" spc="-67">
+                <a:rPr lang="en-US" sz="3399" b="1" spc="-67">
                   <a:solidFill>
                     <a:srgbClr val="FFFFFF"/>
                   </a:solidFill>
@@ -8307,6 +8585,15 @@
                   <a:spcPts val="4759"/>
                 </a:lnSpc>
               </a:pPr>
+              <a:endParaRPr lang="en-US" sz="3399" b="1" spc="-67">
+                <a:solidFill>
+                  <a:srgbClr val="FFFFFF"/>
+                </a:solidFill>
+                <a:latin typeface="Arial Bold"/>
+                <a:ea typeface="Arial Bold"/>
+                <a:cs typeface="Arial Bold"/>
+                <a:sym typeface="Arial Bold"/>
+              </a:endParaRPr>
             </a:p>
           </p:txBody>
         </p:sp>
@@ -8320,13 +8607,14 @@
 </file>
 
 <file path=ppt/slides/slide6.xml><?xml version="1.0" encoding="utf-8"?>
-<p:sld xmlns:p="http://schemas.openxmlformats.org/presentationml/2006/main" xmlns:a="http://schemas.openxmlformats.org/drawingml/2006/main" xmlns:r="http://schemas.openxmlformats.org/officeDocument/2006/relationships">
+<p:sld xmlns:a="http://schemas.openxmlformats.org/drawingml/2006/main" xmlns:r="http://schemas.openxmlformats.org/officeDocument/2006/relationships" xmlns:p="http://schemas.openxmlformats.org/presentationml/2006/main">
   <p:cSld>
     <p:bg>
       <p:bgPr>
         <a:solidFill>
           <a:srgbClr val="F7F7F7"/>
         </a:solidFill>
+        <a:effectLst/>
       </p:bgPr>
     </p:bg>
     <p:spTree>
@@ -8345,12 +8633,12 @@
       </p:grpSpPr>
       <p:sp>
         <p:nvSpPr>
-          <p:cNvPr name="Freeform 2" id="2"/>
+          <p:cNvPr id="2" name="Freeform 2"/>
           <p:cNvSpPr/>
           <p:nvPr/>
         </p:nvSpPr>
         <p:spPr>
-          <a:xfrm flipH="false" flipV="false" rot="0">
+          <a:xfrm>
             <a:off x="0" y="0"/>
             <a:ext cx="18288000" cy="10287000"/>
           </a:xfrm>
@@ -8359,9 +8647,9 @@
             <a:gdLst/>
             <a:ahLst/>
             <a:cxnLst/>
-            <a:rect r="r" b="b" t="t" l="l"/>
+            <a:rect l="l" t="t" r="r" b="b"/>
             <a:pathLst>
-              <a:path h="10287000" w="18288000">
+              <a:path w="18288000" h="10287000">
                 <a:moveTo>
                   <a:pt x="0" y="0"/>
                 </a:moveTo>
@@ -8384,19 +8672,26 @@
           <a:blipFill>
             <a:blip r:embed="rId2"/>
             <a:stretch>
-              <a:fillRect l="0" t="-9222" r="0" b="-9222"/>
+              <a:fillRect t="-9222" b="-9222"/>
             </a:stretch>
           </a:blipFill>
         </p:spPr>
-      </p:sp>
-      <p:sp>
-        <p:nvSpPr>
-          <p:cNvPr name="TextBox 3" id="3"/>
-          <p:cNvSpPr txBox="true"/>
+        <p:txBody>
+          <a:bodyPr/>
+          <a:lstStyle/>
+          <a:p>
+            <a:endParaRPr lang="en-US"/>
+          </a:p>
+        </p:txBody>
+      </p:sp>
+      <p:sp>
+        <p:nvSpPr>
+          <p:cNvPr id="3" name="TextBox 3"/>
+          <p:cNvSpPr txBox="1"/>
           <p:nvPr/>
         </p:nvSpPr>
         <p:spPr>
-          <a:xfrm rot="0">
+          <a:xfrm>
             <a:off x="1028700" y="923925"/>
             <a:ext cx="2982688" cy="953135"/>
           </a:xfrm>
@@ -8405,7 +8700,7 @@
           </a:prstGeom>
         </p:spPr>
         <p:txBody>
-          <a:bodyPr anchor="t" rtlCol="false" tIns="0" lIns="0" bIns="0" rIns="0">
+          <a:bodyPr lIns="0" tIns="0" rIns="0" bIns="0" rtlCol="0" anchor="t">
             <a:spAutoFit/>
           </a:bodyPr>
           <a:lstStyle/>
@@ -8416,7 +8711,7 @@
               </a:lnSpc>
             </a:pPr>
             <a:r>
-              <a:rPr lang="en-US" b="true" sz="2600" spc="-52">
+              <a:rPr lang="en-US" sz="2600" b="1" spc="-52">
                 <a:solidFill>
                   <a:srgbClr val="F7F7F7"/>
                 </a:solidFill>
@@ -8432,12 +8727,12 @@
       </p:sp>
       <p:sp>
         <p:nvSpPr>
-          <p:cNvPr name="TextBox 4" id="4"/>
-          <p:cNvSpPr txBox="true"/>
+          <p:cNvPr id="4" name="TextBox 4"/>
+          <p:cNvSpPr txBox="1"/>
           <p:nvPr/>
         </p:nvSpPr>
         <p:spPr>
-          <a:xfrm rot="0">
+          <a:xfrm>
             <a:off x="1028700" y="8762415"/>
             <a:ext cx="2424961" cy="495935"/>
           </a:xfrm>
@@ -8446,7 +8741,7 @@
           </a:prstGeom>
         </p:spPr>
         <p:txBody>
-          <a:bodyPr anchor="t" rtlCol="false" tIns="0" lIns="0" bIns="0" rIns="0">
+          <a:bodyPr lIns="0" tIns="0" rIns="0" bIns="0" rtlCol="0" anchor="t">
             <a:spAutoFit/>
           </a:bodyPr>
           <a:lstStyle/>
@@ -8457,7 +8752,7 @@
               </a:lnSpc>
             </a:pPr>
             <a:r>
-              <a:rPr lang="en-US" sz="2600" i="true">
+              <a:rPr lang="en-US" sz="2600" i="1">
                 <a:solidFill>
                   <a:srgbClr val="F7F7F7"/>
                 </a:solidFill>
@@ -8473,12 +8768,12 @@
       </p:sp>
       <p:sp>
         <p:nvSpPr>
-          <p:cNvPr name="TextBox 5" id="5"/>
-          <p:cNvSpPr txBox="true"/>
+          <p:cNvPr id="5" name="TextBox 5"/>
+          <p:cNvSpPr txBox="1"/>
           <p:nvPr/>
         </p:nvSpPr>
         <p:spPr>
-          <a:xfrm rot="0">
+          <a:xfrm>
             <a:off x="14276612" y="923925"/>
             <a:ext cx="2982688" cy="495935"/>
           </a:xfrm>
@@ -8487,7 +8782,7 @@
           </a:prstGeom>
         </p:spPr>
         <p:txBody>
-          <a:bodyPr anchor="t" rtlCol="false" tIns="0" lIns="0" bIns="0" rIns="0">
+          <a:bodyPr lIns="0" tIns="0" rIns="0" bIns="0" rtlCol="0" anchor="t">
             <a:spAutoFit/>
           </a:bodyPr>
           <a:lstStyle/>
@@ -8498,7 +8793,7 @@
               </a:lnSpc>
             </a:pPr>
             <a:r>
-              <a:rPr lang="en-US" b="true" sz="2600" spc="-52">
+              <a:rPr lang="en-US" sz="2600" b="1" spc="-52">
                 <a:solidFill>
                   <a:srgbClr val="F7F7F7"/>
                 </a:solidFill>
@@ -8514,12 +8809,12 @@
       </p:sp>
       <p:sp>
         <p:nvSpPr>
-          <p:cNvPr name="TextBox 6" id="6"/>
-          <p:cNvSpPr txBox="true"/>
+          <p:cNvPr id="6" name="TextBox 6"/>
+          <p:cNvSpPr txBox="1"/>
           <p:nvPr/>
         </p:nvSpPr>
         <p:spPr>
-          <a:xfrm rot="0">
+          <a:xfrm>
             <a:off x="1028700" y="1456055"/>
             <a:ext cx="4841776" cy="1369695"/>
           </a:xfrm>
@@ -8528,7 +8823,7 @@
           </a:prstGeom>
         </p:spPr>
         <p:txBody>
-          <a:bodyPr anchor="t" rtlCol="false" tIns="0" lIns="0" bIns="0" rIns="0">
+          <a:bodyPr lIns="0" tIns="0" rIns="0" bIns="0" rtlCol="0" anchor="t">
             <a:spAutoFit/>
           </a:bodyPr>
           <a:lstStyle/>
@@ -8539,7 +8834,7 @@
               </a:lnSpc>
             </a:pPr>
             <a:r>
-              <a:rPr lang="en-US" sz="7200" b="true">
+              <a:rPr lang="en-US" sz="7200" b="1">
                 <a:solidFill>
                   <a:srgbClr val="F7F7F7"/>
                 </a:solidFill>
@@ -8555,12 +8850,12 @@
       </p:sp>
       <p:sp>
         <p:nvSpPr>
-          <p:cNvPr name="TextBox 7" id="7"/>
-          <p:cNvSpPr txBox="true"/>
+          <p:cNvPr id="7" name="TextBox 7"/>
+          <p:cNvSpPr txBox="1"/>
           <p:nvPr/>
         </p:nvSpPr>
         <p:spPr>
-          <a:xfrm rot="0">
+          <a:xfrm>
             <a:off x="3453661" y="8762415"/>
             <a:ext cx="13805639" cy="495935"/>
           </a:xfrm>
@@ -8569,7 +8864,7 @@
           </a:prstGeom>
         </p:spPr>
         <p:txBody>
-          <a:bodyPr anchor="t" rtlCol="false" tIns="0" lIns="0" bIns="0" rIns="0">
+          <a:bodyPr lIns="0" tIns="0" rIns="0" bIns="0" rtlCol="0" anchor="t">
             <a:spAutoFit/>
           </a:bodyPr>
           <a:lstStyle/>
@@ -8580,7 +8875,7 @@
               </a:lnSpc>
             </a:pPr>
             <a:r>
-              <a:rPr lang="en-US" b="true" sz="2600" spc="-52">
+              <a:rPr lang="en-US" sz="2600" b="1" spc="-52">
                 <a:solidFill>
                   <a:srgbClr val="F7F7F7"/>
                 </a:solidFill>
@@ -8596,12 +8891,12 @@
       </p:sp>
       <p:sp>
         <p:nvSpPr>
-          <p:cNvPr name="TextBox 8" id="8"/>
-          <p:cNvSpPr txBox="true"/>
+          <p:cNvPr id="8" name="TextBox 8"/>
+          <p:cNvSpPr txBox="1"/>
           <p:nvPr/>
         </p:nvSpPr>
         <p:spPr>
-          <a:xfrm rot="0">
+          <a:xfrm>
             <a:off x="1028700" y="3312055"/>
             <a:ext cx="12192989" cy="4935479"/>
           </a:xfrm>
@@ -8610,12 +8905,12 @@
           </a:prstGeom>
         </p:spPr>
         <p:txBody>
-          <a:bodyPr anchor="t" rtlCol="false" tIns="0" lIns="0" bIns="0" rIns="0">
+          <a:bodyPr lIns="0" tIns="0" rIns="0" bIns="0" rtlCol="0" anchor="t">
             <a:spAutoFit/>
           </a:bodyPr>
           <a:lstStyle/>
           <a:p>
-            <a:pPr algn="l" marL="750546" indent="-375273" lvl="1">
+            <a:pPr marL="750546" lvl="1" indent="-375273" algn="l">
               <a:lnSpc>
                 <a:spcPts val="4866"/>
               </a:lnSpc>
@@ -8623,7 +8918,7 @@
               <a:buChar char="•"/>
             </a:pPr>
             <a:r>
-              <a:rPr lang="en-US" b="true" sz="3476" spc="-69">
+              <a:rPr lang="en-US" sz="3476" b="1" spc="-69">
                 <a:solidFill>
                   <a:srgbClr val="F7F7F7"/>
                 </a:solidFill>
@@ -8636,7 +8931,7 @@
             </a:r>
           </a:p>
           <a:p>
-            <a:pPr algn="l" marL="750546" indent="-375273" lvl="1">
+            <a:pPr marL="750546" lvl="1" indent="-375273" algn="l">
               <a:lnSpc>
                 <a:spcPts val="4866"/>
               </a:lnSpc>
@@ -8644,7 +8939,7 @@
               <a:buChar char="•"/>
             </a:pPr>
             <a:r>
-              <a:rPr lang="en-US" b="true" sz="3476" spc="-69">
+              <a:rPr lang="en-US" sz="3476" b="1" spc="-69">
                 <a:solidFill>
                   <a:srgbClr val="F7F7F7"/>
                 </a:solidFill>
@@ -8657,7 +8952,7 @@
             </a:r>
           </a:p>
           <a:p>
-            <a:pPr algn="l" marL="750546" indent="-375273" lvl="1">
+            <a:pPr marL="750546" lvl="1" indent="-375273" algn="l">
               <a:lnSpc>
                 <a:spcPts val="4866"/>
               </a:lnSpc>
@@ -8665,7 +8960,7 @@
               <a:buChar char="•"/>
             </a:pPr>
             <a:r>
-              <a:rPr lang="en-US" b="true" sz="3476" spc="-69">
+              <a:rPr lang="en-US" sz="3476" b="1" spc="-69">
                 <a:solidFill>
                   <a:srgbClr val="F7F7F7"/>
                 </a:solidFill>
@@ -8678,7 +8973,7 @@
             </a:r>
           </a:p>
           <a:p>
-            <a:pPr algn="l" marL="750546" indent="-375273" lvl="1">
+            <a:pPr marL="750546" lvl="1" indent="-375273" algn="l">
               <a:lnSpc>
                 <a:spcPts val="4866"/>
               </a:lnSpc>
@@ -8686,7 +8981,7 @@
               <a:buChar char="•"/>
             </a:pPr>
             <a:r>
-              <a:rPr lang="en-US" b="true" sz="3476" spc="-69">
+              <a:rPr lang="en-US" sz="3476" b="1" spc="-69">
                 <a:solidFill>
                   <a:srgbClr val="F7F7F7"/>
                 </a:solidFill>
@@ -8699,7 +8994,7 @@
             </a:r>
           </a:p>
           <a:p>
-            <a:pPr algn="l" marL="750546" indent="-375273" lvl="1">
+            <a:pPr marL="750546" lvl="1" indent="-375273" algn="l">
               <a:lnSpc>
                 <a:spcPts val="4866"/>
               </a:lnSpc>
@@ -8707,7 +9002,7 @@
               <a:buChar char="•"/>
             </a:pPr>
             <a:r>
-              <a:rPr lang="en-US" b="true" sz="3476" spc="-69">
+              <a:rPr lang="en-US" sz="3476" b="1" spc="-69">
                 <a:solidFill>
                   <a:srgbClr val="F7F7F7"/>
                 </a:solidFill>
@@ -8720,7 +9015,7 @@
             </a:r>
           </a:p>
           <a:p>
-            <a:pPr algn="l" marL="750546" indent="-375273" lvl="1">
+            <a:pPr marL="750546" lvl="1" indent="-375273" algn="l">
               <a:lnSpc>
                 <a:spcPts val="4866"/>
               </a:lnSpc>
@@ -8728,7 +9023,7 @@
               <a:buChar char="•"/>
             </a:pPr>
             <a:r>
-              <a:rPr lang="en-US" b="true" sz="3476" spc="-69">
+              <a:rPr lang="en-US" sz="3476" b="1" spc="-69">
                 <a:solidFill>
                   <a:srgbClr val="F7F7F7"/>
                 </a:solidFill>
@@ -8737,23 +9032,11 @@
                 <a:cs typeface="Arial Bold"/>
                 <a:sym typeface="Arial Bold"/>
               </a:rPr>
-              <a:t> </a:t>
-            </a:r>
-            <a:r>
-              <a:rPr lang="en-US" b="true" sz="3476" spc="-69">
-                <a:solidFill>
-                  <a:srgbClr val="F7F7F7"/>
-                </a:solidFill>
-                <a:latin typeface="Arial Bold"/>
-                <a:ea typeface="Arial Bold"/>
-                <a:cs typeface="Arial Bold"/>
-                <a:sym typeface="Arial Bold"/>
-              </a:rPr>
-              <a:t>Instructions &amp; About sections</a:t>
-            </a:r>
-          </a:p>
-          <a:p>
-            <a:pPr algn="l" marL="750546" indent="-375273" lvl="1">
+              <a:t> Instructions &amp; About sections</a:t>
+            </a:r>
+          </a:p>
+          <a:p>
+            <a:pPr marL="750546" lvl="1" indent="-375273" algn="l">
               <a:lnSpc>
                 <a:spcPts val="4866"/>
               </a:lnSpc>
@@ -8761,7 +9044,7 @@
               <a:buChar char="•"/>
             </a:pPr>
             <a:r>
-              <a:rPr lang="en-US" b="true" sz="3476" spc="-69">
+              <a:rPr lang="en-US" sz="3476" b="1" spc="-69">
                 <a:solidFill>
                   <a:srgbClr val="F7F7F7"/>
                 </a:solidFill>
@@ -8783,7 +9066,7 @@
               </a:spcBef>
             </a:pPr>
             <a:r>
-              <a:rPr lang="en-US" b="true" sz="3476" spc="-69">
+              <a:rPr lang="en-US" sz="3476" b="1" spc="-69">
                 <a:solidFill>
                   <a:srgbClr val="F7F7F7"/>
                 </a:solidFill>
@@ -8806,13 +9089,14 @@
 </file>
 
 <file path=ppt/slides/slide7.xml><?xml version="1.0" encoding="utf-8"?>
-<p:sld xmlns:p="http://schemas.openxmlformats.org/presentationml/2006/main" xmlns:a="http://schemas.openxmlformats.org/drawingml/2006/main" xmlns:r="http://schemas.openxmlformats.org/officeDocument/2006/relationships">
+<p:sld xmlns:a="http://schemas.openxmlformats.org/drawingml/2006/main" xmlns:r="http://schemas.openxmlformats.org/officeDocument/2006/relationships" xmlns:p="http://schemas.openxmlformats.org/presentationml/2006/main">
   <p:cSld>
     <p:bg>
       <p:bgPr>
         <a:solidFill>
           <a:srgbClr val="F7F7F7"/>
         </a:solidFill>
+        <a:effectLst/>
       </p:bgPr>
     </p:bg>
     <p:spTree>
@@ -8831,12 +9115,12 @@
       </p:grpSpPr>
       <p:sp>
         <p:nvSpPr>
-          <p:cNvPr name="Freeform 2" id="2"/>
+          <p:cNvPr id="2" name="Freeform 2"/>
           <p:cNvSpPr/>
           <p:nvPr/>
         </p:nvSpPr>
         <p:spPr>
-          <a:xfrm flipH="false" flipV="false" rot="0">
+          <a:xfrm>
             <a:off x="0" y="0"/>
             <a:ext cx="18288000" cy="10287000"/>
           </a:xfrm>
@@ -8845,9 +9129,9 @@
             <a:gdLst/>
             <a:ahLst/>
             <a:cxnLst/>
-            <a:rect r="r" b="b" t="t" l="l"/>
+            <a:rect l="l" t="t" r="r" b="b"/>
             <a:pathLst>
-              <a:path h="10287000" w="18288000">
+              <a:path w="18288000" h="10287000">
                 <a:moveTo>
                   <a:pt x="0" y="0"/>
                 </a:moveTo>
@@ -8870,19 +9154,26 @@
           <a:blipFill>
             <a:blip r:embed="rId2"/>
             <a:stretch>
-              <a:fillRect l="0" t="-9222" r="0" b="-9222"/>
+              <a:fillRect t="-9222" b="-9222"/>
             </a:stretch>
           </a:blipFill>
         </p:spPr>
-      </p:sp>
-      <p:sp>
-        <p:nvSpPr>
-          <p:cNvPr name="TextBox 3" id="3"/>
-          <p:cNvSpPr txBox="true"/>
+        <p:txBody>
+          <a:bodyPr/>
+          <a:lstStyle/>
+          <a:p>
+            <a:endParaRPr lang="en-US"/>
+          </a:p>
+        </p:txBody>
+      </p:sp>
+      <p:sp>
+        <p:nvSpPr>
+          <p:cNvPr id="3" name="TextBox 3"/>
+          <p:cNvSpPr txBox="1"/>
           <p:nvPr/>
         </p:nvSpPr>
         <p:spPr>
-          <a:xfrm rot="0">
+          <a:xfrm>
             <a:off x="1028700" y="923925"/>
             <a:ext cx="2982688" cy="953135"/>
           </a:xfrm>
@@ -8891,7 +9182,7 @@
           </a:prstGeom>
         </p:spPr>
         <p:txBody>
-          <a:bodyPr anchor="t" rtlCol="false" tIns="0" lIns="0" bIns="0" rIns="0">
+          <a:bodyPr lIns="0" tIns="0" rIns="0" bIns="0" rtlCol="0" anchor="t">
             <a:spAutoFit/>
           </a:bodyPr>
           <a:lstStyle/>
@@ -8902,7 +9193,7 @@
               </a:lnSpc>
             </a:pPr>
             <a:r>
-              <a:rPr lang="en-US" b="true" sz="2600" spc="-52">
+              <a:rPr lang="en-US" sz="2600" b="1" spc="-52">
                 <a:solidFill>
                   <a:srgbClr val="F7F7F7"/>
                 </a:solidFill>
@@ -8918,12 +9209,12 @@
       </p:sp>
       <p:sp>
         <p:nvSpPr>
-          <p:cNvPr name="TextBox 4" id="4"/>
-          <p:cNvSpPr txBox="true"/>
+          <p:cNvPr id="4" name="TextBox 4"/>
+          <p:cNvSpPr txBox="1"/>
           <p:nvPr/>
         </p:nvSpPr>
         <p:spPr>
-          <a:xfrm rot="0">
+          <a:xfrm>
             <a:off x="1028700" y="8762415"/>
             <a:ext cx="2424961" cy="495935"/>
           </a:xfrm>
@@ -8932,7 +9223,7 @@
           </a:prstGeom>
         </p:spPr>
         <p:txBody>
-          <a:bodyPr anchor="t" rtlCol="false" tIns="0" lIns="0" bIns="0" rIns="0">
+          <a:bodyPr lIns="0" tIns="0" rIns="0" bIns="0" rtlCol="0" anchor="t">
             <a:spAutoFit/>
           </a:bodyPr>
           <a:lstStyle/>
@@ -8943,7 +9234,7 @@
               </a:lnSpc>
             </a:pPr>
             <a:r>
-              <a:rPr lang="en-US" sz="2600" i="true">
+              <a:rPr lang="en-US" sz="2600" i="1">
                 <a:solidFill>
                   <a:srgbClr val="F7F7F7"/>
                 </a:solidFill>
@@ -8959,12 +9250,12 @@
       </p:sp>
       <p:sp>
         <p:nvSpPr>
-          <p:cNvPr name="TextBox 5" id="5"/>
-          <p:cNvSpPr txBox="true"/>
+          <p:cNvPr id="5" name="TextBox 5"/>
+          <p:cNvSpPr txBox="1"/>
           <p:nvPr/>
         </p:nvSpPr>
         <p:spPr>
-          <a:xfrm rot="0">
+          <a:xfrm>
             <a:off x="14276612" y="923925"/>
             <a:ext cx="2982688" cy="495935"/>
           </a:xfrm>
@@ -8973,7 +9264,7 @@
           </a:prstGeom>
         </p:spPr>
         <p:txBody>
-          <a:bodyPr anchor="t" rtlCol="false" tIns="0" lIns="0" bIns="0" rIns="0">
+          <a:bodyPr lIns="0" tIns="0" rIns="0" bIns="0" rtlCol="0" anchor="t">
             <a:spAutoFit/>
           </a:bodyPr>
           <a:lstStyle/>
@@ -8984,7 +9275,7 @@
               </a:lnSpc>
             </a:pPr>
             <a:r>
-              <a:rPr lang="en-US" b="true" sz="2600" spc="-52">
+              <a:rPr lang="en-US" sz="2600" b="1" spc="-52">
                 <a:solidFill>
                   <a:srgbClr val="F7F7F7"/>
                 </a:solidFill>
@@ -9000,12 +9291,12 @@
       </p:sp>
       <p:sp>
         <p:nvSpPr>
-          <p:cNvPr name="TextBox 6" id="6"/>
-          <p:cNvSpPr txBox="true"/>
+          <p:cNvPr id="6" name="TextBox 6"/>
+          <p:cNvSpPr txBox="1"/>
           <p:nvPr/>
         </p:nvSpPr>
         <p:spPr>
-          <a:xfrm rot="0">
+          <a:xfrm>
             <a:off x="1028700" y="1456055"/>
             <a:ext cx="8510389" cy="1369695"/>
           </a:xfrm>
@@ -9014,7 +9305,7 @@
           </a:prstGeom>
         </p:spPr>
         <p:txBody>
-          <a:bodyPr anchor="t" rtlCol="false" tIns="0" lIns="0" bIns="0" rIns="0">
+          <a:bodyPr lIns="0" tIns="0" rIns="0" bIns="0" rtlCol="0" anchor="t">
             <a:spAutoFit/>
           </a:bodyPr>
           <a:lstStyle/>
@@ -9025,7 +9316,7 @@
               </a:lnSpc>
             </a:pPr>
             <a:r>
-              <a:rPr lang="en-US" sz="7200" b="true">
+              <a:rPr lang="en-US" sz="7200" b="1">
                 <a:solidFill>
                   <a:srgbClr val="F7F7F7"/>
                 </a:solidFill>
@@ -9041,12 +9332,12 @@
       </p:sp>
       <p:sp>
         <p:nvSpPr>
-          <p:cNvPr name="TextBox 7" id="7"/>
-          <p:cNvSpPr txBox="true"/>
+          <p:cNvPr id="7" name="TextBox 7"/>
+          <p:cNvSpPr txBox="1"/>
           <p:nvPr/>
         </p:nvSpPr>
         <p:spPr>
-          <a:xfrm rot="0">
+          <a:xfrm>
             <a:off x="3453661" y="8762415"/>
             <a:ext cx="13805639" cy="495935"/>
           </a:xfrm>
@@ -9055,7 +9346,7 @@
           </a:prstGeom>
         </p:spPr>
         <p:txBody>
-          <a:bodyPr anchor="t" rtlCol="false" tIns="0" lIns="0" bIns="0" rIns="0">
+          <a:bodyPr lIns="0" tIns="0" rIns="0" bIns="0" rtlCol="0" anchor="t">
             <a:spAutoFit/>
           </a:bodyPr>
           <a:lstStyle/>
@@ -9066,7 +9357,7 @@
               </a:lnSpc>
             </a:pPr>
             <a:r>
-              <a:rPr lang="en-US" b="true" sz="2600" spc="-52">
+              <a:rPr lang="en-US" sz="2600" b="1" spc="-52">
                 <a:solidFill>
                   <a:srgbClr val="F7F7F7"/>
                 </a:solidFill>
@@ -9082,7 +9373,7 @@
       </p:sp>
       <p:grpSp>
         <p:nvGrpSpPr>
-          <p:cNvPr name="Group 8" id="8"/>
+          <p:cNvPr id="8" name="Group 8"/>
           <p:cNvGrpSpPr/>
           <p:nvPr/>
         </p:nvGrpSpPr>
@@ -9096,12 +9387,12 @@
         </p:grpSpPr>
         <p:sp>
           <p:nvSpPr>
-            <p:cNvPr name="Freeform 9" id="9"/>
+            <p:cNvPr id="9" name="Freeform 9"/>
             <p:cNvSpPr/>
             <p:nvPr/>
           </p:nvSpPr>
           <p:spPr>
-            <a:xfrm flipH="false" flipV="false" rot="0">
+            <a:xfrm>
               <a:off x="0" y="0"/>
               <a:ext cx="736600" cy="1306373"/>
             </a:xfrm>
@@ -9110,9 +9401,9 @@
               <a:gdLst/>
               <a:ahLst/>
               <a:cxnLst/>
-              <a:rect r="r" b="b" t="t" l="l"/>
+              <a:rect l="l" t="t" r="r" b="b"/>
               <a:pathLst>
-                <a:path h="1306373" w="736600">
+                <a:path w="736600" h="1306373">
                   <a:moveTo>
                     <a:pt x="736600" y="0"/>
                   </a:moveTo>
@@ -9146,11 +9437,18 @@
               <a:miter/>
             </a:ln>
           </p:spPr>
+          <p:txBody>
+            <a:bodyPr/>
+            <a:lstStyle/>
+            <a:p>
+              <a:endParaRPr lang="en-US"/>
+            </a:p>
+          </p:txBody>
         </p:sp>
         <p:sp>
           <p:nvSpPr>
-            <p:cNvPr name="TextBox 10" id="10"/>
-            <p:cNvSpPr txBox="true"/>
+            <p:cNvPr id="10" name="TextBox 10"/>
+            <p:cNvSpPr txBox="1"/>
             <p:nvPr/>
           </p:nvSpPr>
           <p:spPr>
@@ -9163,7 +9461,7 @@
             </a:prstGeom>
           </p:spPr>
           <p:txBody>
-            <a:bodyPr anchor="ctr" rtlCol="false" tIns="50800" lIns="50800" bIns="50800" rIns="50800"/>
+            <a:bodyPr lIns="50800" tIns="50800" rIns="50800" bIns="50800" rtlCol="0" anchor="ctr"/>
             <a:lstStyle/>
             <a:p>
               <a:pPr algn="ctr">
@@ -9171,13 +9469,14 @@
                   <a:spcPts val="3640"/>
                 </a:lnSpc>
               </a:pPr>
+              <a:endParaRPr/>
             </a:p>
           </p:txBody>
         </p:sp>
       </p:grpSp>
       <p:grpSp>
         <p:nvGrpSpPr>
-          <p:cNvPr name="Group 11" id="11"/>
+          <p:cNvPr id="11" name="Group 11"/>
           <p:cNvGrpSpPr/>
           <p:nvPr/>
         </p:nvGrpSpPr>
@@ -9191,12 +9490,12 @@
         </p:grpSpPr>
         <p:sp>
           <p:nvSpPr>
-            <p:cNvPr name="Freeform 12" id="12"/>
+            <p:cNvPr id="12" name="Freeform 12"/>
             <p:cNvSpPr/>
             <p:nvPr/>
           </p:nvSpPr>
           <p:spPr>
-            <a:xfrm flipH="false" flipV="false" rot="0">
+            <a:xfrm>
               <a:off x="0" y="0"/>
               <a:ext cx="736600" cy="1306373"/>
             </a:xfrm>
@@ -9205,9 +9504,9 @@
               <a:gdLst/>
               <a:ahLst/>
               <a:cxnLst/>
-              <a:rect r="r" b="b" t="t" l="l"/>
+              <a:rect l="l" t="t" r="r" b="b"/>
               <a:pathLst>
-                <a:path h="1306373" w="736600">
+                <a:path w="736600" h="1306373">
                   <a:moveTo>
                     <a:pt x="736600" y="0"/>
                   </a:moveTo>
@@ -9241,11 +9540,18 @@
               <a:miter/>
             </a:ln>
           </p:spPr>
+          <p:txBody>
+            <a:bodyPr/>
+            <a:lstStyle/>
+            <a:p>
+              <a:endParaRPr lang="en-US"/>
+            </a:p>
+          </p:txBody>
         </p:sp>
         <p:sp>
           <p:nvSpPr>
-            <p:cNvPr name="TextBox 13" id="13"/>
-            <p:cNvSpPr txBox="true"/>
+            <p:cNvPr id="13" name="TextBox 13"/>
+            <p:cNvSpPr txBox="1"/>
             <p:nvPr/>
           </p:nvSpPr>
           <p:spPr>
@@ -9258,7 +9564,7 @@
             </a:prstGeom>
           </p:spPr>
           <p:txBody>
-            <a:bodyPr anchor="ctr" rtlCol="false" tIns="50800" lIns="50800" bIns="50800" rIns="50800"/>
+            <a:bodyPr lIns="50800" tIns="50800" rIns="50800" bIns="50800" rtlCol="0" anchor="ctr"/>
             <a:lstStyle/>
             <a:p>
               <a:pPr algn="ctr">
@@ -9266,13 +9572,14 @@
                   <a:spcPts val="3640"/>
                 </a:lnSpc>
               </a:pPr>
+              <a:endParaRPr/>
             </a:p>
           </p:txBody>
         </p:sp>
       </p:grpSp>
       <p:grpSp>
         <p:nvGrpSpPr>
-          <p:cNvPr name="Group 14" id="14"/>
+          <p:cNvPr id="14" name="Group 14"/>
           <p:cNvGrpSpPr/>
           <p:nvPr/>
         </p:nvGrpSpPr>
@@ -9286,12 +9593,12 @@
         </p:grpSpPr>
         <p:sp>
           <p:nvSpPr>
-            <p:cNvPr name="Freeform 15" id="15"/>
+            <p:cNvPr id="15" name="Freeform 15"/>
             <p:cNvSpPr/>
             <p:nvPr/>
           </p:nvSpPr>
           <p:spPr>
-            <a:xfrm flipH="false" flipV="false" rot="0">
+            <a:xfrm>
               <a:off x="0" y="0"/>
               <a:ext cx="736600" cy="1306373"/>
             </a:xfrm>
@@ -9300,9 +9607,9 @@
               <a:gdLst/>
               <a:ahLst/>
               <a:cxnLst/>
-              <a:rect r="r" b="b" t="t" l="l"/>
+              <a:rect l="l" t="t" r="r" b="b"/>
               <a:pathLst>
-                <a:path h="1306373" w="736600">
+                <a:path w="736600" h="1306373">
                   <a:moveTo>
                     <a:pt x="736600" y="0"/>
                   </a:moveTo>
@@ -9336,11 +9643,18 @@
               <a:miter/>
             </a:ln>
           </p:spPr>
+          <p:txBody>
+            <a:bodyPr/>
+            <a:lstStyle/>
+            <a:p>
+              <a:endParaRPr lang="en-US"/>
+            </a:p>
+          </p:txBody>
         </p:sp>
         <p:sp>
           <p:nvSpPr>
-            <p:cNvPr name="TextBox 16" id="16"/>
-            <p:cNvSpPr txBox="true"/>
+            <p:cNvPr id="16" name="TextBox 16"/>
+            <p:cNvSpPr txBox="1"/>
             <p:nvPr/>
           </p:nvSpPr>
           <p:spPr>
@@ -9353,7 +9667,7 @@
             </a:prstGeom>
           </p:spPr>
           <p:txBody>
-            <a:bodyPr anchor="ctr" rtlCol="false" tIns="50800" lIns="50800" bIns="50800" rIns="50800"/>
+            <a:bodyPr lIns="50800" tIns="50800" rIns="50800" bIns="50800" rtlCol="0" anchor="ctr"/>
             <a:lstStyle/>
             <a:p>
               <a:pPr algn="ctr">
@@ -9361,13 +9675,14 @@
                   <a:spcPts val="3640"/>
                 </a:lnSpc>
               </a:pPr>
+              <a:endParaRPr/>
             </a:p>
           </p:txBody>
         </p:sp>
       </p:grpSp>
       <p:grpSp>
         <p:nvGrpSpPr>
-          <p:cNvPr name="Group 17" id="17"/>
+          <p:cNvPr id="17" name="Group 17"/>
           <p:cNvGrpSpPr/>
           <p:nvPr/>
         </p:nvGrpSpPr>
@@ -9381,12 +9696,12 @@
         </p:grpSpPr>
         <p:sp>
           <p:nvSpPr>
-            <p:cNvPr name="Freeform 18" id="18"/>
+            <p:cNvPr id="18" name="Freeform 18"/>
             <p:cNvSpPr/>
             <p:nvPr/>
           </p:nvSpPr>
           <p:spPr>
-            <a:xfrm flipH="false" flipV="false" rot="0">
+            <a:xfrm>
               <a:off x="0" y="0"/>
               <a:ext cx="736600" cy="1306373"/>
             </a:xfrm>
@@ -9395,9 +9710,9 @@
               <a:gdLst/>
               <a:ahLst/>
               <a:cxnLst/>
-              <a:rect r="r" b="b" t="t" l="l"/>
+              <a:rect l="l" t="t" r="r" b="b"/>
               <a:pathLst>
-                <a:path h="1306373" w="736600">
+                <a:path w="736600" h="1306373">
                   <a:moveTo>
                     <a:pt x="736600" y="0"/>
                   </a:moveTo>
@@ -9431,11 +9746,18 @@
               <a:miter/>
             </a:ln>
           </p:spPr>
+          <p:txBody>
+            <a:bodyPr/>
+            <a:lstStyle/>
+            <a:p>
+              <a:endParaRPr lang="en-US"/>
+            </a:p>
+          </p:txBody>
         </p:sp>
         <p:sp>
           <p:nvSpPr>
-            <p:cNvPr name="TextBox 19" id="19"/>
-            <p:cNvSpPr txBox="true"/>
+            <p:cNvPr id="19" name="TextBox 19"/>
+            <p:cNvSpPr txBox="1"/>
             <p:nvPr/>
           </p:nvSpPr>
           <p:spPr>
@@ -9448,7 +9770,7 @@
             </a:prstGeom>
           </p:spPr>
           <p:txBody>
-            <a:bodyPr anchor="ctr" rtlCol="false" tIns="50800" lIns="50800" bIns="50800" rIns="50800"/>
+            <a:bodyPr lIns="50800" tIns="50800" rIns="50800" bIns="50800" rtlCol="0" anchor="ctr"/>
             <a:lstStyle/>
             <a:p>
               <a:pPr algn="ctr">
@@ -9456,13 +9778,14 @@
                   <a:spcPts val="3640"/>
                 </a:lnSpc>
               </a:pPr>
+              <a:endParaRPr/>
             </a:p>
           </p:txBody>
         </p:sp>
       </p:grpSp>
       <p:grpSp>
         <p:nvGrpSpPr>
-          <p:cNvPr name="Group 20" id="20"/>
+          <p:cNvPr id="20" name="Group 20"/>
           <p:cNvGrpSpPr/>
           <p:nvPr/>
         </p:nvGrpSpPr>
@@ -9476,12 +9799,12 @@
         </p:grpSpPr>
         <p:sp>
           <p:nvSpPr>
-            <p:cNvPr name="Freeform 21" id="21"/>
+            <p:cNvPr id="21" name="Freeform 21"/>
             <p:cNvSpPr/>
             <p:nvPr/>
           </p:nvSpPr>
           <p:spPr>
-            <a:xfrm flipH="false" flipV="false" rot="0">
+            <a:xfrm>
               <a:off x="0" y="0"/>
               <a:ext cx="736600" cy="1306373"/>
             </a:xfrm>
@@ -9490,9 +9813,9 @@
               <a:gdLst/>
               <a:ahLst/>
               <a:cxnLst/>
-              <a:rect r="r" b="b" t="t" l="l"/>
+              <a:rect l="l" t="t" r="r" b="b"/>
               <a:pathLst>
-                <a:path h="1306373" w="736600">
+                <a:path w="736600" h="1306373">
                   <a:moveTo>
                     <a:pt x="736600" y="0"/>
                   </a:moveTo>
@@ -9526,11 +9849,18 @@
               <a:miter/>
             </a:ln>
           </p:spPr>
+          <p:txBody>
+            <a:bodyPr/>
+            <a:lstStyle/>
+            <a:p>
+              <a:endParaRPr lang="en-US"/>
+            </a:p>
+          </p:txBody>
         </p:sp>
         <p:sp>
           <p:nvSpPr>
-            <p:cNvPr name="TextBox 22" id="22"/>
-            <p:cNvSpPr txBox="true"/>
+            <p:cNvPr id="22" name="TextBox 22"/>
+            <p:cNvSpPr txBox="1"/>
             <p:nvPr/>
           </p:nvSpPr>
           <p:spPr>
@@ -9543,7 +9873,7 @@
             </a:prstGeom>
           </p:spPr>
           <p:txBody>
-            <a:bodyPr anchor="ctr" rtlCol="false" tIns="50800" lIns="50800" bIns="50800" rIns="50800"/>
+            <a:bodyPr lIns="50800" tIns="50800" rIns="50800" bIns="50800" rtlCol="0" anchor="ctr"/>
             <a:lstStyle/>
             <a:p>
               <a:pPr algn="ctr">
@@ -9551,13 +9881,14 @@
                   <a:spcPts val="3640"/>
                 </a:lnSpc>
               </a:pPr>
+              <a:endParaRPr/>
             </a:p>
           </p:txBody>
         </p:sp>
       </p:grpSp>
       <p:grpSp>
         <p:nvGrpSpPr>
-          <p:cNvPr name="Group 23" id="23"/>
+          <p:cNvPr id="23" name="Group 23"/>
           <p:cNvGrpSpPr/>
           <p:nvPr/>
         </p:nvGrpSpPr>
@@ -9571,12 +9902,12 @@
         </p:grpSpPr>
         <p:sp>
           <p:nvSpPr>
-            <p:cNvPr name="Freeform 24" id="24"/>
+            <p:cNvPr id="24" name="Freeform 24"/>
             <p:cNvSpPr/>
             <p:nvPr/>
           </p:nvSpPr>
           <p:spPr>
-            <a:xfrm flipH="false" flipV="false" rot="0">
+            <a:xfrm>
               <a:off x="0" y="0"/>
               <a:ext cx="736600" cy="1306373"/>
             </a:xfrm>
@@ -9585,9 +9916,9 @@
               <a:gdLst/>
               <a:ahLst/>
               <a:cxnLst/>
-              <a:rect r="r" b="b" t="t" l="l"/>
+              <a:rect l="l" t="t" r="r" b="b"/>
               <a:pathLst>
-                <a:path h="1306373" w="736600">
+                <a:path w="736600" h="1306373">
                   <a:moveTo>
                     <a:pt x="736600" y="0"/>
                   </a:moveTo>
@@ -9621,11 +9952,18 @@
               <a:miter/>
             </a:ln>
           </p:spPr>
+          <p:txBody>
+            <a:bodyPr/>
+            <a:lstStyle/>
+            <a:p>
+              <a:endParaRPr lang="en-US"/>
+            </a:p>
+          </p:txBody>
         </p:sp>
         <p:sp>
           <p:nvSpPr>
-            <p:cNvPr name="TextBox 25" id="25"/>
-            <p:cNvSpPr txBox="true"/>
+            <p:cNvPr id="25" name="TextBox 25"/>
+            <p:cNvSpPr txBox="1"/>
             <p:nvPr/>
           </p:nvSpPr>
           <p:spPr>
@@ -9638,7 +9976,7 @@
             </a:prstGeom>
           </p:spPr>
           <p:txBody>
-            <a:bodyPr anchor="ctr" rtlCol="false" tIns="50800" lIns="50800" bIns="50800" rIns="50800"/>
+            <a:bodyPr lIns="50800" tIns="50800" rIns="50800" bIns="50800" rtlCol="0" anchor="ctr"/>
             <a:lstStyle/>
             <a:p>
               <a:pPr algn="ctr">
@@ -9646,18 +9984,19 @@
                   <a:spcPts val="3640"/>
                 </a:lnSpc>
               </a:pPr>
+              <a:endParaRPr/>
             </a:p>
           </p:txBody>
         </p:sp>
       </p:grpSp>
       <p:sp>
         <p:nvSpPr>
-          <p:cNvPr name="TextBox 26" id="26"/>
-          <p:cNvSpPr txBox="true"/>
+          <p:cNvPr id="26" name="TextBox 26"/>
+          <p:cNvSpPr txBox="1"/>
           <p:nvPr/>
         </p:nvSpPr>
         <p:spPr>
-          <a:xfrm rot="0">
+          <a:xfrm>
             <a:off x="1502024" y="3876346"/>
             <a:ext cx="3897519" cy="1410335"/>
           </a:xfrm>
@@ -9666,7 +10005,7 @@
           </a:prstGeom>
         </p:spPr>
         <p:txBody>
-          <a:bodyPr anchor="t" rtlCol="false" tIns="0" lIns="0" bIns="0" rIns="0">
+          <a:bodyPr lIns="0" tIns="0" rIns="0" bIns="0" rtlCol="0" anchor="t">
             <a:spAutoFit/>
           </a:bodyPr>
           <a:lstStyle/>
@@ -9677,7 +10016,7 @@
               </a:lnSpc>
             </a:pPr>
             <a:r>
-              <a:rPr lang="en-US" b="true" sz="2600" spc="-52">
+              <a:rPr lang="en-US" sz="2600" b="1" spc="-52">
                 <a:solidFill>
                   <a:srgbClr val="F7F7F7"/>
                 </a:solidFill>
@@ -9696,7 +10035,7 @@
               </a:lnSpc>
             </a:pPr>
             <a:r>
-              <a:rPr lang="en-US" b="true" sz="2600" spc="-52">
+              <a:rPr lang="en-US" sz="2600" b="1" spc="-52">
                 <a:solidFill>
                   <a:srgbClr val="F7F7F7"/>
                 </a:solidFill>
@@ -9717,17 +10056,26 @@
                 <a:spcPct val="0"/>
               </a:spcBef>
             </a:pPr>
-          </a:p>
-        </p:txBody>
-      </p:sp>
-      <p:sp>
-        <p:nvSpPr>
-          <p:cNvPr name="TextBox 27" id="27"/>
-          <p:cNvSpPr txBox="true"/>
+            <a:endParaRPr lang="en-US" sz="2600" b="1" spc="-52">
+              <a:solidFill>
+                <a:srgbClr val="F7F7F7"/>
+              </a:solidFill>
+              <a:latin typeface="Arial Bold"/>
+              <a:ea typeface="Arial Bold"/>
+              <a:cs typeface="Arial Bold"/>
+              <a:sym typeface="Arial Bold"/>
+            </a:endParaRPr>
+          </a:p>
+        </p:txBody>
+      </p:sp>
+      <p:sp>
+        <p:nvSpPr>
+          <p:cNvPr id="27" name="TextBox 27"/>
+          <p:cNvSpPr txBox="1"/>
           <p:nvPr/>
         </p:nvSpPr>
         <p:spPr>
-          <a:xfrm rot="0">
+          <a:xfrm>
             <a:off x="6885444" y="3647746"/>
             <a:ext cx="3897519" cy="1867535"/>
           </a:xfrm>
@@ -9736,7 +10084,7 @@
           </a:prstGeom>
         </p:spPr>
         <p:txBody>
-          <a:bodyPr anchor="t" rtlCol="false" tIns="0" lIns="0" bIns="0" rIns="0">
+          <a:bodyPr lIns="0" tIns="0" rIns="0" bIns="0" rtlCol="0" anchor="t">
             <a:spAutoFit/>
           </a:bodyPr>
           <a:lstStyle/>
@@ -9747,7 +10095,7 @@
               </a:lnSpc>
             </a:pPr>
             <a:r>
-              <a:rPr lang="en-US" b="true" sz="2600" spc="-52">
+              <a:rPr lang="en-US" sz="2600" b="1" spc="-52">
                 <a:solidFill>
                   <a:srgbClr val="F7F7F7"/>
                 </a:solidFill>
@@ -9766,7 +10114,7 @@
               </a:lnSpc>
             </a:pPr>
             <a:r>
-              <a:rPr lang="en-US" b="true" sz="2600" spc="-52">
+              <a:rPr lang="en-US" sz="2600" b="1" spc="-52">
                 <a:solidFill>
                   <a:srgbClr val="F7F7F7"/>
                 </a:solidFill>
@@ -9775,19 +10123,7 @@
                 <a:cs typeface="Arial Bold"/>
                 <a:sym typeface="Arial Bold"/>
               </a:rPr>
-              <a:t>   </a:t>
-            </a:r>
-            <a:r>
-              <a:rPr lang="en-US" b="true" sz="2600" spc="-52">
-                <a:solidFill>
-                  <a:srgbClr val="F7F7F7"/>
-                </a:solidFill>
-                <a:latin typeface="Arial Bold"/>
-                <a:ea typeface="Arial Bold"/>
-                <a:cs typeface="Arial Bold"/>
-                <a:sym typeface="Arial Bold"/>
-              </a:rPr>
-              <a:t>- Automated compilation</a:t>
+              <a:t>   - Automated compilation</a:t>
             </a:r>
           </a:p>
           <a:p>
@@ -9799,17 +10135,26 @@
                 <a:spcPct val="0"/>
               </a:spcBef>
             </a:pPr>
-          </a:p>
-        </p:txBody>
-      </p:sp>
-      <p:sp>
-        <p:nvSpPr>
-          <p:cNvPr name="TextBox 28" id="28"/>
-          <p:cNvSpPr txBox="true"/>
+            <a:endParaRPr lang="en-US" sz="2600" b="1" spc="-52">
+              <a:solidFill>
+                <a:srgbClr val="F7F7F7"/>
+              </a:solidFill>
+              <a:latin typeface="Arial Bold"/>
+              <a:ea typeface="Arial Bold"/>
+              <a:cs typeface="Arial Bold"/>
+              <a:sym typeface="Arial Bold"/>
+            </a:endParaRPr>
+          </a:p>
+        </p:txBody>
+      </p:sp>
+      <p:sp>
+        <p:nvSpPr>
+          <p:cNvPr id="28" name="TextBox 28"/>
+          <p:cNvSpPr txBox="1"/>
           <p:nvPr/>
         </p:nvSpPr>
         <p:spPr>
-          <a:xfrm rot="0">
+          <a:xfrm>
             <a:off x="1504901" y="6518841"/>
             <a:ext cx="3897519" cy="953135"/>
           </a:xfrm>
@@ -9818,7 +10163,7 @@
           </a:prstGeom>
         </p:spPr>
         <p:txBody>
-          <a:bodyPr anchor="t" rtlCol="false" tIns="0" lIns="0" bIns="0" rIns="0">
+          <a:bodyPr lIns="0" tIns="0" rIns="0" bIns="0" rtlCol="0" anchor="t">
             <a:spAutoFit/>
           </a:bodyPr>
           <a:lstStyle/>
@@ -9829,7 +10174,7 @@
               </a:lnSpc>
             </a:pPr>
             <a:r>
-              <a:rPr lang="en-US" b="true" sz="2600" spc="-52">
+              <a:rPr lang="en-US" sz="2600" b="1" spc="-52">
                 <a:solidFill>
                   <a:srgbClr val="F7F7F7"/>
                 </a:solidFill>
@@ -9851,7 +10196,7 @@
               </a:spcBef>
             </a:pPr>
             <a:r>
-              <a:rPr lang="en-US" b="true" sz="2600" spc="-52">
+              <a:rPr lang="en-US" sz="2600" b="1" spc="-52">
                 <a:solidFill>
                   <a:srgbClr val="F7F7F7"/>
                 </a:solidFill>
@@ -9867,12 +10212,12 @@
       </p:sp>
       <p:sp>
         <p:nvSpPr>
-          <p:cNvPr name="TextBox 29" id="29"/>
-          <p:cNvSpPr txBox="true"/>
+          <p:cNvPr id="29" name="TextBox 29"/>
+          <p:cNvSpPr txBox="1"/>
           <p:nvPr/>
         </p:nvSpPr>
         <p:spPr>
-          <a:xfrm rot="0">
+          <a:xfrm>
             <a:off x="6885444" y="6518841"/>
             <a:ext cx="3897519" cy="1867535"/>
           </a:xfrm>
@@ -9881,7 +10226,7 @@
           </a:prstGeom>
         </p:spPr>
         <p:txBody>
-          <a:bodyPr anchor="t" rtlCol="false" tIns="0" lIns="0" bIns="0" rIns="0">
+          <a:bodyPr lIns="0" tIns="0" rIns="0" bIns="0" rtlCol="0" anchor="t">
             <a:spAutoFit/>
           </a:bodyPr>
           <a:lstStyle/>
@@ -9892,7 +10237,7 @@
               </a:lnSpc>
             </a:pPr>
             <a:r>
-              <a:rPr lang="en-US" b="true" sz="2600" spc="-52">
+              <a:rPr lang="en-US" sz="2600" b="1" spc="-52">
                 <a:solidFill>
                   <a:srgbClr val="F7F7F7"/>
                 </a:solidFill>
@@ -9911,7 +10256,7 @@
               </a:lnSpc>
             </a:pPr>
             <a:r>
-              <a:rPr lang="en-US" b="true" sz="2600" spc="-52">
+              <a:rPr lang="en-US" sz="2600" b="1" spc="-52">
                 <a:solidFill>
                   <a:srgbClr val="F7F7F7"/>
                 </a:solidFill>
@@ -9932,17 +10277,26 @@
                 <a:spcPct val="0"/>
               </a:spcBef>
             </a:pPr>
-          </a:p>
-        </p:txBody>
-      </p:sp>
-      <p:sp>
-        <p:nvSpPr>
-          <p:cNvPr name="TextBox 30" id="30"/>
-          <p:cNvSpPr txBox="true"/>
+            <a:endParaRPr lang="en-US" sz="2600" b="1" spc="-52">
+              <a:solidFill>
+                <a:srgbClr val="F7F7F7"/>
+              </a:solidFill>
+              <a:latin typeface="Arial Bold"/>
+              <a:ea typeface="Arial Bold"/>
+              <a:cs typeface="Arial Bold"/>
+              <a:sym typeface="Arial Bold"/>
+            </a:endParaRPr>
+          </a:p>
+        </p:txBody>
+      </p:sp>
+      <p:sp>
+        <p:nvSpPr>
+          <p:cNvPr id="30" name="TextBox 30"/>
+          <p:cNvSpPr txBox="1"/>
           <p:nvPr/>
         </p:nvSpPr>
         <p:spPr>
-          <a:xfrm rot="0">
+          <a:xfrm>
             <a:off x="12327852" y="6518841"/>
             <a:ext cx="3897519" cy="1410335"/>
           </a:xfrm>
@@ -9951,7 +10305,7 @@
           </a:prstGeom>
         </p:spPr>
         <p:txBody>
-          <a:bodyPr anchor="t" rtlCol="false" tIns="0" lIns="0" bIns="0" rIns="0">
+          <a:bodyPr lIns="0" tIns="0" rIns="0" bIns="0" rtlCol="0" anchor="t">
             <a:spAutoFit/>
           </a:bodyPr>
           <a:lstStyle/>
@@ -9962,7 +10316,7 @@
               </a:lnSpc>
             </a:pPr>
             <a:r>
-              <a:rPr lang="en-US" b="true" sz="2600" spc="-52">
+              <a:rPr lang="en-US" sz="2600" b="1" spc="-52">
                 <a:solidFill>
                   <a:srgbClr val="F7F7F7"/>
                 </a:solidFill>
@@ -9981,7 +10335,7 @@
               </a:lnSpc>
             </a:pPr>
             <a:r>
-              <a:rPr lang="en-US" b="true" sz="2600" spc="-52">
+              <a:rPr lang="en-US" sz="2600" b="1" spc="-52">
                 <a:solidFill>
                   <a:srgbClr val="F7F7F7"/>
                 </a:solidFill>
@@ -10002,17 +10356,26 @@
                 <a:spcPct val="0"/>
               </a:spcBef>
             </a:pPr>
-          </a:p>
-        </p:txBody>
-      </p:sp>
-      <p:sp>
-        <p:nvSpPr>
-          <p:cNvPr name="TextBox 31" id="31"/>
-          <p:cNvSpPr txBox="true"/>
+            <a:endParaRPr lang="en-US" sz="2600" b="1" spc="-52">
+              <a:solidFill>
+                <a:srgbClr val="F7F7F7"/>
+              </a:solidFill>
+              <a:latin typeface="Arial Bold"/>
+              <a:ea typeface="Arial Bold"/>
+              <a:cs typeface="Arial Bold"/>
+              <a:sym typeface="Arial Bold"/>
+            </a:endParaRPr>
+          </a:p>
+        </p:txBody>
+      </p:sp>
+      <p:sp>
+        <p:nvSpPr>
+          <p:cNvPr id="31" name="TextBox 31"/>
+          <p:cNvSpPr txBox="1"/>
           <p:nvPr/>
         </p:nvSpPr>
         <p:spPr>
-          <a:xfrm rot="0">
+          <a:xfrm>
             <a:off x="12327852" y="3733165"/>
             <a:ext cx="3897519" cy="1410335"/>
           </a:xfrm>
@@ -10021,7 +10384,7 @@
           </a:prstGeom>
         </p:spPr>
         <p:txBody>
-          <a:bodyPr anchor="t" rtlCol="false" tIns="0" lIns="0" bIns="0" rIns="0">
+          <a:bodyPr lIns="0" tIns="0" rIns="0" bIns="0" rtlCol="0" anchor="t">
             <a:spAutoFit/>
           </a:bodyPr>
           <a:lstStyle/>
@@ -10032,7 +10395,7 @@
               </a:lnSpc>
             </a:pPr>
             <a:r>
-              <a:rPr lang="en-US" b="true" sz="2600" spc="-52">
+              <a:rPr lang="en-US" sz="2600" b="1" spc="-52">
                 <a:solidFill>
                   <a:srgbClr val="F7F7F7"/>
                 </a:solidFill>
@@ -10051,7 +10414,7 @@
               </a:lnSpc>
             </a:pPr>
             <a:r>
-              <a:rPr lang="en-US" b="true" sz="2600" spc="-52">
+              <a:rPr lang="en-US" sz="2600" b="1" spc="-52">
                 <a:solidFill>
                   <a:srgbClr val="F7F7F7"/>
                 </a:solidFill>
@@ -10072,6 +10435,15 @@
                 <a:spcPct val="0"/>
               </a:spcBef>
             </a:pPr>
+            <a:endParaRPr lang="en-US" sz="2600" b="1" spc="-52">
+              <a:solidFill>
+                <a:srgbClr val="F7F7F7"/>
+              </a:solidFill>
+              <a:latin typeface="Arial Bold"/>
+              <a:ea typeface="Arial Bold"/>
+              <a:cs typeface="Arial Bold"/>
+              <a:sym typeface="Arial Bold"/>
+            </a:endParaRPr>
           </a:p>
         </p:txBody>
       </p:sp>
@@ -10084,13 +10456,14 @@
 </file>
 
 <file path=ppt/slides/slide8.xml><?xml version="1.0" encoding="utf-8"?>
-<p:sld xmlns:p="http://schemas.openxmlformats.org/presentationml/2006/main" xmlns:a="http://schemas.openxmlformats.org/drawingml/2006/main" xmlns:r="http://schemas.openxmlformats.org/officeDocument/2006/relationships">
+<p:sld xmlns:a="http://schemas.openxmlformats.org/drawingml/2006/main" xmlns:r="http://schemas.openxmlformats.org/officeDocument/2006/relationships" xmlns:p="http://schemas.openxmlformats.org/presentationml/2006/main">
   <p:cSld>
     <p:bg>
       <p:bgPr>
         <a:solidFill>
           <a:srgbClr val="F7F7F7"/>
         </a:solidFill>
+        <a:effectLst/>
       </p:bgPr>
     </p:bg>
     <p:spTree>
@@ -10109,12 +10482,12 @@
       </p:grpSpPr>
       <p:sp>
         <p:nvSpPr>
-          <p:cNvPr name="Freeform 2" id="2"/>
+          <p:cNvPr id="2" name="Freeform 2"/>
           <p:cNvSpPr/>
           <p:nvPr/>
         </p:nvSpPr>
         <p:spPr>
-          <a:xfrm flipH="false" flipV="false" rot="0">
+          <a:xfrm>
             <a:off x="0" y="0"/>
             <a:ext cx="18288000" cy="10287000"/>
           </a:xfrm>
@@ -10123,9 +10496,9 @@
             <a:gdLst/>
             <a:ahLst/>
             <a:cxnLst/>
-            <a:rect r="r" b="b" t="t" l="l"/>
+            <a:rect l="l" t="t" r="r" b="b"/>
             <a:pathLst>
-              <a:path h="10287000" w="18288000">
+              <a:path w="18288000" h="10287000">
                 <a:moveTo>
                   <a:pt x="0" y="0"/>
                 </a:moveTo>
@@ -10148,19 +10521,26 @@
           <a:blipFill>
             <a:blip r:embed="rId2"/>
             <a:stretch>
-              <a:fillRect l="0" t="-9222" r="0" b="-9222"/>
+              <a:fillRect t="-9222" b="-9222"/>
             </a:stretch>
           </a:blipFill>
         </p:spPr>
-      </p:sp>
-      <p:sp>
-        <p:nvSpPr>
-          <p:cNvPr name="TextBox 3" id="3"/>
-          <p:cNvSpPr txBox="true"/>
+        <p:txBody>
+          <a:bodyPr/>
+          <a:lstStyle/>
+          <a:p>
+            <a:endParaRPr lang="en-US"/>
+          </a:p>
+        </p:txBody>
+      </p:sp>
+      <p:sp>
+        <p:nvSpPr>
+          <p:cNvPr id="3" name="TextBox 3"/>
+          <p:cNvSpPr txBox="1"/>
           <p:nvPr/>
         </p:nvSpPr>
         <p:spPr>
-          <a:xfrm rot="0">
+          <a:xfrm>
             <a:off x="1028700" y="923925"/>
             <a:ext cx="2982688" cy="953135"/>
           </a:xfrm>
@@ -10169,7 +10549,7 @@
           </a:prstGeom>
         </p:spPr>
         <p:txBody>
-          <a:bodyPr anchor="t" rtlCol="false" tIns="0" lIns="0" bIns="0" rIns="0">
+          <a:bodyPr lIns="0" tIns="0" rIns="0" bIns="0" rtlCol="0" anchor="t">
             <a:spAutoFit/>
           </a:bodyPr>
           <a:lstStyle/>
@@ -10180,7 +10560,7 @@
               </a:lnSpc>
             </a:pPr>
             <a:r>
-              <a:rPr lang="en-US" b="true" sz="2600" spc="-52">
+              <a:rPr lang="en-US" sz="2600" b="1" spc="-52">
                 <a:solidFill>
                   <a:srgbClr val="F7F7F7"/>
                 </a:solidFill>
@@ -10196,12 +10576,12 @@
       </p:sp>
       <p:sp>
         <p:nvSpPr>
-          <p:cNvPr name="TextBox 4" id="4"/>
-          <p:cNvSpPr txBox="true"/>
+          <p:cNvPr id="4" name="TextBox 4"/>
+          <p:cNvSpPr txBox="1"/>
           <p:nvPr/>
         </p:nvSpPr>
         <p:spPr>
-          <a:xfrm rot="0">
+          <a:xfrm>
             <a:off x="1028700" y="8762415"/>
             <a:ext cx="2424961" cy="495935"/>
           </a:xfrm>
@@ -10210,7 +10590,7 @@
           </a:prstGeom>
         </p:spPr>
         <p:txBody>
-          <a:bodyPr anchor="t" rtlCol="false" tIns="0" lIns="0" bIns="0" rIns="0">
+          <a:bodyPr lIns="0" tIns="0" rIns="0" bIns="0" rtlCol="0" anchor="t">
             <a:spAutoFit/>
           </a:bodyPr>
           <a:lstStyle/>
@@ -10221,7 +10601,7 @@
               </a:lnSpc>
             </a:pPr>
             <a:r>
-              <a:rPr lang="en-US" sz="2600" i="true">
+              <a:rPr lang="en-US" sz="2600" i="1">
                 <a:solidFill>
                   <a:srgbClr val="F7F7F7"/>
                 </a:solidFill>
@@ -10237,12 +10617,12 @@
       </p:sp>
       <p:sp>
         <p:nvSpPr>
-          <p:cNvPr name="TextBox 5" id="5"/>
-          <p:cNvSpPr txBox="true"/>
+          <p:cNvPr id="5" name="TextBox 5"/>
+          <p:cNvSpPr txBox="1"/>
           <p:nvPr/>
         </p:nvSpPr>
         <p:spPr>
-          <a:xfrm rot="0">
+          <a:xfrm>
             <a:off x="14276612" y="923925"/>
             <a:ext cx="2982688" cy="495935"/>
           </a:xfrm>
@@ -10251,7 +10631,7 @@
           </a:prstGeom>
         </p:spPr>
         <p:txBody>
-          <a:bodyPr anchor="t" rtlCol="false" tIns="0" lIns="0" bIns="0" rIns="0">
+          <a:bodyPr lIns="0" tIns="0" rIns="0" bIns="0" rtlCol="0" anchor="t">
             <a:spAutoFit/>
           </a:bodyPr>
           <a:lstStyle/>
@@ -10262,7 +10642,7 @@
               </a:lnSpc>
             </a:pPr>
             <a:r>
-              <a:rPr lang="en-US" b="true" sz="2600" spc="-52">
+              <a:rPr lang="en-US" sz="2600" b="1" spc="-52">
                 <a:solidFill>
                   <a:srgbClr val="F7F7F7"/>
                 </a:solidFill>
@@ -10278,12 +10658,12 @@
       </p:sp>
       <p:sp>
         <p:nvSpPr>
-          <p:cNvPr name="TextBox 6" id="6"/>
-          <p:cNvSpPr txBox="true"/>
+          <p:cNvPr id="6" name="TextBox 6"/>
+          <p:cNvSpPr txBox="1"/>
           <p:nvPr/>
         </p:nvSpPr>
         <p:spPr>
-          <a:xfrm rot="0">
+          <a:xfrm>
             <a:off x="1028700" y="1456055"/>
             <a:ext cx="5650111" cy="1369695"/>
           </a:xfrm>
@@ -10292,7 +10672,7 @@
           </a:prstGeom>
         </p:spPr>
         <p:txBody>
-          <a:bodyPr anchor="t" rtlCol="false" tIns="0" lIns="0" bIns="0" rIns="0">
+          <a:bodyPr lIns="0" tIns="0" rIns="0" bIns="0" rtlCol="0" anchor="t">
             <a:spAutoFit/>
           </a:bodyPr>
           <a:lstStyle/>
@@ -10303,7 +10683,7 @@
               </a:lnSpc>
             </a:pPr>
             <a:r>
-              <a:rPr lang="en-US" sz="7200" b="true">
+              <a:rPr lang="en-US" sz="7200" b="1">
                 <a:solidFill>
                   <a:srgbClr val="F7F7F7"/>
                 </a:solidFill>
@@ -10319,12 +10699,12 @@
       </p:sp>
       <p:sp>
         <p:nvSpPr>
-          <p:cNvPr name="TextBox 7" id="7"/>
-          <p:cNvSpPr txBox="true"/>
+          <p:cNvPr id="7" name="TextBox 7"/>
+          <p:cNvSpPr txBox="1"/>
           <p:nvPr/>
         </p:nvSpPr>
         <p:spPr>
-          <a:xfrm rot="0">
+          <a:xfrm>
             <a:off x="3453661" y="8762415"/>
             <a:ext cx="13805639" cy="495935"/>
           </a:xfrm>
@@ -10333,7 +10713,7 @@
           </a:prstGeom>
         </p:spPr>
         <p:txBody>
-          <a:bodyPr anchor="t" rtlCol="false" tIns="0" lIns="0" bIns="0" rIns="0">
+          <a:bodyPr lIns="0" tIns="0" rIns="0" bIns="0" rtlCol="0" anchor="t">
             <a:spAutoFit/>
           </a:bodyPr>
           <a:lstStyle/>
@@ -10344,7 +10724,7 @@
               </a:lnSpc>
             </a:pPr>
             <a:r>
-              <a:rPr lang="en-US" b="true" sz="2600" spc="-52">
+              <a:rPr lang="en-US" sz="2600" b="1" spc="-52">
                 <a:solidFill>
                   <a:srgbClr val="F7F7F7"/>
                 </a:solidFill>
@@ -10360,12 +10740,12 @@
       </p:sp>
       <p:grpSp>
         <p:nvGrpSpPr>
-          <p:cNvPr name="Group 8" id="8"/>
+          <p:cNvPr id="8" name="Group 8"/>
           <p:cNvGrpSpPr/>
           <p:nvPr/>
         </p:nvGrpSpPr>
         <p:grpSpPr>
-          <a:xfrm rot="0">
+          <a:xfrm>
             <a:off x="1142279" y="3378868"/>
             <a:ext cx="2755530" cy="1000466"/>
             <a:chOff x="0" y="0"/>
@@ -10374,12 +10754,12 @@
         </p:grpSpPr>
         <p:sp>
           <p:nvSpPr>
-            <p:cNvPr name="Freeform 9" id="9"/>
+            <p:cNvPr id="9" name="Freeform 9"/>
             <p:cNvSpPr/>
             <p:nvPr/>
           </p:nvSpPr>
           <p:spPr>
-            <a:xfrm flipH="false" flipV="false" rot="0">
+            <a:xfrm>
               <a:off x="0" y="0"/>
               <a:ext cx="725736" cy="263497"/>
             </a:xfrm>
@@ -10388,9 +10768,9 @@
               <a:gdLst/>
               <a:ahLst/>
               <a:cxnLst/>
-              <a:rect r="r" b="b" t="t" l="l"/>
+              <a:rect l="l" t="t" r="r" b="b"/>
               <a:pathLst>
-                <a:path h="263497" w="725736">
+                <a:path w="725736" h="263497">
                   <a:moveTo>
                     <a:pt x="47763" y="0"/>
                   </a:moveTo>
@@ -10441,11 +10821,18 @@
               <a:miter/>
             </a:ln>
           </p:spPr>
+          <p:txBody>
+            <a:bodyPr/>
+            <a:lstStyle/>
+            <a:p>
+              <a:endParaRPr lang="en-US"/>
+            </a:p>
+          </p:txBody>
         </p:sp>
         <p:sp>
           <p:nvSpPr>
-            <p:cNvPr name="TextBox 10" id="10"/>
-            <p:cNvSpPr txBox="true"/>
+            <p:cNvPr id="10" name="TextBox 10"/>
+            <p:cNvSpPr txBox="1"/>
             <p:nvPr/>
           </p:nvSpPr>
           <p:spPr>
@@ -10458,7 +10845,7 @@
             </a:prstGeom>
           </p:spPr>
           <p:txBody>
-            <a:bodyPr anchor="ctr" rtlCol="false" tIns="50800" lIns="50800" bIns="50800" rIns="50800"/>
+            <a:bodyPr lIns="50800" tIns="50800" rIns="50800" bIns="50800" rtlCol="0" anchor="ctr"/>
             <a:lstStyle/>
             <a:p>
               <a:pPr algn="ctr">
@@ -10467,7 +10854,7 @@
                 </a:lnSpc>
               </a:pPr>
               <a:r>
-                <a:rPr lang="en-US" b="true" sz="2899" spc="-57">
+                <a:rPr lang="en-US" sz="2899" b="1" spc="-57">
                   <a:solidFill>
                     <a:srgbClr val="FFFFFF"/>
                   </a:solidFill>
@@ -10484,12 +10871,12 @@
       </p:grpSp>
       <p:grpSp>
         <p:nvGrpSpPr>
-          <p:cNvPr name="Group 11" id="11"/>
+          <p:cNvPr id="11" name="Group 11"/>
           <p:cNvGrpSpPr/>
           <p:nvPr/>
         </p:nvGrpSpPr>
         <p:grpSpPr>
-          <a:xfrm rot="0">
+          <a:xfrm>
             <a:off x="4597520" y="3378868"/>
             <a:ext cx="2755530" cy="1000466"/>
             <a:chOff x="0" y="0"/>
@@ -10498,12 +10885,12 @@
         </p:grpSpPr>
         <p:sp>
           <p:nvSpPr>
-            <p:cNvPr name="Freeform 12" id="12"/>
+            <p:cNvPr id="12" name="Freeform 12"/>
             <p:cNvSpPr/>
             <p:nvPr/>
           </p:nvSpPr>
           <p:spPr>
-            <a:xfrm flipH="false" flipV="false" rot="0">
+            <a:xfrm>
               <a:off x="0" y="0"/>
               <a:ext cx="725736" cy="263497"/>
             </a:xfrm>
@@ -10512,9 +10899,9 @@
               <a:gdLst/>
               <a:ahLst/>
               <a:cxnLst/>
-              <a:rect r="r" b="b" t="t" l="l"/>
+              <a:rect l="l" t="t" r="r" b="b"/>
               <a:pathLst>
-                <a:path h="263497" w="725736">
+                <a:path w="725736" h="263497">
                   <a:moveTo>
                     <a:pt x="47763" y="0"/>
                   </a:moveTo>
@@ -10565,11 +10952,18 @@
               <a:miter/>
             </a:ln>
           </p:spPr>
+          <p:txBody>
+            <a:bodyPr/>
+            <a:lstStyle/>
+            <a:p>
+              <a:endParaRPr lang="en-US"/>
+            </a:p>
+          </p:txBody>
         </p:sp>
         <p:sp>
           <p:nvSpPr>
-            <p:cNvPr name="TextBox 13" id="13"/>
-            <p:cNvSpPr txBox="true"/>
+            <p:cNvPr id="13" name="TextBox 13"/>
+            <p:cNvSpPr txBox="1"/>
             <p:nvPr/>
           </p:nvSpPr>
           <p:spPr>
@@ -10582,7 +10976,7 @@
             </a:prstGeom>
           </p:spPr>
           <p:txBody>
-            <a:bodyPr anchor="ctr" rtlCol="false" tIns="50800" lIns="50800" bIns="50800" rIns="50800"/>
+            <a:bodyPr lIns="50800" tIns="50800" rIns="50800" bIns="50800" rtlCol="0" anchor="ctr"/>
             <a:lstStyle/>
             <a:p>
               <a:pPr algn="ctr">
@@ -10591,7 +10985,7 @@
                 </a:lnSpc>
               </a:pPr>
               <a:r>
-                <a:rPr lang="en-US" b="true" sz="2799" spc="-55">
+                <a:rPr lang="en-US" sz="2799" b="1" spc="-55">
                   <a:solidFill>
                     <a:srgbClr val="FFFFFF"/>
                   </a:solidFill>
@@ -10608,12 +11002,12 @@
       </p:grpSp>
       <p:grpSp>
         <p:nvGrpSpPr>
-          <p:cNvPr name="Group 14" id="14"/>
+          <p:cNvPr id="14" name="Group 14"/>
           <p:cNvGrpSpPr/>
           <p:nvPr/>
         </p:nvGrpSpPr>
         <p:grpSpPr>
-          <a:xfrm rot="0">
+          <a:xfrm>
             <a:off x="8048375" y="3378868"/>
             <a:ext cx="2755530" cy="1000466"/>
             <a:chOff x="0" y="0"/>
@@ -10622,12 +11016,12 @@
         </p:grpSpPr>
         <p:sp>
           <p:nvSpPr>
-            <p:cNvPr name="Freeform 15" id="15"/>
+            <p:cNvPr id="15" name="Freeform 15"/>
             <p:cNvSpPr/>
             <p:nvPr/>
           </p:nvSpPr>
           <p:spPr>
-            <a:xfrm flipH="false" flipV="false" rot="0">
+            <a:xfrm>
               <a:off x="0" y="0"/>
               <a:ext cx="725736" cy="263497"/>
             </a:xfrm>
@@ -10636,9 +11030,9 @@
               <a:gdLst/>
               <a:ahLst/>
               <a:cxnLst/>
-              <a:rect r="r" b="b" t="t" l="l"/>
+              <a:rect l="l" t="t" r="r" b="b"/>
               <a:pathLst>
-                <a:path h="263497" w="725736">
+                <a:path w="725736" h="263497">
                   <a:moveTo>
                     <a:pt x="47763" y="0"/>
                   </a:moveTo>
@@ -10689,11 +11083,18 @@
               <a:miter/>
             </a:ln>
           </p:spPr>
+          <p:txBody>
+            <a:bodyPr/>
+            <a:lstStyle/>
+            <a:p>
+              <a:endParaRPr lang="en-US"/>
+            </a:p>
+          </p:txBody>
         </p:sp>
         <p:sp>
           <p:nvSpPr>
-            <p:cNvPr name="TextBox 16" id="16"/>
-            <p:cNvSpPr txBox="true"/>
+            <p:cNvPr id="16" name="TextBox 16"/>
+            <p:cNvSpPr txBox="1"/>
             <p:nvPr/>
           </p:nvSpPr>
           <p:spPr>
@@ -10706,7 +11107,7 @@
             </a:prstGeom>
           </p:spPr>
           <p:txBody>
-            <a:bodyPr anchor="ctr" rtlCol="false" tIns="50800" lIns="50800" bIns="50800" rIns="50800"/>
+            <a:bodyPr lIns="50800" tIns="50800" rIns="50800" bIns="50800" rtlCol="0" anchor="ctr"/>
             <a:lstStyle/>
             <a:p>
               <a:pPr algn="ctr">
@@ -10715,7 +11116,7 @@
                 </a:lnSpc>
               </a:pPr>
               <a:r>
-                <a:rPr lang="en-US" b="true" sz="2799" spc="-55">
+                <a:rPr lang="en-US" sz="2799" b="1" spc="-55">
                   <a:solidFill>
                     <a:srgbClr val="FFFFFF"/>
                   </a:solidFill>
@@ -10732,12 +11133,12 @@
       </p:grpSp>
       <p:grpSp>
         <p:nvGrpSpPr>
-          <p:cNvPr name="Group 17" id="17"/>
+          <p:cNvPr id="17" name="Group 17"/>
           <p:cNvGrpSpPr/>
           <p:nvPr/>
         </p:nvGrpSpPr>
         <p:grpSpPr>
-          <a:xfrm rot="0">
+          <a:xfrm>
             <a:off x="11521082" y="3378868"/>
             <a:ext cx="2755530" cy="1000466"/>
             <a:chOff x="0" y="0"/>
@@ -10746,12 +11147,12 @@
         </p:grpSpPr>
         <p:sp>
           <p:nvSpPr>
-            <p:cNvPr name="Freeform 18" id="18"/>
+            <p:cNvPr id="18" name="Freeform 18"/>
             <p:cNvSpPr/>
             <p:nvPr/>
           </p:nvSpPr>
           <p:spPr>
-            <a:xfrm flipH="false" flipV="false" rot="0">
+            <a:xfrm>
               <a:off x="0" y="0"/>
               <a:ext cx="725736" cy="263497"/>
             </a:xfrm>
@@ -10760,9 +11161,9 @@
               <a:gdLst/>
               <a:ahLst/>
               <a:cxnLst/>
-              <a:rect r="r" b="b" t="t" l="l"/>
+              <a:rect l="l" t="t" r="r" b="b"/>
               <a:pathLst>
-                <a:path h="263497" w="725736">
+                <a:path w="725736" h="263497">
                   <a:moveTo>
                     <a:pt x="47763" y="0"/>
                   </a:moveTo>
@@ -10813,11 +11214,18 @@
               <a:miter/>
             </a:ln>
           </p:spPr>
+          <p:txBody>
+            <a:bodyPr/>
+            <a:lstStyle/>
+            <a:p>
+              <a:endParaRPr lang="en-US"/>
+            </a:p>
+          </p:txBody>
         </p:sp>
         <p:sp>
           <p:nvSpPr>
-            <p:cNvPr name="TextBox 19" id="19"/>
-            <p:cNvSpPr txBox="true"/>
+            <p:cNvPr id="19" name="TextBox 19"/>
+            <p:cNvSpPr txBox="1"/>
             <p:nvPr/>
           </p:nvSpPr>
           <p:spPr>
@@ -10830,7 +11238,7 @@
             </a:prstGeom>
           </p:spPr>
           <p:txBody>
-            <a:bodyPr anchor="ctr" rtlCol="false" tIns="50800" lIns="50800" bIns="50800" rIns="50800"/>
+            <a:bodyPr lIns="50800" tIns="50800" rIns="50800" bIns="50800" rtlCol="0" anchor="ctr"/>
             <a:lstStyle/>
             <a:p>
               <a:pPr algn="ctr">
@@ -10839,7 +11247,7 @@
                 </a:lnSpc>
               </a:pPr>
               <a:r>
-                <a:rPr lang="en-US" b="true" sz="2799" spc="-55">
+                <a:rPr lang="en-US" sz="2799" b="1" spc="-55">
                   <a:solidFill>
                     <a:srgbClr val="FFFFFF"/>
                   </a:solidFill>
@@ -10856,12 +11264,12 @@
       </p:grpSp>
       <p:grpSp>
         <p:nvGrpSpPr>
-          <p:cNvPr name="Group 20" id="20"/>
+          <p:cNvPr id="20" name="Group 20"/>
           <p:cNvGrpSpPr/>
           <p:nvPr/>
         </p:nvGrpSpPr>
         <p:grpSpPr>
-          <a:xfrm rot="0">
+          <a:xfrm>
             <a:off x="14990987" y="3378868"/>
             <a:ext cx="2755530" cy="1000466"/>
             <a:chOff x="0" y="0"/>
@@ -10870,12 +11278,12 @@
         </p:grpSpPr>
         <p:sp>
           <p:nvSpPr>
-            <p:cNvPr name="Freeform 21" id="21"/>
+            <p:cNvPr id="21" name="Freeform 21"/>
             <p:cNvSpPr/>
             <p:nvPr/>
           </p:nvSpPr>
           <p:spPr>
-            <a:xfrm flipH="false" flipV="false" rot="0">
+            <a:xfrm>
               <a:off x="0" y="0"/>
               <a:ext cx="725736" cy="263497"/>
             </a:xfrm>
@@ -10884,9 +11292,9 @@
               <a:gdLst/>
               <a:ahLst/>
               <a:cxnLst/>
-              <a:rect r="r" b="b" t="t" l="l"/>
+              <a:rect l="l" t="t" r="r" b="b"/>
               <a:pathLst>
-                <a:path h="263497" w="725736">
+                <a:path w="725736" h="263497">
                   <a:moveTo>
                     <a:pt x="47763" y="0"/>
                   </a:moveTo>
@@ -10937,11 +11345,18 @@
               <a:miter/>
             </a:ln>
           </p:spPr>
+          <p:txBody>
+            <a:bodyPr/>
+            <a:lstStyle/>
+            <a:p>
+              <a:endParaRPr lang="en-US"/>
+            </a:p>
+          </p:txBody>
         </p:sp>
         <p:sp>
           <p:nvSpPr>
-            <p:cNvPr name="TextBox 22" id="22"/>
-            <p:cNvSpPr txBox="true"/>
+            <p:cNvPr id="22" name="TextBox 22"/>
+            <p:cNvSpPr txBox="1"/>
             <p:nvPr/>
           </p:nvSpPr>
           <p:spPr>
@@ -10954,7 +11369,7 @@
             </a:prstGeom>
           </p:spPr>
           <p:txBody>
-            <a:bodyPr anchor="ctr" rtlCol="false" tIns="50800" lIns="50800" bIns="50800" rIns="50800"/>
+            <a:bodyPr lIns="50800" tIns="50800" rIns="50800" bIns="50800" rtlCol="0" anchor="ctr"/>
             <a:lstStyle/>
             <a:p>
               <a:pPr algn="ctr">
@@ -10963,7 +11378,7 @@
                 </a:lnSpc>
               </a:pPr>
               <a:r>
-                <a:rPr lang="en-US" b="true" sz="2799" spc="-55">
+                <a:rPr lang="en-US" sz="2799" b="1" spc="-55">
                   <a:solidFill>
                     <a:srgbClr val="FFFFFF"/>
                   </a:solidFill>
@@ -10980,12 +11395,12 @@
       </p:grpSp>
       <p:grpSp>
         <p:nvGrpSpPr>
-          <p:cNvPr name="Group 23" id="23"/>
+          <p:cNvPr id="23" name="Group 23"/>
           <p:cNvGrpSpPr/>
           <p:nvPr/>
         </p:nvGrpSpPr>
         <p:grpSpPr>
-          <a:xfrm rot="0">
+          <a:xfrm>
             <a:off x="3897809" y="3655898"/>
             <a:ext cx="699711" cy="446406"/>
             <a:chOff x="0" y="0"/>
@@ -10994,12 +11409,12 @@
         </p:grpSpPr>
         <p:sp>
           <p:nvSpPr>
-            <p:cNvPr name="Freeform 24" id="24"/>
+            <p:cNvPr id="24" name="Freeform 24"/>
             <p:cNvSpPr/>
             <p:nvPr/>
           </p:nvSpPr>
           <p:spPr>
-            <a:xfrm flipH="false" flipV="false" rot="0">
+            <a:xfrm>
               <a:off x="0" y="0"/>
               <a:ext cx="1274008" cy="812800"/>
             </a:xfrm>
@@ -11008,9 +11423,9 @@
               <a:gdLst/>
               <a:ahLst/>
               <a:cxnLst/>
-              <a:rect r="r" b="b" t="t" l="l"/>
+              <a:rect l="l" t="t" r="r" b="b"/>
               <a:pathLst>
-                <a:path h="812800" w="1274008">
+                <a:path w="1274008" h="812800">
                   <a:moveTo>
                     <a:pt x="1274008" y="406400"/>
                   </a:moveTo>
@@ -11043,11 +11458,18 @@
               <a:srgbClr val="F7F7F7"/>
             </a:solidFill>
           </p:spPr>
+          <p:txBody>
+            <a:bodyPr/>
+            <a:lstStyle/>
+            <a:p>
+              <a:endParaRPr lang="en-US"/>
+            </a:p>
+          </p:txBody>
         </p:sp>
         <p:sp>
           <p:nvSpPr>
-            <p:cNvPr name="TextBox 25" id="25"/>
-            <p:cNvSpPr txBox="true"/>
+            <p:cNvPr id="25" name="TextBox 25"/>
+            <p:cNvSpPr txBox="1"/>
             <p:nvPr/>
           </p:nvSpPr>
           <p:spPr>
@@ -11060,7 +11482,7 @@
             </a:prstGeom>
           </p:spPr>
           <p:txBody>
-            <a:bodyPr anchor="ctr" rtlCol="false" tIns="50800" lIns="50800" bIns="50800" rIns="50800"/>
+            <a:bodyPr lIns="50800" tIns="50800" rIns="50800" bIns="50800" rtlCol="0" anchor="ctr"/>
             <a:lstStyle/>
             <a:p>
               <a:pPr algn="ctr">
@@ -11068,18 +11490,19 @@
                   <a:spcPts val="3640"/>
                 </a:lnSpc>
               </a:pPr>
+              <a:endParaRPr/>
             </a:p>
           </p:txBody>
         </p:sp>
       </p:grpSp>
       <p:grpSp>
         <p:nvGrpSpPr>
-          <p:cNvPr name="Group 26" id="26"/>
+          <p:cNvPr id="26" name="Group 26"/>
           <p:cNvGrpSpPr/>
           <p:nvPr/>
         </p:nvGrpSpPr>
         <p:grpSpPr>
-          <a:xfrm rot="0">
+          <a:xfrm>
             <a:off x="14295662" y="3655898"/>
             <a:ext cx="699711" cy="446406"/>
             <a:chOff x="0" y="0"/>
@@ -11088,12 +11511,12 @@
         </p:grpSpPr>
         <p:sp>
           <p:nvSpPr>
-            <p:cNvPr name="Freeform 27" id="27"/>
+            <p:cNvPr id="27" name="Freeform 27"/>
             <p:cNvSpPr/>
             <p:nvPr/>
           </p:nvSpPr>
           <p:spPr>
-            <a:xfrm flipH="false" flipV="false" rot="0">
+            <a:xfrm>
               <a:off x="0" y="0"/>
               <a:ext cx="1274008" cy="812800"/>
             </a:xfrm>
@@ -11102,9 +11525,9 @@
               <a:gdLst/>
               <a:ahLst/>
               <a:cxnLst/>
-              <a:rect r="r" b="b" t="t" l="l"/>
+              <a:rect l="l" t="t" r="r" b="b"/>
               <a:pathLst>
-                <a:path h="812800" w="1274008">
+                <a:path w="1274008" h="812800">
                   <a:moveTo>
                     <a:pt x="1274008" y="406400"/>
                   </a:moveTo>
@@ -11137,11 +11560,18 @@
               <a:srgbClr val="F7F7F7"/>
             </a:solidFill>
           </p:spPr>
+          <p:txBody>
+            <a:bodyPr/>
+            <a:lstStyle/>
+            <a:p>
+              <a:endParaRPr lang="en-US"/>
+            </a:p>
+          </p:txBody>
         </p:sp>
         <p:sp>
           <p:nvSpPr>
-            <p:cNvPr name="TextBox 28" id="28"/>
-            <p:cNvSpPr txBox="true"/>
+            <p:cNvPr id="28" name="TextBox 28"/>
+            <p:cNvSpPr txBox="1"/>
             <p:nvPr/>
           </p:nvSpPr>
           <p:spPr>
@@ -11154,7 +11584,7 @@
             </a:prstGeom>
           </p:spPr>
           <p:txBody>
-            <a:bodyPr anchor="ctr" rtlCol="false" tIns="50800" lIns="50800" bIns="50800" rIns="50800"/>
+            <a:bodyPr lIns="50800" tIns="50800" rIns="50800" bIns="50800" rtlCol="0" anchor="ctr"/>
             <a:lstStyle/>
             <a:p>
               <a:pPr algn="ctr">
@@ -11162,18 +11592,19 @@
                   <a:spcPts val="3640"/>
                 </a:lnSpc>
               </a:pPr>
+              <a:endParaRPr/>
             </a:p>
           </p:txBody>
         </p:sp>
       </p:grpSp>
       <p:grpSp>
         <p:nvGrpSpPr>
-          <p:cNvPr name="Group 29" id="29"/>
+          <p:cNvPr id="29" name="Group 29"/>
           <p:cNvGrpSpPr/>
           <p:nvPr/>
         </p:nvGrpSpPr>
         <p:grpSpPr>
-          <a:xfrm rot="0">
+          <a:xfrm>
             <a:off x="10821371" y="3655898"/>
             <a:ext cx="699711" cy="446406"/>
             <a:chOff x="0" y="0"/>
@@ -11182,12 +11613,12 @@
         </p:grpSpPr>
         <p:sp>
           <p:nvSpPr>
-            <p:cNvPr name="Freeform 30" id="30"/>
+            <p:cNvPr id="30" name="Freeform 30"/>
             <p:cNvSpPr/>
             <p:nvPr/>
           </p:nvSpPr>
           <p:spPr>
-            <a:xfrm flipH="false" flipV="false" rot="0">
+            <a:xfrm>
               <a:off x="0" y="0"/>
               <a:ext cx="1274008" cy="812800"/>
             </a:xfrm>
@@ -11196,9 +11627,9 @@
               <a:gdLst/>
               <a:ahLst/>
               <a:cxnLst/>
-              <a:rect r="r" b="b" t="t" l="l"/>
+              <a:rect l="l" t="t" r="r" b="b"/>
               <a:pathLst>
-                <a:path h="812800" w="1274008">
+                <a:path w="1274008" h="812800">
                   <a:moveTo>
                     <a:pt x="1274008" y="406400"/>
                   </a:moveTo>
@@ -11231,11 +11662,18 @@
               <a:srgbClr val="F7F7F7"/>
             </a:solidFill>
           </p:spPr>
+          <p:txBody>
+            <a:bodyPr/>
+            <a:lstStyle/>
+            <a:p>
+              <a:endParaRPr lang="en-US"/>
+            </a:p>
+          </p:txBody>
         </p:sp>
         <p:sp>
           <p:nvSpPr>
-            <p:cNvPr name="TextBox 31" id="31"/>
-            <p:cNvSpPr txBox="true"/>
+            <p:cNvPr id="31" name="TextBox 31"/>
+            <p:cNvSpPr txBox="1"/>
             <p:nvPr/>
           </p:nvSpPr>
           <p:spPr>
@@ -11248,7 +11686,7 @@
             </a:prstGeom>
           </p:spPr>
           <p:txBody>
-            <a:bodyPr anchor="ctr" rtlCol="false" tIns="50800" lIns="50800" bIns="50800" rIns="50800"/>
+            <a:bodyPr lIns="50800" tIns="50800" rIns="50800" bIns="50800" rtlCol="0" anchor="ctr"/>
             <a:lstStyle/>
             <a:p>
               <a:pPr algn="ctr">
@@ -11256,18 +11694,19 @@
                   <a:spcPts val="3640"/>
                 </a:lnSpc>
               </a:pPr>
+              <a:endParaRPr/>
             </a:p>
           </p:txBody>
         </p:sp>
       </p:grpSp>
       <p:grpSp>
         <p:nvGrpSpPr>
-          <p:cNvPr name="Group 32" id="32"/>
+          <p:cNvPr id="32" name="Group 32"/>
           <p:cNvGrpSpPr/>
           <p:nvPr/>
         </p:nvGrpSpPr>
         <p:grpSpPr>
-          <a:xfrm rot="0">
+          <a:xfrm>
             <a:off x="7359590" y="3655898"/>
             <a:ext cx="699711" cy="446406"/>
             <a:chOff x="0" y="0"/>
@@ -11276,12 +11715,12 @@
         </p:grpSpPr>
         <p:sp>
           <p:nvSpPr>
-            <p:cNvPr name="Freeform 33" id="33"/>
+            <p:cNvPr id="33" name="Freeform 33"/>
             <p:cNvSpPr/>
             <p:nvPr/>
           </p:nvSpPr>
           <p:spPr>
-            <a:xfrm flipH="false" flipV="false" rot="0">
+            <a:xfrm>
               <a:off x="0" y="0"/>
               <a:ext cx="1274008" cy="812800"/>
             </a:xfrm>
@@ -11290,9 +11729,9 @@
               <a:gdLst/>
               <a:ahLst/>
               <a:cxnLst/>
-              <a:rect r="r" b="b" t="t" l="l"/>
+              <a:rect l="l" t="t" r="r" b="b"/>
               <a:pathLst>
-                <a:path h="812800" w="1274008">
+                <a:path w="1274008" h="812800">
                   <a:moveTo>
                     <a:pt x="1274008" y="406400"/>
                   </a:moveTo>
@@ -11325,11 +11764,18 @@
               <a:srgbClr val="F7F7F7"/>
             </a:solidFill>
           </p:spPr>
+          <p:txBody>
+            <a:bodyPr/>
+            <a:lstStyle/>
+            <a:p>
+              <a:endParaRPr lang="en-US"/>
+            </a:p>
+          </p:txBody>
         </p:sp>
         <p:sp>
           <p:nvSpPr>
-            <p:cNvPr name="TextBox 34" id="34"/>
-            <p:cNvSpPr txBox="true"/>
+            <p:cNvPr id="34" name="TextBox 34"/>
+            <p:cNvSpPr txBox="1"/>
             <p:nvPr/>
           </p:nvSpPr>
           <p:spPr>
@@ -11342,7 +11788,7 @@
             </a:prstGeom>
           </p:spPr>
           <p:txBody>
-            <a:bodyPr anchor="ctr" rtlCol="false" tIns="50800" lIns="50800" bIns="50800" rIns="50800"/>
+            <a:bodyPr lIns="50800" tIns="50800" rIns="50800" bIns="50800" rtlCol="0" anchor="ctr"/>
             <a:lstStyle/>
             <a:p>
               <a:pPr algn="ctr">
@@ -11350,18 +11796,19 @@
                   <a:spcPts val="3640"/>
                 </a:lnSpc>
               </a:pPr>
+              <a:endParaRPr/>
             </a:p>
           </p:txBody>
         </p:sp>
       </p:grpSp>
       <p:grpSp>
         <p:nvGrpSpPr>
-          <p:cNvPr name="Group 35" id="35"/>
+          <p:cNvPr id="35" name="Group 35"/>
           <p:cNvGrpSpPr/>
           <p:nvPr/>
         </p:nvGrpSpPr>
         <p:grpSpPr>
-          <a:xfrm rot="0">
+          <a:xfrm>
             <a:off x="5810000" y="4931784"/>
             <a:ext cx="3086100" cy="3086100"/>
             <a:chOff x="0" y="0"/>
@@ -11370,12 +11817,12 @@
         </p:grpSpPr>
         <p:sp>
           <p:nvSpPr>
-            <p:cNvPr name="Freeform 36" id="36"/>
+            <p:cNvPr id="36" name="Freeform 36"/>
             <p:cNvSpPr/>
             <p:nvPr/>
           </p:nvSpPr>
           <p:spPr>
-            <a:xfrm flipH="false" flipV="false" rot="0">
+            <a:xfrm>
               <a:off x="0" y="0"/>
               <a:ext cx="812800" cy="812800"/>
             </a:xfrm>
@@ -11384,9 +11831,9 @@
               <a:gdLst/>
               <a:ahLst/>
               <a:cxnLst/>
-              <a:rect r="r" b="b" t="t" l="l"/>
+              <a:rect l="l" t="t" r="r" b="b"/>
               <a:pathLst>
-                <a:path h="812800" w="812800">
+                <a:path w="812800" h="812800">
                   <a:moveTo>
                     <a:pt x="733382" y="0"/>
                   </a:moveTo>
@@ -11437,11 +11884,18 @@
               <a:miter/>
             </a:ln>
           </p:spPr>
+          <p:txBody>
+            <a:bodyPr/>
+            <a:lstStyle/>
+            <a:p>
+              <a:endParaRPr lang="en-US"/>
+            </a:p>
+          </p:txBody>
         </p:sp>
         <p:sp>
           <p:nvSpPr>
-            <p:cNvPr name="TextBox 37" id="37"/>
-            <p:cNvSpPr txBox="true"/>
+            <p:cNvPr id="37" name="TextBox 37"/>
+            <p:cNvSpPr txBox="1"/>
             <p:nvPr/>
           </p:nvSpPr>
           <p:spPr>
@@ -11454,7 +11908,7 @@
             </a:prstGeom>
           </p:spPr>
           <p:txBody>
-            <a:bodyPr anchor="ctr" rtlCol="false" tIns="50800" lIns="50800" bIns="50800" rIns="50800"/>
+            <a:bodyPr lIns="50800" tIns="50800" rIns="50800" bIns="50800" rtlCol="0" anchor="ctr"/>
             <a:lstStyle/>
             <a:p>
               <a:pPr algn="ctr">
@@ -11463,7 +11917,7 @@
                 </a:lnSpc>
               </a:pPr>
               <a:r>
-                <a:rPr lang="en-US" b="true" sz="2600" spc="-52">
+                <a:rPr lang="en-US" sz="2600" b="1" spc="-52">
                   <a:solidFill>
                     <a:srgbClr val="FFFFFF"/>
                   </a:solidFill>
@@ -11482,7 +11936,7 @@
                 </a:lnSpc>
               </a:pPr>
               <a:r>
-                <a:rPr lang="en-US" b="true" sz="2600" spc="-52">
+                <a:rPr lang="en-US" sz="2600" b="1" spc="-52">
                   <a:solidFill>
                     <a:srgbClr val="FFFFFF"/>
                   </a:solidFill>
@@ -11500,6 +11954,15 @@
                   <a:spcPts val="3640"/>
                 </a:lnSpc>
               </a:pPr>
+              <a:endParaRPr lang="en-US" sz="2600" b="1" spc="-52">
+                <a:solidFill>
+                  <a:srgbClr val="FFFFFF"/>
+                </a:solidFill>
+                <a:latin typeface="Arial Bold"/>
+                <a:ea typeface="Arial Bold"/>
+                <a:cs typeface="Arial Bold"/>
+                <a:sym typeface="Arial Bold"/>
+              </a:endParaRPr>
             </a:p>
             <a:p>
               <a:pPr algn="ctr">
@@ -11507,18 +11970,27 @@
                   <a:spcPts val="3640"/>
                 </a:lnSpc>
               </a:pPr>
+              <a:endParaRPr lang="en-US" sz="2600" b="1" spc="-52">
+                <a:solidFill>
+                  <a:srgbClr val="FFFFFF"/>
+                </a:solidFill>
+                <a:latin typeface="Arial Bold"/>
+                <a:ea typeface="Arial Bold"/>
+                <a:cs typeface="Arial Bold"/>
+                <a:sym typeface="Arial Bold"/>
+              </a:endParaRPr>
             </a:p>
           </p:txBody>
         </p:sp>
       </p:grpSp>
       <p:grpSp>
         <p:nvGrpSpPr>
-          <p:cNvPr name="Group 38" id="38"/>
+          <p:cNvPr id="38" name="Group 38"/>
           <p:cNvGrpSpPr/>
           <p:nvPr/>
         </p:nvGrpSpPr>
         <p:grpSpPr>
-          <a:xfrm rot="0">
+          <a:xfrm>
             <a:off x="9978032" y="4931784"/>
             <a:ext cx="3086100" cy="3086100"/>
             <a:chOff x="0" y="0"/>
@@ -11527,12 +11999,12 @@
         </p:grpSpPr>
         <p:sp>
           <p:nvSpPr>
-            <p:cNvPr name="Freeform 39" id="39"/>
+            <p:cNvPr id="39" name="Freeform 39"/>
             <p:cNvSpPr/>
             <p:nvPr/>
           </p:nvSpPr>
           <p:spPr>
-            <a:xfrm flipH="false" flipV="false" rot="0">
+            <a:xfrm>
               <a:off x="0" y="0"/>
               <a:ext cx="812800" cy="812800"/>
             </a:xfrm>
@@ -11541,9 +12013,9 @@
               <a:gdLst/>
               <a:ahLst/>
               <a:cxnLst/>
-              <a:rect r="r" b="b" t="t" l="l"/>
+              <a:rect l="l" t="t" r="r" b="b"/>
               <a:pathLst>
-                <a:path h="812800" w="812800">
+                <a:path w="812800" h="812800">
                   <a:moveTo>
                     <a:pt x="733382" y="0"/>
                   </a:moveTo>
@@ -11594,11 +12066,18 @@
               <a:miter/>
             </a:ln>
           </p:spPr>
+          <p:txBody>
+            <a:bodyPr/>
+            <a:lstStyle/>
+            <a:p>
+              <a:endParaRPr lang="en-US"/>
+            </a:p>
+          </p:txBody>
         </p:sp>
         <p:sp>
           <p:nvSpPr>
-            <p:cNvPr name="TextBox 40" id="40"/>
-            <p:cNvSpPr txBox="true"/>
+            <p:cNvPr id="40" name="TextBox 40"/>
+            <p:cNvSpPr txBox="1"/>
             <p:nvPr/>
           </p:nvSpPr>
           <p:spPr>
@@ -11611,7 +12090,7 @@
             </a:prstGeom>
           </p:spPr>
           <p:txBody>
-            <a:bodyPr anchor="ctr" rtlCol="false" tIns="50800" lIns="50800" bIns="50800" rIns="50800"/>
+            <a:bodyPr lIns="50800" tIns="50800" rIns="50800" bIns="50800" rtlCol="0" anchor="ctr"/>
             <a:lstStyle/>
             <a:p>
               <a:pPr algn="ctr">
@@ -11620,7 +12099,7 @@
                 </a:lnSpc>
               </a:pPr>
               <a:r>
-                <a:rPr lang="en-US" b="true" sz="2600" spc="-52">
+                <a:rPr lang="en-US" sz="2600" b="1" spc="-52">
                   <a:solidFill>
                     <a:srgbClr val="FFFFFF"/>
                   </a:solidFill>
@@ -11638,6 +12117,15 @@
                   <a:spcPts val="3640"/>
                 </a:lnSpc>
               </a:pPr>
+              <a:endParaRPr lang="en-US" sz="2600" b="1" spc="-52">
+                <a:solidFill>
+                  <a:srgbClr val="FFFFFF"/>
+                </a:solidFill>
+                <a:latin typeface="Arial Bold"/>
+                <a:ea typeface="Arial Bold"/>
+                <a:cs typeface="Arial Bold"/>
+                <a:sym typeface="Arial Bold"/>
+              </a:endParaRPr>
             </a:p>
           </p:txBody>
         </p:sp>
@@ -11651,13 +12139,14 @@
 </file>
 
 <file path=ppt/slides/slide9.xml><?xml version="1.0" encoding="utf-8"?>
-<p:sld xmlns:p="http://schemas.openxmlformats.org/presentationml/2006/main" xmlns:a="http://schemas.openxmlformats.org/drawingml/2006/main" xmlns:r="http://schemas.openxmlformats.org/officeDocument/2006/relationships">
+<p:sld xmlns:a="http://schemas.openxmlformats.org/drawingml/2006/main" xmlns:r="http://schemas.openxmlformats.org/officeDocument/2006/relationships" xmlns:p="http://schemas.openxmlformats.org/presentationml/2006/main">
   <p:cSld>
     <p:bg>
       <p:bgPr>
         <a:solidFill>
           <a:srgbClr val="F7F7F7"/>
         </a:solidFill>
+        <a:effectLst/>
       </p:bgPr>
     </p:bg>
     <p:spTree>
@@ -11676,12 +12165,12 @@
       </p:grpSpPr>
       <p:sp>
         <p:nvSpPr>
-          <p:cNvPr name="Freeform 2" id="2"/>
+          <p:cNvPr id="2" name="Freeform 2"/>
           <p:cNvSpPr/>
           <p:nvPr/>
         </p:nvSpPr>
         <p:spPr>
-          <a:xfrm flipH="false" flipV="false" rot="0">
+          <a:xfrm>
             <a:off x="0" y="0"/>
             <a:ext cx="18288000" cy="10287000"/>
           </a:xfrm>
@@ -11690,9 +12179,9 @@
             <a:gdLst/>
             <a:ahLst/>
             <a:cxnLst/>
-            <a:rect r="r" b="b" t="t" l="l"/>
+            <a:rect l="l" t="t" r="r" b="b"/>
             <a:pathLst>
-              <a:path h="10287000" w="18288000">
+              <a:path w="18288000" h="10287000">
                 <a:moveTo>
                   <a:pt x="0" y="0"/>
                 </a:moveTo>
@@ -11715,19 +12204,26 @@
           <a:blipFill>
             <a:blip r:embed="rId2"/>
             <a:stretch>
-              <a:fillRect l="0" t="-9222" r="0" b="-9222"/>
+              <a:fillRect t="-9222" b="-9222"/>
             </a:stretch>
           </a:blipFill>
         </p:spPr>
-      </p:sp>
-      <p:sp>
-        <p:nvSpPr>
-          <p:cNvPr name="TextBox 3" id="3"/>
-          <p:cNvSpPr txBox="true"/>
+        <p:txBody>
+          <a:bodyPr/>
+          <a:lstStyle/>
+          <a:p>
+            <a:endParaRPr lang="en-US"/>
+          </a:p>
+        </p:txBody>
+      </p:sp>
+      <p:sp>
+        <p:nvSpPr>
+          <p:cNvPr id="3" name="TextBox 3"/>
+          <p:cNvSpPr txBox="1"/>
           <p:nvPr/>
         </p:nvSpPr>
         <p:spPr>
-          <a:xfrm rot="0">
+          <a:xfrm>
             <a:off x="1028700" y="923925"/>
             <a:ext cx="2982688" cy="953135"/>
           </a:xfrm>
@@ -11736,7 +12232,7 @@
           </a:prstGeom>
         </p:spPr>
         <p:txBody>
-          <a:bodyPr anchor="t" rtlCol="false" tIns="0" lIns="0" bIns="0" rIns="0">
+          <a:bodyPr lIns="0" tIns="0" rIns="0" bIns="0" rtlCol="0" anchor="t">
             <a:spAutoFit/>
           </a:bodyPr>
           <a:lstStyle/>
@@ -11747,7 +12243,7 @@
               </a:lnSpc>
             </a:pPr>
             <a:r>
-              <a:rPr lang="en-US" b="true" sz="2600" spc="-52">
+              <a:rPr lang="en-US" sz="2600" b="1" spc="-52">
                 <a:solidFill>
                   <a:srgbClr val="F7F7F7"/>
                 </a:solidFill>
@@ -11763,12 +12259,12 @@
       </p:sp>
       <p:sp>
         <p:nvSpPr>
-          <p:cNvPr name="TextBox 4" id="4"/>
-          <p:cNvSpPr txBox="true"/>
+          <p:cNvPr id="4" name="TextBox 4"/>
+          <p:cNvSpPr txBox="1"/>
           <p:nvPr/>
         </p:nvSpPr>
         <p:spPr>
-          <a:xfrm rot="0">
+          <a:xfrm>
             <a:off x="1028700" y="8762415"/>
             <a:ext cx="2424961" cy="495935"/>
           </a:xfrm>
@@ -11777,7 +12273,7 @@
           </a:prstGeom>
         </p:spPr>
         <p:txBody>
-          <a:bodyPr anchor="t" rtlCol="false" tIns="0" lIns="0" bIns="0" rIns="0">
+          <a:bodyPr lIns="0" tIns="0" rIns="0" bIns="0" rtlCol="0" anchor="t">
             <a:spAutoFit/>
           </a:bodyPr>
           <a:lstStyle/>
@@ -11788,7 +12284,7 @@
               </a:lnSpc>
             </a:pPr>
             <a:r>
-              <a:rPr lang="en-US" sz="2600" i="true">
+              <a:rPr lang="en-US" sz="2600" i="1">
                 <a:solidFill>
                   <a:srgbClr val="F7F7F7"/>
                 </a:solidFill>
@@ -11804,12 +12300,12 @@
       </p:sp>
       <p:sp>
         <p:nvSpPr>
-          <p:cNvPr name="TextBox 5" id="5"/>
-          <p:cNvSpPr txBox="true"/>
+          <p:cNvPr id="5" name="TextBox 5"/>
+          <p:cNvSpPr txBox="1"/>
           <p:nvPr/>
         </p:nvSpPr>
         <p:spPr>
-          <a:xfrm rot="0">
+          <a:xfrm>
             <a:off x="14276612" y="923925"/>
             <a:ext cx="2982688" cy="495935"/>
           </a:xfrm>
@@ -11818,7 +12314,7 @@
           </a:prstGeom>
         </p:spPr>
         <p:txBody>
-          <a:bodyPr anchor="t" rtlCol="false" tIns="0" lIns="0" bIns="0" rIns="0">
+          <a:bodyPr lIns="0" tIns="0" rIns="0" bIns="0" rtlCol="0" anchor="t">
             <a:spAutoFit/>
           </a:bodyPr>
           <a:lstStyle/>
@@ -11829,7 +12325,7 @@
               </a:lnSpc>
             </a:pPr>
             <a:r>
-              <a:rPr lang="en-US" b="true" sz="2600" spc="-52">
+              <a:rPr lang="en-US" sz="2600" b="1" spc="-52">
                 <a:solidFill>
                   <a:srgbClr val="F7F7F7"/>
                 </a:solidFill>
@@ -11845,12 +12341,12 @@
       </p:sp>
       <p:sp>
         <p:nvSpPr>
-          <p:cNvPr name="TextBox 6" id="6"/>
-          <p:cNvSpPr txBox="true"/>
+          <p:cNvPr id="6" name="TextBox 6"/>
+          <p:cNvSpPr txBox="1"/>
           <p:nvPr/>
         </p:nvSpPr>
         <p:spPr>
-          <a:xfrm rot="0">
+          <a:xfrm>
             <a:off x="1028700" y="1456055"/>
             <a:ext cx="2438797" cy="1369695"/>
           </a:xfrm>
@@ -11859,7 +12355,7 @@
           </a:prstGeom>
         </p:spPr>
         <p:txBody>
-          <a:bodyPr anchor="t" rtlCol="false" tIns="0" lIns="0" bIns="0" rIns="0">
+          <a:bodyPr lIns="0" tIns="0" rIns="0" bIns="0" rtlCol="0" anchor="t">
             <a:spAutoFit/>
           </a:bodyPr>
           <a:lstStyle/>
@@ -11870,7 +12366,7 @@
               </a:lnSpc>
             </a:pPr>
             <a:r>
-              <a:rPr lang="en-US" sz="7200" b="true">
+              <a:rPr lang="en-US" sz="7200" b="1">
                 <a:solidFill>
                   <a:srgbClr val="F7F7F7"/>
                 </a:solidFill>
@@ -11886,12 +12382,12 @@
       </p:sp>
       <p:sp>
         <p:nvSpPr>
-          <p:cNvPr name="TextBox 7" id="7"/>
-          <p:cNvSpPr txBox="true"/>
+          <p:cNvPr id="7" name="TextBox 7"/>
+          <p:cNvSpPr txBox="1"/>
           <p:nvPr/>
         </p:nvSpPr>
         <p:spPr>
-          <a:xfrm rot="0">
+          <a:xfrm>
             <a:off x="3453661" y="8762415"/>
             <a:ext cx="13805639" cy="495935"/>
           </a:xfrm>
@@ -11900,7 +12396,7 @@
           </a:prstGeom>
         </p:spPr>
         <p:txBody>
-          <a:bodyPr anchor="t" rtlCol="false" tIns="0" lIns="0" bIns="0" rIns="0">
+          <a:bodyPr lIns="0" tIns="0" rIns="0" bIns="0" rtlCol="0" anchor="t">
             <a:spAutoFit/>
           </a:bodyPr>
           <a:lstStyle/>
@@ -11911,7 +12407,7 @@
               </a:lnSpc>
             </a:pPr>
             <a:r>
-              <a:rPr lang="en-US" b="true" sz="2600" spc="-52">
+              <a:rPr lang="en-US" sz="2600" b="1" spc="-52">
                 <a:solidFill>
                   <a:srgbClr val="F7F7F7"/>
                 </a:solidFill>
@@ -11927,12 +12423,12 @@
       </p:sp>
       <p:grpSp>
         <p:nvGrpSpPr>
-          <p:cNvPr name="Group 8" id="8"/>
+          <p:cNvPr id="8" name="Group 8"/>
           <p:cNvGrpSpPr/>
           <p:nvPr/>
         </p:nvGrpSpPr>
         <p:grpSpPr>
-          <a:xfrm rot="0">
+          <a:xfrm>
             <a:off x="2985256" y="2638627"/>
             <a:ext cx="5668394" cy="1898583"/>
             <a:chOff x="0" y="0"/>
@@ -11941,12 +12437,12 @@
         </p:grpSpPr>
         <p:sp>
           <p:nvSpPr>
-            <p:cNvPr name="Freeform 9" id="9"/>
+            <p:cNvPr id="9" name="Freeform 9"/>
             <p:cNvSpPr/>
             <p:nvPr/>
           </p:nvSpPr>
           <p:spPr>
-            <a:xfrm flipH="false" flipV="false" rot="0">
+            <a:xfrm>
               <a:off x="0" y="0"/>
               <a:ext cx="1213344" cy="406400"/>
             </a:xfrm>
@@ -11955,9 +12451,9 @@
               <a:gdLst/>
               <a:ahLst/>
               <a:cxnLst/>
-              <a:rect r="r" b="b" t="t" l="l"/>
+              <a:rect l="l" t="t" r="r" b="b"/>
               <a:pathLst>
-                <a:path h="406400" w="1213344">
+                <a:path w="1213344" h="406400">
                   <a:moveTo>
                     <a:pt x="1010144" y="0"/>
                   </a:moveTo>
@@ -11999,11 +12495,18 @@
               <a:miter/>
             </a:ln>
           </p:spPr>
+          <p:txBody>
+            <a:bodyPr/>
+            <a:lstStyle/>
+            <a:p>
+              <a:endParaRPr lang="en-US"/>
+            </a:p>
+          </p:txBody>
         </p:sp>
         <p:sp>
           <p:nvSpPr>
-            <p:cNvPr name="TextBox 10" id="10"/>
-            <p:cNvSpPr txBox="true"/>
+            <p:cNvPr id="10" name="TextBox 10"/>
+            <p:cNvSpPr txBox="1"/>
             <p:nvPr/>
           </p:nvSpPr>
           <p:spPr>
@@ -12016,7 +12519,7 @@
             </a:prstGeom>
           </p:spPr>
           <p:txBody>
-            <a:bodyPr anchor="ctr" rtlCol="false" tIns="50800" lIns="50800" bIns="50800" rIns="50800"/>
+            <a:bodyPr lIns="50800" tIns="50800" rIns="50800" bIns="50800" rtlCol="0" anchor="ctr"/>
             <a:lstStyle/>
             <a:p>
               <a:pPr algn="ctr">
@@ -12025,7 +12528,7 @@
                 </a:lnSpc>
               </a:pPr>
               <a:r>
-                <a:rPr lang="en-US" b="true" sz="3399" spc="-67">
+                <a:rPr lang="en-US" sz="3399" b="1" spc="-67">
                   <a:solidFill>
                     <a:srgbClr val="FFFFFF"/>
                   </a:solidFill>
@@ -12044,7 +12547,7 @@
                 </a:lnSpc>
               </a:pPr>
               <a:r>
-                <a:rPr lang="en-US" b="true" sz="3399" spc="-67">
+                <a:rPr lang="en-US" sz="3399" b="1" spc="-67">
                   <a:solidFill>
                     <a:srgbClr val="FFFFFF"/>
                   </a:solidFill>
@@ -12061,12 +12564,12 @@
       </p:grpSp>
       <p:grpSp>
         <p:nvGrpSpPr>
-          <p:cNvPr name="Group 11" id="11"/>
+          <p:cNvPr id="11" name="Group 11"/>
           <p:cNvGrpSpPr/>
           <p:nvPr/>
         </p:nvGrpSpPr>
         <p:grpSpPr>
-          <a:xfrm rot="0">
+          <a:xfrm>
             <a:off x="10099562" y="2638627"/>
             <a:ext cx="5668394" cy="1898583"/>
             <a:chOff x="0" y="0"/>
@@ -12075,12 +12578,12 @@
         </p:grpSpPr>
         <p:sp>
           <p:nvSpPr>
-            <p:cNvPr name="Freeform 12" id="12"/>
+            <p:cNvPr id="12" name="Freeform 12"/>
             <p:cNvSpPr/>
             <p:nvPr/>
           </p:nvSpPr>
           <p:spPr>
-            <a:xfrm flipH="false" flipV="false" rot="0">
+            <a:xfrm>
               <a:off x="0" y="0"/>
               <a:ext cx="1213344" cy="406400"/>
             </a:xfrm>
@@ -12089,9 +12592,9 @@
               <a:gdLst/>
               <a:ahLst/>
               <a:cxnLst/>
-              <a:rect r="r" b="b" t="t" l="l"/>
+              <a:rect l="l" t="t" r="r" b="b"/>
               <a:pathLst>
-                <a:path h="406400" w="1213344">
+                <a:path w="1213344" h="406400">
                   <a:moveTo>
                     <a:pt x="1010144" y="0"/>
                   </a:moveTo>
@@ -12133,11 +12636,18 @@
               <a:miter/>
             </a:ln>
           </p:spPr>
+          <p:txBody>
+            <a:bodyPr/>
+            <a:lstStyle/>
+            <a:p>
+              <a:endParaRPr lang="en-US"/>
+            </a:p>
+          </p:txBody>
         </p:sp>
         <p:sp>
           <p:nvSpPr>
-            <p:cNvPr name="TextBox 13" id="13"/>
-            <p:cNvSpPr txBox="true"/>
+            <p:cNvPr id="13" name="TextBox 13"/>
+            <p:cNvSpPr txBox="1"/>
             <p:nvPr/>
           </p:nvSpPr>
           <p:spPr>
@@ -12150,7 +12660,7 @@
             </a:prstGeom>
           </p:spPr>
           <p:txBody>
-            <a:bodyPr anchor="ctr" rtlCol="false" tIns="50800" lIns="50800" bIns="50800" rIns="50800"/>
+            <a:bodyPr lIns="50800" tIns="50800" rIns="50800" bIns="50800" rtlCol="0" anchor="ctr"/>
             <a:lstStyle/>
             <a:p>
               <a:pPr algn="ctr">
@@ -12159,7 +12669,7 @@
                 </a:lnSpc>
               </a:pPr>
               <a:r>
-                <a:rPr lang="en-US" b="true" sz="3399" spc="-67">
+                <a:rPr lang="en-US" sz="3399" b="1" spc="-67">
                   <a:solidFill>
                     <a:srgbClr val="FFFFFF"/>
                   </a:solidFill>
@@ -12178,7 +12688,7 @@
                 </a:lnSpc>
               </a:pPr>
               <a:r>
-                <a:rPr lang="en-US" b="true" sz="3399" spc="-67">
+                <a:rPr lang="en-US" sz="3399" b="1" spc="-67">
                   <a:solidFill>
                     <a:srgbClr val="FFFFFF"/>
                   </a:solidFill>
@@ -12195,12 +12705,12 @@
       </p:grpSp>
       <p:grpSp>
         <p:nvGrpSpPr>
-          <p:cNvPr name="Group 14" id="14"/>
+          <p:cNvPr id="14" name="Group 14"/>
           <p:cNvGrpSpPr/>
           <p:nvPr/>
         </p:nvGrpSpPr>
         <p:grpSpPr>
-          <a:xfrm rot="0">
+          <a:xfrm>
             <a:off x="2985256" y="4717194"/>
             <a:ext cx="5668394" cy="1898583"/>
             <a:chOff x="0" y="0"/>
@@ -12209,12 +12719,12 @@
         </p:grpSpPr>
         <p:sp>
           <p:nvSpPr>
-            <p:cNvPr name="Freeform 15" id="15"/>
+            <p:cNvPr id="15" name="Freeform 15"/>
             <p:cNvSpPr/>
             <p:nvPr/>
           </p:nvSpPr>
           <p:spPr>
-            <a:xfrm flipH="false" flipV="false" rot="0">
+            <a:xfrm>
               <a:off x="0" y="0"/>
               <a:ext cx="1213344" cy="406400"/>
             </a:xfrm>
@@ -12223,9 +12733,9 @@
               <a:gdLst/>
               <a:ahLst/>
               <a:cxnLst/>
-              <a:rect r="r" b="b" t="t" l="l"/>
+              <a:rect l="l" t="t" r="r" b="b"/>
               <a:pathLst>
-                <a:path h="406400" w="1213344">
+                <a:path w="1213344" h="406400">
                   <a:moveTo>
                     <a:pt x="1010144" y="0"/>
                   </a:moveTo>
@@ -12267,11 +12777,18 @@
               <a:miter/>
             </a:ln>
           </p:spPr>
+          <p:txBody>
+            <a:bodyPr/>
+            <a:lstStyle/>
+            <a:p>
+              <a:endParaRPr lang="en-US"/>
+            </a:p>
+          </p:txBody>
         </p:sp>
         <p:sp>
           <p:nvSpPr>
-            <p:cNvPr name="TextBox 16" id="16"/>
-            <p:cNvSpPr txBox="true"/>
+            <p:cNvPr id="16" name="TextBox 16"/>
+            <p:cNvSpPr txBox="1"/>
             <p:nvPr/>
           </p:nvSpPr>
           <p:spPr>
@@ -12284,7 +12801,7 @@
             </a:prstGeom>
           </p:spPr>
           <p:txBody>
-            <a:bodyPr anchor="ctr" rtlCol="false" tIns="50800" lIns="50800" bIns="50800" rIns="50800"/>
+            <a:bodyPr lIns="50800" tIns="50800" rIns="50800" bIns="50800" rtlCol="0" anchor="ctr"/>
             <a:lstStyle/>
             <a:p>
               <a:pPr algn="ctr">
@@ -12293,7 +12810,7 @@
                 </a:lnSpc>
               </a:pPr>
               <a:r>
-                <a:rPr lang="en-US" b="true" sz="3399" spc="-67">
+                <a:rPr lang="en-US" sz="3399" b="1" spc="-67">
                   <a:solidFill>
                     <a:srgbClr val="FFFFFF"/>
                   </a:solidFill>
@@ -12310,12 +12827,12 @@
       </p:grpSp>
       <p:grpSp>
         <p:nvGrpSpPr>
-          <p:cNvPr name="Group 17" id="17"/>
+          <p:cNvPr id="17" name="Group 17"/>
           <p:cNvGrpSpPr/>
           <p:nvPr/>
         </p:nvGrpSpPr>
         <p:grpSpPr>
-          <a:xfrm rot="0">
+          <a:xfrm>
             <a:off x="2985256" y="6795761"/>
             <a:ext cx="5668394" cy="1978533"/>
             <a:chOff x="0" y="0"/>
@@ -12324,12 +12841,12 @@
         </p:grpSpPr>
         <p:sp>
           <p:nvSpPr>
-            <p:cNvPr name="Freeform 18" id="18"/>
+            <p:cNvPr id="18" name="Freeform 18"/>
             <p:cNvSpPr/>
             <p:nvPr/>
           </p:nvSpPr>
           <p:spPr>
-            <a:xfrm flipH="false" flipV="false" rot="0">
+            <a:xfrm>
               <a:off x="0" y="0"/>
               <a:ext cx="1213344" cy="423514"/>
             </a:xfrm>
@@ -12338,9 +12855,9 @@
               <a:gdLst/>
               <a:ahLst/>
               <a:cxnLst/>
-              <a:rect r="r" b="b" t="t" l="l"/>
+              <a:rect l="l" t="t" r="r" b="b"/>
               <a:pathLst>
-                <a:path h="423514" w="1213344">
+                <a:path w="1213344" h="423514">
                   <a:moveTo>
                     <a:pt x="1010144" y="0"/>
                   </a:moveTo>
@@ -12382,11 +12899,18 @@
               <a:miter/>
             </a:ln>
           </p:spPr>
+          <p:txBody>
+            <a:bodyPr/>
+            <a:lstStyle/>
+            <a:p>
+              <a:endParaRPr lang="en-US"/>
+            </a:p>
+          </p:txBody>
         </p:sp>
         <p:sp>
           <p:nvSpPr>
-            <p:cNvPr name="TextBox 19" id="19"/>
-            <p:cNvSpPr txBox="true"/>
+            <p:cNvPr id="19" name="TextBox 19"/>
+            <p:cNvSpPr txBox="1"/>
             <p:nvPr/>
           </p:nvSpPr>
           <p:spPr>
@@ -12399,7 +12923,7 @@
             </a:prstGeom>
           </p:spPr>
           <p:txBody>
-            <a:bodyPr anchor="ctr" rtlCol="false" tIns="50800" lIns="50800" bIns="50800" rIns="50800"/>
+            <a:bodyPr lIns="50800" tIns="50800" rIns="50800" bIns="50800" rtlCol="0" anchor="ctr"/>
             <a:lstStyle/>
             <a:p>
               <a:pPr algn="ctr">
@@ -12408,7 +12932,7 @@
                 </a:lnSpc>
               </a:pPr>
               <a:r>
-                <a:rPr lang="en-US" b="true" sz="3399" spc="-67">
+                <a:rPr lang="en-US" sz="3399" b="1" spc="-67">
                   <a:solidFill>
                     <a:srgbClr val="FFFFFF"/>
                   </a:solidFill>
@@ -12427,7 +12951,7 @@
                 </a:lnSpc>
               </a:pPr>
               <a:r>
-                <a:rPr lang="en-US" b="true" sz="3399" spc="-67">
+                <a:rPr lang="en-US" sz="3399" b="1" spc="-67">
                   <a:solidFill>
                     <a:srgbClr val="FFFFFF"/>
                   </a:solidFill>
@@ -12444,12 +12968,12 @@
       </p:grpSp>
       <p:grpSp>
         <p:nvGrpSpPr>
-          <p:cNvPr name="Group 20" id="20"/>
+          <p:cNvPr id="20" name="Group 20"/>
           <p:cNvGrpSpPr/>
           <p:nvPr/>
         </p:nvGrpSpPr>
         <p:grpSpPr>
-          <a:xfrm rot="0">
+          <a:xfrm>
             <a:off x="10099562" y="4717194"/>
             <a:ext cx="5668394" cy="1898583"/>
             <a:chOff x="0" y="0"/>
@@ -12458,12 +12982,12 @@
         </p:grpSpPr>
         <p:sp>
           <p:nvSpPr>
-            <p:cNvPr name="Freeform 21" id="21"/>
+            <p:cNvPr id="21" name="Freeform 21"/>
             <p:cNvSpPr/>
             <p:nvPr/>
           </p:nvSpPr>
           <p:spPr>
-            <a:xfrm flipH="false" flipV="false" rot="0">
+            <a:xfrm>
               <a:off x="0" y="0"/>
               <a:ext cx="1213344" cy="406400"/>
             </a:xfrm>
@@ -12472,9 +12996,9 @@
               <a:gdLst/>
               <a:ahLst/>
               <a:cxnLst/>
-              <a:rect r="r" b="b" t="t" l="l"/>
+              <a:rect l="l" t="t" r="r" b="b"/>
               <a:pathLst>
-                <a:path h="406400" w="1213344">
+                <a:path w="1213344" h="406400">
                   <a:moveTo>
                     <a:pt x="1010144" y="0"/>
                   </a:moveTo>
@@ -12516,11 +13040,18 @@
               <a:miter/>
             </a:ln>
           </p:spPr>
+          <p:txBody>
+            <a:bodyPr/>
+            <a:lstStyle/>
+            <a:p>
+              <a:endParaRPr lang="en-US"/>
+            </a:p>
+          </p:txBody>
         </p:sp>
         <p:sp>
           <p:nvSpPr>
-            <p:cNvPr name="TextBox 22" id="22"/>
-            <p:cNvSpPr txBox="true"/>
+            <p:cNvPr id="22" name="TextBox 22"/>
+            <p:cNvSpPr txBox="1"/>
             <p:nvPr/>
           </p:nvSpPr>
           <p:spPr>
@@ -12533,7 +13064,7 @@
             </a:prstGeom>
           </p:spPr>
           <p:txBody>
-            <a:bodyPr anchor="ctr" rtlCol="false" tIns="50800" lIns="50800" bIns="50800" rIns="50800"/>
+            <a:bodyPr lIns="50800" tIns="50800" rIns="50800" bIns="50800" rtlCol="0" anchor="ctr"/>
             <a:lstStyle/>
             <a:p>
               <a:pPr algn="ctr">
@@ -12542,7 +13073,7 @@
                 </a:lnSpc>
               </a:pPr>
               <a:r>
-                <a:rPr lang="en-US" b="true" sz="3399" spc="-67">
+                <a:rPr lang="en-US" sz="3399" b="1" spc="-67">
                   <a:solidFill>
                     <a:srgbClr val="FFFFFF"/>
                   </a:solidFill>
@@ -12559,12 +13090,12 @@
       </p:grpSp>
       <p:grpSp>
         <p:nvGrpSpPr>
-          <p:cNvPr name="Group 23" id="23"/>
+          <p:cNvPr id="23" name="Group 23"/>
           <p:cNvGrpSpPr/>
           <p:nvPr/>
         </p:nvGrpSpPr>
         <p:grpSpPr>
-          <a:xfrm rot="0">
+          <a:xfrm>
             <a:off x="10099562" y="6792192"/>
             <a:ext cx="5668394" cy="1898583"/>
             <a:chOff x="0" y="0"/>
@@ -12573,12 +13104,12 @@
         </p:grpSpPr>
         <p:sp>
           <p:nvSpPr>
-            <p:cNvPr name="Freeform 24" id="24"/>
+            <p:cNvPr id="24" name="Freeform 24"/>
             <p:cNvSpPr/>
             <p:nvPr/>
           </p:nvSpPr>
           <p:spPr>
-            <a:xfrm flipH="false" flipV="false" rot="0">
+            <a:xfrm>
               <a:off x="0" y="0"/>
               <a:ext cx="1213344" cy="406400"/>
             </a:xfrm>
@@ -12587,9 +13118,9 @@
               <a:gdLst/>
               <a:ahLst/>
               <a:cxnLst/>
-              <a:rect r="r" b="b" t="t" l="l"/>
+              <a:rect l="l" t="t" r="r" b="b"/>
               <a:pathLst>
-                <a:path h="406400" w="1213344">
+                <a:path w="1213344" h="406400">
                   <a:moveTo>
                     <a:pt x="1010144" y="0"/>
                   </a:moveTo>
@@ -12631,11 +13162,18 @@
               <a:miter/>
             </a:ln>
           </p:spPr>
+          <p:txBody>
+            <a:bodyPr/>
+            <a:lstStyle/>
+            <a:p>
+              <a:endParaRPr lang="en-US"/>
+            </a:p>
+          </p:txBody>
         </p:sp>
         <p:sp>
           <p:nvSpPr>
-            <p:cNvPr name="TextBox 25" id="25"/>
-            <p:cNvSpPr txBox="true"/>
+            <p:cNvPr id="25" name="TextBox 25"/>
+            <p:cNvSpPr txBox="1"/>
             <p:nvPr/>
           </p:nvSpPr>
           <p:spPr>
@@ -12648,7 +13186,7 @@
             </a:prstGeom>
           </p:spPr>
           <p:txBody>
-            <a:bodyPr anchor="ctr" rtlCol="false" tIns="50800" lIns="50800" bIns="50800" rIns="50800"/>
+            <a:bodyPr lIns="50800" tIns="50800" rIns="50800" bIns="50800" rtlCol="0" anchor="ctr"/>
             <a:lstStyle/>
             <a:p>
               <a:pPr algn="ctr">
@@ -12657,7 +13195,7 @@
                 </a:lnSpc>
               </a:pPr>
               <a:r>
-                <a:rPr lang="en-US" b="true" sz="3399" spc="-67">
+                <a:rPr lang="en-US" sz="3399" b="1" spc="-67">
                   <a:solidFill>
                     <a:srgbClr val="FFFFFF"/>
                   </a:solidFill>

--- a/others/TicTacX.pptx
+++ b/others/TicTacX.pptx
@@ -147,27 +147,75 @@
 </p:presentation>
 </file>
 
+<file path=ppt/revisionInfo.xml><?xml version="1.0" encoding="utf-8"?>
+<p1510:revInfo xmlns:a="http://schemas.openxmlformats.org/drawingml/2006/main" xmlns:r="http://schemas.openxmlformats.org/officeDocument/2006/relationships" xmlns:p1510="http://schemas.microsoft.com/office/powerpoint/2015/10/main">
+  <p1510:revLst>
+    <p1510:client id="{CEA78450-4F91-469D-B8F2-4266BBE6DA38}" v="8" dt="2025-08-11T17:54:28.492"/>
+  </p1510:revLst>
+</p1510:revInfo>
+</file>
+
 <file path=ppt/changesInfos/changesInfo1.xml><?xml version="1.0" encoding="utf-8"?>
 <pc:chgInfo xmlns:a="http://schemas.openxmlformats.org/drawingml/2006/main" xmlns:r="http://schemas.openxmlformats.org/officeDocument/2006/relationships" xmlns:ac="http://schemas.microsoft.com/office/drawing/2013/main/command" xmlns:pc="http://schemas.microsoft.com/office/powerpoint/2013/main/command">
   <pc:docChgLst>
     <pc:chgData name="Md Ishrak Mashroor" userId="e451b154c326eb62" providerId="LiveId" clId="{CEA78450-4F91-469D-B8F2-4266BBE6DA38}"/>
-    <pc:docChg chg="modSld">
-      <pc:chgData name="Md Ishrak Mashroor" userId="e451b154c326eb62" providerId="LiveId" clId="{CEA78450-4F91-469D-B8F2-4266BBE6DA38}" dt="2025-08-11T17:48:06.172" v="9" actId="14100"/>
+    <pc:docChg chg="undo custSel modSld modMainMaster">
+      <pc:chgData name="Md Ishrak Mashroor" userId="e451b154c326eb62" providerId="LiveId" clId="{CEA78450-4F91-469D-B8F2-4266BBE6DA38}" dt="2025-08-11T17:54:42.792" v="21" actId="478"/>
       <pc:docMkLst>
         <pc:docMk/>
       </pc:docMkLst>
-      <pc:sldChg chg="modSp mod">
-        <pc:chgData name="Md Ishrak Mashroor" userId="e451b154c326eb62" providerId="LiveId" clId="{CEA78450-4F91-469D-B8F2-4266BBE6DA38}" dt="2025-08-11T17:47:45.853" v="5" actId="14100"/>
+      <pc:sldChg chg="addSp delSp modSp mod">
+        <pc:chgData name="Md Ishrak Mashroor" userId="e451b154c326eb62" providerId="LiveId" clId="{CEA78450-4F91-469D-B8F2-4266BBE6DA38}" dt="2025-08-11T17:54:42.792" v="21" actId="478"/>
         <pc:sldMkLst>
           <pc:docMk/>
           <pc:sldMk cId="0" sldId="256"/>
         </pc:sldMkLst>
-        <pc:spChg chg="mod">
-          <ac:chgData name="Md Ishrak Mashroor" userId="e451b154c326eb62" providerId="LiveId" clId="{CEA78450-4F91-469D-B8F2-4266BBE6DA38}" dt="2025-08-11T17:47:45.853" v="5" actId="14100"/>
+        <pc:spChg chg="add del">
+          <ac:chgData name="Md Ishrak Mashroor" userId="e451b154c326eb62" providerId="LiveId" clId="{CEA78450-4F91-469D-B8F2-4266BBE6DA38}" dt="2025-08-11T17:54:12.148" v="18" actId="478"/>
+          <ac:spMkLst>
+            <pc:docMk/>
+            <pc:sldMk cId="0" sldId="256"/>
+            <ac:spMk id="2" creationId="{00000000-0000-0000-0000-000000000000}"/>
+          </ac:spMkLst>
+        </pc:spChg>
+        <pc:spChg chg="add del mod">
+          <ac:chgData name="Md Ishrak Mashroor" userId="e451b154c326eb62" providerId="LiveId" clId="{CEA78450-4F91-469D-B8F2-4266BBE6DA38}" dt="2025-08-11T17:54:32.038" v="20" actId="478"/>
           <ac:spMkLst>
             <pc:docMk/>
             <pc:sldMk cId="0" sldId="256"/>
             <ac:spMk id="9" creationId="{00000000-0000-0000-0000-000000000000}"/>
+          </ac:spMkLst>
+        </pc:spChg>
+        <pc:spChg chg="add del">
+          <ac:chgData name="Md Ishrak Mashroor" userId="e451b154c326eb62" providerId="LiveId" clId="{CEA78450-4F91-469D-B8F2-4266BBE6DA38}" dt="2025-08-11T17:54:32.038" v="20" actId="478"/>
+          <ac:spMkLst>
+            <pc:docMk/>
+            <pc:sldMk cId="0" sldId="256"/>
+            <ac:spMk id="10" creationId="{00000000-0000-0000-0000-000000000000}"/>
+          </ac:spMkLst>
+        </pc:spChg>
+        <pc:spChg chg="add del">
+          <ac:chgData name="Md Ishrak Mashroor" userId="e451b154c326eb62" providerId="LiveId" clId="{CEA78450-4F91-469D-B8F2-4266BBE6DA38}" dt="2025-08-11T17:54:32.038" v="20" actId="478"/>
+          <ac:spMkLst>
+            <pc:docMk/>
+            <pc:sldMk cId="0" sldId="256"/>
+            <ac:spMk id="11" creationId="{00000000-0000-0000-0000-000000000000}"/>
+          </ac:spMkLst>
+        </pc:spChg>
+        <pc:spChg chg="add del">
+          <ac:chgData name="Md Ishrak Mashroor" userId="e451b154c326eb62" providerId="LiveId" clId="{CEA78450-4F91-469D-B8F2-4266BBE6DA38}" dt="2025-08-11T17:54:42.792" v="21" actId="478"/>
+          <ac:spMkLst>
+            <pc:docMk/>
+            <pc:sldMk cId="0" sldId="256"/>
+            <ac:spMk id="12" creationId="{00000000-0000-0000-0000-000000000000}"/>
+          </ac:spMkLst>
+        </pc:spChg>
+        <pc:spChg chg="add del mod">
+          <ac:chgData name="Md Ishrak Mashroor" userId="e451b154c326eb62" providerId="LiveId" clId="{CEA78450-4F91-469D-B8F2-4266BBE6DA38}" dt="2025-08-11T17:54:32.038" v="20" actId="478"/>
+          <ac:spMkLst>
+            <pc:docMk/>
+            <pc:sldMk cId="0" sldId="256"/>
+            <ac:spMk id="13" creationId="{95BDB542-AE66-9604-86B8-8EDCDE226610}"/>
           </ac:spMkLst>
         </pc:spChg>
       </pc:sldChg>
@@ -186,6 +234,219 @@
           </ac:spMkLst>
         </pc:spChg>
       </pc:sldChg>
+      <pc:sldChg chg="modSp mod">
+        <pc:chgData name="Md Ishrak Mashroor" userId="e451b154c326eb62" providerId="LiveId" clId="{CEA78450-4F91-469D-B8F2-4266BBE6DA38}" dt="2025-08-11T17:53:41.195" v="16" actId="14100"/>
+        <pc:sldMkLst>
+          <pc:docMk/>
+          <pc:sldMk cId="0" sldId="258"/>
+        </pc:sldMkLst>
+        <pc:spChg chg="mod">
+          <ac:chgData name="Md Ishrak Mashroor" userId="e451b154c326eb62" providerId="LiveId" clId="{CEA78450-4F91-469D-B8F2-4266BBE6DA38}" dt="2025-08-11T17:53:41.195" v="16" actId="14100"/>
+          <ac:spMkLst>
+            <pc:docMk/>
+            <pc:sldMk cId="0" sldId="258"/>
+            <ac:spMk id="6" creationId="{00000000-0000-0000-0000-000000000000}"/>
+          </ac:spMkLst>
+        </pc:spChg>
+      </pc:sldChg>
+      <pc:sldMasterChg chg="addSp modSp modSldLayout">
+        <pc:chgData name="Md Ishrak Mashroor" userId="e451b154c326eb62" providerId="LiveId" clId="{CEA78450-4F91-469D-B8F2-4266BBE6DA38}" dt="2025-08-11T17:53:55.450" v="17"/>
+        <pc:sldMasterMkLst>
+          <pc:docMk/>
+          <pc:sldMasterMk cId="0" sldId="2147483648"/>
+        </pc:sldMasterMkLst>
+        <pc:spChg chg="add mod">
+          <ac:chgData name="Md Ishrak Mashroor" userId="e451b154c326eb62" providerId="LiveId" clId="{CEA78450-4F91-469D-B8F2-4266BBE6DA38}" dt="2025-08-11T17:53:11.173" v="14"/>
+          <ac:spMkLst>
+            <pc:docMk/>
+            <pc:sldMasterMk cId="0" sldId="2147483648"/>
+            <ac:spMk id="7" creationId="{FE887E9A-6FAB-0973-661E-E1F8F033C376}"/>
+          </ac:spMkLst>
+        </pc:spChg>
+        <pc:spChg chg="add mod">
+          <ac:chgData name="Md Ishrak Mashroor" userId="e451b154c326eb62" providerId="LiveId" clId="{CEA78450-4F91-469D-B8F2-4266BBE6DA38}" dt="2025-08-11T17:53:11.173" v="14"/>
+          <ac:spMkLst>
+            <pc:docMk/>
+            <pc:sldMasterMk cId="0" sldId="2147483648"/>
+            <ac:spMk id="8" creationId="{3CD6F446-6691-99BF-30C0-8B6AD00BC128}"/>
+          </ac:spMkLst>
+        </pc:spChg>
+        <pc:spChg chg="add mod">
+          <ac:chgData name="Md Ishrak Mashroor" userId="e451b154c326eb62" providerId="LiveId" clId="{CEA78450-4F91-469D-B8F2-4266BBE6DA38}" dt="2025-08-11T17:53:11.173" v="14"/>
+          <ac:spMkLst>
+            <pc:docMk/>
+            <pc:sldMasterMk cId="0" sldId="2147483648"/>
+            <ac:spMk id="9" creationId="{D92FC716-3B4A-2B82-1056-15028FD55A4F}"/>
+          </ac:spMkLst>
+        </pc:spChg>
+        <pc:spChg chg="add mod">
+          <ac:chgData name="Md Ishrak Mashroor" userId="e451b154c326eb62" providerId="LiveId" clId="{CEA78450-4F91-469D-B8F2-4266BBE6DA38}" dt="2025-08-11T17:53:11.173" v="14"/>
+          <ac:spMkLst>
+            <pc:docMk/>
+            <pc:sldMasterMk cId="0" sldId="2147483648"/>
+            <ac:spMk id="10" creationId="{766067AF-1FF9-3AB2-759A-A82F49C8A881}"/>
+          </ac:spMkLst>
+        </pc:spChg>
+        <pc:spChg chg="add mod">
+          <ac:chgData name="Md Ishrak Mashroor" userId="e451b154c326eb62" providerId="LiveId" clId="{CEA78450-4F91-469D-B8F2-4266BBE6DA38}" dt="2025-08-11T17:53:11.173" v="14"/>
+          <ac:spMkLst>
+            <pc:docMk/>
+            <pc:sldMasterMk cId="0" sldId="2147483648"/>
+            <ac:spMk id="11" creationId="{C6E71741-F4E9-3884-5454-71B085F498E0}"/>
+          </ac:spMkLst>
+        </pc:spChg>
+        <pc:sldLayoutChg chg="addSp modSp">
+          <pc:chgData name="Md Ishrak Mashroor" userId="e451b154c326eb62" providerId="LiveId" clId="{CEA78450-4F91-469D-B8F2-4266BBE6DA38}" dt="2025-08-11T17:53:55.450" v="17"/>
+          <pc:sldLayoutMkLst>
+            <pc:docMk/>
+            <pc:sldMasterMk cId="0" sldId="2147483648"/>
+            <pc:sldLayoutMk cId="0" sldId="2147483655"/>
+          </pc:sldLayoutMkLst>
+          <pc:spChg chg="add mod">
+            <ac:chgData name="Md Ishrak Mashroor" userId="e451b154c326eb62" providerId="LiveId" clId="{CEA78450-4F91-469D-B8F2-4266BBE6DA38}" dt="2025-08-11T17:53:00.896" v="13"/>
+            <ac:spMkLst>
+              <pc:docMk/>
+              <pc:sldMasterMk cId="0" sldId="2147483648"/>
+              <pc:sldLayoutMk cId="0" sldId="2147483655"/>
+              <ac:spMk id="5" creationId="{19C88126-290F-6BD0-DD6E-BBECC155B1B4}"/>
+            </ac:spMkLst>
+          </pc:spChg>
+          <pc:spChg chg="add mod">
+            <ac:chgData name="Md Ishrak Mashroor" userId="e451b154c326eb62" providerId="LiveId" clId="{CEA78450-4F91-469D-B8F2-4266BBE6DA38}" dt="2025-08-11T17:53:00.896" v="13"/>
+            <ac:spMkLst>
+              <pc:docMk/>
+              <pc:sldMasterMk cId="0" sldId="2147483648"/>
+              <pc:sldLayoutMk cId="0" sldId="2147483655"/>
+              <ac:spMk id="6" creationId="{C8DDE6DF-5687-F2FD-F926-38AD6F1072D0}"/>
+            </ac:spMkLst>
+          </pc:spChg>
+          <pc:spChg chg="add mod">
+            <ac:chgData name="Md Ishrak Mashroor" userId="e451b154c326eb62" providerId="LiveId" clId="{CEA78450-4F91-469D-B8F2-4266BBE6DA38}" dt="2025-08-11T17:53:00.896" v="13"/>
+            <ac:spMkLst>
+              <pc:docMk/>
+              <pc:sldMasterMk cId="0" sldId="2147483648"/>
+              <pc:sldLayoutMk cId="0" sldId="2147483655"/>
+              <ac:spMk id="7" creationId="{31139E41-4A3A-677F-BD02-4B6D281BCD61}"/>
+            </ac:spMkLst>
+          </pc:spChg>
+          <pc:spChg chg="add mod">
+            <ac:chgData name="Md Ishrak Mashroor" userId="e451b154c326eb62" providerId="LiveId" clId="{CEA78450-4F91-469D-B8F2-4266BBE6DA38}" dt="2025-08-11T17:53:00.896" v="13"/>
+            <ac:spMkLst>
+              <pc:docMk/>
+              <pc:sldMasterMk cId="0" sldId="2147483648"/>
+              <pc:sldLayoutMk cId="0" sldId="2147483655"/>
+              <ac:spMk id="8" creationId="{CFE2DFDE-276E-A600-C8D2-FCDFCA90B37E}"/>
+            </ac:spMkLst>
+          </pc:spChg>
+          <pc:spChg chg="add mod">
+            <ac:chgData name="Md Ishrak Mashroor" userId="e451b154c326eb62" providerId="LiveId" clId="{CEA78450-4F91-469D-B8F2-4266BBE6DA38}" dt="2025-08-11T17:53:00.896" v="13"/>
+            <ac:spMkLst>
+              <pc:docMk/>
+              <pc:sldMasterMk cId="0" sldId="2147483648"/>
+              <pc:sldLayoutMk cId="0" sldId="2147483655"/>
+              <ac:spMk id="9" creationId="{1143B96A-22E1-ACF5-B711-B152082A4463}"/>
+            </ac:spMkLst>
+          </pc:spChg>
+          <pc:spChg chg="add mod">
+            <ac:chgData name="Md Ishrak Mashroor" userId="e451b154c326eb62" providerId="LiveId" clId="{CEA78450-4F91-469D-B8F2-4266BBE6DA38}" dt="2025-08-11T17:53:55.450" v="17"/>
+            <ac:spMkLst>
+              <pc:docMk/>
+              <pc:sldMasterMk cId="0" sldId="2147483648"/>
+              <pc:sldLayoutMk cId="0" sldId="2147483655"/>
+              <ac:spMk id="10" creationId="{52B3BB6D-544B-89E2-204F-94AD23A94CC9}"/>
+            </ac:spMkLst>
+          </pc:spChg>
+          <pc:spChg chg="add mod">
+            <ac:chgData name="Md Ishrak Mashroor" userId="e451b154c326eb62" providerId="LiveId" clId="{CEA78450-4F91-469D-B8F2-4266BBE6DA38}" dt="2025-08-11T17:53:55.450" v="17"/>
+            <ac:spMkLst>
+              <pc:docMk/>
+              <pc:sldMasterMk cId="0" sldId="2147483648"/>
+              <pc:sldLayoutMk cId="0" sldId="2147483655"/>
+              <ac:spMk id="11" creationId="{D67D56AE-8D76-5DB2-7ED0-4911D584D0F0}"/>
+            </ac:spMkLst>
+          </pc:spChg>
+          <pc:spChg chg="add mod">
+            <ac:chgData name="Md Ishrak Mashroor" userId="e451b154c326eb62" providerId="LiveId" clId="{CEA78450-4F91-469D-B8F2-4266BBE6DA38}" dt="2025-08-11T17:53:55.450" v="17"/>
+            <ac:spMkLst>
+              <pc:docMk/>
+              <pc:sldMasterMk cId="0" sldId="2147483648"/>
+              <pc:sldLayoutMk cId="0" sldId="2147483655"/>
+              <ac:spMk id="12" creationId="{AD6CCE5F-1BD6-05FE-877A-769D3EEB71BC}"/>
+            </ac:spMkLst>
+          </pc:spChg>
+          <pc:spChg chg="add mod">
+            <ac:chgData name="Md Ishrak Mashroor" userId="e451b154c326eb62" providerId="LiveId" clId="{CEA78450-4F91-469D-B8F2-4266BBE6DA38}" dt="2025-08-11T17:53:55.450" v="17"/>
+            <ac:spMkLst>
+              <pc:docMk/>
+              <pc:sldMasterMk cId="0" sldId="2147483648"/>
+              <pc:sldLayoutMk cId="0" sldId="2147483655"/>
+              <ac:spMk id="13" creationId="{F9D589D0-9A31-6159-6156-BADC3C4581CF}"/>
+            </ac:spMkLst>
+          </pc:spChg>
+          <pc:spChg chg="add mod">
+            <ac:chgData name="Md Ishrak Mashroor" userId="e451b154c326eb62" providerId="LiveId" clId="{CEA78450-4F91-469D-B8F2-4266BBE6DA38}" dt="2025-08-11T17:53:55.450" v="17"/>
+            <ac:spMkLst>
+              <pc:docMk/>
+              <pc:sldMasterMk cId="0" sldId="2147483648"/>
+              <pc:sldLayoutMk cId="0" sldId="2147483655"/>
+              <ac:spMk id="14" creationId="{534F3A79-1480-7D8D-D344-61EBEADEDBDA}"/>
+            </ac:spMkLst>
+          </pc:spChg>
+        </pc:sldLayoutChg>
+        <pc:sldLayoutChg chg="addSp modSp">
+          <pc:chgData name="Md Ishrak Mashroor" userId="e451b154c326eb62" providerId="LiveId" clId="{CEA78450-4F91-469D-B8F2-4266BBE6DA38}" dt="2025-08-11T17:53:23.580" v="15"/>
+          <pc:sldLayoutMkLst>
+            <pc:docMk/>
+            <pc:sldMasterMk cId="0" sldId="2147483648"/>
+            <pc:sldLayoutMk cId="0" sldId="2147483659"/>
+          </pc:sldLayoutMkLst>
+          <pc:spChg chg="add mod">
+            <ac:chgData name="Md Ishrak Mashroor" userId="e451b154c326eb62" providerId="LiveId" clId="{CEA78450-4F91-469D-B8F2-4266BBE6DA38}" dt="2025-08-11T17:53:23.580" v="15"/>
+            <ac:spMkLst>
+              <pc:docMk/>
+              <pc:sldMasterMk cId="0" sldId="2147483648"/>
+              <pc:sldLayoutMk cId="0" sldId="2147483659"/>
+              <ac:spMk id="7" creationId="{559C32EF-07A2-D87E-4C0C-906538DF1558}"/>
+            </ac:spMkLst>
+          </pc:spChg>
+          <pc:spChg chg="add mod">
+            <ac:chgData name="Md Ishrak Mashroor" userId="e451b154c326eb62" providerId="LiveId" clId="{CEA78450-4F91-469D-B8F2-4266BBE6DA38}" dt="2025-08-11T17:53:23.580" v="15"/>
+            <ac:spMkLst>
+              <pc:docMk/>
+              <pc:sldMasterMk cId="0" sldId="2147483648"/>
+              <pc:sldLayoutMk cId="0" sldId="2147483659"/>
+              <ac:spMk id="8" creationId="{883114A5-CD88-BFDE-3F16-D07EF5940AAF}"/>
+            </ac:spMkLst>
+          </pc:spChg>
+          <pc:spChg chg="add mod">
+            <ac:chgData name="Md Ishrak Mashroor" userId="e451b154c326eb62" providerId="LiveId" clId="{CEA78450-4F91-469D-B8F2-4266BBE6DA38}" dt="2025-08-11T17:53:23.580" v="15"/>
+            <ac:spMkLst>
+              <pc:docMk/>
+              <pc:sldMasterMk cId="0" sldId="2147483648"/>
+              <pc:sldLayoutMk cId="0" sldId="2147483659"/>
+              <ac:spMk id="9" creationId="{E9E350CB-F938-44D2-056D-438EFBF50BC7}"/>
+            </ac:spMkLst>
+          </pc:spChg>
+          <pc:spChg chg="add mod">
+            <ac:chgData name="Md Ishrak Mashroor" userId="e451b154c326eb62" providerId="LiveId" clId="{CEA78450-4F91-469D-B8F2-4266BBE6DA38}" dt="2025-08-11T17:53:23.580" v="15"/>
+            <ac:spMkLst>
+              <pc:docMk/>
+              <pc:sldMasterMk cId="0" sldId="2147483648"/>
+              <pc:sldLayoutMk cId="0" sldId="2147483659"/>
+              <ac:spMk id="10" creationId="{012A3E3D-E6E6-F218-D98E-C7534A182A03}"/>
+            </ac:spMkLst>
+          </pc:spChg>
+          <pc:spChg chg="add mod">
+            <ac:chgData name="Md Ishrak Mashroor" userId="e451b154c326eb62" providerId="LiveId" clId="{CEA78450-4F91-469D-B8F2-4266BBE6DA38}" dt="2025-08-11T17:53:23.580" v="15"/>
+            <ac:spMkLst>
+              <pc:docMk/>
+              <pc:sldMasterMk cId="0" sldId="2147483648"/>
+              <pc:sldLayoutMk cId="0" sldId="2147483659"/>
+              <ac:spMk id="11" creationId="{02D01F9C-C927-6E67-9DA6-A873D7011018}"/>
+            </ac:spMkLst>
+          </pc:spChg>
+        </pc:sldLayoutChg>
+      </pc:sldMasterChg>
     </pc:docChg>
   </pc:docChgLst>
 </pc:chgInfo>
@@ -2068,6 +2329,253 @@
               <a:t>‹#›</a:t>
             </a:fld>
             <a:endParaRPr lang="en-US"/>
+          </a:p>
+        </p:txBody>
+      </p:sp>
+      <p:sp>
+        <p:nvSpPr>
+          <p:cNvPr id="10" name="Freeform 2">
+            <a:extLst>
+              <a:ext uri="{FF2B5EF4-FFF2-40B4-BE49-F238E27FC236}">
+                <a16:creationId xmlns:a16="http://schemas.microsoft.com/office/drawing/2014/main" id="{52B3BB6D-544B-89E2-204F-94AD23A94CC9}"/>
+              </a:ext>
+            </a:extLst>
+          </p:cNvPr>
+          <p:cNvSpPr/>
+          <p:nvPr userDrawn="1"/>
+        </p:nvSpPr>
+        <p:spPr>
+          <a:xfrm>
+            <a:off x="0" y="0"/>
+            <a:ext cx="18288000" cy="10287000"/>
+          </a:xfrm>
+          <a:custGeom>
+            <a:avLst/>
+            <a:gdLst/>
+            <a:ahLst/>
+            <a:cxnLst/>
+            <a:rect l="l" t="t" r="r" b="b"/>
+            <a:pathLst>
+              <a:path w="18288000" h="10287000">
+                <a:moveTo>
+                  <a:pt x="0" y="0"/>
+                </a:moveTo>
+                <a:lnTo>
+                  <a:pt x="18288000" y="0"/>
+                </a:lnTo>
+                <a:lnTo>
+                  <a:pt x="18288000" y="10287000"/>
+                </a:lnTo>
+                <a:lnTo>
+                  <a:pt x="0" y="10287000"/>
+                </a:lnTo>
+                <a:lnTo>
+                  <a:pt x="0" y="0"/>
+                </a:lnTo>
+                <a:close/>
+              </a:path>
+            </a:pathLst>
+          </a:custGeom>
+          <a:blipFill>
+            <a:blip r:embed="rId2"/>
+            <a:stretch>
+              <a:fillRect t="-9222" b="-9222"/>
+            </a:stretch>
+          </a:blipFill>
+        </p:spPr>
+        <p:txBody>
+          <a:bodyPr/>
+          <a:lstStyle/>
+          <a:p>
+            <a:endParaRPr lang="en-US"/>
+          </a:p>
+        </p:txBody>
+      </p:sp>
+      <p:sp>
+        <p:nvSpPr>
+          <p:cNvPr id="11" name="TextBox 9">
+            <a:extLst>
+              <a:ext uri="{FF2B5EF4-FFF2-40B4-BE49-F238E27FC236}">
+                <a16:creationId xmlns:a16="http://schemas.microsoft.com/office/drawing/2014/main" id="{D67D56AE-8D76-5DB2-7ED0-4911D584D0F0}"/>
+              </a:ext>
+            </a:extLst>
+          </p:cNvPr>
+          <p:cNvSpPr txBox="1"/>
+          <p:nvPr userDrawn="1"/>
+        </p:nvSpPr>
+        <p:spPr>
+          <a:xfrm>
+            <a:off x="1028700" y="923925"/>
+            <a:ext cx="3238500" cy="422167"/>
+          </a:xfrm>
+          <a:prstGeom prst="rect">
+            <a:avLst/>
+          </a:prstGeom>
+        </p:spPr>
+        <p:txBody>
+          <a:bodyPr wrap="square" lIns="0" tIns="0" rIns="0" bIns="0" rtlCol="0" anchor="t">
+            <a:spAutoFit/>
+          </a:bodyPr>
+          <a:lstStyle/>
+          <a:p>
+            <a:pPr algn="just">
+              <a:lnSpc>
+                <a:spcPts val="3640"/>
+              </a:lnSpc>
+            </a:pPr>
+            <a:r>
+              <a:rPr lang="en-US" sz="2600" b="1" spc="-52" dirty="0">
+                <a:solidFill>
+                  <a:srgbClr val="F7F7F7"/>
+                </a:solidFill>
+                <a:latin typeface="Arial Bold"/>
+                <a:ea typeface="Arial Bold"/>
+                <a:cs typeface="Arial Bold"/>
+                <a:sym typeface="Arial Bold"/>
+              </a:rPr>
+              <a:t>CSE 115.4 | Group 2</a:t>
+            </a:r>
+          </a:p>
+        </p:txBody>
+      </p:sp>
+      <p:sp>
+        <p:nvSpPr>
+          <p:cNvPr id="12" name="TextBox 10">
+            <a:extLst>
+              <a:ext uri="{FF2B5EF4-FFF2-40B4-BE49-F238E27FC236}">
+                <a16:creationId xmlns:a16="http://schemas.microsoft.com/office/drawing/2014/main" id="{AD6CCE5F-1BD6-05FE-877A-769D3EEB71BC}"/>
+              </a:ext>
+            </a:extLst>
+          </p:cNvPr>
+          <p:cNvSpPr txBox="1"/>
+          <p:nvPr userDrawn="1"/>
+        </p:nvSpPr>
+        <p:spPr>
+          <a:xfrm>
+            <a:off x="1028700" y="8762415"/>
+            <a:ext cx="2424961" cy="495935"/>
+          </a:xfrm>
+          <a:prstGeom prst="rect">
+            <a:avLst/>
+          </a:prstGeom>
+        </p:spPr>
+        <p:txBody>
+          <a:bodyPr lIns="0" tIns="0" rIns="0" bIns="0" rtlCol="0" anchor="t">
+            <a:spAutoFit/>
+          </a:bodyPr>
+          <a:lstStyle/>
+          <a:p>
+            <a:pPr algn="l">
+              <a:lnSpc>
+                <a:spcPts val="3640"/>
+              </a:lnSpc>
+            </a:pPr>
+            <a:r>
+              <a:rPr lang="en-US" sz="2600" i="1">
+                <a:solidFill>
+                  <a:srgbClr val="F7F7F7"/>
+                </a:solidFill>
+                <a:latin typeface="Arial Italics"/>
+                <a:ea typeface="Arial Italics"/>
+                <a:cs typeface="Arial Italics"/>
+                <a:sym typeface="Arial Italics"/>
+              </a:rPr>
+              <a:t>Presented by</a:t>
+            </a:r>
+          </a:p>
+        </p:txBody>
+      </p:sp>
+      <p:sp>
+        <p:nvSpPr>
+          <p:cNvPr id="13" name="TextBox 11">
+            <a:extLst>
+              <a:ext uri="{FF2B5EF4-FFF2-40B4-BE49-F238E27FC236}">
+                <a16:creationId xmlns:a16="http://schemas.microsoft.com/office/drawing/2014/main" id="{F9D589D0-9A31-6159-6156-BADC3C4581CF}"/>
+              </a:ext>
+            </a:extLst>
+          </p:cNvPr>
+          <p:cNvSpPr txBox="1"/>
+          <p:nvPr userDrawn="1"/>
+        </p:nvSpPr>
+        <p:spPr>
+          <a:xfrm>
+            <a:off x="3453661" y="8762415"/>
+            <a:ext cx="13805639" cy="495935"/>
+          </a:xfrm>
+          <a:prstGeom prst="rect">
+            <a:avLst/>
+          </a:prstGeom>
+        </p:spPr>
+        <p:txBody>
+          <a:bodyPr lIns="0" tIns="0" rIns="0" bIns="0" rtlCol="0" anchor="t">
+            <a:spAutoFit/>
+          </a:bodyPr>
+          <a:lstStyle/>
+          <a:p>
+            <a:pPr algn="just">
+              <a:lnSpc>
+                <a:spcPts val="3640"/>
+              </a:lnSpc>
+            </a:pPr>
+            <a:r>
+              <a:rPr lang="en-US" sz="2600" b="1" spc="-52">
+                <a:solidFill>
+                  <a:srgbClr val="F7F7F7"/>
+                </a:solidFill>
+                <a:latin typeface="Arial Bold"/>
+                <a:ea typeface="Arial Bold"/>
+                <a:cs typeface="Arial Bold"/>
+                <a:sym typeface="Arial Bold"/>
+              </a:rPr>
+              <a:t>Avishek Dutta • Md. Ishrak Mashroor • Ashab Mahmud Raseen • Sneha Nandy</a:t>
+            </a:r>
+          </a:p>
+        </p:txBody>
+      </p:sp>
+      <p:sp>
+        <p:nvSpPr>
+          <p:cNvPr id="14" name="TextBox 12">
+            <a:extLst>
+              <a:ext uri="{FF2B5EF4-FFF2-40B4-BE49-F238E27FC236}">
+                <a16:creationId xmlns:a16="http://schemas.microsoft.com/office/drawing/2014/main" id="{534F3A79-1480-7D8D-D344-61EBEADEDBDA}"/>
+              </a:ext>
+            </a:extLst>
+          </p:cNvPr>
+          <p:cNvSpPr txBox="1"/>
+          <p:nvPr userDrawn="1"/>
+        </p:nvSpPr>
+        <p:spPr>
+          <a:xfrm>
+            <a:off x="14276612" y="923925"/>
+            <a:ext cx="2982688" cy="495935"/>
+          </a:xfrm>
+          <a:prstGeom prst="rect">
+            <a:avLst/>
+          </a:prstGeom>
+        </p:spPr>
+        <p:txBody>
+          <a:bodyPr lIns="0" tIns="0" rIns="0" bIns="0" rtlCol="0" anchor="t">
+            <a:spAutoFit/>
+          </a:bodyPr>
+          <a:lstStyle/>
+          <a:p>
+            <a:pPr algn="r">
+              <a:lnSpc>
+                <a:spcPts val="3640"/>
+              </a:lnSpc>
+            </a:pPr>
+            <a:r>
+              <a:rPr lang="en-US" sz="2600" b="1" spc="-52">
+                <a:solidFill>
+                  <a:srgbClr val="F7F7F7"/>
+                </a:solidFill>
+                <a:latin typeface="Arial Bold"/>
+                <a:ea typeface="Arial Bold"/>
+                <a:cs typeface="Arial Bold"/>
+                <a:sym typeface="Arial Bold"/>
+              </a:rPr>
+              <a:t>TicTacX</a:t>
+            </a:r>
           </a:p>
         </p:txBody>
       </p:sp>
@@ -3132,59 +3640,6 @@
       </p:grpSpPr>
       <p:sp>
         <p:nvSpPr>
-          <p:cNvPr id="2" name="Freeform 2"/>
-          <p:cNvSpPr/>
-          <p:nvPr/>
-        </p:nvSpPr>
-        <p:spPr>
-          <a:xfrm>
-            <a:off x="0" y="0"/>
-            <a:ext cx="18288000" cy="10287000"/>
-          </a:xfrm>
-          <a:custGeom>
-            <a:avLst/>
-            <a:gdLst/>
-            <a:ahLst/>
-            <a:cxnLst/>
-            <a:rect l="l" t="t" r="r" b="b"/>
-            <a:pathLst>
-              <a:path w="18288000" h="10287000">
-                <a:moveTo>
-                  <a:pt x="0" y="0"/>
-                </a:moveTo>
-                <a:lnTo>
-                  <a:pt x="18288000" y="0"/>
-                </a:lnTo>
-                <a:lnTo>
-                  <a:pt x="18288000" y="10287000"/>
-                </a:lnTo>
-                <a:lnTo>
-                  <a:pt x="0" y="10287000"/>
-                </a:lnTo>
-                <a:lnTo>
-                  <a:pt x="0" y="0"/>
-                </a:lnTo>
-                <a:close/>
-              </a:path>
-            </a:pathLst>
-          </a:custGeom>
-          <a:blipFill>
-            <a:blip r:embed="rId2"/>
-            <a:stretch>
-              <a:fillRect t="-9222" b="-9222"/>
-            </a:stretch>
-          </a:blipFill>
-        </p:spPr>
-        <p:txBody>
-          <a:bodyPr/>
-          <a:lstStyle/>
-          <a:p>
-            <a:endParaRPr lang="en-US"/>
-          </a:p>
-        </p:txBody>
-      </p:sp>
-      <p:sp>
-        <p:nvSpPr>
           <p:cNvPr id="3" name="TextBox 3"/>
           <p:cNvSpPr txBox="1"/>
           <p:nvPr/>
@@ -3402,170 +3857,6 @@
                 <a:sym typeface="Arial Bold"/>
               </a:rPr>
               <a:t>CSE115.4 | Group 4</a:t>
-            </a:r>
-          </a:p>
-        </p:txBody>
-      </p:sp>
-      <p:sp>
-        <p:nvSpPr>
-          <p:cNvPr id="9" name="TextBox 9"/>
-          <p:cNvSpPr txBox="1"/>
-          <p:nvPr/>
-        </p:nvSpPr>
-        <p:spPr>
-          <a:xfrm>
-            <a:off x="1028700" y="923925"/>
-            <a:ext cx="3238500" cy="422167"/>
-          </a:xfrm>
-          <a:prstGeom prst="rect">
-            <a:avLst/>
-          </a:prstGeom>
-        </p:spPr>
-        <p:txBody>
-          <a:bodyPr wrap="square" lIns="0" tIns="0" rIns="0" bIns="0" rtlCol="0" anchor="t">
-            <a:spAutoFit/>
-          </a:bodyPr>
-          <a:lstStyle/>
-          <a:p>
-            <a:pPr algn="just">
-              <a:lnSpc>
-                <a:spcPts val="3640"/>
-              </a:lnSpc>
-            </a:pPr>
-            <a:r>
-              <a:rPr lang="en-US" sz="2600" b="1" spc="-52" dirty="0">
-                <a:solidFill>
-                  <a:srgbClr val="F7F7F7"/>
-                </a:solidFill>
-                <a:latin typeface="Arial Bold"/>
-                <a:ea typeface="Arial Bold"/>
-                <a:cs typeface="Arial Bold"/>
-                <a:sym typeface="Arial Bold"/>
-              </a:rPr>
-              <a:t>CSE 115.4 | Group 2</a:t>
-            </a:r>
-          </a:p>
-        </p:txBody>
-      </p:sp>
-      <p:sp>
-        <p:nvSpPr>
-          <p:cNvPr id="10" name="TextBox 10"/>
-          <p:cNvSpPr txBox="1"/>
-          <p:nvPr/>
-        </p:nvSpPr>
-        <p:spPr>
-          <a:xfrm>
-            <a:off x="1028700" y="8762415"/>
-            <a:ext cx="2424961" cy="495935"/>
-          </a:xfrm>
-          <a:prstGeom prst="rect">
-            <a:avLst/>
-          </a:prstGeom>
-        </p:spPr>
-        <p:txBody>
-          <a:bodyPr lIns="0" tIns="0" rIns="0" bIns="0" rtlCol="0" anchor="t">
-            <a:spAutoFit/>
-          </a:bodyPr>
-          <a:lstStyle/>
-          <a:p>
-            <a:pPr algn="l">
-              <a:lnSpc>
-                <a:spcPts val="3640"/>
-              </a:lnSpc>
-            </a:pPr>
-            <a:r>
-              <a:rPr lang="en-US" sz="2600" i="1">
-                <a:solidFill>
-                  <a:srgbClr val="F7F7F7"/>
-                </a:solidFill>
-                <a:latin typeface="Arial Italics"/>
-                <a:ea typeface="Arial Italics"/>
-                <a:cs typeface="Arial Italics"/>
-                <a:sym typeface="Arial Italics"/>
-              </a:rPr>
-              <a:t>Presented by</a:t>
-            </a:r>
-          </a:p>
-        </p:txBody>
-      </p:sp>
-      <p:sp>
-        <p:nvSpPr>
-          <p:cNvPr id="11" name="TextBox 11"/>
-          <p:cNvSpPr txBox="1"/>
-          <p:nvPr/>
-        </p:nvSpPr>
-        <p:spPr>
-          <a:xfrm>
-            <a:off x="3453661" y="8762415"/>
-            <a:ext cx="13805639" cy="495935"/>
-          </a:xfrm>
-          <a:prstGeom prst="rect">
-            <a:avLst/>
-          </a:prstGeom>
-        </p:spPr>
-        <p:txBody>
-          <a:bodyPr lIns="0" tIns="0" rIns="0" bIns="0" rtlCol="0" anchor="t">
-            <a:spAutoFit/>
-          </a:bodyPr>
-          <a:lstStyle/>
-          <a:p>
-            <a:pPr algn="just">
-              <a:lnSpc>
-                <a:spcPts val="3640"/>
-              </a:lnSpc>
-            </a:pPr>
-            <a:r>
-              <a:rPr lang="en-US" sz="2600" b="1" spc="-52">
-                <a:solidFill>
-                  <a:srgbClr val="F7F7F7"/>
-                </a:solidFill>
-                <a:latin typeface="Arial Bold"/>
-                <a:ea typeface="Arial Bold"/>
-                <a:cs typeface="Arial Bold"/>
-                <a:sym typeface="Arial Bold"/>
-              </a:rPr>
-              <a:t>Avishek Dutta • Md. Ishrak Mashroor • Ashab Mahmud Raseen • Sneha Nandy</a:t>
-            </a:r>
-          </a:p>
-        </p:txBody>
-      </p:sp>
-      <p:sp>
-        <p:nvSpPr>
-          <p:cNvPr id="12" name="TextBox 12"/>
-          <p:cNvSpPr txBox="1"/>
-          <p:nvPr/>
-        </p:nvSpPr>
-        <p:spPr>
-          <a:xfrm>
-            <a:off x="14276612" y="923925"/>
-            <a:ext cx="2982688" cy="495935"/>
-          </a:xfrm>
-          <a:prstGeom prst="rect">
-            <a:avLst/>
-          </a:prstGeom>
-        </p:spPr>
-        <p:txBody>
-          <a:bodyPr lIns="0" tIns="0" rIns="0" bIns="0" rtlCol="0" anchor="t">
-            <a:spAutoFit/>
-          </a:bodyPr>
-          <a:lstStyle/>
-          <a:p>
-            <a:pPr algn="r">
-              <a:lnSpc>
-                <a:spcPts val="3640"/>
-              </a:lnSpc>
-            </a:pPr>
-            <a:r>
-              <a:rPr lang="en-US" sz="2600" b="1" spc="-52">
-                <a:solidFill>
-                  <a:srgbClr val="F7F7F7"/>
-                </a:solidFill>
-                <a:latin typeface="Arial Bold"/>
-                <a:ea typeface="Arial Bold"/>
-                <a:cs typeface="Arial Bold"/>
-                <a:sym typeface="Arial Bold"/>
-              </a:rPr>
-              <a:t>TicTacX</a:t>
             </a:r>
           </a:p>
         </p:txBody>
@@ -7178,14 +7469,14 @@
         <p:spPr>
           <a:xfrm>
             <a:off x="1028700" y="1456055"/>
-            <a:ext cx="6994327" cy="1369695"/>
+            <a:ext cx="6994327" cy="2476832"/>
           </a:xfrm>
           <a:prstGeom prst="rect">
             <a:avLst/>
           </a:prstGeom>
         </p:spPr>
         <p:txBody>
-          <a:bodyPr lIns="0" tIns="0" rIns="0" bIns="0" rtlCol="0" anchor="t">
+          <a:bodyPr wrap="square" lIns="0" tIns="0" rIns="0" bIns="0" rtlCol="0" anchor="t">
             <a:spAutoFit/>
           </a:bodyPr>
           <a:lstStyle/>
@@ -7196,7 +7487,7 @@
               </a:lnSpc>
             </a:pPr>
             <a:r>
-              <a:rPr lang="en-US" sz="7200" b="1">
+              <a:rPr lang="en-US" sz="7200" b="1" dirty="0">
                 <a:solidFill>
                   <a:srgbClr val="F7F7F7"/>
                 </a:solidFill>

--- a/others/TicTacX.pptx
+++ b/others/TicTacX.pptx
@@ -160,7 +160,7 @@
   <pc:docChgLst>
     <pc:chgData name="Md Ishrak Mashroor" userId="e451b154c326eb62" providerId="LiveId" clId="{CEA78450-4F91-469D-B8F2-4266BBE6DA38}"/>
     <pc:docChg chg="undo custSel modSld modMainMaster">
-      <pc:chgData name="Md Ishrak Mashroor" userId="e451b154c326eb62" providerId="LiveId" clId="{CEA78450-4F91-469D-B8F2-4266BBE6DA38}" dt="2025-08-11T17:54:42.792" v="21" actId="478"/>
+      <pc:chgData name="Md Ishrak Mashroor" userId="e451b154c326eb62" providerId="LiveId" clId="{CEA78450-4F91-469D-B8F2-4266BBE6DA38}" dt="2025-08-11T18:19:30.782" v="22" actId="1076"/>
       <pc:docMkLst>
         <pc:docMk/>
       </pc:docMkLst>
@@ -248,6 +248,21 @@
             <ac:spMk id="6" creationId="{00000000-0000-0000-0000-000000000000}"/>
           </ac:spMkLst>
         </pc:spChg>
+      </pc:sldChg>
+      <pc:sldChg chg="modSp mod">
+        <pc:chgData name="Md Ishrak Mashroor" userId="e451b154c326eb62" providerId="LiveId" clId="{CEA78450-4F91-469D-B8F2-4266BBE6DA38}" dt="2025-08-11T18:19:30.782" v="22" actId="1076"/>
+        <pc:sldMkLst>
+          <pc:docMk/>
+          <pc:sldMk cId="0" sldId="268"/>
+        </pc:sldMkLst>
+        <pc:grpChg chg="mod">
+          <ac:chgData name="Md Ishrak Mashroor" userId="e451b154c326eb62" providerId="LiveId" clId="{CEA78450-4F91-469D-B8F2-4266BBE6DA38}" dt="2025-08-11T18:19:30.782" v="22" actId="1076"/>
+          <ac:grpSpMkLst>
+            <pc:docMk/>
+            <pc:sldMk cId="0" sldId="268"/>
+            <ac:grpSpMk id="15" creationId="{00000000-0000-0000-0000-000000000000}"/>
+          </ac:grpSpMkLst>
+        </pc:grpChg>
       </pc:sldChg>
       <pc:sldMasterChg chg="addSp modSp modSldLayout">
         <pc:chgData name="Md Ishrak Mashroor" userId="e451b154c326eb62" providerId="LiveId" clId="{CEA78450-4F91-469D-B8F2-4266BBE6DA38}" dt="2025-08-11T17:53:55.450" v="17"/>
@@ -632,7 +647,7 @@
             <a:fld id="{1D8BD707-D9CF-40AE-B4C6-C98DA3205C09}" type="datetimeFigureOut">
               <a:rPr lang="en-US" smtClean="0"/>
               <a:pPr/>
-              <a:t>8/11/2025</a:t>
+              <a:t>8/12/2025</a:t>
             </a:fld>
             <a:endParaRPr lang="en-US"/>
           </a:p>
@@ -797,7 +812,7 @@
             <a:fld id="{1D8BD707-D9CF-40AE-B4C6-C98DA3205C09}" type="datetimeFigureOut">
               <a:rPr lang="en-US" smtClean="0"/>
               <a:pPr/>
-              <a:t>8/11/2025</a:t>
+              <a:t>8/12/2025</a:t>
             </a:fld>
             <a:endParaRPr lang="en-US"/>
           </a:p>
@@ -972,7 +987,7 @@
             <a:fld id="{1D8BD707-D9CF-40AE-B4C6-C98DA3205C09}" type="datetimeFigureOut">
               <a:rPr lang="en-US" smtClean="0"/>
               <a:pPr/>
-              <a:t>8/11/2025</a:t>
+              <a:t>8/12/2025</a:t>
             </a:fld>
             <a:endParaRPr lang="en-US"/>
           </a:p>
@@ -1137,7 +1152,7 @@
             <a:fld id="{1D8BD707-D9CF-40AE-B4C6-C98DA3205C09}" type="datetimeFigureOut">
               <a:rPr lang="en-US" smtClean="0"/>
               <a:pPr/>
-              <a:t>8/11/2025</a:t>
+              <a:t>8/12/2025</a:t>
             </a:fld>
             <a:endParaRPr lang="en-US"/>
           </a:p>
@@ -1379,7 +1394,7 @@
             <a:fld id="{1D8BD707-D9CF-40AE-B4C6-C98DA3205C09}" type="datetimeFigureOut">
               <a:rPr lang="en-US" smtClean="0"/>
               <a:pPr/>
-              <a:t>8/11/2025</a:t>
+              <a:t>8/12/2025</a:t>
             </a:fld>
             <a:endParaRPr lang="en-US"/>
           </a:p>
@@ -1661,7 +1676,7 @@
             <a:fld id="{1D8BD707-D9CF-40AE-B4C6-C98DA3205C09}" type="datetimeFigureOut">
               <a:rPr lang="en-US" smtClean="0"/>
               <a:pPr/>
-              <a:t>8/11/2025</a:t>
+              <a:t>8/12/2025</a:t>
             </a:fld>
             <a:endParaRPr lang="en-US"/>
           </a:p>
@@ -2077,7 +2092,7 @@
             <a:fld id="{1D8BD707-D9CF-40AE-B4C6-C98DA3205C09}" type="datetimeFigureOut">
               <a:rPr lang="en-US" smtClean="0"/>
               <a:pPr/>
-              <a:t>8/11/2025</a:t>
+              <a:t>8/12/2025</a:t>
             </a:fld>
             <a:endParaRPr lang="en-US"/>
           </a:p>
@@ -2191,7 +2206,7 @@
             <a:fld id="{1D8BD707-D9CF-40AE-B4C6-C98DA3205C09}" type="datetimeFigureOut">
               <a:rPr lang="en-US" smtClean="0"/>
               <a:pPr/>
-              <a:t>8/11/2025</a:t>
+              <a:t>8/12/2025</a:t>
             </a:fld>
             <a:endParaRPr lang="en-US"/>
           </a:p>
@@ -2283,7 +2298,7 @@
             <a:fld id="{1D8BD707-D9CF-40AE-B4C6-C98DA3205C09}" type="datetimeFigureOut">
               <a:rPr lang="en-US" smtClean="0"/>
               <a:pPr/>
-              <a:t>8/11/2025</a:t>
+              <a:t>8/12/2025</a:t>
             </a:fld>
             <a:endParaRPr lang="en-US"/>
           </a:p>
@@ -2802,7 +2817,7 @@
             <a:fld id="{1D8BD707-D9CF-40AE-B4C6-C98DA3205C09}" type="datetimeFigureOut">
               <a:rPr lang="en-US" smtClean="0"/>
               <a:pPr/>
-              <a:t>8/11/2025</a:t>
+              <a:t>8/12/2025</a:t>
             </a:fld>
             <a:endParaRPr lang="en-US"/>
           </a:p>
@@ -3051,7 +3066,7 @@
             <a:fld id="{1D8BD707-D9CF-40AE-B4C6-C98DA3205C09}" type="datetimeFigureOut">
               <a:rPr lang="en-US" smtClean="0"/>
               <a:pPr/>
-              <a:t>8/11/2025</a:t>
+              <a:t>8/12/2025</a:t>
             </a:fld>
             <a:endParaRPr lang="en-US"/>
           </a:p>
@@ -3259,7 +3274,7 @@
             <a:fld id="{1D8BD707-D9CF-40AE-B4C6-C98DA3205C09}" type="datetimeFigureOut">
               <a:rPr lang="en-US" smtClean="0"/>
               <a:pPr/>
-              <a:t>8/11/2025</a:t>
+              <a:t>8/12/2025</a:t>
             </a:fld>
             <a:endParaRPr lang="en-US"/>
           </a:p>
@@ -5649,7 +5664,7 @@
               </a:spcBef>
             </a:pPr>
             <a:r>
-              <a:rPr lang="en-US" sz="3199" b="1" spc="-63">
+              <a:rPr lang="en-US" sz="3199" b="1" spc="-63" dirty="0">
                 <a:solidFill>
                   <a:srgbClr val="F7F7F7"/>
                 </a:solidFill>
@@ -5777,7 +5792,7 @@
         </p:nvGrpSpPr>
         <p:grpSpPr>
           <a:xfrm rot="-5400000">
-            <a:off x="12444682" y="2677255"/>
+            <a:off x="12341153" y="2661901"/>
             <a:ext cx="4084088" cy="4381078"/>
             <a:chOff x="0" y="0"/>
             <a:chExt cx="1075645" cy="1153864"/>

--- a/others/TicTacX.pptx
+++ b/others/TicTacX.pptx
@@ -6,8 +6,8 @@
   </p:sldMasterIdLst>
   <p:sldIdLst>
     <p:sldId id="256" r:id="rId2"/>
-    <p:sldId id="257" r:id="rId3"/>
-    <p:sldId id="258" r:id="rId4"/>
+    <p:sldId id="258" r:id="rId3"/>
+    <p:sldId id="257" r:id="rId4"/>
     <p:sldId id="259" r:id="rId5"/>
     <p:sldId id="260" r:id="rId6"/>
     <p:sldId id="261" r:id="rId7"/>
@@ -150,7 +150,7 @@
 <file path=ppt/revisionInfo.xml><?xml version="1.0" encoding="utf-8"?>
 <p1510:revInfo xmlns:a="http://schemas.openxmlformats.org/drawingml/2006/main" xmlns:r="http://schemas.openxmlformats.org/officeDocument/2006/relationships" xmlns:p1510="http://schemas.microsoft.com/office/powerpoint/2015/10/main">
   <p1510:revLst>
-    <p1510:client id="{CEA78450-4F91-469D-B8F2-4266BBE6DA38}" v="8" dt="2025-08-11T17:54:28.492"/>
+    <p1510:client id="{CEA78450-4F91-469D-B8F2-4266BBE6DA38}" v="10" dt="2025-08-12T19:39:40.231"/>
   </p1510:revLst>
 </p1510:revInfo>
 </file>
@@ -159,13 +159,13 @@
 <pc:chgInfo xmlns:a="http://schemas.openxmlformats.org/drawingml/2006/main" xmlns:r="http://schemas.openxmlformats.org/officeDocument/2006/relationships" xmlns:ac="http://schemas.microsoft.com/office/drawing/2013/main/command" xmlns:pc="http://schemas.microsoft.com/office/powerpoint/2013/main/command">
   <pc:docChgLst>
     <pc:chgData name="Md Ishrak Mashroor" userId="e451b154c326eb62" providerId="LiveId" clId="{CEA78450-4F91-469D-B8F2-4266BBE6DA38}"/>
-    <pc:docChg chg="undo custSel modSld modMainMaster">
-      <pc:chgData name="Md Ishrak Mashroor" userId="e451b154c326eb62" providerId="LiveId" clId="{CEA78450-4F91-469D-B8F2-4266BBE6DA38}" dt="2025-08-11T18:19:30.782" v="22" actId="1076"/>
+    <pc:docChg chg="undo custSel modSld sldOrd modMainMaster">
+      <pc:chgData name="Md Ishrak Mashroor" userId="e451b154c326eb62" providerId="LiveId" clId="{CEA78450-4F91-469D-B8F2-4266BBE6DA38}" dt="2025-08-12T19:47:34.792" v="268"/>
       <pc:docMkLst>
         <pc:docMk/>
       </pc:docMkLst>
       <pc:sldChg chg="addSp delSp modSp mod">
-        <pc:chgData name="Md Ishrak Mashroor" userId="e451b154c326eb62" providerId="LiveId" clId="{CEA78450-4F91-469D-B8F2-4266BBE6DA38}" dt="2025-08-11T17:54:42.792" v="21" actId="478"/>
+        <pc:chgData name="Md Ishrak Mashroor" userId="e451b154c326eb62" providerId="LiveId" clId="{CEA78450-4F91-469D-B8F2-4266BBE6DA38}" dt="2025-08-12T19:28:14.950" v="29" actId="1076"/>
         <pc:sldMkLst>
           <pc:docMk/>
           <pc:sldMk cId="0" sldId="256"/>
@@ -176,6 +176,14 @@
             <pc:docMk/>
             <pc:sldMk cId="0" sldId="256"/>
             <ac:spMk id="2" creationId="{00000000-0000-0000-0000-000000000000}"/>
+          </ac:spMkLst>
+        </pc:spChg>
+        <pc:spChg chg="mod">
+          <ac:chgData name="Md Ishrak Mashroor" userId="e451b154c326eb62" providerId="LiveId" clId="{CEA78450-4F91-469D-B8F2-4266BBE6DA38}" dt="2025-08-12T19:28:14.950" v="29" actId="1076"/>
+          <ac:spMkLst>
+            <pc:docMk/>
+            <pc:sldMk cId="0" sldId="256"/>
+            <ac:spMk id="8" creationId="{00000000-0000-0000-0000-000000000000}"/>
           </ac:spMkLst>
         </pc:spChg>
         <pc:spChg chg="add del mod">
@@ -218,9 +226,17 @@
             <ac:spMk id="13" creationId="{95BDB542-AE66-9604-86B8-8EDCDE226610}"/>
           </ac:spMkLst>
         </pc:spChg>
+        <pc:grpChg chg="mod">
+          <ac:chgData name="Md Ishrak Mashroor" userId="e451b154c326eb62" providerId="LiveId" clId="{CEA78450-4F91-469D-B8F2-4266BBE6DA38}" dt="2025-08-12T19:28:10.067" v="28" actId="1076"/>
+          <ac:grpSpMkLst>
+            <pc:docMk/>
+            <pc:sldMk cId="0" sldId="256"/>
+            <ac:grpSpMk id="5" creationId="{00000000-0000-0000-0000-000000000000}"/>
+          </ac:grpSpMkLst>
+        </pc:grpChg>
       </pc:sldChg>
       <pc:sldChg chg="modSp mod">
-        <pc:chgData name="Md Ishrak Mashroor" userId="e451b154c326eb62" providerId="LiveId" clId="{CEA78450-4F91-469D-B8F2-4266BBE6DA38}" dt="2025-08-11T17:48:06.172" v="9" actId="14100"/>
+        <pc:chgData name="Md Ishrak Mashroor" userId="e451b154c326eb62" providerId="LiveId" clId="{CEA78450-4F91-469D-B8F2-4266BBE6DA38}" dt="2025-08-12T19:28:29.090" v="39" actId="20577"/>
         <pc:sldMkLst>
           <pc:docMk/>
           <pc:sldMk cId="0" sldId="257"/>
@@ -233,34 +249,927 @@
             <ac:spMk id="3" creationId="{00000000-0000-0000-0000-000000000000}"/>
           </ac:spMkLst>
         </pc:spChg>
+        <pc:spChg chg="mod">
+          <ac:chgData name="Md Ishrak Mashroor" userId="e451b154c326eb62" providerId="LiveId" clId="{CEA78450-4F91-469D-B8F2-4266BBE6DA38}" dt="2025-08-12T19:28:29.090" v="39" actId="20577"/>
+          <ac:spMkLst>
+            <pc:docMk/>
+            <pc:sldMk cId="0" sldId="257"/>
+            <ac:spMk id="7" creationId="{00000000-0000-0000-0000-000000000000}"/>
+          </ac:spMkLst>
+        </pc:spChg>
       </pc:sldChg>
-      <pc:sldChg chg="modSp mod">
-        <pc:chgData name="Md Ishrak Mashroor" userId="e451b154c326eb62" providerId="LiveId" clId="{CEA78450-4F91-469D-B8F2-4266BBE6DA38}" dt="2025-08-11T17:53:41.195" v="16" actId="14100"/>
+      <pc:sldChg chg="delSp modSp mod ord">
+        <pc:chgData name="Md Ishrak Mashroor" userId="e451b154c326eb62" providerId="LiveId" clId="{CEA78450-4F91-469D-B8F2-4266BBE6DA38}" dt="2025-08-12T19:47:34.792" v="268"/>
         <pc:sldMkLst>
           <pc:docMk/>
           <pc:sldMk cId="0" sldId="258"/>
         </pc:sldMkLst>
+        <pc:spChg chg="del">
+          <ac:chgData name="Md Ishrak Mashroor" userId="e451b154c326eb62" providerId="LiveId" clId="{CEA78450-4F91-469D-B8F2-4266BBE6DA38}" dt="2025-08-12T19:29:03.653" v="44" actId="478"/>
+          <ac:spMkLst>
+            <pc:docMk/>
+            <pc:sldMk cId="0" sldId="258"/>
+            <ac:spMk id="2" creationId="{00000000-0000-0000-0000-000000000000}"/>
+          </ac:spMkLst>
+        </pc:spChg>
+        <pc:spChg chg="del mod">
+          <ac:chgData name="Md Ishrak Mashroor" userId="e451b154c326eb62" providerId="LiveId" clId="{CEA78450-4F91-469D-B8F2-4266BBE6DA38}" dt="2025-08-12T19:29:08.302" v="46" actId="478"/>
+          <ac:spMkLst>
+            <pc:docMk/>
+            <pc:sldMk cId="0" sldId="258"/>
+            <ac:spMk id="3" creationId="{00000000-0000-0000-0000-000000000000}"/>
+          </ac:spMkLst>
+        </pc:spChg>
+        <pc:spChg chg="del mod">
+          <ac:chgData name="Md Ishrak Mashroor" userId="e451b154c326eb62" providerId="LiveId" clId="{CEA78450-4F91-469D-B8F2-4266BBE6DA38}" dt="2025-08-12T19:29:30.046" v="56"/>
+          <ac:spMkLst>
+            <pc:docMk/>
+            <pc:sldMk cId="0" sldId="258"/>
+            <ac:spMk id="4" creationId="{00000000-0000-0000-0000-000000000000}"/>
+          </ac:spMkLst>
+        </pc:spChg>
+        <pc:spChg chg="del mod">
+          <ac:chgData name="Md Ishrak Mashroor" userId="e451b154c326eb62" providerId="LiveId" clId="{CEA78450-4F91-469D-B8F2-4266BBE6DA38}" dt="2025-08-12T19:29:15.004" v="48" actId="478"/>
+          <ac:spMkLst>
+            <pc:docMk/>
+            <pc:sldMk cId="0" sldId="258"/>
+            <ac:spMk id="5" creationId="{00000000-0000-0000-0000-000000000000}"/>
+          </ac:spMkLst>
+        </pc:spChg>
         <pc:spChg chg="mod">
-          <ac:chgData name="Md Ishrak Mashroor" userId="e451b154c326eb62" providerId="LiveId" clId="{CEA78450-4F91-469D-B8F2-4266BBE6DA38}" dt="2025-08-11T17:53:41.195" v="16" actId="14100"/>
+          <ac:chgData name="Md Ishrak Mashroor" userId="e451b154c326eb62" providerId="LiveId" clId="{CEA78450-4F91-469D-B8F2-4266BBE6DA38}" dt="2025-08-12T19:28:40.112" v="40" actId="14100"/>
           <ac:spMkLst>
             <pc:docMk/>
             <pc:sldMk cId="0" sldId="258"/>
             <ac:spMk id="6" creationId="{00000000-0000-0000-0000-000000000000}"/>
           </ac:spMkLst>
         </pc:spChg>
+        <pc:spChg chg="del mod">
+          <ac:chgData name="Md Ishrak Mashroor" userId="e451b154c326eb62" providerId="LiveId" clId="{CEA78450-4F91-469D-B8F2-4266BBE6DA38}" dt="2025-08-12T19:29:21.610" v="50" actId="478"/>
+          <ac:spMkLst>
+            <pc:docMk/>
+            <pc:sldMk cId="0" sldId="258"/>
+            <ac:spMk id="8" creationId="{00000000-0000-0000-0000-000000000000}"/>
+          </ac:spMkLst>
+        </pc:spChg>
+      </pc:sldChg>
+      <pc:sldChg chg="delSp modSp mod">
+        <pc:chgData name="Md Ishrak Mashroor" userId="e451b154c326eb62" providerId="LiveId" clId="{CEA78450-4F91-469D-B8F2-4266BBE6DA38}" dt="2025-08-12T19:31:20.373" v="113" actId="14100"/>
+        <pc:sldMkLst>
+          <pc:docMk/>
+          <pc:sldMk cId="0" sldId="259"/>
+        </pc:sldMkLst>
+        <pc:spChg chg="del mod">
+          <ac:chgData name="Md Ishrak Mashroor" userId="e451b154c326eb62" providerId="LiveId" clId="{CEA78450-4F91-469D-B8F2-4266BBE6DA38}" dt="2025-08-12T19:29:55.169" v="61" actId="478"/>
+          <ac:spMkLst>
+            <pc:docMk/>
+            <pc:sldMk cId="0" sldId="259"/>
+            <ac:spMk id="2" creationId="{00000000-0000-0000-0000-000000000000}"/>
+          </ac:spMkLst>
+        </pc:spChg>
+        <pc:spChg chg="mod">
+          <ac:chgData name="Md Ishrak Mashroor" userId="e451b154c326eb62" providerId="LiveId" clId="{CEA78450-4F91-469D-B8F2-4266BBE6DA38}" dt="2025-08-12T19:30:42.786" v="82" actId="14100"/>
+          <ac:spMkLst>
+            <pc:docMk/>
+            <pc:sldMk cId="0" sldId="259"/>
+            <ac:spMk id="7" creationId="{00000000-0000-0000-0000-000000000000}"/>
+          </ac:spMkLst>
+        </pc:spChg>
+        <pc:spChg chg="del mod">
+          <ac:chgData name="Md Ishrak Mashroor" userId="e451b154c326eb62" providerId="LiveId" clId="{CEA78450-4F91-469D-B8F2-4266BBE6DA38}" dt="2025-08-12T19:30:01.360" v="63" actId="478"/>
+          <ac:spMkLst>
+            <pc:docMk/>
+            <pc:sldMk cId="0" sldId="259"/>
+            <ac:spMk id="10" creationId="{00000000-0000-0000-0000-000000000000}"/>
+          </ac:spMkLst>
+        </pc:spChg>
+        <pc:spChg chg="del mod">
+          <ac:chgData name="Md Ishrak Mashroor" userId="e451b154c326eb62" providerId="LiveId" clId="{CEA78450-4F91-469D-B8F2-4266BBE6DA38}" dt="2025-08-12T19:30:19.874" v="79"/>
+          <ac:spMkLst>
+            <pc:docMk/>
+            <pc:sldMk cId="0" sldId="259"/>
+            <ac:spMk id="11" creationId="{00000000-0000-0000-0000-000000000000}"/>
+          </ac:spMkLst>
+        </pc:spChg>
+        <pc:spChg chg="del">
+          <ac:chgData name="Md Ishrak Mashroor" userId="e451b154c326eb62" providerId="LiveId" clId="{CEA78450-4F91-469D-B8F2-4266BBE6DA38}" dt="2025-08-12T19:30:05.631" v="64" actId="478"/>
+          <ac:spMkLst>
+            <pc:docMk/>
+            <pc:sldMk cId="0" sldId="259"/>
+            <ac:spMk id="12" creationId="{00000000-0000-0000-0000-000000000000}"/>
+          </ac:spMkLst>
+        </pc:spChg>
+        <pc:spChg chg="mod">
+          <ac:chgData name="Md Ishrak Mashroor" userId="e451b154c326eb62" providerId="LiveId" clId="{CEA78450-4F91-469D-B8F2-4266BBE6DA38}" dt="2025-08-12T19:30:23.270" v="80" actId="14100"/>
+          <ac:spMkLst>
+            <pc:docMk/>
+            <pc:sldMk cId="0" sldId="259"/>
+            <ac:spMk id="13" creationId="{00000000-0000-0000-0000-000000000000}"/>
+          </ac:spMkLst>
+        </pc:spChg>
+        <pc:spChg chg="del">
+          <ac:chgData name="Md Ishrak Mashroor" userId="e451b154c326eb62" providerId="LiveId" clId="{CEA78450-4F91-469D-B8F2-4266BBE6DA38}" dt="2025-08-12T19:30:09.420" v="65" actId="478"/>
+          <ac:spMkLst>
+            <pc:docMk/>
+            <pc:sldMk cId="0" sldId="259"/>
+            <ac:spMk id="14" creationId="{00000000-0000-0000-0000-000000000000}"/>
+          </ac:spMkLst>
+        </pc:spChg>
+        <pc:grpChg chg="mod">
+          <ac:chgData name="Md Ishrak Mashroor" userId="e451b154c326eb62" providerId="LiveId" clId="{CEA78450-4F91-469D-B8F2-4266BBE6DA38}" dt="2025-08-12T19:31:20.373" v="113" actId="14100"/>
+          <ac:grpSpMkLst>
+            <pc:docMk/>
+            <pc:sldMk cId="0" sldId="259"/>
+            <ac:grpSpMk id="3" creationId="{00000000-0000-0000-0000-000000000000}"/>
+          </ac:grpSpMkLst>
+        </pc:grpChg>
       </pc:sldChg>
       <pc:sldChg chg="modSp mod">
-        <pc:chgData name="Md Ishrak Mashroor" userId="e451b154c326eb62" providerId="LiveId" clId="{CEA78450-4F91-469D-B8F2-4266BBE6DA38}" dt="2025-08-11T18:19:30.782" v="22" actId="1076"/>
+        <pc:chgData name="Md Ishrak Mashroor" userId="e451b154c326eb62" providerId="LiveId" clId="{CEA78450-4F91-469D-B8F2-4266BBE6DA38}" dt="2025-08-12T19:32:09.458" v="126" actId="20577"/>
+        <pc:sldMkLst>
+          <pc:docMk/>
+          <pc:sldMk cId="0" sldId="260"/>
+        </pc:sldMkLst>
+        <pc:spChg chg="mod">
+          <ac:chgData name="Md Ishrak Mashroor" userId="e451b154c326eb62" providerId="LiveId" clId="{CEA78450-4F91-469D-B8F2-4266BBE6DA38}" dt="2025-08-12T19:31:41.781" v="118" actId="1076"/>
+          <ac:spMkLst>
+            <pc:docMk/>
+            <pc:sldMk cId="0" sldId="260"/>
+            <ac:spMk id="2" creationId="{00000000-0000-0000-0000-000000000000}"/>
+          </ac:spMkLst>
+        </pc:spChg>
+        <pc:spChg chg="mod">
+          <ac:chgData name="Md Ishrak Mashroor" userId="e451b154c326eb62" providerId="LiveId" clId="{CEA78450-4F91-469D-B8F2-4266BBE6DA38}" dt="2025-08-12T19:31:31.360" v="116" actId="20577"/>
+          <ac:spMkLst>
+            <pc:docMk/>
+            <pc:sldMk cId="0" sldId="260"/>
+            <ac:spMk id="3" creationId="{00000000-0000-0000-0000-000000000000}"/>
+          </ac:spMkLst>
+        </pc:spChg>
+        <pc:spChg chg="mod">
+          <ac:chgData name="Md Ishrak Mashroor" userId="e451b154c326eb62" providerId="LiveId" clId="{CEA78450-4F91-469D-B8F2-4266BBE6DA38}" dt="2025-08-12T19:31:58.061" v="124" actId="20577"/>
+          <ac:spMkLst>
+            <pc:docMk/>
+            <pc:sldMk cId="0" sldId="260"/>
+            <ac:spMk id="10" creationId="{00000000-0000-0000-0000-000000000000}"/>
+          </ac:spMkLst>
+        </pc:spChg>
+        <pc:spChg chg="mod">
+          <ac:chgData name="Md Ishrak Mashroor" userId="e451b154c326eb62" providerId="LiveId" clId="{CEA78450-4F91-469D-B8F2-4266BBE6DA38}" dt="2025-08-12T19:32:09.458" v="126" actId="20577"/>
+          <ac:spMkLst>
+            <pc:docMk/>
+            <pc:sldMk cId="0" sldId="260"/>
+            <ac:spMk id="13" creationId="{00000000-0000-0000-0000-000000000000}"/>
+          </ac:spMkLst>
+        </pc:spChg>
+        <pc:grpChg chg="mod">
+          <ac:chgData name="Md Ishrak Mashroor" userId="e451b154c326eb62" providerId="LiveId" clId="{CEA78450-4F91-469D-B8F2-4266BBE6DA38}" dt="2025-08-12T19:31:45.262" v="119" actId="1076"/>
+          <ac:grpSpMkLst>
+            <pc:docMk/>
+            <pc:sldMk cId="0" sldId="260"/>
+            <ac:grpSpMk id="8" creationId="{00000000-0000-0000-0000-000000000000}"/>
+          </ac:grpSpMkLst>
+        </pc:grpChg>
+      </pc:sldChg>
+      <pc:sldChg chg="delSp modSp mod">
+        <pc:chgData name="Md Ishrak Mashroor" userId="e451b154c326eb62" providerId="LiveId" clId="{CEA78450-4F91-469D-B8F2-4266BBE6DA38}" dt="2025-08-12T19:32:48.998" v="152" actId="14100"/>
+        <pc:sldMkLst>
+          <pc:docMk/>
+          <pc:sldMk cId="0" sldId="261"/>
+        </pc:sldMkLst>
+        <pc:spChg chg="del">
+          <ac:chgData name="Md Ishrak Mashroor" userId="e451b154c326eb62" providerId="LiveId" clId="{CEA78450-4F91-469D-B8F2-4266BBE6DA38}" dt="2025-08-12T19:32:27.652" v="127" actId="478"/>
+          <ac:spMkLst>
+            <pc:docMk/>
+            <pc:sldMk cId="0" sldId="261"/>
+            <ac:spMk id="2" creationId="{00000000-0000-0000-0000-000000000000}"/>
+          </ac:spMkLst>
+        </pc:spChg>
+        <pc:spChg chg="del mod">
+          <ac:chgData name="Md Ishrak Mashroor" userId="e451b154c326eb62" providerId="LiveId" clId="{CEA78450-4F91-469D-B8F2-4266BBE6DA38}" dt="2025-08-12T19:32:36.876" v="149"/>
+          <ac:spMkLst>
+            <pc:docMk/>
+            <pc:sldMk cId="0" sldId="261"/>
+            <ac:spMk id="3" creationId="{00000000-0000-0000-0000-000000000000}"/>
+          </ac:spMkLst>
+        </pc:spChg>
+        <pc:spChg chg="mod">
+          <ac:chgData name="Md Ishrak Mashroor" userId="e451b154c326eb62" providerId="LiveId" clId="{CEA78450-4F91-469D-B8F2-4266BBE6DA38}" dt="2025-08-12T19:32:48.998" v="152" actId="14100"/>
+          <ac:spMkLst>
+            <pc:docMk/>
+            <pc:sldMk cId="0" sldId="261"/>
+            <ac:spMk id="6" creationId="{00000000-0000-0000-0000-000000000000}"/>
+          </ac:spMkLst>
+        </pc:spChg>
+        <pc:spChg chg="mod">
+          <ac:chgData name="Md Ishrak Mashroor" userId="e451b154c326eb62" providerId="LiveId" clId="{CEA78450-4F91-469D-B8F2-4266BBE6DA38}" dt="2025-08-12T19:32:44.473" v="151" actId="20577"/>
+          <ac:spMkLst>
+            <pc:docMk/>
+            <pc:sldMk cId="0" sldId="261"/>
+            <ac:spMk id="8" creationId="{00000000-0000-0000-0000-000000000000}"/>
+          </ac:spMkLst>
+        </pc:spChg>
+      </pc:sldChg>
+      <pc:sldChg chg="delSp modSp mod">
+        <pc:chgData name="Md Ishrak Mashroor" userId="e451b154c326eb62" providerId="LiveId" clId="{CEA78450-4F91-469D-B8F2-4266BBE6DA38}" dt="2025-08-12T19:33:19.996" v="178" actId="478"/>
+        <pc:sldMkLst>
+          <pc:docMk/>
+          <pc:sldMk cId="0" sldId="262"/>
+        </pc:sldMkLst>
+        <pc:spChg chg="del">
+          <ac:chgData name="Md Ishrak Mashroor" userId="e451b154c326eb62" providerId="LiveId" clId="{CEA78450-4F91-469D-B8F2-4266BBE6DA38}" dt="2025-08-12T19:33:01.627" v="154" actId="478"/>
+          <ac:spMkLst>
+            <pc:docMk/>
+            <pc:sldMk cId="0" sldId="262"/>
+            <ac:spMk id="2" creationId="{00000000-0000-0000-0000-000000000000}"/>
+          </ac:spMkLst>
+        </pc:spChg>
+        <pc:spChg chg="del mod">
+          <ac:chgData name="Md Ishrak Mashroor" userId="e451b154c326eb62" providerId="LiveId" clId="{CEA78450-4F91-469D-B8F2-4266BBE6DA38}" dt="2025-08-12T19:33:08.517" v="176"/>
+          <ac:spMkLst>
+            <pc:docMk/>
+            <pc:sldMk cId="0" sldId="262"/>
+            <ac:spMk id="3" creationId="{00000000-0000-0000-0000-000000000000}"/>
+          </ac:spMkLst>
+        </pc:spChg>
+        <pc:spChg chg="del">
+          <ac:chgData name="Md Ishrak Mashroor" userId="e451b154c326eb62" providerId="LiveId" clId="{CEA78450-4F91-469D-B8F2-4266BBE6DA38}" dt="2025-08-12T19:33:19.996" v="178" actId="478"/>
+          <ac:spMkLst>
+            <pc:docMk/>
+            <pc:sldMk cId="0" sldId="262"/>
+            <ac:spMk id="4" creationId="{00000000-0000-0000-0000-000000000000}"/>
+          </ac:spMkLst>
+        </pc:spChg>
+        <pc:spChg chg="del">
+          <ac:chgData name="Md Ishrak Mashroor" userId="e451b154c326eb62" providerId="LiveId" clId="{CEA78450-4F91-469D-B8F2-4266BBE6DA38}" dt="2025-08-12T19:33:14.362" v="177" actId="478"/>
+          <ac:spMkLst>
+            <pc:docMk/>
+            <pc:sldMk cId="0" sldId="262"/>
+            <ac:spMk id="5" creationId="{00000000-0000-0000-0000-000000000000}"/>
+          </ac:spMkLst>
+        </pc:spChg>
+        <pc:spChg chg="mod">
+          <ac:chgData name="Md Ishrak Mashroor" userId="e451b154c326eb62" providerId="LiveId" clId="{CEA78450-4F91-469D-B8F2-4266BBE6DA38}" dt="2025-08-12T19:32:58.587" v="153" actId="14100"/>
+          <ac:spMkLst>
+            <pc:docMk/>
+            <pc:sldMk cId="0" sldId="262"/>
+            <ac:spMk id="6" creationId="{00000000-0000-0000-0000-000000000000}"/>
+          </ac:spMkLst>
+        </pc:spChg>
+        <pc:spChg chg="del">
+          <ac:chgData name="Md Ishrak Mashroor" userId="e451b154c326eb62" providerId="LiveId" clId="{CEA78450-4F91-469D-B8F2-4266BBE6DA38}" dt="2025-08-12T19:33:19.996" v="178" actId="478"/>
+          <ac:spMkLst>
+            <pc:docMk/>
+            <pc:sldMk cId="0" sldId="262"/>
+            <ac:spMk id="7" creationId="{00000000-0000-0000-0000-000000000000}"/>
+          </ac:spMkLst>
+        </pc:spChg>
+      </pc:sldChg>
+      <pc:sldChg chg="addSp delSp modSp mod">
+        <pc:chgData name="Md Ishrak Mashroor" userId="e451b154c326eb62" providerId="LiveId" clId="{CEA78450-4F91-469D-B8F2-4266BBE6DA38}" dt="2025-08-12T19:34:22.879" v="194" actId="1076"/>
+        <pc:sldMkLst>
+          <pc:docMk/>
+          <pc:sldMk cId="0" sldId="263"/>
+        </pc:sldMkLst>
+        <pc:spChg chg="del">
+          <ac:chgData name="Md Ishrak Mashroor" userId="e451b154c326eb62" providerId="LiveId" clId="{CEA78450-4F91-469D-B8F2-4266BBE6DA38}" dt="2025-08-12T19:33:24.757" v="179" actId="478"/>
+          <ac:spMkLst>
+            <pc:docMk/>
+            <pc:sldMk cId="0" sldId="263"/>
+            <ac:spMk id="2" creationId="{00000000-0000-0000-0000-000000000000}"/>
+          </ac:spMkLst>
+        </pc:spChg>
+        <pc:spChg chg="del">
+          <ac:chgData name="Md Ishrak Mashroor" userId="e451b154c326eb62" providerId="LiveId" clId="{CEA78450-4F91-469D-B8F2-4266BBE6DA38}" dt="2025-08-12T19:33:36.259" v="183" actId="478"/>
+          <ac:spMkLst>
+            <pc:docMk/>
+            <pc:sldMk cId="0" sldId="263"/>
+            <ac:spMk id="3" creationId="{00000000-0000-0000-0000-000000000000}"/>
+          </ac:spMkLst>
+        </pc:spChg>
+        <pc:spChg chg="del">
+          <ac:chgData name="Md Ishrak Mashroor" userId="e451b154c326eb62" providerId="LiveId" clId="{CEA78450-4F91-469D-B8F2-4266BBE6DA38}" dt="2025-08-12T19:33:30.045" v="181" actId="478"/>
+          <ac:spMkLst>
+            <pc:docMk/>
+            <pc:sldMk cId="0" sldId="263"/>
+            <ac:spMk id="4" creationId="{00000000-0000-0000-0000-000000000000}"/>
+          </ac:spMkLst>
+        </pc:spChg>
+        <pc:spChg chg="mod">
+          <ac:chgData name="Md Ishrak Mashroor" userId="e451b154c326eb62" providerId="LiveId" clId="{CEA78450-4F91-469D-B8F2-4266BBE6DA38}" dt="2025-08-12T19:33:33.363" v="182" actId="14100"/>
+          <ac:spMkLst>
+            <pc:docMk/>
+            <pc:sldMk cId="0" sldId="263"/>
+            <ac:spMk id="6" creationId="{00000000-0000-0000-0000-000000000000}"/>
+          </ac:spMkLst>
+        </pc:spChg>
+        <pc:spChg chg="del">
+          <ac:chgData name="Md Ishrak Mashroor" userId="e451b154c326eb62" providerId="LiveId" clId="{CEA78450-4F91-469D-B8F2-4266BBE6DA38}" dt="2025-08-12T19:33:30.045" v="181" actId="478"/>
+          <ac:spMkLst>
+            <pc:docMk/>
+            <pc:sldMk cId="0" sldId="263"/>
+            <ac:spMk id="7" creationId="{00000000-0000-0000-0000-000000000000}"/>
+          </ac:spMkLst>
+        </pc:spChg>
+        <pc:spChg chg="mod">
+          <ac:chgData name="Md Ishrak Mashroor" userId="e451b154c326eb62" providerId="LiveId" clId="{CEA78450-4F91-469D-B8F2-4266BBE6DA38}" dt="2025-08-12T19:34:02.919" v="188" actId="20577"/>
+          <ac:spMkLst>
+            <pc:docMk/>
+            <pc:sldMk cId="0" sldId="263"/>
+            <ac:spMk id="9" creationId="{00000000-0000-0000-0000-000000000000}"/>
+          </ac:spMkLst>
+        </pc:spChg>
+        <pc:spChg chg="mod">
+          <ac:chgData name="Md Ishrak Mashroor" userId="e451b154c326eb62" providerId="LiveId" clId="{CEA78450-4F91-469D-B8F2-4266BBE6DA38}" dt="2025-08-12T19:34:05.732" v="189" actId="20577"/>
+          <ac:spMkLst>
+            <pc:docMk/>
+            <pc:sldMk cId="0" sldId="263"/>
+            <ac:spMk id="10" creationId="{00000000-0000-0000-0000-000000000000}"/>
+          </ac:spMkLst>
+        </pc:spChg>
+        <pc:spChg chg="mod">
+          <ac:chgData name="Md Ishrak Mashroor" userId="e451b154c326eb62" providerId="LiveId" clId="{CEA78450-4F91-469D-B8F2-4266BBE6DA38}" dt="2025-08-12T19:34:11.520" v="190" actId="20577"/>
+          <ac:spMkLst>
+            <pc:docMk/>
+            <pc:sldMk cId="0" sldId="263"/>
+            <ac:spMk id="13" creationId="{00000000-0000-0000-0000-000000000000}"/>
+          </ac:spMkLst>
+        </pc:spChg>
+        <pc:spChg chg="mod">
+          <ac:chgData name="Md Ishrak Mashroor" userId="e451b154c326eb62" providerId="LiveId" clId="{CEA78450-4F91-469D-B8F2-4266BBE6DA38}" dt="2025-08-12T19:34:13.920" v="191" actId="20577"/>
+          <ac:spMkLst>
+            <pc:docMk/>
+            <pc:sldMk cId="0" sldId="263"/>
+            <ac:spMk id="16" creationId="{00000000-0000-0000-0000-000000000000}"/>
+          </ac:spMkLst>
+        </pc:spChg>
+        <pc:spChg chg="mod">
+          <ac:chgData name="Md Ishrak Mashroor" userId="e451b154c326eb62" providerId="LiveId" clId="{CEA78450-4F91-469D-B8F2-4266BBE6DA38}" dt="2025-08-12T19:34:15.570" v="192" actId="20577"/>
+          <ac:spMkLst>
+            <pc:docMk/>
+            <pc:sldMk cId="0" sldId="263"/>
+            <ac:spMk id="19" creationId="{00000000-0000-0000-0000-000000000000}"/>
+          </ac:spMkLst>
+        </pc:spChg>
+        <pc:spChg chg="mod">
+          <ac:chgData name="Md Ishrak Mashroor" userId="e451b154c326eb62" providerId="LiveId" clId="{CEA78450-4F91-469D-B8F2-4266BBE6DA38}" dt="2025-08-12T19:34:17.232" v="193" actId="20577"/>
+          <ac:spMkLst>
+            <pc:docMk/>
+            <pc:sldMk cId="0" sldId="263"/>
+            <ac:spMk id="22" creationId="{00000000-0000-0000-0000-000000000000}"/>
+          </ac:spMkLst>
+        </pc:spChg>
+        <pc:spChg chg="add del mod">
+          <ac:chgData name="Md Ishrak Mashroor" userId="e451b154c326eb62" providerId="LiveId" clId="{CEA78450-4F91-469D-B8F2-4266BBE6DA38}" dt="2025-08-12T19:33:30.045" v="181" actId="478"/>
+          <ac:spMkLst>
+            <pc:docMk/>
+            <pc:sldMk cId="0" sldId="263"/>
+            <ac:spMk id="41" creationId="{DCF1E8B6-14AD-CC8F-A3FC-1D77A14872E6}"/>
+          </ac:spMkLst>
+        </pc:spChg>
+        <pc:spChg chg="add del mod">
+          <ac:chgData name="Md Ishrak Mashroor" userId="e451b154c326eb62" providerId="LiveId" clId="{CEA78450-4F91-469D-B8F2-4266BBE6DA38}" dt="2025-08-12T19:33:30.045" v="181" actId="478"/>
+          <ac:spMkLst>
+            <pc:docMk/>
+            <pc:sldMk cId="0" sldId="263"/>
+            <ac:spMk id="42" creationId="{573DD296-91DC-F0BF-5482-C601EE09D2C5}"/>
+          </ac:spMkLst>
+        </pc:spChg>
+        <pc:grpChg chg="mod">
+          <ac:chgData name="Md Ishrak Mashroor" userId="e451b154c326eb62" providerId="LiveId" clId="{CEA78450-4F91-469D-B8F2-4266BBE6DA38}" dt="2025-08-12T19:34:22.879" v="194" actId="1076"/>
+          <ac:grpSpMkLst>
+            <pc:docMk/>
+            <pc:sldMk cId="0" sldId="263"/>
+            <ac:grpSpMk id="8" creationId="{00000000-0000-0000-0000-000000000000}"/>
+          </ac:grpSpMkLst>
+        </pc:grpChg>
+      </pc:sldChg>
+      <pc:sldChg chg="delSp modSp mod">
+        <pc:chgData name="Md Ishrak Mashroor" userId="e451b154c326eb62" providerId="LiveId" clId="{CEA78450-4F91-469D-B8F2-4266BBE6DA38}" dt="2025-08-12T19:37:10.399" v="238" actId="20577"/>
+        <pc:sldMkLst>
+          <pc:docMk/>
+          <pc:sldMk cId="0" sldId="264"/>
+        </pc:sldMkLst>
+        <pc:spChg chg="del">
+          <ac:chgData name="Md Ishrak Mashroor" userId="e451b154c326eb62" providerId="LiveId" clId="{CEA78450-4F91-469D-B8F2-4266BBE6DA38}" dt="2025-08-12T19:34:41.063" v="195" actId="478"/>
+          <ac:spMkLst>
+            <pc:docMk/>
+            <pc:sldMk cId="0" sldId="264"/>
+            <ac:spMk id="2" creationId="{00000000-0000-0000-0000-000000000000}"/>
+          </ac:spMkLst>
+        </pc:spChg>
+        <pc:spChg chg="del">
+          <ac:chgData name="Md Ishrak Mashroor" userId="e451b154c326eb62" providerId="LiveId" clId="{CEA78450-4F91-469D-B8F2-4266BBE6DA38}" dt="2025-08-12T19:34:41.063" v="195" actId="478"/>
+          <ac:spMkLst>
+            <pc:docMk/>
+            <pc:sldMk cId="0" sldId="264"/>
+            <ac:spMk id="3" creationId="{00000000-0000-0000-0000-000000000000}"/>
+          </ac:spMkLst>
+        </pc:spChg>
+        <pc:spChg chg="del">
+          <ac:chgData name="Md Ishrak Mashroor" userId="e451b154c326eb62" providerId="LiveId" clId="{CEA78450-4F91-469D-B8F2-4266BBE6DA38}" dt="2025-08-12T19:34:41.063" v="195" actId="478"/>
+          <ac:spMkLst>
+            <pc:docMk/>
+            <pc:sldMk cId="0" sldId="264"/>
+            <ac:spMk id="4" creationId="{00000000-0000-0000-0000-000000000000}"/>
+          </ac:spMkLst>
+        </pc:spChg>
+        <pc:spChg chg="del">
+          <ac:chgData name="Md Ishrak Mashroor" userId="e451b154c326eb62" providerId="LiveId" clId="{CEA78450-4F91-469D-B8F2-4266BBE6DA38}" dt="2025-08-12T19:34:41.063" v="195" actId="478"/>
+          <ac:spMkLst>
+            <pc:docMk/>
+            <pc:sldMk cId="0" sldId="264"/>
+            <ac:spMk id="5" creationId="{00000000-0000-0000-0000-000000000000}"/>
+          </ac:spMkLst>
+        </pc:spChg>
+        <pc:spChg chg="del">
+          <ac:chgData name="Md Ishrak Mashroor" userId="e451b154c326eb62" providerId="LiveId" clId="{CEA78450-4F91-469D-B8F2-4266BBE6DA38}" dt="2025-08-12T19:34:41.063" v="195" actId="478"/>
+          <ac:spMkLst>
+            <pc:docMk/>
+            <pc:sldMk cId="0" sldId="264"/>
+            <ac:spMk id="7" creationId="{00000000-0000-0000-0000-000000000000}"/>
+          </ac:spMkLst>
+        </pc:spChg>
+        <pc:spChg chg="mod">
+          <ac:chgData name="Md Ishrak Mashroor" userId="e451b154c326eb62" providerId="LiveId" clId="{CEA78450-4F91-469D-B8F2-4266BBE6DA38}" dt="2025-08-12T19:35:17.481" v="207" actId="1076"/>
+          <ac:spMkLst>
+            <pc:docMk/>
+            <pc:sldMk cId="0" sldId="264"/>
+            <ac:spMk id="9" creationId="{00000000-0000-0000-0000-000000000000}"/>
+          </ac:spMkLst>
+        </pc:spChg>
+        <pc:spChg chg="mod">
+          <ac:chgData name="Md Ishrak Mashroor" userId="e451b154c326eb62" providerId="LiveId" clId="{CEA78450-4F91-469D-B8F2-4266BBE6DA38}" dt="2025-08-12T19:36:48.486" v="233" actId="20577"/>
+          <ac:spMkLst>
+            <pc:docMk/>
+            <pc:sldMk cId="0" sldId="264"/>
+            <ac:spMk id="10" creationId="{00000000-0000-0000-0000-000000000000}"/>
+          </ac:spMkLst>
+        </pc:spChg>
+        <pc:spChg chg="mod">
+          <ac:chgData name="Md Ishrak Mashroor" userId="e451b154c326eb62" providerId="LiveId" clId="{CEA78450-4F91-469D-B8F2-4266BBE6DA38}" dt="2025-08-12T19:36:22.267" v="226" actId="1076"/>
+          <ac:spMkLst>
+            <pc:docMk/>
+            <pc:sldMk cId="0" sldId="264"/>
+            <ac:spMk id="12" creationId="{00000000-0000-0000-0000-000000000000}"/>
+          </ac:spMkLst>
+        </pc:spChg>
+        <pc:spChg chg="mod">
+          <ac:chgData name="Md Ishrak Mashroor" userId="e451b154c326eb62" providerId="LiveId" clId="{CEA78450-4F91-469D-B8F2-4266BBE6DA38}" dt="2025-08-12T19:36:33.768" v="229" actId="20577"/>
+          <ac:spMkLst>
+            <pc:docMk/>
+            <pc:sldMk cId="0" sldId="264"/>
+            <ac:spMk id="13" creationId="{00000000-0000-0000-0000-000000000000}"/>
+          </ac:spMkLst>
+        </pc:spChg>
+        <pc:spChg chg="mod">
+          <ac:chgData name="Md Ishrak Mashroor" userId="e451b154c326eb62" providerId="LiveId" clId="{CEA78450-4F91-469D-B8F2-4266BBE6DA38}" dt="2025-08-12T19:35:30.964" v="210" actId="20577"/>
+          <ac:spMkLst>
+            <pc:docMk/>
+            <pc:sldMk cId="0" sldId="264"/>
+            <ac:spMk id="16" creationId="{00000000-0000-0000-0000-000000000000}"/>
+          </ac:spMkLst>
+        </pc:spChg>
+        <pc:spChg chg="mod">
+          <ac:chgData name="Md Ishrak Mashroor" userId="e451b154c326eb62" providerId="LiveId" clId="{CEA78450-4F91-469D-B8F2-4266BBE6DA38}" dt="2025-08-12T19:35:42.261" v="213" actId="20577"/>
+          <ac:spMkLst>
+            <pc:docMk/>
+            <pc:sldMk cId="0" sldId="264"/>
+            <ac:spMk id="19" creationId="{00000000-0000-0000-0000-000000000000}"/>
+          </ac:spMkLst>
+        </pc:spChg>
+        <pc:spChg chg="mod">
+          <ac:chgData name="Md Ishrak Mashroor" userId="e451b154c326eb62" providerId="LiveId" clId="{CEA78450-4F91-469D-B8F2-4266BBE6DA38}" dt="2025-08-12T19:36:10.372" v="221" actId="1076"/>
+          <ac:spMkLst>
+            <pc:docMk/>
+            <pc:sldMk cId="0" sldId="264"/>
+            <ac:spMk id="21" creationId="{00000000-0000-0000-0000-000000000000}"/>
+          </ac:spMkLst>
+        </pc:spChg>
+        <pc:spChg chg="mod">
+          <ac:chgData name="Md Ishrak Mashroor" userId="e451b154c326eb62" providerId="LiveId" clId="{CEA78450-4F91-469D-B8F2-4266BBE6DA38}" dt="2025-08-12T19:36:14.357" v="222" actId="20577"/>
+          <ac:spMkLst>
+            <pc:docMk/>
+            <pc:sldMk cId="0" sldId="264"/>
+            <ac:spMk id="22" creationId="{00000000-0000-0000-0000-000000000000}"/>
+          </ac:spMkLst>
+        </pc:spChg>
+        <pc:spChg chg="mod">
+          <ac:chgData name="Md Ishrak Mashroor" userId="e451b154c326eb62" providerId="LiveId" clId="{CEA78450-4F91-469D-B8F2-4266BBE6DA38}" dt="2025-08-12T19:36:57.822" v="235" actId="1076"/>
+          <ac:spMkLst>
+            <pc:docMk/>
+            <pc:sldMk cId="0" sldId="264"/>
+            <ac:spMk id="24" creationId="{00000000-0000-0000-0000-000000000000}"/>
+          </ac:spMkLst>
+        </pc:spChg>
+        <pc:spChg chg="mod">
+          <ac:chgData name="Md Ishrak Mashroor" userId="e451b154c326eb62" providerId="LiveId" clId="{CEA78450-4F91-469D-B8F2-4266BBE6DA38}" dt="2025-08-12T19:37:10.399" v="238" actId="20577"/>
+          <ac:spMkLst>
+            <pc:docMk/>
+            <pc:sldMk cId="0" sldId="264"/>
+            <ac:spMk id="25" creationId="{00000000-0000-0000-0000-000000000000}"/>
+          </ac:spMkLst>
+        </pc:spChg>
+        <pc:grpChg chg="mod">
+          <ac:chgData name="Md Ishrak Mashroor" userId="e451b154c326eb62" providerId="LiveId" clId="{CEA78450-4F91-469D-B8F2-4266BBE6DA38}" dt="2025-08-12T19:35:07.677" v="203" actId="1076"/>
+          <ac:grpSpMkLst>
+            <pc:docMk/>
+            <pc:sldMk cId="0" sldId="264"/>
+            <ac:grpSpMk id="8" creationId="{00000000-0000-0000-0000-000000000000}"/>
+          </ac:grpSpMkLst>
+        </pc:grpChg>
+        <pc:grpChg chg="mod">
+          <ac:chgData name="Md Ishrak Mashroor" userId="e451b154c326eb62" providerId="LiveId" clId="{CEA78450-4F91-469D-B8F2-4266BBE6DA38}" dt="2025-08-12T19:35:59.732" v="218" actId="1076"/>
+          <ac:grpSpMkLst>
+            <pc:docMk/>
+            <pc:sldMk cId="0" sldId="264"/>
+            <ac:grpSpMk id="11" creationId="{00000000-0000-0000-0000-000000000000}"/>
+          </ac:grpSpMkLst>
+        </pc:grpChg>
+        <pc:grpChg chg="mod">
+          <ac:chgData name="Md Ishrak Mashroor" userId="e451b154c326eb62" providerId="LiveId" clId="{CEA78450-4F91-469D-B8F2-4266BBE6DA38}" dt="2025-08-12T19:35:14.958" v="206" actId="1076"/>
+          <ac:grpSpMkLst>
+            <pc:docMk/>
+            <pc:sldMk cId="0" sldId="264"/>
+            <ac:grpSpMk id="14" creationId="{00000000-0000-0000-0000-000000000000}"/>
+          </ac:grpSpMkLst>
+        </pc:grpChg>
+        <pc:grpChg chg="mod">
+          <ac:chgData name="Md Ishrak Mashroor" userId="e451b154c326eb62" providerId="LiveId" clId="{CEA78450-4F91-469D-B8F2-4266BBE6DA38}" dt="2025-08-12T19:35:13.698" v="205" actId="1076"/>
+          <ac:grpSpMkLst>
+            <pc:docMk/>
+            <pc:sldMk cId="0" sldId="264"/>
+            <ac:grpSpMk id="17" creationId="{00000000-0000-0000-0000-000000000000}"/>
+          </ac:grpSpMkLst>
+        </pc:grpChg>
+        <pc:grpChg chg="mod">
+          <ac:chgData name="Md Ishrak Mashroor" userId="e451b154c326eb62" providerId="LiveId" clId="{CEA78450-4F91-469D-B8F2-4266BBE6DA38}" dt="2025-08-12T19:36:04.033" v="219" actId="1076"/>
+          <ac:grpSpMkLst>
+            <pc:docMk/>
+            <pc:sldMk cId="0" sldId="264"/>
+            <ac:grpSpMk id="20" creationId="{00000000-0000-0000-0000-000000000000}"/>
+          </ac:grpSpMkLst>
+        </pc:grpChg>
+      </pc:sldChg>
+      <pc:sldChg chg="delSp mod">
+        <pc:chgData name="Md Ishrak Mashroor" userId="e451b154c326eb62" providerId="LiveId" clId="{CEA78450-4F91-469D-B8F2-4266BBE6DA38}" dt="2025-08-12T19:39:18.650" v="248" actId="478"/>
+        <pc:sldMkLst>
+          <pc:docMk/>
+          <pc:sldMk cId="0" sldId="265"/>
+        </pc:sldMkLst>
+        <pc:spChg chg="del">
+          <ac:chgData name="Md Ishrak Mashroor" userId="e451b154c326eb62" providerId="LiveId" clId="{CEA78450-4F91-469D-B8F2-4266BBE6DA38}" dt="2025-08-12T19:39:18.650" v="248" actId="478"/>
+          <ac:spMkLst>
+            <pc:docMk/>
+            <pc:sldMk cId="0" sldId="265"/>
+            <ac:spMk id="3" creationId="{00000000-0000-0000-0000-000000000000}"/>
+          </ac:spMkLst>
+        </pc:spChg>
+        <pc:spChg chg="del">
+          <ac:chgData name="Md Ishrak Mashroor" userId="e451b154c326eb62" providerId="LiveId" clId="{CEA78450-4F91-469D-B8F2-4266BBE6DA38}" dt="2025-08-12T19:39:18.650" v="248" actId="478"/>
+          <ac:spMkLst>
+            <pc:docMk/>
+            <pc:sldMk cId="0" sldId="265"/>
+            <ac:spMk id="4" creationId="{00000000-0000-0000-0000-000000000000}"/>
+          </ac:spMkLst>
+        </pc:spChg>
+        <pc:spChg chg="del">
+          <ac:chgData name="Md Ishrak Mashroor" userId="e451b154c326eb62" providerId="LiveId" clId="{CEA78450-4F91-469D-B8F2-4266BBE6DA38}" dt="2025-08-12T19:39:18.650" v="248" actId="478"/>
+          <ac:spMkLst>
+            <pc:docMk/>
+            <pc:sldMk cId="0" sldId="265"/>
+            <ac:spMk id="5" creationId="{00000000-0000-0000-0000-000000000000}"/>
+          </ac:spMkLst>
+        </pc:spChg>
+        <pc:spChg chg="del">
+          <ac:chgData name="Md Ishrak Mashroor" userId="e451b154c326eb62" providerId="LiveId" clId="{CEA78450-4F91-469D-B8F2-4266BBE6DA38}" dt="2025-08-12T19:39:18.650" v="248" actId="478"/>
+          <ac:spMkLst>
+            <pc:docMk/>
+            <pc:sldMk cId="0" sldId="265"/>
+            <ac:spMk id="7" creationId="{00000000-0000-0000-0000-000000000000}"/>
+          </ac:spMkLst>
+        </pc:spChg>
+      </pc:sldChg>
+      <pc:sldChg chg="delSp mod">
+        <pc:chgData name="Md Ishrak Mashroor" userId="e451b154c326eb62" providerId="LiveId" clId="{CEA78450-4F91-469D-B8F2-4266BBE6DA38}" dt="2025-08-12T19:39:06.432" v="247" actId="478"/>
+        <pc:sldMkLst>
+          <pc:docMk/>
+          <pc:sldMk cId="0" sldId="266"/>
+        </pc:sldMkLst>
+        <pc:spChg chg="del">
+          <ac:chgData name="Md Ishrak Mashroor" userId="e451b154c326eb62" providerId="LiveId" clId="{CEA78450-4F91-469D-B8F2-4266BBE6DA38}" dt="2025-08-12T19:39:06.432" v="247" actId="478"/>
+          <ac:spMkLst>
+            <pc:docMk/>
+            <pc:sldMk cId="0" sldId="266"/>
+            <ac:spMk id="2" creationId="{00000000-0000-0000-0000-000000000000}"/>
+          </ac:spMkLst>
+        </pc:spChg>
+        <pc:spChg chg="del">
+          <ac:chgData name="Md Ishrak Mashroor" userId="e451b154c326eb62" providerId="LiveId" clId="{CEA78450-4F91-469D-B8F2-4266BBE6DA38}" dt="2025-08-12T19:39:06.432" v="247" actId="478"/>
+          <ac:spMkLst>
+            <pc:docMk/>
+            <pc:sldMk cId="0" sldId="266"/>
+            <ac:spMk id="3" creationId="{00000000-0000-0000-0000-000000000000}"/>
+          </ac:spMkLst>
+        </pc:spChg>
+        <pc:spChg chg="del">
+          <ac:chgData name="Md Ishrak Mashroor" userId="e451b154c326eb62" providerId="LiveId" clId="{CEA78450-4F91-469D-B8F2-4266BBE6DA38}" dt="2025-08-12T19:39:06.432" v="247" actId="478"/>
+          <ac:spMkLst>
+            <pc:docMk/>
+            <pc:sldMk cId="0" sldId="266"/>
+            <ac:spMk id="4" creationId="{00000000-0000-0000-0000-000000000000}"/>
+          </ac:spMkLst>
+        </pc:spChg>
+        <pc:spChg chg="del">
+          <ac:chgData name="Md Ishrak Mashroor" userId="e451b154c326eb62" providerId="LiveId" clId="{CEA78450-4F91-469D-B8F2-4266BBE6DA38}" dt="2025-08-12T19:39:06.432" v="247" actId="478"/>
+          <ac:spMkLst>
+            <pc:docMk/>
+            <pc:sldMk cId="0" sldId="266"/>
+            <ac:spMk id="5" creationId="{00000000-0000-0000-0000-000000000000}"/>
+          </ac:spMkLst>
+        </pc:spChg>
+        <pc:spChg chg="del">
+          <ac:chgData name="Md Ishrak Mashroor" userId="e451b154c326eb62" providerId="LiveId" clId="{CEA78450-4F91-469D-B8F2-4266BBE6DA38}" dt="2025-08-12T19:39:06.432" v="247" actId="478"/>
+          <ac:spMkLst>
+            <pc:docMk/>
+            <pc:sldMk cId="0" sldId="266"/>
+            <ac:spMk id="7" creationId="{00000000-0000-0000-0000-000000000000}"/>
+          </ac:spMkLst>
+        </pc:spChg>
+      </pc:sldChg>
+      <pc:sldChg chg="delSp modSp mod">
+        <pc:chgData name="Md Ishrak Mashroor" userId="e451b154c326eb62" providerId="LiveId" clId="{CEA78450-4F91-469D-B8F2-4266BBE6DA38}" dt="2025-08-12T19:38:54.870" v="246" actId="478"/>
+        <pc:sldMkLst>
+          <pc:docMk/>
+          <pc:sldMk cId="0" sldId="267"/>
+        </pc:sldMkLst>
+        <pc:spChg chg="del">
+          <ac:chgData name="Md Ishrak Mashroor" userId="e451b154c326eb62" providerId="LiveId" clId="{CEA78450-4F91-469D-B8F2-4266BBE6DA38}" dt="2025-08-12T19:38:54.870" v="246" actId="478"/>
+          <ac:spMkLst>
+            <pc:docMk/>
+            <pc:sldMk cId="0" sldId="267"/>
+            <ac:spMk id="2" creationId="{00000000-0000-0000-0000-000000000000}"/>
+          </ac:spMkLst>
+        </pc:spChg>
+        <pc:spChg chg="del">
+          <ac:chgData name="Md Ishrak Mashroor" userId="e451b154c326eb62" providerId="LiveId" clId="{CEA78450-4F91-469D-B8F2-4266BBE6DA38}" dt="2025-08-12T19:38:54.870" v="246" actId="478"/>
+          <ac:spMkLst>
+            <pc:docMk/>
+            <pc:sldMk cId="0" sldId="267"/>
+            <ac:spMk id="3" creationId="{00000000-0000-0000-0000-000000000000}"/>
+          </ac:spMkLst>
+        </pc:spChg>
+        <pc:spChg chg="del">
+          <ac:chgData name="Md Ishrak Mashroor" userId="e451b154c326eb62" providerId="LiveId" clId="{CEA78450-4F91-469D-B8F2-4266BBE6DA38}" dt="2025-08-12T19:38:54.870" v="246" actId="478"/>
+          <ac:spMkLst>
+            <pc:docMk/>
+            <pc:sldMk cId="0" sldId="267"/>
+            <ac:spMk id="4" creationId="{00000000-0000-0000-0000-000000000000}"/>
+          </ac:spMkLst>
+        </pc:spChg>
+        <pc:spChg chg="del">
+          <ac:chgData name="Md Ishrak Mashroor" userId="e451b154c326eb62" providerId="LiveId" clId="{CEA78450-4F91-469D-B8F2-4266BBE6DA38}" dt="2025-08-12T19:38:54.870" v="246" actId="478"/>
+          <ac:spMkLst>
+            <pc:docMk/>
+            <pc:sldMk cId="0" sldId="267"/>
+            <ac:spMk id="5" creationId="{00000000-0000-0000-0000-000000000000}"/>
+          </ac:spMkLst>
+        </pc:spChg>
+        <pc:spChg chg="del">
+          <ac:chgData name="Md Ishrak Mashroor" userId="e451b154c326eb62" providerId="LiveId" clId="{CEA78450-4F91-469D-B8F2-4266BBE6DA38}" dt="2025-08-12T19:38:54.870" v="246" actId="478"/>
+          <ac:spMkLst>
+            <pc:docMk/>
+            <pc:sldMk cId="0" sldId="267"/>
+            <ac:spMk id="7" creationId="{00000000-0000-0000-0000-000000000000}"/>
+          </ac:spMkLst>
+        </pc:spChg>
+        <pc:spChg chg="mod">
+          <ac:chgData name="Md Ishrak Mashroor" userId="e451b154c326eb62" providerId="LiveId" clId="{CEA78450-4F91-469D-B8F2-4266BBE6DA38}" dt="2025-08-12T19:38:29.410" v="241" actId="1076"/>
+          <ac:spMkLst>
+            <pc:docMk/>
+            <pc:sldMk cId="0" sldId="267"/>
+            <ac:spMk id="11" creationId="{00000000-0000-0000-0000-000000000000}"/>
+          </ac:spMkLst>
+        </pc:spChg>
+        <pc:spChg chg="mod">
+          <ac:chgData name="Md Ishrak Mashroor" userId="e451b154c326eb62" providerId="LiveId" clId="{CEA78450-4F91-469D-B8F2-4266BBE6DA38}" dt="2025-08-12T19:38:43.699" v="245" actId="1076"/>
+          <ac:spMkLst>
+            <pc:docMk/>
+            <pc:sldMk cId="0" sldId="267"/>
+            <ac:spMk id="18" creationId="{00000000-0000-0000-0000-000000000000}"/>
+          </ac:spMkLst>
+        </pc:spChg>
+        <pc:spChg chg="mod">
+          <ac:chgData name="Md Ishrak Mashroor" userId="e451b154c326eb62" providerId="LiveId" clId="{CEA78450-4F91-469D-B8F2-4266BBE6DA38}" dt="2025-08-12T19:38:37.347" v="243" actId="1076"/>
+          <ac:spMkLst>
+            <pc:docMk/>
+            <pc:sldMk cId="0" sldId="267"/>
+            <ac:spMk id="19" creationId="{00000000-0000-0000-0000-000000000000}"/>
+          </ac:spMkLst>
+        </pc:spChg>
+        <pc:grpChg chg="mod">
+          <ac:chgData name="Md Ishrak Mashroor" userId="e451b154c326eb62" providerId="LiveId" clId="{CEA78450-4F91-469D-B8F2-4266BBE6DA38}" dt="2025-08-12T19:38:19.871" v="239" actId="1076"/>
+          <ac:grpSpMkLst>
+            <pc:docMk/>
+            <pc:sldMk cId="0" sldId="267"/>
+            <ac:grpSpMk id="8" creationId="{00000000-0000-0000-0000-000000000000}"/>
+          </ac:grpSpMkLst>
+        </pc:grpChg>
+      </pc:sldChg>
+      <pc:sldChg chg="delSp modSp mod">
+        <pc:chgData name="Md Ishrak Mashroor" userId="e451b154c326eb62" providerId="LiveId" clId="{CEA78450-4F91-469D-B8F2-4266BBE6DA38}" dt="2025-08-12T19:45:13.326" v="257" actId="478"/>
         <pc:sldMkLst>
           <pc:docMk/>
           <pc:sldMk cId="0" sldId="268"/>
         </pc:sldMkLst>
+        <pc:spChg chg="del">
+          <ac:chgData name="Md Ishrak Mashroor" userId="e451b154c326eb62" providerId="LiveId" clId="{CEA78450-4F91-469D-B8F2-4266BBE6DA38}" dt="2025-08-12T19:45:13.326" v="257" actId="478"/>
+          <ac:spMkLst>
+            <pc:docMk/>
+            <pc:sldMk cId="0" sldId="268"/>
+            <ac:spMk id="2" creationId="{00000000-0000-0000-0000-000000000000}"/>
+          </ac:spMkLst>
+        </pc:spChg>
+        <pc:spChg chg="del">
+          <ac:chgData name="Md Ishrak Mashroor" userId="e451b154c326eb62" providerId="LiveId" clId="{CEA78450-4F91-469D-B8F2-4266BBE6DA38}" dt="2025-08-12T19:45:13.326" v="257" actId="478"/>
+          <ac:spMkLst>
+            <pc:docMk/>
+            <pc:sldMk cId="0" sldId="268"/>
+            <ac:spMk id="3" creationId="{00000000-0000-0000-0000-000000000000}"/>
+          </ac:spMkLst>
+        </pc:spChg>
+        <pc:spChg chg="del">
+          <ac:chgData name="Md Ishrak Mashroor" userId="e451b154c326eb62" providerId="LiveId" clId="{CEA78450-4F91-469D-B8F2-4266BBE6DA38}" dt="2025-08-12T19:45:13.326" v="257" actId="478"/>
+          <ac:spMkLst>
+            <pc:docMk/>
+            <pc:sldMk cId="0" sldId="268"/>
+            <ac:spMk id="4" creationId="{00000000-0000-0000-0000-000000000000}"/>
+          </ac:spMkLst>
+        </pc:spChg>
+        <pc:spChg chg="del">
+          <ac:chgData name="Md Ishrak Mashroor" userId="e451b154c326eb62" providerId="LiveId" clId="{CEA78450-4F91-469D-B8F2-4266BBE6DA38}" dt="2025-08-12T19:45:13.326" v="257" actId="478"/>
+          <ac:spMkLst>
+            <pc:docMk/>
+            <pc:sldMk cId="0" sldId="268"/>
+            <ac:spMk id="5" creationId="{00000000-0000-0000-0000-000000000000}"/>
+          </ac:spMkLst>
+        </pc:spChg>
+        <pc:spChg chg="del">
+          <ac:chgData name="Md Ishrak Mashroor" userId="e451b154c326eb62" providerId="LiveId" clId="{CEA78450-4F91-469D-B8F2-4266BBE6DA38}" dt="2025-08-12T19:45:13.326" v="257" actId="478"/>
+          <ac:spMkLst>
+            <pc:docMk/>
+            <pc:sldMk cId="0" sldId="268"/>
+            <ac:spMk id="7" creationId="{00000000-0000-0000-0000-000000000000}"/>
+          </ac:spMkLst>
+        </pc:spChg>
         <pc:grpChg chg="mod">
           <ac:chgData name="Md Ishrak Mashroor" userId="e451b154c326eb62" providerId="LiveId" clId="{CEA78450-4F91-469D-B8F2-4266BBE6DA38}" dt="2025-08-11T18:19:30.782" v="22" actId="1076"/>
           <ac:grpSpMkLst>
             <pc:docMk/>
             <pc:sldMk cId="0" sldId="268"/>
             <ac:grpSpMk id="15" creationId="{00000000-0000-0000-0000-000000000000}"/>
+          </ac:grpSpMkLst>
+        </pc:grpChg>
+      </pc:sldChg>
+      <pc:sldChg chg="addSp delSp modSp mod">
+        <pc:chgData name="Md Ishrak Mashroor" userId="e451b154c326eb62" providerId="LiveId" clId="{CEA78450-4F91-469D-B8F2-4266BBE6DA38}" dt="2025-08-12T19:41:26.466" v="256" actId="1076"/>
+        <pc:sldMkLst>
+          <pc:docMk/>
+          <pc:sldMk cId="0" sldId="269"/>
+        </pc:sldMkLst>
+        <pc:spChg chg="del">
+          <ac:chgData name="Md Ishrak Mashroor" userId="e451b154c326eb62" providerId="LiveId" clId="{CEA78450-4F91-469D-B8F2-4266BBE6DA38}" dt="2025-08-12T19:39:48.891" v="251" actId="478"/>
+          <ac:spMkLst>
+            <pc:docMk/>
+            <pc:sldMk cId="0" sldId="269"/>
+            <ac:spMk id="2" creationId="{00000000-0000-0000-0000-000000000000}"/>
+          </ac:spMkLst>
+        </pc:spChg>
+        <pc:spChg chg="mod">
+          <ac:chgData name="Md Ishrak Mashroor" userId="e451b154c326eb62" providerId="LiveId" clId="{CEA78450-4F91-469D-B8F2-4266BBE6DA38}" dt="2025-08-12T19:41:26.466" v="256" actId="1076"/>
+          <ac:spMkLst>
+            <pc:docMk/>
+            <pc:sldMk cId="0" sldId="269"/>
+            <ac:spMk id="3" creationId="{00000000-0000-0000-0000-000000000000}"/>
+          </ac:spMkLst>
+        </pc:spChg>
+        <pc:spChg chg="del">
+          <ac:chgData name="Md Ishrak Mashroor" userId="e451b154c326eb62" providerId="LiveId" clId="{CEA78450-4F91-469D-B8F2-4266BBE6DA38}" dt="2025-08-12T19:39:56.977" v="253" actId="478"/>
+          <ac:spMkLst>
+            <pc:docMk/>
+            <pc:sldMk cId="0" sldId="269"/>
+            <ac:spMk id="4" creationId="{00000000-0000-0000-0000-000000000000}"/>
+          </ac:spMkLst>
+        </pc:spChg>
+        <pc:spChg chg="del">
+          <ac:chgData name="Md Ishrak Mashroor" userId="e451b154c326eb62" providerId="LiveId" clId="{CEA78450-4F91-469D-B8F2-4266BBE6DA38}" dt="2025-08-12T19:39:48.891" v="251" actId="478"/>
+          <ac:spMkLst>
+            <pc:docMk/>
+            <pc:sldMk cId="0" sldId="269"/>
+            <ac:spMk id="5" creationId="{00000000-0000-0000-0000-000000000000}"/>
+          </ac:spMkLst>
+        </pc:spChg>
+        <pc:spChg chg="mod">
+          <ac:chgData name="Md Ishrak Mashroor" userId="e451b154c326eb62" providerId="LiveId" clId="{CEA78450-4F91-469D-B8F2-4266BBE6DA38}" dt="2025-08-12T19:40:24.860" v="254" actId="14100"/>
+          <ac:spMkLst>
+            <pc:docMk/>
+            <pc:sldMk cId="0" sldId="269"/>
+            <ac:spMk id="7" creationId="{00000000-0000-0000-0000-000000000000}"/>
+          </ac:spMkLst>
+        </pc:spChg>
+        <pc:spChg chg="add del mod">
+          <ac:chgData name="Md Ishrak Mashroor" userId="e451b154c326eb62" providerId="LiveId" clId="{CEA78450-4F91-469D-B8F2-4266BBE6DA38}" dt="2025-08-12T19:39:42.775" v="250" actId="478"/>
+          <ac:spMkLst>
+            <pc:docMk/>
+            <pc:sldMk cId="0" sldId="269"/>
+            <ac:spMk id="9" creationId="{CE77A23C-9056-424B-7758-E18E95576196}"/>
+          </ac:spMkLst>
+        </pc:spChg>
+        <pc:spChg chg="add del mod">
+          <ac:chgData name="Md Ishrak Mashroor" userId="e451b154c326eb62" providerId="LiveId" clId="{CEA78450-4F91-469D-B8F2-4266BBE6DA38}" dt="2025-08-12T19:39:42.775" v="250" actId="478"/>
+          <ac:spMkLst>
+            <pc:docMk/>
+            <pc:sldMk cId="0" sldId="269"/>
+            <ac:spMk id="10" creationId="{F84471CD-44BC-FAE2-C0CD-85D80F671DD4}"/>
+          </ac:spMkLst>
+        </pc:spChg>
+        <pc:spChg chg="add del mod">
+          <ac:chgData name="Md Ishrak Mashroor" userId="e451b154c326eb62" providerId="LiveId" clId="{CEA78450-4F91-469D-B8F2-4266BBE6DA38}" dt="2025-08-12T19:39:42.775" v="250" actId="478"/>
+          <ac:spMkLst>
+            <pc:docMk/>
+            <pc:sldMk cId="0" sldId="269"/>
+            <ac:spMk id="11" creationId="{34E5794B-0DB1-E880-795B-2BF05F281275}"/>
+          </ac:spMkLst>
+        </pc:spChg>
+        <pc:spChg chg="add del mod">
+          <ac:chgData name="Md Ishrak Mashroor" userId="e451b154c326eb62" providerId="LiveId" clId="{CEA78450-4F91-469D-B8F2-4266BBE6DA38}" dt="2025-08-12T19:39:42.775" v="250" actId="478"/>
+          <ac:spMkLst>
+            <pc:docMk/>
+            <pc:sldMk cId="0" sldId="269"/>
+            <ac:spMk id="12" creationId="{B22C3427-C27F-D576-71AF-668BA48856F6}"/>
+          </ac:spMkLst>
+        </pc:spChg>
+      </pc:sldChg>
+      <pc:sldChg chg="delSp modSp mod">
+        <pc:chgData name="Md Ishrak Mashroor" userId="e451b154c326eb62" providerId="LiveId" clId="{CEA78450-4F91-469D-B8F2-4266BBE6DA38}" dt="2025-08-12T19:45:53.273" v="266" actId="1076"/>
+        <pc:sldMkLst>
+          <pc:docMk/>
+          <pc:sldMk cId="0" sldId="270"/>
+        </pc:sldMkLst>
+        <pc:spChg chg="del">
+          <ac:chgData name="Md Ishrak Mashroor" userId="e451b154c326eb62" providerId="LiveId" clId="{CEA78450-4F91-469D-B8F2-4266BBE6DA38}" dt="2025-08-12T19:45:21.948" v="258" actId="478"/>
+          <ac:spMkLst>
+            <pc:docMk/>
+            <pc:sldMk cId="0" sldId="270"/>
+            <ac:spMk id="2" creationId="{00000000-0000-0000-0000-000000000000}"/>
+          </ac:spMkLst>
+        </pc:spChg>
+        <pc:spChg chg="del">
+          <ac:chgData name="Md Ishrak Mashroor" userId="e451b154c326eb62" providerId="LiveId" clId="{CEA78450-4F91-469D-B8F2-4266BBE6DA38}" dt="2025-08-12T19:45:21.948" v="258" actId="478"/>
+          <ac:spMkLst>
+            <pc:docMk/>
+            <pc:sldMk cId="0" sldId="270"/>
+            <ac:spMk id="14" creationId="{00000000-0000-0000-0000-000000000000}"/>
+          </ac:spMkLst>
+        </pc:spChg>
+        <pc:spChg chg="del">
+          <ac:chgData name="Md Ishrak Mashroor" userId="e451b154c326eb62" providerId="LiveId" clId="{CEA78450-4F91-469D-B8F2-4266BBE6DA38}" dt="2025-08-12T19:45:21.948" v="258" actId="478"/>
+          <ac:spMkLst>
+            <pc:docMk/>
+            <pc:sldMk cId="0" sldId="270"/>
+            <ac:spMk id="15" creationId="{00000000-0000-0000-0000-000000000000}"/>
+          </ac:spMkLst>
+        </pc:spChg>
+        <pc:spChg chg="del">
+          <ac:chgData name="Md Ishrak Mashroor" userId="e451b154c326eb62" providerId="LiveId" clId="{CEA78450-4F91-469D-B8F2-4266BBE6DA38}" dt="2025-08-12T19:45:21.948" v="258" actId="478"/>
+          <ac:spMkLst>
+            <pc:docMk/>
+            <pc:sldMk cId="0" sldId="270"/>
+            <ac:spMk id="16" creationId="{00000000-0000-0000-0000-000000000000}"/>
+          </ac:spMkLst>
+        </pc:spChg>
+        <pc:spChg chg="del">
+          <ac:chgData name="Md Ishrak Mashroor" userId="e451b154c326eb62" providerId="LiveId" clId="{CEA78450-4F91-469D-B8F2-4266BBE6DA38}" dt="2025-08-12T19:45:21.948" v="258" actId="478"/>
+          <ac:spMkLst>
+            <pc:docMk/>
+            <pc:sldMk cId="0" sldId="270"/>
+            <ac:spMk id="17" creationId="{00000000-0000-0000-0000-000000000000}"/>
+          </ac:spMkLst>
+        </pc:spChg>
+        <pc:grpChg chg="mod">
+          <ac:chgData name="Md Ishrak Mashroor" userId="e451b154c326eb62" providerId="LiveId" clId="{CEA78450-4F91-469D-B8F2-4266BBE6DA38}" dt="2025-08-12T19:45:53.273" v="266" actId="1076"/>
+          <ac:grpSpMkLst>
+            <pc:docMk/>
+            <pc:sldMk cId="0" sldId="270"/>
+            <ac:grpSpMk id="8" creationId="{00000000-0000-0000-0000-000000000000}"/>
+          </ac:grpSpMkLst>
+        </pc:grpChg>
+        <pc:grpChg chg="mod">
+          <ac:chgData name="Md Ishrak Mashroor" userId="e451b154c326eb62" providerId="LiveId" clId="{CEA78450-4F91-469D-B8F2-4266BBE6DA38}" dt="2025-08-12T19:45:39.876" v="262" actId="1076"/>
+          <ac:grpSpMkLst>
+            <pc:docMk/>
+            <pc:sldMk cId="0" sldId="270"/>
+            <ac:grpSpMk id="11" creationId="{00000000-0000-0000-0000-000000000000}"/>
           </ac:grpSpMkLst>
         </pc:grpChg>
       </pc:sldChg>
@@ -647,7 +1556,7 @@
             <a:fld id="{1D8BD707-D9CF-40AE-B4C6-C98DA3205C09}" type="datetimeFigureOut">
               <a:rPr lang="en-US" smtClean="0"/>
               <a:pPr/>
-              <a:t>8/12/2025</a:t>
+              <a:t>8/13/2025</a:t>
             </a:fld>
             <a:endParaRPr lang="en-US"/>
           </a:p>
@@ -812,7 +1721,7 @@
             <a:fld id="{1D8BD707-D9CF-40AE-B4C6-C98DA3205C09}" type="datetimeFigureOut">
               <a:rPr lang="en-US" smtClean="0"/>
               <a:pPr/>
-              <a:t>8/12/2025</a:t>
+              <a:t>8/13/2025</a:t>
             </a:fld>
             <a:endParaRPr lang="en-US"/>
           </a:p>
@@ -987,7 +1896,7 @@
             <a:fld id="{1D8BD707-D9CF-40AE-B4C6-C98DA3205C09}" type="datetimeFigureOut">
               <a:rPr lang="en-US" smtClean="0"/>
               <a:pPr/>
-              <a:t>8/12/2025</a:t>
+              <a:t>8/13/2025</a:t>
             </a:fld>
             <a:endParaRPr lang="en-US"/>
           </a:p>
@@ -1152,7 +2061,7 @@
             <a:fld id="{1D8BD707-D9CF-40AE-B4C6-C98DA3205C09}" type="datetimeFigureOut">
               <a:rPr lang="en-US" smtClean="0"/>
               <a:pPr/>
-              <a:t>8/12/2025</a:t>
+              <a:t>8/13/2025</a:t>
             </a:fld>
             <a:endParaRPr lang="en-US"/>
           </a:p>
@@ -1394,7 +2303,7 @@
             <a:fld id="{1D8BD707-D9CF-40AE-B4C6-C98DA3205C09}" type="datetimeFigureOut">
               <a:rPr lang="en-US" smtClean="0"/>
               <a:pPr/>
-              <a:t>8/12/2025</a:t>
+              <a:t>8/13/2025</a:t>
             </a:fld>
             <a:endParaRPr lang="en-US"/>
           </a:p>
@@ -1676,7 +2585,7 @@
             <a:fld id="{1D8BD707-D9CF-40AE-B4C6-C98DA3205C09}" type="datetimeFigureOut">
               <a:rPr lang="en-US" smtClean="0"/>
               <a:pPr/>
-              <a:t>8/12/2025</a:t>
+              <a:t>8/13/2025</a:t>
             </a:fld>
             <a:endParaRPr lang="en-US"/>
           </a:p>
@@ -2092,7 +3001,7 @@
             <a:fld id="{1D8BD707-D9CF-40AE-B4C6-C98DA3205C09}" type="datetimeFigureOut">
               <a:rPr lang="en-US" smtClean="0"/>
               <a:pPr/>
-              <a:t>8/12/2025</a:t>
+              <a:t>8/13/2025</a:t>
             </a:fld>
             <a:endParaRPr lang="en-US"/>
           </a:p>
@@ -2206,7 +3115,7 @@
             <a:fld id="{1D8BD707-D9CF-40AE-B4C6-C98DA3205C09}" type="datetimeFigureOut">
               <a:rPr lang="en-US" smtClean="0"/>
               <a:pPr/>
-              <a:t>8/12/2025</a:t>
+              <a:t>8/13/2025</a:t>
             </a:fld>
             <a:endParaRPr lang="en-US"/>
           </a:p>
@@ -2298,7 +3207,7 @@
             <a:fld id="{1D8BD707-D9CF-40AE-B4C6-C98DA3205C09}" type="datetimeFigureOut">
               <a:rPr lang="en-US" smtClean="0"/>
               <a:pPr/>
-              <a:t>8/12/2025</a:t>
+              <a:t>8/13/2025</a:t>
             </a:fld>
             <a:endParaRPr lang="en-US"/>
           </a:p>
@@ -2817,7 +3726,7 @@
             <a:fld id="{1D8BD707-D9CF-40AE-B4C6-C98DA3205C09}" type="datetimeFigureOut">
               <a:rPr lang="en-US" smtClean="0"/>
               <a:pPr/>
-              <a:t>8/12/2025</a:t>
+              <a:t>8/13/2025</a:t>
             </a:fld>
             <a:endParaRPr lang="en-US"/>
           </a:p>
@@ -3066,7 +3975,7 @@
             <a:fld id="{1D8BD707-D9CF-40AE-B4C6-C98DA3205C09}" type="datetimeFigureOut">
               <a:rPr lang="en-US" smtClean="0"/>
               <a:pPr/>
-              <a:t>8/12/2025</a:t>
+              <a:t>8/13/2025</a:t>
             </a:fld>
             <a:endParaRPr lang="en-US"/>
           </a:p>
@@ -3274,7 +4183,7 @@
             <a:fld id="{1D8BD707-D9CF-40AE-B4C6-C98DA3205C09}" type="datetimeFigureOut">
               <a:rPr lang="en-US" smtClean="0"/>
               <a:pPr/>
-              <a:t>8/12/2025</a:t>
+              <a:t>8/13/2025</a:t>
             </a:fld>
             <a:endParaRPr lang="en-US"/>
           </a:p>
@@ -3743,8 +4652,8 @@
         </p:nvGrpSpPr>
         <p:grpSpPr>
           <a:xfrm rot="-316424">
-            <a:off x="8931703" y="4939317"/>
-            <a:ext cx="6542811" cy="1358977"/>
+            <a:off x="8991935" y="4731667"/>
+            <a:ext cx="6482892" cy="1038710"/>
             <a:chOff x="0" y="0"/>
             <a:chExt cx="1113791" cy="231340"/>
           </a:xfrm>
@@ -3843,8 +4752,8 @@
         </p:nvSpPr>
         <p:spPr>
           <a:xfrm rot="-316424">
-            <a:off x="8908378" y="5334659"/>
-            <a:ext cx="6590036" cy="663138"/>
+            <a:off x="8908377" y="5063271"/>
+            <a:ext cx="6590036" cy="530402"/>
           </a:xfrm>
           <a:prstGeom prst="rect">
             <a:avLst/>
@@ -3862,7 +4771,7 @@
               </a:lnSpc>
             </a:pPr>
             <a:r>
-              <a:rPr lang="en-US" sz="4991" b="1">
+              <a:rPr lang="en-US" sz="4991" b="1" dirty="0">
                 <a:solidFill>
                   <a:srgbClr val="F7F7F7"/>
                 </a:solidFill>
@@ -3871,7 +4780,7 @@
                 <a:cs typeface="Arial Bold"/>
                 <a:sym typeface="Arial Bold"/>
               </a:rPr>
-              <a:t>CSE115.4 | Group 4</a:t>
+              <a:t>CSE115.4 | Group 2</a:t>
             </a:r>
           </a:p>
         </p:txBody>
@@ -3964,129 +4873,6 @@
       </p:sp>
       <p:sp>
         <p:nvSpPr>
-          <p:cNvPr id="3" name="TextBox 3"/>
-          <p:cNvSpPr txBox="1"/>
-          <p:nvPr/>
-        </p:nvSpPr>
-        <p:spPr>
-          <a:xfrm>
-            <a:off x="1028700" y="923925"/>
-            <a:ext cx="2982688" cy="953135"/>
-          </a:xfrm>
-          <a:prstGeom prst="rect">
-            <a:avLst/>
-          </a:prstGeom>
-        </p:spPr>
-        <p:txBody>
-          <a:bodyPr lIns="0" tIns="0" rIns="0" bIns="0" rtlCol="0" anchor="t">
-            <a:spAutoFit/>
-          </a:bodyPr>
-          <a:lstStyle/>
-          <a:p>
-            <a:pPr algn="just">
-              <a:lnSpc>
-                <a:spcPts val="3640"/>
-              </a:lnSpc>
-            </a:pPr>
-            <a:r>
-              <a:rPr lang="en-US" sz="2600" b="1" spc="-52">
-                <a:solidFill>
-                  <a:srgbClr val="F7F7F7"/>
-                </a:solidFill>
-                <a:latin typeface="Arial Bold"/>
-                <a:ea typeface="Arial Bold"/>
-                <a:cs typeface="Arial Bold"/>
-                <a:sym typeface="Arial Bold"/>
-              </a:rPr>
-              <a:t>CSE 115.4 | Group 4 </a:t>
-            </a:r>
-          </a:p>
-        </p:txBody>
-      </p:sp>
-      <p:sp>
-        <p:nvSpPr>
-          <p:cNvPr id="4" name="TextBox 4"/>
-          <p:cNvSpPr txBox="1"/>
-          <p:nvPr/>
-        </p:nvSpPr>
-        <p:spPr>
-          <a:xfrm>
-            <a:off x="1028700" y="8762415"/>
-            <a:ext cx="2424961" cy="495935"/>
-          </a:xfrm>
-          <a:prstGeom prst="rect">
-            <a:avLst/>
-          </a:prstGeom>
-        </p:spPr>
-        <p:txBody>
-          <a:bodyPr lIns="0" tIns="0" rIns="0" bIns="0" rtlCol="0" anchor="t">
-            <a:spAutoFit/>
-          </a:bodyPr>
-          <a:lstStyle/>
-          <a:p>
-            <a:pPr algn="l">
-              <a:lnSpc>
-                <a:spcPts val="3640"/>
-              </a:lnSpc>
-            </a:pPr>
-            <a:r>
-              <a:rPr lang="en-US" sz="2600" i="1">
-                <a:solidFill>
-                  <a:srgbClr val="F7F7F7"/>
-                </a:solidFill>
-                <a:latin typeface="Arial Italics"/>
-                <a:ea typeface="Arial Italics"/>
-                <a:cs typeface="Arial Italics"/>
-                <a:sym typeface="Arial Italics"/>
-              </a:rPr>
-              <a:t>Presented by</a:t>
-            </a:r>
-          </a:p>
-        </p:txBody>
-      </p:sp>
-      <p:sp>
-        <p:nvSpPr>
-          <p:cNvPr id="5" name="TextBox 5"/>
-          <p:cNvSpPr txBox="1"/>
-          <p:nvPr/>
-        </p:nvSpPr>
-        <p:spPr>
-          <a:xfrm>
-            <a:off x="14276612" y="923925"/>
-            <a:ext cx="2982688" cy="495935"/>
-          </a:xfrm>
-          <a:prstGeom prst="rect">
-            <a:avLst/>
-          </a:prstGeom>
-        </p:spPr>
-        <p:txBody>
-          <a:bodyPr lIns="0" tIns="0" rIns="0" bIns="0" rtlCol="0" anchor="t">
-            <a:spAutoFit/>
-          </a:bodyPr>
-          <a:lstStyle/>
-          <a:p>
-            <a:pPr algn="r">
-              <a:lnSpc>
-                <a:spcPts val="3640"/>
-              </a:lnSpc>
-            </a:pPr>
-            <a:r>
-              <a:rPr lang="en-US" sz="2600" b="1" spc="-52">
-                <a:solidFill>
-                  <a:srgbClr val="F7F7F7"/>
-                </a:solidFill>
-                <a:latin typeface="Arial Bold"/>
-                <a:ea typeface="Arial Bold"/>
-                <a:cs typeface="Arial Bold"/>
-                <a:sym typeface="Arial Bold"/>
-              </a:rPr>
-              <a:t>TicTacX</a:t>
-            </a:r>
-          </a:p>
-        </p:txBody>
-      </p:sp>
-      <p:sp>
-        <p:nvSpPr>
           <p:cNvPr id="6" name="TextBox 6"/>
           <p:cNvSpPr txBox="1"/>
           <p:nvPr/>
@@ -4122,47 +4908,6 @@
                 <a:sym typeface="Arial Bold"/>
               </a:rPr>
               <a:t>GAME LOGIC</a:t>
-            </a:r>
-          </a:p>
-        </p:txBody>
-      </p:sp>
-      <p:sp>
-        <p:nvSpPr>
-          <p:cNvPr id="7" name="TextBox 7"/>
-          <p:cNvSpPr txBox="1"/>
-          <p:nvPr/>
-        </p:nvSpPr>
-        <p:spPr>
-          <a:xfrm>
-            <a:off x="3453661" y="8762415"/>
-            <a:ext cx="13805639" cy="495935"/>
-          </a:xfrm>
-          <a:prstGeom prst="rect">
-            <a:avLst/>
-          </a:prstGeom>
-        </p:spPr>
-        <p:txBody>
-          <a:bodyPr lIns="0" tIns="0" rIns="0" bIns="0" rtlCol="0" anchor="t">
-            <a:spAutoFit/>
-          </a:bodyPr>
-          <a:lstStyle/>
-          <a:p>
-            <a:pPr algn="just">
-              <a:lnSpc>
-                <a:spcPts val="3640"/>
-              </a:lnSpc>
-            </a:pPr>
-            <a:r>
-              <a:rPr lang="en-US" sz="2600" b="1" spc="-52">
-                <a:solidFill>
-                  <a:srgbClr val="F7F7F7"/>
-                </a:solidFill>
-                <a:latin typeface="Arial Bold"/>
-                <a:ea typeface="Arial Bold"/>
-                <a:cs typeface="Arial Bold"/>
-                <a:sym typeface="Arial Bold"/>
-              </a:rPr>
-              <a:t>Avishek Dutta • Md. Ishrak Mashroor • Ashab Mahmud Raseen • Sneha Nandy</a:t>
             </a:r>
           </a:p>
         </p:txBody>
@@ -4202,182 +4947,6 @@
       </p:grpSpPr>
       <p:sp>
         <p:nvSpPr>
-          <p:cNvPr id="2" name="Freeform 2"/>
-          <p:cNvSpPr/>
-          <p:nvPr/>
-        </p:nvSpPr>
-        <p:spPr>
-          <a:xfrm>
-            <a:off x="0" y="0"/>
-            <a:ext cx="18288000" cy="10287000"/>
-          </a:xfrm>
-          <a:custGeom>
-            <a:avLst/>
-            <a:gdLst/>
-            <a:ahLst/>
-            <a:cxnLst/>
-            <a:rect l="l" t="t" r="r" b="b"/>
-            <a:pathLst>
-              <a:path w="18288000" h="10287000">
-                <a:moveTo>
-                  <a:pt x="0" y="0"/>
-                </a:moveTo>
-                <a:lnTo>
-                  <a:pt x="18288000" y="0"/>
-                </a:lnTo>
-                <a:lnTo>
-                  <a:pt x="18288000" y="10287000"/>
-                </a:lnTo>
-                <a:lnTo>
-                  <a:pt x="0" y="10287000"/>
-                </a:lnTo>
-                <a:lnTo>
-                  <a:pt x="0" y="0"/>
-                </a:lnTo>
-                <a:close/>
-              </a:path>
-            </a:pathLst>
-          </a:custGeom>
-          <a:blipFill>
-            <a:blip r:embed="rId2"/>
-            <a:stretch>
-              <a:fillRect t="-9222" b="-9222"/>
-            </a:stretch>
-          </a:blipFill>
-        </p:spPr>
-        <p:txBody>
-          <a:bodyPr/>
-          <a:lstStyle/>
-          <a:p>
-            <a:endParaRPr lang="en-US"/>
-          </a:p>
-        </p:txBody>
-      </p:sp>
-      <p:sp>
-        <p:nvSpPr>
-          <p:cNvPr id="3" name="TextBox 3"/>
-          <p:cNvSpPr txBox="1"/>
-          <p:nvPr/>
-        </p:nvSpPr>
-        <p:spPr>
-          <a:xfrm>
-            <a:off x="1028700" y="923925"/>
-            <a:ext cx="2982688" cy="953135"/>
-          </a:xfrm>
-          <a:prstGeom prst="rect">
-            <a:avLst/>
-          </a:prstGeom>
-        </p:spPr>
-        <p:txBody>
-          <a:bodyPr lIns="0" tIns="0" rIns="0" bIns="0" rtlCol="0" anchor="t">
-            <a:spAutoFit/>
-          </a:bodyPr>
-          <a:lstStyle/>
-          <a:p>
-            <a:pPr algn="just">
-              <a:lnSpc>
-                <a:spcPts val="3640"/>
-              </a:lnSpc>
-            </a:pPr>
-            <a:r>
-              <a:rPr lang="en-US" sz="2600" b="1" spc="-52">
-                <a:solidFill>
-                  <a:srgbClr val="F7F7F7"/>
-                </a:solidFill>
-                <a:latin typeface="Arial Bold"/>
-                <a:ea typeface="Arial Bold"/>
-                <a:cs typeface="Arial Bold"/>
-                <a:sym typeface="Arial Bold"/>
-              </a:rPr>
-              <a:t>CSE 115.4 | Group 4 </a:t>
-            </a:r>
-          </a:p>
-        </p:txBody>
-      </p:sp>
-      <p:sp>
-        <p:nvSpPr>
-          <p:cNvPr id="4" name="TextBox 4"/>
-          <p:cNvSpPr txBox="1"/>
-          <p:nvPr/>
-        </p:nvSpPr>
-        <p:spPr>
-          <a:xfrm>
-            <a:off x="1028700" y="8762415"/>
-            <a:ext cx="2424961" cy="495935"/>
-          </a:xfrm>
-          <a:prstGeom prst="rect">
-            <a:avLst/>
-          </a:prstGeom>
-        </p:spPr>
-        <p:txBody>
-          <a:bodyPr lIns="0" tIns="0" rIns="0" bIns="0" rtlCol="0" anchor="t">
-            <a:spAutoFit/>
-          </a:bodyPr>
-          <a:lstStyle/>
-          <a:p>
-            <a:pPr algn="l">
-              <a:lnSpc>
-                <a:spcPts val="3640"/>
-              </a:lnSpc>
-            </a:pPr>
-            <a:r>
-              <a:rPr lang="en-US" sz="2600" i="1">
-                <a:solidFill>
-                  <a:srgbClr val="F7F7F7"/>
-                </a:solidFill>
-                <a:latin typeface="Arial Italics"/>
-                <a:ea typeface="Arial Italics"/>
-                <a:cs typeface="Arial Italics"/>
-                <a:sym typeface="Arial Italics"/>
-              </a:rPr>
-              <a:t>Presented by</a:t>
-            </a:r>
-          </a:p>
-        </p:txBody>
-      </p:sp>
-      <p:sp>
-        <p:nvSpPr>
-          <p:cNvPr id="5" name="TextBox 5"/>
-          <p:cNvSpPr txBox="1"/>
-          <p:nvPr/>
-        </p:nvSpPr>
-        <p:spPr>
-          <a:xfrm>
-            <a:off x="14276612" y="923925"/>
-            <a:ext cx="2982688" cy="495935"/>
-          </a:xfrm>
-          <a:prstGeom prst="rect">
-            <a:avLst/>
-          </a:prstGeom>
-        </p:spPr>
-        <p:txBody>
-          <a:bodyPr lIns="0" tIns="0" rIns="0" bIns="0" rtlCol="0" anchor="t">
-            <a:spAutoFit/>
-          </a:bodyPr>
-          <a:lstStyle/>
-          <a:p>
-            <a:pPr algn="r">
-              <a:lnSpc>
-                <a:spcPts val="3640"/>
-              </a:lnSpc>
-            </a:pPr>
-            <a:r>
-              <a:rPr lang="en-US" sz="2600" b="1" spc="-52">
-                <a:solidFill>
-                  <a:srgbClr val="F7F7F7"/>
-                </a:solidFill>
-                <a:latin typeface="Arial Bold"/>
-                <a:ea typeface="Arial Bold"/>
-                <a:cs typeface="Arial Bold"/>
-                <a:sym typeface="Arial Bold"/>
-              </a:rPr>
-              <a:t>TicTacX</a:t>
-            </a:r>
-          </a:p>
-        </p:txBody>
-      </p:sp>
-      <p:sp>
-        <p:nvSpPr>
           <p:cNvPr id="6" name="TextBox 6"/>
           <p:cNvSpPr txBox="1"/>
           <p:nvPr/>
@@ -4413,47 +4982,6 @@
                 <a:sym typeface="Arial Bold"/>
               </a:rPr>
               <a:t>AI IMPLEMENTATION</a:t>
-            </a:r>
-          </a:p>
-        </p:txBody>
-      </p:sp>
-      <p:sp>
-        <p:nvSpPr>
-          <p:cNvPr id="7" name="TextBox 7"/>
-          <p:cNvSpPr txBox="1"/>
-          <p:nvPr/>
-        </p:nvSpPr>
-        <p:spPr>
-          <a:xfrm>
-            <a:off x="3453661" y="8762415"/>
-            <a:ext cx="13805639" cy="495935"/>
-          </a:xfrm>
-          <a:prstGeom prst="rect">
-            <a:avLst/>
-          </a:prstGeom>
-        </p:spPr>
-        <p:txBody>
-          <a:bodyPr lIns="0" tIns="0" rIns="0" bIns="0" rtlCol="0" anchor="t">
-            <a:spAutoFit/>
-          </a:bodyPr>
-          <a:lstStyle/>
-          <a:p>
-            <a:pPr algn="just">
-              <a:lnSpc>
-                <a:spcPts val="3640"/>
-              </a:lnSpc>
-            </a:pPr>
-            <a:r>
-              <a:rPr lang="en-US" sz="2600" b="1" spc="-52">
-                <a:solidFill>
-                  <a:srgbClr val="F7F7F7"/>
-                </a:solidFill>
-                <a:latin typeface="Arial Bold"/>
-                <a:ea typeface="Arial Bold"/>
-                <a:cs typeface="Arial Bold"/>
-                <a:sym typeface="Arial Bold"/>
-              </a:rPr>
-              <a:t>Avishek Dutta • Md. Ishrak Mashroor • Ashab Mahmud Raseen • Sneha Nandy</a:t>
             </a:r>
           </a:p>
         </p:txBody>
@@ -4493,182 +5021,6 @@
       </p:grpSpPr>
       <p:sp>
         <p:nvSpPr>
-          <p:cNvPr id="2" name="Freeform 2"/>
-          <p:cNvSpPr/>
-          <p:nvPr/>
-        </p:nvSpPr>
-        <p:spPr>
-          <a:xfrm>
-            <a:off x="0" y="0"/>
-            <a:ext cx="18288000" cy="10287000"/>
-          </a:xfrm>
-          <a:custGeom>
-            <a:avLst/>
-            <a:gdLst/>
-            <a:ahLst/>
-            <a:cxnLst/>
-            <a:rect l="l" t="t" r="r" b="b"/>
-            <a:pathLst>
-              <a:path w="18288000" h="10287000">
-                <a:moveTo>
-                  <a:pt x="0" y="0"/>
-                </a:moveTo>
-                <a:lnTo>
-                  <a:pt x="18288000" y="0"/>
-                </a:lnTo>
-                <a:lnTo>
-                  <a:pt x="18288000" y="10287000"/>
-                </a:lnTo>
-                <a:lnTo>
-                  <a:pt x="0" y="10287000"/>
-                </a:lnTo>
-                <a:lnTo>
-                  <a:pt x="0" y="0"/>
-                </a:lnTo>
-                <a:close/>
-              </a:path>
-            </a:pathLst>
-          </a:custGeom>
-          <a:blipFill>
-            <a:blip r:embed="rId2"/>
-            <a:stretch>
-              <a:fillRect t="-9222" b="-9222"/>
-            </a:stretch>
-          </a:blipFill>
-        </p:spPr>
-        <p:txBody>
-          <a:bodyPr/>
-          <a:lstStyle/>
-          <a:p>
-            <a:endParaRPr lang="en-US"/>
-          </a:p>
-        </p:txBody>
-      </p:sp>
-      <p:sp>
-        <p:nvSpPr>
-          <p:cNvPr id="3" name="TextBox 3"/>
-          <p:cNvSpPr txBox="1"/>
-          <p:nvPr/>
-        </p:nvSpPr>
-        <p:spPr>
-          <a:xfrm>
-            <a:off x="1028700" y="923925"/>
-            <a:ext cx="2982688" cy="953135"/>
-          </a:xfrm>
-          <a:prstGeom prst="rect">
-            <a:avLst/>
-          </a:prstGeom>
-        </p:spPr>
-        <p:txBody>
-          <a:bodyPr lIns="0" tIns="0" rIns="0" bIns="0" rtlCol="0" anchor="t">
-            <a:spAutoFit/>
-          </a:bodyPr>
-          <a:lstStyle/>
-          <a:p>
-            <a:pPr algn="just">
-              <a:lnSpc>
-                <a:spcPts val="3640"/>
-              </a:lnSpc>
-            </a:pPr>
-            <a:r>
-              <a:rPr lang="en-US" sz="2600" b="1" spc="-52">
-                <a:solidFill>
-                  <a:srgbClr val="F7F7F7"/>
-                </a:solidFill>
-                <a:latin typeface="Arial Bold"/>
-                <a:ea typeface="Arial Bold"/>
-                <a:cs typeface="Arial Bold"/>
-                <a:sym typeface="Arial Bold"/>
-              </a:rPr>
-              <a:t>CSE 115.4 | Group 4 </a:t>
-            </a:r>
-          </a:p>
-        </p:txBody>
-      </p:sp>
-      <p:sp>
-        <p:nvSpPr>
-          <p:cNvPr id="4" name="TextBox 4"/>
-          <p:cNvSpPr txBox="1"/>
-          <p:nvPr/>
-        </p:nvSpPr>
-        <p:spPr>
-          <a:xfrm>
-            <a:off x="1028700" y="8762415"/>
-            <a:ext cx="2424961" cy="495935"/>
-          </a:xfrm>
-          <a:prstGeom prst="rect">
-            <a:avLst/>
-          </a:prstGeom>
-        </p:spPr>
-        <p:txBody>
-          <a:bodyPr lIns="0" tIns="0" rIns="0" bIns="0" rtlCol="0" anchor="t">
-            <a:spAutoFit/>
-          </a:bodyPr>
-          <a:lstStyle/>
-          <a:p>
-            <a:pPr algn="l">
-              <a:lnSpc>
-                <a:spcPts val="3640"/>
-              </a:lnSpc>
-            </a:pPr>
-            <a:r>
-              <a:rPr lang="en-US" sz="2600" i="1">
-                <a:solidFill>
-                  <a:srgbClr val="F7F7F7"/>
-                </a:solidFill>
-                <a:latin typeface="Arial Italics"/>
-                <a:ea typeface="Arial Italics"/>
-                <a:cs typeface="Arial Italics"/>
-                <a:sym typeface="Arial Italics"/>
-              </a:rPr>
-              <a:t>Presented by</a:t>
-            </a:r>
-          </a:p>
-        </p:txBody>
-      </p:sp>
-      <p:sp>
-        <p:nvSpPr>
-          <p:cNvPr id="5" name="TextBox 5"/>
-          <p:cNvSpPr txBox="1"/>
-          <p:nvPr/>
-        </p:nvSpPr>
-        <p:spPr>
-          <a:xfrm>
-            <a:off x="14276612" y="923925"/>
-            <a:ext cx="2982688" cy="495935"/>
-          </a:xfrm>
-          <a:prstGeom prst="rect">
-            <a:avLst/>
-          </a:prstGeom>
-        </p:spPr>
-        <p:txBody>
-          <a:bodyPr lIns="0" tIns="0" rIns="0" bIns="0" rtlCol="0" anchor="t">
-            <a:spAutoFit/>
-          </a:bodyPr>
-          <a:lstStyle/>
-          <a:p>
-            <a:pPr algn="r">
-              <a:lnSpc>
-                <a:spcPts val="3640"/>
-              </a:lnSpc>
-            </a:pPr>
-            <a:r>
-              <a:rPr lang="en-US" sz="2600" b="1" spc="-52">
-                <a:solidFill>
-                  <a:srgbClr val="F7F7F7"/>
-                </a:solidFill>
-                <a:latin typeface="Arial Bold"/>
-                <a:ea typeface="Arial Bold"/>
-                <a:cs typeface="Arial Bold"/>
-                <a:sym typeface="Arial Bold"/>
-              </a:rPr>
-              <a:t>TicTacX</a:t>
-            </a:r>
-          </a:p>
-        </p:txBody>
-      </p:sp>
-      <p:sp>
-        <p:nvSpPr>
           <p:cNvPr id="6" name="TextBox 6"/>
           <p:cNvSpPr txBox="1"/>
           <p:nvPr/>
@@ -4708,47 +5060,6 @@
           </a:p>
         </p:txBody>
       </p:sp>
-      <p:sp>
-        <p:nvSpPr>
-          <p:cNvPr id="7" name="TextBox 7"/>
-          <p:cNvSpPr txBox="1"/>
-          <p:nvPr/>
-        </p:nvSpPr>
-        <p:spPr>
-          <a:xfrm>
-            <a:off x="3453661" y="8762415"/>
-            <a:ext cx="13805639" cy="495935"/>
-          </a:xfrm>
-          <a:prstGeom prst="rect">
-            <a:avLst/>
-          </a:prstGeom>
-        </p:spPr>
-        <p:txBody>
-          <a:bodyPr lIns="0" tIns="0" rIns="0" bIns="0" rtlCol="0" anchor="t">
-            <a:spAutoFit/>
-          </a:bodyPr>
-          <a:lstStyle/>
-          <a:p>
-            <a:pPr algn="just">
-              <a:lnSpc>
-                <a:spcPts val="3640"/>
-              </a:lnSpc>
-            </a:pPr>
-            <a:r>
-              <a:rPr lang="en-US" sz="2600" b="1" spc="-52">
-                <a:solidFill>
-                  <a:srgbClr val="F7F7F7"/>
-                </a:solidFill>
-                <a:latin typeface="Arial Bold"/>
-                <a:ea typeface="Arial Bold"/>
-                <a:cs typeface="Arial Bold"/>
-                <a:sym typeface="Arial Bold"/>
-              </a:rPr>
-              <a:t>Avishek Dutta • Md. Ishrak Mashroor • Ashab Mahmud Raseen • Sneha Nandy</a:t>
-            </a:r>
-          </a:p>
-        </p:txBody>
-      </p:sp>
       <p:grpSp>
         <p:nvGrpSpPr>
           <p:cNvPr id="8" name="Group 8"/>
@@ -4757,7 +5068,7 @@
         </p:nvGrpSpPr>
         <p:grpSpPr>
           <a:xfrm rot="-5400000">
-            <a:off x="1969344" y="2677255"/>
+            <a:off x="1949037" y="2693746"/>
             <a:ext cx="4084088" cy="4381078"/>
             <a:chOff x="0" y="0"/>
             <a:chExt cx="1075645" cy="1153864"/>
@@ -4863,7 +5174,7 @@
         </p:nvSpPr>
         <p:spPr>
           <a:xfrm>
-            <a:off x="1820849" y="3504449"/>
+            <a:off x="1820849" y="3385208"/>
             <a:ext cx="4381078" cy="2612390"/>
           </a:xfrm>
           <a:prstGeom prst="rect">
@@ -4885,7 +5196,7 @@
               </a:spcBef>
             </a:pPr>
             <a:r>
-              <a:rPr lang="en-US" sz="2899" b="1" spc="-57">
+              <a:rPr lang="en-US" sz="2899" b="1" spc="-57" dirty="0">
                 <a:solidFill>
                   <a:srgbClr val="F7F7F7"/>
                 </a:solidFill>
@@ -5119,15 +5430,15 @@
         </p:nvSpPr>
         <p:spPr>
           <a:xfrm>
-            <a:off x="12296187" y="3744421"/>
-            <a:ext cx="4381078" cy="1728470"/>
+            <a:off x="12485994" y="3635799"/>
+            <a:ext cx="4191271" cy="2257477"/>
           </a:xfrm>
           <a:prstGeom prst="rect">
             <a:avLst/>
           </a:prstGeom>
         </p:spPr>
         <p:txBody>
-          <a:bodyPr lIns="0" tIns="0" rIns="0" bIns="0" rtlCol="0" anchor="t">
+          <a:bodyPr wrap="square" lIns="0" tIns="0" rIns="0" bIns="0" rtlCol="0" anchor="t">
             <a:spAutoFit/>
           </a:bodyPr>
           <a:lstStyle/>
@@ -5138,7 +5449,7 @@
               </a:lnSpc>
             </a:pPr>
             <a:r>
-              <a:rPr lang="en-US" sz="3199" b="1" spc="-63">
+              <a:rPr lang="en-US" sz="3199" b="1" spc="-63" dirty="0">
                 <a:solidFill>
                   <a:srgbClr val="F7F7F7"/>
                 </a:solidFill>
@@ -5160,7 +5471,7 @@
               </a:spcBef>
             </a:pPr>
             <a:r>
-              <a:rPr lang="en-US" sz="3199" b="1" spc="-63">
+              <a:rPr lang="en-US" sz="3199" b="1" spc="-63" dirty="0">
                 <a:solidFill>
                   <a:srgbClr val="F7F7F7"/>
                 </a:solidFill>
@@ -5182,15 +5493,15 @@
         </p:nvSpPr>
         <p:spPr>
           <a:xfrm>
-            <a:off x="6953461" y="3744421"/>
-            <a:ext cx="4381078" cy="1673860"/>
+            <a:off x="7172430" y="3635799"/>
+            <a:ext cx="3943139" cy="2158283"/>
           </a:xfrm>
           <a:prstGeom prst="rect">
             <a:avLst/>
           </a:prstGeom>
         </p:spPr>
         <p:txBody>
-          <a:bodyPr lIns="0" tIns="0" rIns="0" bIns="0" rtlCol="0" anchor="t">
+          <a:bodyPr wrap="square" lIns="0" tIns="0" rIns="0" bIns="0" rtlCol="0" anchor="t">
             <a:spAutoFit/>
           </a:bodyPr>
           <a:lstStyle/>
@@ -5201,7 +5512,7 @@
               </a:lnSpc>
             </a:pPr>
             <a:r>
-              <a:rPr lang="en-US" sz="3099" b="1" spc="-61">
+              <a:rPr lang="en-US" sz="3099" b="1" spc="-61" dirty="0">
                 <a:solidFill>
                   <a:srgbClr val="F7F7F7"/>
                 </a:solidFill>
@@ -5223,7 +5534,7 @@
               </a:spcBef>
             </a:pPr>
             <a:r>
-              <a:rPr lang="en-US" sz="3099" b="1" spc="-61">
+              <a:rPr lang="en-US" sz="3099" b="1" spc="-61" dirty="0">
                 <a:solidFill>
                   <a:srgbClr val="F7F7F7"/>
                 </a:solidFill>
@@ -5272,182 +5583,6 @@
       </p:grpSpPr>
       <p:sp>
         <p:nvSpPr>
-          <p:cNvPr id="2" name="Freeform 2"/>
-          <p:cNvSpPr/>
-          <p:nvPr/>
-        </p:nvSpPr>
-        <p:spPr>
-          <a:xfrm>
-            <a:off x="0" y="0"/>
-            <a:ext cx="18288000" cy="10287000"/>
-          </a:xfrm>
-          <a:custGeom>
-            <a:avLst/>
-            <a:gdLst/>
-            <a:ahLst/>
-            <a:cxnLst/>
-            <a:rect l="l" t="t" r="r" b="b"/>
-            <a:pathLst>
-              <a:path w="18288000" h="10287000">
-                <a:moveTo>
-                  <a:pt x="0" y="0"/>
-                </a:moveTo>
-                <a:lnTo>
-                  <a:pt x="18288000" y="0"/>
-                </a:lnTo>
-                <a:lnTo>
-                  <a:pt x="18288000" y="10287000"/>
-                </a:lnTo>
-                <a:lnTo>
-                  <a:pt x="0" y="10287000"/>
-                </a:lnTo>
-                <a:lnTo>
-                  <a:pt x="0" y="0"/>
-                </a:lnTo>
-                <a:close/>
-              </a:path>
-            </a:pathLst>
-          </a:custGeom>
-          <a:blipFill>
-            <a:blip r:embed="rId2"/>
-            <a:stretch>
-              <a:fillRect t="-9222" b="-9222"/>
-            </a:stretch>
-          </a:blipFill>
-        </p:spPr>
-        <p:txBody>
-          <a:bodyPr/>
-          <a:lstStyle/>
-          <a:p>
-            <a:endParaRPr lang="en-US"/>
-          </a:p>
-        </p:txBody>
-      </p:sp>
-      <p:sp>
-        <p:nvSpPr>
-          <p:cNvPr id="3" name="TextBox 3"/>
-          <p:cNvSpPr txBox="1"/>
-          <p:nvPr/>
-        </p:nvSpPr>
-        <p:spPr>
-          <a:xfrm>
-            <a:off x="1028700" y="923925"/>
-            <a:ext cx="2982688" cy="953135"/>
-          </a:xfrm>
-          <a:prstGeom prst="rect">
-            <a:avLst/>
-          </a:prstGeom>
-        </p:spPr>
-        <p:txBody>
-          <a:bodyPr lIns="0" tIns="0" rIns="0" bIns="0" rtlCol="0" anchor="t">
-            <a:spAutoFit/>
-          </a:bodyPr>
-          <a:lstStyle/>
-          <a:p>
-            <a:pPr algn="just">
-              <a:lnSpc>
-                <a:spcPts val="3640"/>
-              </a:lnSpc>
-            </a:pPr>
-            <a:r>
-              <a:rPr lang="en-US" sz="2600" b="1" spc="-52">
-                <a:solidFill>
-                  <a:srgbClr val="F7F7F7"/>
-                </a:solidFill>
-                <a:latin typeface="Arial Bold"/>
-                <a:ea typeface="Arial Bold"/>
-                <a:cs typeface="Arial Bold"/>
-                <a:sym typeface="Arial Bold"/>
-              </a:rPr>
-              <a:t>CSE 115.4 | Group 4 </a:t>
-            </a:r>
-          </a:p>
-        </p:txBody>
-      </p:sp>
-      <p:sp>
-        <p:nvSpPr>
-          <p:cNvPr id="4" name="TextBox 4"/>
-          <p:cNvSpPr txBox="1"/>
-          <p:nvPr/>
-        </p:nvSpPr>
-        <p:spPr>
-          <a:xfrm>
-            <a:off x="1028700" y="8762415"/>
-            <a:ext cx="2424961" cy="495935"/>
-          </a:xfrm>
-          <a:prstGeom prst="rect">
-            <a:avLst/>
-          </a:prstGeom>
-        </p:spPr>
-        <p:txBody>
-          <a:bodyPr lIns="0" tIns="0" rIns="0" bIns="0" rtlCol="0" anchor="t">
-            <a:spAutoFit/>
-          </a:bodyPr>
-          <a:lstStyle/>
-          <a:p>
-            <a:pPr algn="l">
-              <a:lnSpc>
-                <a:spcPts val="3640"/>
-              </a:lnSpc>
-            </a:pPr>
-            <a:r>
-              <a:rPr lang="en-US" sz="2600" i="1">
-                <a:solidFill>
-                  <a:srgbClr val="F7F7F7"/>
-                </a:solidFill>
-                <a:latin typeface="Arial Italics"/>
-                <a:ea typeface="Arial Italics"/>
-                <a:cs typeface="Arial Italics"/>
-                <a:sym typeface="Arial Italics"/>
-              </a:rPr>
-              <a:t>Presented by</a:t>
-            </a:r>
-          </a:p>
-        </p:txBody>
-      </p:sp>
-      <p:sp>
-        <p:nvSpPr>
-          <p:cNvPr id="5" name="TextBox 5"/>
-          <p:cNvSpPr txBox="1"/>
-          <p:nvPr/>
-        </p:nvSpPr>
-        <p:spPr>
-          <a:xfrm>
-            <a:off x="14276612" y="923925"/>
-            <a:ext cx="2982688" cy="495935"/>
-          </a:xfrm>
-          <a:prstGeom prst="rect">
-            <a:avLst/>
-          </a:prstGeom>
-        </p:spPr>
-        <p:txBody>
-          <a:bodyPr lIns="0" tIns="0" rIns="0" bIns="0" rtlCol="0" anchor="t">
-            <a:spAutoFit/>
-          </a:bodyPr>
-          <a:lstStyle/>
-          <a:p>
-            <a:pPr algn="r">
-              <a:lnSpc>
-                <a:spcPts val="3640"/>
-              </a:lnSpc>
-            </a:pPr>
-            <a:r>
-              <a:rPr lang="en-US" sz="2600" b="1" spc="-52">
-                <a:solidFill>
-                  <a:srgbClr val="F7F7F7"/>
-                </a:solidFill>
-                <a:latin typeface="Arial Bold"/>
-                <a:ea typeface="Arial Bold"/>
-                <a:cs typeface="Arial Bold"/>
-                <a:sym typeface="Arial Bold"/>
-              </a:rPr>
-              <a:t>TicTacX</a:t>
-            </a:r>
-          </a:p>
-        </p:txBody>
-      </p:sp>
-      <p:sp>
-        <p:nvSpPr>
           <p:cNvPr id="6" name="TextBox 6"/>
           <p:cNvSpPr txBox="1"/>
           <p:nvPr/>
@@ -5483,47 +5618,6 @@
                 <a:sym typeface="Arial Bold"/>
               </a:rPr>
               <a:t>KEY CHALLENGES</a:t>
-            </a:r>
-          </a:p>
-        </p:txBody>
-      </p:sp>
-      <p:sp>
-        <p:nvSpPr>
-          <p:cNvPr id="7" name="TextBox 7"/>
-          <p:cNvSpPr txBox="1"/>
-          <p:nvPr/>
-        </p:nvSpPr>
-        <p:spPr>
-          <a:xfrm>
-            <a:off x="3453661" y="8762415"/>
-            <a:ext cx="13805639" cy="495935"/>
-          </a:xfrm>
-          <a:prstGeom prst="rect">
-            <a:avLst/>
-          </a:prstGeom>
-        </p:spPr>
-        <p:txBody>
-          <a:bodyPr lIns="0" tIns="0" rIns="0" bIns="0" rtlCol="0" anchor="t">
-            <a:spAutoFit/>
-          </a:bodyPr>
-          <a:lstStyle/>
-          <a:p>
-            <a:pPr algn="just">
-              <a:lnSpc>
-                <a:spcPts val="3640"/>
-              </a:lnSpc>
-            </a:pPr>
-            <a:r>
-              <a:rPr lang="en-US" sz="2600" b="1" spc="-52">
-                <a:solidFill>
-                  <a:srgbClr val="F7F7F7"/>
-                </a:solidFill>
-                <a:latin typeface="Arial Bold"/>
-                <a:ea typeface="Arial Bold"/>
-                <a:cs typeface="Arial Bold"/>
-                <a:sym typeface="Arial Bold"/>
-              </a:rPr>
-              <a:t>Avishek Dutta • Md. Ishrak Mashroor • Ashab Mahmud Raseen • Sneha Nandy</a:t>
             </a:r>
           </a:p>
         </p:txBody>
@@ -6013,66 +6107,13 @@
       </p:grpSpPr>
       <p:sp>
         <p:nvSpPr>
-          <p:cNvPr id="2" name="Freeform 2"/>
-          <p:cNvSpPr/>
-          <p:nvPr/>
-        </p:nvSpPr>
-        <p:spPr>
-          <a:xfrm>
-            <a:off x="0" y="0"/>
-            <a:ext cx="18288000" cy="10287000"/>
-          </a:xfrm>
-          <a:custGeom>
-            <a:avLst/>
-            <a:gdLst/>
-            <a:ahLst/>
-            <a:cxnLst/>
-            <a:rect l="l" t="t" r="r" b="b"/>
-            <a:pathLst>
-              <a:path w="18288000" h="10287000">
-                <a:moveTo>
-                  <a:pt x="0" y="0"/>
-                </a:moveTo>
-                <a:lnTo>
-                  <a:pt x="18288000" y="0"/>
-                </a:lnTo>
-                <a:lnTo>
-                  <a:pt x="18288000" y="10287000"/>
-                </a:lnTo>
-                <a:lnTo>
-                  <a:pt x="0" y="10287000"/>
-                </a:lnTo>
-                <a:lnTo>
-                  <a:pt x="0" y="0"/>
-                </a:lnTo>
-                <a:close/>
-              </a:path>
-            </a:pathLst>
-          </a:custGeom>
-          <a:blipFill>
-            <a:blip r:embed="rId2"/>
-            <a:stretch>
-              <a:fillRect t="-9222" b="-9222"/>
-            </a:stretch>
-          </a:blipFill>
-        </p:spPr>
-        <p:txBody>
-          <a:bodyPr/>
-          <a:lstStyle/>
-          <a:p>
-            <a:endParaRPr lang="en-US"/>
-          </a:p>
-        </p:txBody>
-      </p:sp>
-      <p:sp>
-        <p:nvSpPr>
           <p:cNvPr id="3" name="Freeform 3"/>
           <p:cNvSpPr/>
           <p:nvPr/>
         </p:nvSpPr>
         <p:spPr>
           <a:xfrm>
-            <a:off x="1331621" y="2825750"/>
+            <a:off x="1028700" y="2645054"/>
             <a:ext cx="5359535" cy="5359535"/>
           </a:xfrm>
           <a:custGeom>
@@ -6103,7 +6144,7 @@
             </a:pathLst>
           </a:custGeom>
           <a:blipFill>
-            <a:blip r:embed="rId3"/>
+            <a:blip r:embed="rId2"/>
             <a:stretch>
               <a:fillRect/>
             </a:stretch>
@@ -6114,88 +6155,6 @@
           <a:lstStyle/>
           <a:p>
             <a:endParaRPr lang="en-US"/>
-          </a:p>
-        </p:txBody>
-      </p:sp>
-      <p:sp>
-        <p:nvSpPr>
-          <p:cNvPr id="4" name="TextBox 4"/>
-          <p:cNvSpPr txBox="1"/>
-          <p:nvPr/>
-        </p:nvSpPr>
-        <p:spPr>
-          <a:xfrm>
-            <a:off x="1028700" y="923925"/>
-            <a:ext cx="2982688" cy="953135"/>
-          </a:xfrm>
-          <a:prstGeom prst="rect">
-            <a:avLst/>
-          </a:prstGeom>
-        </p:spPr>
-        <p:txBody>
-          <a:bodyPr lIns="0" tIns="0" rIns="0" bIns="0" rtlCol="0" anchor="t">
-            <a:spAutoFit/>
-          </a:bodyPr>
-          <a:lstStyle/>
-          <a:p>
-            <a:pPr algn="just">
-              <a:lnSpc>
-                <a:spcPts val="3640"/>
-              </a:lnSpc>
-            </a:pPr>
-            <a:r>
-              <a:rPr lang="en-US" sz="2600" b="1" spc="-52">
-                <a:solidFill>
-                  <a:srgbClr val="F7F7F7"/>
-                </a:solidFill>
-                <a:latin typeface="Arial Bold"/>
-                <a:ea typeface="Arial Bold"/>
-                <a:cs typeface="Arial Bold"/>
-                <a:sym typeface="Arial Bold"/>
-              </a:rPr>
-              <a:t>CSE 115.4 | Group 4 </a:t>
-            </a:r>
-          </a:p>
-        </p:txBody>
-      </p:sp>
-      <p:sp>
-        <p:nvSpPr>
-          <p:cNvPr id="5" name="TextBox 5"/>
-          <p:cNvSpPr txBox="1"/>
-          <p:nvPr/>
-        </p:nvSpPr>
-        <p:spPr>
-          <a:xfrm>
-            <a:off x="1028700" y="8762415"/>
-            <a:ext cx="2424961" cy="495935"/>
-          </a:xfrm>
-          <a:prstGeom prst="rect">
-            <a:avLst/>
-          </a:prstGeom>
-        </p:spPr>
-        <p:txBody>
-          <a:bodyPr lIns="0" tIns="0" rIns="0" bIns="0" rtlCol="0" anchor="t">
-            <a:spAutoFit/>
-          </a:bodyPr>
-          <a:lstStyle/>
-          <a:p>
-            <a:pPr algn="l">
-              <a:lnSpc>
-                <a:spcPts val="3640"/>
-              </a:lnSpc>
-            </a:pPr>
-            <a:r>
-              <a:rPr lang="en-US" sz="2600" i="1">
-                <a:solidFill>
-                  <a:srgbClr val="F7F7F7"/>
-                </a:solidFill>
-                <a:latin typeface="Arial Italics"/>
-                <a:ea typeface="Arial Italics"/>
-                <a:cs typeface="Arial Italics"/>
-                <a:sym typeface="Arial Italics"/>
-              </a:rPr>
-              <a:t>Presented by</a:t>
-            </a:r>
           </a:p>
         </p:txBody>
       </p:sp>
@@ -6249,14 +6208,14 @@
         <p:spPr>
           <a:xfrm>
             <a:off x="1028700" y="1456055"/>
-            <a:ext cx="6146602" cy="1369695"/>
+            <a:ext cx="7124700" cy="1181606"/>
           </a:xfrm>
           <a:prstGeom prst="rect">
             <a:avLst/>
           </a:prstGeom>
         </p:spPr>
         <p:txBody>
-          <a:bodyPr lIns="0" tIns="0" rIns="0" bIns="0" rtlCol="0" anchor="t">
+          <a:bodyPr wrap="square" lIns="0" tIns="0" rIns="0" bIns="0" rtlCol="0" anchor="t">
             <a:spAutoFit/>
           </a:bodyPr>
           <a:lstStyle/>
@@ -6267,7 +6226,7 @@
               </a:lnSpc>
             </a:pPr>
             <a:r>
-              <a:rPr lang="en-US" sz="7200" b="1">
+              <a:rPr lang="en-US" sz="7200" b="1" dirty="0">
                 <a:solidFill>
                   <a:srgbClr val="F7F7F7"/>
                 </a:solidFill>
@@ -6355,59 +6314,6 @@
           <a:chExt cx="0" cy="0"/>
         </a:xfrm>
       </p:grpSpPr>
-      <p:sp>
-        <p:nvSpPr>
-          <p:cNvPr id="2" name="Freeform 2"/>
-          <p:cNvSpPr/>
-          <p:nvPr/>
-        </p:nvSpPr>
-        <p:spPr>
-          <a:xfrm>
-            <a:off x="0" y="0"/>
-            <a:ext cx="18288000" cy="10287000"/>
-          </a:xfrm>
-          <a:custGeom>
-            <a:avLst/>
-            <a:gdLst/>
-            <a:ahLst/>
-            <a:cxnLst/>
-            <a:rect l="l" t="t" r="r" b="b"/>
-            <a:pathLst>
-              <a:path w="18288000" h="10287000">
-                <a:moveTo>
-                  <a:pt x="0" y="0"/>
-                </a:moveTo>
-                <a:lnTo>
-                  <a:pt x="18288000" y="0"/>
-                </a:lnTo>
-                <a:lnTo>
-                  <a:pt x="18288000" y="10287000"/>
-                </a:lnTo>
-                <a:lnTo>
-                  <a:pt x="0" y="10287000"/>
-                </a:lnTo>
-                <a:lnTo>
-                  <a:pt x="0" y="0"/>
-                </a:lnTo>
-                <a:close/>
-              </a:path>
-            </a:pathLst>
-          </a:custGeom>
-          <a:blipFill>
-            <a:blip r:embed="rId2"/>
-            <a:stretch>
-              <a:fillRect t="-9222" b="-9222"/>
-            </a:stretch>
-          </a:blipFill>
-        </p:spPr>
-        <p:txBody>
-          <a:bodyPr/>
-          <a:lstStyle/>
-          <a:p>
-            <a:endParaRPr lang="en-US"/>
-          </a:p>
-        </p:txBody>
-      </p:sp>
       <p:sp>
         <p:nvSpPr>
           <p:cNvPr id="3" name="TextBox 3"/>
@@ -6598,8 +6504,8 @@
         </p:nvGrpSpPr>
         <p:grpSpPr>
           <a:xfrm rot="-5400000">
-            <a:off x="18918335" y="282866"/>
-            <a:ext cx="178381" cy="6477187"/>
+            <a:off x="17216472" y="2657883"/>
+            <a:ext cx="338512" cy="1804545"/>
             <a:chOff x="0" y="0"/>
             <a:chExt cx="46981" cy="1705926"/>
           </a:xfrm>
@@ -6688,8 +6594,8 @@
         </p:nvGrpSpPr>
         <p:grpSpPr>
           <a:xfrm rot="-5400000">
-            <a:off x="375854" y="4808332"/>
-            <a:ext cx="178381" cy="6477187"/>
+            <a:off x="994065" y="7045036"/>
+            <a:ext cx="228600" cy="2216727"/>
             <a:chOff x="0" y="0"/>
             <a:chExt cx="46981" cy="1705926"/>
           </a:xfrm>
@@ -6770,170 +6676,6 @@
           </p:txBody>
         </p:sp>
       </p:grpSp>
-      <p:sp>
-        <p:nvSpPr>
-          <p:cNvPr id="14" name="TextBox 14"/>
-          <p:cNvSpPr txBox="1"/>
-          <p:nvPr/>
-        </p:nvSpPr>
-        <p:spPr>
-          <a:xfrm>
-            <a:off x="1028700" y="923925"/>
-            <a:ext cx="2982688" cy="953135"/>
-          </a:xfrm>
-          <a:prstGeom prst="rect">
-            <a:avLst/>
-          </a:prstGeom>
-        </p:spPr>
-        <p:txBody>
-          <a:bodyPr lIns="0" tIns="0" rIns="0" bIns="0" rtlCol="0" anchor="t">
-            <a:spAutoFit/>
-          </a:bodyPr>
-          <a:lstStyle/>
-          <a:p>
-            <a:pPr algn="just">
-              <a:lnSpc>
-                <a:spcPts val="3640"/>
-              </a:lnSpc>
-            </a:pPr>
-            <a:r>
-              <a:rPr lang="en-US" sz="2600" b="1" spc="-52">
-                <a:solidFill>
-                  <a:srgbClr val="F7F7F7"/>
-                </a:solidFill>
-                <a:latin typeface="Arial Bold"/>
-                <a:ea typeface="Arial Bold"/>
-                <a:cs typeface="Arial Bold"/>
-                <a:sym typeface="Arial Bold"/>
-              </a:rPr>
-              <a:t>CSE 115.4 | Group 4 </a:t>
-            </a:r>
-          </a:p>
-        </p:txBody>
-      </p:sp>
-      <p:sp>
-        <p:nvSpPr>
-          <p:cNvPr id="15" name="TextBox 15"/>
-          <p:cNvSpPr txBox="1"/>
-          <p:nvPr/>
-        </p:nvSpPr>
-        <p:spPr>
-          <a:xfrm>
-            <a:off x="1028700" y="8762415"/>
-            <a:ext cx="2424961" cy="495935"/>
-          </a:xfrm>
-          <a:prstGeom prst="rect">
-            <a:avLst/>
-          </a:prstGeom>
-        </p:spPr>
-        <p:txBody>
-          <a:bodyPr lIns="0" tIns="0" rIns="0" bIns="0" rtlCol="0" anchor="t">
-            <a:spAutoFit/>
-          </a:bodyPr>
-          <a:lstStyle/>
-          <a:p>
-            <a:pPr algn="l">
-              <a:lnSpc>
-                <a:spcPts val="3640"/>
-              </a:lnSpc>
-            </a:pPr>
-            <a:r>
-              <a:rPr lang="en-US" sz="2600" i="1">
-                <a:solidFill>
-                  <a:srgbClr val="F7F7F7"/>
-                </a:solidFill>
-                <a:latin typeface="Arial Italics"/>
-                <a:ea typeface="Arial Italics"/>
-                <a:cs typeface="Arial Italics"/>
-                <a:sym typeface="Arial Italics"/>
-              </a:rPr>
-              <a:t>Presented by</a:t>
-            </a:r>
-          </a:p>
-        </p:txBody>
-      </p:sp>
-      <p:sp>
-        <p:nvSpPr>
-          <p:cNvPr id="16" name="TextBox 16"/>
-          <p:cNvSpPr txBox="1"/>
-          <p:nvPr/>
-        </p:nvSpPr>
-        <p:spPr>
-          <a:xfrm>
-            <a:off x="14276612" y="923925"/>
-            <a:ext cx="2982688" cy="495935"/>
-          </a:xfrm>
-          <a:prstGeom prst="rect">
-            <a:avLst/>
-          </a:prstGeom>
-        </p:spPr>
-        <p:txBody>
-          <a:bodyPr lIns="0" tIns="0" rIns="0" bIns="0" rtlCol="0" anchor="t">
-            <a:spAutoFit/>
-          </a:bodyPr>
-          <a:lstStyle/>
-          <a:p>
-            <a:pPr algn="r">
-              <a:lnSpc>
-                <a:spcPts val="3640"/>
-              </a:lnSpc>
-            </a:pPr>
-            <a:r>
-              <a:rPr lang="en-US" sz="2600" b="1" spc="-52">
-                <a:solidFill>
-                  <a:srgbClr val="F7F7F7"/>
-                </a:solidFill>
-                <a:latin typeface="Arial Bold"/>
-                <a:ea typeface="Arial Bold"/>
-                <a:cs typeface="Arial Bold"/>
-                <a:sym typeface="Arial Bold"/>
-              </a:rPr>
-              <a:t>TicTacX</a:t>
-            </a:r>
-          </a:p>
-        </p:txBody>
-      </p:sp>
-      <p:sp>
-        <p:nvSpPr>
-          <p:cNvPr id="17" name="TextBox 17"/>
-          <p:cNvSpPr txBox="1"/>
-          <p:nvPr/>
-        </p:nvSpPr>
-        <p:spPr>
-          <a:xfrm>
-            <a:off x="3453661" y="8762415"/>
-            <a:ext cx="13805639" cy="495935"/>
-          </a:xfrm>
-          <a:prstGeom prst="rect">
-            <a:avLst/>
-          </a:prstGeom>
-        </p:spPr>
-        <p:txBody>
-          <a:bodyPr lIns="0" tIns="0" rIns="0" bIns="0" rtlCol="0" anchor="t">
-            <a:spAutoFit/>
-          </a:bodyPr>
-          <a:lstStyle/>
-          <a:p>
-            <a:pPr algn="just">
-              <a:lnSpc>
-                <a:spcPts val="3640"/>
-              </a:lnSpc>
-            </a:pPr>
-            <a:r>
-              <a:rPr lang="en-US" sz="2600" b="1" spc="-52">
-                <a:solidFill>
-                  <a:srgbClr val="F7F7F7"/>
-                </a:solidFill>
-                <a:latin typeface="Arial Bold"/>
-                <a:ea typeface="Arial Bold"/>
-                <a:cs typeface="Arial Bold"/>
-                <a:sym typeface="Arial Bold"/>
-              </a:rPr>
-              <a:t>Avishek Dutta • Md. Ishrak Mashroor • Ashab Mahmud Raseen • Sneha Nandy</a:t>
-            </a:r>
-          </a:p>
-        </p:txBody>
-      </p:sp>
     </p:spTree>
   </p:cSld>
   <p:clrMapOvr>
@@ -6969,67 +6711,14 @@
       </p:grpSpPr>
       <p:sp>
         <p:nvSpPr>
-          <p:cNvPr id="2" name="Freeform 2"/>
-          <p:cNvSpPr/>
-          <p:nvPr/>
-        </p:nvSpPr>
-        <p:spPr>
-          <a:xfrm>
-            <a:off x="0" y="0"/>
-            <a:ext cx="18288000" cy="10287000"/>
-          </a:xfrm>
-          <a:custGeom>
-            <a:avLst/>
-            <a:gdLst/>
-            <a:ahLst/>
-            <a:cxnLst/>
-            <a:rect l="l" t="t" r="r" b="b"/>
-            <a:pathLst>
-              <a:path w="18288000" h="10287000">
-                <a:moveTo>
-                  <a:pt x="0" y="0"/>
-                </a:moveTo>
-                <a:lnTo>
-                  <a:pt x="18288000" y="0"/>
-                </a:lnTo>
-                <a:lnTo>
-                  <a:pt x="18288000" y="10287000"/>
-                </a:lnTo>
-                <a:lnTo>
-                  <a:pt x="0" y="10287000"/>
-                </a:lnTo>
-                <a:lnTo>
-                  <a:pt x="0" y="0"/>
-                </a:lnTo>
-                <a:close/>
-              </a:path>
-            </a:pathLst>
-          </a:custGeom>
-          <a:blipFill>
-            <a:blip r:embed="rId2"/>
-            <a:stretch>
-              <a:fillRect t="-9222" b="-9222"/>
-            </a:stretch>
-          </a:blipFill>
-        </p:spPr>
-        <p:txBody>
-          <a:bodyPr/>
-          <a:lstStyle/>
-          <a:p>
-            <a:endParaRPr lang="en-US"/>
-          </a:p>
-        </p:txBody>
-      </p:sp>
-      <p:sp>
-        <p:nvSpPr>
-          <p:cNvPr id="3" name="TextBox 3"/>
+          <p:cNvPr id="6" name="TextBox 6"/>
           <p:cNvSpPr txBox="1"/>
           <p:nvPr/>
         </p:nvSpPr>
         <p:spPr>
           <a:xfrm>
-            <a:off x="1028700" y="923925"/>
-            <a:ext cx="3314700" cy="422167"/>
+            <a:off x="1028700" y="1456055"/>
+            <a:ext cx="7581900" cy="1181606"/>
           </a:xfrm>
           <a:prstGeom prst="rect">
             <a:avLst/>
@@ -7041,13 +6730,13 @@
           </a:bodyPr>
           <a:lstStyle/>
           <a:p>
-            <a:pPr algn="just">
+            <a:pPr algn="l">
               <a:lnSpc>
-                <a:spcPts val="3640"/>
+                <a:spcPts val="10080"/>
               </a:lnSpc>
             </a:pPr>
             <a:r>
-              <a:rPr lang="en-US" sz="2600" b="1" spc="-52" dirty="0">
+              <a:rPr lang="en-US" sz="7200" b="1" dirty="0">
                 <a:solidFill>
                   <a:srgbClr val="F7F7F7"/>
                 </a:solidFill>
@@ -7056,21 +6745,21 @@
                 <a:cs typeface="Arial Bold"/>
                 <a:sym typeface="Arial Bold"/>
               </a:rPr>
-              <a:t>CSE 115.4 | Group 2</a:t>
+              <a:t>INTRODUCTION</a:t>
             </a:r>
           </a:p>
         </p:txBody>
       </p:sp>
       <p:sp>
         <p:nvSpPr>
-          <p:cNvPr id="4" name="TextBox 4"/>
+          <p:cNvPr id="7" name="TextBox 7"/>
           <p:cNvSpPr txBox="1"/>
           <p:nvPr/>
         </p:nvSpPr>
         <p:spPr>
           <a:xfrm>
-            <a:off x="1028700" y="8762415"/>
-            <a:ext cx="2424961" cy="495935"/>
+            <a:off x="1028700" y="3317886"/>
+            <a:ext cx="16230600" cy="4512945"/>
           </a:xfrm>
           <a:prstGeom prst="rect">
             <a:avLst/>
@@ -7084,129 +6773,6 @@
           <a:p>
             <a:pPr algn="l">
               <a:lnSpc>
-                <a:spcPts val="3640"/>
-              </a:lnSpc>
-            </a:pPr>
-            <a:r>
-              <a:rPr lang="en-US" sz="2600" i="1">
-                <a:solidFill>
-                  <a:srgbClr val="F7F7F7"/>
-                </a:solidFill>
-                <a:latin typeface="Arial Italics"/>
-                <a:ea typeface="Arial Italics"/>
-                <a:cs typeface="Arial Italics"/>
-                <a:sym typeface="Arial Italics"/>
-              </a:rPr>
-              <a:t>Presented by</a:t>
-            </a:r>
-          </a:p>
-        </p:txBody>
-      </p:sp>
-      <p:sp>
-        <p:nvSpPr>
-          <p:cNvPr id="5" name="TextBox 5"/>
-          <p:cNvSpPr txBox="1"/>
-          <p:nvPr/>
-        </p:nvSpPr>
-        <p:spPr>
-          <a:xfrm>
-            <a:off x="14276612" y="923925"/>
-            <a:ext cx="2982688" cy="495935"/>
-          </a:xfrm>
-          <a:prstGeom prst="rect">
-            <a:avLst/>
-          </a:prstGeom>
-        </p:spPr>
-        <p:txBody>
-          <a:bodyPr lIns="0" tIns="0" rIns="0" bIns="0" rtlCol="0" anchor="t">
-            <a:spAutoFit/>
-          </a:bodyPr>
-          <a:lstStyle/>
-          <a:p>
-            <a:pPr algn="r">
-              <a:lnSpc>
-                <a:spcPts val="3640"/>
-              </a:lnSpc>
-            </a:pPr>
-            <a:r>
-              <a:rPr lang="en-US" sz="2600" b="1" spc="-52">
-                <a:solidFill>
-                  <a:srgbClr val="F7F7F7"/>
-                </a:solidFill>
-                <a:latin typeface="Arial Bold"/>
-                <a:ea typeface="Arial Bold"/>
-                <a:cs typeface="Arial Bold"/>
-                <a:sym typeface="Arial Bold"/>
-              </a:rPr>
-              <a:t>TicTacX</a:t>
-            </a:r>
-          </a:p>
-        </p:txBody>
-      </p:sp>
-      <p:sp>
-        <p:nvSpPr>
-          <p:cNvPr id="6" name="TextBox 6"/>
-          <p:cNvSpPr txBox="1"/>
-          <p:nvPr/>
-        </p:nvSpPr>
-        <p:spPr>
-          <a:xfrm>
-            <a:off x="1028700" y="1456055"/>
-            <a:ext cx="6249095" cy="1369695"/>
-          </a:xfrm>
-          <a:prstGeom prst="rect">
-            <a:avLst/>
-          </a:prstGeom>
-        </p:spPr>
-        <p:txBody>
-          <a:bodyPr lIns="0" tIns="0" rIns="0" bIns="0" rtlCol="0" anchor="t">
-            <a:spAutoFit/>
-          </a:bodyPr>
-          <a:lstStyle/>
-          <a:p>
-            <a:pPr algn="l">
-              <a:lnSpc>
-                <a:spcPts val="10080"/>
-              </a:lnSpc>
-            </a:pPr>
-            <a:r>
-              <a:rPr lang="en-US" sz="7200" b="1" dirty="0">
-                <a:solidFill>
-                  <a:srgbClr val="F7F7F7"/>
-                </a:solidFill>
-                <a:latin typeface="Arial Bold"/>
-                <a:ea typeface="Arial Bold"/>
-                <a:cs typeface="Arial Bold"/>
-                <a:sym typeface="Arial Bold"/>
-              </a:rPr>
-              <a:t>DESCRIPTION</a:t>
-            </a:r>
-          </a:p>
-        </p:txBody>
-      </p:sp>
-      <p:sp>
-        <p:nvSpPr>
-          <p:cNvPr id="7" name="TextBox 7"/>
-          <p:cNvSpPr txBox="1"/>
-          <p:nvPr/>
-        </p:nvSpPr>
-        <p:spPr>
-          <a:xfrm>
-            <a:off x="1303801" y="4261206"/>
-            <a:ext cx="15680399" cy="2284095"/>
-          </a:xfrm>
-          <a:prstGeom prst="rect">
-            <a:avLst/>
-          </a:prstGeom>
-        </p:spPr>
-        <p:txBody>
-          <a:bodyPr lIns="0" tIns="0" rIns="0" bIns="0" rtlCol="0" anchor="t">
-            <a:spAutoFit/>
-          </a:bodyPr>
-          <a:lstStyle/>
-          <a:p>
-            <a:pPr algn="ctr">
-              <a:lnSpc>
                 <a:spcPts val="5880"/>
               </a:lnSpc>
             </a:pPr>
@@ -7220,39 +6786,35 @@
                 <a:cs typeface="Arial Bold"/>
                 <a:sym typeface="Arial Bold"/>
               </a:rPr>
-              <a:t>Project Description:  Developing a console-based version of the classic Tic-Tac-Toe game where two players can compete against each other.</a:t>
-            </a:r>
-          </a:p>
-        </p:txBody>
-      </p:sp>
-      <p:sp>
-        <p:nvSpPr>
-          <p:cNvPr id="8" name="TextBox 8"/>
-          <p:cNvSpPr txBox="1"/>
-          <p:nvPr/>
-        </p:nvSpPr>
-        <p:spPr>
-          <a:xfrm>
-            <a:off x="3453661" y="8762415"/>
-            <a:ext cx="13805639" cy="495935"/>
-          </a:xfrm>
-          <a:prstGeom prst="rect">
-            <a:avLst/>
-          </a:prstGeom>
-        </p:spPr>
-        <p:txBody>
-          <a:bodyPr lIns="0" tIns="0" rIns="0" bIns="0" rtlCol="0" anchor="t">
-            <a:spAutoFit/>
-          </a:bodyPr>
-          <a:lstStyle/>
-          <a:p>
-            <a:pPr algn="just">
+              <a:t>Course Instructor: Mohammad Shifat-E-Rabbi</a:t>
+            </a:r>
+          </a:p>
+          <a:p>
+            <a:pPr algn="l">
               <a:lnSpc>
-                <a:spcPts val="3640"/>
+                <a:spcPts val="5880"/>
               </a:lnSpc>
             </a:pPr>
-            <a:r>
-              <a:rPr lang="en-US" sz="2600" b="1" spc="-52">
+            <a:endParaRPr lang="en-US" sz="4200" b="1">
+              <a:solidFill>
+                <a:srgbClr val="F7F7F7"/>
+              </a:solidFill>
+              <a:latin typeface="Arial Bold"/>
+              <a:ea typeface="Arial Bold"/>
+              <a:cs typeface="Arial Bold"/>
+              <a:sym typeface="Arial Bold"/>
+            </a:endParaRPr>
+          </a:p>
+          <a:p>
+            <a:pPr marL="906780" lvl="1" indent="-453390" algn="l">
+              <a:lnSpc>
+                <a:spcPts val="5880"/>
+              </a:lnSpc>
+              <a:buFont typeface="Arial"/>
+              <a:buChar char="•"/>
+            </a:pPr>
+            <a:r>
+              <a:rPr lang="en-US" sz="4200" b="1">
                 <a:solidFill>
                   <a:srgbClr val="F7F7F7"/>
                 </a:solidFill>
@@ -7261,7 +6823,70 @@
                 <a:cs typeface="Arial Bold"/>
                 <a:sym typeface="Arial Bold"/>
               </a:rPr>
-              <a:t>Avishek Dutta • Md. Ishrak Mashroor • Ashab Mahmud Raseen • Sneha Nandy</a:t>
+              <a:t>Avishek Dutta (Lead)  –  2524093042</a:t>
+            </a:r>
+          </a:p>
+          <a:p>
+            <a:pPr marL="906780" lvl="1" indent="-453390" algn="l">
+              <a:lnSpc>
+                <a:spcPts val="5880"/>
+              </a:lnSpc>
+              <a:buFont typeface="Arial"/>
+              <a:buChar char="•"/>
+            </a:pPr>
+            <a:r>
+              <a:rPr lang="en-US" sz="4200" b="1">
+                <a:solidFill>
+                  <a:srgbClr val="F7F7F7"/>
+                </a:solidFill>
+                <a:latin typeface="Arial Bold"/>
+                <a:ea typeface="Arial Bold"/>
+                <a:cs typeface="Arial Bold"/>
+                <a:sym typeface="Arial Bold"/>
+              </a:rPr>
+              <a:t>Md Ishrak Mashroor  –  2524709042</a:t>
+            </a:r>
+          </a:p>
+          <a:p>
+            <a:pPr marL="906780" lvl="1" indent="-453390" algn="l">
+              <a:lnSpc>
+                <a:spcPts val="5880"/>
+              </a:lnSpc>
+              <a:buFont typeface="Arial"/>
+              <a:buChar char="•"/>
+            </a:pPr>
+            <a:r>
+              <a:rPr lang="en-US" sz="4200" b="1">
+                <a:solidFill>
+                  <a:srgbClr val="F7F7F7"/>
+                </a:solidFill>
+                <a:latin typeface="Arial Bold"/>
+                <a:ea typeface="Arial Bold"/>
+                <a:cs typeface="Arial Bold"/>
+                <a:sym typeface="Arial Bold"/>
+              </a:rPr>
+              <a:t>Ashab Mahmud Raseen  –  2524767042</a:t>
+            </a:r>
+          </a:p>
+          <a:p>
+            <a:pPr marL="906780" lvl="1" indent="-453390" algn="l">
+              <a:lnSpc>
+                <a:spcPts val="5880"/>
+              </a:lnSpc>
+              <a:buFont typeface="Arial"/>
+              <a:buChar char="•"/>
+            </a:pPr>
+            <a:r>
+              <a:rPr lang="en-US" sz="4200" b="1">
+                <a:solidFill>
+                  <a:srgbClr val="F7F7F7"/>
+                </a:solidFill>
+                <a:latin typeface="Arial Bold"/>
+                <a:ea typeface="Arial Bold"/>
+                <a:cs typeface="Arial Bold"/>
+                <a:sym typeface="Arial Bold"/>
+              </a:rPr>
+              <a:t>Sneha Nandy  –  2524508042</a:t>
             </a:r>
           </a:p>
         </p:txBody>
@@ -7361,14 +6986,14 @@
         <p:spPr>
           <a:xfrm>
             <a:off x="1028700" y="923925"/>
-            <a:ext cx="2982688" cy="953135"/>
+            <a:ext cx="3314700" cy="422167"/>
           </a:xfrm>
           <a:prstGeom prst="rect">
             <a:avLst/>
           </a:prstGeom>
         </p:spPr>
         <p:txBody>
-          <a:bodyPr lIns="0" tIns="0" rIns="0" bIns="0" rtlCol="0" anchor="t">
+          <a:bodyPr wrap="square" lIns="0" tIns="0" rIns="0" bIns="0" rtlCol="0" anchor="t">
             <a:spAutoFit/>
           </a:bodyPr>
           <a:lstStyle/>
@@ -7379,7 +7004,7 @@
               </a:lnSpc>
             </a:pPr>
             <a:r>
-              <a:rPr lang="en-US" sz="2600" b="1" spc="-52">
+              <a:rPr lang="en-US" sz="2600" b="1" spc="-52" dirty="0">
                 <a:solidFill>
                   <a:srgbClr val="F7F7F7"/>
                 </a:solidFill>
@@ -7388,7 +7013,7 @@
                 <a:cs typeface="Arial Bold"/>
                 <a:sym typeface="Arial Bold"/>
               </a:rPr>
-              <a:t>CSE 115.4 | Group 4 </a:t>
+              <a:t>CSE 115.4 | Group 2</a:t>
             </a:r>
           </a:p>
         </p:txBody>
@@ -7484,14 +7109,14 @@
         <p:spPr>
           <a:xfrm>
             <a:off x="1028700" y="1456055"/>
-            <a:ext cx="6994327" cy="2476832"/>
+            <a:ext cx="6249095" cy="1369695"/>
           </a:xfrm>
           <a:prstGeom prst="rect">
             <a:avLst/>
           </a:prstGeom>
         </p:spPr>
         <p:txBody>
-          <a:bodyPr wrap="square" lIns="0" tIns="0" rIns="0" bIns="0" rtlCol="0" anchor="t">
+          <a:bodyPr lIns="0" tIns="0" rIns="0" bIns="0" rtlCol="0" anchor="t">
             <a:spAutoFit/>
           </a:bodyPr>
           <a:lstStyle/>
@@ -7511,7 +7136,7 @@
                 <a:cs typeface="Arial Bold"/>
                 <a:sym typeface="Arial Bold"/>
               </a:rPr>
-              <a:t>INTRODUCTION</a:t>
+              <a:t>DESCRIPTION</a:t>
             </a:r>
           </a:p>
         </p:txBody>
@@ -7524,8 +7149,8 @@
         </p:nvSpPr>
         <p:spPr>
           <a:xfrm>
-            <a:off x="1028700" y="3317886"/>
-            <a:ext cx="16230600" cy="4512945"/>
+            <a:off x="1303801" y="4261206"/>
+            <a:ext cx="15680399" cy="2284095"/>
           </a:xfrm>
           <a:prstGeom prst="rect">
             <a:avLst/>
@@ -7537,13 +7162,13 @@
           </a:bodyPr>
           <a:lstStyle/>
           <a:p>
-            <a:pPr algn="l">
+            <a:pPr algn="ctr">
               <a:lnSpc>
                 <a:spcPts val="5880"/>
               </a:lnSpc>
             </a:pPr>
             <a:r>
-              <a:rPr lang="en-US" sz="4200" b="1">
+              <a:rPr lang="en-US" sz="4200" b="1" dirty="0">
                 <a:solidFill>
                   <a:srgbClr val="F7F7F7"/>
                 </a:solidFill>
@@ -7552,107 +7177,7 @@
                 <a:cs typeface="Arial Bold"/>
                 <a:sym typeface="Arial Bold"/>
               </a:rPr>
-              <a:t>Course Instructor: Mohammad Shifat-E-Rabbi</a:t>
-            </a:r>
-          </a:p>
-          <a:p>
-            <a:pPr algn="l">
-              <a:lnSpc>
-                <a:spcPts val="5880"/>
-              </a:lnSpc>
-            </a:pPr>
-            <a:endParaRPr lang="en-US" sz="4200" b="1">
-              <a:solidFill>
-                <a:srgbClr val="F7F7F7"/>
-              </a:solidFill>
-              <a:latin typeface="Arial Bold"/>
-              <a:ea typeface="Arial Bold"/>
-              <a:cs typeface="Arial Bold"/>
-              <a:sym typeface="Arial Bold"/>
-            </a:endParaRPr>
-          </a:p>
-          <a:p>
-            <a:pPr marL="906780" lvl="1" indent="-453390" algn="l">
-              <a:lnSpc>
-                <a:spcPts val="5880"/>
-              </a:lnSpc>
-              <a:buFont typeface="Arial"/>
-              <a:buChar char="•"/>
-            </a:pPr>
-            <a:r>
-              <a:rPr lang="en-US" sz="4200" b="1">
-                <a:solidFill>
-                  <a:srgbClr val="F7F7F7"/>
-                </a:solidFill>
-                <a:latin typeface="Arial Bold"/>
-                <a:ea typeface="Arial Bold"/>
-                <a:cs typeface="Arial Bold"/>
-                <a:sym typeface="Arial Bold"/>
-              </a:rPr>
-              <a:t>Avishek Dutta (Lead)  –  2524093042</a:t>
-            </a:r>
-          </a:p>
-          <a:p>
-            <a:pPr marL="906780" lvl="1" indent="-453390" algn="l">
-              <a:lnSpc>
-                <a:spcPts val="5880"/>
-              </a:lnSpc>
-              <a:buFont typeface="Arial"/>
-              <a:buChar char="•"/>
-            </a:pPr>
-            <a:r>
-              <a:rPr lang="en-US" sz="4200" b="1">
-                <a:solidFill>
-                  <a:srgbClr val="F7F7F7"/>
-                </a:solidFill>
-                <a:latin typeface="Arial Bold"/>
-                <a:ea typeface="Arial Bold"/>
-                <a:cs typeface="Arial Bold"/>
-                <a:sym typeface="Arial Bold"/>
-              </a:rPr>
-              <a:t>Md Ishrak Mashroor  –  2524709042</a:t>
-            </a:r>
-          </a:p>
-          <a:p>
-            <a:pPr marL="906780" lvl="1" indent="-453390" algn="l">
-              <a:lnSpc>
-                <a:spcPts val="5880"/>
-              </a:lnSpc>
-              <a:buFont typeface="Arial"/>
-              <a:buChar char="•"/>
-            </a:pPr>
-            <a:r>
-              <a:rPr lang="en-US" sz="4200" b="1">
-                <a:solidFill>
-                  <a:srgbClr val="F7F7F7"/>
-                </a:solidFill>
-                <a:latin typeface="Arial Bold"/>
-                <a:ea typeface="Arial Bold"/>
-                <a:cs typeface="Arial Bold"/>
-                <a:sym typeface="Arial Bold"/>
-              </a:rPr>
-              <a:t>Ashab Mahmud Raseen  –  2524767042</a:t>
-            </a:r>
-          </a:p>
-          <a:p>
-            <a:pPr marL="906780" lvl="1" indent="-453390" algn="l">
-              <a:lnSpc>
-                <a:spcPts val="5880"/>
-              </a:lnSpc>
-              <a:buFont typeface="Arial"/>
-              <a:buChar char="•"/>
-            </a:pPr>
-            <a:r>
-              <a:rPr lang="en-US" sz="4200" b="1">
-                <a:solidFill>
-                  <a:srgbClr val="F7F7F7"/>
-                </a:solidFill>
-                <a:latin typeface="Arial Bold"/>
-                <a:ea typeface="Arial Bold"/>
-                <a:cs typeface="Arial Bold"/>
-                <a:sym typeface="Arial Bold"/>
-              </a:rPr>
-              <a:t>Sneha Nandy  –  2524508042</a:t>
+              <a:t>Project Description:  Developing a console-based interface version of the classic Tic-Tac-Toe game where two players can compete against each other.</a:t>
             </a:r>
           </a:p>
         </p:txBody>
@@ -7731,59 +7256,6 @@
           <a:chExt cx="0" cy="0"/>
         </a:xfrm>
       </p:grpSpPr>
-      <p:sp>
-        <p:nvSpPr>
-          <p:cNvPr id="2" name="Freeform 2"/>
-          <p:cNvSpPr/>
-          <p:nvPr/>
-        </p:nvSpPr>
-        <p:spPr>
-          <a:xfrm>
-            <a:off x="0" y="0"/>
-            <a:ext cx="18288000" cy="10287000"/>
-          </a:xfrm>
-          <a:custGeom>
-            <a:avLst/>
-            <a:gdLst/>
-            <a:ahLst/>
-            <a:cxnLst/>
-            <a:rect l="l" t="t" r="r" b="b"/>
-            <a:pathLst>
-              <a:path w="18288000" h="10287000">
-                <a:moveTo>
-                  <a:pt x="0" y="0"/>
-                </a:moveTo>
-                <a:lnTo>
-                  <a:pt x="18288000" y="0"/>
-                </a:lnTo>
-                <a:lnTo>
-                  <a:pt x="18288000" y="10287000"/>
-                </a:lnTo>
-                <a:lnTo>
-                  <a:pt x="0" y="10287000"/>
-                </a:lnTo>
-                <a:lnTo>
-                  <a:pt x="0" y="0"/>
-                </a:lnTo>
-                <a:close/>
-              </a:path>
-            </a:pathLst>
-          </a:custGeom>
-          <a:blipFill>
-            <a:blip r:embed="rId2"/>
-            <a:stretch>
-              <a:fillRect t="-9222" b="-9222"/>
-            </a:stretch>
-          </a:blipFill>
-        </p:spPr>
-        <p:txBody>
-          <a:bodyPr/>
-          <a:lstStyle/>
-          <a:p>
-            <a:endParaRPr lang="en-US"/>
-          </a:p>
-        </p:txBody>
-      </p:sp>
       <p:grpSp>
         <p:nvGrpSpPr>
           <p:cNvPr id="3" name="Group 3"/>
@@ -7792,8 +7264,8 @@
         </p:nvGrpSpPr>
         <p:grpSpPr>
           <a:xfrm>
-            <a:off x="1028700" y="3363274"/>
-            <a:ext cx="6345092" cy="1583422"/>
+            <a:off x="838842" y="3363612"/>
+            <a:ext cx="6698418" cy="1583422"/>
             <a:chOff x="0" y="0"/>
             <a:chExt cx="2007169" cy="500890"/>
           </a:xfrm>
@@ -7895,10 +7367,10 @@
         </p:nvGrpSpPr>
         <p:grpSpPr>
           <a:xfrm>
-            <a:off x="1028700" y="5480096"/>
-            <a:ext cx="6345092" cy="1583422"/>
-            <a:chOff x="0" y="0"/>
-            <a:chExt cx="2007169" cy="500890"/>
+            <a:off x="848037" y="5148879"/>
+            <a:ext cx="6698418" cy="1914639"/>
+            <a:chOff x="-57150" y="-104775"/>
+            <a:chExt cx="2118938" cy="605665"/>
           </a:xfrm>
         </p:grpSpPr>
         <p:sp>
@@ -7909,8 +7381,8 @@
           </p:nvSpPr>
           <p:spPr>
             <a:xfrm>
-              <a:off x="0" y="0"/>
-              <a:ext cx="2007169" cy="500890"/>
+              <a:off x="-57150" y="0"/>
+              <a:ext cx="2118938" cy="500890"/>
             </a:xfrm>
             <a:custGeom>
               <a:avLst/>
@@ -7957,7 +7429,7 @@
             <a:bodyPr/>
             <a:lstStyle/>
             <a:p>
-              <a:endParaRPr lang="en-US"/>
+              <a:endParaRPr lang="en-US" dirty="0"/>
             </a:p>
           </p:txBody>
         </p:sp>
@@ -8029,7 +7501,7 @@
             </a:pathLst>
           </a:custGeom>
           <a:blipFill>
-            <a:blip r:embed="rId3"/>
+            <a:blip r:embed="rId2"/>
             <a:stretch>
               <a:fillRect/>
             </a:stretch>
@@ -8040,129 +7512,6 @@
           <a:lstStyle/>
           <a:p>
             <a:endParaRPr lang="en-US"/>
-          </a:p>
-        </p:txBody>
-      </p:sp>
-      <p:sp>
-        <p:nvSpPr>
-          <p:cNvPr id="10" name="TextBox 10"/>
-          <p:cNvSpPr txBox="1"/>
-          <p:nvPr/>
-        </p:nvSpPr>
-        <p:spPr>
-          <a:xfrm>
-            <a:off x="1028700" y="923925"/>
-            <a:ext cx="2982688" cy="953135"/>
-          </a:xfrm>
-          <a:prstGeom prst="rect">
-            <a:avLst/>
-          </a:prstGeom>
-        </p:spPr>
-        <p:txBody>
-          <a:bodyPr lIns="0" tIns="0" rIns="0" bIns="0" rtlCol="0" anchor="t">
-            <a:spAutoFit/>
-          </a:bodyPr>
-          <a:lstStyle/>
-          <a:p>
-            <a:pPr algn="just">
-              <a:lnSpc>
-                <a:spcPts val="3640"/>
-              </a:lnSpc>
-            </a:pPr>
-            <a:r>
-              <a:rPr lang="en-US" sz="2600" b="1" spc="-52">
-                <a:solidFill>
-                  <a:srgbClr val="F7F7F7"/>
-                </a:solidFill>
-                <a:latin typeface="Arial Bold"/>
-                <a:ea typeface="Arial Bold"/>
-                <a:cs typeface="Arial Bold"/>
-                <a:sym typeface="Arial Bold"/>
-              </a:rPr>
-              <a:t>CSE 115.4 | Group 4 </a:t>
-            </a:r>
-          </a:p>
-        </p:txBody>
-      </p:sp>
-      <p:sp>
-        <p:nvSpPr>
-          <p:cNvPr id="11" name="TextBox 11"/>
-          <p:cNvSpPr txBox="1"/>
-          <p:nvPr/>
-        </p:nvSpPr>
-        <p:spPr>
-          <a:xfrm>
-            <a:off x="1028700" y="8762415"/>
-            <a:ext cx="2424961" cy="495935"/>
-          </a:xfrm>
-          <a:prstGeom prst="rect">
-            <a:avLst/>
-          </a:prstGeom>
-        </p:spPr>
-        <p:txBody>
-          <a:bodyPr lIns="0" tIns="0" rIns="0" bIns="0" rtlCol="0" anchor="t">
-            <a:spAutoFit/>
-          </a:bodyPr>
-          <a:lstStyle/>
-          <a:p>
-            <a:pPr algn="l">
-              <a:lnSpc>
-                <a:spcPts val="3640"/>
-              </a:lnSpc>
-            </a:pPr>
-            <a:r>
-              <a:rPr lang="en-US" sz="2600" i="1">
-                <a:solidFill>
-                  <a:srgbClr val="F7F7F7"/>
-                </a:solidFill>
-                <a:latin typeface="Arial Italics"/>
-                <a:ea typeface="Arial Italics"/>
-                <a:cs typeface="Arial Italics"/>
-                <a:sym typeface="Arial Italics"/>
-              </a:rPr>
-              <a:t>Presented by</a:t>
-            </a:r>
-          </a:p>
-        </p:txBody>
-      </p:sp>
-      <p:sp>
-        <p:nvSpPr>
-          <p:cNvPr id="12" name="TextBox 12"/>
-          <p:cNvSpPr txBox="1"/>
-          <p:nvPr/>
-        </p:nvSpPr>
-        <p:spPr>
-          <a:xfrm>
-            <a:off x="14276612" y="923925"/>
-            <a:ext cx="2982688" cy="495935"/>
-          </a:xfrm>
-          <a:prstGeom prst="rect">
-            <a:avLst/>
-          </a:prstGeom>
-        </p:spPr>
-        <p:txBody>
-          <a:bodyPr lIns="0" tIns="0" rIns="0" bIns="0" rtlCol="0" anchor="t">
-            <a:spAutoFit/>
-          </a:bodyPr>
-          <a:lstStyle/>
-          <a:p>
-            <a:pPr algn="r">
-              <a:lnSpc>
-                <a:spcPts val="3640"/>
-              </a:lnSpc>
-            </a:pPr>
-            <a:r>
-              <a:rPr lang="en-US" sz="2600" b="1" spc="-52">
-                <a:solidFill>
-                  <a:srgbClr val="F7F7F7"/>
-                </a:solidFill>
-                <a:latin typeface="Arial Bold"/>
-                <a:ea typeface="Arial Bold"/>
-                <a:cs typeface="Arial Bold"/>
-                <a:sym typeface="Arial Bold"/>
-              </a:rPr>
-              <a:t>TicTacX</a:t>
-            </a:r>
           </a:p>
         </p:txBody>
       </p:sp>
@@ -8175,14 +7524,14 @@
         <p:spPr>
           <a:xfrm>
             <a:off x="1028700" y="1456055"/>
-            <a:ext cx="7228384" cy="1369695"/>
+            <a:ext cx="9486900" cy="1181606"/>
           </a:xfrm>
           <a:prstGeom prst="rect">
             <a:avLst/>
           </a:prstGeom>
         </p:spPr>
         <p:txBody>
-          <a:bodyPr lIns="0" tIns="0" rIns="0" bIns="0" rtlCol="0" anchor="t">
+          <a:bodyPr wrap="square" lIns="0" tIns="0" rIns="0" bIns="0" rtlCol="0" anchor="t">
             <a:spAutoFit/>
           </a:bodyPr>
           <a:lstStyle/>
@@ -8193,7 +7542,7 @@
               </a:lnSpc>
             </a:pPr>
             <a:r>
-              <a:rPr lang="en-US" sz="7200" b="1">
+              <a:rPr lang="en-US" sz="7200" b="1" dirty="0">
                 <a:solidFill>
                   <a:srgbClr val="F7F7F7"/>
                 </a:solidFill>
@@ -8203,47 +7552,6 @@
                 <a:sym typeface="Arial Bold"/>
               </a:rPr>
               <a:t>WHAT WE BUILT</a:t>
-            </a:r>
-          </a:p>
-        </p:txBody>
-      </p:sp>
-      <p:sp>
-        <p:nvSpPr>
-          <p:cNvPr id="14" name="TextBox 14"/>
-          <p:cNvSpPr txBox="1"/>
-          <p:nvPr/>
-        </p:nvSpPr>
-        <p:spPr>
-          <a:xfrm>
-            <a:off x="3453661" y="8762415"/>
-            <a:ext cx="13805639" cy="495935"/>
-          </a:xfrm>
-          <a:prstGeom prst="rect">
-            <a:avLst/>
-          </a:prstGeom>
-        </p:spPr>
-        <p:txBody>
-          <a:bodyPr lIns="0" tIns="0" rIns="0" bIns="0" rtlCol="0" anchor="t">
-            <a:spAutoFit/>
-          </a:bodyPr>
-          <a:lstStyle/>
-          <a:p>
-            <a:pPr algn="just">
-              <a:lnSpc>
-                <a:spcPts val="3640"/>
-              </a:lnSpc>
-            </a:pPr>
-            <a:r>
-              <a:rPr lang="en-US" sz="2600" b="1" spc="-52">
-                <a:solidFill>
-                  <a:srgbClr val="F7F7F7"/>
-                </a:solidFill>
-                <a:latin typeface="Arial Bold"/>
-                <a:ea typeface="Arial Bold"/>
-                <a:cs typeface="Arial Bold"/>
-                <a:sym typeface="Arial Bold"/>
-              </a:rPr>
-              <a:t>Avishek Dutta • Md. Ishrak Mashroor • Ashab Mahmud Raseen • Sneha Nandy</a:t>
             </a:r>
           </a:p>
         </p:txBody>
@@ -8447,14 +7755,14 @@
         <p:spPr>
           <a:xfrm>
             <a:off x="1028700" y="923925"/>
-            <a:ext cx="2982688" cy="953135"/>
+            <a:ext cx="3390900" cy="422167"/>
           </a:xfrm>
           <a:prstGeom prst="rect">
             <a:avLst/>
           </a:prstGeom>
         </p:spPr>
         <p:txBody>
-          <a:bodyPr lIns="0" tIns="0" rIns="0" bIns="0" rtlCol="0" anchor="t">
+          <a:bodyPr wrap="square" lIns="0" tIns="0" rIns="0" bIns="0" rtlCol="0" anchor="t">
             <a:spAutoFit/>
           </a:bodyPr>
           <a:lstStyle/>
@@ -8465,7 +7773,7 @@
               </a:lnSpc>
             </a:pPr>
             <a:r>
-              <a:rPr lang="en-US" sz="2600" b="1" spc="-52">
+              <a:rPr lang="en-US" sz="2600" b="1" spc="-52" dirty="0">
                 <a:solidFill>
                   <a:srgbClr val="F7F7F7"/>
                 </a:solidFill>
@@ -8474,7 +7782,7 @@
                 <a:cs typeface="Arial Bold"/>
                 <a:sym typeface="Arial Bold"/>
               </a:rPr>
-              <a:t>CSE 115.4 | Group 4 </a:t>
+              <a:t>CSE 115.4 | Group 2 </a:t>
             </a:r>
           </a:p>
         </p:txBody>
@@ -8588,7 +7896,7 @@
               </a:lnSpc>
             </a:pPr>
             <a:r>
-              <a:rPr lang="en-US" sz="7200" b="1">
+              <a:rPr lang="en-US" sz="7200" b="1" dirty="0">
                 <a:solidFill>
                   <a:srgbClr val="F7F7F7"/>
                 </a:solidFill>
@@ -8651,7 +7959,7 @@
         </p:nvGrpSpPr>
         <p:grpSpPr>
           <a:xfrm>
-            <a:off x="5705855" y="3205577"/>
+            <a:off x="5743386" y="3112305"/>
             <a:ext cx="7655969" cy="2392079"/>
             <a:chOff x="0" y="0"/>
             <a:chExt cx="1363164" cy="425915"/>
@@ -8736,6 +8044,38 @@
             <a:bodyPr lIns="50800" tIns="50800" rIns="50800" bIns="50800" rtlCol="0" anchor="ctr"/>
             <a:lstStyle/>
             <a:p>
+              <a:pPr marL="367028" lvl="1" algn="ctr">
+                <a:lnSpc>
+                  <a:spcPts val="4759"/>
+                </a:lnSpc>
+              </a:pPr>
+              <a:endParaRPr lang="en-US" sz="3399" b="1" spc="-67" dirty="0">
+                <a:solidFill>
+                  <a:srgbClr val="FFFFFF"/>
+                </a:solidFill>
+                <a:latin typeface="Arial Bold"/>
+                <a:ea typeface="Arial Bold"/>
+                <a:cs typeface="Arial Bold"/>
+                <a:sym typeface="Arial Bold"/>
+              </a:endParaRPr>
+            </a:p>
+            <a:p>
+              <a:pPr marL="367028" lvl="1" algn="ctr">
+                <a:lnSpc>
+                  <a:spcPts val="4759"/>
+                </a:lnSpc>
+              </a:pPr>
+              <a:endParaRPr lang="en-US" sz="3399" b="1" spc="-67" dirty="0">
+                <a:solidFill>
+                  <a:srgbClr val="FFFFFF"/>
+                </a:solidFill>
+                <a:latin typeface="Arial Bold"/>
+                <a:ea typeface="Arial Bold"/>
+                <a:cs typeface="Arial Bold"/>
+                <a:sym typeface="Arial Bold"/>
+              </a:endParaRPr>
+            </a:p>
+            <a:p>
               <a:pPr marL="734056" lvl="1" indent="-367028" algn="ctr">
                 <a:lnSpc>
                   <a:spcPts val="4759"/>
@@ -8743,7 +8083,7 @@
                 <a:buAutoNum type="arabicPeriod"/>
               </a:pPr>
               <a:r>
-                <a:rPr lang="en-US" sz="3399" b="1" spc="-67">
+                <a:rPr lang="en-US" sz="3399" b="1" spc="-67" dirty="0">
                   <a:solidFill>
                     <a:srgbClr val="FFFFFF"/>
                   </a:solidFill>
@@ -8761,7 +8101,7 @@
                   <a:spcPts val="3640"/>
                 </a:lnSpc>
               </a:pPr>
-              <a:endParaRPr lang="en-US" sz="3399" b="1" spc="-67">
+              <a:endParaRPr lang="en-US" sz="3399" b="1" spc="-67" dirty="0">
                 <a:solidFill>
                   <a:srgbClr val="FFFFFF"/>
                 </a:solidFill>
@@ -8872,8 +8212,40 @@
                   <a:spcPts val="4759"/>
                 </a:lnSpc>
               </a:pPr>
+              <a:endParaRPr lang="en-US" sz="3399" b="1" spc="-67" dirty="0">
+                <a:solidFill>
+                  <a:srgbClr val="FFFFFF"/>
+                </a:solidFill>
+                <a:latin typeface="Arial Bold"/>
+                <a:ea typeface="Arial Bold"/>
+                <a:cs typeface="Arial Bold"/>
+                <a:sym typeface="Arial Bold"/>
+              </a:endParaRPr>
+            </a:p>
+            <a:p>
+              <a:pPr algn="ctr">
+                <a:lnSpc>
+                  <a:spcPts val="4759"/>
+                </a:lnSpc>
+              </a:pPr>
+              <a:endParaRPr lang="en-US" sz="3399" b="1" spc="-67" dirty="0">
+                <a:solidFill>
+                  <a:srgbClr val="FFFFFF"/>
+                </a:solidFill>
+                <a:latin typeface="Arial Bold"/>
+                <a:ea typeface="Arial Bold"/>
+                <a:cs typeface="Arial Bold"/>
+                <a:sym typeface="Arial Bold"/>
+              </a:endParaRPr>
+            </a:p>
+            <a:p>
+              <a:pPr algn="ctr">
+                <a:lnSpc>
+                  <a:spcPts val="4759"/>
+                </a:lnSpc>
+              </a:pPr>
               <a:r>
-                <a:rPr lang="en-US" sz="3399" b="1" spc="-67">
+                <a:rPr lang="en-US" sz="3399" b="1" spc="-67" dirty="0">
                   <a:solidFill>
                     <a:srgbClr val="FFFFFF"/>
                   </a:solidFill>
@@ -8891,7 +8263,7 @@
                   <a:spcPts val="4759"/>
                 </a:lnSpc>
               </a:pPr>
-              <a:endParaRPr lang="en-US" sz="3399" b="1" spc="-67">
+              <a:endParaRPr lang="en-US" sz="3399" b="1" spc="-67" dirty="0">
                 <a:solidFill>
                   <a:srgbClr val="FFFFFF"/>
                 </a:solidFill>
@@ -8939,100 +8311,6 @@
       </p:grpSpPr>
       <p:sp>
         <p:nvSpPr>
-          <p:cNvPr id="2" name="Freeform 2"/>
-          <p:cNvSpPr/>
-          <p:nvPr/>
-        </p:nvSpPr>
-        <p:spPr>
-          <a:xfrm>
-            <a:off x="0" y="0"/>
-            <a:ext cx="18288000" cy="10287000"/>
-          </a:xfrm>
-          <a:custGeom>
-            <a:avLst/>
-            <a:gdLst/>
-            <a:ahLst/>
-            <a:cxnLst/>
-            <a:rect l="l" t="t" r="r" b="b"/>
-            <a:pathLst>
-              <a:path w="18288000" h="10287000">
-                <a:moveTo>
-                  <a:pt x="0" y="0"/>
-                </a:moveTo>
-                <a:lnTo>
-                  <a:pt x="18288000" y="0"/>
-                </a:lnTo>
-                <a:lnTo>
-                  <a:pt x="18288000" y="10287000"/>
-                </a:lnTo>
-                <a:lnTo>
-                  <a:pt x="0" y="10287000"/>
-                </a:lnTo>
-                <a:lnTo>
-                  <a:pt x="0" y="0"/>
-                </a:lnTo>
-                <a:close/>
-              </a:path>
-            </a:pathLst>
-          </a:custGeom>
-          <a:blipFill>
-            <a:blip r:embed="rId2"/>
-            <a:stretch>
-              <a:fillRect t="-9222" b="-9222"/>
-            </a:stretch>
-          </a:blipFill>
-        </p:spPr>
-        <p:txBody>
-          <a:bodyPr/>
-          <a:lstStyle/>
-          <a:p>
-            <a:endParaRPr lang="en-US"/>
-          </a:p>
-        </p:txBody>
-      </p:sp>
-      <p:sp>
-        <p:nvSpPr>
-          <p:cNvPr id="3" name="TextBox 3"/>
-          <p:cNvSpPr txBox="1"/>
-          <p:nvPr/>
-        </p:nvSpPr>
-        <p:spPr>
-          <a:xfrm>
-            <a:off x="1028700" y="923925"/>
-            <a:ext cx="2982688" cy="953135"/>
-          </a:xfrm>
-          <a:prstGeom prst="rect">
-            <a:avLst/>
-          </a:prstGeom>
-        </p:spPr>
-        <p:txBody>
-          <a:bodyPr lIns="0" tIns="0" rIns="0" bIns="0" rtlCol="0" anchor="t">
-            <a:spAutoFit/>
-          </a:bodyPr>
-          <a:lstStyle/>
-          <a:p>
-            <a:pPr algn="just">
-              <a:lnSpc>
-                <a:spcPts val="3640"/>
-              </a:lnSpc>
-            </a:pPr>
-            <a:r>
-              <a:rPr lang="en-US" sz="2600" b="1" spc="-52">
-                <a:solidFill>
-                  <a:srgbClr val="F7F7F7"/>
-                </a:solidFill>
-                <a:latin typeface="Arial Bold"/>
-                <a:ea typeface="Arial Bold"/>
-                <a:cs typeface="Arial Bold"/>
-                <a:sym typeface="Arial Bold"/>
-              </a:rPr>
-              <a:t>CSE 115.4 | Group 4 </a:t>
-            </a:r>
-          </a:p>
-        </p:txBody>
-      </p:sp>
-      <p:sp>
-        <p:nvSpPr>
           <p:cNvPr id="4" name="TextBox 4"/>
           <p:cNvSpPr txBox="1"/>
           <p:nvPr/>
@@ -9122,14 +8400,14 @@
         <p:spPr>
           <a:xfrm>
             <a:off x="1028700" y="1456055"/>
-            <a:ext cx="4841776" cy="1369695"/>
+            <a:ext cx="5143500" cy="1181606"/>
           </a:xfrm>
           <a:prstGeom prst="rect">
             <a:avLst/>
           </a:prstGeom>
         </p:spPr>
         <p:txBody>
-          <a:bodyPr lIns="0" tIns="0" rIns="0" bIns="0" rtlCol="0" anchor="t">
+          <a:bodyPr wrap="square" lIns="0" tIns="0" rIns="0" bIns="0" rtlCol="0" anchor="t">
             <a:spAutoFit/>
           </a:bodyPr>
           <a:lstStyle/>
@@ -9140,7 +8418,7 @@
               </a:lnSpc>
             </a:pPr>
             <a:r>
-              <a:rPr lang="en-US" sz="7200" b="1">
+              <a:rPr lang="en-US" sz="7200" b="1" dirty="0">
                 <a:solidFill>
                   <a:srgbClr val="F7F7F7"/>
                 </a:solidFill>
@@ -9204,14 +8482,14 @@
         <p:spPr>
           <a:xfrm>
             <a:off x="1028700" y="3312055"/>
-            <a:ext cx="12192989" cy="4935479"/>
+            <a:ext cx="13068300" cy="4935479"/>
           </a:xfrm>
           <a:prstGeom prst="rect">
             <a:avLst/>
           </a:prstGeom>
         </p:spPr>
         <p:txBody>
-          <a:bodyPr lIns="0" tIns="0" rIns="0" bIns="0" rtlCol="0" anchor="t">
+          <a:bodyPr wrap="square" lIns="0" tIns="0" rIns="0" bIns="0" rtlCol="0" anchor="t">
             <a:spAutoFit/>
           </a:bodyPr>
           <a:lstStyle/>
@@ -9224,7 +8502,7 @@
               <a:buChar char="•"/>
             </a:pPr>
             <a:r>
-              <a:rPr lang="en-US" sz="3476" b="1" spc="-69">
+              <a:rPr lang="en-US" sz="3476" b="1" spc="-69" dirty="0">
                 <a:solidFill>
                   <a:srgbClr val="F7F7F7"/>
                 </a:solidFill>
@@ -9245,7 +8523,7 @@
               <a:buChar char="•"/>
             </a:pPr>
             <a:r>
-              <a:rPr lang="en-US" sz="3476" b="1" spc="-69">
+              <a:rPr lang="en-US" sz="3476" b="1" spc="-69" dirty="0">
                 <a:solidFill>
                   <a:srgbClr val="F7F7F7"/>
                 </a:solidFill>
@@ -9266,7 +8544,7 @@
               <a:buChar char="•"/>
             </a:pPr>
             <a:r>
-              <a:rPr lang="en-US" sz="3476" b="1" spc="-69">
+              <a:rPr lang="en-US" sz="3476" b="1" spc="-69" dirty="0">
                 <a:solidFill>
                   <a:srgbClr val="F7F7F7"/>
                 </a:solidFill>
@@ -9287,7 +8565,7 @@
               <a:buChar char="•"/>
             </a:pPr>
             <a:r>
-              <a:rPr lang="en-US" sz="3476" b="1" spc="-69">
+              <a:rPr lang="en-US" sz="3476" b="1" spc="-69" dirty="0">
                 <a:solidFill>
                   <a:srgbClr val="F7F7F7"/>
                 </a:solidFill>
@@ -9308,7 +8586,7 @@
               <a:buChar char="•"/>
             </a:pPr>
             <a:r>
-              <a:rPr lang="en-US" sz="3476" b="1" spc="-69">
+              <a:rPr lang="en-US" sz="3476" b="1" spc="-69" dirty="0">
                 <a:solidFill>
                   <a:srgbClr val="F7F7F7"/>
                 </a:solidFill>
@@ -9329,7 +8607,7 @@
               <a:buChar char="•"/>
             </a:pPr>
             <a:r>
-              <a:rPr lang="en-US" sz="3476" b="1" spc="-69">
+              <a:rPr lang="en-US" sz="3476" b="1" spc="-69" dirty="0">
                 <a:solidFill>
                   <a:srgbClr val="F7F7F7"/>
                 </a:solidFill>
@@ -9350,7 +8628,7 @@
               <a:buChar char="•"/>
             </a:pPr>
             <a:r>
-              <a:rPr lang="en-US" sz="3476" b="1" spc="-69">
+              <a:rPr lang="en-US" sz="3476" b="1" spc="-69" dirty="0">
                 <a:solidFill>
                   <a:srgbClr val="F7F7F7"/>
                 </a:solidFill>
@@ -9371,18 +8649,15 @@
                 <a:spcPct val="0"/>
               </a:spcBef>
             </a:pPr>
-            <a:r>
-              <a:rPr lang="en-US" sz="3476" b="1" spc="-69">
-                <a:solidFill>
-                  <a:srgbClr val="F7F7F7"/>
-                </a:solidFill>
-                <a:latin typeface="Arial Bold"/>
-                <a:ea typeface="Arial Bold"/>
-                <a:cs typeface="Arial Bold"/>
-                <a:sym typeface="Arial Bold"/>
-              </a:rPr>
-              <a:t>t</a:t>
-            </a:r>
+            <a:endParaRPr lang="en-US" sz="3476" b="1" spc="-69" dirty="0">
+              <a:solidFill>
+                <a:srgbClr val="F7F7F7"/>
+              </a:solidFill>
+              <a:latin typeface="Arial Bold"/>
+              <a:ea typeface="Arial Bold"/>
+              <a:cs typeface="Arial Bold"/>
+              <a:sym typeface="Arial Bold"/>
+            </a:endParaRPr>
           </a:p>
         </p:txBody>
       </p:sp>
@@ -9421,182 +8696,6 @@
       </p:grpSpPr>
       <p:sp>
         <p:nvSpPr>
-          <p:cNvPr id="2" name="Freeform 2"/>
-          <p:cNvSpPr/>
-          <p:nvPr/>
-        </p:nvSpPr>
-        <p:spPr>
-          <a:xfrm>
-            <a:off x="0" y="0"/>
-            <a:ext cx="18288000" cy="10287000"/>
-          </a:xfrm>
-          <a:custGeom>
-            <a:avLst/>
-            <a:gdLst/>
-            <a:ahLst/>
-            <a:cxnLst/>
-            <a:rect l="l" t="t" r="r" b="b"/>
-            <a:pathLst>
-              <a:path w="18288000" h="10287000">
-                <a:moveTo>
-                  <a:pt x="0" y="0"/>
-                </a:moveTo>
-                <a:lnTo>
-                  <a:pt x="18288000" y="0"/>
-                </a:lnTo>
-                <a:lnTo>
-                  <a:pt x="18288000" y="10287000"/>
-                </a:lnTo>
-                <a:lnTo>
-                  <a:pt x="0" y="10287000"/>
-                </a:lnTo>
-                <a:lnTo>
-                  <a:pt x="0" y="0"/>
-                </a:lnTo>
-                <a:close/>
-              </a:path>
-            </a:pathLst>
-          </a:custGeom>
-          <a:blipFill>
-            <a:blip r:embed="rId2"/>
-            <a:stretch>
-              <a:fillRect t="-9222" b="-9222"/>
-            </a:stretch>
-          </a:blipFill>
-        </p:spPr>
-        <p:txBody>
-          <a:bodyPr/>
-          <a:lstStyle/>
-          <a:p>
-            <a:endParaRPr lang="en-US"/>
-          </a:p>
-        </p:txBody>
-      </p:sp>
-      <p:sp>
-        <p:nvSpPr>
-          <p:cNvPr id="3" name="TextBox 3"/>
-          <p:cNvSpPr txBox="1"/>
-          <p:nvPr/>
-        </p:nvSpPr>
-        <p:spPr>
-          <a:xfrm>
-            <a:off x="1028700" y="923925"/>
-            <a:ext cx="2982688" cy="953135"/>
-          </a:xfrm>
-          <a:prstGeom prst="rect">
-            <a:avLst/>
-          </a:prstGeom>
-        </p:spPr>
-        <p:txBody>
-          <a:bodyPr lIns="0" tIns="0" rIns="0" bIns="0" rtlCol="0" anchor="t">
-            <a:spAutoFit/>
-          </a:bodyPr>
-          <a:lstStyle/>
-          <a:p>
-            <a:pPr algn="just">
-              <a:lnSpc>
-                <a:spcPts val="3640"/>
-              </a:lnSpc>
-            </a:pPr>
-            <a:r>
-              <a:rPr lang="en-US" sz="2600" b="1" spc="-52">
-                <a:solidFill>
-                  <a:srgbClr val="F7F7F7"/>
-                </a:solidFill>
-                <a:latin typeface="Arial Bold"/>
-                <a:ea typeface="Arial Bold"/>
-                <a:cs typeface="Arial Bold"/>
-                <a:sym typeface="Arial Bold"/>
-              </a:rPr>
-              <a:t>CSE 115.4 | Group 4 </a:t>
-            </a:r>
-          </a:p>
-        </p:txBody>
-      </p:sp>
-      <p:sp>
-        <p:nvSpPr>
-          <p:cNvPr id="4" name="TextBox 4"/>
-          <p:cNvSpPr txBox="1"/>
-          <p:nvPr/>
-        </p:nvSpPr>
-        <p:spPr>
-          <a:xfrm>
-            <a:off x="1028700" y="8762415"/>
-            <a:ext cx="2424961" cy="495935"/>
-          </a:xfrm>
-          <a:prstGeom prst="rect">
-            <a:avLst/>
-          </a:prstGeom>
-        </p:spPr>
-        <p:txBody>
-          <a:bodyPr lIns="0" tIns="0" rIns="0" bIns="0" rtlCol="0" anchor="t">
-            <a:spAutoFit/>
-          </a:bodyPr>
-          <a:lstStyle/>
-          <a:p>
-            <a:pPr algn="l">
-              <a:lnSpc>
-                <a:spcPts val="3640"/>
-              </a:lnSpc>
-            </a:pPr>
-            <a:r>
-              <a:rPr lang="en-US" sz="2600" i="1">
-                <a:solidFill>
-                  <a:srgbClr val="F7F7F7"/>
-                </a:solidFill>
-                <a:latin typeface="Arial Italics"/>
-                <a:ea typeface="Arial Italics"/>
-                <a:cs typeface="Arial Italics"/>
-                <a:sym typeface="Arial Italics"/>
-              </a:rPr>
-              <a:t>Presented by</a:t>
-            </a:r>
-          </a:p>
-        </p:txBody>
-      </p:sp>
-      <p:sp>
-        <p:nvSpPr>
-          <p:cNvPr id="5" name="TextBox 5"/>
-          <p:cNvSpPr txBox="1"/>
-          <p:nvPr/>
-        </p:nvSpPr>
-        <p:spPr>
-          <a:xfrm>
-            <a:off x="14276612" y="923925"/>
-            <a:ext cx="2982688" cy="495935"/>
-          </a:xfrm>
-          <a:prstGeom prst="rect">
-            <a:avLst/>
-          </a:prstGeom>
-        </p:spPr>
-        <p:txBody>
-          <a:bodyPr lIns="0" tIns="0" rIns="0" bIns="0" rtlCol="0" anchor="t">
-            <a:spAutoFit/>
-          </a:bodyPr>
-          <a:lstStyle/>
-          <a:p>
-            <a:pPr algn="r">
-              <a:lnSpc>
-                <a:spcPts val="3640"/>
-              </a:lnSpc>
-            </a:pPr>
-            <a:r>
-              <a:rPr lang="en-US" sz="2600" b="1" spc="-52">
-                <a:solidFill>
-                  <a:srgbClr val="F7F7F7"/>
-                </a:solidFill>
-                <a:latin typeface="Arial Bold"/>
-                <a:ea typeface="Arial Bold"/>
-                <a:cs typeface="Arial Bold"/>
-                <a:sym typeface="Arial Bold"/>
-              </a:rPr>
-              <a:t>TicTacX</a:t>
-            </a:r>
-          </a:p>
-        </p:txBody>
-      </p:sp>
-      <p:sp>
-        <p:nvSpPr>
           <p:cNvPr id="6" name="TextBox 6"/>
           <p:cNvSpPr txBox="1"/>
           <p:nvPr/>
@@ -9604,14 +8703,14 @@
         <p:spPr>
           <a:xfrm>
             <a:off x="1028700" y="1456055"/>
-            <a:ext cx="8510389" cy="1369695"/>
+            <a:ext cx="9486900" cy="1181606"/>
           </a:xfrm>
           <a:prstGeom prst="rect">
             <a:avLst/>
           </a:prstGeom>
         </p:spPr>
         <p:txBody>
-          <a:bodyPr lIns="0" tIns="0" rIns="0" bIns="0" rtlCol="0" anchor="t">
+          <a:bodyPr wrap="square" lIns="0" tIns="0" rIns="0" bIns="0" rtlCol="0" anchor="t">
             <a:spAutoFit/>
           </a:bodyPr>
           <a:lstStyle/>
@@ -9622,7 +8721,7 @@
               </a:lnSpc>
             </a:pPr>
             <a:r>
-              <a:rPr lang="en-US" sz="7200" b="1">
+              <a:rPr lang="en-US" sz="7200" b="1" dirty="0">
                 <a:solidFill>
                   <a:srgbClr val="F7F7F7"/>
                 </a:solidFill>
@@ -9632,47 +8731,6 @@
                 <a:sym typeface="Arial Bold"/>
               </a:rPr>
               <a:t>CODE STRUCTURE</a:t>
-            </a:r>
-          </a:p>
-        </p:txBody>
-      </p:sp>
-      <p:sp>
-        <p:nvSpPr>
-          <p:cNvPr id="7" name="TextBox 7"/>
-          <p:cNvSpPr txBox="1"/>
-          <p:nvPr/>
-        </p:nvSpPr>
-        <p:spPr>
-          <a:xfrm>
-            <a:off x="3453661" y="8762415"/>
-            <a:ext cx="13805639" cy="495935"/>
-          </a:xfrm>
-          <a:prstGeom prst="rect">
-            <a:avLst/>
-          </a:prstGeom>
-        </p:spPr>
-        <p:txBody>
-          <a:bodyPr lIns="0" tIns="0" rIns="0" bIns="0" rtlCol="0" anchor="t">
-            <a:spAutoFit/>
-          </a:bodyPr>
-          <a:lstStyle/>
-          <a:p>
-            <a:pPr algn="just">
-              <a:lnSpc>
-                <a:spcPts val="3640"/>
-              </a:lnSpc>
-            </a:pPr>
-            <a:r>
-              <a:rPr lang="en-US" sz="2600" b="1" spc="-52">
-                <a:solidFill>
-                  <a:srgbClr val="F7F7F7"/>
-                </a:solidFill>
-                <a:latin typeface="Arial Bold"/>
-                <a:ea typeface="Arial Bold"/>
-                <a:cs typeface="Arial Bold"/>
-                <a:sym typeface="Arial Bold"/>
-              </a:rPr>
-              <a:t>Avishek Dutta • Md. Ishrak Mashroor • Ashab Mahmud Raseen • Sneha Nandy</a:t>
             </a:r>
           </a:p>
         </p:txBody>
@@ -10788,141 +9846,6 @@
       </p:grpSpPr>
       <p:sp>
         <p:nvSpPr>
-          <p:cNvPr id="2" name="Freeform 2"/>
-          <p:cNvSpPr/>
-          <p:nvPr/>
-        </p:nvSpPr>
-        <p:spPr>
-          <a:xfrm>
-            <a:off x="0" y="0"/>
-            <a:ext cx="18288000" cy="10287000"/>
-          </a:xfrm>
-          <a:custGeom>
-            <a:avLst/>
-            <a:gdLst/>
-            <a:ahLst/>
-            <a:cxnLst/>
-            <a:rect l="l" t="t" r="r" b="b"/>
-            <a:pathLst>
-              <a:path w="18288000" h="10287000">
-                <a:moveTo>
-                  <a:pt x="0" y="0"/>
-                </a:moveTo>
-                <a:lnTo>
-                  <a:pt x="18288000" y="0"/>
-                </a:lnTo>
-                <a:lnTo>
-                  <a:pt x="18288000" y="10287000"/>
-                </a:lnTo>
-                <a:lnTo>
-                  <a:pt x="0" y="10287000"/>
-                </a:lnTo>
-                <a:lnTo>
-                  <a:pt x="0" y="0"/>
-                </a:lnTo>
-                <a:close/>
-              </a:path>
-            </a:pathLst>
-          </a:custGeom>
-          <a:blipFill>
-            <a:blip r:embed="rId2"/>
-            <a:stretch>
-              <a:fillRect t="-9222" b="-9222"/>
-            </a:stretch>
-          </a:blipFill>
-        </p:spPr>
-        <p:txBody>
-          <a:bodyPr/>
-          <a:lstStyle/>
-          <a:p>
-            <a:endParaRPr lang="en-US"/>
-          </a:p>
-        </p:txBody>
-      </p:sp>
-      <p:sp>
-        <p:nvSpPr>
-          <p:cNvPr id="3" name="TextBox 3"/>
-          <p:cNvSpPr txBox="1"/>
-          <p:nvPr/>
-        </p:nvSpPr>
-        <p:spPr>
-          <a:xfrm>
-            <a:off x="1028700" y="923925"/>
-            <a:ext cx="2982688" cy="953135"/>
-          </a:xfrm>
-          <a:prstGeom prst="rect">
-            <a:avLst/>
-          </a:prstGeom>
-        </p:spPr>
-        <p:txBody>
-          <a:bodyPr lIns="0" tIns="0" rIns="0" bIns="0" rtlCol="0" anchor="t">
-            <a:spAutoFit/>
-          </a:bodyPr>
-          <a:lstStyle/>
-          <a:p>
-            <a:pPr algn="just">
-              <a:lnSpc>
-                <a:spcPts val="3640"/>
-              </a:lnSpc>
-            </a:pPr>
-            <a:r>
-              <a:rPr lang="en-US" sz="2600" b="1" spc="-52">
-                <a:solidFill>
-                  <a:srgbClr val="F7F7F7"/>
-                </a:solidFill>
-                <a:latin typeface="Arial Bold"/>
-                <a:ea typeface="Arial Bold"/>
-                <a:cs typeface="Arial Bold"/>
-                <a:sym typeface="Arial Bold"/>
-              </a:rPr>
-              <a:t>CSE 115.4 | Group 4 </a:t>
-            </a:r>
-          </a:p>
-        </p:txBody>
-      </p:sp>
-      <p:sp>
-        <p:nvSpPr>
-          <p:cNvPr id="4" name="TextBox 4"/>
-          <p:cNvSpPr txBox="1"/>
-          <p:nvPr/>
-        </p:nvSpPr>
-        <p:spPr>
-          <a:xfrm>
-            <a:off x="1028700" y="8762415"/>
-            <a:ext cx="2424961" cy="495935"/>
-          </a:xfrm>
-          <a:prstGeom prst="rect">
-            <a:avLst/>
-          </a:prstGeom>
-        </p:spPr>
-        <p:txBody>
-          <a:bodyPr lIns="0" tIns="0" rIns="0" bIns="0" rtlCol="0" anchor="t">
-            <a:spAutoFit/>
-          </a:bodyPr>
-          <a:lstStyle/>
-          <a:p>
-            <a:pPr algn="l">
-              <a:lnSpc>
-                <a:spcPts val="3640"/>
-              </a:lnSpc>
-            </a:pPr>
-            <a:r>
-              <a:rPr lang="en-US" sz="2600" i="1">
-                <a:solidFill>
-                  <a:srgbClr val="F7F7F7"/>
-                </a:solidFill>
-                <a:latin typeface="Arial Italics"/>
-                <a:ea typeface="Arial Italics"/>
-                <a:cs typeface="Arial Italics"/>
-                <a:sym typeface="Arial Italics"/>
-              </a:rPr>
-              <a:t>Presented by</a:t>
-            </a:r>
-          </a:p>
-        </p:txBody>
-      </p:sp>
-      <p:sp>
-        <p:nvSpPr>
           <p:cNvPr id="5" name="TextBox 5"/>
           <p:cNvSpPr txBox="1"/>
           <p:nvPr/>
@@ -10971,14 +9894,14 @@
         <p:spPr>
           <a:xfrm>
             <a:off x="1028700" y="1456055"/>
-            <a:ext cx="5650111" cy="1369695"/>
+            <a:ext cx="6330890" cy="1181606"/>
           </a:xfrm>
           <a:prstGeom prst="rect">
             <a:avLst/>
           </a:prstGeom>
         </p:spPr>
         <p:txBody>
-          <a:bodyPr lIns="0" tIns="0" rIns="0" bIns="0" rtlCol="0" anchor="t">
+          <a:bodyPr wrap="square" lIns="0" tIns="0" rIns="0" bIns="0" rtlCol="0" anchor="t">
             <a:spAutoFit/>
           </a:bodyPr>
           <a:lstStyle/>
@@ -10989,7 +9912,7 @@
               </a:lnSpc>
             </a:pPr>
             <a:r>
-              <a:rPr lang="en-US" sz="7200" b="1">
+              <a:rPr lang="en-US" sz="7200" b="1" dirty="0">
                 <a:solidFill>
                   <a:srgbClr val="F7F7F7"/>
                 </a:solidFill>
@@ -10999,47 +9922,6 @@
                 <a:sym typeface="Arial Bold"/>
               </a:rPr>
               <a:t>GAME FLOW</a:t>
-            </a:r>
-          </a:p>
-        </p:txBody>
-      </p:sp>
-      <p:sp>
-        <p:nvSpPr>
-          <p:cNvPr id="7" name="TextBox 7"/>
-          <p:cNvSpPr txBox="1"/>
-          <p:nvPr/>
-        </p:nvSpPr>
-        <p:spPr>
-          <a:xfrm>
-            <a:off x="3453661" y="8762415"/>
-            <a:ext cx="13805639" cy="495935"/>
-          </a:xfrm>
-          <a:prstGeom prst="rect">
-            <a:avLst/>
-          </a:prstGeom>
-        </p:spPr>
-        <p:txBody>
-          <a:bodyPr lIns="0" tIns="0" rIns="0" bIns="0" rtlCol="0" anchor="t">
-            <a:spAutoFit/>
-          </a:bodyPr>
-          <a:lstStyle/>
-          <a:p>
-            <a:pPr algn="just">
-              <a:lnSpc>
-                <a:spcPts val="3640"/>
-              </a:lnSpc>
-            </a:pPr>
-            <a:r>
-              <a:rPr lang="en-US" sz="2600" b="1" spc="-52">
-                <a:solidFill>
-                  <a:srgbClr val="F7F7F7"/>
-                </a:solidFill>
-                <a:latin typeface="Arial Bold"/>
-                <a:ea typeface="Arial Bold"/>
-                <a:cs typeface="Arial Bold"/>
-                <a:sym typeface="Arial Bold"/>
-              </a:rPr>
-              <a:t>Avishek Dutta • Md. Ishrak Mashroor • Ashab Mahmud Raseen • Sneha Nandy</a:t>
             </a:r>
           </a:p>
         </p:txBody>
@@ -11052,7 +9934,7 @@
         </p:nvGrpSpPr>
         <p:grpSpPr>
           <a:xfrm>
-            <a:off x="1142279" y="3378868"/>
+            <a:off x="1064869" y="3350096"/>
             <a:ext cx="2755530" cy="1000466"/>
             <a:chOff x="0" y="0"/>
             <a:chExt cx="725736" cy="263497"/>
@@ -11131,7 +10013,10 @@
             <a:bodyPr/>
             <a:lstStyle/>
             <a:p>
-              <a:endParaRPr lang="en-US"/>
+              <a:endParaRPr lang="en-US" dirty="0"/>
+            </a:p>
+            <a:p>
+              <a:endParaRPr lang="en-US" dirty="0"/>
             </a:p>
           </p:txBody>
         </p:sp>
@@ -11159,8 +10044,24 @@
                   <a:spcPts val="4059"/>
                 </a:lnSpc>
               </a:pPr>
+              <a:endParaRPr lang="en-US" sz="2899" b="1" spc="-57" dirty="0">
+                <a:solidFill>
+                  <a:srgbClr val="FFFFFF"/>
+                </a:solidFill>
+                <a:latin typeface="Arial Bold"/>
+                <a:ea typeface="Arial Bold"/>
+                <a:cs typeface="Arial Bold"/>
+                <a:sym typeface="Arial Bold"/>
+              </a:endParaRPr>
+            </a:p>
+            <a:p>
+              <a:pPr algn="ctr">
+                <a:lnSpc>
+                  <a:spcPts val="4059"/>
+                </a:lnSpc>
+              </a:pPr>
               <a:r>
-                <a:rPr lang="en-US" sz="2899" b="1" spc="-57">
+                <a:rPr lang="en-US" sz="2899" b="1" spc="-57" dirty="0">
                   <a:solidFill>
                     <a:srgbClr val="FFFFFF"/>
                   </a:solidFill>
@@ -11290,8 +10191,24 @@
                   <a:spcPts val="3919"/>
                 </a:lnSpc>
               </a:pPr>
+              <a:endParaRPr lang="en-US" sz="2799" b="1" spc="-55" dirty="0">
+                <a:solidFill>
+                  <a:srgbClr val="FFFFFF"/>
+                </a:solidFill>
+                <a:latin typeface="Arial Bold"/>
+                <a:ea typeface="Arial Bold"/>
+                <a:cs typeface="Arial Bold"/>
+                <a:sym typeface="Arial Bold"/>
+              </a:endParaRPr>
+            </a:p>
+            <a:p>
+              <a:pPr algn="ctr">
+                <a:lnSpc>
+                  <a:spcPts val="3919"/>
+                </a:lnSpc>
+              </a:pPr>
               <a:r>
-                <a:rPr lang="en-US" sz="2799" b="1" spc="-55">
+                <a:rPr lang="en-US" sz="2799" b="1" spc="-55" dirty="0">
                   <a:solidFill>
                     <a:srgbClr val="FFFFFF"/>
                   </a:solidFill>
@@ -11421,8 +10338,24 @@
                   <a:spcPts val="3919"/>
                 </a:lnSpc>
               </a:pPr>
+              <a:endParaRPr lang="en-US" sz="2799" b="1" spc="-55" dirty="0">
+                <a:solidFill>
+                  <a:srgbClr val="FFFFFF"/>
+                </a:solidFill>
+                <a:latin typeface="Arial Bold"/>
+                <a:ea typeface="Arial Bold"/>
+                <a:cs typeface="Arial Bold"/>
+                <a:sym typeface="Arial Bold"/>
+              </a:endParaRPr>
+            </a:p>
+            <a:p>
+              <a:pPr algn="ctr">
+                <a:lnSpc>
+                  <a:spcPts val="3919"/>
+                </a:lnSpc>
+              </a:pPr>
               <a:r>
-                <a:rPr lang="en-US" sz="2799" b="1" spc="-55">
+                <a:rPr lang="en-US" sz="2799" b="1" spc="-55" dirty="0">
                   <a:solidFill>
                     <a:srgbClr val="FFFFFF"/>
                   </a:solidFill>
@@ -11552,8 +10485,24 @@
                   <a:spcPts val="3919"/>
                 </a:lnSpc>
               </a:pPr>
+              <a:endParaRPr lang="en-US" sz="2799" b="1" spc="-55" dirty="0">
+                <a:solidFill>
+                  <a:srgbClr val="FFFFFF"/>
+                </a:solidFill>
+                <a:latin typeface="Arial Bold"/>
+                <a:ea typeface="Arial Bold"/>
+                <a:cs typeface="Arial Bold"/>
+                <a:sym typeface="Arial Bold"/>
+              </a:endParaRPr>
+            </a:p>
+            <a:p>
+              <a:pPr algn="ctr">
+                <a:lnSpc>
+                  <a:spcPts val="3919"/>
+                </a:lnSpc>
+              </a:pPr>
               <a:r>
-                <a:rPr lang="en-US" sz="2799" b="1" spc="-55">
+                <a:rPr lang="en-US" sz="2799" b="1" spc="-55" dirty="0">
                   <a:solidFill>
                     <a:srgbClr val="FFFFFF"/>
                   </a:solidFill>
@@ -11683,8 +10632,24 @@
                   <a:spcPts val="3919"/>
                 </a:lnSpc>
               </a:pPr>
+              <a:endParaRPr lang="en-US" sz="2799" b="1" spc="-55" dirty="0">
+                <a:solidFill>
+                  <a:srgbClr val="FFFFFF"/>
+                </a:solidFill>
+                <a:latin typeface="Arial Bold"/>
+                <a:ea typeface="Arial Bold"/>
+                <a:cs typeface="Arial Bold"/>
+                <a:sym typeface="Arial Bold"/>
+              </a:endParaRPr>
+            </a:p>
+            <a:p>
+              <a:pPr algn="ctr">
+                <a:lnSpc>
+                  <a:spcPts val="3919"/>
+                </a:lnSpc>
+              </a:pPr>
               <a:r>
-                <a:rPr lang="en-US" sz="2799" b="1" spc="-55">
+                <a:rPr lang="en-US" sz="2799" b="1" spc="-55" dirty="0">
                   <a:solidFill>
                     <a:srgbClr val="FFFFFF"/>
                   </a:solidFill>
@@ -12471,182 +11436,6 @@
       </p:grpSpPr>
       <p:sp>
         <p:nvSpPr>
-          <p:cNvPr id="2" name="Freeform 2"/>
-          <p:cNvSpPr/>
-          <p:nvPr/>
-        </p:nvSpPr>
-        <p:spPr>
-          <a:xfrm>
-            <a:off x="0" y="0"/>
-            <a:ext cx="18288000" cy="10287000"/>
-          </a:xfrm>
-          <a:custGeom>
-            <a:avLst/>
-            <a:gdLst/>
-            <a:ahLst/>
-            <a:cxnLst/>
-            <a:rect l="l" t="t" r="r" b="b"/>
-            <a:pathLst>
-              <a:path w="18288000" h="10287000">
-                <a:moveTo>
-                  <a:pt x="0" y="0"/>
-                </a:moveTo>
-                <a:lnTo>
-                  <a:pt x="18288000" y="0"/>
-                </a:lnTo>
-                <a:lnTo>
-                  <a:pt x="18288000" y="10287000"/>
-                </a:lnTo>
-                <a:lnTo>
-                  <a:pt x="0" y="10287000"/>
-                </a:lnTo>
-                <a:lnTo>
-                  <a:pt x="0" y="0"/>
-                </a:lnTo>
-                <a:close/>
-              </a:path>
-            </a:pathLst>
-          </a:custGeom>
-          <a:blipFill>
-            <a:blip r:embed="rId2"/>
-            <a:stretch>
-              <a:fillRect t="-9222" b="-9222"/>
-            </a:stretch>
-          </a:blipFill>
-        </p:spPr>
-        <p:txBody>
-          <a:bodyPr/>
-          <a:lstStyle/>
-          <a:p>
-            <a:endParaRPr lang="en-US"/>
-          </a:p>
-        </p:txBody>
-      </p:sp>
-      <p:sp>
-        <p:nvSpPr>
-          <p:cNvPr id="3" name="TextBox 3"/>
-          <p:cNvSpPr txBox="1"/>
-          <p:nvPr/>
-        </p:nvSpPr>
-        <p:spPr>
-          <a:xfrm>
-            <a:off x="1028700" y="923925"/>
-            <a:ext cx="2982688" cy="953135"/>
-          </a:xfrm>
-          <a:prstGeom prst="rect">
-            <a:avLst/>
-          </a:prstGeom>
-        </p:spPr>
-        <p:txBody>
-          <a:bodyPr lIns="0" tIns="0" rIns="0" bIns="0" rtlCol="0" anchor="t">
-            <a:spAutoFit/>
-          </a:bodyPr>
-          <a:lstStyle/>
-          <a:p>
-            <a:pPr algn="just">
-              <a:lnSpc>
-                <a:spcPts val="3640"/>
-              </a:lnSpc>
-            </a:pPr>
-            <a:r>
-              <a:rPr lang="en-US" sz="2600" b="1" spc="-52">
-                <a:solidFill>
-                  <a:srgbClr val="F7F7F7"/>
-                </a:solidFill>
-                <a:latin typeface="Arial Bold"/>
-                <a:ea typeface="Arial Bold"/>
-                <a:cs typeface="Arial Bold"/>
-                <a:sym typeface="Arial Bold"/>
-              </a:rPr>
-              <a:t>CSE 115.4 | Group 4 </a:t>
-            </a:r>
-          </a:p>
-        </p:txBody>
-      </p:sp>
-      <p:sp>
-        <p:nvSpPr>
-          <p:cNvPr id="4" name="TextBox 4"/>
-          <p:cNvSpPr txBox="1"/>
-          <p:nvPr/>
-        </p:nvSpPr>
-        <p:spPr>
-          <a:xfrm>
-            <a:off x="1028700" y="8762415"/>
-            <a:ext cx="2424961" cy="495935"/>
-          </a:xfrm>
-          <a:prstGeom prst="rect">
-            <a:avLst/>
-          </a:prstGeom>
-        </p:spPr>
-        <p:txBody>
-          <a:bodyPr lIns="0" tIns="0" rIns="0" bIns="0" rtlCol="0" anchor="t">
-            <a:spAutoFit/>
-          </a:bodyPr>
-          <a:lstStyle/>
-          <a:p>
-            <a:pPr algn="l">
-              <a:lnSpc>
-                <a:spcPts val="3640"/>
-              </a:lnSpc>
-            </a:pPr>
-            <a:r>
-              <a:rPr lang="en-US" sz="2600" i="1">
-                <a:solidFill>
-                  <a:srgbClr val="F7F7F7"/>
-                </a:solidFill>
-                <a:latin typeface="Arial Italics"/>
-                <a:ea typeface="Arial Italics"/>
-                <a:cs typeface="Arial Italics"/>
-                <a:sym typeface="Arial Italics"/>
-              </a:rPr>
-              <a:t>Presented by</a:t>
-            </a:r>
-          </a:p>
-        </p:txBody>
-      </p:sp>
-      <p:sp>
-        <p:nvSpPr>
-          <p:cNvPr id="5" name="TextBox 5"/>
-          <p:cNvSpPr txBox="1"/>
-          <p:nvPr/>
-        </p:nvSpPr>
-        <p:spPr>
-          <a:xfrm>
-            <a:off x="14276612" y="923925"/>
-            <a:ext cx="2982688" cy="495935"/>
-          </a:xfrm>
-          <a:prstGeom prst="rect">
-            <a:avLst/>
-          </a:prstGeom>
-        </p:spPr>
-        <p:txBody>
-          <a:bodyPr lIns="0" tIns="0" rIns="0" bIns="0" rtlCol="0" anchor="t">
-            <a:spAutoFit/>
-          </a:bodyPr>
-          <a:lstStyle/>
-          <a:p>
-            <a:pPr algn="r">
-              <a:lnSpc>
-                <a:spcPts val="3640"/>
-              </a:lnSpc>
-            </a:pPr>
-            <a:r>
-              <a:rPr lang="en-US" sz="2600" b="1" spc="-52">
-                <a:solidFill>
-                  <a:srgbClr val="F7F7F7"/>
-                </a:solidFill>
-                <a:latin typeface="Arial Bold"/>
-                <a:ea typeface="Arial Bold"/>
-                <a:cs typeface="Arial Bold"/>
-                <a:sym typeface="Arial Bold"/>
-              </a:rPr>
-              <a:t>TicTacX</a:t>
-            </a:r>
-          </a:p>
-        </p:txBody>
-      </p:sp>
-      <p:sp>
-        <p:nvSpPr>
           <p:cNvPr id="6" name="TextBox 6"/>
           <p:cNvSpPr txBox="1"/>
           <p:nvPr/>
@@ -12686,47 +11475,6 @@
           </a:p>
         </p:txBody>
       </p:sp>
-      <p:sp>
-        <p:nvSpPr>
-          <p:cNvPr id="7" name="TextBox 7"/>
-          <p:cNvSpPr txBox="1"/>
-          <p:nvPr/>
-        </p:nvSpPr>
-        <p:spPr>
-          <a:xfrm>
-            <a:off x="3453661" y="8762415"/>
-            <a:ext cx="13805639" cy="495935"/>
-          </a:xfrm>
-          <a:prstGeom prst="rect">
-            <a:avLst/>
-          </a:prstGeom>
-        </p:spPr>
-        <p:txBody>
-          <a:bodyPr lIns="0" tIns="0" rIns="0" bIns="0" rtlCol="0" anchor="t">
-            <a:spAutoFit/>
-          </a:bodyPr>
-          <a:lstStyle/>
-          <a:p>
-            <a:pPr algn="just">
-              <a:lnSpc>
-                <a:spcPts val="3640"/>
-              </a:lnSpc>
-            </a:pPr>
-            <a:r>
-              <a:rPr lang="en-US" sz="2600" b="1" spc="-52">
-                <a:solidFill>
-                  <a:srgbClr val="F7F7F7"/>
-                </a:solidFill>
-                <a:latin typeface="Arial Bold"/>
-                <a:ea typeface="Arial Bold"/>
-                <a:cs typeface="Arial Bold"/>
-                <a:sym typeface="Arial Bold"/>
-              </a:rPr>
-              <a:t>Avishek Dutta • Md. Ishrak Mashroor • Ashab Mahmud Raseen • Sneha Nandy</a:t>
-            </a:r>
-          </a:p>
-        </p:txBody>
-      </p:sp>
       <p:grpSp>
         <p:nvGrpSpPr>
           <p:cNvPr id="8" name="Group 8"/>
@@ -12735,10 +11483,10 @@
         </p:nvGrpSpPr>
         <p:grpSpPr>
           <a:xfrm>
-            <a:off x="2985256" y="2638627"/>
-            <a:ext cx="5668394" cy="1898583"/>
-            <a:chOff x="0" y="0"/>
-            <a:chExt cx="1213344" cy="406400"/>
+            <a:off x="2985256" y="2015654"/>
+            <a:ext cx="5668394" cy="2521556"/>
+            <a:chOff x="0" y="-133350"/>
+            <a:chExt cx="1213344" cy="539750"/>
           </a:xfrm>
         </p:grpSpPr>
         <p:sp>
@@ -12805,7 +11553,7 @@
             <a:bodyPr/>
             <a:lstStyle/>
             <a:p>
-              <a:endParaRPr lang="en-US"/>
+              <a:endParaRPr lang="en-US" dirty="0"/>
             </a:p>
           </p:txBody>
         </p:sp>
@@ -12834,7 +11582,7 @@
                 </a:lnSpc>
               </a:pPr>
               <a:r>
-                <a:rPr lang="en-US" sz="3399" b="1" spc="-67">
+                <a:rPr lang="en-US" sz="3399" b="1" spc="-67" dirty="0">
                   <a:solidFill>
                     <a:srgbClr val="FFFFFF"/>
                   </a:solidFill>
@@ -12843,7 +11591,7 @@
                   <a:cs typeface="Arial Bold"/>
                   <a:sym typeface="Arial Bold"/>
                 </a:rPr>
-                <a:t> Clean 3x3 Grid </a:t>
+                <a:t> </a:t>
               </a:r>
             </a:p>
             <a:p>
@@ -12853,7 +11601,26 @@
                 </a:lnSpc>
               </a:pPr>
               <a:r>
-                <a:rPr lang="en-US" sz="3399" b="1" spc="-67">
+                <a:rPr lang="en-US" sz="3200" b="1" spc="-67" dirty="0">
+                  <a:solidFill>
+                    <a:srgbClr val="FFFFFF"/>
+                  </a:solidFill>
+                  <a:latin typeface="Arial Bold"/>
+                  <a:ea typeface="Arial Bold"/>
+                  <a:cs typeface="Arial Bold"/>
+                  <a:sym typeface="Arial Bold"/>
+                </a:rPr>
+                <a:t>Clean 3x3 Grid </a:t>
+              </a:r>
+            </a:p>
+            <a:p>
+              <a:pPr algn="ctr">
+                <a:lnSpc>
+                  <a:spcPts val="4759"/>
+                </a:lnSpc>
+              </a:pPr>
+              <a:r>
+                <a:rPr lang="en-US" sz="3200" b="1" spc="-67" dirty="0">
                   <a:solidFill>
                     <a:srgbClr val="FFFFFF"/>
                   </a:solidFill>
@@ -12876,10 +11643,10 @@
         </p:nvGrpSpPr>
         <p:grpSpPr>
           <a:xfrm>
-            <a:off x="10099562" y="2638627"/>
-            <a:ext cx="5668394" cy="1898583"/>
-            <a:chOff x="0" y="0"/>
-            <a:chExt cx="1213344" cy="406400"/>
+            <a:off x="10099562" y="2015654"/>
+            <a:ext cx="5668394" cy="2521556"/>
+            <a:chOff x="0" y="-133350"/>
+            <a:chExt cx="1213344" cy="539750"/>
           </a:xfrm>
         </p:grpSpPr>
         <p:sp>
@@ -12946,7 +11713,7 @@
             <a:bodyPr/>
             <a:lstStyle/>
             <a:p>
-              <a:endParaRPr lang="en-US"/>
+              <a:endParaRPr lang="en-US" dirty="0"/>
             </a:p>
           </p:txBody>
         </p:sp>
@@ -12975,7 +11742,7 @@
                 </a:lnSpc>
               </a:pPr>
               <a:r>
-                <a:rPr lang="en-US" sz="3399" b="1" spc="-67">
+                <a:rPr lang="en-US" sz="3200" b="1" spc="-67" dirty="0">
                   <a:solidFill>
                     <a:srgbClr val="FFFFFF"/>
                   </a:solidFill>
@@ -12994,7 +11761,7 @@
                 </a:lnSpc>
               </a:pPr>
               <a:r>
-                <a:rPr lang="en-US" sz="3399" b="1" spc="-67">
+                <a:rPr lang="en-US" sz="3200" b="1" spc="-67" dirty="0">
                   <a:solidFill>
                     <a:srgbClr val="FFFFFF"/>
                   </a:solidFill>
@@ -13087,7 +11854,7 @@
             <a:bodyPr/>
             <a:lstStyle/>
             <a:p>
-              <a:endParaRPr lang="en-US"/>
+              <a:endParaRPr lang="en-US" dirty="0"/>
             </a:p>
           </p:txBody>
         </p:sp>
@@ -13115,8 +11882,24 @@
                   <a:spcPts val="4759"/>
                 </a:lnSpc>
               </a:pPr>
+              <a:endParaRPr lang="en-US" sz="2800" b="1" spc="-67" dirty="0">
+                <a:solidFill>
+                  <a:srgbClr val="FFFFFF"/>
+                </a:solidFill>
+                <a:latin typeface="Arial Bold"/>
+                <a:ea typeface="Arial Bold"/>
+                <a:cs typeface="Arial Bold"/>
+                <a:sym typeface="Arial Bold"/>
+              </a:endParaRPr>
+            </a:p>
+            <a:p>
+              <a:pPr algn="ctr">
+                <a:lnSpc>
+                  <a:spcPts val="4759"/>
+                </a:lnSpc>
+              </a:pPr>
               <a:r>
-                <a:rPr lang="en-US" sz="3399" b="1" spc="-67">
+                <a:rPr lang="en-US" sz="2800" b="1" spc="-67" dirty="0">
                   <a:solidFill>
                     <a:srgbClr val="FFFFFF"/>
                   </a:solidFill>
@@ -13237,8 +12020,24 @@
                   <a:spcPts val="4759"/>
                 </a:lnSpc>
               </a:pPr>
+              <a:endParaRPr lang="en-US" sz="2800" b="1" spc="-67" dirty="0">
+                <a:solidFill>
+                  <a:srgbClr val="FFFFFF"/>
+                </a:solidFill>
+                <a:latin typeface="Arial Bold"/>
+                <a:ea typeface="Arial Bold"/>
+                <a:cs typeface="Arial Bold"/>
+                <a:sym typeface="Arial Bold"/>
+              </a:endParaRPr>
+            </a:p>
+            <a:p>
+              <a:pPr algn="ctr">
+                <a:lnSpc>
+                  <a:spcPts val="4759"/>
+                </a:lnSpc>
+              </a:pPr>
               <a:r>
-                <a:rPr lang="en-US" sz="3399" b="1" spc="-67">
+                <a:rPr lang="en-US" sz="2800" b="1" spc="-67" dirty="0">
                   <a:solidFill>
                     <a:srgbClr val="FFFFFF"/>
                   </a:solidFill>
@@ -13257,7 +12056,7 @@
                 </a:lnSpc>
               </a:pPr>
               <a:r>
-                <a:rPr lang="en-US" sz="3399" b="1" spc="-67">
+                <a:rPr lang="en-US" sz="2800" b="1" spc="-67" dirty="0">
                   <a:solidFill>
                     <a:srgbClr val="FFFFFF"/>
                   </a:solidFill>
@@ -13280,10 +12079,10 @@
         </p:nvGrpSpPr>
         <p:grpSpPr>
           <a:xfrm>
-            <a:off x="10099562" y="4717194"/>
-            <a:ext cx="5668394" cy="1898583"/>
-            <a:chOff x="0" y="0"/>
-            <a:chExt cx="1213344" cy="406400"/>
+            <a:off x="10107523" y="4094221"/>
+            <a:ext cx="5668394" cy="2521556"/>
+            <a:chOff x="0" y="-133350"/>
+            <a:chExt cx="1213344" cy="539750"/>
           </a:xfrm>
         </p:grpSpPr>
         <p:sp>
@@ -13350,7 +12149,7 @@
             <a:bodyPr/>
             <a:lstStyle/>
             <a:p>
-              <a:endParaRPr lang="en-US"/>
+              <a:endParaRPr lang="en-US" dirty="0"/>
             </a:p>
           </p:txBody>
         </p:sp>
@@ -13378,8 +12177,24 @@
                   <a:spcPts val="4759"/>
                 </a:lnSpc>
               </a:pPr>
+              <a:endParaRPr lang="en-US" sz="3200" b="1" spc="-67" dirty="0">
+                <a:solidFill>
+                  <a:srgbClr val="FFFFFF"/>
+                </a:solidFill>
+                <a:latin typeface="Arial Bold"/>
+                <a:ea typeface="Arial Bold"/>
+                <a:cs typeface="Arial Bold"/>
+                <a:sym typeface="Arial Bold"/>
+              </a:endParaRPr>
+            </a:p>
+            <a:p>
+              <a:pPr algn="ctr">
+                <a:lnSpc>
+                  <a:spcPts val="4759"/>
+                </a:lnSpc>
+              </a:pPr>
               <a:r>
-                <a:rPr lang="en-US" sz="3399" b="1" spc="-67">
+                <a:rPr lang="en-US" sz="3200" b="1" spc="-67" dirty="0">
                   <a:solidFill>
                     <a:srgbClr val="FFFFFF"/>
                   </a:solidFill>
@@ -13402,10 +12217,10 @@
         </p:nvGrpSpPr>
         <p:grpSpPr>
           <a:xfrm>
-            <a:off x="10099562" y="6792192"/>
-            <a:ext cx="5668394" cy="1898583"/>
-            <a:chOff x="0" y="0"/>
-            <a:chExt cx="1213344" cy="406400"/>
+            <a:off x="10099562" y="6169219"/>
+            <a:ext cx="5668394" cy="2521556"/>
+            <a:chOff x="0" y="-133350"/>
+            <a:chExt cx="1213344" cy="539750"/>
           </a:xfrm>
         </p:grpSpPr>
         <p:sp>
@@ -13500,8 +12315,24 @@
                   <a:spcPts val="4759"/>
                 </a:lnSpc>
               </a:pPr>
+              <a:endParaRPr lang="en-US" sz="2800" b="1" spc="-67" dirty="0">
+                <a:solidFill>
+                  <a:srgbClr val="FFFFFF"/>
+                </a:solidFill>
+                <a:latin typeface="Arial Bold"/>
+                <a:ea typeface="Arial Bold"/>
+                <a:cs typeface="Arial Bold"/>
+                <a:sym typeface="Arial Bold"/>
+              </a:endParaRPr>
+            </a:p>
+            <a:p>
+              <a:pPr algn="ctr">
+                <a:lnSpc>
+                  <a:spcPts val="4759"/>
+                </a:lnSpc>
+              </a:pPr>
               <a:r>
-                <a:rPr lang="en-US" sz="3399" b="1" spc="-67">
+                <a:rPr lang="en-US" sz="2800" b="1" spc="-67" dirty="0">
                   <a:solidFill>
                     <a:srgbClr val="FFFFFF"/>
                   </a:solidFill>

--- a/others/TicTacX.pptx
+++ b/others/TicTacX.pptx
@@ -150,7 +150,7 @@
 <file path=ppt/revisionInfo.xml><?xml version="1.0" encoding="utf-8"?>
 <p1510:revInfo xmlns:a="http://schemas.openxmlformats.org/drawingml/2006/main" xmlns:r="http://schemas.openxmlformats.org/officeDocument/2006/relationships" xmlns:p1510="http://schemas.microsoft.com/office/powerpoint/2015/10/main">
   <p1510:revLst>
-    <p1510:client id="{CEA78450-4F91-469D-B8F2-4266BBE6DA38}" v="10" dt="2025-08-12T19:39:40.231"/>
+    <p1510:client id="{CEA78450-4F91-469D-B8F2-4266BBE6DA38}" v="22" dt="2025-08-12T19:56:16.379"/>
   </p1510:revLst>
 </p1510:revInfo>
 </file>
@@ -160,7 +160,7 @@
   <pc:docChgLst>
     <pc:chgData name="Md Ishrak Mashroor" userId="e451b154c326eb62" providerId="LiveId" clId="{CEA78450-4F91-469D-B8F2-4266BBE6DA38}"/>
     <pc:docChg chg="undo custSel modSld sldOrd modMainMaster">
-      <pc:chgData name="Md Ishrak Mashroor" userId="e451b154c326eb62" providerId="LiveId" clId="{CEA78450-4F91-469D-B8F2-4266BBE6DA38}" dt="2025-08-12T19:47:34.792" v="268"/>
+      <pc:chgData name="Md Ishrak Mashroor" userId="e451b154c326eb62" providerId="LiveId" clId="{CEA78450-4F91-469D-B8F2-4266BBE6DA38}" dt="2025-08-12T19:56:55.453" v="365" actId="14100"/>
       <pc:docMkLst>
         <pc:docMk/>
       </pc:docMkLst>
@@ -811,18 +811,34 @@
           </ac:grpSpMkLst>
         </pc:grpChg>
       </pc:sldChg>
-      <pc:sldChg chg="delSp mod">
-        <pc:chgData name="Md Ishrak Mashroor" userId="e451b154c326eb62" providerId="LiveId" clId="{CEA78450-4F91-469D-B8F2-4266BBE6DA38}" dt="2025-08-12T19:39:18.650" v="248" actId="478"/>
+      <pc:sldChg chg="addSp delSp modSp mod">
+        <pc:chgData name="Md Ishrak Mashroor" userId="e451b154c326eb62" providerId="LiveId" clId="{CEA78450-4F91-469D-B8F2-4266BBE6DA38}" dt="2025-08-12T19:56:55.453" v="365" actId="14100"/>
         <pc:sldMkLst>
           <pc:docMk/>
           <pc:sldMk cId="0" sldId="265"/>
         </pc:sldMkLst>
+        <pc:spChg chg="del">
+          <ac:chgData name="Md Ishrak Mashroor" userId="e451b154c326eb62" providerId="LiveId" clId="{CEA78450-4F91-469D-B8F2-4266BBE6DA38}" dt="2025-08-12T19:52:07.092" v="269" actId="478"/>
+          <ac:spMkLst>
+            <pc:docMk/>
+            <pc:sldMk cId="0" sldId="265"/>
+            <ac:spMk id="2" creationId="{00000000-0000-0000-0000-000000000000}"/>
+          </ac:spMkLst>
+        </pc:spChg>
         <pc:spChg chg="del">
           <ac:chgData name="Md Ishrak Mashroor" userId="e451b154c326eb62" providerId="LiveId" clId="{CEA78450-4F91-469D-B8F2-4266BBE6DA38}" dt="2025-08-12T19:39:18.650" v="248" actId="478"/>
           <ac:spMkLst>
             <pc:docMk/>
             <pc:sldMk cId="0" sldId="265"/>
             <ac:spMk id="3" creationId="{00000000-0000-0000-0000-000000000000}"/>
+          </ac:spMkLst>
+        </pc:spChg>
+        <pc:spChg chg="add del mod">
+          <ac:chgData name="Md Ishrak Mashroor" userId="e451b154c326eb62" providerId="LiveId" clId="{CEA78450-4F91-469D-B8F2-4266BBE6DA38}" dt="2025-08-12T19:53:52.447" v="304"/>
+          <ac:spMkLst>
+            <pc:docMk/>
+            <pc:sldMk cId="0" sldId="265"/>
+            <ac:spMk id="3" creationId="{CE88C841-AA68-D22C-8440-C622A3A2AC7D}"/>
           </ac:spMkLst>
         </pc:spChg>
         <pc:spChg chg="del">
@@ -833,6 +849,14 @@
             <ac:spMk id="4" creationId="{00000000-0000-0000-0000-000000000000}"/>
           </ac:spMkLst>
         </pc:spChg>
+        <pc:spChg chg="add del mod">
+          <ac:chgData name="Md Ishrak Mashroor" userId="e451b154c326eb62" providerId="LiveId" clId="{CEA78450-4F91-469D-B8F2-4266BBE6DA38}" dt="2025-08-12T19:55:00.613" v="330"/>
+          <ac:spMkLst>
+            <pc:docMk/>
+            <pc:sldMk cId="0" sldId="265"/>
+            <ac:spMk id="4" creationId="{4B3F4935-F557-49B3-CCAB-0497A9A1CBEA}"/>
+          </ac:spMkLst>
+        </pc:spChg>
         <pc:spChg chg="del">
           <ac:chgData name="Md Ishrak Mashroor" userId="e451b154c326eb62" providerId="LiveId" clId="{CEA78450-4F91-469D-B8F2-4266BBE6DA38}" dt="2025-08-12T19:39:18.650" v="248" actId="478"/>
           <ac:spMkLst>
@@ -841,12 +865,44 @@
             <ac:spMk id="5" creationId="{00000000-0000-0000-0000-000000000000}"/>
           </ac:spMkLst>
         </pc:spChg>
+        <pc:spChg chg="add">
+          <ac:chgData name="Md Ishrak Mashroor" userId="e451b154c326eb62" providerId="LiveId" clId="{CEA78450-4F91-469D-B8F2-4266BBE6DA38}" dt="2025-08-12T19:54:40.570" v="326"/>
+          <ac:spMkLst>
+            <pc:docMk/>
+            <pc:sldMk cId="0" sldId="265"/>
+            <ac:spMk id="5" creationId="{9820206D-3243-AEFD-8490-02EB61C23AB9}"/>
+          </ac:spMkLst>
+        </pc:spChg>
+        <pc:spChg chg="mod">
+          <ac:chgData name="Md Ishrak Mashroor" userId="e451b154c326eb62" providerId="LiveId" clId="{CEA78450-4F91-469D-B8F2-4266BBE6DA38}" dt="2025-08-12T19:53:37.027" v="293" actId="948"/>
+          <ac:spMkLst>
+            <pc:docMk/>
+            <pc:sldMk cId="0" sldId="265"/>
+            <ac:spMk id="6" creationId="{00000000-0000-0000-0000-000000000000}"/>
+          </ac:spMkLst>
+        </pc:spChg>
         <pc:spChg chg="del">
           <ac:chgData name="Md Ishrak Mashroor" userId="e451b154c326eb62" providerId="LiveId" clId="{CEA78450-4F91-469D-B8F2-4266BBE6DA38}" dt="2025-08-12T19:39:18.650" v="248" actId="478"/>
           <ac:spMkLst>
             <pc:docMk/>
             <pc:sldMk cId="0" sldId="265"/>
             <ac:spMk id="7" creationId="{00000000-0000-0000-0000-000000000000}"/>
+          </ac:spMkLst>
+        </pc:spChg>
+        <pc:spChg chg="add mod">
+          <ac:chgData name="Md Ishrak Mashroor" userId="e451b154c326eb62" providerId="LiveId" clId="{CEA78450-4F91-469D-B8F2-4266BBE6DA38}" dt="2025-08-12T19:56:34.795" v="359" actId="21"/>
+          <ac:spMkLst>
+            <pc:docMk/>
+            <pc:sldMk cId="0" sldId="265"/>
+            <ac:spMk id="7" creationId="{4F29882B-7DB2-36DA-9ABC-4C5BE9C452A0}"/>
+          </ac:spMkLst>
+        </pc:spChg>
+        <pc:spChg chg="add mod">
+          <ac:chgData name="Md Ishrak Mashroor" userId="e451b154c326eb62" providerId="LiveId" clId="{CEA78450-4F91-469D-B8F2-4266BBE6DA38}" dt="2025-08-12T19:56:55.453" v="365" actId="14100"/>
+          <ac:spMkLst>
+            <pc:docMk/>
+            <pc:sldMk cId="0" sldId="265"/>
+            <ac:spMk id="9" creationId="{4D539E8D-7E2A-DC90-E788-DD54A8535288}"/>
           </ac:spMkLst>
         </pc:spChg>
       </pc:sldChg>
@@ -4820,59 +4876,6 @@
       </p:grpSpPr>
       <p:sp>
         <p:nvSpPr>
-          <p:cNvPr id="2" name="Freeform 2"/>
-          <p:cNvSpPr/>
-          <p:nvPr/>
-        </p:nvSpPr>
-        <p:spPr>
-          <a:xfrm>
-            <a:off x="0" y="0"/>
-            <a:ext cx="18288000" cy="10287000"/>
-          </a:xfrm>
-          <a:custGeom>
-            <a:avLst/>
-            <a:gdLst/>
-            <a:ahLst/>
-            <a:cxnLst/>
-            <a:rect l="l" t="t" r="r" b="b"/>
-            <a:pathLst>
-              <a:path w="18288000" h="10287000">
-                <a:moveTo>
-                  <a:pt x="0" y="0"/>
-                </a:moveTo>
-                <a:lnTo>
-                  <a:pt x="18288000" y="0"/>
-                </a:lnTo>
-                <a:lnTo>
-                  <a:pt x="18288000" y="10287000"/>
-                </a:lnTo>
-                <a:lnTo>
-                  <a:pt x="0" y="10287000"/>
-                </a:lnTo>
-                <a:lnTo>
-                  <a:pt x="0" y="0"/>
-                </a:lnTo>
-                <a:close/>
-              </a:path>
-            </a:pathLst>
-          </a:custGeom>
-          <a:blipFill>
-            <a:blip r:embed="rId2"/>
-            <a:stretch>
-              <a:fillRect t="-9222" b="-9222"/>
-            </a:stretch>
-          </a:blipFill>
-        </p:spPr>
-        <p:txBody>
-          <a:bodyPr/>
-          <a:lstStyle/>
-          <a:p>
-            <a:endParaRPr lang="en-US"/>
-          </a:p>
-        </p:txBody>
-      </p:sp>
-      <p:sp>
-        <p:nvSpPr>
           <p:cNvPr id="6" name="TextBox 6"/>
           <p:cNvSpPr txBox="1"/>
           <p:nvPr/>
@@ -4880,25 +4883,25 @@
         <p:spPr>
           <a:xfrm>
             <a:off x="1028700" y="1456055"/>
-            <a:ext cx="5854005" cy="1369695"/>
+            <a:ext cx="6972300" cy="1795363"/>
           </a:xfrm>
           <a:prstGeom prst="rect">
             <a:avLst/>
           </a:prstGeom>
         </p:spPr>
         <p:txBody>
-          <a:bodyPr lIns="0" tIns="0" rIns="0" bIns="0" rtlCol="0" anchor="t">
+          <a:bodyPr wrap="square" lIns="0" tIns="0" rIns="0" bIns="0" rtlCol="0" anchor="t">
             <a:spAutoFit/>
           </a:bodyPr>
           <a:lstStyle/>
           <a:p>
             <a:pPr algn="l">
               <a:lnSpc>
-                <a:spcPts val="10080"/>
+                <a:spcPts val="7000"/>
               </a:lnSpc>
             </a:pPr>
             <a:r>
-              <a:rPr lang="en-US" sz="7200" b="1">
+              <a:rPr lang="en-US" sz="7200" b="1" dirty="0">
                 <a:solidFill>
                   <a:srgbClr val="F7F7F7"/>
                 </a:solidFill>
@@ -4907,7 +4910,577 @@
                 <a:cs typeface="Arial Bold"/>
                 <a:sym typeface="Arial Bold"/>
               </a:rPr>
-              <a:t>GAME LOGIC</a:t>
+              <a:t>GAME  </a:t>
+            </a:r>
+          </a:p>
+          <a:p>
+            <a:pPr algn="l">
+              <a:lnSpc>
+                <a:spcPts val="7000"/>
+              </a:lnSpc>
+            </a:pPr>
+            <a:r>
+              <a:rPr lang="en-US" sz="7200" b="1" dirty="0">
+                <a:solidFill>
+                  <a:srgbClr val="F7F7F7"/>
+                </a:solidFill>
+                <a:latin typeface="Arial Bold"/>
+                <a:ea typeface="Arial Bold"/>
+                <a:cs typeface="Arial Bold"/>
+                <a:sym typeface="Arial Bold"/>
+              </a:rPr>
+              <a:t>            LOGIC</a:t>
+            </a:r>
+          </a:p>
+        </p:txBody>
+      </p:sp>
+      <p:sp>
+        <p:nvSpPr>
+          <p:cNvPr id="7" name="Rectangle 2">
+            <a:extLst>
+              <a:ext uri="{FF2B5EF4-FFF2-40B4-BE49-F238E27FC236}">
+                <a16:creationId xmlns:a16="http://schemas.microsoft.com/office/drawing/2014/main" id="{4F29882B-7DB2-36DA-9ABC-4C5BE9C452A0}"/>
+              </a:ext>
+            </a:extLst>
+          </p:cNvPr>
+          <p:cNvSpPr>
+            <a:spLocks noChangeArrowheads="1"/>
+          </p:cNvSpPr>
+          <p:nvPr/>
+        </p:nvSpPr>
+        <p:spPr bwMode="auto">
+          <a:xfrm>
+            <a:off x="914400" y="3466864"/>
+            <a:ext cx="6972300" cy="3970318"/>
+          </a:xfrm>
+          <a:prstGeom prst="rect">
+            <a:avLst/>
+          </a:prstGeom>
+          <a:noFill/>
+          <a:ln>
+            <a:noFill/>
+          </a:ln>
+          <a:effectLst/>
+          <a:extLst>
+            <a:ext uri="{909E8E84-426E-40DD-AFC4-6F175D3DCCD1}">
+              <a14:hiddenFill xmlns:a14="http://schemas.microsoft.com/office/drawing/2010/main">
+                <a:solidFill>
+                  <a:schemeClr val="accent1"/>
+                </a:solidFill>
+              </a14:hiddenFill>
+            </a:ext>
+            <a:ext uri="{91240B29-F687-4F45-9708-019B960494DF}">
+              <a14:hiddenLine xmlns:a14="http://schemas.microsoft.com/office/drawing/2010/main" w="9525">
+                <a:solidFill>
+                  <a:schemeClr val="tx1"/>
+                </a:solidFill>
+                <a:miter lim="800000"/>
+                <a:headEnd/>
+                <a:tailEnd/>
+              </a14:hiddenLine>
+            </a:ext>
+            <a:ext uri="{AF507438-7753-43E0-B8FC-AC1667EBCBE1}">
+              <a14:hiddenEffects xmlns:a14="http://schemas.microsoft.com/office/drawing/2010/main">
+                <a:effectLst>
+                  <a:outerShdw dist="35921" dir="2700000" algn="ctr" rotWithShape="0">
+                    <a:schemeClr val="bg2"/>
+                  </a:outerShdw>
+                </a:effectLst>
+              </a14:hiddenEffects>
+            </a:ext>
+          </a:extLst>
+        </p:spPr>
+        <p:txBody>
+          <a:bodyPr vert="horz" wrap="square" lIns="91440" tIns="45720" rIns="91440" bIns="45720" numCol="1" anchor="ctr" anchorCtr="0" compatLnSpc="1">
+            <a:prstTxWarp prst="textNoShape">
+              <a:avLst/>
+            </a:prstTxWarp>
+            <a:spAutoFit/>
+          </a:bodyPr>
+          <a:lstStyle/>
+          <a:p>
+            <a:pPr marL="0" marR="0" lvl="0" indent="0" algn="l" defTabSz="914400" rtl="0" eaLnBrk="0" fontAlgn="base" latinLnBrk="0" hangingPunct="0">
+              <a:lnSpc>
+                <a:spcPct val="100000"/>
+              </a:lnSpc>
+              <a:spcBef>
+                <a:spcPct val="0"/>
+              </a:spcBef>
+              <a:spcAft>
+                <a:spcPct val="0"/>
+              </a:spcAft>
+              <a:buClrTx/>
+              <a:buSzTx/>
+              <a:buFontTx/>
+              <a:buNone/>
+              <a:tabLst/>
+            </a:pPr>
+            <a:endParaRPr kumimoji="0" lang="en-US" altLang="en-US" sz="2800" i="0" u="none" strike="noStrike" cap="none" normalizeH="0" baseline="0" dirty="0">
+              <a:ln>
+                <a:noFill/>
+              </a:ln>
+              <a:solidFill>
+                <a:schemeClr val="bg1"/>
+              </a:solidFill>
+              <a:effectLst/>
+              <a:latin typeface="Arial Bold"/>
+              <a:cs typeface="Arial Bold"/>
+            </a:endParaRPr>
+          </a:p>
+          <a:p>
+            <a:pPr marL="0" marR="0" lvl="0" indent="0" algn="l" defTabSz="914400" rtl="0" eaLnBrk="0" fontAlgn="base" latinLnBrk="0" hangingPunct="0">
+              <a:lnSpc>
+                <a:spcPct val="100000"/>
+              </a:lnSpc>
+              <a:spcBef>
+                <a:spcPct val="0"/>
+              </a:spcBef>
+              <a:spcAft>
+                <a:spcPct val="0"/>
+              </a:spcAft>
+              <a:buClrTx/>
+              <a:buSzTx/>
+              <a:buFontTx/>
+              <a:buChar char="•"/>
+              <a:tabLst/>
+            </a:pPr>
+            <a:r>
+              <a:rPr kumimoji="0" lang="en-US" altLang="en-US" sz="2800" b="1" i="0" u="none" strike="noStrike" cap="none" normalizeH="0" baseline="0" dirty="0">
+                <a:ln>
+                  <a:noFill/>
+                </a:ln>
+                <a:solidFill>
+                  <a:schemeClr val="bg1"/>
+                </a:solidFill>
+                <a:effectLst/>
+                <a:latin typeface="Arial Bold"/>
+                <a:cs typeface="Arial Bold"/>
+              </a:rPr>
+              <a:t>Two modes: PvsP and PvsAI</a:t>
+            </a:r>
+          </a:p>
+          <a:p>
+            <a:pPr marL="0" marR="0" lvl="0" indent="0" algn="l" defTabSz="914400" rtl="0" eaLnBrk="0" fontAlgn="base" latinLnBrk="0" hangingPunct="0">
+              <a:lnSpc>
+                <a:spcPct val="100000"/>
+              </a:lnSpc>
+              <a:spcBef>
+                <a:spcPct val="0"/>
+              </a:spcBef>
+              <a:spcAft>
+                <a:spcPct val="0"/>
+              </a:spcAft>
+              <a:buClrTx/>
+              <a:buSzTx/>
+              <a:buFontTx/>
+              <a:buChar char="•"/>
+              <a:tabLst/>
+            </a:pPr>
+            <a:endParaRPr kumimoji="0" lang="en-US" altLang="en-US" sz="2800" b="1" i="0" u="none" strike="noStrike" cap="none" normalizeH="0" baseline="0" dirty="0">
+              <a:ln>
+                <a:noFill/>
+              </a:ln>
+              <a:solidFill>
+                <a:schemeClr val="bg1"/>
+              </a:solidFill>
+              <a:effectLst/>
+              <a:latin typeface="Arial Bold"/>
+              <a:cs typeface="Arial Bold"/>
+            </a:endParaRPr>
+          </a:p>
+          <a:p>
+            <a:pPr marL="0" marR="0" lvl="0" indent="0" algn="l" defTabSz="914400" rtl="0" eaLnBrk="0" fontAlgn="base" latinLnBrk="0" hangingPunct="0">
+              <a:lnSpc>
+                <a:spcPct val="100000"/>
+              </a:lnSpc>
+              <a:spcBef>
+                <a:spcPct val="0"/>
+              </a:spcBef>
+              <a:spcAft>
+                <a:spcPct val="0"/>
+              </a:spcAft>
+              <a:buClrTx/>
+              <a:buSzTx/>
+              <a:buFontTx/>
+              <a:buChar char="•"/>
+              <a:tabLst/>
+            </a:pPr>
+            <a:r>
+              <a:rPr kumimoji="0" lang="en-US" altLang="en-US" sz="2800" b="1" i="0" u="none" strike="noStrike" cap="none" normalizeH="0" baseline="0" dirty="0">
+                <a:ln>
+                  <a:noFill/>
+                </a:ln>
+                <a:solidFill>
+                  <a:schemeClr val="bg1"/>
+                </a:solidFill>
+                <a:effectLst/>
+                <a:latin typeface="Arial Bold"/>
+                <a:cs typeface="Arial Bold"/>
+              </a:rPr>
+              <a:t>3×3 array board, starts empty</a:t>
+            </a:r>
+          </a:p>
+          <a:p>
+            <a:pPr marL="0" marR="0" lvl="0" indent="0" algn="l" defTabSz="914400" rtl="0" eaLnBrk="0" fontAlgn="base" latinLnBrk="0" hangingPunct="0">
+              <a:lnSpc>
+                <a:spcPct val="100000"/>
+              </a:lnSpc>
+              <a:spcBef>
+                <a:spcPct val="0"/>
+              </a:spcBef>
+              <a:spcAft>
+                <a:spcPct val="0"/>
+              </a:spcAft>
+              <a:buClrTx/>
+              <a:buSzTx/>
+              <a:buFontTx/>
+              <a:buChar char="•"/>
+              <a:tabLst/>
+            </a:pPr>
+            <a:endParaRPr kumimoji="0" lang="en-US" altLang="en-US" sz="2800" b="1" i="0" u="none" strike="noStrike" cap="none" normalizeH="0" baseline="0" dirty="0">
+              <a:ln>
+                <a:noFill/>
+              </a:ln>
+              <a:solidFill>
+                <a:schemeClr val="bg1"/>
+              </a:solidFill>
+              <a:effectLst/>
+              <a:latin typeface="Arial Bold"/>
+              <a:cs typeface="Arial Bold"/>
+            </a:endParaRPr>
+          </a:p>
+          <a:p>
+            <a:pPr marL="0" marR="0" lvl="0" indent="0" algn="l" defTabSz="914400" rtl="0" eaLnBrk="0" fontAlgn="base" latinLnBrk="0" hangingPunct="0">
+              <a:lnSpc>
+                <a:spcPct val="100000"/>
+              </a:lnSpc>
+              <a:spcBef>
+                <a:spcPct val="0"/>
+              </a:spcBef>
+              <a:spcAft>
+                <a:spcPct val="0"/>
+              </a:spcAft>
+              <a:buClrTx/>
+              <a:buSzTx/>
+              <a:buFontTx/>
+              <a:buChar char="•"/>
+              <a:tabLst/>
+            </a:pPr>
+            <a:r>
+              <a:rPr kumimoji="0" lang="en-US" altLang="en-US" sz="2800" b="1" i="0" u="none" strike="noStrike" cap="none" normalizeH="0" baseline="0" dirty="0">
+                <a:ln>
+                  <a:noFill/>
+                </a:ln>
+                <a:solidFill>
+                  <a:schemeClr val="bg1"/>
+                </a:solidFill>
+                <a:effectLst/>
+                <a:latin typeface="Arial Bold"/>
+                <a:cs typeface="Arial Bold"/>
+              </a:rPr>
+              <a:t>Turn switching between X and O</a:t>
+            </a:r>
+          </a:p>
+          <a:p>
+            <a:pPr marL="0" marR="0" lvl="0" indent="0" algn="l" defTabSz="914400" rtl="0" eaLnBrk="0" fontAlgn="base" latinLnBrk="0" hangingPunct="0">
+              <a:lnSpc>
+                <a:spcPct val="100000"/>
+              </a:lnSpc>
+              <a:spcBef>
+                <a:spcPct val="0"/>
+              </a:spcBef>
+              <a:spcAft>
+                <a:spcPct val="0"/>
+              </a:spcAft>
+              <a:buClrTx/>
+              <a:buSzTx/>
+              <a:buFontTx/>
+              <a:buChar char="•"/>
+              <a:tabLst/>
+            </a:pPr>
+            <a:endParaRPr kumimoji="0" lang="en-US" altLang="en-US" sz="2800" b="1" i="0" u="none" strike="noStrike" cap="none" normalizeH="0" baseline="0" dirty="0">
+              <a:ln>
+                <a:noFill/>
+              </a:ln>
+              <a:solidFill>
+                <a:schemeClr val="bg1"/>
+              </a:solidFill>
+              <a:effectLst/>
+              <a:latin typeface="Arial Bold"/>
+              <a:cs typeface="Arial Bold"/>
+            </a:endParaRPr>
+          </a:p>
+          <a:p>
+            <a:pPr marL="0" marR="0" lvl="0" indent="0" algn="l" defTabSz="914400" rtl="0" eaLnBrk="0" fontAlgn="base" latinLnBrk="0" hangingPunct="0">
+              <a:lnSpc>
+                <a:spcPct val="100000"/>
+              </a:lnSpc>
+              <a:spcBef>
+                <a:spcPct val="0"/>
+              </a:spcBef>
+              <a:spcAft>
+                <a:spcPct val="0"/>
+              </a:spcAft>
+              <a:buClrTx/>
+              <a:buSzTx/>
+              <a:buFontTx/>
+              <a:buChar char="•"/>
+              <a:tabLst/>
+            </a:pPr>
+            <a:r>
+              <a:rPr kumimoji="0" lang="en-US" altLang="en-US" sz="2800" b="1" i="0" u="none" strike="noStrike" cap="none" normalizeH="0" baseline="0" dirty="0">
+                <a:ln>
+                  <a:noFill/>
+                </a:ln>
+                <a:solidFill>
+                  <a:schemeClr val="bg1"/>
+                </a:solidFill>
+                <a:effectLst/>
+                <a:latin typeface="Arial Bold"/>
+                <a:cs typeface="Arial Bold"/>
+              </a:rPr>
+              <a:t>Input checks: format, range, duplicates</a:t>
+            </a:r>
+          </a:p>
+          <a:p>
+            <a:pPr marL="0" marR="0" lvl="0" indent="0" algn="l" defTabSz="914400" rtl="0" eaLnBrk="0" fontAlgn="base" latinLnBrk="0" hangingPunct="0">
+              <a:lnSpc>
+                <a:spcPct val="100000"/>
+              </a:lnSpc>
+              <a:spcBef>
+                <a:spcPct val="0"/>
+              </a:spcBef>
+              <a:spcAft>
+                <a:spcPct val="0"/>
+              </a:spcAft>
+              <a:buClrTx/>
+              <a:buSzTx/>
+              <a:buFontTx/>
+              <a:buNone/>
+              <a:tabLst/>
+            </a:pPr>
+            <a:endParaRPr kumimoji="0" lang="en-US" altLang="en-US" sz="2800" i="0" u="none" strike="noStrike" cap="none" normalizeH="0" baseline="0" dirty="0">
+              <a:ln>
+                <a:noFill/>
+              </a:ln>
+              <a:solidFill>
+                <a:schemeClr val="bg1"/>
+              </a:solidFill>
+              <a:effectLst/>
+              <a:latin typeface="Arial Bold"/>
+              <a:cs typeface="Arial Bold"/>
+            </a:endParaRPr>
+          </a:p>
+        </p:txBody>
+      </p:sp>
+      <p:sp>
+        <p:nvSpPr>
+          <p:cNvPr id="9" name="TextBox 8">
+            <a:extLst>
+              <a:ext uri="{FF2B5EF4-FFF2-40B4-BE49-F238E27FC236}">
+                <a16:creationId xmlns:a16="http://schemas.microsoft.com/office/drawing/2014/main" id="{4D539E8D-7E2A-DC90-E788-DD54A8535288}"/>
+              </a:ext>
+            </a:extLst>
+          </p:cNvPr>
+          <p:cNvSpPr txBox="1"/>
+          <p:nvPr/>
+        </p:nvSpPr>
+        <p:spPr>
+          <a:xfrm>
+            <a:off x="7913996" y="3473119"/>
+            <a:ext cx="7402204" cy="2677656"/>
+          </a:xfrm>
+          <a:prstGeom prst="rect">
+            <a:avLst/>
+          </a:prstGeom>
+          <a:noFill/>
+        </p:spPr>
+        <p:txBody>
+          <a:bodyPr wrap="square">
+            <a:spAutoFit/>
+          </a:bodyPr>
+          <a:lstStyle/>
+          <a:p>
+            <a:pPr marL="0" marR="0" lvl="0" indent="0" algn="l" defTabSz="914400" rtl="0" eaLnBrk="0" fontAlgn="base" latinLnBrk="0" hangingPunct="0">
+              <a:lnSpc>
+                <a:spcPct val="100000"/>
+              </a:lnSpc>
+              <a:spcBef>
+                <a:spcPct val="0"/>
+              </a:spcBef>
+              <a:spcAft>
+                <a:spcPct val="0"/>
+              </a:spcAft>
+              <a:buClrTx/>
+              <a:buSzTx/>
+              <a:buFontTx/>
+              <a:buChar char="•"/>
+              <a:tabLst/>
+            </a:pPr>
+            <a:endParaRPr kumimoji="0" lang="en-US" altLang="en-US" sz="2800" b="1" i="0" u="none" strike="noStrike" cap="none" normalizeH="0" baseline="0" dirty="0">
+              <a:ln>
+                <a:noFill/>
+              </a:ln>
+              <a:solidFill>
+                <a:schemeClr val="bg1"/>
+              </a:solidFill>
+              <a:effectLst/>
+              <a:latin typeface="Arial Bold"/>
+              <a:cs typeface="Arial Bold"/>
+            </a:endParaRPr>
+          </a:p>
+          <a:p>
+            <a:pPr marL="0" marR="0" lvl="0" indent="0" algn="l" defTabSz="914400" rtl="0" eaLnBrk="0" fontAlgn="base" latinLnBrk="0" hangingPunct="0">
+              <a:lnSpc>
+                <a:spcPct val="100000"/>
+              </a:lnSpc>
+              <a:spcBef>
+                <a:spcPct val="0"/>
+              </a:spcBef>
+              <a:spcAft>
+                <a:spcPct val="0"/>
+              </a:spcAft>
+              <a:buClrTx/>
+              <a:buSzTx/>
+              <a:buFontTx/>
+              <a:buChar char="•"/>
+              <a:tabLst/>
+            </a:pPr>
+            <a:r>
+              <a:rPr kumimoji="0" lang="en-US" altLang="en-US" sz="2800" b="1" i="0" u="none" strike="noStrike" cap="none" normalizeH="0" baseline="0" dirty="0">
+                <a:ln>
+                  <a:noFill/>
+                </a:ln>
+                <a:solidFill>
+                  <a:schemeClr val="bg1"/>
+                </a:solidFill>
+                <a:effectLst/>
+                <a:latin typeface="Arial Bold"/>
+                <a:cs typeface="Arial Bold"/>
+              </a:rPr>
+              <a:t>Win check: rows, columns, diagonals</a:t>
+            </a:r>
+          </a:p>
+          <a:p>
+            <a:pPr marL="0" marR="0" lvl="0" indent="0" algn="l" defTabSz="914400" rtl="0" eaLnBrk="0" fontAlgn="base" latinLnBrk="0" hangingPunct="0">
+              <a:lnSpc>
+                <a:spcPct val="100000"/>
+              </a:lnSpc>
+              <a:spcBef>
+                <a:spcPct val="0"/>
+              </a:spcBef>
+              <a:spcAft>
+                <a:spcPct val="0"/>
+              </a:spcAft>
+              <a:buClrTx/>
+              <a:buSzTx/>
+              <a:buFontTx/>
+              <a:buChar char="•"/>
+              <a:tabLst/>
+            </a:pPr>
+            <a:endParaRPr kumimoji="0" lang="en-US" altLang="en-US" sz="2800" b="1" i="0" u="none" strike="noStrike" cap="none" normalizeH="0" baseline="0" dirty="0">
+              <a:ln>
+                <a:noFill/>
+              </a:ln>
+              <a:solidFill>
+                <a:schemeClr val="bg1"/>
+              </a:solidFill>
+              <a:effectLst/>
+              <a:latin typeface="Arial Bold"/>
+              <a:cs typeface="Arial Bold"/>
+            </a:endParaRPr>
+          </a:p>
+          <a:p>
+            <a:pPr marL="0" marR="0" lvl="0" indent="0" algn="l" defTabSz="914400" rtl="0" eaLnBrk="0" fontAlgn="base" latinLnBrk="0" hangingPunct="0">
+              <a:lnSpc>
+                <a:spcPct val="100000"/>
+              </a:lnSpc>
+              <a:spcBef>
+                <a:spcPct val="0"/>
+              </a:spcBef>
+              <a:spcAft>
+                <a:spcPct val="0"/>
+              </a:spcAft>
+              <a:buClrTx/>
+              <a:buSzTx/>
+              <a:buFontTx/>
+              <a:buChar char="•"/>
+              <a:tabLst/>
+            </a:pPr>
+            <a:r>
+              <a:rPr kumimoji="0" lang="en-US" altLang="en-US" sz="2800" b="1" i="0" u="none" strike="noStrike" cap="none" normalizeH="0" baseline="0" dirty="0">
+                <a:ln>
+                  <a:noFill/>
+                </a:ln>
+                <a:solidFill>
+                  <a:schemeClr val="bg1"/>
+                </a:solidFill>
+                <a:effectLst/>
+                <a:latin typeface="Arial Bold"/>
+                <a:cs typeface="Arial Bold"/>
+              </a:rPr>
+              <a:t>Draw if all 9 cells filled without winner</a:t>
+            </a:r>
+          </a:p>
+          <a:p>
+            <a:pPr marL="0" marR="0" lvl="0" indent="0" algn="l" defTabSz="914400" rtl="0" eaLnBrk="0" fontAlgn="base" latinLnBrk="0" hangingPunct="0">
+              <a:lnSpc>
+                <a:spcPct val="100000"/>
+              </a:lnSpc>
+              <a:spcBef>
+                <a:spcPct val="0"/>
+              </a:spcBef>
+              <a:spcAft>
+                <a:spcPct val="0"/>
+              </a:spcAft>
+              <a:buClrTx/>
+              <a:buSzTx/>
+              <a:buFontTx/>
+              <a:buChar char="•"/>
+              <a:tabLst/>
+            </a:pPr>
+            <a:endParaRPr kumimoji="0" lang="en-US" altLang="en-US" sz="2800" b="1" i="0" u="none" strike="noStrike" cap="none" normalizeH="0" baseline="0" dirty="0">
+              <a:ln>
+                <a:noFill/>
+              </a:ln>
+              <a:solidFill>
+                <a:schemeClr val="bg1"/>
+              </a:solidFill>
+              <a:effectLst/>
+              <a:latin typeface="Arial Bold"/>
+              <a:cs typeface="Arial Bold"/>
+            </a:endParaRPr>
+          </a:p>
+          <a:p>
+            <a:pPr marL="0" marR="0" lvl="0" indent="0" algn="l" defTabSz="914400" rtl="0" eaLnBrk="0" fontAlgn="base" latinLnBrk="0" hangingPunct="0">
+              <a:lnSpc>
+                <a:spcPct val="100000"/>
+              </a:lnSpc>
+              <a:spcBef>
+                <a:spcPct val="0"/>
+              </a:spcBef>
+              <a:spcAft>
+                <a:spcPct val="0"/>
+              </a:spcAft>
+              <a:buClrTx/>
+              <a:buSzTx/>
+              <a:buFontTx/>
+              <a:buChar char="•"/>
+              <a:tabLst/>
+            </a:pPr>
+            <a:r>
+              <a:rPr kumimoji="0" lang="en-US" altLang="en-US" sz="2800" b="1" i="0" u="none" strike="noStrike" cap="none" normalizeH="0" baseline="0" dirty="0">
+                <a:ln>
+                  <a:noFill/>
+                </a:ln>
+                <a:solidFill>
+                  <a:schemeClr val="bg1"/>
+                </a:solidFill>
+                <a:effectLst/>
+                <a:latin typeface="Arial Bold"/>
+                <a:cs typeface="Arial Bold"/>
+              </a:rPr>
+              <a:t>Screen cleared each turn for clean UI</a:t>
             </a:r>
           </a:p>
         </p:txBody>

--- a/others/TicTacX.pptx
+++ b/others/TicTacX.pptx
@@ -31,6 +31,13 @@
     <p:embeddedFont>
       <p:font typeface="Arial Italics" panose="020B0604020202020204" charset="0"/>
       <p:regular r:id="rId18"/>
+    </p:embeddedFont>
+    <p:embeddedFont>
+      <p:font typeface="Consolas" panose="020B0609020204030204" pitchFamily="49" charset="0"/>
+      <p:regular r:id="rId19"/>
+      <p:bold r:id="rId20"/>
+      <p:italic r:id="rId21"/>
+      <p:boldItalic r:id="rId22"/>
     </p:embeddedFont>
   </p:embeddedFontLst>
   <p:defaultTextStyle>
@@ -150,7 +157,7 @@
 <file path=ppt/revisionInfo.xml><?xml version="1.0" encoding="utf-8"?>
 <p1510:revInfo xmlns:a="http://schemas.openxmlformats.org/drawingml/2006/main" xmlns:r="http://schemas.openxmlformats.org/officeDocument/2006/relationships" xmlns:p1510="http://schemas.microsoft.com/office/powerpoint/2015/10/main">
   <p1510:revLst>
-    <p1510:client id="{CEA78450-4F91-469D-B8F2-4266BBE6DA38}" v="22" dt="2025-08-12T19:56:16.379"/>
+    <p1510:client id="{CEA78450-4F91-469D-B8F2-4266BBE6DA38}" v="42" dt="2025-08-12T20:25:44.401"/>
   </p1510:revLst>
 </p1510:revInfo>
 </file>
@@ -160,7 +167,7 @@
   <pc:docChgLst>
     <pc:chgData name="Md Ishrak Mashroor" userId="e451b154c326eb62" providerId="LiveId" clId="{CEA78450-4F91-469D-B8F2-4266BBE6DA38}"/>
     <pc:docChg chg="undo custSel modSld sldOrd modMainMaster">
-      <pc:chgData name="Md Ishrak Mashroor" userId="e451b154c326eb62" providerId="LiveId" clId="{CEA78450-4F91-469D-B8F2-4266BBE6DA38}" dt="2025-08-12T19:56:55.453" v="365" actId="14100"/>
+      <pc:chgData name="Md Ishrak Mashroor" userId="e451b154c326eb62" providerId="LiveId" clId="{CEA78450-4F91-469D-B8F2-4266BBE6DA38}" dt="2025-08-12T20:25:40.057" v="933" actId="14100"/>
       <pc:docMkLst>
         <pc:docMk/>
       </pc:docMkLst>
@@ -526,7 +533,7 @@
         </pc:spChg>
       </pc:sldChg>
       <pc:sldChg chg="addSp delSp modSp mod">
-        <pc:chgData name="Md Ishrak Mashroor" userId="e451b154c326eb62" providerId="LiveId" clId="{CEA78450-4F91-469D-B8F2-4266BBE6DA38}" dt="2025-08-12T19:34:22.879" v="194" actId="1076"/>
+        <pc:chgData name="Md Ishrak Mashroor" userId="e451b154c326eb62" providerId="LiveId" clId="{CEA78450-4F91-469D-B8F2-4266BBE6DA38}" dt="2025-08-12T20:01:49.116" v="374" actId="1076"/>
         <pc:sldMkLst>
           <pc:docMk/>
           <pc:sldMk cId="0" sldId="263"/>
@@ -619,6 +626,30 @@
             <ac:spMk id="22" creationId="{00000000-0000-0000-0000-000000000000}"/>
           </ac:spMkLst>
         </pc:spChg>
+        <pc:spChg chg="mod">
+          <ac:chgData name="Md Ishrak Mashroor" userId="e451b154c326eb62" providerId="LiveId" clId="{CEA78450-4F91-469D-B8F2-4266BBE6DA38}" dt="2025-08-12T20:01:26.390" v="368" actId="1076"/>
+          <ac:spMkLst>
+            <pc:docMk/>
+            <pc:sldMk cId="0" sldId="263"/>
+            <ac:spMk id="36" creationId="{00000000-0000-0000-0000-000000000000}"/>
+          </ac:spMkLst>
+        </pc:spChg>
+        <pc:spChg chg="mod">
+          <ac:chgData name="Md Ishrak Mashroor" userId="e451b154c326eb62" providerId="LiveId" clId="{CEA78450-4F91-469D-B8F2-4266BBE6DA38}" dt="2025-08-12T20:01:31.006" v="369" actId="1076"/>
+          <ac:spMkLst>
+            <pc:docMk/>
+            <pc:sldMk cId="0" sldId="263"/>
+            <ac:spMk id="37" creationId="{00000000-0000-0000-0000-000000000000}"/>
+          </ac:spMkLst>
+        </pc:spChg>
+        <pc:spChg chg="mod">
+          <ac:chgData name="Md Ishrak Mashroor" userId="e451b154c326eb62" providerId="LiveId" clId="{CEA78450-4F91-469D-B8F2-4266BBE6DA38}" dt="2025-08-12T20:01:49.116" v="374" actId="1076"/>
+          <ac:spMkLst>
+            <pc:docMk/>
+            <pc:sldMk cId="0" sldId="263"/>
+            <ac:spMk id="40" creationId="{00000000-0000-0000-0000-000000000000}"/>
+          </ac:spMkLst>
+        </pc:spChg>
         <pc:spChg chg="add del mod">
           <ac:chgData name="Md Ishrak Mashroor" userId="e451b154c326eb62" providerId="LiveId" clId="{CEA78450-4F91-469D-B8F2-4266BBE6DA38}" dt="2025-08-12T19:33:30.045" v="181" actId="478"/>
           <ac:spMkLst>
@@ -641,6 +672,14 @@
             <pc:docMk/>
             <pc:sldMk cId="0" sldId="263"/>
             <ac:grpSpMk id="8" creationId="{00000000-0000-0000-0000-000000000000}"/>
+          </ac:grpSpMkLst>
+        </pc:grpChg>
+        <pc:grpChg chg="mod">
+          <ac:chgData name="Md Ishrak Mashroor" userId="e451b154c326eb62" providerId="LiveId" clId="{CEA78450-4F91-469D-B8F2-4266BBE6DA38}" dt="2025-08-12T20:01:46.686" v="373" actId="1076"/>
+          <ac:grpSpMkLst>
+            <pc:docMk/>
+            <pc:sldMk cId="0" sldId="263"/>
+            <ac:grpSpMk id="38" creationId="{00000000-0000-0000-0000-000000000000}"/>
           </ac:grpSpMkLst>
         </pc:grpChg>
       </pc:sldChg>
@@ -812,7 +851,7 @@
         </pc:grpChg>
       </pc:sldChg>
       <pc:sldChg chg="addSp delSp modSp mod">
-        <pc:chgData name="Md Ishrak Mashroor" userId="e451b154c326eb62" providerId="LiveId" clId="{CEA78450-4F91-469D-B8F2-4266BBE6DA38}" dt="2025-08-12T19:56:55.453" v="365" actId="14100"/>
+        <pc:chgData name="Md Ishrak Mashroor" userId="e451b154c326eb62" providerId="LiveId" clId="{CEA78450-4F91-469D-B8F2-4266BBE6DA38}" dt="2025-08-12T20:09:27.496" v="693" actId="2711"/>
         <pc:sldMkLst>
           <pc:docMk/>
           <pc:sldMk cId="0" sldId="265"/>
@@ -890,7 +929,7 @@
           </ac:spMkLst>
         </pc:spChg>
         <pc:spChg chg="add mod">
-          <ac:chgData name="Md Ishrak Mashroor" userId="e451b154c326eb62" providerId="LiveId" clId="{CEA78450-4F91-469D-B8F2-4266BBE6DA38}" dt="2025-08-12T19:56:34.795" v="359" actId="21"/>
+          <ac:chgData name="Md Ishrak Mashroor" userId="e451b154c326eb62" providerId="LiveId" clId="{CEA78450-4F91-469D-B8F2-4266BBE6DA38}" dt="2025-08-12T20:09:10.351" v="692" actId="2711"/>
           <ac:spMkLst>
             <pc:docMk/>
             <pc:sldMk cId="0" sldId="265"/>
@@ -898,7 +937,7 @@
           </ac:spMkLst>
         </pc:spChg>
         <pc:spChg chg="add mod">
-          <ac:chgData name="Md Ishrak Mashroor" userId="e451b154c326eb62" providerId="LiveId" clId="{CEA78450-4F91-469D-B8F2-4266BBE6DA38}" dt="2025-08-12T19:56:55.453" v="365" actId="14100"/>
+          <ac:chgData name="Md Ishrak Mashroor" userId="e451b154c326eb62" providerId="LiveId" clId="{CEA78450-4F91-469D-B8F2-4266BBE6DA38}" dt="2025-08-12T20:09:27.496" v="693" actId="2711"/>
           <ac:spMkLst>
             <pc:docMk/>
             <pc:sldMk cId="0" sldId="265"/>
@@ -906,8 +945,8 @@
           </ac:spMkLst>
         </pc:spChg>
       </pc:sldChg>
-      <pc:sldChg chg="delSp mod">
-        <pc:chgData name="Md Ishrak Mashroor" userId="e451b154c326eb62" providerId="LiveId" clId="{CEA78450-4F91-469D-B8F2-4266BBE6DA38}" dt="2025-08-12T19:39:06.432" v="247" actId="478"/>
+      <pc:sldChg chg="addSp delSp modSp mod">
+        <pc:chgData name="Md Ishrak Mashroor" userId="e451b154c326eb62" providerId="LiveId" clId="{CEA78450-4F91-469D-B8F2-4266BBE6DA38}" dt="2025-08-12T20:23:24.706" v="915" actId="21"/>
         <pc:sldMkLst>
           <pc:docMk/>
           <pc:sldMk cId="0" sldId="266"/>
@@ -920,6 +959,14 @@
             <ac:spMk id="2" creationId="{00000000-0000-0000-0000-000000000000}"/>
           </ac:spMkLst>
         </pc:spChg>
+        <pc:spChg chg="add mod">
+          <ac:chgData name="Md Ishrak Mashroor" userId="e451b154c326eb62" providerId="LiveId" clId="{CEA78450-4F91-469D-B8F2-4266BBE6DA38}" dt="2025-08-12T20:15:57.541" v="782" actId="2711"/>
+          <ac:spMkLst>
+            <pc:docMk/>
+            <pc:sldMk cId="0" sldId="266"/>
+            <ac:spMk id="2" creationId="{FA752086-B408-C2AA-6585-294796678C9F}"/>
+          </ac:spMkLst>
+        </pc:spChg>
         <pc:spChg chg="del">
           <ac:chgData name="Md Ishrak Mashroor" userId="e451b154c326eb62" providerId="LiveId" clId="{CEA78450-4F91-469D-B8F2-4266BBE6DA38}" dt="2025-08-12T19:39:06.432" v="247" actId="478"/>
           <ac:spMkLst>
@@ -936,12 +983,12 @@
             <ac:spMk id="4" creationId="{00000000-0000-0000-0000-000000000000}"/>
           </ac:spMkLst>
         </pc:spChg>
-        <pc:spChg chg="del">
-          <ac:chgData name="Md Ishrak Mashroor" userId="e451b154c326eb62" providerId="LiveId" clId="{CEA78450-4F91-469D-B8F2-4266BBE6DA38}" dt="2025-08-12T19:39:06.432" v="247" actId="478"/>
+        <pc:spChg chg="add mod">
+          <ac:chgData name="Md Ishrak Mashroor" userId="e451b154c326eb62" providerId="LiveId" clId="{CEA78450-4F91-469D-B8F2-4266BBE6DA38}" dt="2025-08-12T20:18:37.169" v="844" actId="1076"/>
           <ac:spMkLst>
             <pc:docMk/>
             <pc:sldMk cId="0" sldId="266"/>
-            <ac:spMk id="5" creationId="{00000000-0000-0000-0000-000000000000}"/>
+            <ac:spMk id="4" creationId="{0C4BB252-64E0-F5BE-99A6-1F67C46BAA03}"/>
           </ac:spMkLst>
         </pc:spChg>
         <pc:spChg chg="del">
@@ -949,7 +996,119 @@
           <ac:spMkLst>
             <pc:docMk/>
             <pc:sldMk cId="0" sldId="266"/>
+            <ac:spMk id="5" creationId="{00000000-0000-0000-0000-000000000000}"/>
+          </ac:spMkLst>
+        </pc:spChg>
+        <pc:spChg chg="mod">
+          <ac:chgData name="Md Ishrak Mashroor" userId="e451b154c326eb62" providerId="LiveId" clId="{CEA78450-4F91-469D-B8F2-4266BBE6DA38}" dt="2025-08-12T20:06:35.076" v="690" actId="14100"/>
+          <ac:spMkLst>
+            <pc:docMk/>
+            <pc:sldMk cId="0" sldId="266"/>
+            <ac:spMk id="6" creationId="{00000000-0000-0000-0000-000000000000}"/>
+          </ac:spMkLst>
+        </pc:spChg>
+        <pc:spChg chg="del">
+          <ac:chgData name="Md Ishrak Mashroor" userId="e451b154c326eb62" providerId="LiveId" clId="{CEA78450-4F91-469D-B8F2-4266BBE6DA38}" dt="2025-08-12T19:39:06.432" v="247" actId="478"/>
+          <ac:spMkLst>
+            <pc:docMk/>
+            <pc:sldMk cId="0" sldId="266"/>
             <ac:spMk id="7" creationId="{00000000-0000-0000-0000-000000000000}"/>
+          </ac:spMkLst>
+        </pc:spChg>
+        <pc:spChg chg="add del mod">
+          <ac:chgData name="Md Ishrak Mashroor" userId="e451b154c326eb62" providerId="LiveId" clId="{CEA78450-4F91-469D-B8F2-4266BBE6DA38}" dt="2025-08-12T20:18:26.474" v="841" actId="478"/>
+          <ac:spMkLst>
+            <pc:docMk/>
+            <pc:sldMk cId="0" sldId="266"/>
+            <ac:spMk id="7" creationId="{26662DA2-E296-38F9-FFF8-21498FD782EC}"/>
+          </ac:spMkLst>
+        </pc:spChg>
+        <pc:spChg chg="add mod">
+          <ac:chgData name="Md Ishrak Mashroor" userId="e451b154c326eb62" providerId="LiveId" clId="{CEA78450-4F91-469D-B8F2-4266BBE6DA38}" dt="2025-08-12T20:18:31.801" v="842" actId="1076"/>
+          <ac:spMkLst>
+            <pc:docMk/>
+            <pc:sldMk cId="0" sldId="266"/>
+            <ac:spMk id="9" creationId="{0DBE7A31-5F66-8A4E-D409-958D8A08E0A1}"/>
+          </ac:spMkLst>
+        </pc:spChg>
+        <pc:spChg chg="add mod">
+          <ac:chgData name="Md Ishrak Mashroor" userId="e451b154c326eb62" providerId="LiveId" clId="{CEA78450-4F91-469D-B8F2-4266BBE6DA38}" dt="2025-08-12T20:21:47.317" v="905" actId="14100"/>
+          <ac:spMkLst>
+            <pc:docMk/>
+            <pc:sldMk cId="0" sldId="266"/>
+            <ac:spMk id="11" creationId="{07647D66-C082-977A-6109-FD6B46CE9F70}"/>
+          </ac:spMkLst>
+        </pc:spChg>
+        <pc:spChg chg="add mod">
+          <ac:chgData name="Md Ishrak Mashroor" userId="e451b154c326eb62" providerId="LiveId" clId="{CEA78450-4F91-469D-B8F2-4266BBE6DA38}" dt="2025-08-12T20:13:58.126" v="728" actId="1076"/>
+          <ac:spMkLst>
+            <pc:docMk/>
+            <pc:sldMk cId="0" sldId="266"/>
+            <ac:spMk id="13" creationId="{C73719B8-0383-D62D-BE26-37868F0EEE54}"/>
+          </ac:spMkLst>
+        </pc:spChg>
+        <pc:spChg chg="add mod">
+          <ac:chgData name="Md Ishrak Mashroor" userId="e451b154c326eb62" providerId="LiveId" clId="{CEA78450-4F91-469D-B8F2-4266BBE6DA38}" dt="2025-08-12T20:23:16.068" v="912" actId="1076"/>
+          <ac:spMkLst>
+            <pc:docMk/>
+            <pc:sldMk cId="0" sldId="266"/>
+            <ac:spMk id="14" creationId="{A6499512-2C3B-3A37-5422-ADBD9DE71B18}"/>
+          </ac:spMkLst>
+        </pc:spChg>
+        <pc:spChg chg="add mod">
+          <ac:chgData name="Md Ishrak Mashroor" userId="e451b154c326eb62" providerId="LiveId" clId="{CEA78450-4F91-469D-B8F2-4266BBE6DA38}" dt="2025-08-12T20:20:26.047" v="870" actId="1076"/>
+          <ac:spMkLst>
+            <pc:docMk/>
+            <pc:sldMk cId="0" sldId="266"/>
+            <ac:spMk id="15" creationId="{6C8EC975-F146-F2C3-6A73-7435C0ED9703}"/>
+          </ac:spMkLst>
+        </pc:spChg>
+        <pc:spChg chg="add mod">
+          <ac:chgData name="Md Ishrak Mashroor" userId="e451b154c326eb62" providerId="LiveId" clId="{CEA78450-4F91-469D-B8F2-4266BBE6DA38}" dt="2025-08-12T20:21:53.010" v="907" actId="1076"/>
+          <ac:spMkLst>
+            <pc:docMk/>
+            <pc:sldMk cId="0" sldId="266"/>
+            <ac:spMk id="16" creationId="{464EC481-FCD7-0579-00E0-C3B845707906}"/>
+          </ac:spMkLst>
+        </pc:spChg>
+        <pc:spChg chg="add mod">
+          <ac:chgData name="Md Ishrak Mashroor" userId="e451b154c326eb62" providerId="LiveId" clId="{CEA78450-4F91-469D-B8F2-4266BBE6DA38}" dt="2025-08-12T20:20:02.960" v="865" actId="1076"/>
+          <ac:spMkLst>
+            <pc:docMk/>
+            <pc:sldMk cId="0" sldId="266"/>
+            <ac:spMk id="17" creationId="{01EEBC18-9F88-6797-B419-DD30A42F5BC8}"/>
+          </ac:spMkLst>
+        </pc:spChg>
+        <pc:spChg chg="add mod">
+          <ac:chgData name="Md Ishrak Mashroor" userId="e451b154c326eb62" providerId="LiveId" clId="{CEA78450-4F91-469D-B8F2-4266BBE6DA38}" dt="2025-08-12T20:19:53.601" v="863" actId="1076"/>
+          <ac:spMkLst>
+            <pc:docMk/>
+            <pc:sldMk cId="0" sldId="266"/>
+            <ac:spMk id="18" creationId="{A0183D62-A42A-5C51-6672-5891E8763EDA}"/>
+          </ac:spMkLst>
+        </pc:spChg>
+        <pc:spChg chg="add del mod">
+          <ac:chgData name="Md Ishrak Mashroor" userId="e451b154c326eb62" providerId="LiveId" clId="{CEA78450-4F91-469D-B8F2-4266BBE6DA38}" dt="2025-08-12T20:23:24.706" v="915" actId="21"/>
+          <ac:spMkLst>
+            <pc:docMk/>
+            <pc:sldMk cId="0" sldId="266"/>
+            <ac:spMk id="19" creationId="{579CE04F-228C-2051-280F-1E5BDB4C2A64}"/>
+          </ac:spMkLst>
+        </pc:spChg>
+        <pc:spChg chg="add del mod">
+          <ac:chgData name="Md Ishrak Mashroor" userId="e451b154c326eb62" providerId="LiveId" clId="{CEA78450-4F91-469D-B8F2-4266BBE6DA38}" dt="2025-08-12T20:23:23.697" v="914" actId="21"/>
+          <ac:spMkLst>
+            <pc:docMk/>
+            <pc:sldMk cId="0" sldId="266"/>
+            <ac:spMk id="20" creationId="{B6B340E0-0794-3213-7ECE-74DA96A2BBC9}"/>
+          </ac:spMkLst>
+        </pc:spChg>
+        <pc:spChg chg="add del mod">
+          <ac:chgData name="Md Ishrak Mashroor" userId="e451b154c326eb62" providerId="LiveId" clId="{CEA78450-4F91-469D-B8F2-4266BBE6DA38}" dt="2025-08-12T20:23:22.021" v="913" actId="21"/>
+          <ac:spMkLst>
+            <pc:docMk/>
+            <pc:sldMk cId="0" sldId="266"/>
+            <ac:spMk id="21" creationId="{6561E0DB-0A7D-81BA-3C3F-CC3D75EC1D76}"/>
           </ac:spMkLst>
         </pc:spChg>
       </pc:sldChg>
@@ -1088,7 +1247,7 @@
         </pc:grpChg>
       </pc:sldChg>
       <pc:sldChg chg="addSp delSp modSp mod">
-        <pc:chgData name="Md Ishrak Mashroor" userId="e451b154c326eb62" providerId="LiveId" clId="{CEA78450-4F91-469D-B8F2-4266BBE6DA38}" dt="2025-08-12T19:41:26.466" v="256" actId="1076"/>
+        <pc:chgData name="Md Ishrak Mashroor" userId="e451b154c326eb62" providerId="LiveId" clId="{CEA78450-4F91-469D-B8F2-4266BBE6DA38}" dt="2025-08-12T20:25:40.057" v="933" actId="14100"/>
         <pc:sldMkLst>
           <pc:docMk/>
           <pc:sldMk cId="0" sldId="269"/>
@@ -1117,12 +1276,28 @@
             <ac:spMk id="4" creationId="{00000000-0000-0000-0000-000000000000}"/>
           </ac:spMkLst>
         </pc:spChg>
+        <pc:spChg chg="add mod">
+          <ac:chgData name="Md Ishrak Mashroor" userId="e451b154c326eb62" providerId="LiveId" clId="{CEA78450-4F91-469D-B8F2-4266BBE6DA38}" dt="2025-08-12T20:25:40.057" v="933" actId="14100"/>
+          <ac:spMkLst>
+            <pc:docMk/>
+            <pc:sldMk cId="0" sldId="269"/>
+            <ac:spMk id="4" creationId="{E29F1BCD-D672-6619-912C-F9FC68138146}"/>
+          </ac:spMkLst>
+        </pc:spChg>
         <pc:spChg chg="del">
           <ac:chgData name="Md Ishrak Mashroor" userId="e451b154c326eb62" providerId="LiveId" clId="{CEA78450-4F91-469D-B8F2-4266BBE6DA38}" dt="2025-08-12T19:39:48.891" v="251" actId="478"/>
           <ac:spMkLst>
             <pc:docMk/>
             <pc:sldMk cId="0" sldId="269"/>
             <ac:spMk id="5" creationId="{00000000-0000-0000-0000-000000000000}"/>
+          </ac:spMkLst>
+        </pc:spChg>
+        <pc:spChg chg="del mod">
+          <ac:chgData name="Md Ishrak Mashroor" userId="e451b154c326eb62" providerId="LiveId" clId="{CEA78450-4F91-469D-B8F2-4266BBE6DA38}" dt="2025-08-12T20:24:54.037" v="925"/>
+          <ac:spMkLst>
+            <pc:docMk/>
+            <pc:sldMk cId="0" sldId="269"/>
+            <ac:spMk id="6" creationId="{00000000-0000-0000-0000-000000000000}"/>
           </ac:spMkLst>
         </pc:spChg>
         <pc:spChg chg="mod">
@@ -1131,6 +1306,14 @@
             <pc:docMk/>
             <pc:sldMk cId="0" sldId="269"/>
             <ac:spMk id="7" creationId="{00000000-0000-0000-0000-000000000000}"/>
+          </ac:spMkLst>
+        </pc:spChg>
+        <pc:spChg chg="del">
+          <ac:chgData name="Md Ishrak Mashroor" userId="e451b154c326eb62" providerId="LiveId" clId="{CEA78450-4F91-469D-B8F2-4266BBE6DA38}" dt="2025-08-12T20:24:47.437" v="916" actId="478"/>
+          <ac:spMkLst>
+            <pc:docMk/>
+            <pc:sldMk cId="0" sldId="269"/>
+            <ac:spMk id="8" creationId="{00000000-0000-0000-0000-000000000000}"/>
           </ac:spMkLst>
         </pc:spChg>
         <pc:spChg chg="add del mod">
@@ -3545,7 +3728,7 @@
               </a:lnSpc>
             </a:pPr>
             <a:r>
-              <a:rPr lang="en-US" sz="2600" b="1" spc="-52">
+              <a:rPr lang="en-US" sz="2600" b="1" spc="-52" dirty="0">
                 <a:solidFill>
                   <a:srgbClr val="F7F7F7"/>
                 </a:solidFill>
@@ -4686,7 +4869,7 @@
               </a:lnSpc>
             </a:pPr>
             <a:r>
-              <a:rPr lang="en-US" sz="24895" b="1">
+              <a:rPr lang="en-US" sz="24895" b="1" dirty="0">
                 <a:solidFill>
                   <a:srgbClr val="F7F7F7"/>
                 </a:solidFill>
@@ -4951,7 +5134,7 @@
         <p:spPr bwMode="auto">
           <a:xfrm>
             <a:off x="914400" y="3466864"/>
-            <a:ext cx="6972300" cy="3970318"/>
+            <a:ext cx="7086600" cy="3970318"/>
           </a:xfrm>
           <a:prstGeom prst="rect">
             <a:avLst/>
@@ -5056,7 +5239,35 @@
                 <a:latin typeface="Arial Bold"/>
                 <a:cs typeface="Arial Bold"/>
               </a:rPr>
-              <a:t>Two modes: PvsP and PvsAI</a:t>
+              <a:t>Mode-Based execution via </a:t>
+            </a:r>
+            <a:r>
+              <a:rPr kumimoji="0" lang="en-US" altLang="en-US" sz="2800" b="1" i="0" u="none" strike="noStrike" cap="none" normalizeH="0" baseline="0" dirty="0" err="1">
+                <a:ln>
+                  <a:noFill/>
+                </a:ln>
+                <a:solidFill>
+                  <a:schemeClr val="bg1"/>
+                </a:solidFill>
+                <a:effectLst/>
+                <a:latin typeface="Consolas" panose="020B0609020204030204" pitchFamily="49" charset="0"/>
+                <a:cs typeface="Arial Bold"/>
+              </a:rPr>
+              <a:t>run_game</a:t>
+            </a:r>
+            <a:r>
+              <a:rPr kumimoji="0" lang="en-US" altLang="en-US" sz="2800" b="1" i="0" u="none" strike="noStrike" cap="none" normalizeH="0" baseline="0" dirty="0">
+                <a:ln>
+                  <a:noFill/>
+                </a:ln>
+                <a:solidFill>
+                  <a:schemeClr val="bg1"/>
+                </a:solidFill>
+                <a:effectLst/>
+                <a:latin typeface="Consolas" panose="020B0609020204030204" pitchFamily="49" charset="0"/>
+                <a:cs typeface="Arial Bold"/>
+              </a:rPr>
+              <a:t>() </a:t>
             </a:r>
           </a:p>
           <a:p>
@@ -5117,7 +5328,7 @@
                 <a:latin typeface="Arial Bold"/>
                 <a:cs typeface="Arial Bold"/>
               </a:rPr>
-              <a:t>3×3 array board, starts empty</a:t>
+              <a:t>3×3 char array for board state</a:t>
             </a:r>
           </a:p>
           <a:p>
@@ -5178,7 +5389,7 @@
                 <a:latin typeface="Arial Bold"/>
                 <a:cs typeface="Arial Bold"/>
               </a:rPr>
-              <a:t>Turn switching between X and O</a:t>
+              <a:t>Turn  toggling between X and O</a:t>
             </a:r>
           </a:p>
           <a:p>
@@ -5239,8 +5450,29 @@
                 <a:latin typeface="Arial Bold"/>
                 <a:cs typeface="Arial Bold"/>
               </a:rPr>
-              <a:t>Input checks: format, range, duplicates</a:t>
-            </a:r>
+              <a:t>Input checks: format, range, </a:t>
+            </a:r>
+            <a:r>
+              <a:rPr lang="en-US" altLang="en-US" sz="2800" b="1" dirty="0">
+                <a:solidFill>
+                  <a:schemeClr val="bg1"/>
+                </a:solidFill>
+                <a:latin typeface="Arial Bold"/>
+                <a:cs typeface="Arial Bold"/>
+              </a:rPr>
+              <a:t>occupancy</a:t>
+            </a:r>
+            <a:endParaRPr kumimoji="0" lang="en-US" altLang="en-US" sz="2800" b="1" i="0" u="none" strike="noStrike" cap="none" normalizeH="0" baseline="0" dirty="0">
+              <a:ln>
+                <a:noFill/>
+              </a:ln>
+              <a:solidFill>
+                <a:schemeClr val="bg1"/>
+              </a:solidFill>
+              <a:effectLst/>
+              <a:latin typeface="Arial Bold"/>
+              <a:cs typeface="Arial Bold"/>
+            </a:endParaRPr>
           </a:p>
           <a:p>
             <a:pPr marL="0" marR="0" lvl="0" indent="0" algn="l" defTabSz="914400" rtl="0" eaLnBrk="0" fontAlgn="base" latinLnBrk="0" hangingPunct="0">
@@ -5287,8 +5519,8 @@
         </p:nvSpPr>
         <p:spPr>
           <a:xfrm>
-            <a:off x="7913996" y="3473119"/>
-            <a:ext cx="7402204" cy="2677656"/>
+            <a:off x="8153400" y="3466864"/>
+            <a:ext cx="9448800" cy="2246769"/>
           </a:xfrm>
           <a:prstGeom prst="rect">
             <a:avLst/>
@@ -5358,8 +5590,35 @@
                 <a:latin typeface="Arial Bold"/>
                 <a:cs typeface="Arial Bold"/>
               </a:rPr>
-              <a:t>Win check: rows, columns, diagonals</a:t>
-            </a:r>
+              <a:t>Win/	Draw detection through loops and counter </a:t>
+            </a:r>
+          </a:p>
+          <a:p>
+            <a:pPr marL="0" marR="0" lvl="0" indent="0" algn="l" defTabSz="914400" rtl="0" eaLnBrk="0" fontAlgn="base" latinLnBrk="0" hangingPunct="0">
+              <a:lnSpc>
+                <a:spcPct val="100000"/>
+              </a:lnSpc>
+              <a:spcBef>
+                <a:spcPct val="0"/>
+              </a:spcBef>
+              <a:spcAft>
+                <a:spcPct val="0"/>
+              </a:spcAft>
+              <a:buClrTx/>
+              <a:buSzTx/>
+              <a:tabLst/>
+            </a:pPr>
+            <a:endParaRPr kumimoji="0" lang="en-US" altLang="en-US" sz="2800" b="1" i="0" u="none" strike="noStrike" cap="none" normalizeH="0" baseline="0" dirty="0">
+              <a:ln>
+                <a:noFill/>
+              </a:ln>
+              <a:solidFill>
+                <a:schemeClr val="bg1"/>
+              </a:solidFill>
+              <a:effectLst/>
+              <a:latin typeface="Arial Bold"/>
+              <a:cs typeface="Arial Bold"/>
+            </a:endParaRPr>
           </a:p>
           <a:p>
             <a:pPr marL="0" marR="0" lvl="0" indent="0" algn="l" defTabSz="914400" rtl="0" eaLnBrk="0" fontAlgn="base" latinLnBrk="0" hangingPunct="0">
@@ -5378,35 +5637,6 @@
               <a:buChar char="•"/>
               <a:tabLst/>
             </a:pPr>
-            <a:endParaRPr kumimoji="0" lang="en-US" altLang="en-US" sz="2800" b="1" i="0" u="none" strike="noStrike" cap="none" normalizeH="0" baseline="0" dirty="0">
-              <a:ln>
-                <a:noFill/>
-              </a:ln>
-              <a:solidFill>
-                <a:schemeClr val="bg1"/>
-              </a:solidFill>
-              <a:effectLst/>
-              <a:latin typeface="Arial Bold"/>
-              <a:cs typeface="Arial Bold"/>
-            </a:endParaRPr>
-          </a:p>
-          <a:p>
-            <a:pPr marL="0" marR="0" lvl="0" indent="0" algn="l" defTabSz="914400" rtl="0" eaLnBrk="0" fontAlgn="base" latinLnBrk="0" hangingPunct="0">
-              <a:lnSpc>
-                <a:spcPct val="100000"/>
-              </a:lnSpc>
-              <a:spcBef>
-                <a:spcPct val="0"/>
-              </a:spcBef>
-              <a:spcAft>
-                <a:spcPct val="0"/>
-              </a:spcAft>
-              <a:buClrTx/>
-              <a:buSzTx/>
-              <a:buFontTx/>
-              <a:buChar char="•"/>
-              <a:tabLst/>
-            </a:pPr>
             <a:r>
               <a:rPr kumimoji="0" lang="en-US" altLang="en-US" sz="2800" b="1" i="0" u="none" strike="noStrike" cap="none" normalizeH="0" baseline="0" dirty="0">
                 <a:ln>
@@ -5419,55 +5649,22 @@
                 <a:latin typeface="Arial Bold"/>
                 <a:cs typeface="Arial Bold"/>
               </a:rPr>
-              <a:t>Draw if all 9 cells filled without winner</a:t>
-            </a:r>
-          </a:p>
-          <a:p>
-            <a:pPr marL="0" marR="0" lvl="0" indent="0" algn="l" defTabSz="914400" rtl="0" eaLnBrk="0" fontAlgn="base" latinLnBrk="0" hangingPunct="0">
-              <a:lnSpc>
-                <a:spcPct val="100000"/>
-              </a:lnSpc>
-              <a:spcBef>
-                <a:spcPct val="0"/>
-              </a:spcBef>
-              <a:spcAft>
-                <a:spcPct val="0"/>
-              </a:spcAft>
-              <a:buClrTx/>
-              <a:buSzTx/>
-              <a:buFontTx/>
-              <a:buChar char="•"/>
-              <a:tabLst/>
-            </a:pPr>
-            <a:endParaRPr kumimoji="0" lang="en-US" altLang="en-US" sz="2800" b="1" i="0" u="none" strike="noStrike" cap="none" normalizeH="0" baseline="0" dirty="0">
-              <a:ln>
-                <a:noFill/>
-              </a:ln>
-              <a:solidFill>
-                <a:schemeClr val="bg1"/>
-              </a:solidFill>
-              <a:effectLst/>
-              <a:latin typeface="Arial Bold"/>
-              <a:cs typeface="Arial Bold"/>
-            </a:endParaRPr>
-          </a:p>
-          <a:p>
-            <a:pPr marL="0" marR="0" lvl="0" indent="0" algn="l" defTabSz="914400" rtl="0" eaLnBrk="0" fontAlgn="base" latinLnBrk="0" hangingPunct="0">
-              <a:lnSpc>
-                <a:spcPct val="100000"/>
-              </a:lnSpc>
-              <a:spcBef>
-                <a:spcPct val="0"/>
-              </a:spcBef>
-              <a:spcAft>
-                <a:spcPct val="0"/>
-              </a:spcAft>
-              <a:buClrTx/>
-              <a:buSzTx/>
-              <a:buFontTx/>
-              <a:buChar char="•"/>
-              <a:tabLst/>
-            </a:pPr>
+              <a:t>Calls </a:t>
+            </a:r>
+            <a:r>
+              <a:rPr kumimoji="0" lang="en-US" altLang="en-US" sz="2800" b="1" i="0" u="none" strike="noStrike" cap="none" normalizeH="0" baseline="0" dirty="0" err="1">
+                <a:ln>
+                  <a:noFill/>
+                </a:ln>
+                <a:solidFill>
+                  <a:schemeClr val="bg1"/>
+                </a:solidFill>
+                <a:effectLst/>
+                <a:latin typeface="Consolas" panose="020B0609020204030204" pitchFamily="49" charset="0"/>
+                <a:cs typeface="Arial Bold"/>
+              </a:rPr>
+              <a:t>print_board</a:t>
+            </a:r>
             <a:r>
               <a:rPr kumimoji="0" lang="en-US" altLang="en-US" sz="2800" b="1" i="0" u="none" strike="noStrike" cap="none" normalizeH="0" baseline="0" dirty="0">
                 <a:ln>
@@ -5477,10 +5674,66 @@
                   <a:schemeClr val="bg1"/>
                 </a:solidFill>
                 <a:effectLst/>
+                <a:latin typeface="Consolas" panose="020B0609020204030204" pitchFamily="49" charset="0"/>
+                <a:cs typeface="Arial Bold"/>
+              </a:rPr>
+              <a:t>() </a:t>
+            </a:r>
+            <a:r>
+              <a:rPr kumimoji="0" lang="en-US" altLang="en-US" sz="2800" b="1" i="0" u="none" strike="noStrike" cap="none" normalizeH="0" baseline="0" dirty="0">
+                <a:ln>
+                  <a:noFill/>
+                </a:ln>
+                <a:solidFill>
+                  <a:schemeClr val="bg1"/>
+                </a:solidFill>
+                <a:effectLst/>
                 <a:latin typeface="Arial Bold"/>
                 <a:cs typeface="Arial Bold"/>
               </a:rPr>
-              <a:t>Screen cleared each turn for clean UI</a:t>
+              <a:t>and </a:t>
+            </a:r>
+            <a:r>
+              <a:rPr kumimoji="0" lang="en-US" altLang="en-US" sz="2800" b="1" i="0" u="none" strike="noStrike" cap="none" normalizeH="0" baseline="0" dirty="0" err="1">
+                <a:ln>
+                  <a:noFill/>
+                </a:ln>
+                <a:solidFill>
+                  <a:schemeClr val="bg1"/>
+                </a:solidFill>
+                <a:effectLst/>
+                <a:latin typeface="Consolas" panose="020B0609020204030204" pitchFamily="49" charset="0"/>
+                <a:cs typeface="Arial Bold"/>
+              </a:rPr>
+              <a:t>ai_move</a:t>
+            </a:r>
+            <a:r>
+              <a:rPr kumimoji="0" lang="en-US" altLang="en-US" sz="2800" b="1" i="0" u="none" strike="noStrike" cap="none" normalizeH="0" baseline="0" dirty="0">
+                <a:ln>
+                  <a:noFill/>
+                </a:ln>
+                <a:solidFill>
+                  <a:schemeClr val="bg1"/>
+                </a:solidFill>
+                <a:effectLst/>
+                <a:latin typeface="Consolas" panose="020B0609020204030204" pitchFamily="49" charset="0"/>
+                <a:cs typeface="Arial Bold"/>
+              </a:rPr>
+              <a:t>() </a:t>
+            </a:r>
+            <a:r>
+              <a:rPr kumimoji="0" lang="en-US" altLang="en-US" sz="2800" b="1" i="0" u="none" strike="noStrike" cap="none" normalizeH="0" baseline="0" dirty="0">
+                <a:ln>
+                  <a:noFill/>
+                </a:ln>
+                <a:solidFill>
+                  <a:schemeClr val="bg1"/>
+                </a:solidFill>
+                <a:effectLst/>
+                <a:latin typeface="Arial Bold"/>
+                <a:cs typeface="Arial Bold"/>
+              </a:rPr>
+              <a:t>for output and bot turn</a:t>
             </a:r>
           </a:p>
         </p:txBody>
@@ -5527,14 +5780,14 @@
         <p:spPr>
           <a:xfrm>
             <a:off x="1028700" y="1456055"/>
-            <a:ext cx="9249172" cy="1369695"/>
+            <a:ext cx="11315700" cy="1181606"/>
           </a:xfrm>
           <a:prstGeom prst="rect">
             <a:avLst/>
           </a:prstGeom>
         </p:spPr>
         <p:txBody>
-          <a:bodyPr lIns="0" tIns="0" rIns="0" bIns="0" rtlCol="0" anchor="t">
+          <a:bodyPr wrap="square" lIns="0" tIns="0" rIns="0" bIns="0" rtlCol="0" anchor="t">
             <a:spAutoFit/>
           </a:bodyPr>
           <a:lstStyle/>
@@ -5545,7 +5798,7 @@
               </a:lnSpc>
             </a:pPr>
             <a:r>
-              <a:rPr lang="en-US" sz="7200" b="1">
+              <a:rPr lang="en-US" sz="7200" b="1" dirty="0">
                 <a:solidFill>
                   <a:srgbClr val="F7F7F7"/>
                 </a:solidFill>
@@ -5556,6 +5809,759 @@
               </a:rPr>
               <a:t>AI IMPLEMENTATION</a:t>
             </a:r>
+          </a:p>
+        </p:txBody>
+      </p:sp>
+      <p:sp>
+        <p:nvSpPr>
+          <p:cNvPr id="2" name="Rectangle 1">
+            <a:extLst>
+              <a:ext uri="{FF2B5EF4-FFF2-40B4-BE49-F238E27FC236}">
+                <a16:creationId xmlns:a16="http://schemas.microsoft.com/office/drawing/2014/main" id="{FA752086-B408-C2AA-6585-294796678C9F}"/>
+              </a:ext>
+            </a:extLst>
+          </p:cNvPr>
+          <p:cNvSpPr>
+            <a:spLocks noChangeArrowheads="1"/>
+          </p:cNvSpPr>
+          <p:nvPr/>
+        </p:nvSpPr>
+        <p:spPr bwMode="auto">
+          <a:xfrm>
+            <a:off x="991168" y="2920475"/>
+            <a:ext cx="8305231" cy="1077218"/>
+          </a:xfrm>
+          <a:prstGeom prst="rect">
+            <a:avLst/>
+          </a:prstGeom>
+          <a:noFill/>
+          <a:ln>
+            <a:noFill/>
+          </a:ln>
+          <a:effectLst/>
+          <a:extLst>
+            <a:ext uri="{909E8E84-426E-40DD-AFC4-6F175D3DCCD1}">
+              <a14:hiddenFill xmlns:a14="http://schemas.microsoft.com/office/drawing/2010/main">
+                <a:solidFill>
+                  <a:schemeClr val="accent1"/>
+                </a:solidFill>
+              </a14:hiddenFill>
+            </a:ext>
+            <a:ext uri="{91240B29-F687-4F45-9708-019B960494DF}">
+              <a14:hiddenLine xmlns:a14="http://schemas.microsoft.com/office/drawing/2010/main" w="9525">
+                <a:solidFill>
+                  <a:schemeClr val="tx1"/>
+                </a:solidFill>
+                <a:miter lim="800000"/>
+                <a:headEnd/>
+                <a:tailEnd/>
+              </a14:hiddenLine>
+            </a:ext>
+            <a:ext uri="{AF507438-7753-43E0-B8FC-AC1667EBCBE1}">
+              <a14:hiddenEffects xmlns:a14="http://schemas.microsoft.com/office/drawing/2010/main">
+                <a:effectLst>
+                  <a:outerShdw dist="35921" dir="2700000" algn="ctr" rotWithShape="0">
+                    <a:schemeClr val="bg2"/>
+                  </a:outerShdw>
+                </a:effectLst>
+              </a14:hiddenEffects>
+            </a:ext>
+          </a:extLst>
+        </p:spPr>
+        <p:txBody>
+          <a:bodyPr vert="horz" wrap="square" lIns="91440" tIns="45720" rIns="91440" bIns="45720" numCol="1" anchor="ctr" anchorCtr="0" compatLnSpc="1">
+            <a:prstTxWarp prst="textNoShape">
+              <a:avLst/>
+            </a:prstTxWarp>
+            <a:spAutoFit/>
+          </a:bodyPr>
+          <a:lstStyle/>
+          <a:p>
+            <a:pPr marL="0" marR="0" lvl="0" indent="0" algn="l" defTabSz="914400" rtl="0" eaLnBrk="0" fontAlgn="base" latinLnBrk="0" hangingPunct="0">
+              <a:lnSpc>
+                <a:spcPct val="100000"/>
+              </a:lnSpc>
+              <a:spcBef>
+                <a:spcPct val="0"/>
+              </a:spcBef>
+              <a:spcAft>
+                <a:spcPct val="0"/>
+              </a:spcAft>
+              <a:buClrTx/>
+              <a:buSzTx/>
+              <a:buFontTx/>
+              <a:buChar char="•"/>
+              <a:tabLst/>
+            </a:pPr>
+            <a:r>
+              <a:rPr kumimoji="0" lang="en-US" altLang="en-US" sz="3200" b="1" i="0" u="none" strike="noStrike" cap="none" normalizeH="0" baseline="0" dirty="0">
+                <a:ln>
+                  <a:noFill/>
+                </a:ln>
+                <a:solidFill>
+                  <a:schemeClr val="bg1"/>
+                </a:solidFill>
+                <a:effectLst/>
+                <a:latin typeface="Arial Bold"/>
+                <a:cs typeface="Arial Bold"/>
+              </a:rPr>
+              <a:t>Function Driven AI: </a:t>
+            </a:r>
+            <a:r>
+              <a:rPr kumimoji="0" lang="en-US" altLang="en-US" sz="3200" b="1" i="0" u="none" strike="noStrike" cap="none" normalizeH="0" baseline="0" dirty="0">
+                <a:ln>
+                  <a:noFill/>
+                </a:ln>
+                <a:solidFill>
+                  <a:schemeClr val="bg1"/>
+                </a:solidFill>
+                <a:effectLst/>
+                <a:latin typeface="Consolas" panose="020B0609020204030204" pitchFamily="49" charset="0"/>
+                <a:cs typeface="Arial Bold"/>
+              </a:rPr>
+              <a:t>ai_move() </a:t>
+            </a:r>
+            <a:r>
+              <a:rPr kumimoji="0" lang="en-US" altLang="en-US" sz="3200" b="1" i="0" u="none" strike="noStrike" cap="none" normalizeH="0" baseline="0" dirty="0">
+                <a:ln>
+                  <a:noFill/>
+                </a:ln>
+                <a:solidFill>
+                  <a:schemeClr val="bg1"/>
+                </a:solidFill>
+                <a:effectLst/>
+                <a:latin typeface="Arial Bold"/>
+                <a:cs typeface="Arial Bold"/>
+              </a:rPr>
+              <a:t>makes</a:t>
+            </a:r>
+            <a:r>
+              <a:rPr kumimoji="0" lang="en-US" altLang="en-US" sz="3200" b="1" i="0" u="none" strike="noStrike" cap="none" normalizeH="0" baseline="0" dirty="0">
+                <a:ln>
+                  <a:noFill/>
+                </a:ln>
+                <a:solidFill>
+                  <a:schemeClr val="bg1"/>
+                </a:solidFill>
+                <a:effectLst/>
+                <a:latin typeface="Consolas" panose="020B0609020204030204" pitchFamily="49" charset="0"/>
+                <a:cs typeface="Arial Bold"/>
+              </a:rPr>
+              <a:t> </a:t>
+            </a:r>
+            <a:r>
+              <a:rPr kumimoji="0" lang="en-US" altLang="en-US" sz="3200" b="1" i="0" u="none" strike="noStrike" cap="none" normalizeH="0" baseline="0" dirty="0">
+                <a:ln>
+                  <a:noFill/>
+                </a:ln>
+                <a:solidFill>
+                  <a:schemeClr val="bg1"/>
+                </a:solidFill>
+                <a:effectLst/>
+                <a:latin typeface="Arial Bold"/>
+                <a:cs typeface="Arial Bold"/>
+              </a:rPr>
+              <a:t>computer moves </a:t>
+            </a:r>
+          </a:p>
+        </p:txBody>
+      </p:sp>
+      <p:sp>
+        <p:nvSpPr>
+          <p:cNvPr id="4" name="TextBox 3">
+            <a:extLst>
+              <a:ext uri="{FF2B5EF4-FFF2-40B4-BE49-F238E27FC236}">
+                <a16:creationId xmlns:a16="http://schemas.microsoft.com/office/drawing/2014/main" id="{0C4BB252-64E0-F5BE-99A6-1F67C46BAA03}"/>
+              </a:ext>
+            </a:extLst>
+          </p:cNvPr>
+          <p:cNvSpPr txBox="1"/>
+          <p:nvPr/>
+        </p:nvSpPr>
+        <p:spPr>
+          <a:xfrm>
+            <a:off x="2743200" y="4490682"/>
+            <a:ext cx="9144000" cy="584775"/>
+          </a:xfrm>
+          <a:prstGeom prst="rect">
+            <a:avLst/>
+          </a:prstGeom>
+          <a:noFill/>
+        </p:spPr>
+        <p:txBody>
+          <a:bodyPr wrap="square">
+            <a:spAutoFit/>
+          </a:bodyPr>
+          <a:lstStyle/>
+          <a:p>
+            <a:pPr lvl="0" eaLnBrk="0" fontAlgn="base" hangingPunct="0">
+              <a:spcBef>
+                <a:spcPct val="0"/>
+              </a:spcBef>
+              <a:spcAft>
+                <a:spcPct val="0"/>
+              </a:spcAft>
+              <a:buFontTx/>
+              <a:buChar char="•"/>
+            </a:pPr>
+            <a:r>
+              <a:rPr kumimoji="0" lang="en-US" altLang="en-US" sz="3200" b="1" i="0" u="none" strike="noStrike" cap="none" normalizeH="0" baseline="0" dirty="0">
+                <a:ln>
+                  <a:noFill/>
+                </a:ln>
+                <a:solidFill>
+                  <a:schemeClr val="bg1"/>
+                </a:solidFill>
+                <a:effectLst/>
+                <a:latin typeface="Arial Bold"/>
+                <a:cs typeface="Arial Bold"/>
+              </a:rPr>
+              <a:t>Random </a:t>
+            </a:r>
+            <a:r>
+              <a:rPr kumimoji="0" lang="en-US" altLang="en-US" sz="3200" b="1" i="0" u="none" strike="noStrike" cap="none" normalizeH="0" baseline="0" dirty="0">
+                <a:ln>
+                  <a:noFill/>
+                </a:ln>
+                <a:solidFill>
+                  <a:schemeClr val="bg1"/>
+                </a:solidFill>
+                <a:effectLst/>
+                <a:latin typeface="Consolas" panose="020B0609020204030204" pitchFamily="49" charset="0"/>
+                <a:cs typeface="Arial Bold"/>
+              </a:rPr>
+              <a:t>row,col </a:t>
+            </a:r>
+            <a:r>
+              <a:rPr kumimoji="0" lang="en-US" altLang="en-US" sz="3200" b="1" i="0" u="none" strike="noStrike" cap="none" normalizeH="0" baseline="0" dirty="0">
+                <a:ln>
+                  <a:noFill/>
+                </a:ln>
+                <a:solidFill>
+                  <a:schemeClr val="bg1"/>
+                </a:solidFill>
+                <a:effectLst/>
+                <a:latin typeface="Arial Bold"/>
+                <a:cs typeface="Arial Bold"/>
+              </a:rPr>
+              <a:t>until </a:t>
+            </a:r>
+            <a:r>
+              <a:rPr kumimoji="0" lang="en-US" altLang="en-US" sz="3200" b="1" i="0" u="none" strike="noStrike" cap="none" normalizeH="0" baseline="0" dirty="0">
+                <a:ln>
+                  <a:noFill/>
+                </a:ln>
+                <a:solidFill>
+                  <a:schemeClr val="bg1"/>
+                </a:solidFill>
+                <a:effectLst/>
+                <a:latin typeface="Consolas" panose="020B0609020204030204" pitchFamily="49" charset="0"/>
+                <a:cs typeface="Arial Bold"/>
+              </a:rPr>
+              <a:t>EMPTY </a:t>
+            </a:r>
+            <a:r>
+              <a:rPr lang="en-US" altLang="en-US" sz="3200" b="1" dirty="0">
+                <a:solidFill>
+                  <a:schemeClr val="bg1"/>
+                </a:solidFill>
+                <a:latin typeface="Arial Bold"/>
+                <a:cs typeface="Arial Bold"/>
+              </a:rPr>
+              <a:t>cell found</a:t>
+            </a:r>
+            <a:r>
+              <a:rPr kumimoji="0" lang="en-US" altLang="en-US" sz="3200" b="1" i="0" u="none" strike="noStrike" cap="none" normalizeH="0" baseline="0" dirty="0">
+                <a:ln>
+                  <a:noFill/>
+                </a:ln>
+                <a:solidFill>
+                  <a:schemeClr val="bg1"/>
+                </a:solidFill>
+                <a:effectLst/>
+                <a:latin typeface="Consolas" panose="020B0609020204030204" pitchFamily="49" charset="0"/>
+                <a:cs typeface="Arial Bold"/>
+              </a:rPr>
+              <a:t> </a:t>
+            </a:r>
+          </a:p>
+        </p:txBody>
+      </p:sp>
+      <p:sp>
+        <p:nvSpPr>
+          <p:cNvPr id="9" name="TextBox 8">
+            <a:extLst>
+              <a:ext uri="{FF2B5EF4-FFF2-40B4-BE49-F238E27FC236}">
+                <a16:creationId xmlns:a16="http://schemas.microsoft.com/office/drawing/2014/main" id="{0DBE7A31-5F66-8A4E-D409-958D8A08E0A1}"/>
+              </a:ext>
+            </a:extLst>
+          </p:cNvPr>
+          <p:cNvSpPr txBox="1"/>
+          <p:nvPr/>
+        </p:nvSpPr>
+        <p:spPr>
+          <a:xfrm>
+            <a:off x="7527878" y="6783212"/>
+            <a:ext cx="9144000" cy="584775"/>
+          </a:xfrm>
+          <a:prstGeom prst="rect">
+            <a:avLst/>
+          </a:prstGeom>
+          <a:noFill/>
+        </p:spPr>
+        <p:txBody>
+          <a:bodyPr wrap="square">
+            <a:spAutoFit/>
+          </a:bodyPr>
+          <a:lstStyle/>
+          <a:p>
+            <a:pPr marL="0" marR="0" lvl="0" indent="0" algn="l" defTabSz="914400" rtl="0" eaLnBrk="0" fontAlgn="base" latinLnBrk="0" hangingPunct="0">
+              <a:lnSpc>
+                <a:spcPct val="100000"/>
+              </a:lnSpc>
+              <a:spcBef>
+                <a:spcPct val="0"/>
+              </a:spcBef>
+              <a:spcAft>
+                <a:spcPct val="0"/>
+              </a:spcAft>
+              <a:buClrTx/>
+              <a:buSzTx/>
+              <a:buFontTx/>
+              <a:buChar char="•"/>
+              <a:tabLst/>
+            </a:pPr>
+            <a:r>
+              <a:rPr kumimoji="0" lang="en-US" altLang="en-US" sz="3200" b="1" i="0" u="none" strike="noStrike" cap="none" normalizeH="0" baseline="0" dirty="0">
+                <a:ln>
+                  <a:noFill/>
+                </a:ln>
+                <a:solidFill>
+                  <a:schemeClr val="bg1"/>
+                </a:solidFill>
+                <a:effectLst/>
+                <a:latin typeface="Consolas" panose="020B0609020204030204" pitchFamily="49" charset="0"/>
+                <a:cs typeface="Arial Bold"/>
+              </a:rPr>
+              <a:t>sleep(1)</a:t>
+            </a:r>
+            <a:r>
+              <a:rPr kumimoji="0" lang="en-US" altLang="en-US" sz="3200" b="1" i="0" u="none" strike="noStrike" cap="none" normalizeH="0" baseline="0" dirty="0">
+                <a:ln>
+                  <a:noFill/>
+                </a:ln>
+                <a:solidFill>
+                  <a:schemeClr val="bg1"/>
+                </a:solidFill>
+                <a:effectLst/>
+                <a:latin typeface="Arial Bold"/>
+                <a:cs typeface="Arial Bold"/>
+              </a:rPr>
+              <a:t> for 1s human-like thinking delay</a:t>
+            </a:r>
+          </a:p>
+        </p:txBody>
+      </p:sp>
+      <p:sp>
+        <p:nvSpPr>
+          <p:cNvPr id="11" name="TextBox 10">
+            <a:extLst>
+              <a:ext uri="{FF2B5EF4-FFF2-40B4-BE49-F238E27FC236}">
+                <a16:creationId xmlns:a16="http://schemas.microsoft.com/office/drawing/2014/main" id="{07647D66-C082-977A-6109-FD6B46CE9F70}"/>
+              </a:ext>
+            </a:extLst>
+          </p:cNvPr>
+          <p:cNvSpPr txBox="1"/>
+          <p:nvPr/>
+        </p:nvSpPr>
+        <p:spPr>
+          <a:xfrm>
+            <a:off x="5019532" y="5587212"/>
+            <a:ext cx="8391667" cy="584775"/>
+          </a:xfrm>
+          <a:prstGeom prst="rect">
+            <a:avLst/>
+          </a:prstGeom>
+          <a:noFill/>
+        </p:spPr>
+        <p:txBody>
+          <a:bodyPr wrap="square">
+            <a:spAutoFit/>
+          </a:bodyPr>
+          <a:lstStyle/>
+          <a:p>
+            <a:pPr marL="0" marR="0" lvl="0" indent="0" algn="l" defTabSz="914400" rtl="0" eaLnBrk="0" fontAlgn="base" latinLnBrk="0" hangingPunct="0">
+              <a:lnSpc>
+                <a:spcPct val="100000"/>
+              </a:lnSpc>
+              <a:spcBef>
+                <a:spcPct val="0"/>
+              </a:spcBef>
+              <a:spcAft>
+                <a:spcPct val="0"/>
+              </a:spcAft>
+              <a:buClrTx/>
+              <a:buSzTx/>
+              <a:buFontTx/>
+              <a:buChar char="•"/>
+              <a:tabLst/>
+            </a:pPr>
+            <a:r>
+              <a:rPr kumimoji="0" lang="en-US" altLang="en-US" sz="3200" b="1" i="0" u="none" strike="noStrike" cap="none" normalizeH="0" baseline="0" dirty="0">
+                <a:ln>
+                  <a:noFill/>
+                </a:ln>
+                <a:solidFill>
+                  <a:schemeClr val="bg1"/>
+                </a:solidFill>
+                <a:effectLst/>
+                <a:latin typeface="Arial Bold"/>
+                <a:cs typeface="Arial Bold"/>
+              </a:rPr>
+              <a:t>Player vs AI: human </a:t>
+            </a:r>
+            <a:r>
+              <a:rPr lang="en-US" altLang="en-US" sz="3200" b="1" dirty="0">
+                <a:solidFill>
+                  <a:schemeClr val="bg1"/>
+                </a:solidFill>
+                <a:latin typeface="Arial Bold"/>
+                <a:cs typeface="Arial Bold"/>
+              </a:rPr>
+              <a:t>plays</a:t>
+            </a:r>
+            <a:r>
+              <a:rPr kumimoji="0" lang="en-US" altLang="en-US" sz="3200" b="1" i="0" u="none" strike="noStrike" cap="none" normalizeH="0" baseline="0" dirty="0">
+                <a:ln>
+                  <a:noFill/>
+                </a:ln>
+                <a:solidFill>
+                  <a:schemeClr val="bg1"/>
+                </a:solidFill>
+                <a:effectLst/>
+                <a:latin typeface="Arial Bold"/>
+                <a:cs typeface="Arial Bold"/>
+              </a:rPr>
+              <a:t> X, AI plays </a:t>
+            </a:r>
+            <a:r>
+              <a:rPr kumimoji="0" lang="en-US" altLang="en-US" sz="3200" b="1" i="0" u="none" strike="noStrike" cap="none" normalizeH="0" baseline="0" dirty="0">
+                <a:ln>
+                  <a:noFill/>
+                </a:ln>
+                <a:solidFill>
+                  <a:schemeClr val="bg1"/>
+                </a:solidFill>
+                <a:effectLst/>
+                <a:latin typeface="Consolas" panose="020B0609020204030204" pitchFamily="49" charset="0"/>
+                <a:cs typeface="Arial Bold"/>
+              </a:rPr>
+              <a:t>O</a:t>
+            </a:r>
+          </a:p>
+        </p:txBody>
+      </p:sp>
+      <p:sp>
+        <p:nvSpPr>
+          <p:cNvPr id="13" name="TextBox 12">
+            <a:extLst>
+              <a:ext uri="{FF2B5EF4-FFF2-40B4-BE49-F238E27FC236}">
+                <a16:creationId xmlns:a16="http://schemas.microsoft.com/office/drawing/2014/main" id="{C73719B8-0383-D62D-BE26-37868F0EEE54}"/>
+              </a:ext>
+            </a:extLst>
+          </p:cNvPr>
+          <p:cNvSpPr txBox="1"/>
+          <p:nvPr/>
+        </p:nvSpPr>
+        <p:spPr>
+          <a:xfrm>
+            <a:off x="8067533" y="634632"/>
+            <a:ext cx="6168788" cy="584775"/>
+          </a:xfrm>
+          <a:prstGeom prst="rect">
+            <a:avLst/>
+          </a:prstGeom>
+          <a:noFill/>
+        </p:spPr>
+        <p:txBody>
+          <a:bodyPr wrap="square">
+            <a:spAutoFit/>
+          </a:bodyPr>
+          <a:lstStyle/>
+          <a:p>
+            <a:pPr marL="0" marR="0" lvl="0" indent="0" algn="l" defTabSz="914400" rtl="0" eaLnBrk="0" fontAlgn="base" latinLnBrk="0" hangingPunct="0">
+              <a:lnSpc>
+                <a:spcPct val="100000"/>
+              </a:lnSpc>
+              <a:spcBef>
+                <a:spcPct val="0"/>
+              </a:spcBef>
+              <a:spcAft>
+                <a:spcPct val="0"/>
+              </a:spcAft>
+              <a:buClrTx/>
+              <a:buSzTx/>
+              <a:buFontTx/>
+              <a:buChar char="•"/>
+              <a:tabLst/>
+            </a:pPr>
+            <a:r>
+              <a:rPr kumimoji="0" lang="en-US" altLang="en-US" sz="3200" b="1" i="0" u="none" strike="noStrike" cap="none" normalizeH="0" baseline="0" dirty="0">
+                <a:ln>
+                  <a:noFill/>
+                </a:ln>
+                <a:solidFill>
+                  <a:schemeClr val="bg1"/>
+                </a:solidFill>
+                <a:effectLst/>
+                <a:latin typeface="Arial Bold"/>
+                <a:cs typeface="Arial Bold"/>
+              </a:rPr>
+              <a:t>Uses same win/draw checks</a:t>
+            </a:r>
+          </a:p>
+        </p:txBody>
+      </p:sp>
+      <p:sp>
+        <p:nvSpPr>
+          <p:cNvPr id="14" name="Half Frame 13">
+            <a:extLst>
+              <a:ext uri="{FF2B5EF4-FFF2-40B4-BE49-F238E27FC236}">
+                <a16:creationId xmlns:a16="http://schemas.microsoft.com/office/drawing/2014/main" id="{A6499512-2C3B-3A37-5422-ADBD9DE71B18}"/>
+              </a:ext>
+            </a:extLst>
+          </p:cNvPr>
+          <p:cNvSpPr/>
+          <p:nvPr/>
+        </p:nvSpPr>
+        <p:spPr>
+          <a:xfrm>
+            <a:off x="762000" y="2755743"/>
+            <a:ext cx="838200" cy="762000"/>
+          </a:xfrm>
+          <a:prstGeom prst="halfFrame">
+            <a:avLst>
+              <a:gd name="adj1" fmla="val 14583"/>
+              <a:gd name="adj2" fmla="val 16458"/>
+            </a:avLst>
+          </a:prstGeom>
+        </p:spPr>
+        <p:style>
+          <a:lnRef idx="1">
+            <a:schemeClr val="dk1"/>
+          </a:lnRef>
+          <a:fillRef idx="2">
+            <a:schemeClr val="dk1"/>
+          </a:fillRef>
+          <a:effectRef idx="1">
+            <a:schemeClr val="dk1"/>
+          </a:effectRef>
+          <a:fontRef idx="minor">
+            <a:schemeClr val="dk1"/>
+          </a:fontRef>
+        </p:style>
+        <p:txBody>
+          <a:bodyPr rtlCol="0" anchor="ctr"/>
+          <a:lstStyle/>
+          <a:p>
+            <a:pPr algn="ctr"/>
+            <a:endParaRPr lang="en-US">
+              <a:solidFill>
+                <a:schemeClr val="tx1"/>
+              </a:solidFill>
+            </a:endParaRPr>
+          </a:p>
+        </p:txBody>
+      </p:sp>
+      <p:sp>
+        <p:nvSpPr>
+          <p:cNvPr id="15" name="Half Frame 14">
+            <a:extLst>
+              <a:ext uri="{FF2B5EF4-FFF2-40B4-BE49-F238E27FC236}">
+                <a16:creationId xmlns:a16="http://schemas.microsoft.com/office/drawing/2014/main" id="{6C8EC975-F146-F2C3-6A73-7435C0ED9703}"/>
+              </a:ext>
+            </a:extLst>
+          </p:cNvPr>
+          <p:cNvSpPr/>
+          <p:nvPr/>
+        </p:nvSpPr>
+        <p:spPr>
+          <a:xfrm rot="10800000">
+            <a:off x="15544800" y="6927900"/>
+            <a:ext cx="838200" cy="762000"/>
+          </a:xfrm>
+          <a:prstGeom prst="halfFrame">
+            <a:avLst/>
+          </a:prstGeom>
+        </p:spPr>
+        <p:style>
+          <a:lnRef idx="1">
+            <a:schemeClr val="dk1"/>
+          </a:lnRef>
+          <a:fillRef idx="2">
+            <a:schemeClr val="dk1"/>
+          </a:fillRef>
+          <a:effectRef idx="1">
+            <a:schemeClr val="dk1"/>
+          </a:effectRef>
+          <a:fontRef idx="minor">
+            <a:schemeClr val="dk1"/>
+          </a:fontRef>
+        </p:style>
+        <p:txBody>
+          <a:bodyPr rtlCol="0" anchor="ctr"/>
+          <a:lstStyle/>
+          <a:p>
+            <a:pPr algn="ctr"/>
+            <a:endParaRPr lang="en-US">
+              <a:solidFill>
+                <a:schemeClr val="tx1"/>
+              </a:solidFill>
+            </a:endParaRPr>
+          </a:p>
+        </p:txBody>
+      </p:sp>
+      <p:sp>
+        <p:nvSpPr>
+          <p:cNvPr id="16" name="Half Frame 15">
+            <a:extLst>
+              <a:ext uri="{FF2B5EF4-FFF2-40B4-BE49-F238E27FC236}">
+                <a16:creationId xmlns:a16="http://schemas.microsoft.com/office/drawing/2014/main" id="{464EC481-FCD7-0579-00E0-C3B845707906}"/>
+              </a:ext>
+            </a:extLst>
+          </p:cNvPr>
+          <p:cNvSpPr/>
+          <p:nvPr/>
+        </p:nvSpPr>
+        <p:spPr>
+          <a:xfrm rot="10800000">
+            <a:off x="12496800" y="5587212"/>
+            <a:ext cx="838200" cy="762000"/>
+          </a:xfrm>
+          <a:prstGeom prst="halfFrame">
+            <a:avLst/>
+          </a:prstGeom>
+        </p:spPr>
+        <p:style>
+          <a:lnRef idx="1">
+            <a:schemeClr val="dk1"/>
+          </a:lnRef>
+          <a:fillRef idx="2">
+            <a:schemeClr val="dk1"/>
+          </a:fillRef>
+          <a:effectRef idx="1">
+            <a:schemeClr val="dk1"/>
+          </a:effectRef>
+          <a:fontRef idx="minor">
+            <a:schemeClr val="dk1"/>
+          </a:fontRef>
+        </p:style>
+        <p:txBody>
+          <a:bodyPr rtlCol="0" anchor="ctr"/>
+          <a:lstStyle/>
+          <a:p>
+            <a:pPr algn="ctr"/>
+            <a:endParaRPr lang="en-US">
+              <a:solidFill>
+                <a:schemeClr val="tx1"/>
+              </a:solidFill>
+            </a:endParaRPr>
+          </a:p>
+        </p:txBody>
+      </p:sp>
+      <p:sp>
+        <p:nvSpPr>
+          <p:cNvPr id="17" name="Half Frame 16">
+            <a:extLst>
+              <a:ext uri="{FF2B5EF4-FFF2-40B4-BE49-F238E27FC236}">
+                <a16:creationId xmlns:a16="http://schemas.microsoft.com/office/drawing/2014/main" id="{01EEBC18-9F88-6797-B419-DD30A42F5BC8}"/>
+              </a:ext>
+            </a:extLst>
+          </p:cNvPr>
+          <p:cNvSpPr/>
+          <p:nvPr/>
+        </p:nvSpPr>
+        <p:spPr>
+          <a:xfrm rot="10800000">
+            <a:off x="10305766" y="4523895"/>
+            <a:ext cx="838200" cy="762000"/>
+          </a:xfrm>
+          <a:prstGeom prst="halfFrame">
+            <a:avLst/>
+          </a:prstGeom>
+        </p:spPr>
+        <p:style>
+          <a:lnRef idx="1">
+            <a:schemeClr val="dk1"/>
+          </a:lnRef>
+          <a:fillRef idx="2">
+            <a:schemeClr val="dk1"/>
+          </a:fillRef>
+          <a:effectRef idx="1">
+            <a:schemeClr val="dk1"/>
+          </a:effectRef>
+          <a:fontRef idx="minor">
+            <a:schemeClr val="dk1"/>
+          </a:fontRef>
+        </p:style>
+        <p:txBody>
+          <a:bodyPr rtlCol="0" anchor="ctr"/>
+          <a:lstStyle/>
+          <a:p>
+            <a:pPr algn="ctr"/>
+            <a:endParaRPr lang="en-US">
+              <a:solidFill>
+                <a:schemeClr val="tx1"/>
+              </a:solidFill>
+            </a:endParaRPr>
+          </a:p>
+        </p:txBody>
+      </p:sp>
+      <p:sp>
+        <p:nvSpPr>
+          <p:cNvPr id="18" name="Half Frame 17">
+            <a:extLst>
+              <a:ext uri="{FF2B5EF4-FFF2-40B4-BE49-F238E27FC236}">
+                <a16:creationId xmlns:a16="http://schemas.microsoft.com/office/drawing/2014/main" id="{A0183D62-A42A-5C51-6672-5891E8763EDA}"/>
+              </a:ext>
+            </a:extLst>
+          </p:cNvPr>
+          <p:cNvSpPr/>
+          <p:nvPr/>
+        </p:nvSpPr>
+        <p:spPr>
+          <a:xfrm rot="10800000">
+            <a:off x="8067533" y="3323461"/>
+            <a:ext cx="838200" cy="762000"/>
+          </a:xfrm>
+          <a:prstGeom prst="halfFrame">
+            <a:avLst/>
+          </a:prstGeom>
+        </p:spPr>
+        <p:style>
+          <a:lnRef idx="1">
+            <a:schemeClr val="dk1"/>
+          </a:lnRef>
+          <a:fillRef idx="2">
+            <a:schemeClr val="dk1"/>
+          </a:fillRef>
+          <a:effectRef idx="1">
+            <a:schemeClr val="dk1"/>
+          </a:effectRef>
+          <a:fontRef idx="minor">
+            <a:schemeClr val="dk1"/>
+          </a:fontRef>
+        </p:style>
+        <p:txBody>
+          <a:bodyPr rtlCol="0" anchor="ctr"/>
+          <a:lstStyle/>
+          <a:p>
+            <a:pPr algn="ctr"/>
+            <a:endParaRPr lang="en-US">
+              <a:solidFill>
+                <a:schemeClr val="tx1"/>
+              </a:solidFill>
+            </a:endParaRPr>
           </a:p>
         </p:txBody>
       </p:sp>
@@ -6733,47 +7739,6 @@
       </p:sp>
       <p:sp>
         <p:nvSpPr>
-          <p:cNvPr id="6" name="TextBox 6"/>
-          <p:cNvSpPr txBox="1"/>
-          <p:nvPr/>
-        </p:nvSpPr>
-        <p:spPr>
-          <a:xfrm>
-            <a:off x="14276612" y="923925"/>
-            <a:ext cx="2982688" cy="495935"/>
-          </a:xfrm>
-          <a:prstGeom prst="rect">
-            <a:avLst/>
-          </a:prstGeom>
-        </p:spPr>
-        <p:txBody>
-          <a:bodyPr lIns="0" tIns="0" rIns="0" bIns="0" rtlCol="0" anchor="t">
-            <a:spAutoFit/>
-          </a:bodyPr>
-          <a:lstStyle/>
-          <a:p>
-            <a:pPr algn="r">
-              <a:lnSpc>
-                <a:spcPts val="3640"/>
-              </a:lnSpc>
-            </a:pPr>
-            <a:r>
-              <a:rPr lang="en-US" sz="2600" b="1" spc="-52">
-                <a:solidFill>
-                  <a:srgbClr val="F7F7F7"/>
-                </a:solidFill>
-                <a:latin typeface="Arial Bold"/>
-                <a:ea typeface="Arial Bold"/>
-                <a:cs typeface="Arial Bold"/>
-                <a:sym typeface="Arial Bold"/>
-              </a:rPr>
-              <a:t>TicTacX</a:t>
-            </a:r>
-          </a:p>
-        </p:txBody>
-      </p:sp>
-      <p:sp>
-        <p:nvSpPr>
           <p:cNvPr id="7" name="TextBox 7"/>
           <p:cNvSpPr txBox="1"/>
           <p:nvPr/>
@@ -6815,41 +7780,41 @@
       </p:sp>
       <p:sp>
         <p:nvSpPr>
-          <p:cNvPr id="8" name="TextBox 8"/>
+          <p:cNvPr id="4" name="TextBox 3">
+            <a:extLst>
+              <a:ext uri="{FF2B5EF4-FFF2-40B4-BE49-F238E27FC236}">
+                <a16:creationId xmlns:a16="http://schemas.microsoft.com/office/drawing/2014/main" id="{E29F1BCD-D672-6619-912C-F9FC68138146}"/>
+              </a:ext>
+            </a:extLst>
+          </p:cNvPr>
           <p:cNvSpPr txBox="1"/>
           <p:nvPr/>
         </p:nvSpPr>
         <p:spPr>
           <a:xfrm>
-            <a:off x="3453661" y="8762415"/>
-            <a:ext cx="13805639" cy="495935"/>
+            <a:off x="6781800" y="2781299"/>
+            <a:ext cx="8001000" cy="4524315"/>
           </a:xfrm>
           <a:prstGeom prst="rect">
             <a:avLst/>
           </a:prstGeom>
+          <a:noFill/>
         </p:spPr>
         <p:txBody>
-          <a:bodyPr lIns="0" tIns="0" rIns="0" bIns="0" rtlCol="0" anchor="t">
+          <a:bodyPr wrap="square">
             <a:spAutoFit/>
           </a:bodyPr>
           <a:lstStyle/>
           <a:p>
-            <a:pPr algn="just">
-              <a:lnSpc>
-                <a:spcPts val="3640"/>
-              </a:lnSpc>
-            </a:pPr>
-            <a:r>
-              <a:rPr lang="en-US" sz="2600" b="1" spc="-52">
-                <a:solidFill>
-                  <a:srgbClr val="F7F7F7"/>
+            <a:r>
+              <a:rPr lang="en-US" sz="4800" b="1" dirty="0">
+                <a:solidFill>
+                  <a:schemeClr val="bg1"/>
                 </a:solidFill>
                 <a:latin typeface="Arial Bold"/>
-                <a:ea typeface="Arial Bold"/>
                 <a:cs typeface="Arial Bold"/>
-                <a:sym typeface="Arial Bold"/>
               </a:rPr>
-              <a:t>Avishek Dutta • Md. Ishrak Mashroor • Ashab Mahmud Raseen • Sneha Nandy</a:t>
+              <a:t>TicTacX showcases how structured code, modular design, and simple AI can create an engaging, seamless console gaming experience.</a:t>
             </a:r>
           </a:p>
         </p:txBody>
@@ -7659,7 +8624,7 @@
               </a:lnSpc>
             </a:pPr>
             <a:r>
-              <a:rPr lang="en-US" sz="2600" b="1" spc="-52">
+              <a:rPr lang="en-US" sz="2600" b="1" spc="-52" dirty="0">
                 <a:solidFill>
                   <a:srgbClr val="F7F7F7"/>
                 </a:solidFill>
@@ -8428,7 +9393,7 @@
               </a:lnSpc>
             </a:pPr>
             <a:r>
-              <a:rPr lang="en-US" sz="2600" b="1" spc="-52">
+              <a:rPr lang="en-US" sz="2600" b="1" spc="-52" dirty="0">
                 <a:solidFill>
                   <a:srgbClr val="F7F7F7"/>
                 </a:solidFill>
@@ -8950,7 +9915,7 @@
               </a:lnSpc>
             </a:pPr>
             <a:r>
-              <a:rPr lang="en-US" sz="2600" b="1" spc="-52">
+              <a:rPr lang="en-US" sz="2600" b="1" spc="-52" dirty="0">
                 <a:solidFill>
                   <a:srgbClr val="F7F7F7"/>
                 </a:solidFill>
@@ -10444,7 +11409,7 @@
               </a:lnSpc>
             </a:pPr>
             <a:r>
-              <a:rPr lang="en-US" sz="2600" b="1" spc="-52">
+              <a:rPr lang="en-US" sz="2600" b="1" spc="-52" dirty="0">
                 <a:solidFill>
                   <a:srgbClr val="F7F7F7"/>
                 </a:solidFill>
@@ -11653,10 +12618,10 @@
         </p:nvGrpSpPr>
         <p:grpSpPr>
           <a:xfrm>
-            <a:off x="5810000" y="4931784"/>
-            <a:ext cx="3086100" cy="3086100"/>
-            <a:chOff x="0" y="0"/>
-            <a:chExt cx="812800" cy="812800"/>
+            <a:off x="4917400" y="4699001"/>
+            <a:ext cx="3086100" cy="3318883"/>
+            <a:chOff x="-235088" y="-61309"/>
+            <a:chExt cx="812800" cy="874109"/>
           </a:xfrm>
         </p:grpSpPr>
         <p:sp>
@@ -11667,7 +12632,7 @@
           </p:nvSpPr>
           <p:spPr>
             <a:xfrm>
-              <a:off x="0" y="0"/>
+              <a:off x="-235088" y="0"/>
               <a:ext cx="812800" cy="812800"/>
             </a:xfrm>
             <a:custGeom>
@@ -11744,7 +12709,7 @@
           </p:nvSpPr>
           <p:spPr>
             <a:xfrm>
-              <a:off x="38100" y="-66675"/>
+              <a:off x="-196988" y="-61309"/>
               <a:ext cx="736600" cy="841375"/>
             </a:xfrm>
             <a:prstGeom prst="rect">
@@ -11760,8 +12725,40 @@
                   <a:spcPts val="3640"/>
                 </a:lnSpc>
               </a:pPr>
+              <a:endParaRPr lang="en-US" sz="2600" b="1" spc="-52" dirty="0">
+                <a:solidFill>
+                  <a:srgbClr val="FFFFFF"/>
+                </a:solidFill>
+                <a:latin typeface="Arial Bold"/>
+                <a:ea typeface="Arial Bold"/>
+                <a:cs typeface="Arial Bold"/>
+                <a:sym typeface="Arial Bold"/>
+              </a:endParaRPr>
+            </a:p>
+            <a:p>
+              <a:pPr algn="ctr">
+                <a:lnSpc>
+                  <a:spcPts val="3640"/>
+                </a:lnSpc>
+              </a:pPr>
+              <a:endParaRPr lang="en-US" sz="2600" b="1" spc="-52" dirty="0">
+                <a:solidFill>
+                  <a:srgbClr val="FFFFFF"/>
+                </a:solidFill>
+                <a:latin typeface="Arial Bold"/>
+                <a:ea typeface="Arial Bold"/>
+                <a:cs typeface="Arial Bold"/>
+                <a:sym typeface="Arial Bold"/>
+              </a:endParaRPr>
+            </a:p>
+            <a:p>
+              <a:pPr algn="ctr">
+                <a:lnSpc>
+                  <a:spcPts val="3640"/>
+                </a:lnSpc>
+              </a:pPr>
               <a:r>
-                <a:rPr lang="en-US" sz="2600" b="1" spc="-52">
+                <a:rPr lang="en-US" sz="2600" b="1" spc="-52" dirty="0">
                   <a:solidFill>
                     <a:srgbClr val="FFFFFF"/>
                   </a:solidFill>
@@ -11780,7 +12777,7 @@
                 </a:lnSpc>
               </a:pPr>
               <a:r>
-                <a:rPr lang="en-US" sz="2600" b="1" spc="-52">
+                <a:rPr lang="en-US" sz="2600" b="1" spc="-52" dirty="0">
                   <a:solidFill>
                     <a:srgbClr val="FFFFFF"/>
                   </a:solidFill>
@@ -11798,7 +12795,7 @@
                   <a:spcPts val="3640"/>
                 </a:lnSpc>
               </a:pPr>
-              <a:endParaRPr lang="en-US" sz="2600" b="1" spc="-52">
+              <a:endParaRPr lang="en-US" sz="2600" b="1" spc="-52" dirty="0">
                 <a:solidFill>
                   <a:srgbClr val="FFFFFF"/>
                 </a:solidFill>
@@ -11814,7 +12811,7 @@
                   <a:spcPts val="3640"/>
                 </a:lnSpc>
               </a:pPr>
-              <a:endParaRPr lang="en-US" sz="2600" b="1" spc="-52">
+              <a:endParaRPr lang="en-US" sz="2600" b="1" spc="-52" dirty="0">
                 <a:solidFill>
                   <a:srgbClr val="FFFFFF"/>
                 </a:solidFill>
@@ -11835,10 +12832,10 @@
         </p:nvGrpSpPr>
         <p:grpSpPr>
           <a:xfrm>
-            <a:off x="9978032" y="4931784"/>
-            <a:ext cx="3086100" cy="3086100"/>
+            <a:off x="9978032" y="4963060"/>
+            <a:ext cx="3086100" cy="3222461"/>
             <a:chOff x="0" y="0"/>
-            <a:chExt cx="812800" cy="812800"/>
+            <a:chExt cx="812800" cy="848714"/>
           </a:xfrm>
         </p:grpSpPr>
         <p:sp>
@@ -11926,7 +12923,7 @@
           </p:nvSpPr>
           <p:spPr>
             <a:xfrm>
-              <a:off x="38100" y="-66675"/>
+              <a:off x="38959" y="7339"/>
               <a:ext cx="736600" cy="841375"/>
             </a:xfrm>
             <a:prstGeom prst="rect">
@@ -11943,7 +12940,7 @@
                 </a:lnSpc>
               </a:pPr>
               <a:r>
-                <a:rPr lang="en-US" sz="2600" b="1" spc="-52">
+                <a:rPr lang="en-US" sz="2600" b="1" spc="-52" dirty="0">
                   <a:solidFill>
                     <a:srgbClr val="FFFFFF"/>
                   </a:solidFill>
@@ -11961,7 +12958,7 @@
                   <a:spcPts val="3640"/>
                 </a:lnSpc>
               </a:pPr>
-              <a:endParaRPr lang="en-US" sz="2600" b="1" spc="-52">
+              <a:endParaRPr lang="en-US" sz="2600" b="1" spc="-52" dirty="0">
                 <a:solidFill>
                   <a:srgbClr val="FFFFFF"/>
                 </a:solidFill>

--- a/others/TicTacX.pptx
+++ b/others/TicTacX.pptx
@@ -157,7 +157,7 @@
 <file path=ppt/revisionInfo.xml><?xml version="1.0" encoding="utf-8"?>
 <p1510:revInfo xmlns:a="http://schemas.openxmlformats.org/drawingml/2006/main" xmlns:r="http://schemas.openxmlformats.org/officeDocument/2006/relationships" xmlns:p1510="http://schemas.microsoft.com/office/powerpoint/2015/10/main">
   <p1510:revLst>
-    <p1510:client id="{CEA78450-4F91-469D-B8F2-4266BBE6DA38}" v="42" dt="2025-08-12T20:25:44.401"/>
+    <p1510:client id="{CEA78450-4F91-469D-B8F2-4266BBE6DA38}" v="77" dt="2025-08-12T20:42:24.871"/>
   </p1510:revLst>
 </p1510:revInfo>
 </file>
@@ -167,7 +167,7 @@
   <pc:docChgLst>
     <pc:chgData name="Md Ishrak Mashroor" userId="e451b154c326eb62" providerId="LiveId" clId="{CEA78450-4F91-469D-B8F2-4266BBE6DA38}"/>
     <pc:docChg chg="undo custSel modSld sldOrd modMainMaster">
-      <pc:chgData name="Md Ishrak Mashroor" userId="e451b154c326eb62" providerId="LiveId" clId="{CEA78450-4F91-469D-B8F2-4266BBE6DA38}" dt="2025-08-12T20:25:40.057" v="933" actId="14100"/>
+      <pc:chgData name="Md Ishrak Mashroor" userId="e451b154c326eb62" providerId="LiveId" clId="{CEA78450-4F91-469D-B8F2-4266BBE6DA38}" dt="2025-08-12T20:55:00.865" v="1438" actId="20577"/>
       <pc:docMkLst>
         <pc:docMk/>
       </pc:docMkLst>
@@ -1112,8 +1112,8 @@
           </ac:spMkLst>
         </pc:spChg>
       </pc:sldChg>
-      <pc:sldChg chg="delSp modSp mod">
-        <pc:chgData name="Md Ishrak Mashroor" userId="e451b154c326eb62" providerId="LiveId" clId="{CEA78450-4F91-469D-B8F2-4266BBE6DA38}" dt="2025-08-12T19:38:54.870" v="246" actId="478"/>
+      <pc:sldChg chg="addSp delSp modSp mod">
+        <pc:chgData name="Md Ishrak Mashroor" userId="e451b154c326eb62" providerId="LiveId" clId="{CEA78450-4F91-469D-B8F2-4266BBE6DA38}" dt="2025-08-12T20:40:55.309" v="1100" actId="688"/>
         <pc:sldMkLst>
           <pc:docMk/>
           <pc:sldMk cId="0" sldId="267"/>
@@ -1126,6 +1126,14 @@
             <ac:spMk id="2" creationId="{00000000-0000-0000-0000-000000000000}"/>
           </ac:spMkLst>
         </pc:spChg>
+        <pc:spChg chg="add mod">
+          <ac:chgData name="Md Ishrak Mashroor" userId="e451b154c326eb62" providerId="LiveId" clId="{CEA78450-4F91-469D-B8F2-4266BBE6DA38}" dt="2025-08-12T20:39:59.113" v="1081" actId="20577"/>
+          <ac:spMkLst>
+            <pc:docMk/>
+            <pc:sldMk cId="0" sldId="267"/>
+            <ac:spMk id="2" creationId="{3F6D43F1-609B-C340-4B1F-EB9C805A8CCB}"/>
+          </ac:spMkLst>
+        </pc:spChg>
         <pc:spChg chg="del">
           <ac:chgData name="Md Ishrak Mashroor" userId="e451b154c326eb62" providerId="LiveId" clId="{CEA78450-4F91-469D-B8F2-4266BBE6DA38}" dt="2025-08-12T19:38:54.870" v="246" actId="478"/>
           <ac:spMkLst>
@@ -1142,6 +1150,14 @@
             <ac:spMk id="4" creationId="{00000000-0000-0000-0000-000000000000}"/>
           </ac:spMkLst>
         </pc:spChg>
+        <pc:spChg chg="add del mod">
+          <ac:chgData name="Md Ishrak Mashroor" userId="e451b154c326eb62" providerId="LiveId" clId="{CEA78450-4F91-469D-B8F2-4266BBE6DA38}" dt="2025-08-12T20:36:08.154" v="974" actId="478"/>
+          <ac:spMkLst>
+            <pc:docMk/>
+            <pc:sldMk cId="0" sldId="267"/>
+            <ac:spMk id="4" creationId="{2A42CFBB-E9EC-9BA4-519A-52F9133382E0}"/>
+          </ac:spMkLst>
+        </pc:spChg>
         <pc:spChg chg="del">
           <ac:chgData name="Md Ishrak Mashroor" userId="e451b154c326eb62" providerId="LiveId" clId="{CEA78450-4F91-469D-B8F2-4266BBE6DA38}" dt="2025-08-12T19:38:54.870" v="246" actId="478"/>
           <ac:spMkLst>
@@ -1150,6 +1166,14 @@
             <ac:spMk id="5" creationId="{00000000-0000-0000-0000-000000000000}"/>
           </ac:spMkLst>
         </pc:spChg>
+        <pc:spChg chg="add mod">
+          <ac:chgData name="Md Ishrak Mashroor" userId="e451b154c326eb62" providerId="LiveId" clId="{CEA78450-4F91-469D-B8F2-4266BBE6DA38}" dt="2025-08-12T20:40:02.782" v="1083" actId="20577"/>
+          <ac:spMkLst>
+            <pc:docMk/>
+            <pc:sldMk cId="0" sldId="267"/>
+            <ac:spMk id="5" creationId="{A36B51BC-C933-2E33-1501-74AE30C8D14C}"/>
+          </ac:spMkLst>
+        </pc:spChg>
         <pc:spChg chg="del">
           <ac:chgData name="Md Ishrak Mashroor" userId="e451b154c326eb62" providerId="LiveId" clId="{CEA78450-4F91-469D-B8F2-4266BBE6DA38}" dt="2025-08-12T19:38:54.870" v="246" actId="478"/>
           <ac:spMkLst>
@@ -1158,8 +1182,16 @@
             <ac:spMk id="7" creationId="{00000000-0000-0000-0000-000000000000}"/>
           </ac:spMkLst>
         </pc:spChg>
+        <pc:spChg chg="add mod">
+          <ac:chgData name="Md Ishrak Mashroor" userId="e451b154c326eb62" providerId="LiveId" clId="{CEA78450-4F91-469D-B8F2-4266BBE6DA38}" dt="2025-08-12T20:40:06.718" v="1085" actId="20577"/>
+          <ac:spMkLst>
+            <pc:docMk/>
+            <pc:sldMk cId="0" sldId="267"/>
+            <ac:spMk id="7" creationId="{CC66D59F-FCA7-33CB-A9DD-88F3AE8D21FD}"/>
+          </ac:spMkLst>
+        </pc:spChg>
         <pc:spChg chg="mod">
-          <ac:chgData name="Md Ishrak Mashroor" userId="e451b154c326eb62" providerId="LiveId" clId="{CEA78450-4F91-469D-B8F2-4266BBE6DA38}" dt="2025-08-12T19:38:29.410" v="241" actId="1076"/>
+          <ac:chgData name="Md Ishrak Mashroor" userId="e451b154c326eb62" providerId="LiveId" clId="{CEA78450-4F91-469D-B8F2-4266BBE6DA38}" dt="2025-08-12T20:37:34.561" v="993" actId="404"/>
           <ac:spMkLst>
             <pc:docMk/>
             <pc:sldMk cId="0" sldId="267"/>
@@ -1167,7 +1199,7 @@
           </ac:spMkLst>
         </pc:spChg>
         <pc:spChg chg="mod">
-          <ac:chgData name="Md Ishrak Mashroor" userId="e451b154c326eb62" providerId="LiveId" clId="{CEA78450-4F91-469D-B8F2-4266BBE6DA38}" dt="2025-08-12T19:38:43.699" v="245" actId="1076"/>
+          <ac:chgData name="Md Ishrak Mashroor" userId="e451b154c326eb62" providerId="LiveId" clId="{CEA78450-4F91-469D-B8F2-4266BBE6DA38}" dt="2025-08-12T20:38:31.017" v="1052" actId="404"/>
           <ac:spMkLst>
             <pc:docMk/>
             <pc:sldMk cId="0" sldId="267"/>
@@ -1175,24 +1207,72 @@
           </ac:spMkLst>
         </pc:spChg>
         <pc:spChg chg="mod">
-          <ac:chgData name="Md Ishrak Mashroor" userId="e451b154c326eb62" providerId="LiveId" clId="{CEA78450-4F91-469D-B8F2-4266BBE6DA38}" dt="2025-08-12T19:38:37.347" v="243" actId="1076"/>
+          <ac:chgData name="Md Ishrak Mashroor" userId="e451b154c326eb62" providerId="LiveId" clId="{CEA78450-4F91-469D-B8F2-4266BBE6DA38}" dt="2025-08-12T20:39:42.851" v="1078" actId="20577"/>
           <ac:spMkLst>
             <pc:docMk/>
             <pc:sldMk cId="0" sldId="267"/>
             <ac:spMk id="19" creationId="{00000000-0000-0000-0000-000000000000}"/>
           </ac:spMkLst>
         </pc:spChg>
+        <pc:spChg chg="add mod">
+          <ac:chgData name="Md Ishrak Mashroor" userId="e451b154c326eb62" providerId="LiveId" clId="{CEA78450-4F91-469D-B8F2-4266BBE6DA38}" dt="2025-08-12T20:40:53.405" v="1096" actId="688"/>
+          <ac:spMkLst>
+            <pc:docMk/>
+            <pc:sldMk cId="0" sldId="267"/>
+            <ac:spMk id="20" creationId="{220B4C42-818B-941A-AE29-174D63C30A16}"/>
+          </ac:spMkLst>
+        </pc:spChg>
+        <pc:spChg chg="add mod">
+          <ac:chgData name="Md Ishrak Mashroor" userId="e451b154c326eb62" providerId="LiveId" clId="{CEA78450-4F91-469D-B8F2-4266BBE6DA38}" dt="2025-08-12T20:40:53.907" v="1097" actId="688"/>
+          <ac:spMkLst>
+            <pc:docMk/>
+            <pc:sldMk cId="0" sldId="267"/>
+            <ac:spMk id="21" creationId="{80B9A19D-ECE6-AC83-5791-24CA7E18C417}"/>
+          </ac:spMkLst>
+        </pc:spChg>
+        <pc:spChg chg="add mod">
+          <ac:chgData name="Md Ishrak Mashroor" userId="e451b154c326eb62" providerId="LiveId" clId="{CEA78450-4F91-469D-B8F2-4266BBE6DA38}" dt="2025-08-12T20:40:55.309" v="1100" actId="688"/>
+          <ac:spMkLst>
+            <pc:docMk/>
+            <pc:sldMk cId="0" sldId="267"/>
+            <ac:spMk id="22" creationId="{760D0A52-9466-8F91-7270-D7664C938F27}"/>
+          </ac:spMkLst>
+        </pc:spChg>
+        <pc:spChg chg="add mod">
+          <ac:chgData name="Md Ishrak Mashroor" userId="e451b154c326eb62" providerId="LiveId" clId="{CEA78450-4F91-469D-B8F2-4266BBE6DA38}" dt="2025-08-12T20:39:11.713" v="1072"/>
+          <ac:spMkLst>
+            <pc:docMk/>
+            <pc:sldMk cId="0" sldId="267"/>
+            <ac:spMk id="23" creationId="{4EC47BE2-44D3-2BF5-8C9D-325AC8B0E209}"/>
+          </ac:spMkLst>
+        </pc:spChg>
+        <pc:spChg chg="add mod">
+          <ac:chgData name="Md Ishrak Mashroor" userId="e451b154c326eb62" providerId="LiveId" clId="{CEA78450-4F91-469D-B8F2-4266BBE6DA38}" dt="2025-08-12T20:39:11.944" v="1073"/>
+          <ac:spMkLst>
+            <pc:docMk/>
+            <pc:sldMk cId="0" sldId="267"/>
+            <ac:spMk id="24" creationId="{634D4DAB-F312-5019-A9D7-543E840D1C4A}"/>
+          </ac:spMkLst>
+        </pc:spChg>
         <pc:grpChg chg="mod">
-          <ac:chgData name="Md Ishrak Mashroor" userId="e451b154c326eb62" providerId="LiveId" clId="{CEA78450-4F91-469D-B8F2-4266BBE6DA38}" dt="2025-08-12T19:38:19.871" v="239" actId="1076"/>
+          <ac:chgData name="Md Ishrak Mashroor" userId="e451b154c326eb62" providerId="LiveId" clId="{CEA78450-4F91-469D-B8F2-4266BBE6DA38}" dt="2025-08-12T20:36:42.130" v="983" actId="1076"/>
           <ac:grpSpMkLst>
             <pc:docMk/>
             <pc:sldMk cId="0" sldId="267"/>
             <ac:grpSpMk id="8" creationId="{00000000-0000-0000-0000-000000000000}"/>
           </ac:grpSpMkLst>
         </pc:grpChg>
+        <pc:grpChg chg="mod">
+          <ac:chgData name="Md Ishrak Mashroor" userId="e451b154c326eb62" providerId="LiveId" clId="{CEA78450-4F91-469D-B8F2-4266BBE6DA38}" dt="2025-08-12T20:40:31.530" v="1091" actId="1076"/>
+          <ac:grpSpMkLst>
+            <pc:docMk/>
+            <pc:sldMk cId="0" sldId="267"/>
+            <ac:grpSpMk id="12" creationId="{00000000-0000-0000-0000-000000000000}"/>
+          </ac:grpSpMkLst>
+        </pc:grpChg>
       </pc:sldChg>
-      <pc:sldChg chg="delSp modSp mod">
-        <pc:chgData name="Md Ishrak Mashroor" userId="e451b154c326eb62" providerId="LiveId" clId="{CEA78450-4F91-469D-B8F2-4266BBE6DA38}" dt="2025-08-12T19:45:13.326" v="257" actId="478"/>
+      <pc:sldChg chg="addSp delSp modSp mod">
+        <pc:chgData name="Md Ishrak Mashroor" userId="e451b154c326eb62" providerId="LiveId" clId="{CEA78450-4F91-469D-B8F2-4266BBE6DA38}" dt="2025-08-12T20:54:50.486" v="1436" actId="1076"/>
         <pc:sldMkLst>
           <pc:docMk/>
           <pc:sldMk cId="0" sldId="268"/>
@@ -1205,6 +1285,14 @@
             <ac:spMk id="2" creationId="{00000000-0000-0000-0000-000000000000}"/>
           </ac:spMkLst>
         </pc:spChg>
+        <pc:spChg chg="add mod">
+          <ac:chgData name="Md Ishrak Mashroor" userId="e451b154c326eb62" providerId="LiveId" clId="{CEA78450-4F91-469D-B8F2-4266BBE6DA38}" dt="2025-08-12T20:53:13.277" v="1426" actId="1076"/>
+          <ac:spMkLst>
+            <pc:docMk/>
+            <pc:sldMk cId="0" sldId="268"/>
+            <ac:spMk id="2" creationId="{BBCD67E1-A09B-89E1-2982-09DCA59C5AF3}"/>
+          </ac:spMkLst>
+        </pc:spChg>
         <pc:spChg chg="del">
           <ac:chgData name="Md Ishrak Mashroor" userId="e451b154c326eb62" providerId="LiveId" clId="{CEA78450-4F91-469D-B8F2-4266BBE6DA38}" dt="2025-08-12T19:45:13.326" v="257" actId="478"/>
           <ac:spMkLst>
@@ -1213,6 +1301,14 @@
             <ac:spMk id="3" creationId="{00000000-0000-0000-0000-000000000000}"/>
           </ac:spMkLst>
         </pc:spChg>
+        <pc:spChg chg="add mod">
+          <ac:chgData name="Md Ishrak Mashroor" userId="e451b154c326eb62" providerId="LiveId" clId="{CEA78450-4F91-469D-B8F2-4266BBE6DA38}" dt="2025-08-12T20:53:21.675" v="1428" actId="1076"/>
+          <ac:spMkLst>
+            <pc:docMk/>
+            <pc:sldMk cId="0" sldId="268"/>
+            <ac:spMk id="3" creationId="{70B8191E-A8CB-981B-E2B6-18F425E3A21C}"/>
+          </ac:spMkLst>
+        </pc:spChg>
         <pc:spChg chg="del">
           <ac:chgData name="Md Ishrak Mashroor" userId="e451b154c326eb62" providerId="LiveId" clId="{CEA78450-4F91-469D-B8F2-4266BBE6DA38}" dt="2025-08-12T19:45:13.326" v="257" actId="478"/>
           <ac:spMkLst>
@@ -1221,6 +1317,14 @@
             <ac:spMk id="4" creationId="{00000000-0000-0000-0000-000000000000}"/>
           </ac:spMkLst>
         </pc:spChg>
+        <pc:spChg chg="add mod">
+          <ac:chgData name="Md Ishrak Mashroor" userId="e451b154c326eb62" providerId="LiveId" clId="{CEA78450-4F91-469D-B8F2-4266BBE6DA38}" dt="2025-08-12T20:53:17.756" v="1427" actId="1076"/>
+          <ac:spMkLst>
+            <pc:docMk/>
+            <pc:sldMk cId="0" sldId="268"/>
+            <ac:spMk id="4" creationId="{33B1578F-153C-8808-C5C5-BDF10547B9FC}"/>
+          </ac:spMkLst>
+        </pc:spChg>
         <pc:spChg chg="del">
           <ac:chgData name="Md Ishrak Mashroor" userId="e451b154c326eb62" providerId="LiveId" clId="{CEA78450-4F91-469D-B8F2-4266BBE6DA38}" dt="2025-08-12T19:45:13.326" v="257" actId="478"/>
           <ac:spMkLst>
@@ -1229,6 +1333,14 @@
             <ac:spMk id="5" creationId="{00000000-0000-0000-0000-000000000000}"/>
           </ac:spMkLst>
         </pc:spChg>
+        <pc:spChg chg="add mod">
+          <ac:chgData name="Md Ishrak Mashroor" userId="e451b154c326eb62" providerId="LiveId" clId="{CEA78450-4F91-469D-B8F2-4266BBE6DA38}" dt="2025-08-12T20:41:15.051" v="1101"/>
+          <ac:spMkLst>
+            <pc:docMk/>
+            <pc:sldMk cId="0" sldId="268"/>
+            <ac:spMk id="5" creationId="{59947B54-7623-21EB-043B-42F38CC46305}"/>
+          </ac:spMkLst>
+        </pc:spChg>
         <pc:spChg chg="del">
           <ac:chgData name="Md Ishrak Mashroor" userId="e451b154c326eb62" providerId="LiveId" clId="{CEA78450-4F91-469D-B8F2-4266BBE6DA38}" dt="2025-08-12T19:45:13.326" v="257" actId="478"/>
           <ac:spMkLst>
@@ -1237,8 +1349,104 @@
             <ac:spMk id="7" creationId="{00000000-0000-0000-0000-000000000000}"/>
           </ac:spMkLst>
         </pc:spChg>
+        <pc:spChg chg="add mod">
+          <ac:chgData name="Md Ishrak Mashroor" userId="e451b154c326eb62" providerId="LiveId" clId="{CEA78450-4F91-469D-B8F2-4266BBE6DA38}" dt="2025-08-12T20:41:15.370" v="1102"/>
+          <ac:spMkLst>
+            <pc:docMk/>
+            <pc:sldMk cId="0" sldId="268"/>
+            <ac:spMk id="7" creationId="{A3D3EE80-85F2-0444-D7B7-049B54E54BF4}"/>
+          </ac:spMkLst>
+        </pc:spChg>
+        <pc:spChg chg="mod">
+          <ac:chgData name="Md Ishrak Mashroor" userId="e451b154c326eb62" providerId="LiveId" clId="{CEA78450-4F91-469D-B8F2-4266BBE6DA38}" dt="2025-08-12T20:54:43.051" v="1435" actId="1076"/>
+          <ac:spMkLst>
+            <pc:docMk/>
+            <pc:sldMk cId="0" sldId="268"/>
+            <ac:spMk id="11" creationId="{00000000-0000-0000-0000-000000000000}"/>
+          </ac:spMkLst>
+        </pc:spChg>
+        <pc:spChg chg="mod">
+          <ac:chgData name="Md Ishrak Mashroor" userId="e451b154c326eb62" providerId="LiveId" clId="{CEA78450-4F91-469D-B8F2-4266BBE6DA38}" dt="2025-08-12T20:50:41.151" v="1375" actId="1076"/>
+          <ac:spMkLst>
+            <pc:docMk/>
+            <pc:sldMk cId="0" sldId="268"/>
+            <ac:spMk id="13" creationId="{00000000-0000-0000-0000-000000000000}"/>
+          </ac:spMkLst>
+        </pc:spChg>
+        <pc:spChg chg="mod">
+          <ac:chgData name="Md Ishrak Mashroor" userId="e451b154c326eb62" providerId="LiveId" clId="{CEA78450-4F91-469D-B8F2-4266BBE6DA38}" dt="2025-08-12T20:54:18.606" v="1433" actId="20577"/>
+          <ac:spMkLst>
+            <pc:docMk/>
+            <pc:sldMk cId="0" sldId="268"/>
+            <ac:spMk id="18" creationId="{00000000-0000-0000-0000-000000000000}"/>
+          </ac:spMkLst>
+        </pc:spChg>
+        <pc:spChg chg="mod">
+          <ac:chgData name="Md Ishrak Mashroor" userId="e451b154c326eb62" providerId="LiveId" clId="{CEA78450-4F91-469D-B8F2-4266BBE6DA38}" dt="2025-08-12T20:53:32.583" v="1429" actId="20577"/>
+          <ac:spMkLst>
+            <pc:docMk/>
+            <pc:sldMk cId="0" sldId="268"/>
+            <ac:spMk id="19" creationId="{00000000-0000-0000-0000-000000000000}"/>
+          </ac:spMkLst>
+        </pc:spChg>
+        <pc:spChg chg="add mod">
+          <ac:chgData name="Md Ishrak Mashroor" userId="e451b154c326eb62" providerId="LiveId" clId="{CEA78450-4F91-469D-B8F2-4266BBE6DA38}" dt="2025-08-12T20:41:15.668" v="1103"/>
+          <ac:spMkLst>
+            <pc:docMk/>
+            <pc:sldMk cId="0" sldId="268"/>
+            <ac:spMk id="20" creationId="{6ED36036-DFC8-DA09-42E1-766DF245AEDE}"/>
+          </ac:spMkLst>
+        </pc:spChg>
+        <pc:spChg chg="add mod">
+          <ac:chgData name="Md Ishrak Mashroor" userId="e451b154c326eb62" providerId="LiveId" clId="{CEA78450-4F91-469D-B8F2-4266BBE6DA38}" dt="2025-08-12T20:54:50.486" v="1436" actId="1076"/>
+          <ac:spMkLst>
+            <pc:docMk/>
+            <pc:sldMk cId="0" sldId="268"/>
+            <ac:spMk id="21" creationId="{1F7B3657-F8B8-E04B-98E6-AAD2539E1CC7}"/>
+          </ac:spMkLst>
+        </pc:spChg>
+        <pc:spChg chg="add mod">
+          <ac:chgData name="Md Ishrak Mashroor" userId="e451b154c326eb62" providerId="LiveId" clId="{CEA78450-4F91-469D-B8F2-4266BBE6DA38}" dt="2025-08-12T20:54:10.721" v="1432" actId="1076"/>
+          <ac:spMkLst>
+            <pc:docMk/>
+            <pc:sldMk cId="0" sldId="268"/>
+            <ac:spMk id="22" creationId="{7226BA77-1FAE-3D33-3428-9EAAAFBBEE92}"/>
+          </ac:spMkLst>
+        </pc:spChg>
+        <pc:spChg chg="add mod">
+          <ac:chgData name="Md Ishrak Mashroor" userId="e451b154c326eb62" providerId="LiveId" clId="{CEA78450-4F91-469D-B8F2-4266BBE6DA38}" dt="2025-08-12T20:54:32.455" v="1434" actId="1076"/>
+          <ac:spMkLst>
+            <pc:docMk/>
+            <pc:sldMk cId="0" sldId="268"/>
+            <ac:spMk id="23" creationId="{8A64881D-04EF-1C41-3277-0969EEB17515}"/>
+          </ac:spMkLst>
+        </pc:spChg>
+        <pc:spChg chg="add mod">
+          <ac:chgData name="Md Ishrak Mashroor" userId="e451b154c326eb62" providerId="LiveId" clId="{CEA78450-4F91-469D-B8F2-4266BBE6DA38}" dt="2025-08-12T20:41:19.915" v="1107"/>
+          <ac:spMkLst>
+            <pc:docMk/>
+            <pc:sldMk cId="0" sldId="268"/>
+            <ac:spMk id="24" creationId="{C291B877-8AFD-F17D-9190-531CA058AA6C}"/>
+          </ac:spMkLst>
+        </pc:spChg>
         <pc:grpChg chg="mod">
-          <ac:chgData name="Md Ishrak Mashroor" userId="e451b154c326eb62" providerId="LiveId" clId="{CEA78450-4F91-469D-B8F2-4266BBE6DA38}" dt="2025-08-11T18:19:30.782" v="22" actId="1076"/>
+          <ac:chgData name="Md Ishrak Mashroor" userId="e451b154c326eb62" providerId="LiveId" clId="{CEA78450-4F91-469D-B8F2-4266BBE6DA38}" dt="2025-08-12T20:50:48.437" v="1377" actId="14100"/>
+          <ac:grpSpMkLst>
+            <pc:docMk/>
+            <pc:sldMk cId="0" sldId="268"/>
+            <ac:grpSpMk id="8" creationId="{00000000-0000-0000-0000-000000000000}"/>
+          </ac:grpSpMkLst>
+        </pc:grpChg>
+        <pc:grpChg chg="mod">
+          <ac:chgData name="Md Ishrak Mashroor" userId="e451b154c326eb62" providerId="LiveId" clId="{CEA78450-4F91-469D-B8F2-4266BBE6DA38}" dt="2025-08-12T20:50:58.427" v="1378" actId="14100"/>
+          <ac:grpSpMkLst>
+            <pc:docMk/>
+            <pc:sldMk cId="0" sldId="268"/>
+            <ac:grpSpMk id="12" creationId="{00000000-0000-0000-0000-000000000000}"/>
+          </ac:grpSpMkLst>
+        </pc:grpChg>
+        <pc:grpChg chg="mod">
+          <ac:chgData name="Md Ishrak Mashroor" userId="e451b154c326eb62" providerId="LiveId" clId="{CEA78450-4F91-469D-B8F2-4266BBE6DA38}" dt="2025-08-12T20:51:11.675" v="1379" actId="14100"/>
           <ac:grpSpMkLst>
             <pc:docMk/>
             <pc:sldMk cId="0" sldId="268"/>
@@ -1350,7 +1558,7 @@
         </pc:spChg>
       </pc:sldChg>
       <pc:sldChg chg="delSp modSp mod">
-        <pc:chgData name="Md Ishrak Mashroor" userId="e451b154c326eb62" providerId="LiveId" clId="{CEA78450-4F91-469D-B8F2-4266BBE6DA38}" dt="2025-08-12T19:45:53.273" v="266" actId="1076"/>
+        <pc:chgData name="Md Ishrak Mashroor" userId="e451b154c326eb62" providerId="LiveId" clId="{CEA78450-4F91-469D-B8F2-4266BBE6DA38}" dt="2025-08-12T20:55:00.865" v="1438" actId="20577"/>
         <pc:sldMkLst>
           <pc:docMk/>
           <pc:sldMk cId="0" sldId="270"/>
@@ -1361,6 +1569,14 @@
             <pc:docMk/>
             <pc:sldMk cId="0" sldId="270"/>
             <ac:spMk id="2" creationId="{00000000-0000-0000-0000-000000000000}"/>
+          </ac:spMkLst>
+        </pc:spChg>
+        <pc:spChg chg="mod">
+          <ac:chgData name="Md Ishrak Mashroor" userId="e451b154c326eb62" providerId="LiveId" clId="{CEA78450-4F91-469D-B8F2-4266BBE6DA38}" dt="2025-08-12T20:55:00.865" v="1438" actId="20577"/>
+          <ac:spMkLst>
+            <pc:docMk/>
+            <pc:sldMk cId="0" sldId="270"/>
+            <ac:spMk id="7" creationId="{00000000-0000-0000-0000-000000000000}"/>
           </ac:spMkLst>
         </pc:spChg>
         <pc:spChg chg="del">
@@ -6625,7 +6841,7 @@
               </a:lnSpc>
             </a:pPr>
             <a:r>
-              <a:rPr lang="en-US" sz="7200" b="1">
+              <a:rPr lang="en-US" sz="7200" b="1" dirty="0">
                 <a:solidFill>
                   <a:srgbClr val="F7F7F7"/>
                 </a:solidFill>
@@ -6754,7 +6970,7 @@
         <p:spPr>
           <a:xfrm>
             <a:off x="1820849" y="3385208"/>
-            <a:ext cx="4381078" cy="2612390"/>
+            <a:ext cx="4381078" cy="2825453"/>
           </a:xfrm>
           <a:prstGeom prst="rect">
             <a:avLst/>
@@ -6775,7 +6991,7 @@
               </a:spcBef>
             </a:pPr>
             <a:r>
-              <a:rPr lang="en-US" sz="2899" b="1" spc="-57" dirty="0">
+              <a:rPr lang="en-US" sz="2800" b="1" spc="-57" dirty="0">
                 <a:solidFill>
                   <a:srgbClr val="F7F7F7"/>
                 </a:solidFill>
@@ -6784,7 +7000,45 @@
                 <a:cs typeface="Arial Bold"/>
                 <a:sym typeface="Arial Bold"/>
               </a:rPr>
-              <a:t>Cross-platform compatibility (used preprocessor directives to support Windows, Linux, macOS)</a:t>
+              <a:t>Cross-platform compatibility </a:t>
+            </a:r>
+          </a:p>
+          <a:p>
+            <a:pPr algn="ctr">
+              <a:spcBef>
+                <a:spcPct val="0"/>
+              </a:spcBef>
+            </a:pPr>
+            <a:endParaRPr lang="en-US" sz="1400" b="1" spc="-57" dirty="0">
+              <a:solidFill>
+                <a:srgbClr val="F7F7F7"/>
+              </a:solidFill>
+              <a:latin typeface="Arial Bold"/>
+              <a:ea typeface="Arial Bold"/>
+              <a:cs typeface="Arial Bold"/>
+              <a:sym typeface="Arial Bold"/>
+            </a:endParaRPr>
+          </a:p>
+          <a:p>
+            <a:pPr algn="ctr">
+              <a:lnSpc>
+                <a:spcPts val="4059"/>
+              </a:lnSpc>
+              <a:spcBef>
+                <a:spcPct val="0"/>
+              </a:spcBef>
+            </a:pPr>
+            <a:r>
+              <a:rPr lang="en-US" sz="2800" b="1" spc="-57" dirty="0">
+                <a:solidFill>
+                  <a:srgbClr val="F7F7F7"/>
+                </a:solidFill>
+                <a:latin typeface="Arial Bold"/>
+                <a:ea typeface="Arial Bold"/>
+                <a:cs typeface="Arial Bold"/>
+                <a:sym typeface="Arial Bold"/>
+              </a:rPr>
+              <a:t>used preprocessor directives to support Windows, Linux, macOS</a:t>
             </a:r>
           </a:p>
         </p:txBody>
@@ -7010,7 +7264,7 @@
         <p:spPr>
           <a:xfrm>
             <a:off x="12485994" y="3635799"/>
-            <a:ext cx="4191271" cy="2257477"/>
+            <a:ext cx="4191271" cy="2423356"/>
           </a:xfrm>
           <a:prstGeom prst="rect">
             <a:avLst/>
@@ -7037,20 +7291,13 @@
                 <a:cs typeface="Arial Bold"/>
                 <a:sym typeface="Arial Bold"/>
               </a:rPr>
-              <a:t>Terminal formatting </a:t>
-            </a:r>
-          </a:p>
-          <a:p>
-            <a:pPr algn="ctr">
-              <a:lnSpc>
-                <a:spcPts val="4479"/>
-              </a:lnSpc>
-              <a:spcBef>
-                <a:spcPct val="0"/>
-              </a:spcBef>
-            </a:pPr>
-            <a:r>
-              <a:rPr lang="en-US" sz="3199" b="1" spc="-63" dirty="0">
+              <a:t>Terminal formatting</a:t>
+            </a:r>
+          </a:p>
+          <a:p>
+            <a:pPr algn="ctr"/>
+            <a:r>
+              <a:rPr lang="en-US" sz="2400" b="1" spc="-63" dirty="0">
                 <a:solidFill>
                   <a:srgbClr val="F7F7F7"/>
                 </a:solidFill>
@@ -7059,7 +7306,38 @@
                 <a:cs typeface="Arial Bold"/>
                 <a:sym typeface="Arial Bold"/>
               </a:rPr>
-              <a:t> Used ANSI codes; managed screen clears</a:t>
+              <a:t> </a:t>
+            </a:r>
+          </a:p>
+          <a:p>
+            <a:pPr algn="ctr">
+              <a:spcBef>
+                <a:spcPct val="0"/>
+              </a:spcBef>
+            </a:pPr>
+            <a:r>
+              <a:rPr lang="en-US" sz="2400" b="1" spc="-63" dirty="0">
+                <a:solidFill>
+                  <a:srgbClr val="F7F7F7"/>
+                </a:solidFill>
+                <a:latin typeface="Arial Bold"/>
+                <a:ea typeface="Arial Bold"/>
+                <a:cs typeface="Arial Bold"/>
+                <a:sym typeface="Arial Bold"/>
+              </a:rPr>
+              <a:t> </a:t>
+            </a:r>
+            <a:r>
+              <a:rPr lang="en-US" sz="3199" b="1" spc="-63" dirty="0">
+                <a:solidFill>
+                  <a:srgbClr val="F7F7F7"/>
+                </a:solidFill>
+                <a:latin typeface="Arial Bold"/>
+                <a:ea typeface="Arial Bold"/>
+                <a:cs typeface="Arial Bold"/>
+                <a:sym typeface="Arial Bold"/>
+              </a:rPr>
+              <a:t>Used ANSI codes; managed screen clears</a:t>
             </a:r>
           </a:p>
         </p:txBody>
@@ -7073,7 +7351,7 @@
         <p:spPr>
           <a:xfrm>
             <a:off x="7172430" y="3635799"/>
-            <a:ext cx="3943139" cy="2158283"/>
+            <a:ext cx="3943139" cy="2404504"/>
           </a:xfrm>
           <a:prstGeom prst="rect">
             <a:avLst/>
@@ -7100,7 +7378,22 @@
                 <a:cs typeface="Arial Bold"/>
                 <a:sym typeface="Arial Bold"/>
               </a:rPr>
-              <a:t>Input Validation </a:t>
+              <a:t>Input Validation</a:t>
+            </a:r>
+          </a:p>
+          <a:p>
+            <a:pPr algn="ctr"/>
+            <a:r>
+              <a:rPr lang="en-US" sz="1600" b="1" spc="-61" dirty="0">
+                <a:solidFill>
+                  <a:srgbClr val="F7F7F7"/>
+                </a:solidFill>
+                <a:latin typeface="Arial Bold"/>
+                <a:ea typeface="Arial Bold"/>
+                <a:cs typeface="Arial Bold"/>
+                <a:sym typeface="Arial Bold"/>
+              </a:rPr>
+              <a:t> </a:t>
             </a:r>
           </a:p>
           <a:p>
@@ -7123,6 +7416,252 @@
                 <a:sym typeface="Arial Bold"/>
               </a:rPr>
               <a:t>Had to flush input buffer to prevent infinite loops</a:t>
+            </a:r>
+          </a:p>
+        </p:txBody>
+      </p:sp>
+      <p:sp>
+        <p:nvSpPr>
+          <p:cNvPr id="2" name="TextBox 1">
+            <a:extLst>
+              <a:ext uri="{FF2B5EF4-FFF2-40B4-BE49-F238E27FC236}">
+                <a16:creationId xmlns:a16="http://schemas.microsoft.com/office/drawing/2014/main" id="{3F6D43F1-609B-C340-4B1F-EB9C805A8CCB}"/>
+              </a:ext>
+            </a:extLst>
+          </p:cNvPr>
+          <p:cNvSpPr txBox="1"/>
+          <p:nvPr/>
+        </p:nvSpPr>
+        <p:spPr>
+          <a:xfrm>
+            <a:off x="3522033" y="3115071"/>
+            <a:ext cx="1039067" cy="307777"/>
+          </a:xfrm>
+          <a:prstGeom prst="rect">
+            <a:avLst/>
+          </a:prstGeom>
+          <a:noFill/>
+        </p:spPr>
+        <p:txBody>
+          <a:bodyPr wrap="none" rtlCol="0">
+            <a:spAutoFit/>
+          </a:bodyPr>
+          <a:lstStyle/>
+          <a:p>
+            <a:r>
+              <a:rPr lang="en-US" sz="1400" b="1" dirty="0">
+                <a:solidFill>
+                  <a:schemeClr val="bg1"/>
+                </a:solidFill>
+                <a:latin typeface="Arial Bold"/>
+                <a:cs typeface="Arial Bold"/>
+              </a:rPr>
+              <a:t>Challenge</a:t>
+            </a:r>
+          </a:p>
+        </p:txBody>
+      </p:sp>
+      <p:sp>
+        <p:nvSpPr>
+          <p:cNvPr id="5" name="TextBox 4">
+            <a:extLst>
+              <a:ext uri="{FF2B5EF4-FFF2-40B4-BE49-F238E27FC236}">
+                <a16:creationId xmlns:a16="http://schemas.microsoft.com/office/drawing/2014/main" id="{A36B51BC-C933-2E33-1501-74AE30C8D14C}"/>
+              </a:ext>
+            </a:extLst>
+          </p:cNvPr>
+          <p:cNvSpPr txBox="1"/>
+          <p:nvPr/>
+        </p:nvSpPr>
+        <p:spPr>
+          <a:xfrm>
+            <a:off x="8639694" y="3238593"/>
+            <a:ext cx="1039067" cy="307777"/>
+          </a:xfrm>
+          <a:prstGeom prst="rect">
+            <a:avLst/>
+          </a:prstGeom>
+          <a:noFill/>
+        </p:spPr>
+        <p:txBody>
+          <a:bodyPr wrap="none" rtlCol="0">
+            <a:spAutoFit/>
+          </a:bodyPr>
+          <a:lstStyle/>
+          <a:p>
+            <a:r>
+              <a:rPr lang="en-US" sz="1400" b="1" dirty="0">
+                <a:solidFill>
+                  <a:schemeClr val="bg1"/>
+                </a:solidFill>
+                <a:latin typeface="Arial Bold"/>
+                <a:cs typeface="Arial Bold"/>
+              </a:rPr>
+              <a:t>Challenge</a:t>
+            </a:r>
+          </a:p>
+        </p:txBody>
+      </p:sp>
+      <p:sp>
+        <p:nvSpPr>
+          <p:cNvPr id="7" name="TextBox 6">
+            <a:extLst>
+              <a:ext uri="{FF2B5EF4-FFF2-40B4-BE49-F238E27FC236}">
+                <a16:creationId xmlns:a16="http://schemas.microsoft.com/office/drawing/2014/main" id="{CC66D59F-FCA7-33CB-A9DD-88F3AE8D21FD}"/>
+              </a:ext>
+            </a:extLst>
+          </p:cNvPr>
+          <p:cNvSpPr txBox="1"/>
+          <p:nvPr/>
+        </p:nvSpPr>
+        <p:spPr>
+          <a:xfrm>
+            <a:off x="13982421" y="3267594"/>
+            <a:ext cx="1039067" cy="307777"/>
+          </a:xfrm>
+          <a:prstGeom prst="rect">
+            <a:avLst/>
+          </a:prstGeom>
+          <a:noFill/>
+        </p:spPr>
+        <p:txBody>
+          <a:bodyPr wrap="none" rtlCol="0">
+            <a:spAutoFit/>
+          </a:bodyPr>
+          <a:lstStyle/>
+          <a:p>
+            <a:r>
+              <a:rPr lang="en-US" sz="1400" b="1" dirty="0">
+                <a:solidFill>
+                  <a:schemeClr val="bg1"/>
+                </a:solidFill>
+                <a:latin typeface="Arial Bold"/>
+                <a:cs typeface="Arial Bold"/>
+              </a:rPr>
+              <a:t>Challenge</a:t>
+            </a:r>
+          </a:p>
+        </p:txBody>
+      </p:sp>
+      <p:sp>
+        <p:nvSpPr>
+          <p:cNvPr id="20" name="TextBox 19">
+            <a:extLst>
+              <a:ext uri="{FF2B5EF4-FFF2-40B4-BE49-F238E27FC236}">
+                <a16:creationId xmlns:a16="http://schemas.microsoft.com/office/drawing/2014/main" id="{220B4C42-818B-941A-AE29-174D63C30A16}"/>
+              </a:ext>
+            </a:extLst>
+          </p:cNvPr>
+          <p:cNvSpPr txBox="1"/>
+          <p:nvPr/>
+        </p:nvSpPr>
+        <p:spPr>
+          <a:xfrm>
+            <a:off x="12485993" y="4229737"/>
+            <a:ext cx="899605" cy="307777"/>
+          </a:xfrm>
+          <a:prstGeom prst="rect">
+            <a:avLst/>
+          </a:prstGeom>
+          <a:noFill/>
+        </p:spPr>
+        <p:txBody>
+          <a:bodyPr wrap="none" rtlCol="0">
+            <a:spAutoFit/>
+          </a:bodyPr>
+          <a:lstStyle/>
+          <a:p>
+            <a:r>
+              <a:rPr lang="en-US" sz="1400" b="1" dirty="0">
+                <a:solidFill>
+                  <a:schemeClr val="bg1"/>
+                </a:solidFill>
+                <a:latin typeface="Arial Bold"/>
+                <a:cs typeface="Arial Bold"/>
+              </a:rPr>
+              <a:t>Solution</a:t>
+            </a:r>
+          </a:p>
+        </p:txBody>
+      </p:sp>
+      <p:sp>
+        <p:nvSpPr>
+          <p:cNvPr id="21" name="TextBox 20">
+            <a:extLst>
+              <a:ext uri="{FF2B5EF4-FFF2-40B4-BE49-F238E27FC236}">
+                <a16:creationId xmlns:a16="http://schemas.microsoft.com/office/drawing/2014/main" id="{80B9A19D-ECE6-AC83-5791-24CA7E18C417}"/>
+              </a:ext>
+            </a:extLst>
+          </p:cNvPr>
+          <p:cNvSpPr txBox="1"/>
+          <p:nvPr/>
+        </p:nvSpPr>
+        <p:spPr>
+          <a:xfrm>
+            <a:off x="7046635" y="4229736"/>
+            <a:ext cx="899605" cy="307777"/>
+          </a:xfrm>
+          <a:prstGeom prst="rect">
+            <a:avLst/>
+          </a:prstGeom>
+          <a:noFill/>
+        </p:spPr>
+        <p:txBody>
+          <a:bodyPr wrap="none" rtlCol="0">
+            <a:spAutoFit/>
+          </a:bodyPr>
+          <a:lstStyle/>
+          <a:p>
+            <a:r>
+              <a:rPr lang="en-US" sz="1400" b="1" dirty="0">
+                <a:solidFill>
+                  <a:schemeClr val="bg1"/>
+                </a:solidFill>
+                <a:latin typeface="Arial Bold"/>
+                <a:cs typeface="Arial Bold"/>
+              </a:rPr>
+              <a:t>Solution</a:t>
+            </a:r>
+          </a:p>
+        </p:txBody>
+      </p:sp>
+      <p:sp>
+        <p:nvSpPr>
+          <p:cNvPr id="22" name="TextBox 21">
+            <a:extLst>
+              <a:ext uri="{FF2B5EF4-FFF2-40B4-BE49-F238E27FC236}">
+                <a16:creationId xmlns:a16="http://schemas.microsoft.com/office/drawing/2014/main" id="{760D0A52-9466-8F91-7270-D7664C938F27}"/>
+              </a:ext>
+            </a:extLst>
+          </p:cNvPr>
+          <p:cNvSpPr txBox="1"/>
+          <p:nvPr/>
+        </p:nvSpPr>
+        <p:spPr>
+          <a:xfrm>
+            <a:off x="1851555" y="4367135"/>
+            <a:ext cx="899605" cy="307777"/>
+          </a:xfrm>
+          <a:prstGeom prst="rect">
+            <a:avLst/>
+          </a:prstGeom>
+          <a:noFill/>
+        </p:spPr>
+        <p:txBody>
+          <a:bodyPr wrap="none" rtlCol="0">
+            <a:spAutoFit/>
+          </a:bodyPr>
+          <a:lstStyle/>
+          <a:p>
+            <a:r>
+              <a:rPr lang="en-US" sz="1400" b="1" dirty="0">
+                <a:solidFill>
+                  <a:schemeClr val="bg1"/>
+                </a:solidFill>
+                <a:latin typeface="Arial Bold"/>
+                <a:cs typeface="Arial Bold"/>
+              </a:rPr>
+              <a:t>Solution</a:t>
             </a:r>
           </a:p>
         </p:txBody>
@@ -7209,8 +7748,8 @@
         </p:nvGrpSpPr>
         <p:grpSpPr>
           <a:xfrm rot="-5400000">
-            <a:off x="1969344" y="2677255"/>
-            <a:ext cx="4084088" cy="4381078"/>
+            <a:off x="1214213" y="3432386"/>
+            <a:ext cx="5594350" cy="4381078"/>
             <a:chOff x="0" y="0"/>
             <a:chExt cx="1075645" cy="1153864"/>
           </a:xfrm>
@@ -7315,8 +7854,8 @@
         </p:nvSpPr>
         <p:spPr>
           <a:xfrm>
-            <a:off x="1820849" y="3744421"/>
-            <a:ext cx="4381078" cy="1728470"/>
+            <a:off x="1839794" y="3851725"/>
+            <a:ext cx="4381078" cy="2834559"/>
           </a:xfrm>
           <a:prstGeom prst="rect">
             <a:avLst/>
@@ -7346,7 +7885,72 @@
                 <a:cs typeface="Arial Bold"/>
                 <a:sym typeface="Arial Bold"/>
               </a:rPr>
-              <a:t>AI logic — Balanced simplicity with challenge</a:t>
+              <a:t>Near-Full Board Looping</a:t>
+            </a:r>
+          </a:p>
+          <a:p>
+            <a:pPr algn="ctr">
+              <a:lnSpc>
+                <a:spcPts val="4479"/>
+              </a:lnSpc>
+              <a:spcBef>
+                <a:spcPct val="0"/>
+              </a:spcBef>
+            </a:pPr>
+            <a:endParaRPr lang="en-US" sz="3199" b="1" spc="-63" dirty="0">
+              <a:solidFill>
+                <a:srgbClr val="F7F7F7"/>
+              </a:solidFill>
+              <a:latin typeface="Arial Bold"/>
+              <a:ea typeface="Arial Bold"/>
+              <a:cs typeface="Arial Bold"/>
+              <a:sym typeface="Arial Bold"/>
+            </a:endParaRPr>
+          </a:p>
+          <a:p>
+            <a:pPr algn="ctr">
+              <a:lnSpc>
+                <a:spcPts val="4479"/>
+              </a:lnSpc>
+              <a:spcBef>
+                <a:spcPct val="0"/>
+              </a:spcBef>
+            </a:pPr>
+            <a:r>
+              <a:rPr lang="en-US" sz="3199" b="1" spc="-63" dirty="0">
+                <a:solidFill>
+                  <a:srgbClr val="F7F7F7"/>
+                </a:solidFill>
+                <a:latin typeface="Arial Bold"/>
+                <a:ea typeface="Arial Bold"/>
+                <a:cs typeface="Arial Bold"/>
+                <a:sym typeface="Arial Bold"/>
+              </a:rPr>
+              <a:t> </a:t>
+            </a:r>
+            <a:r>
+              <a:rPr lang="en-US" sz="3199" b="1" spc="-63" dirty="0">
+                <a:solidFill>
+                  <a:srgbClr val="F7F7F7"/>
+                </a:solidFill>
+                <a:latin typeface="Consolas" panose="020B0609020204030204" pitchFamily="49" charset="0"/>
+                <a:ea typeface="Arial Bold"/>
+                <a:cs typeface="Arial Bold"/>
+                <a:sym typeface="Arial Bold"/>
+              </a:rPr>
+              <a:t>Break; </a:t>
+            </a:r>
+            <a:r>
+              <a:rPr lang="en-US" sz="3199" b="1" spc="-63" dirty="0">
+                <a:solidFill>
+                  <a:srgbClr val="F7F7F7"/>
+                </a:solidFill>
+                <a:latin typeface="Arial Bold"/>
+                <a:ea typeface="Arial Bold"/>
+                <a:cs typeface="Arial Bold"/>
+                <a:sym typeface="Arial Bold"/>
+              </a:rPr>
+              <a:t>on valid cell found</a:t>
             </a:r>
           </a:p>
         </p:txBody>
@@ -7359,10 +7963,10 @@
         </p:nvGrpSpPr>
         <p:grpSpPr>
           <a:xfrm rot="-5400000">
-            <a:off x="7101956" y="2677255"/>
-            <a:ext cx="4084088" cy="4381078"/>
-            <a:chOff x="0" y="0"/>
-            <a:chExt cx="1075645" cy="1153864"/>
+            <a:off x="6318951" y="3062442"/>
+            <a:ext cx="5594350" cy="5120966"/>
+            <a:chOff x="0" y="-104775"/>
+            <a:chExt cx="1075645" cy="1258639"/>
           </a:xfrm>
         </p:grpSpPr>
         <p:sp>
@@ -7465,8 +8069,8 @@
         </p:nvGrpSpPr>
         <p:grpSpPr>
           <a:xfrm rot="-5400000">
-            <a:off x="12341153" y="2661901"/>
-            <a:ext cx="4084088" cy="4381078"/>
+            <a:off x="11795453" y="3207600"/>
+            <a:ext cx="5594351" cy="4799942"/>
             <a:chOff x="0" y="0"/>
             <a:chExt cx="1075645" cy="1153864"/>
           </a:xfrm>
@@ -7572,7 +8176,7 @@
         <p:spPr>
           <a:xfrm>
             <a:off x="12296187" y="3744421"/>
-            <a:ext cx="4381078" cy="2290445"/>
+            <a:ext cx="4381078" cy="3421193"/>
           </a:xfrm>
           <a:prstGeom prst="rect">
             <a:avLst/>
@@ -7593,7 +8197,7 @@
               </a:spcBef>
             </a:pPr>
             <a:r>
-              <a:rPr lang="en-US" sz="3199" b="1" spc="-63">
+              <a:rPr lang="en-US" sz="3199" b="1" spc="-63" dirty="0">
                 <a:solidFill>
                   <a:srgbClr val="F7F7F7"/>
                 </a:solidFill>
@@ -7602,8 +8206,102 @@
                 <a:cs typeface="Arial Bold"/>
                 <a:sym typeface="Arial Bold"/>
               </a:rPr>
-              <a:t>Modular design — Separated logic into game.c, board.c, GameAI.c</a:t>
-            </a:r>
+              <a:t>Redundancy AI Win check</a:t>
+            </a:r>
+          </a:p>
+          <a:p>
+            <a:pPr algn="ctr">
+              <a:lnSpc>
+                <a:spcPts val="4479"/>
+              </a:lnSpc>
+              <a:spcBef>
+                <a:spcPct val="0"/>
+              </a:spcBef>
+            </a:pPr>
+            <a:endParaRPr lang="en-US" sz="3199" b="1" spc="-63" dirty="0">
+              <a:solidFill>
+                <a:srgbClr val="F7F7F7"/>
+              </a:solidFill>
+              <a:latin typeface="Arial Bold"/>
+              <a:ea typeface="Arial Bold"/>
+              <a:cs typeface="Arial Bold"/>
+              <a:sym typeface="Arial Bold"/>
+            </a:endParaRPr>
+          </a:p>
+          <a:p>
+            <a:pPr algn="ctr">
+              <a:lnSpc>
+                <a:spcPts val="4479"/>
+              </a:lnSpc>
+              <a:spcBef>
+                <a:spcPct val="0"/>
+              </a:spcBef>
+            </a:pPr>
+            <a:r>
+              <a:rPr lang="en-US" sz="3199" b="1" spc="-63" dirty="0">
+                <a:solidFill>
+                  <a:srgbClr val="F7F7F7"/>
+                </a:solidFill>
+                <a:latin typeface="Arial Bold"/>
+                <a:ea typeface="Arial Bold"/>
+                <a:cs typeface="Arial Bold"/>
+                <a:sym typeface="Arial Bold"/>
+              </a:rPr>
+              <a:t>Reused existing </a:t>
+            </a:r>
+          </a:p>
+          <a:p>
+            <a:pPr algn="ctr">
+              <a:lnSpc>
+                <a:spcPts val="4479"/>
+              </a:lnSpc>
+              <a:spcBef>
+                <a:spcPct val="0"/>
+              </a:spcBef>
+            </a:pPr>
+            <a:r>
+              <a:rPr lang="en-US" sz="3199" b="1" spc="-63" dirty="0">
+                <a:solidFill>
+                  <a:srgbClr val="F7F7F7"/>
+                </a:solidFill>
+                <a:latin typeface="Arial Bold"/>
+                <a:ea typeface="Arial Bold"/>
+                <a:cs typeface="Arial Bold"/>
+                <a:sym typeface="Arial Bold"/>
+              </a:rPr>
+              <a:t>Player/vs/Player</a:t>
+            </a:r>
+          </a:p>
+          <a:p>
+            <a:pPr algn="ctr">
+              <a:lnSpc>
+                <a:spcPts val="4479"/>
+              </a:lnSpc>
+              <a:spcBef>
+                <a:spcPct val="0"/>
+              </a:spcBef>
+            </a:pPr>
+            <a:r>
+              <a:rPr lang="en-US" sz="3199" b="1" spc="-63" dirty="0">
+                <a:solidFill>
+                  <a:srgbClr val="F7F7F7"/>
+                </a:solidFill>
+                <a:latin typeface="Arial Bold"/>
+                <a:ea typeface="Arial Bold"/>
+                <a:cs typeface="Arial Bold"/>
+                <a:sym typeface="Arial Bold"/>
+              </a:rPr>
+              <a:t>Win logic</a:t>
+            </a:r>
+            <a:endParaRPr lang="en-US" sz="3199" b="1" spc="-63" dirty="0">
+              <a:solidFill>
+                <a:srgbClr val="F7F7F7"/>
+              </a:solidFill>
+              <a:latin typeface="Consolas" panose="020B0609020204030204" pitchFamily="49" charset="0"/>
+              <a:ea typeface="Arial Bold"/>
+              <a:cs typeface="Arial Bold"/>
+              <a:sym typeface="Arial Bold"/>
+            </a:endParaRPr>
           </a:p>
         </p:txBody>
       </p:sp>
@@ -7615,15 +8313,15 @@
         </p:nvSpPr>
         <p:spPr>
           <a:xfrm>
-            <a:off x="6953461" y="3744421"/>
-            <a:ext cx="4381078" cy="1728470"/>
+            <a:off x="6944045" y="3941438"/>
+            <a:ext cx="4770453" cy="3411640"/>
           </a:xfrm>
           <a:prstGeom prst="rect">
             <a:avLst/>
           </a:prstGeom>
         </p:spPr>
         <p:txBody>
-          <a:bodyPr lIns="0" tIns="0" rIns="0" bIns="0" rtlCol="0" anchor="t">
+          <a:bodyPr wrap="square" lIns="0" tIns="0" rIns="0" bIns="0" rtlCol="0" anchor="t">
             <a:spAutoFit/>
           </a:bodyPr>
           <a:lstStyle/>
@@ -7637,7 +8335,7 @@
               </a:spcBef>
             </a:pPr>
             <a:r>
-              <a:rPr lang="en-US" sz="3199" b="1" spc="-63">
+              <a:rPr lang="en-US" sz="3199" b="1" spc="-63" dirty="0">
                 <a:solidFill>
                   <a:srgbClr val="F7F7F7"/>
                 </a:solidFill>
@@ -7646,7 +8344,354 @@
                 <a:cs typeface="Arial Bold"/>
                 <a:sym typeface="Arial Bold"/>
               </a:rPr>
-              <a:t>Replay support without memory leak or crashing</a:t>
+              <a:t>Inefficient RNG Seeding</a:t>
+            </a:r>
+          </a:p>
+          <a:p>
+            <a:pPr algn="ctr">
+              <a:lnSpc>
+                <a:spcPts val="4479"/>
+              </a:lnSpc>
+              <a:spcBef>
+                <a:spcPct val="0"/>
+              </a:spcBef>
+            </a:pPr>
+            <a:endParaRPr lang="en-US" sz="3199" b="1" spc="-63" dirty="0">
+              <a:solidFill>
+                <a:srgbClr val="F7F7F7"/>
+              </a:solidFill>
+              <a:latin typeface="Arial Bold"/>
+              <a:ea typeface="Arial Bold"/>
+              <a:cs typeface="Arial Bold"/>
+              <a:sym typeface="Arial Bold"/>
+            </a:endParaRPr>
+          </a:p>
+          <a:p>
+            <a:pPr algn="ctr">
+              <a:lnSpc>
+                <a:spcPts val="4479"/>
+              </a:lnSpc>
+              <a:spcBef>
+                <a:spcPct val="0"/>
+              </a:spcBef>
+            </a:pPr>
+            <a:r>
+              <a:rPr lang="en-US" sz="3199" b="1" spc="-63" dirty="0">
+                <a:solidFill>
+                  <a:srgbClr val="F7F7F7"/>
+                </a:solidFill>
+                <a:latin typeface="Arial Bold"/>
+                <a:ea typeface="Arial Bold"/>
+                <a:cs typeface="Arial Bold"/>
+                <a:sym typeface="Arial Bold"/>
+              </a:rPr>
+              <a:t>Moved </a:t>
+            </a:r>
+            <a:r>
+              <a:rPr lang="en-US" sz="3199" b="1" spc="-63" dirty="0" err="1">
+                <a:solidFill>
+                  <a:srgbClr val="F7F7F7"/>
+                </a:solidFill>
+                <a:latin typeface="Consolas" panose="020B0609020204030204" pitchFamily="49" charset="0"/>
+                <a:ea typeface="Arial Bold"/>
+                <a:cs typeface="Arial Bold"/>
+                <a:sym typeface="Arial Bold"/>
+              </a:rPr>
+              <a:t>srand</a:t>
+            </a:r>
+            <a:r>
+              <a:rPr lang="en-US" sz="3199" b="1" spc="-63" dirty="0">
+                <a:solidFill>
+                  <a:srgbClr val="F7F7F7"/>
+                </a:solidFill>
+                <a:latin typeface="Consolas" panose="020B0609020204030204" pitchFamily="49" charset="0"/>
+                <a:ea typeface="Arial Bold"/>
+                <a:cs typeface="Arial Bold"/>
+                <a:sym typeface="Arial Bold"/>
+              </a:rPr>
+              <a:t>(time(NULL)) </a:t>
+            </a:r>
+            <a:r>
+              <a:rPr lang="en-US" sz="3199" b="1" spc="-63" dirty="0">
+                <a:solidFill>
+                  <a:srgbClr val="F7F7F7"/>
+                </a:solidFill>
+                <a:latin typeface="Arial Bold"/>
+                <a:ea typeface="Arial Bold"/>
+                <a:cs typeface="Arial Bold"/>
+                <a:sym typeface="Arial Bold"/>
+              </a:rPr>
+              <a:t>to </a:t>
+            </a:r>
+            <a:r>
+              <a:rPr lang="en-US" sz="3199" b="1" spc="-63" dirty="0">
+                <a:solidFill>
+                  <a:srgbClr val="F7F7F7"/>
+                </a:solidFill>
+                <a:latin typeface="Consolas" panose="020B0609020204030204" pitchFamily="49" charset="0"/>
+                <a:ea typeface="Arial Bold"/>
+                <a:cs typeface="Arial Bold"/>
+                <a:sym typeface="Arial Bold"/>
+              </a:rPr>
+              <a:t>main() </a:t>
+            </a:r>
+            <a:r>
+              <a:rPr lang="en-US" sz="3199" b="1" spc="-63" dirty="0">
+                <a:solidFill>
+                  <a:srgbClr val="F7F7F7"/>
+                </a:solidFill>
+                <a:latin typeface="Arial Bold"/>
+                <a:ea typeface="Arial Bold"/>
+                <a:cs typeface="Arial Bold"/>
+                <a:sym typeface="Arial Bold"/>
+              </a:rPr>
+              <a:t>for single initialization</a:t>
+            </a:r>
+          </a:p>
+        </p:txBody>
+      </p:sp>
+      <p:sp>
+        <p:nvSpPr>
+          <p:cNvPr id="2" name="TextBox 1">
+            <a:extLst>
+              <a:ext uri="{FF2B5EF4-FFF2-40B4-BE49-F238E27FC236}">
+                <a16:creationId xmlns:a16="http://schemas.microsoft.com/office/drawing/2014/main" id="{BBCD67E1-A09B-89E1-2982-09DCA59C5AF3}"/>
+              </a:ext>
+            </a:extLst>
+          </p:cNvPr>
+          <p:cNvSpPr txBox="1"/>
+          <p:nvPr/>
+        </p:nvSpPr>
+        <p:spPr>
+          <a:xfrm>
+            <a:off x="3507083" y="3206703"/>
+            <a:ext cx="1008609" cy="307777"/>
+          </a:xfrm>
+          <a:prstGeom prst="rect">
+            <a:avLst/>
+          </a:prstGeom>
+          <a:noFill/>
+        </p:spPr>
+        <p:txBody>
+          <a:bodyPr wrap="none" rtlCol="0">
+            <a:spAutoFit/>
+          </a:bodyPr>
+          <a:lstStyle/>
+          <a:p>
+            <a:r>
+              <a:rPr lang="en-US" sz="1400" b="1" dirty="0">
+                <a:solidFill>
+                  <a:schemeClr val="bg1"/>
+                </a:solidFill>
+                <a:latin typeface="Arial Bold"/>
+                <a:cs typeface="Arial Bold"/>
+              </a:rPr>
+              <a:t>challenge</a:t>
+            </a:r>
+          </a:p>
+        </p:txBody>
+      </p:sp>
+      <p:sp>
+        <p:nvSpPr>
+          <p:cNvPr id="3" name="TextBox 2">
+            <a:extLst>
+              <a:ext uri="{FF2B5EF4-FFF2-40B4-BE49-F238E27FC236}">
+                <a16:creationId xmlns:a16="http://schemas.microsoft.com/office/drawing/2014/main" id="{70B8191E-A8CB-981B-E2B6-18F425E3A21C}"/>
+              </a:ext>
+            </a:extLst>
+          </p:cNvPr>
+          <p:cNvSpPr txBox="1"/>
+          <p:nvPr/>
+        </p:nvSpPr>
+        <p:spPr>
+          <a:xfrm>
+            <a:off x="8824966" y="3206703"/>
+            <a:ext cx="1008609" cy="307777"/>
+          </a:xfrm>
+          <a:prstGeom prst="rect">
+            <a:avLst/>
+          </a:prstGeom>
+          <a:noFill/>
+        </p:spPr>
+        <p:txBody>
+          <a:bodyPr wrap="none" rtlCol="0">
+            <a:spAutoFit/>
+          </a:bodyPr>
+          <a:lstStyle/>
+          <a:p>
+            <a:r>
+              <a:rPr lang="en-US" sz="1400" b="1" dirty="0">
+                <a:solidFill>
+                  <a:schemeClr val="bg1"/>
+                </a:solidFill>
+                <a:latin typeface="Arial Bold"/>
+                <a:cs typeface="Arial Bold"/>
+              </a:rPr>
+              <a:t>challenge</a:t>
+            </a:r>
+          </a:p>
+        </p:txBody>
+      </p:sp>
+      <p:sp>
+        <p:nvSpPr>
+          <p:cNvPr id="4" name="TextBox 3">
+            <a:extLst>
+              <a:ext uri="{FF2B5EF4-FFF2-40B4-BE49-F238E27FC236}">
+                <a16:creationId xmlns:a16="http://schemas.microsoft.com/office/drawing/2014/main" id="{33B1578F-153C-8808-C5C5-BDF10547B9FC}"/>
+              </a:ext>
+            </a:extLst>
+          </p:cNvPr>
+          <p:cNvSpPr txBox="1"/>
+          <p:nvPr/>
+        </p:nvSpPr>
+        <p:spPr>
+          <a:xfrm>
+            <a:off x="14088323" y="3206703"/>
+            <a:ext cx="1008609" cy="307777"/>
+          </a:xfrm>
+          <a:prstGeom prst="rect">
+            <a:avLst/>
+          </a:prstGeom>
+          <a:noFill/>
+        </p:spPr>
+        <p:txBody>
+          <a:bodyPr wrap="none" rtlCol="0">
+            <a:spAutoFit/>
+          </a:bodyPr>
+          <a:lstStyle/>
+          <a:p>
+            <a:r>
+              <a:rPr lang="en-US" sz="1400" b="1" dirty="0">
+                <a:solidFill>
+                  <a:schemeClr val="bg1"/>
+                </a:solidFill>
+                <a:latin typeface="Arial Bold"/>
+                <a:cs typeface="Arial Bold"/>
+              </a:rPr>
+              <a:t>challenge</a:t>
+            </a:r>
+          </a:p>
+        </p:txBody>
+      </p:sp>
+      <p:sp>
+        <p:nvSpPr>
+          <p:cNvPr id="21" name="TextBox 20">
+            <a:extLst>
+              <a:ext uri="{FF2B5EF4-FFF2-40B4-BE49-F238E27FC236}">
+                <a16:creationId xmlns:a16="http://schemas.microsoft.com/office/drawing/2014/main" id="{1F7B3657-F8B8-E04B-98E6-AAD2539E1CC7}"/>
+              </a:ext>
+            </a:extLst>
+          </p:cNvPr>
+          <p:cNvSpPr txBox="1"/>
+          <p:nvPr/>
+        </p:nvSpPr>
+        <p:spPr>
+          <a:xfrm>
+            <a:off x="1853442" y="4835723"/>
+            <a:ext cx="899605" cy="307777"/>
+          </a:xfrm>
+          <a:prstGeom prst="rect">
+            <a:avLst/>
+          </a:prstGeom>
+          <a:noFill/>
+        </p:spPr>
+        <p:txBody>
+          <a:bodyPr wrap="none" rtlCol="0">
+            <a:spAutoFit/>
+          </a:bodyPr>
+          <a:lstStyle/>
+          <a:p>
+            <a:r>
+              <a:rPr lang="en-US" sz="1400" b="1" dirty="0">
+                <a:solidFill>
+                  <a:schemeClr val="bg1"/>
+                </a:solidFill>
+                <a:latin typeface="Arial Bold"/>
+                <a:cs typeface="Arial Bold"/>
+              </a:rPr>
+              <a:t>Solution</a:t>
+            </a:r>
+          </a:p>
+        </p:txBody>
+      </p:sp>
+      <p:sp>
+        <p:nvSpPr>
+          <p:cNvPr id="22" name="TextBox 21">
+            <a:extLst>
+              <a:ext uri="{FF2B5EF4-FFF2-40B4-BE49-F238E27FC236}">
+                <a16:creationId xmlns:a16="http://schemas.microsoft.com/office/drawing/2014/main" id="{7226BA77-1FAE-3D33-3428-9EAAAFBBEE92}"/>
+              </a:ext>
+            </a:extLst>
+          </p:cNvPr>
+          <p:cNvSpPr txBox="1"/>
+          <p:nvPr/>
+        </p:nvSpPr>
+        <p:spPr>
+          <a:xfrm>
+            <a:off x="7162800" y="4835723"/>
+            <a:ext cx="899605" cy="307777"/>
+          </a:xfrm>
+          <a:prstGeom prst="rect">
+            <a:avLst/>
+          </a:prstGeom>
+          <a:noFill/>
+        </p:spPr>
+        <p:txBody>
+          <a:bodyPr wrap="none" rtlCol="0">
+            <a:spAutoFit/>
+          </a:bodyPr>
+          <a:lstStyle/>
+          <a:p>
+            <a:r>
+              <a:rPr lang="en-US" sz="1400" b="1" dirty="0">
+                <a:solidFill>
+                  <a:schemeClr val="bg1"/>
+                </a:solidFill>
+                <a:latin typeface="Arial Bold"/>
+                <a:cs typeface="Arial Bold"/>
+              </a:rPr>
+              <a:t>Solution</a:t>
+            </a:r>
+          </a:p>
+        </p:txBody>
+      </p:sp>
+      <p:sp>
+        <p:nvSpPr>
+          <p:cNvPr id="23" name="TextBox 22">
+            <a:extLst>
+              <a:ext uri="{FF2B5EF4-FFF2-40B4-BE49-F238E27FC236}">
+                <a16:creationId xmlns:a16="http://schemas.microsoft.com/office/drawing/2014/main" id="{8A64881D-04EF-1C41-3277-0969EEB17515}"/>
+              </a:ext>
+            </a:extLst>
+          </p:cNvPr>
+          <p:cNvSpPr txBox="1"/>
+          <p:nvPr/>
+        </p:nvSpPr>
+        <p:spPr>
+          <a:xfrm>
+            <a:off x="12296187" y="4840841"/>
+            <a:ext cx="899605" cy="307777"/>
+          </a:xfrm>
+          <a:prstGeom prst="rect">
+            <a:avLst/>
+          </a:prstGeom>
+          <a:noFill/>
+        </p:spPr>
+        <p:txBody>
+          <a:bodyPr wrap="none" rtlCol="0">
+            <a:spAutoFit/>
+          </a:bodyPr>
+          <a:lstStyle/>
+          <a:p>
+            <a:r>
+              <a:rPr lang="en-US" sz="1400" b="1" dirty="0">
+                <a:solidFill>
+                  <a:schemeClr val="bg1"/>
+                </a:solidFill>
+                <a:latin typeface="Arial Bold"/>
+                <a:cs typeface="Arial Bold"/>
+              </a:rPr>
+              <a:t>Solution</a:t>
             </a:r>
           </a:p>
         </p:txBody>
@@ -8001,8 +9046,8 @@
         </p:nvSpPr>
         <p:spPr>
           <a:xfrm rot="-316424">
-            <a:off x="9216891" y="6598107"/>
-            <a:ext cx="5880619" cy="537525"/>
+            <a:off x="9216891" y="6653894"/>
+            <a:ext cx="5880619" cy="425950"/>
           </a:xfrm>
           <a:prstGeom prst="rect">
             <a:avLst/>
@@ -8029,7 +9074,7 @@
                 <a:cs typeface="Arial Bold"/>
                 <a:sym typeface="Arial Bold"/>
               </a:rPr>
-              <a:t>CSE115.4 | Group 4</a:t>
+              <a:t>CSE115.4 | Group 2</a:t>
             </a:r>
           </a:p>
         </p:txBody>

--- a/others/TicTacX.pptx
+++ b/others/TicTacX.pptx
@@ -25,19 +25,21 @@
   <p:notesSz cx="6858000" cy="9144000"/>
   <p:embeddedFontLst>
     <p:embeddedFont>
-      <p:font typeface="Arial Bold"/>
+      <p:font typeface="Arial Bold" panose="020B0802020202020204" pitchFamily="34" charset="77"/>
       <p:regular r:id="rId17"/>
+      <p:bold r:id="rId18"/>
     </p:embeddedFont>
     <p:embeddedFont>
-      <p:font typeface="Arial Italics" panose="020B0604020202020204" charset="0"/>
-      <p:regular r:id="rId18"/>
+      <p:font typeface="Arial Italics" panose="020B0502020202090204" pitchFamily="34" charset="77"/>
+      <p:regular r:id="rId19"/>
+      <p:italic r:id="rId20"/>
     </p:embeddedFont>
     <p:embeddedFont>
       <p:font typeface="Consolas" panose="020B0609020204030204" pitchFamily="49" charset="0"/>
-      <p:regular r:id="rId19"/>
-      <p:bold r:id="rId20"/>
-      <p:italic r:id="rId21"/>
-      <p:boldItalic r:id="rId22"/>
+      <p:regular r:id="rId21"/>
+      <p:bold r:id="rId22"/>
+      <p:italic r:id="rId23"/>
+      <p:boldItalic r:id="rId24"/>
     </p:embeddedFont>
   </p:embeddedFontLst>
   <p:defaultTextStyle>
@@ -2011,7 +2013,7 @@
             <a:fld id="{1D8BD707-D9CF-40AE-B4C6-C98DA3205C09}" type="datetimeFigureOut">
               <a:rPr lang="en-US" smtClean="0"/>
               <a:pPr/>
-              <a:t>8/13/2025</a:t>
+              <a:t>8/13/25</a:t>
             </a:fld>
             <a:endParaRPr lang="en-US"/>
           </a:p>
@@ -2176,7 +2178,7 @@
             <a:fld id="{1D8BD707-D9CF-40AE-B4C6-C98DA3205C09}" type="datetimeFigureOut">
               <a:rPr lang="en-US" smtClean="0"/>
               <a:pPr/>
-              <a:t>8/13/2025</a:t>
+              <a:t>8/13/25</a:t>
             </a:fld>
             <a:endParaRPr lang="en-US"/>
           </a:p>
@@ -2351,7 +2353,7 @@
             <a:fld id="{1D8BD707-D9CF-40AE-B4C6-C98DA3205C09}" type="datetimeFigureOut">
               <a:rPr lang="en-US" smtClean="0"/>
               <a:pPr/>
-              <a:t>8/13/2025</a:t>
+              <a:t>8/13/25</a:t>
             </a:fld>
             <a:endParaRPr lang="en-US"/>
           </a:p>
@@ -2516,7 +2518,7 @@
             <a:fld id="{1D8BD707-D9CF-40AE-B4C6-C98DA3205C09}" type="datetimeFigureOut">
               <a:rPr lang="en-US" smtClean="0"/>
               <a:pPr/>
-              <a:t>8/13/2025</a:t>
+              <a:t>8/13/25</a:t>
             </a:fld>
             <a:endParaRPr lang="en-US"/>
           </a:p>
@@ -2758,7 +2760,7 @@
             <a:fld id="{1D8BD707-D9CF-40AE-B4C6-C98DA3205C09}" type="datetimeFigureOut">
               <a:rPr lang="en-US" smtClean="0"/>
               <a:pPr/>
-              <a:t>8/13/2025</a:t>
+              <a:t>8/13/25</a:t>
             </a:fld>
             <a:endParaRPr lang="en-US"/>
           </a:p>
@@ -3040,7 +3042,7 @@
             <a:fld id="{1D8BD707-D9CF-40AE-B4C6-C98DA3205C09}" type="datetimeFigureOut">
               <a:rPr lang="en-US" smtClean="0"/>
               <a:pPr/>
-              <a:t>8/13/2025</a:t>
+              <a:t>8/13/25</a:t>
             </a:fld>
             <a:endParaRPr lang="en-US"/>
           </a:p>
@@ -3456,7 +3458,7 @@
             <a:fld id="{1D8BD707-D9CF-40AE-B4C6-C98DA3205C09}" type="datetimeFigureOut">
               <a:rPr lang="en-US" smtClean="0"/>
               <a:pPr/>
-              <a:t>8/13/2025</a:t>
+              <a:t>8/13/25</a:t>
             </a:fld>
             <a:endParaRPr lang="en-US"/>
           </a:p>
@@ -3570,7 +3572,7 @@
             <a:fld id="{1D8BD707-D9CF-40AE-B4C6-C98DA3205C09}" type="datetimeFigureOut">
               <a:rPr lang="en-US" smtClean="0"/>
               <a:pPr/>
-              <a:t>8/13/2025</a:t>
+              <a:t>8/13/25</a:t>
             </a:fld>
             <a:endParaRPr lang="en-US"/>
           </a:p>
@@ -3662,7 +3664,7 @@
             <a:fld id="{1D8BD707-D9CF-40AE-B4C6-C98DA3205C09}" type="datetimeFigureOut">
               <a:rPr lang="en-US" smtClean="0"/>
               <a:pPr/>
-              <a:t>8/13/2025</a:t>
+              <a:t>8/13/25</a:t>
             </a:fld>
             <a:endParaRPr lang="en-US"/>
           </a:p>
@@ -4181,7 +4183,7 @@
             <a:fld id="{1D8BD707-D9CF-40AE-B4C6-C98DA3205C09}" type="datetimeFigureOut">
               <a:rPr lang="en-US" smtClean="0"/>
               <a:pPr/>
-              <a:t>8/13/2025</a:t>
+              <a:t>8/13/25</a:t>
             </a:fld>
             <a:endParaRPr lang="en-US"/>
           </a:p>
@@ -4430,7 +4432,7 @@
             <a:fld id="{1D8BD707-D9CF-40AE-B4C6-C98DA3205C09}" type="datetimeFigureOut">
               <a:rPr lang="en-US" smtClean="0"/>
               <a:pPr/>
-              <a:t>8/13/2025</a:t>
+              <a:t>8/13/25</a:t>
             </a:fld>
             <a:endParaRPr lang="en-US"/>
           </a:p>
@@ -4638,7 +4640,7 @@
             <a:fld id="{1D8BD707-D9CF-40AE-B4C6-C98DA3205C09}" type="datetimeFigureOut">
               <a:rPr lang="en-US" smtClean="0"/>
               <a:pPr/>
-              <a:t>8/13/2025</a:t>
+              <a:t>8/13/25</a:t>
             </a:fld>
             <a:endParaRPr lang="en-US"/>
           </a:p>
@@ -5275,66 +5277,6 @@
       </p:grpSpPr>
       <p:sp>
         <p:nvSpPr>
-          <p:cNvPr id="6" name="TextBox 6"/>
-          <p:cNvSpPr txBox="1"/>
-          <p:nvPr/>
-        </p:nvSpPr>
-        <p:spPr>
-          <a:xfrm>
-            <a:off x="1028700" y="1456055"/>
-            <a:ext cx="6972300" cy="1795363"/>
-          </a:xfrm>
-          <a:prstGeom prst="rect">
-            <a:avLst/>
-          </a:prstGeom>
-        </p:spPr>
-        <p:txBody>
-          <a:bodyPr wrap="square" lIns="0" tIns="0" rIns="0" bIns="0" rtlCol="0" anchor="t">
-            <a:spAutoFit/>
-          </a:bodyPr>
-          <a:lstStyle/>
-          <a:p>
-            <a:pPr algn="l">
-              <a:lnSpc>
-                <a:spcPts val="7000"/>
-              </a:lnSpc>
-            </a:pPr>
-            <a:r>
-              <a:rPr lang="en-US" sz="7200" b="1" dirty="0">
-                <a:solidFill>
-                  <a:srgbClr val="F7F7F7"/>
-                </a:solidFill>
-                <a:latin typeface="Arial Bold"/>
-                <a:ea typeface="Arial Bold"/>
-                <a:cs typeface="Arial Bold"/>
-                <a:sym typeface="Arial Bold"/>
-              </a:rPr>
-              <a:t>GAME  </a:t>
-            </a:r>
-          </a:p>
-          <a:p>
-            <a:pPr algn="l">
-              <a:lnSpc>
-                <a:spcPts val="7000"/>
-              </a:lnSpc>
-            </a:pPr>
-            <a:r>
-              <a:rPr lang="en-US" sz="7200" b="1" dirty="0">
-                <a:solidFill>
-                  <a:srgbClr val="F7F7F7"/>
-                </a:solidFill>
-                <a:latin typeface="Arial Bold"/>
-                <a:ea typeface="Arial Bold"/>
-                <a:cs typeface="Arial Bold"/>
-                <a:sym typeface="Arial Bold"/>
-              </a:rPr>
-              <a:t>            LOGIC</a:t>
-            </a:r>
-          </a:p>
-        </p:txBody>
-      </p:sp>
-      <p:sp>
-        <p:nvSpPr>
           <p:cNvPr id="7" name="Rectangle 2">
             <a:extLst>
               <a:ext uri="{FF2B5EF4-FFF2-40B4-BE49-F238E27FC236}">
@@ -5950,6 +5892,53 @@
                 <a:cs typeface="Arial Bold"/>
               </a:rPr>
               <a:t>for output and bot turn</a:t>
+            </a:r>
+          </a:p>
+        </p:txBody>
+      </p:sp>
+      <p:sp>
+        <p:nvSpPr>
+          <p:cNvPr id="2" name="TextBox 6">
+            <a:extLst>
+              <a:ext uri="{FF2B5EF4-FFF2-40B4-BE49-F238E27FC236}">
+                <a16:creationId xmlns:a16="http://schemas.microsoft.com/office/drawing/2014/main" id="{DCFD0D47-DD1D-EB4C-5B30-06B372B2F49D}"/>
+              </a:ext>
+            </a:extLst>
+          </p:cNvPr>
+          <p:cNvSpPr txBox="1"/>
+          <p:nvPr/>
+        </p:nvSpPr>
+        <p:spPr>
+          <a:xfrm>
+            <a:off x="1028700" y="1456055"/>
+            <a:ext cx="6330890" cy="1248419"/>
+          </a:xfrm>
+          <a:prstGeom prst="rect">
+            <a:avLst/>
+          </a:prstGeom>
+        </p:spPr>
+        <p:txBody>
+          <a:bodyPr wrap="square" lIns="0" tIns="0" rIns="0" bIns="0" rtlCol="0" anchor="t">
+            <a:spAutoFit/>
+          </a:bodyPr>
+          <a:lstStyle/>
+          <a:p>
+            <a:pPr algn="l">
+              <a:lnSpc>
+                <a:spcPts val="10080"/>
+              </a:lnSpc>
+            </a:pPr>
+            <a:r>
+              <a:rPr lang="en-US" sz="7200" b="1" dirty="0">
+                <a:solidFill>
+                  <a:srgbClr val="F7F7F7"/>
+                </a:solidFill>
+                <a:latin typeface="Arial Bold"/>
+                <a:ea typeface="Arial Bold"/>
+                <a:cs typeface="Arial Bold"/>
+                <a:sym typeface="Arial Bold"/>
+              </a:rPr>
+              <a:t>GAME LOGIC</a:t>
             </a:r>
           </a:p>
         </p:txBody>
@@ -11065,7 +11054,7 @@
         <p:spPr>
           <a:xfrm>
             <a:off x="1028700" y="3312055"/>
-            <a:ext cx="13068300" cy="4935479"/>
+            <a:ext cx="13068300" cy="5003677"/>
           </a:xfrm>
           <a:prstGeom prst="rect">
             <a:avLst/>
@@ -11199,7 +11188,7 @@
                 <a:cs typeface="Arial Bold"/>
                 <a:sym typeface="Arial Bold"/>
               </a:rPr>
-              <a:t> Instructions &amp; About sections</a:t>
+              <a:t>Instructions &amp; About sections</a:t>
             </a:r>
           </a:p>
           <a:p>
@@ -11963,7 +11952,7 @@
               </a:lnSpc>
             </a:pPr>
             <a:r>
-              <a:rPr lang="en-US" sz="2600" b="1" spc="-52">
+              <a:rPr lang="en-US" sz="2600" b="1" spc="-52" dirty="0" err="1">
                 <a:solidFill>
                   <a:srgbClr val="F7F7F7"/>
                 </a:solidFill>
@@ -11974,6 +11963,15 @@
               </a:rPr>
               <a:t>README.md</a:t>
             </a:r>
+            <a:endParaRPr lang="en-US" sz="2600" b="1" spc="-52" dirty="0">
+              <a:solidFill>
+                <a:srgbClr val="F7F7F7"/>
+              </a:solidFill>
+              <a:latin typeface="Arial Bold"/>
+              <a:ea typeface="Arial Bold"/>
+              <a:cs typeface="Arial Bold"/>
+              <a:sym typeface="Arial Bold"/>
+            </a:endParaRPr>
           </a:p>
           <a:p>
             <a:pPr algn="ctr">
@@ -11982,7 +11980,7 @@
               </a:lnSpc>
             </a:pPr>
             <a:r>
-              <a:rPr lang="en-US" sz="2600" b="1" spc="-52">
+              <a:rPr lang="en-US" sz="2600" b="1" spc="-52" dirty="0">
                 <a:solidFill>
                   <a:srgbClr val="F7F7F7"/>
                 </a:solidFill>
@@ -12003,7 +12001,7 @@
                 <a:spcPct val="0"/>
               </a:spcBef>
             </a:pPr>
-            <a:endParaRPr lang="en-US" sz="2600" b="1" spc="-52">
+            <a:endParaRPr lang="en-US" sz="2600" b="1" spc="-52" dirty="0">
               <a:solidFill>
                 <a:srgbClr val="F7F7F7"/>
               </a:solidFill>
@@ -12023,8 +12021,8 @@
         </p:nvSpPr>
         <p:spPr>
           <a:xfrm>
-            <a:off x="6885444" y="3647746"/>
-            <a:ext cx="3897519" cy="1867535"/>
+            <a:off x="12312301" y="6436680"/>
+            <a:ext cx="3897519" cy="1831271"/>
           </a:xfrm>
           <a:prstGeom prst="rect">
             <a:avLst/>
@@ -12042,7 +12040,7 @@
               </a:lnSpc>
             </a:pPr>
             <a:r>
-              <a:rPr lang="en-US" sz="2600" b="1" spc="-52">
+              <a:rPr lang="en-US" sz="2600" b="1" spc="-52" dirty="0">
                 <a:solidFill>
                   <a:srgbClr val="F7F7F7"/>
                 </a:solidFill>
@@ -12051,8 +12049,29 @@
                 <a:cs typeface="Arial Bold"/>
                 <a:sym typeface="Arial Bold"/>
               </a:rPr>
-              <a:t>Makefile</a:t>
-            </a:r>
+              <a:t>support / </a:t>
+            </a:r>
+            <a:r>
+              <a:rPr lang="en-US" sz="2600" b="1" spc="-52" dirty="0" err="1">
+                <a:solidFill>
+                  <a:srgbClr val="F7F7F7"/>
+                </a:solidFill>
+                <a:latin typeface="Arial Bold"/>
+                <a:ea typeface="Arial Bold"/>
+                <a:cs typeface="Arial Bold"/>
+                <a:sym typeface="Arial Bold"/>
+              </a:rPr>
+              <a:t>GameAI.c</a:t>
+            </a:r>
+            <a:endParaRPr lang="en-US" sz="2600" b="1" spc="-52" dirty="0">
+              <a:solidFill>
+                <a:srgbClr val="F7F7F7"/>
+              </a:solidFill>
+              <a:latin typeface="Arial Bold"/>
+              <a:ea typeface="Arial Bold"/>
+              <a:cs typeface="Arial Bold"/>
+              <a:sym typeface="Arial Bold"/>
+            </a:endParaRPr>
           </a:p>
           <a:p>
             <a:pPr algn="ctr">
@@ -12061,7 +12080,7 @@
               </a:lnSpc>
             </a:pPr>
             <a:r>
-              <a:rPr lang="en-US" sz="2600" b="1" spc="-52">
+              <a:rPr lang="en-US" sz="2600" b="1" spc="-52" dirty="0">
                 <a:solidFill>
                   <a:srgbClr val="F7F7F7"/>
                 </a:solidFill>
@@ -12070,7 +12089,26 @@
                 <a:cs typeface="Arial Bold"/>
                 <a:sym typeface="Arial Bold"/>
               </a:rPr>
-              <a:t>   - Automated compilation</a:t>
+              <a:t>   - Game Bot</a:t>
+            </a:r>
+          </a:p>
+          <a:p>
+            <a:pPr algn="ctr">
+              <a:lnSpc>
+                <a:spcPts val="3640"/>
+              </a:lnSpc>
+            </a:pPr>
+            <a:r>
+              <a:rPr lang="en-US" sz="2600" b="1" spc="-52" dirty="0">
+                <a:solidFill>
+                  <a:srgbClr val="F7F7F7"/>
+                </a:solidFill>
+                <a:latin typeface="Arial Bold"/>
+                <a:ea typeface="Arial Bold"/>
+                <a:cs typeface="Arial Bold"/>
+                <a:sym typeface="Arial Bold"/>
+              </a:rPr>
+              <a:t>for mode == 2</a:t>
             </a:r>
           </a:p>
           <a:p>
@@ -12082,7 +12120,7 @@
                 <a:spcPct val="0"/>
               </a:spcBef>
             </a:pPr>
-            <a:endParaRPr lang="en-US" sz="2600" b="1" spc="-52">
+            <a:endParaRPr lang="en-US" sz="2600" b="1" spc="-52" dirty="0">
               <a:solidFill>
                 <a:srgbClr val="F7F7F7"/>
               </a:solidFill>
@@ -12102,7 +12140,7 @@
         </p:nvSpPr>
         <p:spPr>
           <a:xfrm>
-            <a:off x="1504901" y="6518841"/>
+            <a:off x="6735153" y="3768159"/>
             <a:ext cx="3897519" cy="953135"/>
           </a:xfrm>
           <a:prstGeom prst="rect">
@@ -12121,7 +12159,7 @@
               </a:lnSpc>
             </a:pPr>
             <a:r>
-              <a:rPr lang="en-US" sz="2600" b="1" spc="-52">
+              <a:rPr lang="en-US" sz="2600" b="1" spc="-52" dirty="0" err="1">
                 <a:solidFill>
                   <a:srgbClr val="F7F7F7"/>
                 </a:solidFill>
@@ -12132,6 +12170,15 @@
               </a:rPr>
               <a:t>main.c</a:t>
             </a:r>
+            <a:endParaRPr lang="en-US" sz="2600" b="1" spc="-52" dirty="0">
+              <a:solidFill>
+                <a:srgbClr val="F7F7F7"/>
+              </a:solidFill>
+              <a:latin typeface="Arial Bold"/>
+              <a:ea typeface="Arial Bold"/>
+              <a:cs typeface="Arial Bold"/>
+              <a:sym typeface="Arial Bold"/>
+            </a:endParaRPr>
           </a:p>
           <a:p>
             <a:pPr algn="ctr">
@@ -12143,7 +12190,7 @@
               </a:spcBef>
             </a:pPr>
             <a:r>
-              <a:rPr lang="en-US" sz="2600" b="1" spc="-52">
+              <a:rPr lang="en-US" sz="2600" b="1" spc="-52" dirty="0">
                 <a:solidFill>
                   <a:srgbClr val="F7F7F7"/>
                 </a:solidFill>
@@ -12184,7 +12231,7 @@
               </a:lnSpc>
             </a:pPr>
             <a:r>
-              <a:rPr lang="en-US" sz="2600" b="1" spc="-52">
+              <a:rPr lang="en-US" sz="2600" b="1" spc="-52" dirty="0">
                 <a:solidFill>
                   <a:srgbClr val="F7F7F7"/>
                 </a:solidFill>
@@ -12193,8 +12240,29 @@
                 <a:cs typeface="Arial Bold"/>
                 <a:sym typeface="Arial Bold"/>
               </a:rPr>
-              <a:t>support/game.c</a:t>
-            </a:r>
+              <a:t>support/</a:t>
+            </a:r>
+            <a:r>
+              <a:rPr lang="en-US" sz="2600" b="1" spc="-52" dirty="0" err="1">
+                <a:solidFill>
+                  <a:srgbClr val="F7F7F7"/>
+                </a:solidFill>
+                <a:latin typeface="Arial Bold"/>
+                <a:ea typeface="Arial Bold"/>
+                <a:cs typeface="Arial Bold"/>
+                <a:sym typeface="Arial Bold"/>
+              </a:rPr>
+              <a:t>game.c</a:t>
+            </a:r>
+            <a:endParaRPr lang="en-US" sz="2600" b="1" spc="-52" dirty="0">
+              <a:solidFill>
+                <a:srgbClr val="F7F7F7"/>
+              </a:solidFill>
+              <a:latin typeface="Arial Bold"/>
+              <a:ea typeface="Arial Bold"/>
+              <a:cs typeface="Arial Bold"/>
+              <a:sym typeface="Arial Bold"/>
+            </a:endParaRPr>
           </a:p>
           <a:p>
             <a:pPr algn="ctr">
@@ -12203,7 +12271,7 @@
               </a:lnSpc>
             </a:pPr>
             <a:r>
-              <a:rPr lang="en-US" sz="2600" b="1" spc="-52">
+              <a:rPr lang="en-US" sz="2600" b="1" spc="-52" dirty="0">
                 <a:solidFill>
                   <a:srgbClr val="F7F7F7"/>
                 </a:solidFill>
@@ -12224,7 +12292,7 @@
                 <a:spcPct val="0"/>
               </a:spcBef>
             </a:pPr>
-            <a:endParaRPr lang="en-US" sz="2600" b="1" spc="-52">
+            <a:endParaRPr lang="en-US" sz="2600" b="1" spc="-52" dirty="0">
               <a:solidFill>
                 <a:srgbClr val="F7F7F7"/>
               </a:solidFill>
@@ -12244,7 +12312,7 @@
         </p:nvSpPr>
         <p:spPr>
           <a:xfrm>
-            <a:off x="12327852" y="6518841"/>
+            <a:off x="1571209" y="6653221"/>
             <a:ext cx="3897519" cy="1410335"/>
           </a:xfrm>
           <a:prstGeom prst="rect">
@@ -12263,7 +12331,7 @@
               </a:lnSpc>
             </a:pPr>
             <a:r>
-              <a:rPr lang="en-US" sz="2600" b="1" spc="-52">
+              <a:rPr lang="en-US" sz="2600" b="1" spc="-52" dirty="0">
                 <a:solidFill>
                   <a:srgbClr val="F7F7F7"/>
                 </a:solidFill>
@@ -12272,8 +12340,29 @@
                 <a:cs typeface="Arial Bold"/>
                 <a:sym typeface="Arial Bold"/>
               </a:rPr>
-              <a:t>support/board.c</a:t>
-            </a:r>
+              <a:t>support/</a:t>
+            </a:r>
+            <a:r>
+              <a:rPr lang="en-US" sz="2600" b="1" spc="-52" dirty="0" err="1">
+                <a:solidFill>
+                  <a:srgbClr val="F7F7F7"/>
+                </a:solidFill>
+                <a:latin typeface="Arial Bold"/>
+                <a:ea typeface="Arial Bold"/>
+                <a:cs typeface="Arial Bold"/>
+                <a:sym typeface="Arial Bold"/>
+              </a:rPr>
+              <a:t>board.c</a:t>
+            </a:r>
+            <a:endParaRPr lang="en-US" sz="2600" b="1" spc="-52" dirty="0">
+              <a:solidFill>
+                <a:srgbClr val="F7F7F7"/>
+              </a:solidFill>
+              <a:latin typeface="Arial Bold"/>
+              <a:ea typeface="Arial Bold"/>
+              <a:cs typeface="Arial Bold"/>
+              <a:sym typeface="Arial Bold"/>
+            </a:endParaRPr>
           </a:p>
           <a:p>
             <a:pPr algn="ctr">
@@ -12282,7 +12371,7 @@
               </a:lnSpc>
             </a:pPr>
             <a:r>
-              <a:rPr lang="en-US" sz="2600" b="1" spc="-52">
+              <a:rPr lang="en-US" sz="2600" b="1" spc="-52" dirty="0">
                 <a:solidFill>
                   <a:srgbClr val="F7F7F7"/>
                 </a:solidFill>
@@ -12303,7 +12392,7 @@
                 <a:spcPct val="0"/>
               </a:spcBef>
             </a:pPr>
-            <a:endParaRPr lang="en-US" sz="2600" b="1" spc="-52">
+            <a:endParaRPr lang="en-US" sz="2600" b="1" spc="-52" dirty="0">
               <a:solidFill>
                 <a:srgbClr val="F7F7F7"/>
               </a:solidFill>
@@ -12342,7 +12431,7 @@
               </a:lnSpc>
             </a:pPr>
             <a:r>
-              <a:rPr lang="en-US" sz="2600" b="1" spc="-52">
+              <a:rPr lang="en-US" sz="2600" b="1" spc="-52" dirty="0">
                 <a:solidFill>
                   <a:srgbClr val="F7F7F7"/>
                 </a:solidFill>
@@ -12361,7 +12450,7 @@
               </a:lnSpc>
             </a:pPr>
             <a:r>
-              <a:rPr lang="en-US" sz="2600" b="1" spc="-52">
+              <a:rPr lang="en-US" sz="2600" b="1" spc="-52" dirty="0">
                 <a:solidFill>
                   <a:srgbClr val="F7F7F7"/>
                 </a:solidFill>
@@ -12382,7 +12471,7 @@
                 <a:spcPct val="0"/>
               </a:spcBef>
             </a:pPr>
-            <a:endParaRPr lang="en-US" sz="2600" b="1" spc="-52">
+            <a:endParaRPr lang="en-US" sz="2600" b="1" spc="-52" dirty="0">
               <a:solidFill>
                 <a:srgbClr val="F7F7F7"/>
               </a:solidFill>

--- a/others/TicTacX.pptx
+++ b/others/TicTacX.pptx
@@ -4,6 +4,9 @@
   <p:sldMasterIdLst>
     <p:sldMasterId id="2147483648" r:id="rId1"/>
   </p:sldMasterIdLst>
+  <p:notesMasterIdLst>
+    <p:notesMasterId r:id="rId17"/>
+  </p:notesMasterIdLst>
   <p:sldIdLst>
     <p:sldId id="256" r:id="rId2"/>
     <p:sldId id="258" r:id="rId3"/>
@@ -26,20 +29,20 @@
   <p:embeddedFontLst>
     <p:embeddedFont>
       <p:font typeface="Arial Bold" panose="020B0802020202020204" pitchFamily="34" charset="77"/>
-      <p:regular r:id="rId17"/>
-      <p:bold r:id="rId18"/>
+      <p:regular r:id="rId18"/>
+      <p:bold r:id="rId19"/>
     </p:embeddedFont>
     <p:embeddedFont>
       <p:font typeface="Arial Italics" panose="020B0502020202090204" pitchFamily="34" charset="77"/>
-      <p:regular r:id="rId19"/>
-      <p:italic r:id="rId20"/>
+      <p:regular r:id="rId20"/>
+      <p:italic r:id="rId21"/>
     </p:embeddedFont>
     <p:embeddedFont>
       <p:font typeface="Consolas" panose="020B0609020204030204" pitchFamily="49" charset="0"/>
-      <p:regular r:id="rId21"/>
-      <p:bold r:id="rId22"/>
-      <p:italic r:id="rId23"/>
-      <p:boldItalic r:id="rId24"/>
+      <p:regular r:id="rId22"/>
+      <p:bold r:id="rId23"/>
+      <p:italic r:id="rId24"/>
+      <p:boldItalic r:id="rId25"/>
     </p:embeddedFont>
   </p:embeddedFontLst>
   <p:defaultTextStyle>
@@ -1831,6 +1834,1410 @@
     </pc:docChg>
   </pc:docChgLst>
 </pc:chgInfo>
+</file>
+
+<file path=ppt/notesMasters/notesMaster1.xml><?xml version="1.0" encoding="utf-8"?>
+<p:notesMaster xmlns:a="http://schemas.openxmlformats.org/drawingml/2006/main" xmlns:r="http://schemas.openxmlformats.org/officeDocument/2006/relationships" xmlns:p="http://schemas.openxmlformats.org/presentationml/2006/main">
+  <p:cSld>
+    <p:bg>
+      <p:bgRef idx="1001">
+        <a:schemeClr val="bg1"/>
+      </p:bgRef>
+    </p:bg>
+    <p:spTree>
+      <p:nvGrpSpPr>
+        <p:cNvPr id="1" name=""/>
+        <p:cNvGrpSpPr/>
+        <p:nvPr/>
+      </p:nvGrpSpPr>
+      <p:grpSpPr>
+        <a:xfrm>
+          <a:off x="0" y="0"/>
+          <a:ext cx="0" cy="0"/>
+          <a:chOff x="0" y="0"/>
+          <a:chExt cx="0" cy="0"/>
+        </a:xfrm>
+      </p:grpSpPr>
+      <p:sp>
+        <p:nvSpPr>
+          <p:cNvPr id="2" name="Header Placeholder 1"/>
+          <p:cNvSpPr>
+            <a:spLocks noGrp="1"/>
+          </p:cNvSpPr>
+          <p:nvPr>
+            <p:ph type="hdr" sz="quarter"/>
+          </p:nvPr>
+        </p:nvSpPr>
+        <p:spPr>
+          <a:xfrm>
+            <a:off x="0" y="0"/>
+            <a:ext cx="2971800" cy="458788"/>
+          </a:xfrm>
+          <a:prstGeom prst="rect">
+            <a:avLst/>
+          </a:prstGeom>
+        </p:spPr>
+        <p:txBody>
+          <a:bodyPr vert="horz" lIns="91440" tIns="45720" rIns="91440" bIns="45720" rtlCol="0"/>
+          <a:lstStyle>
+            <a:lvl1pPr algn="l">
+              <a:defRPr sz="1200"/>
+            </a:lvl1pPr>
+          </a:lstStyle>
+          <a:p>
+            <a:endParaRPr lang="en-US"/>
+          </a:p>
+        </p:txBody>
+      </p:sp>
+      <p:sp>
+        <p:nvSpPr>
+          <p:cNvPr id="3" name="Date Placeholder 2"/>
+          <p:cNvSpPr>
+            <a:spLocks noGrp="1"/>
+          </p:cNvSpPr>
+          <p:nvPr>
+            <p:ph type="dt" idx="1"/>
+          </p:nvPr>
+        </p:nvSpPr>
+        <p:spPr>
+          <a:xfrm>
+            <a:off x="3884613" y="0"/>
+            <a:ext cx="2971800" cy="458788"/>
+          </a:xfrm>
+          <a:prstGeom prst="rect">
+            <a:avLst/>
+          </a:prstGeom>
+        </p:spPr>
+        <p:txBody>
+          <a:bodyPr vert="horz" lIns="91440" tIns="45720" rIns="91440" bIns="45720" rtlCol="0"/>
+          <a:lstStyle>
+            <a:lvl1pPr algn="r">
+              <a:defRPr sz="1200"/>
+            </a:lvl1pPr>
+          </a:lstStyle>
+          <a:p>
+            <a:fld id="{D5B2E9DC-2DE9-C346-86AA-93006A427A84}" type="datetimeFigureOut">
+              <a:rPr lang="en-US" smtClean="0"/>
+              <a:t>8/13/25</a:t>
+            </a:fld>
+            <a:endParaRPr lang="en-US"/>
+          </a:p>
+        </p:txBody>
+      </p:sp>
+      <p:sp>
+        <p:nvSpPr>
+          <p:cNvPr id="4" name="Slide Image Placeholder 3"/>
+          <p:cNvSpPr>
+            <a:spLocks noGrp="1" noRot="1" noChangeAspect="1"/>
+          </p:cNvSpPr>
+          <p:nvPr>
+            <p:ph type="sldImg" idx="2"/>
+          </p:nvPr>
+        </p:nvSpPr>
+        <p:spPr>
+          <a:xfrm>
+            <a:off x="685800" y="1143000"/>
+            <a:ext cx="5486400" cy="3086100"/>
+          </a:xfrm>
+          <a:prstGeom prst="rect">
+            <a:avLst/>
+          </a:prstGeom>
+          <a:noFill/>
+          <a:ln w="12700">
+            <a:solidFill>
+              <a:prstClr val="black"/>
+            </a:solidFill>
+          </a:ln>
+        </p:spPr>
+        <p:txBody>
+          <a:bodyPr vert="horz" lIns="91440" tIns="45720" rIns="91440" bIns="45720" rtlCol="0" anchor="ctr"/>
+          <a:lstStyle/>
+          <a:p>
+            <a:endParaRPr lang="en-US"/>
+          </a:p>
+        </p:txBody>
+      </p:sp>
+      <p:sp>
+        <p:nvSpPr>
+          <p:cNvPr id="5" name="Notes Placeholder 4"/>
+          <p:cNvSpPr>
+            <a:spLocks noGrp="1"/>
+          </p:cNvSpPr>
+          <p:nvPr>
+            <p:ph type="body" sz="quarter" idx="3"/>
+          </p:nvPr>
+        </p:nvSpPr>
+        <p:spPr>
+          <a:xfrm>
+            <a:off x="685800" y="4400550"/>
+            <a:ext cx="5486400" cy="3600450"/>
+          </a:xfrm>
+          <a:prstGeom prst="rect">
+            <a:avLst/>
+          </a:prstGeom>
+        </p:spPr>
+        <p:txBody>
+          <a:bodyPr vert="horz" lIns="91440" tIns="45720" rIns="91440" bIns="45720" rtlCol="0"/>
+          <a:lstStyle/>
+          <a:p>
+            <a:pPr lvl="0"/>
+            <a:r>
+              <a:rPr lang="en-US"/>
+              <a:t>Click to edit Master text styles</a:t>
+            </a:r>
+          </a:p>
+          <a:p>
+            <a:pPr lvl="1"/>
+            <a:r>
+              <a:rPr lang="en-US"/>
+              <a:t>Second level</a:t>
+            </a:r>
+          </a:p>
+          <a:p>
+            <a:pPr lvl="2"/>
+            <a:r>
+              <a:rPr lang="en-US"/>
+              <a:t>Third level</a:t>
+            </a:r>
+          </a:p>
+          <a:p>
+            <a:pPr lvl="3"/>
+            <a:r>
+              <a:rPr lang="en-US"/>
+              <a:t>Fourth level</a:t>
+            </a:r>
+          </a:p>
+          <a:p>
+            <a:pPr lvl="4"/>
+            <a:r>
+              <a:rPr lang="en-US"/>
+              <a:t>Fifth level</a:t>
+            </a:r>
+          </a:p>
+        </p:txBody>
+      </p:sp>
+      <p:sp>
+        <p:nvSpPr>
+          <p:cNvPr id="6" name="Footer Placeholder 5"/>
+          <p:cNvSpPr>
+            <a:spLocks noGrp="1"/>
+          </p:cNvSpPr>
+          <p:nvPr>
+            <p:ph type="ftr" sz="quarter" idx="4"/>
+          </p:nvPr>
+        </p:nvSpPr>
+        <p:spPr>
+          <a:xfrm>
+            <a:off x="0" y="8685213"/>
+            <a:ext cx="2971800" cy="458787"/>
+          </a:xfrm>
+          <a:prstGeom prst="rect">
+            <a:avLst/>
+          </a:prstGeom>
+        </p:spPr>
+        <p:txBody>
+          <a:bodyPr vert="horz" lIns="91440" tIns="45720" rIns="91440" bIns="45720" rtlCol="0" anchor="b"/>
+          <a:lstStyle>
+            <a:lvl1pPr algn="l">
+              <a:defRPr sz="1200"/>
+            </a:lvl1pPr>
+          </a:lstStyle>
+          <a:p>
+            <a:endParaRPr lang="en-US"/>
+          </a:p>
+        </p:txBody>
+      </p:sp>
+      <p:sp>
+        <p:nvSpPr>
+          <p:cNvPr id="7" name="Slide Number Placeholder 6"/>
+          <p:cNvSpPr>
+            <a:spLocks noGrp="1"/>
+          </p:cNvSpPr>
+          <p:nvPr>
+            <p:ph type="sldNum" sz="quarter" idx="5"/>
+          </p:nvPr>
+        </p:nvSpPr>
+        <p:spPr>
+          <a:xfrm>
+            <a:off x="3884613" y="8685213"/>
+            <a:ext cx="2971800" cy="458787"/>
+          </a:xfrm>
+          <a:prstGeom prst="rect">
+            <a:avLst/>
+          </a:prstGeom>
+        </p:spPr>
+        <p:txBody>
+          <a:bodyPr vert="horz" lIns="91440" tIns="45720" rIns="91440" bIns="45720" rtlCol="0" anchor="b"/>
+          <a:lstStyle>
+            <a:lvl1pPr algn="r">
+              <a:defRPr sz="1200"/>
+            </a:lvl1pPr>
+          </a:lstStyle>
+          <a:p>
+            <a:fld id="{FB5568DF-65DF-2B41-8D1E-CDDDA9697DE5}" type="slidenum">
+              <a:rPr lang="en-US" smtClean="0"/>
+              <a:t>‹#›</a:t>
+            </a:fld>
+            <a:endParaRPr lang="en-US"/>
+          </a:p>
+        </p:txBody>
+      </p:sp>
+    </p:spTree>
+    <p:extLst>
+      <p:ext uri="{BB962C8B-B14F-4D97-AF65-F5344CB8AC3E}">
+        <p14:creationId xmlns:p14="http://schemas.microsoft.com/office/powerpoint/2010/main" val="1290726838"/>
+      </p:ext>
+    </p:extLst>
+  </p:cSld>
+  <p:clrMap bg1="lt1" tx1="dk1" bg2="lt2" tx2="dk2" accent1="accent1" accent2="accent2" accent3="accent3" accent4="accent4" accent5="accent5" accent6="accent6" hlink="hlink" folHlink="folHlink"/>
+  <p:notesStyle>
+    <a:lvl1pPr marL="0" algn="l" defTabSz="914400" rtl="0" eaLnBrk="1" latinLnBrk="0" hangingPunct="1">
+      <a:defRPr sz="1200" kern="1200">
+        <a:solidFill>
+          <a:schemeClr val="tx1"/>
+        </a:solidFill>
+        <a:latin typeface="+mn-lt"/>
+        <a:ea typeface="+mn-ea"/>
+        <a:cs typeface="+mn-cs"/>
+      </a:defRPr>
+    </a:lvl1pPr>
+    <a:lvl2pPr marL="457200" algn="l" defTabSz="914400" rtl="0" eaLnBrk="1" latinLnBrk="0" hangingPunct="1">
+      <a:defRPr sz="1200" kern="1200">
+        <a:solidFill>
+          <a:schemeClr val="tx1"/>
+        </a:solidFill>
+        <a:latin typeface="+mn-lt"/>
+        <a:ea typeface="+mn-ea"/>
+        <a:cs typeface="+mn-cs"/>
+      </a:defRPr>
+    </a:lvl2pPr>
+    <a:lvl3pPr marL="914400" algn="l" defTabSz="914400" rtl="0" eaLnBrk="1" latinLnBrk="0" hangingPunct="1">
+      <a:defRPr sz="1200" kern="1200">
+        <a:solidFill>
+          <a:schemeClr val="tx1"/>
+        </a:solidFill>
+        <a:latin typeface="+mn-lt"/>
+        <a:ea typeface="+mn-ea"/>
+        <a:cs typeface="+mn-cs"/>
+      </a:defRPr>
+    </a:lvl3pPr>
+    <a:lvl4pPr marL="1371600" algn="l" defTabSz="914400" rtl="0" eaLnBrk="1" latinLnBrk="0" hangingPunct="1">
+      <a:defRPr sz="1200" kern="1200">
+        <a:solidFill>
+          <a:schemeClr val="tx1"/>
+        </a:solidFill>
+        <a:latin typeface="+mn-lt"/>
+        <a:ea typeface="+mn-ea"/>
+        <a:cs typeface="+mn-cs"/>
+      </a:defRPr>
+    </a:lvl4pPr>
+    <a:lvl5pPr marL="1828800" algn="l" defTabSz="914400" rtl="0" eaLnBrk="1" latinLnBrk="0" hangingPunct="1">
+      <a:defRPr sz="1200" kern="1200">
+        <a:solidFill>
+          <a:schemeClr val="tx1"/>
+        </a:solidFill>
+        <a:latin typeface="+mn-lt"/>
+        <a:ea typeface="+mn-ea"/>
+        <a:cs typeface="+mn-cs"/>
+      </a:defRPr>
+    </a:lvl5pPr>
+    <a:lvl6pPr marL="2286000" algn="l" defTabSz="914400" rtl="0" eaLnBrk="1" latinLnBrk="0" hangingPunct="1">
+      <a:defRPr sz="1200" kern="1200">
+        <a:solidFill>
+          <a:schemeClr val="tx1"/>
+        </a:solidFill>
+        <a:latin typeface="+mn-lt"/>
+        <a:ea typeface="+mn-ea"/>
+        <a:cs typeface="+mn-cs"/>
+      </a:defRPr>
+    </a:lvl6pPr>
+    <a:lvl7pPr marL="2743200" algn="l" defTabSz="914400" rtl="0" eaLnBrk="1" latinLnBrk="0" hangingPunct="1">
+      <a:defRPr sz="1200" kern="1200">
+        <a:solidFill>
+          <a:schemeClr val="tx1"/>
+        </a:solidFill>
+        <a:latin typeface="+mn-lt"/>
+        <a:ea typeface="+mn-ea"/>
+        <a:cs typeface="+mn-cs"/>
+      </a:defRPr>
+    </a:lvl7pPr>
+    <a:lvl8pPr marL="3200400" algn="l" defTabSz="914400" rtl="0" eaLnBrk="1" latinLnBrk="0" hangingPunct="1">
+      <a:defRPr sz="1200" kern="1200">
+        <a:solidFill>
+          <a:schemeClr val="tx1"/>
+        </a:solidFill>
+        <a:latin typeface="+mn-lt"/>
+        <a:ea typeface="+mn-ea"/>
+        <a:cs typeface="+mn-cs"/>
+      </a:defRPr>
+    </a:lvl8pPr>
+    <a:lvl9pPr marL="3657600" algn="l" defTabSz="914400" rtl="0" eaLnBrk="1" latinLnBrk="0" hangingPunct="1">
+      <a:defRPr sz="1200" kern="1200">
+        <a:solidFill>
+          <a:schemeClr val="tx1"/>
+        </a:solidFill>
+        <a:latin typeface="+mn-lt"/>
+        <a:ea typeface="+mn-ea"/>
+        <a:cs typeface="+mn-cs"/>
+      </a:defRPr>
+    </a:lvl9pPr>
+  </p:notesStyle>
+</p:notesMaster>
+</file>
+
+<file path=ppt/notesSlides/notesSlide1.xml><?xml version="1.0" encoding="utf-8"?>
+<p:notes xmlns:a="http://schemas.openxmlformats.org/drawingml/2006/main" xmlns:r="http://schemas.openxmlformats.org/officeDocument/2006/relationships" xmlns:p="http://schemas.openxmlformats.org/presentationml/2006/main">
+  <p:cSld>
+    <p:spTree>
+      <p:nvGrpSpPr>
+        <p:cNvPr id="1" name=""/>
+        <p:cNvGrpSpPr/>
+        <p:nvPr/>
+      </p:nvGrpSpPr>
+      <p:grpSpPr>
+        <a:xfrm>
+          <a:off x="0" y="0"/>
+          <a:ext cx="0" cy="0"/>
+          <a:chOff x="0" y="0"/>
+          <a:chExt cx="0" cy="0"/>
+        </a:xfrm>
+      </p:grpSpPr>
+      <p:sp>
+        <p:nvSpPr>
+          <p:cNvPr id="2" name="Slide Image Placeholder 1"/>
+          <p:cNvSpPr>
+            <a:spLocks noGrp="1" noRot="1" noChangeAspect="1"/>
+          </p:cNvSpPr>
+          <p:nvPr>
+            <p:ph type="sldImg"/>
+          </p:nvPr>
+        </p:nvSpPr>
+        <p:spPr/>
+      </p:sp>
+      <p:sp>
+        <p:nvSpPr>
+          <p:cNvPr id="3" name="Notes Placeholder 2"/>
+          <p:cNvSpPr>
+            <a:spLocks noGrp="1"/>
+          </p:cNvSpPr>
+          <p:nvPr>
+            <p:ph type="body" idx="1"/>
+          </p:nvPr>
+        </p:nvSpPr>
+        <p:spPr/>
+        <p:txBody>
+          <a:bodyPr/>
+          <a:lstStyle/>
+          <a:p>
+            <a:r>
+              <a:rPr lang="en-US" dirty="0" err="1"/>
+              <a:t>rafsan</a:t>
+            </a:r>
+            <a:endParaRPr lang="en-US" dirty="0"/>
+          </a:p>
+        </p:txBody>
+      </p:sp>
+      <p:sp>
+        <p:nvSpPr>
+          <p:cNvPr id="4" name="Slide Number Placeholder 3"/>
+          <p:cNvSpPr>
+            <a:spLocks noGrp="1"/>
+          </p:cNvSpPr>
+          <p:nvPr>
+            <p:ph type="sldNum" sz="quarter" idx="5"/>
+          </p:nvPr>
+        </p:nvSpPr>
+        <p:spPr/>
+        <p:txBody>
+          <a:bodyPr/>
+          <a:lstStyle/>
+          <a:p>
+            <a:fld id="{FB5568DF-65DF-2B41-8D1E-CDDDA9697DE5}" type="slidenum">
+              <a:rPr lang="en-US" smtClean="0"/>
+              <a:t>2</a:t>
+            </a:fld>
+            <a:endParaRPr lang="en-US"/>
+          </a:p>
+        </p:txBody>
+      </p:sp>
+    </p:spTree>
+    <p:extLst>
+      <p:ext uri="{BB962C8B-B14F-4D97-AF65-F5344CB8AC3E}">
+        <p14:creationId xmlns:p14="http://schemas.microsoft.com/office/powerpoint/2010/main" val="68489276"/>
+      </p:ext>
+    </p:extLst>
+  </p:cSld>
+  <p:clrMapOvr>
+    <a:masterClrMapping/>
+  </p:clrMapOvr>
+</p:notes>
+</file>
+
+<file path=ppt/notesSlides/notesSlide10.xml><?xml version="1.0" encoding="utf-8"?>
+<p:notes xmlns:a="http://schemas.openxmlformats.org/drawingml/2006/main" xmlns:r="http://schemas.openxmlformats.org/officeDocument/2006/relationships" xmlns:p="http://schemas.openxmlformats.org/presentationml/2006/main">
+  <p:cSld>
+    <p:spTree>
+      <p:nvGrpSpPr>
+        <p:cNvPr id="1" name=""/>
+        <p:cNvGrpSpPr/>
+        <p:nvPr/>
+      </p:nvGrpSpPr>
+      <p:grpSpPr>
+        <a:xfrm>
+          <a:off x="0" y="0"/>
+          <a:ext cx="0" cy="0"/>
+          <a:chOff x="0" y="0"/>
+          <a:chExt cx="0" cy="0"/>
+        </a:xfrm>
+      </p:grpSpPr>
+      <p:sp>
+        <p:nvSpPr>
+          <p:cNvPr id="2" name="Slide Image Placeholder 1"/>
+          <p:cNvSpPr>
+            <a:spLocks noGrp="1" noRot="1" noChangeAspect="1"/>
+          </p:cNvSpPr>
+          <p:nvPr>
+            <p:ph type="sldImg"/>
+          </p:nvPr>
+        </p:nvSpPr>
+        <p:spPr/>
+      </p:sp>
+      <p:sp>
+        <p:nvSpPr>
+          <p:cNvPr id="3" name="Notes Placeholder 2"/>
+          <p:cNvSpPr>
+            <a:spLocks noGrp="1"/>
+          </p:cNvSpPr>
+          <p:nvPr>
+            <p:ph type="body" idx="1"/>
+          </p:nvPr>
+        </p:nvSpPr>
+        <p:spPr/>
+        <p:txBody>
+          <a:bodyPr/>
+          <a:lstStyle/>
+          <a:p>
+            <a:r>
+              <a:rPr lang="en-US" dirty="0" err="1"/>
+              <a:t>avishek</a:t>
+            </a:r>
+            <a:endParaRPr lang="en-US" dirty="0"/>
+          </a:p>
+        </p:txBody>
+      </p:sp>
+      <p:sp>
+        <p:nvSpPr>
+          <p:cNvPr id="4" name="Slide Number Placeholder 3"/>
+          <p:cNvSpPr>
+            <a:spLocks noGrp="1"/>
+          </p:cNvSpPr>
+          <p:nvPr>
+            <p:ph type="sldNum" sz="quarter" idx="5"/>
+          </p:nvPr>
+        </p:nvSpPr>
+        <p:spPr/>
+        <p:txBody>
+          <a:bodyPr/>
+          <a:lstStyle/>
+          <a:p>
+            <a:fld id="{FB5568DF-65DF-2B41-8D1E-CDDDA9697DE5}" type="slidenum">
+              <a:rPr lang="en-US" smtClean="0"/>
+              <a:t>12</a:t>
+            </a:fld>
+            <a:endParaRPr lang="en-US"/>
+          </a:p>
+        </p:txBody>
+      </p:sp>
+    </p:spTree>
+    <p:extLst>
+      <p:ext uri="{BB962C8B-B14F-4D97-AF65-F5344CB8AC3E}">
+        <p14:creationId xmlns:p14="http://schemas.microsoft.com/office/powerpoint/2010/main" val="4195594144"/>
+      </p:ext>
+    </p:extLst>
+  </p:cSld>
+  <p:clrMapOvr>
+    <a:masterClrMapping/>
+  </p:clrMapOvr>
+</p:notes>
+</file>
+
+<file path=ppt/notesSlides/notesSlide11.xml><?xml version="1.0" encoding="utf-8"?>
+<p:notes xmlns:a="http://schemas.openxmlformats.org/drawingml/2006/main" xmlns:r="http://schemas.openxmlformats.org/officeDocument/2006/relationships" xmlns:p="http://schemas.openxmlformats.org/presentationml/2006/main">
+  <p:cSld>
+    <p:spTree>
+      <p:nvGrpSpPr>
+        <p:cNvPr id="1" name=""/>
+        <p:cNvGrpSpPr/>
+        <p:nvPr/>
+      </p:nvGrpSpPr>
+      <p:grpSpPr>
+        <a:xfrm>
+          <a:off x="0" y="0"/>
+          <a:ext cx="0" cy="0"/>
+          <a:chOff x="0" y="0"/>
+          <a:chExt cx="0" cy="0"/>
+        </a:xfrm>
+      </p:grpSpPr>
+      <p:sp>
+        <p:nvSpPr>
+          <p:cNvPr id="2" name="Slide Image Placeholder 1"/>
+          <p:cNvSpPr>
+            <a:spLocks noGrp="1" noRot="1" noChangeAspect="1"/>
+          </p:cNvSpPr>
+          <p:nvPr>
+            <p:ph type="sldImg"/>
+          </p:nvPr>
+        </p:nvSpPr>
+        <p:spPr/>
+      </p:sp>
+      <p:sp>
+        <p:nvSpPr>
+          <p:cNvPr id="3" name="Notes Placeholder 2"/>
+          <p:cNvSpPr>
+            <a:spLocks noGrp="1"/>
+          </p:cNvSpPr>
+          <p:nvPr>
+            <p:ph type="body" idx="1"/>
+          </p:nvPr>
+        </p:nvSpPr>
+        <p:spPr/>
+        <p:txBody>
+          <a:bodyPr/>
+          <a:lstStyle/>
+          <a:p>
+            <a:r>
+              <a:rPr lang="en-US" dirty="0"/>
+              <a:t>ishrak</a:t>
+            </a:r>
+          </a:p>
+        </p:txBody>
+      </p:sp>
+      <p:sp>
+        <p:nvSpPr>
+          <p:cNvPr id="4" name="Slide Number Placeholder 3"/>
+          <p:cNvSpPr>
+            <a:spLocks noGrp="1"/>
+          </p:cNvSpPr>
+          <p:nvPr>
+            <p:ph type="sldNum" sz="quarter" idx="5"/>
+          </p:nvPr>
+        </p:nvSpPr>
+        <p:spPr/>
+        <p:txBody>
+          <a:bodyPr/>
+          <a:lstStyle/>
+          <a:p>
+            <a:fld id="{FB5568DF-65DF-2B41-8D1E-CDDDA9697DE5}" type="slidenum">
+              <a:rPr lang="en-US" smtClean="0"/>
+              <a:t>13</a:t>
+            </a:fld>
+            <a:endParaRPr lang="en-US"/>
+          </a:p>
+        </p:txBody>
+      </p:sp>
+    </p:spTree>
+    <p:extLst>
+      <p:ext uri="{BB962C8B-B14F-4D97-AF65-F5344CB8AC3E}">
+        <p14:creationId xmlns:p14="http://schemas.microsoft.com/office/powerpoint/2010/main" val="2695588841"/>
+      </p:ext>
+    </p:extLst>
+  </p:cSld>
+  <p:clrMapOvr>
+    <a:masterClrMapping/>
+  </p:clrMapOvr>
+</p:notes>
+</file>
+
+<file path=ppt/notesSlides/notesSlide12.xml><?xml version="1.0" encoding="utf-8"?>
+<p:notes xmlns:a="http://schemas.openxmlformats.org/drawingml/2006/main" xmlns:r="http://schemas.openxmlformats.org/officeDocument/2006/relationships" xmlns:p="http://schemas.openxmlformats.org/presentationml/2006/main">
+  <p:cSld>
+    <p:spTree>
+      <p:nvGrpSpPr>
+        <p:cNvPr id="1" name=""/>
+        <p:cNvGrpSpPr/>
+        <p:nvPr/>
+      </p:nvGrpSpPr>
+      <p:grpSpPr>
+        <a:xfrm>
+          <a:off x="0" y="0"/>
+          <a:ext cx="0" cy="0"/>
+          <a:chOff x="0" y="0"/>
+          <a:chExt cx="0" cy="0"/>
+        </a:xfrm>
+      </p:grpSpPr>
+      <p:sp>
+        <p:nvSpPr>
+          <p:cNvPr id="2" name="Slide Image Placeholder 1"/>
+          <p:cNvSpPr>
+            <a:spLocks noGrp="1" noRot="1" noChangeAspect="1"/>
+          </p:cNvSpPr>
+          <p:nvPr>
+            <p:ph type="sldImg"/>
+          </p:nvPr>
+        </p:nvSpPr>
+        <p:spPr/>
+      </p:sp>
+      <p:sp>
+        <p:nvSpPr>
+          <p:cNvPr id="3" name="Notes Placeholder 2"/>
+          <p:cNvSpPr>
+            <a:spLocks noGrp="1"/>
+          </p:cNvSpPr>
+          <p:nvPr>
+            <p:ph type="body" idx="1"/>
+          </p:nvPr>
+        </p:nvSpPr>
+        <p:spPr/>
+        <p:txBody>
+          <a:bodyPr/>
+          <a:lstStyle/>
+          <a:p>
+            <a:r>
+              <a:rPr lang="en-US" dirty="0" err="1"/>
+              <a:t>nandy</a:t>
+            </a:r>
+            <a:endParaRPr lang="en-US" dirty="0"/>
+          </a:p>
+        </p:txBody>
+      </p:sp>
+      <p:sp>
+        <p:nvSpPr>
+          <p:cNvPr id="4" name="Slide Number Placeholder 3"/>
+          <p:cNvSpPr>
+            <a:spLocks noGrp="1"/>
+          </p:cNvSpPr>
+          <p:nvPr>
+            <p:ph type="sldNum" sz="quarter" idx="5"/>
+          </p:nvPr>
+        </p:nvSpPr>
+        <p:spPr/>
+        <p:txBody>
+          <a:bodyPr/>
+          <a:lstStyle/>
+          <a:p>
+            <a:fld id="{FB5568DF-65DF-2B41-8D1E-CDDDA9697DE5}" type="slidenum">
+              <a:rPr lang="en-US" smtClean="0"/>
+              <a:t>14</a:t>
+            </a:fld>
+            <a:endParaRPr lang="en-US"/>
+          </a:p>
+        </p:txBody>
+      </p:sp>
+    </p:spTree>
+    <p:extLst>
+      <p:ext uri="{BB962C8B-B14F-4D97-AF65-F5344CB8AC3E}">
+        <p14:creationId xmlns:p14="http://schemas.microsoft.com/office/powerpoint/2010/main" val="614633605"/>
+      </p:ext>
+    </p:extLst>
+  </p:cSld>
+  <p:clrMapOvr>
+    <a:masterClrMapping/>
+  </p:clrMapOvr>
+</p:notes>
+</file>
+
+<file path=ppt/notesSlides/notesSlide2.xml><?xml version="1.0" encoding="utf-8"?>
+<p:notes xmlns:a="http://schemas.openxmlformats.org/drawingml/2006/main" xmlns:r="http://schemas.openxmlformats.org/officeDocument/2006/relationships" xmlns:p="http://schemas.openxmlformats.org/presentationml/2006/main">
+  <p:cSld>
+    <p:spTree>
+      <p:nvGrpSpPr>
+        <p:cNvPr id="1" name=""/>
+        <p:cNvGrpSpPr/>
+        <p:nvPr/>
+      </p:nvGrpSpPr>
+      <p:grpSpPr>
+        <a:xfrm>
+          <a:off x="0" y="0"/>
+          <a:ext cx="0" cy="0"/>
+          <a:chOff x="0" y="0"/>
+          <a:chExt cx="0" cy="0"/>
+        </a:xfrm>
+      </p:grpSpPr>
+      <p:sp>
+        <p:nvSpPr>
+          <p:cNvPr id="2" name="Slide Image Placeholder 1"/>
+          <p:cNvSpPr>
+            <a:spLocks noGrp="1" noRot="1" noChangeAspect="1"/>
+          </p:cNvSpPr>
+          <p:nvPr>
+            <p:ph type="sldImg"/>
+          </p:nvPr>
+        </p:nvSpPr>
+        <p:spPr/>
+      </p:sp>
+      <p:sp>
+        <p:nvSpPr>
+          <p:cNvPr id="3" name="Notes Placeholder 2"/>
+          <p:cNvSpPr>
+            <a:spLocks noGrp="1"/>
+          </p:cNvSpPr>
+          <p:nvPr>
+            <p:ph type="body" idx="1"/>
+          </p:nvPr>
+        </p:nvSpPr>
+        <p:spPr/>
+        <p:txBody>
+          <a:bodyPr/>
+          <a:lstStyle/>
+          <a:p>
+            <a:r>
+              <a:rPr lang="en-US" dirty="0" err="1"/>
+              <a:t>rafsan</a:t>
+            </a:r>
+            <a:endParaRPr lang="en-US" dirty="0"/>
+          </a:p>
+        </p:txBody>
+      </p:sp>
+      <p:sp>
+        <p:nvSpPr>
+          <p:cNvPr id="4" name="Slide Number Placeholder 3"/>
+          <p:cNvSpPr>
+            <a:spLocks noGrp="1"/>
+          </p:cNvSpPr>
+          <p:nvPr>
+            <p:ph type="sldNum" sz="quarter" idx="5"/>
+          </p:nvPr>
+        </p:nvSpPr>
+        <p:spPr/>
+        <p:txBody>
+          <a:bodyPr/>
+          <a:lstStyle/>
+          <a:p>
+            <a:fld id="{FB5568DF-65DF-2B41-8D1E-CDDDA9697DE5}" type="slidenum">
+              <a:rPr lang="en-US" smtClean="0"/>
+              <a:t>3</a:t>
+            </a:fld>
+            <a:endParaRPr lang="en-US"/>
+          </a:p>
+        </p:txBody>
+      </p:sp>
+    </p:spTree>
+    <p:extLst>
+      <p:ext uri="{BB962C8B-B14F-4D97-AF65-F5344CB8AC3E}">
+        <p14:creationId xmlns:p14="http://schemas.microsoft.com/office/powerpoint/2010/main" val="1064758534"/>
+      </p:ext>
+    </p:extLst>
+  </p:cSld>
+  <p:clrMapOvr>
+    <a:masterClrMapping/>
+  </p:clrMapOvr>
+</p:notes>
+</file>
+
+<file path=ppt/notesSlides/notesSlide3.xml><?xml version="1.0" encoding="utf-8"?>
+<p:notes xmlns:a="http://schemas.openxmlformats.org/drawingml/2006/main" xmlns:r="http://schemas.openxmlformats.org/officeDocument/2006/relationships" xmlns:p="http://schemas.openxmlformats.org/presentationml/2006/main">
+  <p:cSld>
+    <p:spTree>
+      <p:nvGrpSpPr>
+        <p:cNvPr id="1" name=""/>
+        <p:cNvGrpSpPr/>
+        <p:nvPr/>
+      </p:nvGrpSpPr>
+      <p:grpSpPr>
+        <a:xfrm>
+          <a:off x="0" y="0"/>
+          <a:ext cx="0" cy="0"/>
+          <a:chOff x="0" y="0"/>
+          <a:chExt cx="0" cy="0"/>
+        </a:xfrm>
+      </p:grpSpPr>
+      <p:sp>
+        <p:nvSpPr>
+          <p:cNvPr id="2" name="Slide Image Placeholder 1"/>
+          <p:cNvSpPr>
+            <a:spLocks noGrp="1" noRot="1" noChangeAspect="1"/>
+          </p:cNvSpPr>
+          <p:nvPr>
+            <p:ph type="sldImg"/>
+          </p:nvPr>
+        </p:nvSpPr>
+        <p:spPr/>
+      </p:sp>
+      <p:sp>
+        <p:nvSpPr>
+          <p:cNvPr id="3" name="Notes Placeholder 2"/>
+          <p:cNvSpPr>
+            <a:spLocks noGrp="1"/>
+          </p:cNvSpPr>
+          <p:nvPr>
+            <p:ph type="body" idx="1"/>
+          </p:nvPr>
+        </p:nvSpPr>
+        <p:spPr/>
+        <p:txBody>
+          <a:bodyPr/>
+          <a:lstStyle/>
+          <a:p>
+            <a:r>
+              <a:rPr lang="en-US" dirty="0" err="1"/>
+              <a:t>rafsan</a:t>
+            </a:r>
+            <a:endParaRPr lang="en-US" dirty="0"/>
+          </a:p>
+        </p:txBody>
+      </p:sp>
+      <p:sp>
+        <p:nvSpPr>
+          <p:cNvPr id="4" name="Slide Number Placeholder 3"/>
+          <p:cNvSpPr>
+            <a:spLocks noGrp="1"/>
+          </p:cNvSpPr>
+          <p:nvPr>
+            <p:ph type="sldNum" sz="quarter" idx="5"/>
+          </p:nvPr>
+        </p:nvSpPr>
+        <p:spPr/>
+        <p:txBody>
+          <a:bodyPr/>
+          <a:lstStyle/>
+          <a:p>
+            <a:fld id="{FB5568DF-65DF-2B41-8D1E-CDDDA9697DE5}" type="slidenum">
+              <a:rPr lang="en-US" smtClean="0"/>
+              <a:t>4</a:t>
+            </a:fld>
+            <a:endParaRPr lang="en-US"/>
+          </a:p>
+        </p:txBody>
+      </p:sp>
+    </p:spTree>
+    <p:extLst>
+      <p:ext uri="{BB962C8B-B14F-4D97-AF65-F5344CB8AC3E}">
+        <p14:creationId xmlns:p14="http://schemas.microsoft.com/office/powerpoint/2010/main" val="2900514446"/>
+      </p:ext>
+    </p:extLst>
+  </p:cSld>
+  <p:clrMapOvr>
+    <a:masterClrMapping/>
+  </p:clrMapOvr>
+</p:notes>
+</file>
+
+<file path=ppt/notesSlides/notesSlide4.xml><?xml version="1.0" encoding="utf-8"?>
+<p:notes xmlns:a="http://schemas.openxmlformats.org/drawingml/2006/main" xmlns:r="http://schemas.openxmlformats.org/officeDocument/2006/relationships" xmlns:p="http://schemas.openxmlformats.org/presentationml/2006/main">
+  <p:cSld>
+    <p:spTree>
+      <p:nvGrpSpPr>
+        <p:cNvPr id="1" name=""/>
+        <p:cNvGrpSpPr/>
+        <p:nvPr/>
+      </p:nvGrpSpPr>
+      <p:grpSpPr>
+        <a:xfrm>
+          <a:off x="0" y="0"/>
+          <a:ext cx="0" cy="0"/>
+          <a:chOff x="0" y="0"/>
+          <a:chExt cx="0" cy="0"/>
+        </a:xfrm>
+      </p:grpSpPr>
+      <p:sp>
+        <p:nvSpPr>
+          <p:cNvPr id="2" name="Slide Image Placeholder 1"/>
+          <p:cNvSpPr>
+            <a:spLocks noGrp="1" noRot="1" noChangeAspect="1"/>
+          </p:cNvSpPr>
+          <p:nvPr>
+            <p:ph type="sldImg"/>
+          </p:nvPr>
+        </p:nvSpPr>
+        <p:spPr/>
+      </p:sp>
+      <p:sp>
+        <p:nvSpPr>
+          <p:cNvPr id="3" name="Notes Placeholder 2"/>
+          <p:cNvSpPr>
+            <a:spLocks noGrp="1"/>
+          </p:cNvSpPr>
+          <p:nvPr>
+            <p:ph type="body" idx="1"/>
+          </p:nvPr>
+        </p:nvSpPr>
+        <p:spPr/>
+        <p:txBody>
+          <a:bodyPr/>
+          <a:lstStyle/>
+          <a:p>
+            <a:r>
+              <a:rPr lang="en-US"/>
+              <a:t>nandy</a:t>
+            </a:r>
+            <a:endParaRPr lang="en-US" dirty="0"/>
+          </a:p>
+        </p:txBody>
+      </p:sp>
+      <p:sp>
+        <p:nvSpPr>
+          <p:cNvPr id="4" name="Slide Number Placeholder 3"/>
+          <p:cNvSpPr>
+            <a:spLocks noGrp="1"/>
+          </p:cNvSpPr>
+          <p:nvPr>
+            <p:ph type="sldNum" sz="quarter" idx="5"/>
+          </p:nvPr>
+        </p:nvSpPr>
+        <p:spPr/>
+        <p:txBody>
+          <a:bodyPr/>
+          <a:lstStyle/>
+          <a:p>
+            <a:fld id="{FB5568DF-65DF-2B41-8D1E-CDDDA9697DE5}" type="slidenum">
+              <a:rPr lang="en-US" smtClean="0"/>
+              <a:t>5</a:t>
+            </a:fld>
+            <a:endParaRPr lang="en-US"/>
+          </a:p>
+        </p:txBody>
+      </p:sp>
+    </p:spTree>
+    <p:extLst>
+      <p:ext uri="{BB962C8B-B14F-4D97-AF65-F5344CB8AC3E}">
+        <p14:creationId xmlns:p14="http://schemas.microsoft.com/office/powerpoint/2010/main" val="3020900518"/>
+      </p:ext>
+    </p:extLst>
+  </p:cSld>
+  <p:clrMapOvr>
+    <a:masterClrMapping/>
+  </p:clrMapOvr>
+</p:notes>
+</file>
+
+<file path=ppt/notesSlides/notesSlide5.xml><?xml version="1.0" encoding="utf-8"?>
+<p:notes xmlns:a="http://schemas.openxmlformats.org/drawingml/2006/main" xmlns:r="http://schemas.openxmlformats.org/officeDocument/2006/relationships" xmlns:p="http://schemas.openxmlformats.org/presentationml/2006/main">
+  <p:cSld>
+    <p:spTree>
+      <p:nvGrpSpPr>
+        <p:cNvPr id="1" name=""/>
+        <p:cNvGrpSpPr/>
+        <p:nvPr/>
+      </p:nvGrpSpPr>
+      <p:grpSpPr>
+        <a:xfrm>
+          <a:off x="0" y="0"/>
+          <a:ext cx="0" cy="0"/>
+          <a:chOff x="0" y="0"/>
+          <a:chExt cx="0" cy="0"/>
+        </a:xfrm>
+      </p:grpSpPr>
+      <p:sp>
+        <p:nvSpPr>
+          <p:cNvPr id="2" name="Slide Image Placeholder 1"/>
+          <p:cNvSpPr>
+            <a:spLocks noGrp="1" noRot="1" noChangeAspect="1"/>
+          </p:cNvSpPr>
+          <p:nvPr>
+            <p:ph type="sldImg"/>
+          </p:nvPr>
+        </p:nvSpPr>
+        <p:spPr/>
+      </p:sp>
+      <p:sp>
+        <p:nvSpPr>
+          <p:cNvPr id="3" name="Notes Placeholder 2"/>
+          <p:cNvSpPr>
+            <a:spLocks noGrp="1"/>
+          </p:cNvSpPr>
+          <p:nvPr>
+            <p:ph type="body" idx="1"/>
+          </p:nvPr>
+        </p:nvSpPr>
+        <p:spPr/>
+        <p:txBody>
+          <a:bodyPr/>
+          <a:lstStyle/>
+          <a:p>
+            <a:r>
+              <a:rPr lang="en-US" dirty="0" err="1"/>
+              <a:t>nandy</a:t>
+            </a:r>
+            <a:endParaRPr lang="en-US" dirty="0"/>
+          </a:p>
+        </p:txBody>
+      </p:sp>
+      <p:sp>
+        <p:nvSpPr>
+          <p:cNvPr id="4" name="Slide Number Placeholder 3"/>
+          <p:cNvSpPr>
+            <a:spLocks noGrp="1"/>
+          </p:cNvSpPr>
+          <p:nvPr>
+            <p:ph type="sldNum" sz="quarter" idx="5"/>
+          </p:nvPr>
+        </p:nvSpPr>
+        <p:spPr/>
+        <p:txBody>
+          <a:bodyPr/>
+          <a:lstStyle/>
+          <a:p>
+            <a:fld id="{FB5568DF-65DF-2B41-8D1E-CDDDA9697DE5}" type="slidenum">
+              <a:rPr lang="en-US" smtClean="0"/>
+              <a:t>6</a:t>
+            </a:fld>
+            <a:endParaRPr lang="en-US"/>
+          </a:p>
+        </p:txBody>
+      </p:sp>
+    </p:spTree>
+    <p:extLst>
+      <p:ext uri="{BB962C8B-B14F-4D97-AF65-F5344CB8AC3E}">
+        <p14:creationId xmlns:p14="http://schemas.microsoft.com/office/powerpoint/2010/main" val="2872133433"/>
+      </p:ext>
+    </p:extLst>
+  </p:cSld>
+  <p:clrMapOvr>
+    <a:masterClrMapping/>
+  </p:clrMapOvr>
+</p:notes>
+</file>
+
+<file path=ppt/notesSlides/notesSlide6.xml><?xml version="1.0" encoding="utf-8"?>
+<p:notes xmlns:a="http://schemas.openxmlformats.org/drawingml/2006/main" xmlns:r="http://schemas.openxmlformats.org/officeDocument/2006/relationships" xmlns:p="http://schemas.openxmlformats.org/presentationml/2006/main">
+  <p:cSld>
+    <p:spTree>
+      <p:nvGrpSpPr>
+        <p:cNvPr id="1" name=""/>
+        <p:cNvGrpSpPr/>
+        <p:nvPr/>
+      </p:nvGrpSpPr>
+      <p:grpSpPr>
+        <a:xfrm>
+          <a:off x="0" y="0"/>
+          <a:ext cx="0" cy="0"/>
+          <a:chOff x="0" y="0"/>
+          <a:chExt cx="0" cy="0"/>
+        </a:xfrm>
+      </p:grpSpPr>
+      <p:sp>
+        <p:nvSpPr>
+          <p:cNvPr id="2" name="Slide Image Placeholder 1"/>
+          <p:cNvSpPr>
+            <a:spLocks noGrp="1" noRot="1" noChangeAspect="1"/>
+          </p:cNvSpPr>
+          <p:nvPr>
+            <p:ph type="sldImg"/>
+          </p:nvPr>
+        </p:nvSpPr>
+        <p:spPr/>
+      </p:sp>
+      <p:sp>
+        <p:nvSpPr>
+          <p:cNvPr id="3" name="Notes Placeholder 2"/>
+          <p:cNvSpPr>
+            <a:spLocks noGrp="1"/>
+          </p:cNvSpPr>
+          <p:nvPr>
+            <p:ph type="body" idx="1"/>
+          </p:nvPr>
+        </p:nvSpPr>
+        <p:spPr/>
+        <p:txBody>
+          <a:bodyPr/>
+          <a:lstStyle/>
+          <a:p>
+            <a:r>
+              <a:rPr lang="en-US" dirty="0" err="1"/>
+              <a:t>avishek</a:t>
+            </a:r>
+            <a:endParaRPr lang="en-US" dirty="0"/>
+          </a:p>
+        </p:txBody>
+      </p:sp>
+      <p:sp>
+        <p:nvSpPr>
+          <p:cNvPr id="4" name="Slide Number Placeholder 3"/>
+          <p:cNvSpPr>
+            <a:spLocks noGrp="1"/>
+          </p:cNvSpPr>
+          <p:nvPr>
+            <p:ph type="sldNum" sz="quarter" idx="5"/>
+          </p:nvPr>
+        </p:nvSpPr>
+        <p:spPr/>
+        <p:txBody>
+          <a:bodyPr/>
+          <a:lstStyle/>
+          <a:p>
+            <a:fld id="{FB5568DF-65DF-2B41-8D1E-CDDDA9697DE5}" type="slidenum">
+              <a:rPr lang="en-US" smtClean="0"/>
+              <a:t>7</a:t>
+            </a:fld>
+            <a:endParaRPr lang="en-US"/>
+          </a:p>
+        </p:txBody>
+      </p:sp>
+    </p:spTree>
+    <p:extLst>
+      <p:ext uri="{BB962C8B-B14F-4D97-AF65-F5344CB8AC3E}">
+        <p14:creationId xmlns:p14="http://schemas.microsoft.com/office/powerpoint/2010/main" val="4197241200"/>
+      </p:ext>
+    </p:extLst>
+  </p:cSld>
+  <p:clrMapOvr>
+    <a:masterClrMapping/>
+  </p:clrMapOvr>
+</p:notes>
+</file>
+
+<file path=ppt/notesSlides/notesSlide7.xml><?xml version="1.0" encoding="utf-8"?>
+<p:notes xmlns:a="http://schemas.openxmlformats.org/drawingml/2006/main" xmlns:r="http://schemas.openxmlformats.org/officeDocument/2006/relationships" xmlns:p="http://schemas.openxmlformats.org/presentationml/2006/main">
+  <p:cSld>
+    <p:spTree>
+      <p:nvGrpSpPr>
+        <p:cNvPr id="1" name=""/>
+        <p:cNvGrpSpPr/>
+        <p:nvPr/>
+      </p:nvGrpSpPr>
+      <p:grpSpPr>
+        <a:xfrm>
+          <a:off x="0" y="0"/>
+          <a:ext cx="0" cy="0"/>
+          <a:chOff x="0" y="0"/>
+          <a:chExt cx="0" cy="0"/>
+        </a:xfrm>
+      </p:grpSpPr>
+      <p:sp>
+        <p:nvSpPr>
+          <p:cNvPr id="2" name="Slide Image Placeholder 1"/>
+          <p:cNvSpPr>
+            <a:spLocks noGrp="1" noRot="1" noChangeAspect="1"/>
+          </p:cNvSpPr>
+          <p:nvPr>
+            <p:ph type="sldImg"/>
+          </p:nvPr>
+        </p:nvSpPr>
+        <p:spPr/>
+      </p:sp>
+      <p:sp>
+        <p:nvSpPr>
+          <p:cNvPr id="3" name="Notes Placeholder 2"/>
+          <p:cNvSpPr>
+            <a:spLocks noGrp="1"/>
+          </p:cNvSpPr>
+          <p:nvPr>
+            <p:ph type="body" idx="1"/>
+          </p:nvPr>
+        </p:nvSpPr>
+        <p:spPr/>
+        <p:txBody>
+          <a:bodyPr/>
+          <a:lstStyle/>
+          <a:p>
+            <a:r>
+              <a:rPr lang="en-US" dirty="0" err="1"/>
+              <a:t>avishek</a:t>
+            </a:r>
+            <a:endParaRPr lang="en-US" dirty="0"/>
+          </a:p>
+        </p:txBody>
+      </p:sp>
+      <p:sp>
+        <p:nvSpPr>
+          <p:cNvPr id="4" name="Slide Number Placeholder 3"/>
+          <p:cNvSpPr>
+            <a:spLocks noGrp="1"/>
+          </p:cNvSpPr>
+          <p:nvPr>
+            <p:ph type="sldNum" sz="quarter" idx="5"/>
+          </p:nvPr>
+        </p:nvSpPr>
+        <p:spPr/>
+        <p:txBody>
+          <a:bodyPr/>
+          <a:lstStyle/>
+          <a:p>
+            <a:fld id="{FB5568DF-65DF-2B41-8D1E-CDDDA9697DE5}" type="slidenum">
+              <a:rPr lang="en-US" smtClean="0"/>
+              <a:t>8</a:t>
+            </a:fld>
+            <a:endParaRPr lang="en-US"/>
+          </a:p>
+        </p:txBody>
+      </p:sp>
+    </p:spTree>
+    <p:extLst>
+      <p:ext uri="{BB962C8B-B14F-4D97-AF65-F5344CB8AC3E}">
+        <p14:creationId xmlns:p14="http://schemas.microsoft.com/office/powerpoint/2010/main" val="499752217"/>
+      </p:ext>
+    </p:extLst>
+  </p:cSld>
+  <p:clrMapOvr>
+    <a:masterClrMapping/>
+  </p:clrMapOvr>
+</p:notes>
+</file>
+
+<file path=ppt/notesSlides/notesSlide8.xml><?xml version="1.0" encoding="utf-8"?>
+<p:notes xmlns:a="http://schemas.openxmlformats.org/drawingml/2006/main" xmlns:r="http://schemas.openxmlformats.org/officeDocument/2006/relationships" xmlns:p="http://schemas.openxmlformats.org/presentationml/2006/main">
+  <p:cSld>
+    <p:spTree>
+      <p:nvGrpSpPr>
+        <p:cNvPr id="1" name=""/>
+        <p:cNvGrpSpPr/>
+        <p:nvPr/>
+      </p:nvGrpSpPr>
+      <p:grpSpPr>
+        <a:xfrm>
+          <a:off x="0" y="0"/>
+          <a:ext cx="0" cy="0"/>
+          <a:chOff x="0" y="0"/>
+          <a:chExt cx="0" cy="0"/>
+        </a:xfrm>
+      </p:grpSpPr>
+      <p:sp>
+        <p:nvSpPr>
+          <p:cNvPr id="2" name="Slide Image Placeholder 1"/>
+          <p:cNvSpPr>
+            <a:spLocks noGrp="1" noRot="1" noChangeAspect="1"/>
+          </p:cNvSpPr>
+          <p:nvPr>
+            <p:ph type="sldImg"/>
+          </p:nvPr>
+        </p:nvSpPr>
+        <p:spPr/>
+      </p:sp>
+      <p:sp>
+        <p:nvSpPr>
+          <p:cNvPr id="3" name="Notes Placeholder 2"/>
+          <p:cNvSpPr>
+            <a:spLocks noGrp="1"/>
+          </p:cNvSpPr>
+          <p:nvPr>
+            <p:ph type="body" idx="1"/>
+          </p:nvPr>
+        </p:nvSpPr>
+        <p:spPr/>
+        <p:txBody>
+          <a:bodyPr/>
+          <a:lstStyle/>
+          <a:p>
+            <a:r>
+              <a:rPr lang="en-US" dirty="0" err="1"/>
+              <a:t>avishek</a:t>
+            </a:r>
+            <a:endParaRPr lang="en-US" dirty="0"/>
+          </a:p>
+        </p:txBody>
+      </p:sp>
+      <p:sp>
+        <p:nvSpPr>
+          <p:cNvPr id="4" name="Slide Number Placeholder 3"/>
+          <p:cNvSpPr>
+            <a:spLocks noGrp="1"/>
+          </p:cNvSpPr>
+          <p:nvPr>
+            <p:ph type="sldNum" sz="quarter" idx="5"/>
+          </p:nvPr>
+        </p:nvSpPr>
+        <p:spPr/>
+        <p:txBody>
+          <a:bodyPr/>
+          <a:lstStyle/>
+          <a:p>
+            <a:fld id="{FB5568DF-65DF-2B41-8D1E-CDDDA9697DE5}" type="slidenum">
+              <a:rPr lang="en-US" smtClean="0"/>
+              <a:t>10</a:t>
+            </a:fld>
+            <a:endParaRPr lang="en-US"/>
+          </a:p>
+        </p:txBody>
+      </p:sp>
+    </p:spTree>
+    <p:extLst>
+      <p:ext uri="{BB962C8B-B14F-4D97-AF65-F5344CB8AC3E}">
+        <p14:creationId xmlns:p14="http://schemas.microsoft.com/office/powerpoint/2010/main" val="1111777083"/>
+      </p:ext>
+    </p:extLst>
+  </p:cSld>
+  <p:clrMapOvr>
+    <a:masterClrMapping/>
+  </p:clrMapOvr>
+</p:notes>
+</file>
+
+<file path=ppt/notesSlides/notesSlide9.xml><?xml version="1.0" encoding="utf-8"?>
+<p:notes xmlns:a="http://schemas.openxmlformats.org/drawingml/2006/main" xmlns:r="http://schemas.openxmlformats.org/officeDocument/2006/relationships" xmlns:p="http://schemas.openxmlformats.org/presentationml/2006/main">
+  <p:cSld>
+    <p:spTree>
+      <p:nvGrpSpPr>
+        <p:cNvPr id="1" name=""/>
+        <p:cNvGrpSpPr/>
+        <p:nvPr/>
+      </p:nvGrpSpPr>
+      <p:grpSpPr>
+        <a:xfrm>
+          <a:off x="0" y="0"/>
+          <a:ext cx="0" cy="0"/>
+          <a:chOff x="0" y="0"/>
+          <a:chExt cx="0" cy="0"/>
+        </a:xfrm>
+      </p:grpSpPr>
+      <p:sp>
+        <p:nvSpPr>
+          <p:cNvPr id="2" name="Slide Image Placeholder 1"/>
+          <p:cNvSpPr>
+            <a:spLocks noGrp="1" noRot="1" noChangeAspect="1"/>
+          </p:cNvSpPr>
+          <p:nvPr>
+            <p:ph type="sldImg"/>
+          </p:nvPr>
+        </p:nvSpPr>
+        <p:spPr/>
+      </p:sp>
+      <p:sp>
+        <p:nvSpPr>
+          <p:cNvPr id="3" name="Notes Placeholder 2"/>
+          <p:cNvSpPr>
+            <a:spLocks noGrp="1"/>
+          </p:cNvSpPr>
+          <p:nvPr>
+            <p:ph type="body" idx="1"/>
+          </p:nvPr>
+        </p:nvSpPr>
+        <p:spPr/>
+        <p:txBody>
+          <a:bodyPr/>
+          <a:lstStyle/>
+          <a:p>
+            <a:r>
+              <a:rPr lang="en-US" dirty="0" err="1"/>
+              <a:t>mashroor</a:t>
+            </a:r>
+            <a:endParaRPr lang="en-US" dirty="0"/>
+          </a:p>
+        </p:txBody>
+      </p:sp>
+      <p:sp>
+        <p:nvSpPr>
+          <p:cNvPr id="4" name="Slide Number Placeholder 3"/>
+          <p:cNvSpPr>
+            <a:spLocks noGrp="1"/>
+          </p:cNvSpPr>
+          <p:nvPr>
+            <p:ph type="sldNum" sz="quarter" idx="5"/>
+          </p:nvPr>
+        </p:nvSpPr>
+        <p:spPr/>
+        <p:txBody>
+          <a:bodyPr/>
+          <a:lstStyle/>
+          <a:p>
+            <a:fld id="{FB5568DF-65DF-2B41-8D1E-CDDDA9697DE5}" type="slidenum">
+              <a:rPr lang="en-US" smtClean="0"/>
+              <a:t>11</a:t>
+            </a:fld>
+            <a:endParaRPr lang="en-US"/>
+          </a:p>
+        </p:txBody>
+      </p:sp>
+    </p:spTree>
+    <p:extLst>
+      <p:ext uri="{BB962C8B-B14F-4D97-AF65-F5344CB8AC3E}">
+        <p14:creationId xmlns:p14="http://schemas.microsoft.com/office/powerpoint/2010/main" val="1012438881"/>
+      </p:ext>
+    </p:extLst>
+  </p:cSld>
+  <p:clrMapOvr>
+    <a:masterClrMapping/>
+  </p:clrMapOvr>
+</p:notes>
 </file>
 
 <file path=ppt/slideLayouts/slideLayout1.xml><?xml version="1.0" encoding="utf-8"?>
@@ -5291,8 +6698,8 @@
         </p:nvSpPr>
         <p:spPr bwMode="auto">
           <a:xfrm>
-            <a:off x="914400" y="3466864"/>
-            <a:ext cx="7086600" cy="3970318"/>
+            <a:off x="914400" y="3251421"/>
+            <a:ext cx="7086600" cy="4401205"/>
           </a:xfrm>
           <a:prstGeom prst="rect">
             <a:avLst/>
@@ -5386,18 +6793,14 @@
               <a:tabLst/>
             </a:pPr>
             <a:r>
-              <a:rPr kumimoji="0" lang="en-US" altLang="en-US" sz="2800" b="1" i="0" u="none" strike="noStrike" cap="none" normalizeH="0" baseline="0" dirty="0">
-                <a:ln>
-                  <a:noFill/>
-                </a:ln>
+              <a:rPr lang="en-US" altLang="en-US" sz="2800" b="1" dirty="0">
                 <a:solidFill>
                   <a:schemeClr val="bg1"/>
                 </a:solidFill>
-                <a:effectLst/>
                 <a:latin typeface="Arial Bold"/>
                 <a:cs typeface="Arial Bold"/>
               </a:rPr>
-              <a:t>Mode-Based execution via </a:t>
+              <a:t>main() calls </a:t>
             </a:r>
             <a:r>
               <a:rPr kumimoji="0" lang="en-US" altLang="en-US" sz="2800" b="1" i="0" u="none" strike="noStrike" cap="none" normalizeH="0" baseline="0" dirty="0" err="1">
@@ -5425,7 +6828,7 @@
                 <a:latin typeface="Consolas" panose="020B0609020204030204" pitchFamily="49" charset="0"/>
                 <a:cs typeface="Arial Bold"/>
               </a:rPr>
-              <a:t>() </a:t>
+              <a:t>(mode) based on mode selected </a:t>
             </a:r>
           </a:p>
           <a:p>
@@ -8757,7 +10160,7 @@
             </a:pathLst>
           </a:custGeom>
           <a:blipFill>
-            <a:blip r:embed="rId2"/>
+            <a:blip r:embed="rId3"/>
             <a:stretch>
               <a:fillRect/>
             </a:stretch>
@@ -9535,7 +10938,7 @@
             </a:pathLst>
           </a:custGeom>
           <a:blipFill>
-            <a:blip r:embed="rId2"/>
+            <a:blip r:embed="rId3"/>
             <a:stretch>
               <a:fillRect t="-9222" b="-9222"/>
             </a:stretch>
@@ -10042,8 +11445,8 @@
         </p:nvSpPr>
         <p:spPr>
           <a:xfrm>
-            <a:off x="11240634" y="3703994"/>
-            <a:ext cx="4363491" cy="5917470"/>
+            <a:off x="10363200" y="3162300"/>
+            <a:ext cx="5240925" cy="6459164"/>
           </a:xfrm>
           <a:custGeom>
             <a:avLst/>
@@ -10073,7 +11476,7 @@
             </a:pathLst>
           </a:custGeom>
           <a:blipFill>
-            <a:blip r:embed="rId2"/>
+            <a:blip r:embed="rId3"/>
             <a:stretch>
               <a:fillRect/>
             </a:stretch>
@@ -10304,7 +11707,7 @@
             </a:pathLst>
           </a:custGeom>
           <a:blipFill>
-            <a:blip r:embed="rId2"/>
+            <a:blip r:embed="rId3"/>
             <a:stretch>
               <a:fillRect t="-9222" b="-9222"/>
             </a:stretch>
@@ -15340,4 +16743,319 @@
   <a:objectDefaults/>
   <a:extraClrSchemeLst/>
 </a:theme>
+</file>
+
+<file path=ppt/theme/theme2.xml><?xml version="1.0" encoding="utf-8"?>
+<a:theme xmlns:a="http://schemas.openxmlformats.org/drawingml/2006/main" name="Office Theme">
+  <a:themeElements>
+    <a:clrScheme name="Office">
+      <a:dk1>
+        <a:sysClr val="windowText" lastClr="000000"/>
+      </a:dk1>
+      <a:lt1>
+        <a:sysClr val="window" lastClr="FFFFFF"/>
+      </a:lt1>
+      <a:dk2>
+        <a:srgbClr val="0E2841"/>
+      </a:dk2>
+      <a:lt2>
+        <a:srgbClr val="E8E8E8"/>
+      </a:lt2>
+      <a:accent1>
+        <a:srgbClr val="156082"/>
+      </a:accent1>
+      <a:accent2>
+        <a:srgbClr val="E97132"/>
+      </a:accent2>
+      <a:accent3>
+        <a:srgbClr val="196B24"/>
+      </a:accent3>
+      <a:accent4>
+        <a:srgbClr val="0F9ED5"/>
+      </a:accent4>
+      <a:accent5>
+        <a:srgbClr val="A02B93"/>
+      </a:accent5>
+      <a:accent6>
+        <a:srgbClr val="4EA72E"/>
+      </a:accent6>
+      <a:hlink>
+        <a:srgbClr val="467886"/>
+      </a:hlink>
+      <a:folHlink>
+        <a:srgbClr val="96607D"/>
+      </a:folHlink>
+    </a:clrScheme>
+    <a:fontScheme name="Office">
+      <a:majorFont>
+        <a:latin typeface="Aptos Display" panose="02110004020202020204"/>
+        <a:ea typeface=""/>
+        <a:cs typeface=""/>
+        <a:font script="Jpan" typeface="游ゴシック Light"/>
+        <a:font script="Hang" typeface="맑은 고딕"/>
+        <a:font script="Hans" typeface="等线 Light"/>
+        <a:font script="Hant" typeface="新細明體"/>
+        <a:font script="Arab" typeface="Times New Roman"/>
+        <a:font script="Hebr" typeface="Times New Roman"/>
+        <a:font script="Thai" typeface="Angsana New"/>
+        <a:font script="Ethi" typeface="Nyala"/>
+        <a:font script="Beng" typeface="Vrinda"/>
+        <a:font script="Gujr" typeface="Shruti"/>
+        <a:font script="Khmr" typeface="MoolBoran"/>
+        <a:font script="Knda" typeface="Tunga"/>
+        <a:font script="Guru" typeface="Raavi"/>
+        <a:font script="Cans" typeface="Euphemia"/>
+        <a:font script="Cher" typeface="Plantagenet Cherokee"/>
+        <a:font script="Yiii" typeface="Microsoft Yi Baiti"/>
+        <a:font script="Tibt" typeface="Microsoft Himalaya"/>
+        <a:font script="Thaa" typeface="MV Boli"/>
+        <a:font script="Deva" typeface="Mangal"/>
+        <a:font script="Telu" typeface="Gautami"/>
+        <a:font script="Taml" typeface="Latha"/>
+        <a:font script="Syrc" typeface="Estrangelo Edessa"/>
+        <a:font script="Orya" typeface="Kalinga"/>
+        <a:font script="Mlym" typeface="Kartika"/>
+        <a:font script="Laoo" typeface="DokChampa"/>
+        <a:font script="Sinh" typeface="Iskoola Pota"/>
+        <a:font script="Mong" typeface="Mongolian Baiti"/>
+        <a:font script="Viet" typeface="Times New Roman"/>
+        <a:font script="Uigh" typeface="Microsoft Uighur"/>
+        <a:font script="Geor" typeface="Sylfaen"/>
+        <a:font script="Armn" typeface="Arial"/>
+        <a:font script="Bugi" typeface="Leelawadee UI"/>
+        <a:font script="Bopo" typeface="Microsoft JhengHei"/>
+        <a:font script="Java" typeface="Javanese Text"/>
+        <a:font script="Lisu" typeface="Segoe UI"/>
+        <a:font script="Mymr" typeface="Myanmar Text"/>
+        <a:font script="Nkoo" typeface="Ebrima"/>
+        <a:font script="Olck" typeface="Nirmala UI"/>
+        <a:font script="Osma" typeface="Ebrima"/>
+        <a:font script="Phag" typeface="Phagspa"/>
+        <a:font script="Syrn" typeface="Estrangelo Edessa"/>
+        <a:font script="Syrj" typeface="Estrangelo Edessa"/>
+        <a:font script="Syre" typeface="Estrangelo Edessa"/>
+        <a:font script="Sora" typeface="Nirmala UI"/>
+        <a:font script="Tale" typeface="Microsoft Tai Le"/>
+        <a:font script="Talu" typeface="Microsoft New Tai Lue"/>
+        <a:font script="Tfng" typeface="Ebrima"/>
+      </a:majorFont>
+      <a:minorFont>
+        <a:latin typeface="Aptos" panose="02110004020202020204"/>
+        <a:ea typeface=""/>
+        <a:cs typeface=""/>
+        <a:font script="Jpan" typeface="游ゴシック"/>
+        <a:font script="Hang" typeface="맑은 고딕"/>
+        <a:font script="Hans" typeface="等线"/>
+        <a:font script="Hant" typeface="新細明體"/>
+        <a:font script="Arab" typeface="Arial"/>
+        <a:font script="Hebr" typeface="Arial"/>
+        <a:font script="Thai" typeface="Cordia New"/>
+        <a:font script="Ethi" typeface="Nyala"/>
+        <a:font script="Beng" typeface="Vrinda"/>
+        <a:font script="Gujr" typeface="Shruti"/>
+        <a:font script="Khmr" typeface="DaunPenh"/>
+        <a:font script="Knda" typeface="Tunga"/>
+        <a:font script="Guru" typeface="Raavi"/>
+        <a:font script="Cans" typeface="Euphemia"/>
+        <a:font script="Cher" typeface="Plantagenet Cherokee"/>
+        <a:font script="Yiii" typeface="Microsoft Yi Baiti"/>
+        <a:font script="Tibt" typeface="Microsoft Himalaya"/>
+        <a:font script="Thaa" typeface="MV Boli"/>
+        <a:font script="Deva" typeface="Mangal"/>
+        <a:font script="Telu" typeface="Gautami"/>
+        <a:font script="Taml" typeface="Latha"/>
+        <a:font script="Syrc" typeface="Estrangelo Edessa"/>
+        <a:font script="Orya" typeface="Kalinga"/>
+        <a:font script="Mlym" typeface="Kartika"/>
+        <a:font script="Laoo" typeface="DokChampa"/>
+        <a:font script="Sinh" typeface="Iskoola Pota"/>
+        <a:font script="Mong" typeface="Mongolian Baiti"/>
+        <a:font script="Viet" typeface="Arial"/>
+        <a:font script="Uigh" typeface="Microsoft Uighur"/>
+        <a:font script="Geor" typeface="Sylfaen"/>
+        <a:font script="Armn" typeface="Arial"/>
+        <a:font script="Bugi" typeface="Leelawadee UI"/>
+        <a:font script="Bopo" typeface="Microsoft JhengHei"/>
+        <a:font script="Java" typeface="Javanese Text"/>
+        <a:font script="Lisu" typeface="Segoe UI"/>
+        <a:font script="Mymr" typeface="Myanmar Text"/>
+        <a:font script="Nkoo" typeface="Ebrima"/>
+        <a:font script="Olck" typeface="Nirmala UI"/>
+        <a:font script="Osma" typeface="Ebrima"/>
+        <a:font script="Phag" typeface="Phagspa"/>
+        <a:font script="Syrn" typeface="Estrangelo Edessa"/>
+        <a:font script="Syrj" typeface="Estrangelo Edessa"/>
+        <a:font script="Syre" typeface="Estrangelo Edessa"/>
+        <a:font script="Sora" typeface="Nirmala UI"/>
+        <a:font script="Tale" typeface="Microsoft Tai Le"/>
+        <a:font script="Talu" typeface="Microsoft New Tai Lue"/>
+        <a:font script="Tfng" typeface="Ebrima"/>
+      </a:minorFont>
+    </a:fontScheme>
+    <a:fmtScheme name="Office">
+      <a:fillStyleLst>
+        <a:solidFill>
+          <a:schemeClr val="phClr"/>
+        </a:solidFill>
+        <a:gradFill rotWithShape="1">
+          <a:gsLst>
+            <a:gs pos="0">
+              <a:schemeClr val="phClr">
+                <a:lumMod val="110000"/>
+                <a:satMod val="105000"/>
+                <a:tint val="67000"/>
+              </a:schemeClr>
+            </a:gs>
+            <a:gs pos="50000">
+              <a:schemeClr val="phClr">
+                <a:lumMod val="105000"/>
+                <a:satMod val="103000"/>
+                <a:tint val="73000"/>
+              </a:schemeClr>
+            </a:gs>
+            <a:gs pos="100000">
+              <a:schemeClr val="phClr">
+                <a:lumMod val="105000"/>
+                <a:satMod val="109000"/>
+                <a:tint val="81000"/>
+              </a:schemeClr>
+            </a:gs>
+          </a:gsLst>
+          <a:lin ang="5400000" scaled="0"/>
+        </a:gradFill>
+        <a:gradFill rotWithShape="1">
+          <a:gsLst>
+            <a:gs pos="0">
+              <a:schemeClr val="phClr">
+                <a:satMod val="103000"/>
+                <a:lumMod val="102000"/>
+                <a:tint val="94000"/>
+              </a:schemeClr>
+            </a:gs>
+            <a:gs pos="50000">
+              <a:schemeClr val="phClr">
+                <a:satMod val="110000"/>
+                <a:lumMod val="100000"/>
+                <a:shade val="100000"/>
+              </a:schemeClr>
+            </a:gs>
+            <a:gs pos="100000">
+              <a:schemeClr val="phClr">
+                <a:lumMod val="99000"/>
+                <a:satMod val="120000"/>
+                <a:shade val="78000"/>
+              </a:schemeClr>
+            </a:gs>
+          </a:gsLst>
+          <a:lin ang="5400000" scaled="0"/>
+        </a:gradFill>
+      </a:fillStyleLst>
+      <a:lnStyleLst>
+        <a:ln w="12700" cap="flat" cmpd="sng" algn="ctr">
+          <a:solidFill>
+            <a:schemeClr val="phClr"/>
+          </a:solidFill>
+          <a:prstDash val="solid"/>
+          <a:miter lim="800000"/>
+        </a:ln>
+        <a:ln w="19050" cap="flat" cmpd="sng" algn="ctr">
+          <a:solidFill>
+            <a:schemeClr val="phClr"/>
+          </a:solidFill>
+          <a:prstDash val="solid"/>
+          <a:miter lim="800000"/>
+        </a:ln>
+        <a:ln w="25400" cap="flat" cmpd="sng" algn="ctr">
+          <a:solidFill>
+            <a:schemeClr val="phClr"/>
+          </a:solidFill>
+          <a:prstDash val="solid"/>
+          <a:miter lim="800000"/>
+        </a:ln>
+      </a:lnStyleLst>
+      <a:effectStyleLst>
+        <a:effectStyle>
+          <a:effectLst/>
+        </a:effectStyle>
+        <a:effectStyle>
+          <a:effectLst/>
+        </a:effectStyle>
+        <a:effectStyle>
+          <a:effectLst>
+            <a:outerShdw blurRad="57150" dist="19050" dir="5400000" algn="ctr" rotWithShape="0">
+              <a:srgbClr val="000000">
+                <a:alpha val="63000"/>
+              </a:srgbClr>
+            </a:outerShdw>
+          </a:effectLst>
+        </a:effectStyle>
+      </a:effectStyleLst>
+      <a:bgFillStyleLst>
+        <a:solidFill>
+          <a:schemeClr val="phClr"/>
+        </a:solidFill>
+        <a:solidFill>
+          <a:schemeClr val="phClr">
+            <a:tint val="95000"/>
+            <a:satMod val="170000"/>
+          </a:schemeClr>
+        </a:solidFill>
+        <a:gradFill rotWithShape="1">
+          <a:gsLst>
+            <a:gs pos="0">
+              <a:schemeClr val="phClr">
+                <a:tint val="93000"/>
+                <a:satMod val="150000"/>
+                <a:shade val="98000"/>
+                <a:lumMod val="102000"/>
+              </a:schemeClr>
+            </a:gs>
+            <a:gs pos="50000">
+              <a:schemeClr val="phClr">
+                <a:tint val="98000"/>
+                <a:satMod val="130000"/>
+                <a:shade val="90000"/>
+                <a:lumMod val="103000"/>
+              </a:schemeClr>
+            </a:gs>
+            <a:gs pos="100000">
+              <a:schemeClr val="phClr">
+                <a:shade val="63000"/>
+                <a:satMod val="120000"/>
+              </a:schemeClr>
+            </a:gs>
+          </a:gsLst>
+          <a:lin ang="5400000" scaled="0"/>
+        </a:gradFill>
+      </a:bgFillStyleLst>
+    </a:fmtScheme>
+  </a:themeElements>
+  <a:objectDefaults>
+    <a:lnDef>
+      <a:spPr/>
+      <a:bodyPr/>
+      <a:lstStyle/>
+      <a:style>
+        <a:lnRef idx="2">
+          <a:schemeClr val="accent1"/>
+        </a:lnRef>
+        <a:fillRef idx="0">
+          <a:schemeClr val="accent1"/>
+        </a:fillRef>
+        <a:effectRef idx="1">
+          <a:schemeClr val="accent1"/>
+        </a:effectRef>
+        <a:fontRef idx="minor">
+          <a:schemeClr val="tx1"/>
+        </a:fontRef>
+      </a:style>
+    </a:lnDef>
+  </a:objectDefaults>
+  <a:extraClrSchemeLst/>
+  <a:extLst>
+    <a:ext uri="{05A4C25C-085E-4340-85A3-A5531E510DB2}">
+      <thm15:themeFamily xmlns:thm15="http://schemas.microsoft.com/office/thememl/2012/main" name="Office Theme" id="{2E142A2C-CD16-42D6-873A-C26D2A0506FA}" vid="{1BDDFF52-6CD6-40A5-AB3C-68EB2F1E4D0A}"/>
+    </a:ext>
+  </a:extLst>
+</a:theme>
 </file>
--- a/others/TicTacX.pptx
+++ b/others/TicTacX.pptx
@@ -5,7 +5,7 @@
     <p:sldMasterId id="2147483648" r:id="rId1"/>
   </p:sldMasterIdLst>
   <p:notesMasterIdLst>
-    <p:notesMasterId r:id="rId17"/>
+    <p:notesMasterId r:id="rId18"/>
   </p:notesMasterIdLst>
   <p:sldIdLst>
     <p:sldId id="256" r:id="rId2"/>
@@ -14,35 +14,36 @@
     <p:sldId id="259" r:id="rId5"/>
     <p:sldId id="260" r:id="rId6"/>
     <p:sldId id="261" r:id="rId7"/>
-    <p:sldId id="262" r:id="rId8"/>
-    <p:sldId id="263" r:id="rId9"/>
-    <p:sldId id="264" r:id="rId10"/>
-    <p:sldId id="265" r:id="rId11"/>
-    <p:sldId id="266" r:id="rId12"/>
-    <p:sldId id="267" r:id="rId13"/>
-    <p:sldId id="268" r:id="rId14"/>
-    <p:sldId id="269" r:id="rId15"/>
-    <p:sldId id="270" r:id="rId16"/>
+    <p:sldId id="271" r:id="rId8"/>
+    <p:sldId id="262" r:id="rId9"/>
+    <p:sldId id="263" r:id="rId10"/>
+    <p:sldId id="264" r:id="rId11"/>
+    <p:sldId id="265" r:id="rId12"/>
+    <p:sldId id="266" r:id="rId13"/>
+    <p:sldId id="267" r:id="rId14"/>
+    <p:sldId id="268" r:id="rId15"/>
+    <p:sldId id="269" r:id="rId16"/>
+    <p:sldId id="270" r:id="rId17"/>
   </p:sldIdLst>
   <p:sldSz cx="18288000" cy="10287000"/>
   <p:notesSz cx="6858000" cy="9144000"/>
   <p:embeddedFontLst>
     <p:embeddedFont>
       <p:font typeface="Arial Bold" panose="020B0802020202020204" pitchFamily="34" charset="77"/>
-      <p:regular r:id="rId18"/>
-      <p:bold r:id="rId19"/>
+      <p:regular r:id="rId19"/>
+      <p:bold r:id="rId20"/>
     </p:embeddedFont>
     <p:embeddedFont>
       <p:font typeface="Arial Italics" panose="020B0502020202090204" pitchFamily="34" charset="77"/>
-      <p:regular r:id="rId20"/>
-      <p:italic r:id="rId21"/>
+      <p:regular r:id="rId21"/>
+      <p:italic r:id="rId22"/>
     </p:embeddedFont>
     <p:embeddedFont>
       <p:font typeface="Consolas" panose="020B0609020204030204" pitchFamily="49" charset="0"/>
-      <p:regular r:id="rId22"/>
-      <p:bold r:id="rId23"/>
-      <p:italic r:id="rId24"/>
-      <p:boldItalic r:id="rId25"/>
+      <p:regular r:id="rId23"/>
+      <p:bold r:id="rId24"/>
+      <p:italic r:id="rId25"/>
+      <p:boldItalic r:id="rId26"/>
     </p:embeddedFont>
   </p:embeddedFontLst>
   <p:defaultTextStyle>
@@ -2319,7 +2320,7 @@
           <a:p>
             <a:r>
               <a:rPr lang="en-US" dirty="0" err="1"/>
-              <a:t>avishek</a:t>
+              <a:t>mashroor</a:t>
             </a:r>
             <a:endParaRPr lang="en-US" dirty="0"/>
           </a:p>
@@ -2351,7 +2352,7 @@
     </p:spTree>
     <p:extLst>
       <p:ext uri="{BB962C8B-B14F-4D97-AF65-F5344CB8AC3E}">
-        <p14:creationId xmlns:p14="http://schemas.microsoft.com/office/powerpoint/2010/main" val="4195594144"/>
+        <p14:creationId xmlns:p14="http://schemas.microsoft.com/office/powerpoint/2010/main" val="1012438881"/>
       </p:ext>
     </p:extLst>
   </p:cSld>
@@ -2406,9 +2407,10 @@
           <a:lstStyle/>
           <a:p>
             <a:r>
-              <a:rPr lang="en-US" dirty="0"/>
-              <a:t>ishrak</a:t>
-            </a:r>
+              <a:rPr lang="en-US" dirty="0" err="1"/>
+              <a:t>avishek</a:t>
+            </a:r>
+            <a:endParaRPr lang="en-US" dirty="0"/>
           </a:p>
         </p:txBody>
       </p:sp>
@@ -2438,7 +2440,7 @@
     </p:spTree>
     <p:extLst>
       <p:ext uri="{BB962C8B-B14F-4D97-AF65-F5344CB8AC3E}">
-        <p14:creationId xmlns:p14="http://schemas.microsoft.com/office/powerpoint/2010/main" val="2695588841"/>
+        <p14:creationId xmlns:p14="http://schemas.microsoft.com/office/powerpoint/2010/main" val="4195594144"/>
       </p:ext>
     </p:extLst>
   </p:cSld>
@@ -2493,10 +2495,9 @@
           <a:lstStyle/>
           <a:p>
             <a:r>
-              <a:rPr lang="en-US" dirty="0" err="1"/>
-              <a:t>nandy</a:t>
-            </a:r>
-            <a:endParaRPr lang="en-US" dirty="0"/>
+              <a:rPr lang="en-US" dirty="0"/>
+              <a:t>ishrak</a:t>
+            </a:r>
           </a:p>
         </p:txBody>
       </p:sp>
@@ -2518,6 +2519,94 @@
             <a:fld id="{FB5568DF-65DF-2B41-8D1E-CDDDA9697DE5}" type="slidenum">
               <a:rPr lang="en-US" smtClean="0"/>
               <a:t>14</a:t>
+            </a:fld>
+            <a:endParaRPr lang="en-US"/>
+          </a:p>
+        </p:txBody>
+      </p:sp>
+    </p:spTree>
+    <p:extLst>
+      <p:ext uri="{BB962C8B-B14F-4D97-AF65-F5344CB8AC3E}">
+        <p14:creationId xmlns:p14="http://schemas.microsoft.com/office/powerpoint/2010/main" val="2695588841"/>
+      </p:ext>
+    </p:extLst>
+  </p:cSld>
+  <p:clrMapOvr>
+    <a:masterClrMapping/>
+  </p:clrMapOvr>
+</p:notes>
+</file>
+
+<file path=ppt/notesSlides/notesSlide13.xml><?xml version="1.0" encoding="utf-8"?>
+<p:notes xmlns:a="http://schemas.openxmlformats.org/drawingml/2006/main" xmlns:r="http://schemas.openxmlformats.org/officeDocument/2006/relationships" xmlns:p="http://schemas.openxmlformats.org/presentationml/2006/main">
+  <p:cSld>
+    <p:spTree>
+      <p:nvGrpSpPr>
+        <p:cNvPr id="1" name=""/>
+        <p:cNvGrpSpPr/>
+        <p:nvPr/>
+      </p:nvGrpSpPr>
+      <p:grpSpPr>
+        <a:xfrm>
+          <a:off x="0" y="0"/>
+          <a:ext cx="0" cy="0"/>
+          <a:chOff x="0" y="0"/>
+          <a:chExt cx="0" cy="0"/>
+        </a:xfrm>
+      </p:grpSpPr>
+      <p:sp>
+        <p:nvSpPr>
+          <p:cNvPr id="2" name="Slide Image Placeholder 1"/>
+          <p:cNvSpPr>
+            <a:spLocks noGrp="1" noRot="1" noChangeAspect="1"/>
+          </p:cNvSpPr>
+          <p:nvPr>
+            <p:ph type="sldImg"/>
+          </p:nvPr>
+        </p:nvSpPr>
+        <p:spPr/>
+      </p:sp>
+      <p:sp>
+        <p:nvSpPr>
+          <p:cNvPr id="3" name="Notes Placeholder 2"/>
+          <p:cNvSpPr>
+            <a:spLocks noGrp="1"/>
+          </p:cNvSpPr>
+          <p:nvPr>
+            <p:ph type="body" idx="1"/>
+          </p:nvPr>
+        </p:nvSpPr>
+        <p:spPr/>
+        <p:txBody>
+          <a:bodyPr/>
+          <a:lstStyle/>
+          <a:p>
+            <a:r>
+              <a:rPr lang="en-US" dirty="0" err="1"/>
+              <a:t>nandy</a:t>
+            </a:r>
+            <a:endParaRPr lang="en-US" dirty="0"/>
+          </a:p>
+        </p:txBody>
+      </p:sp>
+      <p:sp>
+        <p:nvSpPr>
+          <p:cNvPr id="4" name="Slide Number Placeholder 3"/>
+          <p:cNvSpPr>
+            <a:spLocks noGrp="1"/>
+          </p:cNvSpPr>
+          <p:nvPr>
+            <p:ph type="sldNum" sz="quarter" idx="5"/>
+          </p:nvPr>
+        </p:nvSpPr>
+        <p:spPr/>
+        <p:txBody>
+          <a:bodyPr/>
+          <a:lstStyle/>
+          <a:p>
+            <a:fld id="{FB5568DF-65DF-2B41-8D1E-CDDDA9697DE5}" type="slidenum">
+              <a:rPr lang="en-US" smtClean="0"/>
+              <a:t>15</a:t>
             </a:fld>
             <a:endParaRPr lang="en-US"/>
           </a:p>
@@ -2893,7 +2982,13 @@
   <p:cSld>
     <p:spTree>
       <p:nvGrpSpPr>
-        <p:cNvPr id="1" name=""/>
+        <p:cNvPr id="1" name="">
+          <a:extLst>
+            <a:ext uri="{FF2B5EF4-FFF2-40B4-BE49-F238E27FC236}">
+              <a16:creationId xmlns:a16="http://schemas.microsoft.com/office/drawing/2014/main" id="{0282FD8F-16C2-FDA7-EAAD-4429FC14783F}"/>
+            </a:ext>
+          </a:extLst>
+        </p:cNvPr>
         <p:cNvGrpSpPr/>
         <p:nvPr/>
       </p:nvGrpSpPr>
@@ -2907,7 +3002,13 @@
       </p:grpSpPr>
       <p:sp>
         <p:nvSpPr>
-          <p:cNvPr id="2" name="Slide Image Placeholder 1"/>
+          <p:cNvPr id="2" name="Slide Image Placeholder 1">
+            <a:extLst>
+              <a:ext uri="{FF2B5EF4-FFF2-40B4-BE49-F238E27FC236}">
+                <a16:creationId xmlns:a16="http://schemas.microsoft.com/office/drawing/2014/main" id="{C4DE628A-A532-3279-6C1E-B91AFE1BD611}"/>
+              </a:ext>
+            </a:extLst>
+          </p:cNvPr>
           <p:cNvSpPr>
             <a:spLocks noGrp="1" noRot="1" noChangeAspect="1"/>
           </p:cNvSpPr>
@@ -2919,7 +3020,13 @@
       </p:sp>
       <p:sp>
         <p:nvSpPr>
-          <p:cNvPr id="3" name="Notes Placeholder 2"/>
+          <p:cNvPr id="3" name="Notes Placeholder 2">
+            <a:extLst>
+              <a:ext uri="{FF2B5EF4-FFF2-40B4-BE49-F238E27FC236}">
+                <a16:creationId xmlns:a16="http://schemas.microsoft.com/office/drawing/2014/main" id="{C85622C2-0B12-6596-EE4C-1DECFD852259}"/>
+              </a:ext>
+            </a:extLst>
+          </p:cNvPr>
           <p:cNvSpPr>
             <a:spLocks noGrp="1"/>
           </p:cNvSpPr>
@@ -2934,7 +3041,7 @@
           <a:p>
             <a:r>
               <a:rPr lang="en-US" dirty="0" err="1"/>
-              <a:t>avishek</a:t>
+              <a:t>nandy</a:t>
             </a:r>
             <a:endParaRPr lang="en-US" dirty="0"/>
           </a:p>
@@ -2942,7 +3049,13 @@
       </p:sp>
       <p:sp>
         <p:nvSpPr>
-          <p:cNvPr id="4" name="Slide Number Placeholder 3"/>
+          <p:cNvPr id="4" name="Slide Number Placeholder 3">
+            <a:extLst>
+              <a:ext uri="{FF2B5EF4-FFF2-40B4-BE49-F238E27FC236}">
+                <a16:creationId xmlns:a16="http://schemas.microsoft.com/office/drawing/2014/main" id="{197DD4BD-1958-D8E9-C6FA-4EE42CC9285E}"/>
+              </a:ext>
+            </a:extLst>
+          </p:cNvPr>
           <p:cNvSpPr>
             <a:spLocks noGrp="1"/>
           </p:cNvSpPr>
@@ -2966,7 +3079,7 @@
     </p:spTree>
     <p:extLst>
       <p:ext uri="{BB962C8B-B14F-4D97-AF65-F5344CB8AC3E}">
-        <p14:creationId xmlns:p14="http://schemas.microsoft.com/office/powerpoint/2010/main" val="4197241200"/>
+        <p14:creationId xmlns:p14="http://schemas.microsoft.com/office/powerpoint/2010/main" val="1772235720"/>
       </p:ext>
     </p:extLst>
   </p:cSld>
@@ -3054,7 +3167,7 @@
     </p:spTree>
     <p:extLst>
       <p:ext uri="{BB962C8B-B14F-4D97-AF65-F5344CB8AC3E}">
-        <p14:creationId xmlns:p14="http://schemas.microsoft.com/office/powerpoint/2010/main" val="499752217"/>
+        <p14:creationId xmlns:p14="http://schemas.microsoft.com/office/powerpoint/2010/main" val="4197241200"/>
       </p:ext>
     </p:extLst>
   </p:cSld>
@@ -3133,7 +3246,7 @@
           <a:p>
             <a:fld id="{FB5568DF-65DF-2B41-8D1E-CDDDA9697DE5}" type="slidenum">
               <a:rPr lang="en-US" smtClean="0"/>
-              <a:t>10</a:t>
+              <a:t>9</a:t>
             </a:fld>
             <a:endParaRPr lang="en-US"/>
           </a:p>
@@ -3142,7 +3255,7 @@
     </p:spTree>
     <p:extLst>
       <p:ext uri="{BB962C8B-B14F-4D97-AF65-F5344CB8AC3E}">
-        <p14:creationId xmlns:p14="http://schemas.microsoft.com/office/powerpoint/2010/main" val="1111777083"/>
+        <p14:creationId xmlns:p14="http://schemas.microsoft.com/office/powerpoint/2010/main" val="499752217"/>
       </p:ext>
     </p:extLst>
   </p:cSld>
@@ -3198,7 +3311,7 @@
           <a:p>
             <a:r>
               <a:rPr lang="en-US" dirty="0" err="1"/>
-              <a:t>mashroor</a:t>
+              <a:t>avishek</a:t>
             </a:r>
             <a:endParaRPr lang="en-US" dirty="0"/>
           </a:p>
@@ -3230,7 +3343,7 @@
     </p:spTree>
     <p:extLst>
       <p:ext uri="{BB962C8B-B14F-4D97-AF65-F5344CB8AC3E}">
-        <p14:creationId xmlns:p14="http://schemas.microsoft.com/office/powerpoint/2010/main" val="1012438881"/>
+        <p14:creationId xmlns:p14="http://schemas.microsoft.com/office/powerpoint/2010/main" val="1111777083"/>
       </p:ext>
     </p:extLst>
   </p:cSld>
@@ -6684,644 +6797,21 @@
       </p:grpSpPr>
       <p:sp>
         <p:nvSpPr>
-          <p:cNvPr id="7" name="Rectangle 2">
-            <a:extLst>
-              <a:ext uri="{FF2B5EF4-FFF2-40B4-BE49-F238E27FC236}">
-                <a16:creationId xmlns:a16="http://schemas.microsoft.com/office/drawing/2014/main" id="{4F29882B-7DB2-36DA-9ABC-4C5BE9C452A0}"/>
-              </a:ext>
-            </a:extLst>
-          </p:cNvPr>
-          <p:cNvSpPr>
-            <a:spLocks noChangeArrowheads="1"/>
-          </p:cNvSpPr>
-          <p:nvPr/>
-        </p:nvSpPr>
-        <p:spPr bwMode="auto">
-          <a:xfrm>
-            <a:off x="914400" y="3251421"/>
-            <a:ext cx="7086600" cy="4401205"/>
-          </a:xfrm>
-          <a:prstGeom prst="rect">
-            <a:avLst/>
-          </a:prstGeom>
-          <a:noFill/>
-          <a:ln>
-            <a:noFill/>
-          </a:ln>
-          <a:effectLst/>
-          <a:extLst>
-            <a:ext uri="{909E8E84-426E-40DD-AFC4-6F175D3DCCD1}">
-              <a14:hiddenFill xmlns:a14="http://schemas.microsoft.com/office/drawing/2010/main">
-                <a:solidFill>
-                  <a:schemeClr val="accent1"/>
-                </a:solidFill>
-              </a14:hiddenFill>
-            </a:ext>
-            <a:ext uri="{91240B29-F687-4F45-9708-019B960494DF}">
-              <a14:hiddenLine xmlns:a14="http://schemas.microsoft.com/office/drawing/2010/main" w="9525">
-                <a:solidFill>
-                  <a:schemeClr val="tx1"/>
-                </a:solidFill>
-                <a:miter lim="800000"/>
-                <a:headEnd/>
-                <a:tailEnd/>
-              </a14:hiddenLine>
-            </a:ext>
-            <a:ext uri="{AF507438-7753-43E0-B8FC-AC1667EBCBE1}">
-              <a14:hiddenEffects xmlns:a14="http://schemas.microsoft.com/office/drawing/2010/main">
-                <a:effectLst>
-                  <a:outerShdw dist="35921" dir="2700000" algn="ctr" rotWithShape="0">
-                    <a:schemeClr val="bg2"/>
-                  </a:outerShdw>
-                </a:effectLst>
-              </a14:hiddenEffects>
-            </a:ext>
-          </a:extLst>
-        </p:spPr>
-        <p:txBody>
-          <a:bodyPr vert="horz" wrap="square" lIns="91440" tIns="45720" rIns="91440" bIns="45720" numCol="1" anchor="ctr" anchorCtr="0" compatLnSpc="1">
-            <a:prstTxWarp prst="textNoShape">
-              <a:avLst/>
-            </a:prstTxWarp>
-            <a:spAutoFit/>
-          </a:bodyPr>
-          <a:lstStyle/>
-          <a:p>
-            <a:pPr marL="0" marR="0" lvl="0" indent="0" algn="l" defTabSz="914400" rtl="0" eaLnBrk="0" fontAlgn="base" latinLnBrk="0" hangingPunct="0">
-              <a:lnSpc>
-                <a:spcPct val="100000"/>
-              </a:lnSpc>
-              <a:spcBef>
-                <a:spcPct val="0"/>
-              </a:spcBef>
-              <a:spcAft>
-                <a:spcPct val="0"/>
-              </a:spcAft>
-              <a:buClrTx/>
-              <a:buSzTx/>
-              <a:buFontTx/>
-              <a:buNone/>
-              <a:tabLst/>
-            </a:pPr>
-            <a:endParaRPr kumimoji="0" lang="en-US" altLang="en-US" sz="2800" i="0" u="none" strike="noStrike" cap="none" normalizeH="0" baseline="0" dirty="0">
-              <a:ln>
-                <a:noFill/>
-              </a:ln>
-              <a:solidFill>
-                <a:schemeClr val="bg1"/>
-              </a:solidFill>
-              <a:effectLst/>
-              <a:latin typeface="Arial Bold"/>
-              <a:cs typeface="Arial Bold"/>
-            </a:endParaRPr>
-          </a:p>
-          <a:p>
-            <a:pPr marL="0" marR="0" lvl="0" indent="0" algn="l" defTabSz="914400" rtl="0" eaLnBrk="0" fontAlgn="base" latinLnBrk="0" hangingPunct="0">
-              <a:lnSpc>
-                <a:spcPct val="100000"/>
-              </a:lnSpc>
-              <a:spcBef>
-                <a:spcPct val="0"/>
-              </a:spcBef>
-              <a:spcAft>
-                <a:spcPct val="0"/>
-              </a:spcAft>
-              <a:buClrTx/>
-              <a:buSzTx/>
-              <a:buFontTx/>
-              <a:buChar char="•"/>
-              <a:tabLst/>
-            </a:pPr>
-            <a:r>
-              <a:rPr lang="en-US" altLang="en-US" sz="2800" b="1" dirty="0">
-                <a:solidFill>
-                  <a:schemeClr val="bg1"/>
-                </a:solidFill>
-                <a:latin typeface="Arial Bold"/>
-                <a:cs typeface="Arial Bold"/>
-              </a:rPr>
-              <a:t>main() calls </a:t>
-            </a:r>
-            <a:r>
-              <a:rPr kumimoji="0" lang="en-US" altLang="en-US" sz="2800" b="1" i="0" u="none" strike="noStrike" cap="none" normalizeH="0" baseline="0" dirty="0" err="1">
-                <a:ln>
-                  <a:noFill/>
-                </a:ln>
-                <a:solidFill>
-                  <a:schemeClr val="bg1"/>
-                </a:solidFill>
-                <a:effectLst/>
-                <a:latin typeface="Consolas" panose="020B0609020204030204" pitchFamily="49" charset="0"/>
-                <a:cs typeface="Arial Bold"/>
-              </a:rPr>
-              <a:t>run_game</a:t>
-            </a:r>
-            <a:r>
-              <a:rPr kumimoji="0" lang="en-US" altLang="en-US" sz="2800" b="1" i="0" u="none" strike="noStrike" cap="none" normalizeH="0" baseline="0" dirty="0">
-                <a:ln>
-                  <a:noFill/>
-                </a:ln>
-                <a:solidFill>
-                  <a:schemeClr val="bg1"/>
-                </a:solidFill>
-                <a:effectLst/>
-                <a:latin typeface="Consolas" panose="020B0609020204030204" pitchFamily="49" charset="0"/>
-                <a:cs typeface="Arial Bold"/>
-              </a:rPr>
-              <a:t>(mode) based on mode selected </a:t>
-            </a:r>
-          </a:p>
-          <a:p>
-            <a:pPr marL="0" marR="0" lvl="0" indent="0" algn="l" defTabSz="914400" rtl="0" eaLnBrk="0" fontAlgn="base" latinLnBrk="0" hangingPunct="0">
-              <a:lnSpc>
-                <a:spcPct val="100000"/>
-              </a:lnSpc>
-              <a:spcBef>
-                <a:spcPct val="0"/>
-              </a:spcBef>
-              <a:spcAft>
-                <a:spcPct val="0"/>
-              </a:spcAft>
-              <a:buClrTx/>
-              <a:buSzTx/>
-              <a:buFontTx/>
-              <a:buChar char="•"/>
-              <a:tabLst/>
-            </a:pPr>
-            <a:endParaRPr kumimoji="0" lang="en-US" altLang="en-US" sz="2800" b="1" i="0" u="none" strike="noStrike" cap="none" normalizeH="0" baseline="0" dirty="0">
-              <a:ln>
-                <a:noFill/>
-              </a:ln>
-              <a:solidFill>
-                <a:schemeClr val="bg1"/>
-              </a:solidFill>
-              <a:effectLst/>
-              <a:latin typeface="Arial Bold"/>
-              <a:cs typeface="Arial Bold"/>
-            </a:endParaRPr>
-          </a:p>
-          <a:p>
-            <a:pPr marL="0" marR="0" lvl="0" indent="0" algn="l" defTabSz="914400" rtl="0" eaLnBrk="0" fontAlgn="base" latinLnBrk="0" hangingPunct="0">
-              <a:lnSpc>
-                <a:spcPct val="100000"/>
-              </a:lnSpc>
-              <a:spcBef>
-                <a:spcPct val="0"/>
-              </a:spcBef>
-              <a:spcAft>
-                <a:spcPct val="0"/>
-              </a:spcAft>
-              <a:buClrTx/>
-              <a:buSzTx/>
-              <a:buFontTx/>
-              <a:buChar char="•"/>
-              <a:tabLst/>
-            </a:pPr>
-            <a:r>
-              <a:rPr kumimoji="0" lang="en-US" altLang="en-US" sz="2800" b="1" i="0" u="none" strike="noStrike" cap="none" normalizeH="0" baseline="0" dirty="0">
-                <a:ln>
-                  <a:noFill/>
-                </a:ln>
-                <a:solidFill>
-                  <a:schemeClr val="bg1"/>
-                </a:solidFill>
-                <a:effectLst/>
-                <a:latin typeface="Arial Bold"/>
-                <a:cs typeface="Arial Bold"/>
-              </a:rPr>
-              <a:t>3×3 char array for board state</a:t>
-            </a:r>
-          </a:p>
-          <a:p>
-            <a:pPr marL="0" marR="0" lvl="0" indent="0" algn="l" defTabSz="914400" rtl="0" eaLnBrk="0" fontAlgn="base" latinLnBrk="0" hangingPunct="0">
-              <a:lnSpc>
-                <a:spcPct val="100000"/>
-              </a:lnSpc>
-              <a:spcBef>
-                <a:spcPct val="0"/>
-              </a:spcBef>
-              <a:spcAft>
-                <a:spcPct val="0"/>
-              </a:spcAft>
-              <a:buClrTx/>
-              <a:buSzTx/>
-              <a:buFontTx/>
-              <a:buChar char="•"/>
-              <a:tabLst/>
-            </a:pPr>
-            <a:endParaRPr kumimoji="0" lang="en-US" altLang="en-US" sz="2800" b="1" i="0" u="none" strike="noStrike" cap="none" normalizeH="0" baseline="0" dirty="0">
-              <a:ln>
-                <a:noFill/>
-              </a:ln>
-              <a:solidFill>
-                <a:schemeClr val="bg1"/>
-              </a:solidFill>
-              <a:effectLst/>
-              <a:latin typeface="Arial Bold"/>
-              <a:cs typeface="Arial Bold"/>
-            </a:endParaRPr>
-          </a:p>
-          <a:p>
-            <a:pPr marL="0" marR="0" lvl="0" indent="0" algn="l" defTabSz="914400" rtl="0" eaLnBrk="0" fontAlgn="base" latinLnBrk="0" hangingPunct="0">
-              <a:lnSpc>
-                <a:spcPct val="100000"/>
-              </a:lnSpc>
-              <a:spcBef>
-                <a:spcPct val="0"/>
-              </a:spcBef>
-              <a:spcAft>
-                <a:spcPct val="0"/>
-              </a:spcAft>
-              <a:buClrTx/>
-              <a:buSzTx/>
-              <a:buFontTx/>
-              <a:buChar char="•"/>
-              <a:tabLst/>
-            </a:pPr>
-            <a:r>
-              <a:rPr kumimoji="0" lang="en-US" altLang="en-US" sz="2800" b="1" i="0" u="none" strike="noStrike" cap="none" normalizeH="0" baseline="0" dirty="0">
-                <a:ln>
-                  <a:noFill/>
-                </a:ln>
-                <a:solidFill>
-                  <a:schemeClr val="bg1"/>
-                </a:solidFill>
-                <a:effectLst/>
-                <a:latin typeface="Arial Bold"/>
-                <a:cs typeface="Arial Bold"/>
-              </a:rPr>
-              <a:t>Turn  toggling between X and O</a:t>
-            </a:r>
-          </a:p>
-          <a:p>
-            <a:pPr marL="0" marR="0" lvl="0" indent="0" algn="l" defTabSz="914400" rtl="0" eaLnBrk="0" fontAlgn="base" latinLnBrk="0" hangingPunct="0">
-              <a:lnSpc>
-                <a:spcPct val="100000"/>
-              </a:lnSpc>
-              <a:spcBef>
-                <a:spcPct val="0"/>
-              </a:spcBef>
-              <a:spcAft>
-                <a:spcPct val="0"/>
-              </a:spcAft>
-              <a:buClrTx/>
-              <a:buSzTx/>
-              <a:buFontTx/>
-              <a:buChar char="•"/>
-              <a:tabLst/>
-            </a:pPr>
-            <a:endParaRPr kumimoji="0" lang="en-US" altLang="en-US" sz="2800" b="1" i="0" u="none" strike="noStrike" cap="none" normalizeH="0" baseline="0" dirty="0">
-              <a:ln>
-                <a:noFill/>
-              </a:ln>
-              <a:solidFill>
-                <a:schemeClr val="bg1"/>
-              </a:solidFill>
-              <a:effectLst/>
-              <a:latin typeface="Arial Bold"/>
-              <a:cs typeface="Arial Bold"/>
-            </a:endParaRPr>
-          </a:p>
-          <a:p>
-            <a:pPr marL="0" marR="0" lvl="0" indent="0" algn="l" defTabSz="914400" rtl="0" eaLnBrk="0" fontAlgn="base" latinLnBrk="0" hangingPunct="0">
-              <a:lnSpc>
-                <a:spcPct val="100000"/>
-              </a:lnSpc>
-              <a:spcBef>
-                <a:spcPct val="0"/>
-              </a:spcBef>
-              <a:spcAft>
-                <a:spcPct val="0"/>
-              </a:spcAft>
-              <a:buClrTx/>
-              <a:buSzTx/>
-              <a:buFontTx/>
-              <a:buChar char="•"/>
-              <a:tabLst/>
-            </a:pPr>
-            <a:r>
-              <a:rPr kumimoji="0" lang="en-US" altLang="en-US" sz="2800" b="1" i="0" u="none" strike="noStrike" cap="none" normalizeH="0" baseline="0" dirty="0">
-                <a:ln>
-                  <a:noFill/>
-                </a:ln>
-                <a:solidFill>
-                  <a:schemeClr val="bg1"/>
-                </a:solidFill>
-                <a:effectLst/>
-                <a:latin typeface="Arial Bold"/>
-                <a:cs typeface="Arial Bold"/>
-              </a:rPr>
-              <a:t>Input checks: format, range, </a:t>
-            </a:r>
-            <a:r>
-              <a:rPr lang="en-US" altLang="en-US" sz="2800" b="1" dirty="0">
-                <a:solidFill>
-                  <a:schemeClr val="bg1"/>
-                </a:solidFill>
-                <a:latin typeface="Arial Bold"/>
-                <a:cs typeface="Arial Bold"/>
-              </a:rPr>
-              <a:t>occupancy</a:t>
-            </a:r>
-            <a:endParaRPr kumimoji="0" lang="en-US" altLang="en-US" sz="2800" b="1" i="0" u="none" strike="noStrike" cap="none" normalizeH="0" baseline="0" dirty="0">
-              <a:ln>
-                <a:noFill/>
-              </a:ln>
-              <a:solidFill>
-                <a:schemeClr val="bg1"/>
-              </a:solidFill>
-              <a:effectLst/>
-              <a:latin typeface="Arial Bold"/>
-              <a:cs typeface="Arial Bold"/>
-            </a:endParaRPr>
-          </a:p>
-          <a:p>
-            <a:pPr marL="0" marR="0" lvl="0" indent="0" algn="l" defTabSz="914400" rtl="0" eaLnBrk="0" fontAlgn="base" latinLnBrk="0" hangingPunct="0">
-              <a:lnSpc>
-                <a:spcPct val="100000"/>
-              </a:lnSpc>
-              <a:spcBef>
-                <a:spcPct val="0"/>
-              </a:spcBef>
-              <a:spcAft>
-                <a:spcPct val="0"/>
-              </a:spcAft>
-              <a:buClrTx/>
-              <a:buSzTx/>
-              <a:buFontTx/>
-              <a:buNone/>
-              <a:tabLst/>
-            </a:pPr>
-            <a:endParaRPr kumimoji="0" lang="en-US" altLang="en-US" sz="2800" i="0" u="none" strike="noStrike" cap="none" normalizeH="0" baseline="0" dirty="0">
-              <a:ln>
-                <a:noFill/>
-              </a:ln>
-              <a:solidFill>
-                <a:schemeClr val="bg1"/>
-              </a:solidFill>
-              <a:effectLst/>
-              <a:latin typeface="Arial Bold"/>
-              <a:cs typeface="Arial Bold"/>
-            </a:endParaRPr>
-          </a:p>
-        </p:txBody>
-      </p:sp>
-      <p:sp>
-        <p:nvSpPr>
-          <p:cNvPr id="9" name="TextBox 8">
-            <a:extLst>
-              <a:ext uri="{FF2B5EF4-FFF2-40B4-BE49-F238E27FC236}">
-                <a16:creationId xmlns:a16="http://schemas.microsoft.com/office/drawing/2014/main" id="{4D539E8D-7E2A-DC90-E788-DD54A8535288}"/>
-              </a:ext>
-            </a:extLst>
-          </p:cNvPr>
-          <p:cNvSpPr txBox="1"/>
-          <p:nvPr/>
-        </p:nvSpPr>
-        <p:spPr>
-          <a:xfrm>
-            <a:off x="8153400" y="3466864"/>
-            <a:ext cx="9448800" cy="2246769"/>
-          </a:xfrm>
-          <a:prstGeom prst="rect">
-            <a:avLst/>
-          </a:prstGeom>
-          <a:noFill/>
-        </p:spPr>
-        <p:txBody>
-          <a:bodyPr wrap="square">
-            <a:spAutoFit/>
-          </a:bodyPr>
-          <a:lstStyle/>
-          <a:p>
-            <a:pPr marL="0" marR="0" lvl="0" indent="0" algn="l" defTabSz="914400" rtl="0" eaLnBrk="0" fontAlgn="base" latinLnBrk="0" hangingPunct="0">
-              <a:lnSpc>
-                <a:spcPct val="100000"/>
-              </a:lnSpc>
-              <a:spcBef>
-                <a:spcPct val="0"/>
-              </a:spcBef>
-              <a:spcAft>
-                <a:spcPct val="0"/>
-              </a:spcAft>
-              <a:buClrTx/>
-              <a:buSzTx/>
-              <a:buFontTx/>
-              <a:buChar char="•"/>
-              <a:tabLst/>
-            </a:pPr>
-            <a:endParaRPr kumimoji="0" lang="en-US" altLang="en-US" sz="2800" b="1" i="0" u="none" strike="noStrike" cap="none" normalizeH="0" baseline="0" dirty="0">
-              <a:ln>
-                <a:noFill/>
-              </a:ln>
-              <a:solidFill>
-                <a:schemeClr val="bg1"/>
-              </a:solidFill>
-              <a:effectLst/>
-              <a:latin typeface="Arial Bold"/>
-              <a:cs typeface="Arial Bold"/>
-            </a:endParaRPr>
-          </a:p>
-          <a:p>
-            <a:pPr marL="0" marR="0" lvl="0" indent="0" algn="l" defTabSz="914400" rtl="0" eaLnBrk="0" fontAlgn="base" latinLnBrk="0" hangingPunct="0">
-              <a:lnSpc>
-                <a:spcPct val="100000"/>
-              </a:lnSpc>
-              <a:spcBef>
-                <a:spcPct val="0"/>
-              </a:spcBef>
-              <a:spcAft>
-                <a:spcPct val="0"/>
-              </a:spcAft>
-              <a:buClrTx/>
-              <a:buSzTx/>
-              <a:buFontTx/>
-              <a:buChar char="•"/>
-              <a:tabLst/>
-            </a:pPr>
-            <a:r>
-              <a:rPr kumimoji="0" lang="en-US" altLang="en-US" sz="2800" b="1" i="0" u="none" strike="noStrike" cap="none" normalizeH="0" baseline="0" dirty="0">
-                <a:ln>
-                  <a:noFill/>
-                </a:ln>
-                <a:solidFill>
-                  <a:schemeClr val="bg1"/>
-                </a:solidFill>
-                <a:effectLst/>
-                <a:latin typeface="Arial Bold"/>
-                <a:cs typeface="Arial Bold"/>
-              </a:rPr>
-              <a:t>Win/	Draw detection through loops and counter </a:t>
-            </a:r>
-          </a:p>
-          <a:p>
-            <a:pPr marL="0" marR="0" lvl="0" indent="0" algn="l" defTabSz="914400" rtl="0" eaLnBrk="0" fontAlgn="base" latinLnBrk="0" hangingPunct="0">
-              <a:lnSpc>
-                <a:spcPct val="100000"/>
-              </a:lnSpc>
-              <a:spcBef>
-                <a:spcPct val="0"/>
-              </a:spcBef>
-              <a:spcAft>
-                <a:spcPct val="0"/>
-              </a:spcAft>
-              <a:buClrTx/>
-              <a:buSzTx/>
-              <a:tabLst/>
-            </a:pPr>
-            <a:endParaRPr kumimoji="0" lang="en-US" altLang="en-US" sz="2800" b="1" i="0" u="none" strike="noStrike" cap="none" normalizeH="0" baseline="0" dirty="0">
-              <a:ln>
-                <a:noFill/>
-              </a:ln>
-              <a:solidFill>
-                <a:schemeClr val="bg1"/>
-              </a:solidFill>
-              <a:effectLst/>
-              <a:latin typeface="Arial Bold"/>
-              <a:cs typeface="Arial Bold"/>
-            </a:endParaRPr>
-          </a:p>
-          <a:p>
-            <a:pPr marL="0" marR="0" lvl="0" indent="0" algn="l" defTabSz="914400" rtl="0" eaLnBrk="0" fontAlgn="base" latinLnBrk="0" hangingPunct="0">
-              <a:lnSpc>
-                <a:spcPct val="100000"/>
-              </a:lnSpc>
-              <a:spcBef>
-                <a:spcPct val="0"/>
-              </a:spcBef>
-              <a:spcAft>
-                <a:spcPct val="0"/>
-              </a:spcAft>
-              <a:buClrTx/>
-              <a:buSzTx/>
-              <a:buFontTx/>
-              <a:buChar char="•"/>
-              <a:tabLst/>
-            </a:pPr>
-            <a:r>
-              <a:rPr kumimoji="0" lang="en-US" altLang="en-US" sz="2800" b="1" i="0" u="none" strike="noStrike" cap="none" normalizeH="0" baseline="0" dirty="0">
-                <a:ln>
-                  <a:noFill/>
-                </a:ln>
-                <a:solidFill>
-                  <a:schemeClr val="bg1"/>
-                </a:solidFill>
-                <a:effectLst/>
-                <a:latin typeface="Arial Bold"/>
-                <a:cs typeface="Arial Bold"/>
-              </a:rPr>
-              <a:t>Calls </a:t>
-            </a:r>
-            <a:r>
-              <a:rPr kumimoji="0" lang="en-US" altLang="en-US" sz="2800" b="1" i="0" u="none" strike="noStrike" cap="none" normalizeH="0" baseline="0" dirty="0" err="1">
-                <a:ln>
-                  <a:noFill/>
-                </a:ln>
-                <a:solidFill>
-                  <a:schemeClr val="bg1"/>
-                </a:solidFill>
-                <a:effectLst/>
-                <a:latin typeface="Consolas" panose="020B0609020204030204" pitchFamily="49" charset="0"/>
-                <a:cs typeface="Arial Bold"/>
-              </a:rPr>
-              <a:t>print_board</a:t>
-            </a:r>
-            <a:r>
-              <a:rPr kumimoji="0" lang="en-US" altLang="en-US" sz="2800" b="1" i="0" u="none" strike="noStrike" cap="none" normalizeH="0" baseline="0" dirty="0">
-                <a:ln>
-                  <a:noFill/>
-                </a:ln>
-                <a:solidFill>
-                  <a:schemeClr val="bg1"/>
-                </a:solidFill>
-                <a:effectLst/>
-                <a:latin typeface="Consolas" panose="020B0609020204030204" pitchFamily="49" charset="0"/>
-                <a:cs typeface="Arial Bold"/>
-              </a:rPr>
-              <a:t>() </a:t>
-            </a:r>
-            <a:r>
-              <a:rPr kumimoji="0" lang="en-US" altLang="en-US" sz="2800" b="1" i="0" u="none" strike="noStrike" cap="none" normalizeH="0" baseline="0" dirty="0">
-                <a:ln>
-                  <a:noFill/>
-                </a:ln>
-                <a:solidFill>
-                  <a:schemeClr val="bg1"/>
-                </a:solidFill>
-                <a:effectLst/>
-                <a:latin typeface="Arial Bold"/>
-                <a:cs typeface="Arial Bold"/>
-              </a:rPr>
-              <a:t>and </a:t>
-            </a:r>
-            <a:r>
-              <a:rPr kumimoji="0" lang="en-US" altLang="en-US" sz="2800" b="1" i="0" u="none" strike="noStrike" cap="none" normalizeH="0" baseline="0" dirty="0" err="1">
-                <a:ln>
-                  <a:noFill/>
-                </a:ln>
-                <a:solidFill>
-                  <a:schemeClr val="bg1"/>
-                </a:solidFill>
-                <a:effectLst/>
-                <a:latin typeface="Consolas" panose="020B0609020204030204" pitchFamily="49" charset="0"/>
-                <a:cs typeface="Arial Bold"/>
-              </a:rPr>
-              <a:t>ai_move</a:t>
-            </a:r>
-            <a:r>
-              <a:rPr kumimoji="0" lang="en-US" altLang="en-US" sz="2800" b="1" i="0" u="none" strike="noStrike" cap="none" normalizeH="0" baseline="0" dirty="0">
-                <a:ln>
-                  <a:noFill/>
-                </a:ln>
-                <a:solidFill>
-                  <a:schemeClr val="bg1"/>
-                </a:solidFill>
-                <a:effectLst/>
-                <a:latin typeface="Consolas" panose="020B0609020204030204" pitchFamily="49" charset="0"/>
-                <a:cs typeface="Arial Bold"/>
-              </a:rPr>
-              <a:t>() </a:t>
-            </a:r>
-            <a:r>
-              <a:rPr kumimoji="0" lang="en-US" altLang="en-US" sz="2800" b="1" i="0" u="none" strike="noStrike" cap="none" normalizeH="0" baseline="0" dirty="0">
-                <a:ln>
-                  <a:noFill/>
-                </a:ln>
-                <a:solidFill>
-                  <a:schemeClr val="bg1"/>
-                </a:solidFill>
-                <a:effectLst/>
-                <a:latin typeface="Arial Bold"/>
-                <a:cs typeface="Arial Bold"/>
-              </a:rPr>
-              <a:t>for output and bot turn</a:t>
-            </a:r>
-          </a:p>
-        </p:txBody>
-      </p:sp>
-      <p:sp>
-        <p:nvSpPr>
-          <p:cNvPr id="2" name="TextBox 6">
-            <a:extLst>
-              <a:ext uri="{FF2B5EF4-FFF2-40B4-BE49-F238E27FC236}">
-                <a16:creationId xmlns:a16="http://schemas.microsoft.com/office/drawing/2014/main" id="{DCFD0D47-DD1D-EB4C-5B30-06B372B2F49D}"/>
-              </a:ext>
-            </a:extLst>
-          </p:cNvPr>
+          <p:cNvPr id="6" name="TextBox 6"/>
           <p:cNvSpPr txBox="1"/>
           <p:nvPr/>
         </p:nvSpPr>
         <p:spPr>
           <a:xfrm>
             <a:off x="1028700" y="1456055"/>
-            <a:ext cx="6330890" cy="1248419"/>
+            <a:ext cx="2438797" cy="1369695"/>
           </a:xfrm>
           <a:prstGeom prst="rect">
             <a:avLst/>
           </a:prstGeom>
         </p:spPr>
         <p:txBody>
-          <a:bodyPr wrap="square" lIns="0" tIns="0" rIns="0" bIns="0" rtlCol="0" anchor="t">
+          <a:bodyPr lIns="0" tIns="0" rIns="0" bIns="0" rtlCol="0" anchor="t">
             <a:spAutoFit/>
           </a:bodyPr>
           <a:lstStyle/>
@@ -7332,7 +6822,7 @@
               </a:lnSpc>
             </a:pPr>
             <a:r>
-              <a:rPr lang="en-US" sz="7200" b="1" dirty="0">
+              <a:rPr lang="en-US" sz="7200" b="1">
                 <a:solidFill>
                   <a:srgbClr val="F7F7F7"/>
                 </a:solidFill>
@@ -7341,11 +6831,883 @@
                 <a:cs typeface="Arial Bold"/>
                 <a:sym typeface="Arial Bold"/>
               </a:rPr>
-              <a:t>GAME LOGIC</a:t>
-            </a:r>
-          </a:p>
-        </p:txBody>
-      </p:sp>
+              <a:t>UI/UX</a:t>
+            </a:r>
+          </a:p>
+        </p:txBody>
+      </p:sp>
+      <p:grpSp>
+        <p:nvGrpSpPr>
+          <p:cNvPr id="8" name="Group 8"/>
+          <p:cNvGrpSpPr/>
+          <p:nvPr/>
+        </p:nvGrpSpPr>
+        <p:grpSpPr>
+          <a:xfrm>
+            <a:off x="2985256" y="2015654"/>
+            <a:ext cx="5668394" cy="2521556"/>
+            <a:chOff x="0" y="-133350"/>
+            <a:chExt cx="1213344" cy="539750"/>
+          </a:xfrm>
+        </p:grpSpPr>
+        <p:sp>
+          <p:nvSpPr>
+            <p:cNvPr id="9" name="Freeform 9"/>
+            <p:cNvSpPr/>
+            <p:nvPr/>
+          </p:nvSpPr>
+          <p:spPr>
+            <a:xfrm>
+              <a:off x="0" y="0"/>
+              <a:ext cx="1213344" cy="406400"/>
+            </a:xfrm>
+            <a:custGeom>
+              <a:avLst/>
+              <a:gdLst/>
+              <a:ahLst/>
+              <a:cxnLst/>
+              <a:rect l="l" t="t" r="r" b="b"/>
+              <a:pathLst>
+                <a:path w="1213344" h="406400">
+                  <a:moveTo>
+                    <a:pt x="1010144" y="0"/>
+                  </a:moveTo>
+                  <a:cubicBezTo>
+                    <a:pt x="1122369" y="0"/>
+                    <a:pt x="1213344" y="90976"/>
+                    <a:pt x="1213344" y="203200"/>
+                  </a:cubicBezTo>
+                  <a:cubicBezTo>
+                    <a:pt x="1213344" y="315424"/>
+                    <a:pt x="1122369" y="406400"/>
+                    <a:pt x="1010144" y="406400"/>
+                  </a:cubicBezTo>
+                  <a:lnTo>
+                    <a:pt x="203200" y="406400"/>
+                  </a:lnTo>
+                  <a:cubicBezTo>
+                    <a:pt x="90976" y="406400"/>
+                    <a:pt x="0" y="315424"/>
+                    <a:pt x="0" y="203200"/>
+                  </a:cubicBezTo>
+                  <a:cubicBezTo>
+                    <a:pt x="0" y="90976"/>
+                    <a:pt x="90976" y="0"/>
+                    <a:pt x="203200" y="0"/>
+                  </a:cubicBezTo>
+                  <a:close/>
+                </a:path>
+              </a:pathLst>
+            </a:custGeom>
+            <a:solidFill>
+              <a:srgbClr val="024F44"/>
+            </a:solidFill>
+            <a:ln w="38100" cap="sq">
+              <a:solidFill>
+                <a:srgbClr val="F7F7F7"/>
+              </a:solidFill>
+              <a:prstDash val="sysDot"/>
+              <a:miter/>
+            </a:ln>
+          </p:spPr>
+          <p:txBody>
+            <a:bodyPr/>
+            <a:lstStyle/>
+            <a:p>
+              <a:endParaRPr lang="en-US" dirty="0"/>
+            </a:p>
+          </p:txBody>
+        </p:sp>
+        <p:sp>
+          <p:nvSpPr>
+            <p:cNvPr id="10" name="TextBox 10"/>
+            <p:cNvSpPr txBox="1"/>
+            <p:nvPr/>
+          </p:nvSpPr>
+          <p:spPr>
+            <a:xfrm>
+              <a:off x="0" y="-133350"/>
+              <a:ext cx="1213344" cy="539750"/>
+            </a:xfrm>
+            <a:prstGeom prst="rect">
+              <a:avLst/>
+            </a:prstGeom>
+          </p:spPr>
+          <p:txBody>
+            <a:bodyPr lIns="50800" tIns="50800" rIns="50800" bIns="50800" rtlCol="0" anchor="ctr"/>
+            <a:lstStyle/>
+            <a:p>
+              <a:pPr algn="ctr">
+                <a:lnSpc>
+                  <a:spcPts val="4759"/>
+                </a:lnSpc>
+              </a:pPr>
+              <a:r>
+                <a:rPr lang="en-US" sz="3399" b="1" spc="-67" dirty="0">
+                  <a:solidFill>
+                    <a:srgbClr val="FFFFFF"/>
+                  </a:solidFill>
+                  <a:latin typeface="Arial Bold"/>
+                  <a:ea typeface="Arial Bold"/>
+                  <a:cs typeface="Arial Bold"/>
+                  <a:sym typeface="Arial Bold"/>
+                </a:rPr>
+                <a:t> </a:t>
+              </a:r>
+            </a:p>
+            <a:p>
+              <a:pPr algn="ctr">
+                <a:lnSpc>
+                  <a:spcPts val="4759"/>
+                </a:lnSpc>
+              </a:pPr>
+              <a:r>
+                <a:rPr lang="en-US" sz="3200" b="1" spc="-67" dirty="0">
+                  <a:solidFill>
+                    <a:srgbClr val="FFFFFF"/>
+                  </a:solidFill>
+                  <a:latin typeface="Arial Bold"/>
+                  <a:ea typeface="Arial Bold"/>
+                  <a:cs typeface="Arial Bold"/>
+                  <a:sym typeface="Arial Bold"/>
+                </a:rPr>
+                <a:t>Clean 3x3 Grid </a:t>
+              </a:r>
+            </a:p>
+            <a:p>
+              <a:pPr algn="ctr">
+                <a:lnSpc>
+                  <a:spcPts val="4759"/>
+                </a:lnSpc>
+              </a:pPr>
+              <a:r>
+                <a:rPr lang="en-US" sz="3200" b="1" spc="-67" dirty="0">
+                  <a:solidFill>
+                    <a:srgbClr val="FFFFFF"/>
+                  </a:solidFill>
+                  <a:latin typeface="Arial Bold"/>
+                  <a:ea typeface="Arial Bold"/>
+                  <a:cs typeface="Arial Bold"/>
+                  <a:sym typeface="Arial Bold"/>
+                </a:rPr>
+                <a:t>Display using text</a:t>
+              </a:r>
+            </a:p>
+          </p:txBody>
+        </p:sp>
+      </p:grpSp>
+      <p:grpSp>
+        <p:nvGrpSpPr>
+          <p:cNvPr id="11" name="Group 11"/>
+          <p:cNvGrpSpPr/>
+          <p:nvPr/>
+        </p:nvGrpSpPr>
+        <p:grpSpPr>
+          <a:xfrm>
+            <a:off x="10099562" y="2015654"/>
+            <a:ext cx="5668394" cy="2521556"/>
+            <a:chOff x="0" y="-133350"/>
+            <a:chExt cx="1213344" cy="539750"/>
+          </a:xfrm>
+        </p:grpSpPr>
+        <p:sp>
+          <p:nvSpPr>
+            <p:cNvPr id="12" name="Freeform 12"/>
+            <p:cNvSpPr/>
+            <p:nvPr/>
+          </p:nvSpPr>
+          <p:spPr>
+            <a:xfrm>
+              <a:off x="0" y="0"/>
+              <a:ext cx="1213344" cy="406400"/>
+            </a:xfrm>
+            <a:custGeom>
+              <a:avLst/>
+              <a:gdLst/>
+              <a:ahLst/>
+              <a:cxnLst/>
+              <a:rect l="l" t="t" r="r" b="b"/>
+              <a:pathLst>
+                <a:path w="1213344" h="406400">
+                  <a:moveTo>
+                    <a:pt x="1010144" y="0"/>
+                  </a:moveTo>
+                  <a:cubicBezTo>
+                    <a:pt x="1122369" y="0"/>
+                    <a:pt x="1213344" y="90976"/>
+                    <a:pt x="1213344" y="203200"/>
+                  </a:cubicBezTo>
+                  <a:cubicBezTo>
+                    <a:pt x="1213344" y="315424"/>
+                    <a:pt x="1122369" y="406400"/>
+                    <a:pt x="1010144" y="406400"/>
+                  </a:cubicBezTo>
+                  <a:lnTo>
+                    <a:pt x="203200" y="406400"/>
+                  </a:lnTo>
+                  <a:cubicBezTo>
+                    <a:pt x="90976" y="406400"/>
+                    <a:pt x="0" y="315424"/>
+                    <a:pt x="0" y="203200"/>
+                  </a:cubicBezTo>
+                  <a:cubicBezTo>
+                    <a:pt x="0" y="90976"/>
+                    <a:pt x="90976" y="0"/>
+                    <a:pt x="203200" y="0"/>
+                  </a:cubicBezTo>
+                  <a:close/>
+                </a:path>
+              </a:pathLst>
+            </a:custGeom>
+            <a:solidFill>
+              <a:srgbClr val="024F44"/>
+            </a:solidFill>
+            <a:ln w="38100" cap="sq">
+              <a:solidFill>
+                <a:srgbClr val="F7F7F7"/>
+              </a:solidFill>
+              <a:prstDash val="sysDot"/>
+              <a:miter/>
+            </a:ln>
+          </p:spPr>
+          <p:txBody>
+            <a:bodyPr/>
+            <a:lstStyle/>
+            <a:p>
+              <a:endParaRPr lang="en-US" dirty="0"/>
+            </a:p>
+          </p:txBody>
+        </p:sp>
+        <p:sp>
+          <p:nvSpPr>
+            <p:cNvPr id="13" name="TextBox 13"/>
+            <p:cNvSpPr txBox="1"/>
+            <p:nvPr/>
+          </p:nvSpPr>
+          <p:spPr>
+            <a:xfrm>
+              <a:off x="0" y="-133350"/>
+              <a:ext cx="1213344" cy="539750"/>
+            </a:xfrm>
+            <a:prstGeom prst="rect">
+              <a:avLst/>
+            </a:prstGeom>
+          </p:spPr>
+          <p:txBody>
+            <a:bodyPr lIns="50800" tIns="50800" rIns="50800" bIns="50800" rtlCol="0" anchor="ctr"/>
+            <a:lstStyle/>
+            <a:p>
+              <a:pPr algn="ctr">
+                <a:lnSpc>
+                  <a:spcPts val="4759"/>
+                </a:lnSpc>
+              </a:pPr>
+              <a:r>
+                <a:rPr lang="en-US" sz="3200" b="1" spc="-67" dirty="0">
+                  <a:solidFill>
+                    <a:srgbClr val="FFFFFF"/>
+                  </a:solidFill>
+                  <a:latin typeface="Arial Bold"/>
+                  <a:ea typeface="Arial Bold"/>
+                  <a:cs typeface="Arial Bold"/>
+                  <a:sym typeface="Arial Bold"/>
+                </a:rPr>
+                <a:t>Colors using </a:t>
+              </a:r>
+            </a:p>
+            <a:p>
+              <a:pPr algn="ctr">
+                <a:lnSpc>
+                  <a:spcPts val="4759"/>
+                </a:lnSpc>
+              </a:pPr>
+              <a:r>
+                <a:rPr lang="en-US" sz="3200" b="1" spc="-67" dirty="0">
+                  <a:solidFill>
+                    <a:srgbClr val="FFFFFF"/>
+                  </a:solidFill>
+                  <a:latin typeface="Arial Bold"/>
+                  <a:ea typeface="Arial Bold"/>
+                  <a:cs typeface="Arial Bold"/>
+                  <a:sym typeface="Arial Bold"/>
+                </a:rPr>
+                <a:t>ANSI Escape Codes</a:t>
+              </a:r>
+            </a:p>
+          </p:txBody>
+        </p:sp>
+      </p:grpSp>
+      <p:grpSp>
+        <p:nvGrpSpPr>
+          <p:cNvPr id="14" name="Group 14"/>
+          <p:cNvGrpSpPr/>
+          <p:nvPr/>
+        </p:nvGrpSpPr>
+        <p:grpSpPr>
+          <a:xfrm>
+            <a:off x="2985256" y="4717194"/>
+            <a:ext cx="5668394" cy="1898583"/>
+            <a:chOff x="0" y="0"/>
+            <a:chExt cx="1213344" cy="406400"/>
+          </a:xfrm>
+        </p:grpSpPr>
+        <p:sp>
+          <p:nvSpPr>
+            <p:cNvPr id="15" name="Freeform 15"/>
+            <p:cNvSpPr/>
+            <p:nvPr/>
+          </p:nvSpPr>
+          <p:spPr>
+            <a:xfrm>
+              <a:off x="0" y="0"/>
+              <a:ext cx="1213344" cy="406400"/>
+            </a:xfrm>
+            <a:custGeom>
+              <a:avLst/>
+              <a:gdLst/>
+              <a:ahLst/>
+              <a:cxnLst/>
+              <a:rect l="l" t="t" r="r" b="b"/>
+              <a:pathLst>
+                <a:path w="1213344" h="406400">
+                  <a:moveTo>
+                    <a:pt x="1010144" y="0"/>
+                  </a:moveTo>
+                  <a:cubicBezTo>
+                    <a:pt x="1122369" y="0"/>
+                    <a:pt x="1213344" y="90976"/>
+                    <a:pt x="1213344" y="203200"/>
+                  </a:cubicBezTo>
+                  <a:cubicBezTo>
+                    <a:pt x="1213344" y="315424"/>
+                    <a:pt x="1122369" y="406400"/>
+                    <a:pt x="1010144" y="406400"/>
+                  </a:cubicBezTo>
+                  <a:lnTo>
+                    <a:pt x="203200" y="406400"/>
+                  </a:lnTo>
+                  <a:cubicBezTo>
+                    <a:pt x="90976" y="406400"/>
+                    <a:pt x="0" y="315424"/>
+                    <a:pt x="0" y="203200"/>
+                  </a:cubicBezTo>
+                  <a:cubicBezTo>
+                    <a:pt x="0" y="90976"/>
+                    <a:pt x="90976" y="0"/>
+                    <a:pt x="203200" y="0"/>
+                  </a:cubicBezTo>
+                  <a:close/>
+                </a:path>
+              </a:pathLst>
+            </a:custGeom>
+            <a:solidFill>
+              <a:srgbClr val="024F44"/>
+            </a:solidFill>
+            <a:ln w="38100" cap="sq">
+              <a:solidFill>
+                <a:srgbClr val="F7F7F7"/>
+              </a:solidFill>
+              <a:prstDash val="sysDot"/>
+              <a:miter/>
+            </a:ln>
+          </p:spPr>
+          <p:txBody>
+            <a:bodyPr/>
+            <a:lstStyle/>
+            <a:p>
+              <a:endParaRPr lang="en-US" dirty="0"/>
+            </a:p>
+          </p:txBody>
+        </p:sp>
+        <p:sp>
+          <p:nvSpPr>
+            <p:cNvPr id="16" name="TextBox 16"/>
+            <p:cNvSpPr txBox="1"/>
+            <p:nvPr/>
+          </p:nvSpPr>
+          <p:spPr>
+            <a:xfrm>
+              <a:off x="0" y="-133350"/>
+              <a:ext cx="1213344" cy="539750"/>
+            </a:xfrm>
+            <a:prstGeom prst="rect">
+              <a:avLst/>
+            </a:prstGeom>
+          </p:spPr>
+          <p:txBody>
+            <a:bodyPr lIns="50800" tIns="50800" rIns="50800" bIns="50800" rtlCol="0" anchor="ctr"/>
+            <a:lstStyle/>
+            <a:p>
+              <a:pPr algn="ctr">
+                <a:lnSpc>
+                  <a:spcPts val="4759"/>
+                </a:lnSpc>
+              </a:pPr>
+              <a:endParaRPr lang="en-US" sz="2800" b="1" spc="-67" dirty="0">
+                <a:solidFill>
+                  <a:srgbClr val="FFFFFF"/>
+                </a:solidFill>
+                <a:latin typeface="Arial Bold"/>
+                <a:ea typeface="Arial Bold"/>
+                <a:cs typeface="Arial Bold"/>
+                <a:sym typeface="Arial Bold"/>
+              </a:endParaRPr>
+            </a:p>
+            <a:p>
+              <a:pPr algn="ctr">
+                <a:lnSpc>
+                  <a:spcPts val="4759"/>
+                </a:lnSpc>
+              </a:pPr>
+              <a:r>
+                <a:rPr lang="en-US" sz="2800" b="1" spc="-67" dirty="0">
+                  <a:solidFill>
+                    <a:srgbClr val="FFFFFF"/>
+                  </a:solidFill>
+                  <a:latin typeface="Arial Bold"/>
+                  <a:ea typeface="Arial Bold"/>
+                  <a:cs typeface="Arial Bold"/>
+                  <a:sym typeface="Arial Bold"/>
+                </a:rPr>
+                <a:t>Turn-based prompts (“Enter row and column: ”)</a:t>
+              </a:r>
+            </a:p>
+          </p:txBody>
+        </p:sp>
+      </p:grpSp>
+      <p:grpSp>
+        <p:nvGrpSpPr>
+          <p:cNvPr id="17" name="Group 17"/>
+          <p:cNvGrpSpPr/>
+          <p:nvPr/>
+        </p:nvGrpSpPr>
+        <p:grpSpPr>
+          <a:xfrm>
+            <a:off x="2985256" y="6795761"/>
+            <a:ext cx="5668394" cy="1978533"/>
+            <a:chOff x="0" y="0"/>
+            <a:chExt cx="1213344" cy="423514"/>
+          </a:xfrm>
+        </p:grpSpPr>
+        <p:sp>
+          <p:nvSpPr>
+            <p:cNvPr id="18" name="Freeform 18"/>
+            <p:cNvSpPr/>
+            <p:nvPr/>
+          </p:nvSpPr>
+          <p:spPr>
+            <a:xfrm>
+              <a:off x="0" y="0"/>
+              <a:ext cx="1213344" cy="423514"/>
+            </a:xfrm>
+            <a:custGeom>
+              <a:avLst/>
+              <a:gdLst/>
+              <a:ahLst/>
+              <a:cxnLst/>
+              <a:rect l="l" t="t" r="r" b="b"/>
+              <a:pathLst>
+                <a:path w="1213344" h="423514">
+                  <a:moveTo>
+                    <a:pt x="1010144" y="0"/>
+                  </a:moveTo>
+                  <a:cubicBezTo>
+                    <a:pt x="1122369" y="0"/>
+                    <a:pt x="1213344" y="94807"/>
+                    <a:pt x="1213344" y="211757"/>
+                  </a:cubicBezTo>
+                  <a:cubicBezTo>
+                    <a:pt x="1213344" y="328707"/>
+                    <a:pt x="1122369" y="423514"/>
+                    <a:pt x="1010144" y="423514"/>
+                  </a:cubicBezTo>
+                  <a:lnTo>
+                    <a:pt x="203200" y="423514"/>
+                  </a:lnTo>
+                  <a:cubicBezTo>
+                    <a:pt x="90976" y="423514"/>
+                    <a:pt x="0" y="328707"/>
+                    <a:pt x="0" y="211757"/>
+                  </a:cubicBezTo>
+                  <a:cubicBezTo>
+                    <a:pt x="0" y="94807"/>
+                    <a:pt x="90976" y="0"/>
+                    <a:pt x="203200" y="0"/>
+                  </a:cubicBezTo>
+                  <a:close/>
+                </a:path>
+              </a:pathLst>
+            </a:custGeom>
+            <a:solidFill>
+              <a:srgbClr val="024F44"/>
+            </a:solidFill>
+            <a:ln w="38100" cap="sq">
+              <a:solidFill>
+                <a:srgbClr val="F7F7F7"/>
+              </a:solidFill>
+              <a:prstDash val="sysDot"/>
+              <a:miter/>
+            </a:ln>
+          </p:spPr>
+          <p:txBody>
+            <a:bodyPr/>
+            <a:lstStyle/>
+            <a:p>
+              <a:endParaRPr lang="en-US"/>
+            </a:p>
+          </p:txBody>
+        </p:sp>
+        <p:sp>
+          <p:nvSpPr>
+            <p:cNvPr id="19" name="TextBox 19"/>
+            <p:cNvSpPr txBox="1"/>
+            <p:nvPr/>
+          </p:nvSpPr>
+          <p:spPr>
+            <a:xfrm>
+              <a:off x="0" y="-133350"/>
+              <a:ext cx="1213344" cy="556864"/>
+            </a:xfrm>
+            <a:prstGeom prst="rect">
+              <a:avLst/>
+            </a:prstGeom>
+          </p:spPr>
+          <p:txBody>
+            <a:bodyPr lIns="50800" tIns="50800" rIns="50800" bIns="50800" rtlCol="0" anchor="ctr"/>
+            <a:lstStyle/>
+            <a:p>
+              <a:pPr algn="ctr">
+                <a:lnSpc>
+                  <a:spcPts val="4759"/>
+                </a:lnSpc>
+              </a:pPr>
+              <a:endParaRPr lang="en-US" sz="2800" b="1" spc="-67" dirty="0">
+                <a:solidFill>
+                  <a:srgbClr val="FFFFFF"/>
+                </a:solidFill>
+                <a:latin typeface="Arial Bold"/>
+                <a:ea typeface="Arial Bold"/>
+                <a:cs typeface="Arial Bold"/>
+                <a:sym typeface="Arial Bold"/>
+              </a:endParaRPr>
+            </a:p>
+            <a:p>
+              <a:pPr algn="ctr">
+                <a:lnSpc>
+                  <a:spcPts val="4759"/>
+                </a:lnSpc>
+              </a:pPr>
+              <a:r>
+                <a:rPr lang="en-US" sz="2800" b="1" spc="-67" dirty="0">
+                  <a:solidFill>
+                    <a:srgbClr val="FFFFFF"/>
+                  </a:solidFill>
+                  <a:latin typeface="Arial Bold"/>
+                  <a:ea typeface="Arial Bold"/>
+                  <a:cs typeface="Arial Bold"/>
+                  <a:sym typeface="Arial Bold"/>
+                </a:rPr>
+                <a:t>Invalid move? </a:t>
+              </a:r>
+            </a:p>
+            <a:p>
+              <a:pPr algn="ctr">
+                <a:lnSpc>
+                  <a:spcPts val="4759"/>
+                </a:lnSpc>
+              </a:pPr>
+              <a:r>
+                <a:rPr lang="en-US" sz="2800" b="1" spc="-67" dirty="0">
+                  <a:solidFill>
+                    <a:srgbClr val="FFFFFF"/>
+                  </a:solidFill>
+                  <a:latin typeface="Arial Bold"/>
+                  <a:ea typeface="Arial Bold"/>
+                  <a:cs typeface="Arial Bold"/>
+                  <a:sym typeface="Arial Bold"/>
+                </a:rPr>
+                <a:t>Shows message &amp; asks again</a:t>
+              </a:r>
+            </a:p>
+          </p:txBody>
+        </p:sp>
+      </p:grpSp>
+      <p:grpSp>
+        <p:nvGrpSpPr>
+          <p:cNvPr id="20" name="Group 20"/>
+          <p:cNvGrpSpPr/>
+          <p:nvPr/>
+        </p:nvGrpSpPr>
+        <p:grpSpPr>
+          <a:xfrm>
+            <a:off x="10107523" y="4094221"/>
+            <a:ext cx="5668394" cy="2521556"/>
+            <a:chOff x="0" y="-133350"/>
+            <a:chExt cx="1213344" cy="539750"/>
+          </a:xfrm>
+        </p:grpSpPr>
+        <p:sp>
+          <p:nvSpPr>
+            <p:cNvPr id="21" name="Freeform 21"/>
+            <p:cNvSpPr/>
+            <p:nvPr/>
+          </p:nvSpPr>
+          <p:spPr>
+            <a:xfrm>
+              <a:off x="0" y="0"/>
+              <a:ext cx="1213344" cy="406400"/>
+            </a:xfrm>
+            <a:custGeom>
+              <a:avLst/>
+              <a:gdLst/>
+              <a:ahLst/>
+              <a:cxnLst/>
+              <a:rect l="l" t="t" r="r" b="b"/>
+              <a:pathLst>
+                <a:path w="1213344" h="406400">
+                  <a:moveTo>
+                    <a:pt x="1010144" y="0"/>
+                  </a:moveTo>
+                  <a:cubicBezTo>
+                    <a:pt x="1122369" y="0"/>
+                    <a:pt x="1213344" y="90976"/>
+                    <a:pt x="1213344" y="203200"/>
+                  </a:cubicBezTo>
+                  <a:cubicBezTo>
+                    <a:pt x="1213344" y="315424"/>
+                    <a:pt x="1122369" y="406400"/>
+                    <a:pt x="1010144" y="406400"/>
+                  </a:cubicBezTo>
+                  <a:lnTo>
+                    <a:pt x="203200" y="406400"/>
+                  </a:lnTo>
+                  <a:cubicBezTo>
+                    <a:pt x="90976" y="406400"/>
+                    <a:pt x="0" y="315424"/>
+                    <a:pt x="0" y="203200"/>
+                  </a:cubicBezTo>
+                  <a:cubicBezTo>
+                    <a:pt x="0" y="90976"/>
+                    <a:pt x="90976" y="0"/>
+                    <a:pt x="203200" y="0"/>
+                  </a:cubicBezTo>
+                  <a:close/>
+                </a:path>
+              </a:pathLst>
+            </a:custGeom>
+            <a:solidFill>
+              <a:srgbClr val="024F44"/>
+            </a:solidFill>
+            <a:ln w="38100" cap="sq">
+              <a:solidFill>
+                <a:srgbClr val="F7F7F7"/>
+              </a:solidFill>
+              <a:prstDash val="sysDot"/>
+              <a:miter/>
+            </a:ln>
+          </p:spPr>
+          <p:txBody>
+            <a:bodyPr/>
+            <a:lstStyle/>
+            <a:p>
+              <a:endParaRPr lang="en-US" dirty="0"/>
+            </a:p>
+          </p:txBody>
+        </p:sp>
+        <p:sp>
+          <p:nvSpPr>
+            <p:cNvPr id="22" name="TextBox 22"/>
+            <p:cNvSpPr txBox="1"/>
+            <p:nvPr/>
+          </p:nvSpPr>
+          <p:spPr>
+            <a:xfrm>
+              <a:off x="0" y="-133350"/>
+              <a:ext cx="1213344" cy="539750"/>
+            </a:xfrm>
+            <a:prstGeom prst="rect">
+              <a:avLst/>
+            </a:prstGeom>
+          </p:spPr>
+          <p:txBody>
+            <a:bodyPr lIns="50800" tIns="50800" rIns="50800" bIns="50800" rtlCol="0" anchor="ctr"/>
+            <a:lstStyle/>
+            <a:p>
+              <a:pPr algn="ctr">
+                <a:lnSpc>
+                  <a:spcPts val="4759"/>
+                </a:lnSpc>
+              </a:pPr>
+              <a:endParaRPr lang="en-US" sz="3200" b="1" spc="-67" dirty="0">
+                <a:solidFill>
+                  <a:srgbClr val="FFFFFF"/>
+                </a:solidFill>
+                <a:latin typeface="Arial Bold"/>
+                <a:ea typeface="Arial Bold"/>
+                <a:cs typeface="Arial Bold"/>
+                <a:sym typeface="Arial Bold"/>
+              </a:endParaRPr>
+            </a:p>
+            <a:p>
+              <a:pPr algn="ctr">
+                <a:lnSpc>
+                  <a:spcPts val="4759"/>
+                </a:lnSpc>
+              </a:pPr>
+              <a:r>
+                <a:rPr lang="en-US" sz="3200" b="1" spc="-67" dirty="0">
+                  <a:solidFill>
+                    <a:srgbClr val="FFFFFF"/>
+                  </a:solidFill>
+                  <a:latin typeface="Arial Bold"/>
+                  <a:ea typeface="Arial Bold"/>
+                  <a:cs typeface="Arial Bold"/>
+                  <a:sym typeface="Arial Bold"/>
+                </a:rPr>
+                <a:t>Clear screen on transitions using clear() function</a:t>
+              </a:r>
+            </a:p>
+          </p:txBody>
+        </p:sp>
+      </p:grpSp>
+      <p:grpSp>
+        <p:nvGrpSpPr>
+          <p:cNvPr id="23" name="Group 23"/>
+          <p:cNvGrpSpPr/>
+          <p:nvPr/>
+        </p:nvGrpSpPr>
+        <p:grpSpPr>
+          <a:xfrm>
+            <a:off x="10099562" y="6169219"/>
+            <a:ext cx="5668394" cy="2521556"/>
+            <a:chOff x="0" y="-133350"/>
+            <a:chExt cx="1213344" cy="539750"/>
+          </a:xfrm>
+        </p:grpSpPr>
+        <p:sp>
+          <p:nvSpPr>
+            <p:cNvPr id="24" name="Freeform 24"/>
+            <p:cNvSpPr/>
+            <p:nvPr/>
+          </p:nvSpPr>
+          <p:spPr>
+            <a:xfrm>
+              <a:off x="0" y="0"/>
+              <a:ext cx="1213344" cy="406400"/>
+            </a:xfrm>
+            <a:custGeom>
+              <a:avLst/>
+              <a:gdLst/>
+              <a:ahLst/>
+              <a:cxnLst/>
+              <a:rect l="l" t="t" r="r" b="b"/>
+              <a:pathLst>
+                <a:path w="1213344" h="406400">
+                  <a:moveTo>
+                    <a:pt x="1010144" y="0"/>
+                  </a:moveTo>
+                  <a:cubicBezTo>
+                    <a:pt x="1122369" y="0"/>
+                    <a:pt x="1213344" y="90976"/>
+                    <a:pt x="1213344" y="203200"/>
+                  </a:cubicBezTo>
+                  <a:cubicBezTo>
+                    <a:pt x="1213344" y="315424"/>
+                    <a:pt x="1122369" y="406400"/>
+                    <a:pt x="1010144" y="406400"/>
+                  </a:cubicBezTo>
+                  <a:lnTo>
+                    <a:pt x="203200" y="406400"/>
+                  </a:lnTo>
+                  <a:cubicBezTo>
+                    <a:pt x="90976" y="406400"/>
+                    <a:pt x="0" y="315424"/>
+                    <a:pt x="0" y="203200"/>
+                  </a:cubicBezTo>
+                  <a:cubicBezTo>
+                    <a:pt x="0" y="90976"/>
+                    <a:pt x="90976" y="0"/>
+                    <a:pt x="203200" y="0"/>
+                  </a:cubicBezTo>
+                  <a:close/>
+                </a:path>
+              </a:pathLst>
+            </a:custGeom>
+            <a:solidFill>
+              <a:srgbClr val="024F44"/>
+            </a:solidFill>
+            <a:ln w="38100" cap="sq">
+              <a:solidFill>
+                <a:srgbClr val="F7F7F7"/>
+              </a:solidFill>
+              <a:prstDash val="sysDot"/>
+              <a:miter/>
+            </a:ln>
+          </p:spPr>
+          <p:txBody>
+            <a:bodyPr/>
+            <a:lstStyle/>
+            <a:p>
+              <a:endParaRPr lang="en-US"/>
+            </a:p>
+          </p:txBody>
+        </p:sp>
+        <p:sp>
+          <p:nvSpPr>
+            <p:cNvPr id="25" name="TextBox 25"/>
+            <p:cNvSpPr txBox="1"/>
+            <p:nvPr/>
+          </p:nvSpPr>
+          <p:spPr>
+            <a:xfrm>
+              <a:off x="0" y="-133350"/>
+              <a:ext cx="1213344" cy="539750"/>
+            </a:xfrm>
+            <a:prstGeom prst="rect">
+              <a:avLst/>
+            </a:prstGeom>
+          </p:spPr>
+          <p:txBody>
+            <a:bodyPr lIns="50800" tIns="50800" rIns="50800" bIns="50800" rtlCol="0" anchor="ctr"/>
+            <a:lstStyle/>
+            <a:p>
+              <a:pPr algn="ctr">
+                <a:lnSpc>
+                  <a:spcPts val="4759"/>
+                </a:lnSpc>
+              </a:pPr>
+              <a:endParaRPr lang="en-US" sz="2800" b="1" spc="-67" dirty="0">
+                <a:solidFill>
+                  <a:srgbClr val="FFFFFF"/>
+                </a:solidFill>
+                <a:latin typeface="Arial Bold"/>
+                <a:ea typeface="Arial Bold"/>
+                <a:cs typeface="Arial Bold"/>
+                <a:sym typeface="Arial Bold"/>
+              </a:endParaRPr>
+            </a:p>
+            <a:p>
+              <a:pPr algn="ctr">
+                <a:lnSpc>
+                  <a:spcPts val="4759"/>
+                </a:lnSpc>
+              </a:pPr>
+              <a:r>
+                <a:rPr lang="en-US" sz="2800" b="1" spc="-67" dirty="0">
+                  <a:solidFill>
+                    <a:srgbClr val="FFFFFF"/>
+                  </a:solidFill>
+                  <a:latin typeface="Arial Bold"/>
+                  <a:ea typeface="Arial Bold"/>
+                  <a:cs typeface="Arial Bold"/>
+                  <a:sym typeface="Arial Bold"/>
+                </a:rPr>
+                <a:t>Menu navigation with simple number input</a:t>
+              </a:r>
+            </a:p>
+          </p:txBody>
+        </p:sp>
+      </p:grpSp>
     </p:spTree>
   </p:cSld>
   <p:clrMapOvr>
@@ -7381,6 +7743,703 @@
       </p:grpSpPr>
       <p:sp>
         <p:nvSpPr>
+          <p:cNvPr id="7" name="Rectangle 2">
+            <a:extLst>
+              <a:ext uri="{FF2B5EF4-FFF2-40B4-BE49-F238E27FC236}">
+                <a16:creationId xmlns:a16="http://schemas.microsoft.com/office/drawing/2014/main" id="{4F29882B-7DB2-36DA-9ABC-4C5BE9C452A0}"/>
+              </a:ext>
+            </a:extLst>
+          </p:cNvPr>
+          <p:cNvSpPr>
+            <a:spLocks noChangeArrowheads="1"/>
+          </p:cNvSpPr>
+          <p:nvPr/>
+        </p:nvSpPr>
+        <p:spPr bwMode="auto">
+          <a:xfrm>
+            <a:off x="914400" y="3251421"/>
+            <a:ext cx="7086600" cy="4401205"/>
+          </a:xfrm>
+          <a:prstGeom prst="rect">
+            <a:avLst/>
+          </a:prstGeom>
+          <a:noFill/>
+          <a:ln>
+            <a:noFill/>
+          </a:ln>
+          <a:effectLst/>
+          <a:extLst>
+            <a:ext uri="{909E8E84-426E-40DD-AFC4-6F175D3DCCD1}">
+              <a14:hiddenFill xmlns:a14="http://schemas.microsoft.com/office/drawing/2010/main">
+                <a:solidFill>
+                  <a:schemeClr val="accent1"/>
+                </a:solidFill>
+              </a14:hiddenFill>
+            </a:ext>
+            <a:ext uri="{91240B29-F687-4F45-9708-019B960494DF}">
+              <a14:hiddenLine xmlns:a14="http://schemas.microsoft.com/office/drawing/2010/main" w="9525">
+                <a:solidFill>
+                  <a:schemeClr val="tx1"/>
+                </a:solidFill>
+                <a:miter lim="800000"/>
+                <a:headEnd/>
+                <a:tailEnd/>
+              </a14:hiddenLine>
+            </a:ext>
+            <a:ext uri="{AF507438-7753-43E0-B8FC-AC1667EBCBE1}">
+              <a14:hiddenEffects xmlns:a14="http://schemas.microsoft.com/office/drawing/2010/main">
+                <a:effectLst>
+                  <a:outerShdw dist="35921" dir="2700000" algn="ctr" rotWithShape="0">
+                    <a:schemeClr val="bg2"/>
+                  </a:outerShdw>
+                </a:effectLst>
+              </a14:hiddenEffects>
+            </a:ext>
+          </a:extLst>
+        </p:spPr>
+        <p:txBody>
+          <a:bodyPr vert="horz" wrap="square" lIns="91440" tIns="45720" rIns="91440" bIns="45720" numCol="1" anchor="ctr" anchorCtr="0" compatLnSpc="1">
+            <a:prstTxWarp prst="textNoShape">
+              <a:avLst/>
+            </a:prstTxWarp>
+            <a:spAutoFit/>
+          </a:bodyPr>
+          <a:lstStyle/>
+          <a:p>
+            <a:pPr marL="0" marR="0" lvl="0" indent="0" algn="l" defTabSz="914400" rtl="0" eaLnBrk="0" fontAlgn="base" latinLnBrk="0" hangingPunct="0">
+              <a:lnSpc>
+                <a:spcPct val="100000"/>
+              </a:lnSpc>
+              <a:spcBef>
+                <a:spcPct val="0"/>
+              </a:spcBef>
+              <a:spcAft>
+                <a:spcPct val="0"/>
+              </a:spcAft>
+              <a:buClrTx/>
+              <a:buSzTx/>
+              <a:buFontTx/>
+              <a:buNone/>
+              <a:tabLst/>
+            </a:pPr>
+            <a:endParaRPr kumimoji="0" lang="en-US" altLang="en-US" sz="2800" i="0" u="none" strike="noStrike" cap="none" normalizeH="0" baseline="0" dirty="0">
+              <a:ln>
+                <a:noFill/>
+              </a:ln>
+              <a:solidFill>
+                <a:schemeClr val="bg1"/>
+              </a:solidFill>
+              <a:effectLst/>
+              <a:latin typeface="Arial Bold"/>
+              <a:cs typeface="Arial Bold"/>
+            </a:endParaRPr>
+          </a:p>
+          <a:p>
+            <a:pPr marL="0" marR="0" lvl="0" indent="0" algn="l" defTabSz="914400" rtl="0" eaLnBrk="0" fontAlgn="base" latinLnBrk="0" hangingPunct="0">
+              <a:lnSpc>
+                <a:spcPct val="100000"/>
+              </a:lnSpc>
+              <a:spcBef>
+                <a:spcPct val="0"/>
+              </a:spcBef>
+              <a:spcAft>
+                <a:spcPct val="0"/>
+              </a:spcAft>
+              <a:buClrTx/>
+              <a:buSzTx/>
+              <a:buFontTx/>
+              <a:buChar char="•"/>
+              <a:tabLst/>
+            </a:pPr>
+            <a:r>
+              <a:rPr lang="en-US" altLang="en-US" sz="2800" b="1" dirty="0">
+                <a:solidFill>
+                  <a:schemeClr val="bg1"/>
+                </a:solidFill>
+                <a:latin typeface="Arial Bold"/>
+                <a:cs typeface="Arial Bold"/>
+              </a:rPr>
+              <a:t>main() calls </a:t>
+            </a:r>
+            <a:r>
+              <a:rPr kumimoji="0" lang="en-US" altLang="en-US" sz="2800" b="1" i="0" u="none" strike="noStrike" cap="none" normalizeH="0" baseline="0" dirty="0" err="1">
+                <a:ln>
+                  <a:noFill/>
+                </a:ln>
+                <a:solidFill>
+                  <a:schemeClr val="bg1"/>
+                </a:solidFill>
+                <a:effectLst/>
+                <a:latin typeface="Consolas" panose="020B0609020204030204" pitchFamily="49" charset="0"/>
+                <a:cs typeface="Arial Bold"/>
+              </a:rPr>
+              <a:t>run_game</a:t>
+            </a:r>
+            <a:r>
+              <a:rPr kumimoji="0" lang="en-US" altLang="en-US" sz="2800" b="1" i="0" u="none" strike="noStrike" cap="none" normalizeH="0" baseline="0" dirty="0">
+                <a:ln>
+                  <a:noFill/>
+                </a:ln>
+                <a:solidFill>
+                  <a:schemeClr val="bg1"/>
+                </a:solidFill>
+                <a:effectLst/>
+                <a:latin typeface="Consolas" panose="020B0609020204030204" pitchFamily="49" charset="0"/>
+                <a:cs typeface="Arial Bold"/>
+              </a:rPr>
+              <a:t>(mode) based on mode selected </a:t>
+            </a:r>
+          </a:p>
+          <a:p>
+            <a:pPr marL="0" marR="0" lvl="0" indent="0" algn="l" defTabSz="914400" rtl="0" eaLnBrk="0" fontAlgn="base" latinLnBrk="0" hangingPunct="0">
+              <a:lnSpc>
+                <a:spcPct val="100000"/>
+              </a:lnSpc>
+              <a:spcBef>
+                <a:spcPct val="0"/>
+              </a:spcBef>
+              <a:spcAft>
+                <a:spcPct val="0"/>
+              </a:spcAft>
+              <a:buClrTx/>
+              <a:buSzTx/>
+              <a:buFontTx/>
+              <a:buChar char="•"/>
+              <a:tabLst/>
+            </a:pPr>
+            <a:endParaRPr kumimoji="0" lang="en-US" altLang="en-US" sz="2800" b="1" i="0" u="none" strike="noStrike" cap="none" normalizeH="0" baseline="0" dirty="0">
+              <a:ln>
+                <a:noFill/>
+              </a:ln>
+              <a:solidFill>
+                <a:schemeClr val="bg1"/>
+              </a:solidFill>
+              <a:effectLst/>
+              <a:latin typeface="Arial Bold"/>
+              <a:cs typeface="Arial Bold"/>
+            </a:endParaRPr>
+          </a:p>
+          <a:p>
+            <a:pPr marL="0" marR="0" lvl="0" indent="0" algn="l" defTabSz="914400" rtl="0" eaLnBrk="0" fontAlgn="base" latinLnBrk="0" hangingPunct="0">
+              <a:lnSpc>
+                <a:spcPct val="100000"/>
+              </a:lnSpc>
+              <a:spcBef>
+                <a:spcPct val="0"/>
+              </a:spcBef>
+              <a:spcAft>
+                <a:spcPct val="0"/>
+              </a:spcAft>
+              <a:buClrTx/>
+              <a:buSzTx/>
+              <a:buFontTx/>
+              <a:buChar char="•"/>
+              <a:tabLst/>
+            </a:pPr>
+            <a:r>
+              <a:rPr kumimoji="0" lang="en-US" altLang="en-US" sz="2800" b="1" i="0" u="none" strike="noStrike" cap="none" normalizeH="0" baseline="0" dirty="0">
+                <a:ln>
+                  <a:noFill/>
+                </a:ln>
+                <a:solidFill>
+                  <a:schemeClr val="bg1"/>
+                </a:solidFill>
+                <a:effectLst/>
+                <a:latin typeface="Arial Bold"/>
+                <a:cs typeface="Arial Bold"/>
+              </a:rPr>
+              <a:t>3×3 char array for board state</a:t>
+            </a:r>
+          </a:p>
+          <a:p>
+            <a:pPr marL="0" marR="0" lvl="0" indent="0" algn="l" defTabSz="914400" rtl="0" eaLnBrk="0" fontAlgn="base" latinLnBrk="0" hangingPunct="0">
+              <a:lnSpc>
+                <a:spcPct val="100000"/>
+              </a:lnSpc>
+              <a:spcBef>
+                <a:spcPct val="0"/>
+              </a:spcBef>
+              <a:spcAft>
+                <a:spcPct val="0"/>
+              </a:spcAft>
+              <a:buClrTx/>
+              <a:buSzTx/>
+              <a:buFontTx/>
+              <a:buChar char="•"/>
+              <a:tabLst/>
+            </a:pPr>
+            <a:endParaRPr kumimoji="0" lang="en-US" altLang="en-US" sz="2800" b="1" i="0" u="none" strike="noStrike" cap="none" normalizeH="0" baseline="0" dirty="0">
+              <a:ln>
+                <a:noFill/>
+              </a:ln>
+              <a:solidFill>
+                <a:schemeClr val="bg1"/>
+              </a:solidFill>
+              <a:effectLst/>
+              <a:latin typeface="Arial Bold"/>
+              <a:cs typeface="Arial Bold"/>
+            </a:endParaRPr>
+          </a:p>
+          <a:p>
+            <a:pPr marL="0" marR="0" lvl="0" indent="0" algn="l" defTabSz="914400" rtl="0" eaLnBrk="0" fontAlgn="base" latinLnBrk="0" hangingPunct="0">
+              <a:lnSpc>
+                <a:spcPct val="100000"/>
+              </a:lnSpc>
+              <a:spcBef>
+                <a:spcPct val="0"/>
+              </a:spcBef>
+              <a:spcAft>
+                <a:spcPct val="0"/>
+              </a:spcAft>
+              <a:buClrTx/>
+              <a:buSzTx/>
+              <a:buFontTx/>
+              <a:buChar char="•"/>
+              <a:tabLst/>
+            </a:pPr>
+            <a:r>
+              <a:rPr kumimoji="0" lang="en-US" altLang="en-US" sz="2800" b="1" i="0" u="none" strike="noStrike" cap="none" normalizeH="0" baseline="0" dirty="0">
+                <a:ln>
+                  <a:noFill/>
+                </a:ln>
+                <a:solidFill>
+                  <a:schemeClr val="bg1"/>
+                </a:solidFill>
+                <a:effectLst/>
+                <a:latin typeface="Arial Bold"/>
+                <a:cs typeface="Arial Bold"/>
+              </a:rPr>
+              <a:t>Turn  toggling between X and O</a:t>
+            </a:r>
+          </a:p>
+          <a:p>
+            <a:pPr marL="0" marR="0" lvl="0" indent="0" algn="l" defTabSz="914400" rtl="0" eaLnBrk="0" fontAlgn="base" latinLnBrk="0" hangingPunct="0">
+              <a:lnSpc>
+                <a:spcPct val="100000"/>
+              </a:lnSpc>
+              <a:spcBef>
+                <a:spcPct val="0"/>
+              </a:spcBef>
+              <a:spcAft>
+                <a:spcPct val="0"/>
+              </a:spcAft>
+              <a:buClrTx/>
+              <a:buSzTx/>
+              <a:buFontTx/>
+              <a:buChar char="•"/>
+              <a:tabLst/>
+            </a:pPr>
+            <a:endParaRPr kumimoji="0" lang="en-US" altLang="en-US" sz="2800" b="1" i="0" u="none" strike="noStrike" cap="none" normalizeH="0" baseline="0" dirty="0">
+              <a:ln>
+                <a:noFill/>
+              </a:ln>
+              <a:solidFill>
+                <a:schemeClr val="bg1"/>
+              </a:solidFill>
+              <a:effectLst/>
+              <a:latin typeface="Arial Bold"/>
+              <a:cs typeface="Arial Bold"/>
+            </a:endParaRPr>
+          </a:p>
+          <a:p>
+            <a:pPr marL="0" marR="0" lvl="0" indent="0" algn="l" defTabSz="914400" rtl="0" eaLnBrk="0" fontAlgn="base" latinLnBrk="0" hangingPunct="0">
+              <a:lnSpc>
+                <a:spcPct val="100000"/>
+              </a:lnSpc>
+              <a:spcBef>
+                <a:spcPct val="0"/>
+              </a:spcBef>
+              <a:spcAft>
+                <a:spcPct val="0"/>
+              </a:spcAft>
+              <a:buClrTx/>
+              <a:buSzTx/>
+              <a:buFontTx/>
+              <a:buChar char="•"/>
+              <a:tabLst/>
+            </a:pPr>
+            <a:r>
+              <a:rPr kumimoji="0" lang="en-US" altLang="en-US" sz="2800" b="1" i="0" u="none" strike="noStrike" cap="none" normalizeH="0" baseline="0" dirty="0">
+                <a:ln>
+                  <a:noFill/>
+                </a:ln>
+                <a:solidFill>
+                  <a:schemeClr val="bg1"/>
+                </a:solidFill>
+                <a:effectLst/>
+                <a:latin typeface="Arial Bold"/>
+                <a:cs typeface="Arial Bold"/>
+              </a:rPr>
+              <a:t>Input checks: format, range, </a:t>
+            </a:r>
+            <a:r>
+              <a:rPr lang="en-US" altLang="en-US" sz="2800" b="1" dirty="0">
+                <a:solidFill>
+                  <a:schemeClr val="bg1"/>
+                </a:solidFill>
+                <a:latin typeface="Arial Bold"/>
+                <a:cs typeface="Arial Bold"/>
+              </a:rPr>
+              <a:t>occupancy</a:t>
+            </a:r>
+            <a:endParaRPr kumimoji="0" lang="en-US" altLang="en-US" sz="2800" b="1" i="0" u="none" strike="noStrike" cap="none" normalizeH="0" baseline="0" dirty="0">
+              <a:ln>
+                <a:noFill/>
+              </a:ln>
+              <a:solidFill>
+                <a:schemeClr val="bg1"/>
+              </a:solidFill>
+              <a:effectLst/>
+              <a:latin typeface="Arial Bold"/>
+              <a:cs typeface="Arial Bold"/>
+            </a:endParaRPr>
+          </a:p>
+          <a:p>
+            <a:pPr marL="0" marR="0" lvl="0" indent="0" algn="l" defTabSz="914400" rtl="0" eaLnBrk="0" fontAlgn="base" latinLnBrk="0" hangingPunct="0">
+              <a:lnSpc>
+                <a:spcPct val="100000"/>
+              </a:lnSpc>
+              <a:spcBef>
+                <a:spcPct val="0"/>
+              </a:spcBef>
+              <a:spcAft>
+                <a:spcPct val="0"/>
+              </a:spcAft>
+              <a:buClrTx/>
+              <a:buSzTx/>
+              <a:buFontTx/>
+              <a:buNone/>
+              <a:tabLst/>
+            </a:pPr>
+            <a:endParaRPr kumimoji="0" lang="en-US" altLang="en-US" sz="2800" i="0" u="none" strike="noStrike" cap="none" normalizeH="0" baseline="0" dirty="0">
+              <a:ln>
+                <a:noFill/>
+              </a:ln>
+              <a:solidFill>
+                <a:schemeClr val="bg1"/>
+              </a:solidFill>
+              <a:effectLst/>
+              <a:latin typeface="Arial Bold"/>
+              <a:cs typeface="Arial Bold"/>
+            </a:endParaRPr>
+          </a:p>
+        </p:txBody>
+      </p:sp>
+      <p:sp>
+        <p:nvSpPr>
+          <p:cNvPr id="9" name="TextBox 8">
+            <a:extLst>
+              <a:ext uri="{FF2B5EF4-FFF2-40B4-BE49-F238E27FC236}">
+                <a16:creationId xmlns:a16="http://schemas.microsoft.com/office/drawing/2014/main" id="{4D539E8D-7E2A-DC90-E788-DD54A8535288}"/>
+              </a:ext>
+            </a:extLst>
+          </p:cNvPr>
+          <p:cNvSpPr txBox="1"/>
+          <p:nvPr/>
+        </p:nvSpPr>
+        <p:spPr>
+          <a:xfrm>
+            <a:off x="8153400" y="3466864"/>
+            <a:ext cx="9448800" cy="2246769"/>
+          </a:xfrm>
+          <a:prstGeom prst="rect">
+            <a:avLst/>
+          </a:prstGeom>
+          <a:noFill/>
+        </p:spPr>
+        <p:txBody>
+          <a:bodyPr wrap="square">
+            <a:spAutoFit/>
+          </a:bodyPr>
+          <a:lstStyle/>
+          <a:p>
+            <a:pPr marL="0" marR="0" lvl="0" indent="0" algn="l" defTabSz="914400" rtl="0" eaLnBrk="0" fontAlgn="base" latinLnBrk="0" hangingPunct="0">
+              <a:lnSpc>
+                <a:spcPct val="100000"/>
+              </a:lnSpc>
+              <a:spcBef>
+                <a:spcPct val="0"/>
+              </a:spcBef>
+              <a:spcAft>
+                <a:spcPct val="0"/>
+              </a:spcAft>
+              <a:buClrTx/>
+              <a:buSzTx/>
+              <a:buFontTx/>
+              <a:buChar char="•"/>
+              <a:tabLst/>
+            </a:pPr>
+            <a:endParaRPr kumimoji="0" lang="en-US" altLang="en-US" sz="2800" b="1" i="0" u="none" strike="noStrike" cap="none" normalizeH="0" baseline="0" dirty="0">
+              <a:ln>
+                <a:noFill/>
+              </a:ln>
+              <a:solidFill>
+                <a:schemeClr val="bg1"/>
+              </a:solidFill>
+              <a:effectLst/>
+              <a:latin typeface="Arial Bold"/>
+              <a:cs typeface="Arial Bold"/>
+            </a:endParaRPr>
+          </a:p>
+          <a:p>
+            <a:pPr marL="0" marR="0" lvl="0" indent="0" algn="l" defTabSz="914400" rtl="0" eaLnBrk="0" fontAlgn="base" latinLnBrk="0" hangingPunct="0">
+              <a:lnSpc>
+                <a:spcPct val="100000"/>
+              </a:lnSpc>
+              <a:spcBef>
+                <a:spcPct val="0"/>
+              </a:spcBef>
+              <a:spcAft>
+                <a:spcPct val="0"/>
+              </a:spcAft>
+              <a:buClrTx/>
+              <a:buSzTx/>
+              <a:buFontTx/>
+              <a:buChar char="•"/>
+              <a:tabLst/>
+            </a:pPr>
+            <a:r>
+              <a:rPr kumimoji="0" lang="en-US" altLang="en-US" sz="2800" b="1" i="0" u="none" strike="noStrike" cap="none" normalizeH="0" baseline="0" dirty="0">
+                <a:ln>
+                  <a:noFill/>
+                </a:ln>
+                <a:solidFill>
+                  <a:schemeClr val="bg1"/>
+                </a:solidFill>
+                <a:effectLst/>
+                <a:latin typeface="Arial Bold"/>
+                <a:cs typeface="Arial Bold"/>
+              </a:rPr>
+              <a:t>Win/	Draw detection through loops and counter </a:t>
+            </a:r>
+          </a:p>
+          <a:p>
+            <a:pPr marL="0" marR="0" lvl="0" indent="0" algn="l" defTabSz="914400" rtl="0" eaLnBrk="0" fontAlgn="base" latinLnBrk="0" hangingPunct="0">
+              <a:lnSpc>
+                <a:spcPct val="100000"/>
+              </a:lnSpc>
+              <a:spcBef>
+                <a:spcPct val="0"/>
+              </a:spcBef>
+              <a:spcAft>
+                <a:spcPct val="0"/>
+              </a:spcAft>
+              <a:buClrTx/>
+              <a:buSzTx/>
+              <a:tabLst/>
+            </a:pPr>
+            <a:endParaRPr kumimoji="0" lang="en-US" altLang="en-US" sz="2800" b="1" i="0" u="none" strike="noStrike" cap="none" normalizeH="0" baseline="0" dirty="0">
+              <a:ln>
+                <a:noFill/>
+              </a:ln>
+              <a:solidFill>
+                <a:schemeClr val="bg1"/>
+              </a:solidFill>
+              <a:effectLst/>
+              <a:latin typeface="Arial Bold"/>
+              <a:cs typeface="Arial Bold"/>
+            </a:endParaRPr>
+          </a:p>
+          <a:p>
+            <a:pPr marL="0" marR="0" lvl="0" indent="0" algn="l" defTabSz="914400" rtl="0" eaLnBrk="0" fontAlgn="base" latinLnBrk="0" hangingPunct="0">
+              <a:lnSpc>
+                <a:spcPct val="100000"/>
+              </a:lnSpc>
+              <a:spcBef>
+                <a:spcPct val="0"/>
+              </a:spcBef>
+              <a:spcAft>
+                <a:spcPct val="0"/>
+              </a:spcAft>
+              <a:buClrTx/>
+              <a:buSzTx/>
+              <a:buFontTx/>
+              <a:buChar char="•"/>
+              <a:tabLst/>
+            </a:pPr>
+            <a:r>
+              <a:rPr kumimoji="0" lang="en-US" altLang="en-US" sz="2800" b="1" i="0" u="none" strike="noStrike" cap="none" normalizeH="0" baseline="0" dirty="0">
+                <a:ln>
+                  <a:noFill/>
+                </a:ln>
+                <a:solidFill>
+                  <a:schemeClr val="bg1"/>
+                </a:solidFill>
+                <a:effectLst/>
+                <a:latin typeface="Arial Bold"/>
+                <a:cs typeface="Arial Bold"/>
+              </a:rPr>
+              <a:t>Calls </a:t>
+            </a:r>
+            <a:r>
+              <a:rPr kumimoji="0" lang="en-US" altLang="en-US" sz="2800" b="1" i="0" u="none" strike="noStrike" cap="none" normalizeH="0" baseline="0" dirty="0" err="1">
+                <a:ln>
+                  <a:noFill/>
+                </a:ln>
+                <a:solidFill>
+                  <a:schemeClr val="bg1"/>
+                </a:solidFill>
+                <a:effectLst/>
+                <a:latin typeface="Consolas" panose="020B0609020204030204" pitchFamily="49" charset="0"/>
+                <a:cs typeface="Arial Bold"/>
+              </a:rPr>
+              <a:t>print_board</a:t>
+            </a:r>
+            <a:r>
+              <a:rPr kumimoji="0" lang="en-US" altLang="en-US" sz="2800" b="1" i="0" u="none" strike="noStrike" cap="none" normalizeH="0" baseline="0" dirty="0">
+                <a:ln>
+                  <a:noFill/>
+                </a:ln>
+                <a:solidFill>
+                  <a:schemeClr val="bg1"/>
+                </a:solidFill>
+                <a:effectLst/>
+                <a:latin typeface="Consolas" panose="020B0609020204030204" pitchFamily="49" charset="0"/>
+                <a:cs typeface="Arial Bold"/>
+              </a:rPr>
+              <a:t>() </a:t>
+            </a:r>
+            <a:r>
+              <a:rPr kumimoji="0" lang="en-US" altLang="en-US" sz="2800" b="1" i="0" u="none" strike="noStrike" cap="none" normalizeH="0" baseline="0" dirty="0">
+                <a:ln>
+                  <a:noFill/>
+                </a:ln>
+                <a:solidFill>
+                  <a:schemeClr val="bg1"/>
+                </a:solidFill>
+                <a:effectLst/>
+                <a:latin typeface="Arial Bold"/>
+                <a:cs typeface="Arial Bold"/>
+              </a:rPr>
+              <a:t>and </a:t>
+            </a:r>
+            <a:r>
+              <a:rPr kumimoji="0" lang="en-US" altLang="en-US" sz="2800" b="1" i="0" u="none" strike="noStrike" cap="none" normalizeH="0" baseline="0" dirty="0" err="1">
+                <a:ln>
+                  <a:noFill/>
+                </a:ln>
+                <a:solidFill>
+                  <a:schemeClr val="bg1"/>
+                </a:solidFill>
+                <a:effectLst/>
+                <a:latin typeface="Consolas" panose="020B0609020204030204" pitchFamily="49" charset="0"/>
+                <a:cs typeface="Arial Bold"/>
+              </a:rPr>
+              <a:t>ai_move</a:t>
+            </a:r>
+            <a:r>
+              <a:rPr kumimoji="0" lang="en-US" altLang="en-US" sz="2800" b="1" i="0" u="none" strike="noStrike" cap="none" normalizeH="0" baseline="0" dirty="0">
+                <a:ln>
+                  <a:noFill/>
+                </a:ln>
+                <a:solidFill>
+                  <a:schemeClr val="bg1"/>
+                </a:solidFill>
+                <a:effectLst/>
+                <a:latin typeface="Consolas" panose="020B0609020204030204" pitchFamily="49" charset="0"/>
+                <a:cs typeface="Arial Bold"/>
+              </a:rPr>
+              <a:t>() </a:t>
+            </a:r>
+            <a:r>
+              <a:rPr kumimoji="0" lang="en-US" altLang="en-US" sz="2800" b="1" i="0" u="none" strike="noStrike" cap="none" normalizeH="0" baseline="0" dirty="0">
+                <a:ln>
+                  <a:noFill/>
+                </a:ln>
+                <a:solidFill>
+                  <a:schemeClr val="bg1"/>
+                </a:solidFill>
+                <a:effectLst/>
+                <a:latin typeface="Arial Bold"/>
+                <a:cs typeface="Arial Bold"/>
+              </a:rPr>
+              <a:t>for output and bot turn</a:t>
+            </a:r>
+          </a:p>
+        </p:txBody>
+      </p:sp>
+      <p:sp>
+        <p:nvSpPr>
+          <p:cNvPr id="2" name="TextBox 6">
+            <a:extLst>
+              <a:ext uri="{FF2B5EF4-FFF2-40B4-BE49-F238E27FC236}">
+                <a16:creationId xmlns:a16="http://schemas.microsoft.com/office/drawing/2014/main" id="{DCFD0D47-DD1D-EB4C-5B30-06B372B2F49D}"/>
+              </a:ext>
+            </a:extLst>
+          </p:cNvPr>
+          <p:cNvSpPr txBox="1"/>
+          <p:nvPr/>
+        </p:nvSpPr>
+        <p:spPr>
+          <a:xfrm>
+            <a:off x="1028700" y="1456055"/>
+            <a:ext cx="6330890" cy="1248419"/>
+          </a:xfrm>
+          <a:prstGeom prst="rect">
+            <a:avLst/>
+          </a:prstGeom>
+        </p:spPr>
+        <p:txBody>
+          <a:bodyPr wrap="square" lIns="0" tIns="0" rIns="0" bIns="0" rtlCol="0" anchor="t">
+            <a:spAutoFit/>
+          </a:bodyPr>
+          <a:lstStyle/>
+          <a:p>
+            <a:pPr algn="l">
+              <a:lnSpc>
+                <a:spcPts val="10080"/>
+              </a:lnSpc>
+            </a:pPr>
+            <a:r>
+              <a:rPr lang="en-US" sz="7200" b="1" dirty="0">
+                <a:solidFill>
+                  <a:srgbClr val="F7F7F7"/>
+                </a:solidFill>
+                <a:latin typeface="Arial Bold"/>
+                <a:ea typeface="Arial Bold"/>
+                <a:cs typeface="Arial Bold"/>
+                <a:sym typeface="Arial Bold"/>
+              </a:rPr>
+              <a:t>GAME LOGIC</a:t>
+            </a:r>
+          </a:p>
+        </p:txBody>
+      </p:sp>
+    </p:spTree>
+  </p:cSld>
+  <p:clrMapOvr>
+    <a:masterClrMapping/>
+  </p:clrMapOvr>
+</p:sld>
+</file>
+
+<file path=ppt/slides/slide12.xml><?xml version="1.0" encoding="utf-8"?>
+<p:sld xmlns:a="http://schemas.openxmlformats.org/drawingml/2006/main" xmlns:r="http://schemas.openxmlformats.org/officeDocument/2006/relationships" xmlns:p="http://schemas.openxmlformats.org/presentationml/2006/main">
+  <p:cSld>
+    <p:bg>
+      <p:bgPr>
+        <a:solidFill>
+          <a:srgbClr val="F7F7F7"/>
+        </a:solidFill>
+        <a:effectLst/>
+      </p:bgPr>
+    </p:bg>
+    <p:spTree>
+      <p:nvGrpSpPr>
+        <p:cNvPr id="1" name=""/>
+        <p:cNvGrpSpPr/>
+        <p:nvPr/>
+      </p:nvGrpSpPr>
+      <p:grpSpPr>
+        <a:xfrm>
+          <a:off x="0" y="0"/>
+          <a:ext cx="0" cy="0"/>
+          <a:chOff x="0" y="0"/>
+          <a:chExt cx="0" cy="0"/>
+        </a:xfrm>
+      </p:grpSpPr>
+      <p:sp>
+        <p:nvSpPr>
           <p:cNvPr id="6" name="TextBox 6"/>
           <p:cNvSpPr txBox="1"/>
           <p:nvPr/>
@@ -8181,7 +9240,7 @@
 </p:sld>
 </file>
 
-<file path=ppt/slides/slide12.xml><?xml version="1.0" encoding="utf-8"?>
+<file path=ppt/slides/slide13.xml><?xml version="1.0" encoding="utf-8"?>
 <p:sld xmlns:a="http://schemas.openxmlformats.org/drawingml/2006/main" xmlns:r="http://schemas.openxmlformats.org/officeDocument/2006/relationships" xmlns:p="http://schemas.openxmlformats.org/presentationml/2006/main">
   <p:cSld>
     <p:bg>
@@ -9066,7 +10125,7 @@
 </p:sld>
 </file>
 
-<file path=ppt/slides/slide13.xml><?xml version="1.0" encoding="utf-8"?>
+<file path=ppt/slides/slide14.xml><?xml version="1.0" encoding="utf-8"?>
 <p:sld xmlns:a="http://schemas.openxmlformats.org/drawingml/2006/main" xmlns:r="http://schemas.openxmlformats.org/officeDocument/2006/relationships" xmlns:p="http://schemas.openxmlformats.org/presentationml/2006/main">
   <p:cSld>
     <p:bg>
@@ -10096,7 +11155,7 @@
 </p:sld>
 </file>
 
-<file path=ppt/slides/slide14.xml><?xml version="1.0" encoding="utf-8"?>
+<file path=ppt/slides/slide15.xml><?xml version="1.0" encoding="utf-8"?>
 <p:sld xmlns:a="http://schemas.openxmlformats.org/drawingml/2006/main" xmlns:r="http://schemas.openxmlformats.org/officeDocument/2006/relationships" xmlns:p="http://schemas.openxmlformats.org/presentationml/2006/main">
   <p:cSld>
     <p:bg>
@@ -10264,7 +11323,7 @@
 </p:sld>
 </file>
 
-<file path=ppt/slides/slide15.xml><?xml version="1.0" encoding="utf-8"?>
+<file path=ppt/slides/slide16.xml><?xml version="1.0" encoding="utf-8"?>
 <p:sld xmlns:a="http://schemas.openxmlformats.org/drawingml/2006/main" xmlns:r="http://schemas.openxmlformats.org/officeDocument/2006/relationships" xmlns:p="http://schemas.openxmlformats.org/presentationml/2006/main">
   <p:cSld>
     <p:bg>
@@ -12645,6 +13704,425 @@
 </file>
 
 <file path=ppt/slides/slide7.xml><?xml version="1.0" encoding="utf-8"?>
+<p:sld xmlns:a="http://schemas.openxmlformats.org/drawingml/2006/main" xmlns:r="http://schemas.openxmlformats.org/officeDocument/2006/relationships" xmlns:p="http://schemas.openxmlformats.org/presentationml/2006/main">
+  <p:cSld>
+    <p:bg>
+      <p:bgPr>
+        <a:solidFill>
+          <a:srgbClr val="F7F7F7"/>
+        </a:solidFill>
+        <a:effectLst/>
+      </p:bgPr>
+    </p:bg>
+    <p:spTree>
+      <p:nvGrpSpPr>
+        <p:cNvPr id="1" name="">
+          <a:extLst>
+            <a:ext uri="{FF2B5EF4-FFF2-40B4-BE49-F238E27FC236}">
+              <a16:creationId xmlns:a16="http://schemas.microsoft.com/office/drawing/2014/main" id="{5B13EC38-3B67-7146-DDA8-B9D19132D4A4}"/>
+            </a:ext>
+          </a:extLst>
+        </p:cNvPr>
+        <p:cNvGrpSpPr/>
+        <p:nvPr/>
+      </p:nvGrpSpPr>
+      <p:grpSpPr>
+        <a:xfrm>
+          <a:off x="0" y="0"/>
+          <a:ext cx="0" cy="0"/>
+          <a:chOff x="0" y="0"/>
+          <a:chExt cx="0" cy="0"/>
+        </a:xfrm>
+      </p:grpSpPr>
+      <p:sp>
+        <p:nvSpPr>
+          <p:cNvPr id="4" name="TextBox 4">
+            <a:extLst>
+              <a:ext uri="{FF2B5EF4-FFF2-40B4-BE49-F238E27FC236}">
+                <a16:creationId xmlns:a16="http://schemas.microsoft.com/office/drawing/2014/main" id="{877FB17F-4CCE-50DA-A8E0-CC04B19761A7}"/>
+              </a:ext>
+            </a:extLst>
+          </p:cNvPr>
+          <p:cNvSpPr txBox="1"/>
+          <p:nvPr/>
+        </p:nvSpPr>
+        <p:spPr>
+          <a:xfrm>
+            <a:off x="1028700" y="8762415"/>
+            <a:ext cx="2424961" cy="495935"/>
+          </a:xfrm>
+          <a:prstGeom prst="rect">
+            <a:avLst/>
+          </a:prstGeom>
+        </p:spPr>
+        <p:txBody>
+          <a:bodyPr lIns="0" tIns="0" rIns="0" bIns="0" rtlCol="0" anchor="t">
+            <a:spAutoFit/>
+          </a:bodyPr>
+          <a:lstStyle/>
+          <a:p>
+            <a:pPr algn="l">
+              <a:lnSpc>
+                <a:spcPts val="3640"/>
+              </a:lnSpc>
+            </a:pPr>
+            <a:r>
+              <a:rPr lang="en-US" sz="2600" i="1">
+                <a:solidFill>
+                  <a:srgbClr val="F7F7F7"/>
+                </a:solidFill>
+                <a:latin typeface="Arial Italics"/>
+                <a:ea typeface="Arial Italics"/>
+                <a:cs typeface="Arial Italics"/>
+                <a:sym typeface="Arial Italics"/>
+              </a:rPr>
+              <a:t>Presented by</a:t>
+            </a:r>
+          </a:p>
+        </p:txBody>
+      </p:sp>
+      <p:sp>
+        <p:nvSpPr>
+          <p:cNvPr id="5" name="TextBox 5">
+            <a:extLst>
+              <a:ext uri="{FF2B5EF4-FFF2-40B4-BE49-F238E27FC236}">
+                <a16:creationId xmlns:a16="http://schemas.microsoft.com/office/drawing/2014/main" id="{AE2D70A6-52E9-F311-97AC-09B8BF270AA5}"/>
+              </a:ext>
+            </a:extLst>
+          </p:cNvPr>
+          <p:cNvSpPr txBox="1"/>
+          <p:nvPr/>
+        </p:nvSpPr>
+        <p:spPr>
+          <a:xfrm>
+            <a:off x="14276612" y="923925"/>
+            <a:ext cx="2982688" cy="495935"/>
+          </a:xfrm>
+          <a:prstGeom prst="rect">
+            <a:avLst/>
+          </a:prstGeom>
+        </p:spPr>
+        <p:txBody>
+          <a:bodyPr lIns="0" tIns="0" rIns="0" bIns="0" rtlCol="0" anchor="t">
+            <a:spAutoFit/>
+          </a:bodyPr>
+          <a:lstStyle/>
+          <a:p>
+            <a:pPr algn="r">
+              <a:lnSpc>
+                <a:spcPts val="3640"/>
+              </a:lnSpc>
+            </a:pPr>
+            <a:r>
+              <a:rPr lang="en-US" sz="2600" b="1" spc="-52" dirty="0">
+                <a:solidFill>
+                  <a:srgbClr val="F7F7F7"/>
+                </a:solidFill>
+                <a:latin typeface="Arial Bold"/>
+                <a:ea typeface="Arial Bold"/>
+                <a:cs typeface="Arial Bold"/>
+                <a:sym typeface="Arial Bold"/>
+              </a:rPr>
+              <a:t>TicTacX</a:t>
+            </a:r>
+          </a:p>
+        </p:txBody>
+      </p:sp>
+      <p:sp>
+        <p:nvSpPr>
+          <p:cNvPr id="6" name="TextBox 6">
+            <a:extLst>
+              <a:ext uri="{FF2B5EF4-FFF2-40B4-BE49-F238E27FC236}">
+                <a16:creationId xmlns:a16="http://schemas.microsoft.com/office/drawing/2014/main" id="{12C3F123-8436-335A-630E-6B5702D3F872}"/>
+              </a:ext>
+            </a:extLst>
+          </p:cNvPr>
+          <p:cNvSpPr txBox="1"/>
+          <p:nvPr/>
+        </p:nvSpPr>
+        <p:spPr>
+          <a:xfrm>
+            <a:off x="1028700" y="1456055"/>
+            <a:ext cx="5143500" cy="2543645"/>
+          </a:xfrm>
+          <a:prstGeom prst="rect">
+            <a:avLst/>
+          </a:prstGeom>
+        </p:spPr>
+        <p:txBody>
+          <a:bodyPr wrap="square" lIns="0" tIns="0" rIns="0" bIns="0" rtlCol="0" anchor="t">
+            <a:spAutoFit/>
+          </a:bodyPr>
+          <a:lstStyle/>
+          <a:p>
+            <a:pPr algn="l">
+              <a:lnSpc>
+                <a:spcPts val="10080"/>
+              </a:lnSpc>
+            </a:pPr>
+            <a:r>
+              <a:rPr lang="en-US" sz="7200" b="1" dirty="0">
+                <a:solidFill>
+                  <a:srgbClr val="F7F7F7"/>
+                </a:solidFill>
+                <a:latin typeface="Arial Bold"/>
+                <a:ea typeface="Arial Bold"/>
+                <a:cs typeface="Arial Bold"/>
+                <a:sym typeface="Arial Bold"/>
+              </a:rPr>
+              <a:t>VIDEO</a:t>
+            </a:r>
+          </a:p>
+          <a:p>
+            <a:pPr algn="l">
+              <a:lnSpc>
+                <a:spcPts val="10080"/>
+              </a:lnSpc>
+            </a:pPr>
+            <a:r>
+              <a:rPr lang="en-US" sz="7200" b="1" dirty="0">
+                <a:solidFill>
+                  <a:srgbClr val="F7F7F7"/>
+                </a:solidFill>
+                <a:latin typeface="Arial Bold"/>
+                <a:ea typeface="Arial Bold"/>
+                <a:cs typeface="Arial Bold"/>
+                <a:sym typeface="Arial Bold"/>
+              </a:rPr>
+              <a:t>DEMO</a:t>
+            </a:r>
+          </a:p>
+        </p:txBody>
+      </p:sp>
+      <p:sp>
+        <p:nvSpPr>
+          <p:cNvPr id="7" name="TextBox 7">
+            <a:extLst>
+              <a:ext uri="{FF2B5EF4-FFF2-40B4-BE49-F238E27FC236}">
+                <a16:creationId xmlns:a16="http://schemas.microsoft.com/office/drawing/2014/main" id="{7ECCE48B-E879-A00A-2843-6C3AB6EDDB98}"/>
+              </a:ext>
+            </a:extLst>
+          </p:cNvPr>
+          <p:cNvSpPr txBox="1"/>
+          <p:nvPr/>
+        </p:nvSpPr>
+        <p:spPr>
+          <a:xfrm>
+            <a:off x="3453661" y="8762415"/>
+            <a:ext cx="13805639" cy="495935"/>
+          </a:xfrm>
+          <a:prstGeom prst="rect">
+            <a:avLst/>
+          </a:prstGeom>
+        </p:spPr>
+        <p:txBody>
+          <a:bodyPr lIns="0" tIns="0" rIns="0" bIns="0" rtlCol="0" anchor="t">
+            <a:spAutoFit/>
+          </a:bodyPr>
+          <a:lstStyle/>
+          <a:p>
+            <a:pPr algn="just">
+              <a:lnSpc>
+                <a:spcPts val="3640"/>
+              </a:lnSpc>
+            </a:pPr>
+            <a:r>
+              <a:rPr lang="en-US" sz="2600" b="1" spc="-52">
+                <a:solidFill>
+                  <a:srgbClr val="F7F7F7"/>
+                </a:solidFill>
+                <a:latin typeface="Arial Bold"/>
+                <a:ea typeface="Arial Bold"/>
+                <a:cs typeface="Arial Bold"/>
+                <a:sym typeface="Arial Bold"/>
+              </a:rPr>
+              <a:t>Avishek Dutta • Md. Ishrak Mashroor • Ashab Mahmud Raseen • Sneha Nandy</a:t>
+            </a:r>
+          </a:p>
+        </p:txBody>
+      </p:sp>
+      <p:pic>
+        <p:nvPicPr>
+          <p:cNvPr id="2" name="Online Media 1" descr="TicTacX Demonstration">
+            <a:hlinkClick r:id="" action="ppaction://media"/>
+            <a:extLst>
+              <a:ext uri="{FF2B5EF4-FFF2-40B4-BE49-F238E27FC236}">
+                <a16:creationId xmlns:a16="http://schemas.microsoft.com/office/drawing/2014/main" id="{2826B9BD-8DFE-AD9F-254F-33098A7BAE14}"/>
+              </a:ext>
+            </a:extLst>
+          </p:cNvPr>
+          <p:cNvPicPr>
+            <a:picLocks noRot="1" noChangeAspect="1"/>
+          </p:cNvPicPr>
+          <p:nvPr>
+            <a:videoFile r:link="rId1"/>
+          </p:nvPr>
+        </p:nvPicPr>
+        <p:blipFill>
+          <a:blip r:embed="rId4"/>
+          <a:stretch>
+            <a:fillRect/>
+          </a:stretch>
+        </p:blipFill>
+        <p:spPr>
+          <a:xfrm>
+            <a:off x="4229100" y="1625049"/>
+            <a:ext cx="13030200" cy="6795051"/>
+          </a:xfrm>
+          <a:prstGeom prst="rect">
+            <a:avLst/>
+          </a:prstGeom>
+        </p:spPr>
+      </p:pic>
+    </p:spTree>
+    <p:extLst>
+      <p:ext uri="{BB962C8B-B14F-4D97-AF65-F5344CB8AC3E}">
+        <p14:creationId xmlns:p14="http://schemas.microsoft.com/office/powerpoint/2010/main" val="4088257514"/>
+      </p:ext>
+    </p:extLst>
+  </p:cSld>
+  <p:clrMapOvr>
+    <a:masterClrMapping/>
+  </p:clrMapOvr>
+  <p:timing>
+    <p:tnLst>
+      <p:par>
+        <p:cTn id="1" dur="indefinite" restart="never" nodeType="tmRoot">
+          <p:childTnLst>
+            <p:seq concurrent="1" nextAc="seek">
+              <p:cTn id="2" dur="indefinite" nodeType="mainSeq">
+                <p:childTnLst>
+                  <p:par>
+                    <p:cTn id="3" fill="hold">
+                      <p:stCondLst>
+                        <p:cond delay="indefinite"/>
+                      </p:stCondLst>
+                      <p:childTnLst>
+                        <p:par>
+                          <p:cTn id="4" fill="hold">
+                            <p:stCondLst>
+                              <p:cond delay="0"/>
+                            </p:stCondLst>
+                            <p:childTnLst>
+                              <p:par>
+                                <p:cTn id="5" presetID="1" presetClass="mediacall" presetSubtype="0" fill="hold" nodeType="clickEffect">
+                                  <p:stCondLst>
+                                    <p:cond delay="0"/>
+                                  </p:stCondLst>
+                                  <p:childTnLst>
+                                    <p:cmd type="call" cmd="playFrom(0.0)">
+                                      <p:cBhvr>
+                                        <p:cTn id="6" dur="1" fill="hold"/>
+                                        <p:tgtEl>
+                                          <p:spTgt spid="2"/>
+                                        </p:tgtEl>
+                                      </p:cBhvr>
+                                    </p:cmd>
+                                  </p:childTnLst>
+                                </p:cTn>
+                              </p:par>
+                            </p:childTnLst>
+                          </p:cTn>
+                        </p:par>
+                      </p:childTnLst>
+                    </p:cTn>
+                  </p:par>
+                </p:childTnLst>
+              </p:cTn>
+              <p:prevCondLst>
+                <p:cond evt="onPrev" delay="0">
+                  <p:tgtEl>
+                    <p:sldTgt/>
+                  </p:tgtEl>
+                </p:cond>
+              </p:prevCondLst>
+              <p:nextCondLst>
+                <p:cond evt="onNext" delay="0">
+                  <p:tgtEl>
+                    <p:sldTgt/>
+                  </p:tgtEl>
+                </p:cond>
+              </p:nextCondLst>
+            </p:seq>
+            <p:video>
+              <p:cMediaNode vol="80000">
+                <p:cTn id="7" fill="hold" display="0">
+                  <p:stCondLst>
+                    <p:cond delay="indefinite"/>
+                  </p:stCondLst>
+                </p:cTn>
+                <p:tgtEl>
+                  <p:spTgt spid="2"/>
+                </p:tgtEl>
+              </p:cMediaNode>
+            </p:video>
+            <p:seq concurrent="1" nextAc="seek">
+              <p:cTn id="8" restart="whenNotActive" fill="hold" evtFilter="cancelBubble" nodeType="interactiveSeq">
+                <p:stCondLst>
+                  <p:cond evt="onClick" delay="0">
+                    <p:tgtEl>
+                      <p:spTgt spid="2"/>
+                    </p:tgtEl>
+                  </p:cond>
+                </p:stCondLst>
+                <p:endSync evt="end" delay="0">
+                  <p:rtn val="all"/>
+                </p:endSync>
+                <p:childTnLst>
+                  <p:par>
+                    <p:cTn id="9" fill="hold">
+                      <p:stCondLst>
+                        <p:cond delay="0"/>
+                      </p:stCondLst>
+                      <p:childTnLst>
+                        <p:par>
+                          <p:cTn id="10" fill="hold">
+                            <p:stCondLst>
+                              <p:cond delay="0"/>
+                            </p:stCondLst>
+                            <p:childTnLst>
+                              <p:par>
+                                <p:cTn id="11" presetID="2" presetClass="mediacall" presetSubtype="0" fill="hold" nodeType="clickEffect">
+                                  <p:stCondLst>
+                                    <p:cond delay="0"/>
+                                  </p:stCondLst>
+                                  <p:childTnLst>
+                                    <p:cmd type="call" cmd="togglePause">
+                                      <p:cBhvr>
+                                        <p:cTn id="12" dur="1" fill="hold"/>
+                                        <p:tgtEl>
+                                          <p:spTgt spid="2"/>
+                                        </p:tgtEl>
+                                      </p:cBhvr>
+                                    </p:cmd>
+                                  </p:childTnLst>
+                                </p:cTn>
+                              </p:par>
+                            </p:childTnLst>
+                          </p:cTn>
+                        </p:par>
+                      </p:childTnLst>
+                    </p:cTn>
+                  </p:par>
+                </p:childTnLst>
+              </p:cTn>
+              <p:nextCondLst>
+                <p:cond evt="onClick" delay="0">
+                  <p:tgtEl>
+                    <p:spTgt spid="2"/>
+                  </p:tgtEl>
+                </p:cond>
+              </p:nextCondLst>
+            </p:seq>
+          </p:childTnLst>
+        </p:cTn>
+      </p:par>
+    </p:tnLst>
+  </p:timing>
+</p:sld>
+</file>
+
+<file path=ppt/slides/slide8.xml><?xml version="1.0" encoding="utf-8"?>
 <p:sld xmlns:a="http://schemas.openxmlformats.org/drawingml/2006/main" xmlns:r="http://schemas.openxmlformats.org/officeDocument/2006/relationships" xmlns:p="http://schemas.openxmlformats.org/presentationml/2006/main">
   <p:cSld>
     <p:bg>
@@ -13894,7 +15372,7 @@
 </p:sld>
 </file>
 
-<file path=ppt/slides/slide8.xml><?xml version="1.0" encoding="utf-8"?>
+<file path=ppt/slides/slide9.xml><?xml version="1.0" encoding="utf-8"?>
 <p:sld xmlns:a="http://schemas.openxmlformats.org/drawingml/2006/main" xmlns:r="http://schemas.openxmlformats.org/officeDocument/2006/relationships" xmlns:p="http://schemas.openxmlformats.org/presentationml/2006/main">
   <p:cSld>
     <p:bg>
@@ -15504,952 +16982,6 @@
                 <a:cs typeface="Arial Bold"/>
                 <a:sym typeface="Arial Bold"/>
               </a:endParaRPr>
-            </a:p>
-          </p:txBody>
-        </p:sp>
-      </p:grpSp>
-    </p:spTree>
-  </p:cSld>
-  <p:clrMapOvr>
-    <a:masterClrMapping/>
-  </p:clrMapOvr>
-</p:sld>
-</file>
-
-<file path=ppt/slides/slide9.xml><?xml version="1.0" encoding="utf-8"?>
-<p:sld xmlns:a="http://schemas.openxmlformats.org/drawingml/2006/main" xmlns:r="http://schemas.openxmlformats.org/officeDocument/2006/relationships" xmlns:p="http://schemas.openxmlformats.org/presentationml/2006/main">
-  <p:cSld>
-    <p:bg>
-      <p:bgPr>
-        <a:solidFill>
-          <a:srgbClr val="F7F7F7"/>
-        </a:solidFill>
-        <a:effectLst/>
-      </p:bgPr>
-    </p:bg>
-    <p:spTree>
-      <p:nvGrpSpPr>
-        <p:cNvPr id="1" name=""/>
-        <p:cNvGrpSpPr/>
-        <p:nvPr/>
-      </p:nvGrpSpPr>
-      <p:grpSpPr>
-        <a:xfrm>
-          <a:off x="0" y="0"/>
-          <a:ext cx="0" cy="0"/>
-          <a:chOff x="0" y="0"/>
-          <a:chExt cx="0" cy="0"/>
-        </a:xfrm>
-      </p:grpSpPr>
-      <p:sp>
-        <p:nvSpPr>
-          <p:cNvPr id="6" name="TextBox 6"/>
-          <p:cNvSpPr txBox="1"/>
-          <p:nvPr/>
-        </p:nvSpPr>
-        <p:spPr>
-          <a:xfrm>
-            <a:off x="1028700" y="1456055"/>
-            <a:ext cx="2438797" cy="1369695"/>
-          </a:xfrm>
-          <a:prstGeom prst="rect">
-            <a:avLst/>
-          </a:prstGeom>
-        </p:spPr>
-        <p:txBody>
-          <a:bodyPr lIns="0" tIns="0" rIns="0" bIns="0" rtlCol="0" anchor="t">
-            <a:spAutoFit/>
-          </a:bodyPr>
-          <a:lstStyle/>
-          <a:p>
-            <a:pPr algn="l">
-              <a:lnSpc>
-                <a:spcPts val="10080"/>
-              </a:lnSpc>
-            </a:pPr>
-            <a:r>
-              <a:rPr lang="en-US" sz="7200" b="1">
-                <a:solidFill>
-                  <a:srgbClr val="F7F7F7"/>
-                </a:solidFill>
-                <a:latin typeface="Arial Bold"/>
-                <a:ea typeface="Arial Bold"/>
-                <a:cs typeface="Arial Bold"/>
-                <a:sym typeface="Arial Bold"/>
-              </a:rPr>
-              <a:t>UI/UX</a:t>
-            </a:r>
-          </a:p>
-        </p:txBody>
-      </p:sp>
-      <p:grpSp>
-        <p:nvGrpSpPr>
-          <p:cNvPr id="8" name="Group 8"/>
-          <p:cNvGrpSpPr/>
-          <p:nvPr/>
-        </p:nvGrpSpPr>
-        <p:grpSpPr>
-          <a:xfrm>
-            <a:off x="2985256" y="2015654"/>
-            <a:ext cx="5668394" cy="2521556"/>
-            <a:chOff x="0" y="-133350"/>
-            <a:chExt cx="1213344" cy="539750"/>
-          </a:xfrm>
-        </p:grpSpPr>
-        <p:sp>
-          <p:nvSpPr>
-            <p:cNvPr id="9" name="Freeform 9"/>
-            <p:cNvSpPr/>
-            <p:nvPr/>
-          </p:nvSpPr>
-          <p:spPr>
-            <a:xfrm>
-              <a:off x="0" y="0"/>
-              <a:ext cx="1213344" cy="406400"/>
-            </a:xfrm>
-            <a:custGeom>
-              <a:avLst/>
-              <a:gdLst/>
-              <a:ahLst/>
-              <a:cxnLst/>
-              <a:rect l="l" t="t" r="r" b="b"/>
-              <a:pathLst>
-                <a:path w="1213344" h="406400">
-                  <a:moveTo>
-                    <a:pt x="1010144" y="0"/>
-                  </a:moveTo>
-                  <a:cubicBezTo>
-                    <a:pt x="1122369" y="0"/>
-                    <a:pt x="1213344" y="90976"/>
-                    <a:pt x="1213344" y="203200"/>
-                  </a:cubicBezTo>
-                  <a:cubicBezTo>
-                    <a:pt x="1213344" y="315424"/>
-                    <a:pt x="1122369" y="406400"/>
-                    <a:pt x="1010144" y="406400"/>
-                  </a:cubicBezTo>
-                  <a:lnTo>
-                    <a:pt x="203200" y="406400"/>
-                  </a:lnTo>
-                  <a:cubicBezTo>
-                    <a:pt x="90976" y="406400"/>
-                    <a:pt x="0" y="315424"/>
-                    <a:pt x="0" y="203200"/>
-                  </a:cubicBezTo>
-                  <a:cubicBezTo>
-                    <a:pt x="0" y="90976"/>
-                    <a:pt x="90976" y="0"/>
-                    <a:pt x="203200" y="0"/>
-                  </a:cubicBezTo>
-                  <a:close/>
-                </a:path>
-              </a:pathLst>
-            </a:custGeom>
-            <a:solidFill>
-              <a:srgbClr val="024F44"/>
-            </a:solidFill>
-            <a:ln w="38100" cap="sq">
-              <a:solidFill>
-                <a:srgbClr val="F7F7F7"/>
-              </a:solidFill>
-              <a:prstDash val="sysDot"/>
-              <a:miter/>
-            </a:ln>
-          </p:spPr>
-          <p:txBody>
-            <a:bodyPr/>
-            <a:lstStyle/>
-            <a:p>
-              <a:endParaRPr lang="en-US" dirty="0"/>
-            </a:p>
-          </p:txBody>
-        </p:sp>
-        <p:sp>
-          <p:nvSpPr>
-            <p:cNvPr id="10" name="TextBox 10"/>
-            <p:cNvSpPr txBox="1"/>
-            <p:nvPr/>
-          </p:nvSpPr>
-          <p:spPr>
-            <a:xfrm>
-              <a:off x="0" y="-133350"/>
-              <a:ext cx="1213344" cy="539750"/>
-            </a:xfrm>
-            <a:prstGeom prst="rect">
-              <a:avLst/>
-            </a:prstGeom>
-          </p:spPr>
-          <p:txBody>
-            <a:bodyPr lIns="50800" tIns="50800" rIns="50800" bIns="50800" rtlCol="0" anchor="ctr"/>
-            <a:lstStyle/>
-            <a:p>
-              <a:pPr algn="ctr">
-                <a:lnSpc>
-                  <a:spcPts val="4759"/>
-                </a:lnSpc>
-              </a:pPr>
-              <a:r>
-                <a:rPr lang="en-US" sz="3399" b="1" spc="-67" dirty="0">
-                  <a:solidFill>
-                    <a:srgbClr val="FFFFFF"/>
-                  </a:solidFill>
-                  <a:latin typeface="Arial Bold"/>
-                  <a:ea typeface="Arial Bold"/>
-                  <a:cs typeface="Arial Bold"/>
-                  <a:sym typeface="Arial Bold"/>
-                </a:rPr>
-                <a:t> </a:t>
-              </a:r>
-            </a:p>
-            <a:p>
-              <a:pPr algn="ctr">
-                <a:lnSpc>
-                  <a:spcPts val="4759"/>
-                </a:lnSpc>
-              </a:pPr>
-              <a:r>
-                <a:rPr lang="en-US" sz="3200" b="1" spc="-67" dirty="0">
-                  <a:solidFill>
-                    <a:srgbClr val="FFFFFF"/>
-                  </a:solidFill>
-                  <a:latin typeface="Arial Bold"/>
-                  <a:ea typeface="Arial Bold"/>
-                  <a:cs typeface="Arial Bold"/>
-                  <a:sym typeface="Arial Bold"/>
-                </a:rPr>
-                <a:t>Clean 3x3 Grid </a:t>
-              </a:r>
-            </a:p>
-            <a:p>
-              <a:pPr algn="ctr">
-                <a:lnSpc>
-                  <a:spcPts val="4759"/>
-                </a:lnSpc>
-              </a:pPr>
-              <a:r>
-                <a:rPr lang="en-US" sz="3200" b="1" spc="-67" dirty="0">
-                  <a:solidFill>
-                    <a:srgbClr val="FFFFFF"/>
-                  </a:solidFill>
-                  <a:latin typeface="Arial Bold"/>
-                  <a:ea typeface="Arial Bold"/>
-                  <a:cs typeface="Arial Bold"/>
-                  <a:sym typeface="Arial Bold"/>
-                </a:rPr>
-                <a:t>Display using text</a:t>
-              </a:r>
-            </a:p>
-          </p:txBody>
-        </p:sp>
-      </p:grpSp>
-      <p:grpSp>
-        <p:nvGrpSpPr>
-          <p:cNvPr id="11" name="Group 11"/>
-          <p:cNvGrpSpPr/>
-          <p:nvPr/>
-        </p:nvGrpSpPr>
-        <p:grpSpPr>
-          <a:xfrm>
-            <a:off x="10099562" y="2015654"/>
-            <a:ext cx="5668394" cy="2521556"/>
-            <a:chOff x="0" y="-133350"/>
-            <a:chExt cx="1213344" cy="539750"/>
-          </a:xfrm>
-        </p:grpSpPr>
-        <p:sp>
-          <p:nvSpPr>
-            <p:cNvPr id="12" name="Freeform 12"/>
-            <p:cNvSpPr/>
-            <p:nvPr/>
-          </p:nvSpPr>
-          <p:spPr>
-            <a:xfrm>
-              <a:off x="0" y="0"/>
-              <a:ext cx="1213344" cy="406400"/>
-            </a:xfrm>
-            <a:custGeom>
-              <a:avLst/>
-              <a:gdLst/>
-              <a:ahLst/>
-              <a:cxnLst/>
-              <a:rect l="l" t="t" r="r" b="b"/>
-              <a:pathLst>
-                <a:path w="1213344" h="406400">
-                  <a:moveTo>
-                    <a:pt x="1010144" y="0"/>
-                  </a:moveTo>
-                  <a:cubicBezTo>
-                    <a:pt x="1122369" y="0"/>
-                    <a:pt x="1213344" y="90976"/>
-                    <a:pt x="1213344" y="203200"/>
-                  </a:cubicBezTo>
-                  <a:cubicBezTo>
-                    <a:pt x="1213344" y="315424"/>
-                    <a:pt x="1122369" y="406400"/>
-                    <a:pt x="1010144" y="406400"/>
-                  </a:cubicBezTo>
-                  <a:lnTo>
-                    <a:pt x="203200" y="406400"/>
-                  </a:lnTo>
-                  <a:cubicBezTo>
-                    <a:pt x="90976" y="406400"/>
-                    <a:pt x="0" y="315424"/>
-                    <a:pt x="0" y="203200"/>
-                  </a:cubicBezTo>
-                  <a:cubicBezTo>
-                    <a:pt x="0" y="90976"/>
-                    <a:pt x="90976" y="0"/>
-                    <a:pt x="203200" y="0"/>
-                  </a:cubicBezTo>
-                  <a:close/>
-                </a:path>
-              </a:pathLst>
-            </a:custGeom>
-            <a:solidFill>
-              <a:srgbClr val="024F44"/>
-            </a:solidFill>
-            <a:ln w="38100" cap="sq">
-              <a:solidFill>
-                <a:srgbClr val="F7F7F7"/>
-              </a:solidFill>
-              <a:prstDash val="sysDot"/>
-              <a:miter/>
-            </a:ln>
-          </p:spPr>
-          <p:txBody>
-            <a:bodyPr/>
-            <a:lstStyle/>
-            <a:p>
-              <a:endParaRPr lang="en-US" dirty="0"/>
-            </a:p>
-          </p:txBody>
-        </p:sp>
-        <p:sp>
-          <p:nvSpPr>
-            <p:cNvPr id="13" name="TextBox 13"/>
-            <p:cNvSpPr txBox="1"/>
-            <p:nvPr/>
-          </p:nvSpPr>
-          <p:spPr>
-            <a:xfrm>
-              <a:off x="0" y="-133350"/>
-              <a:ext cx="1213344" cy="539750"/>
-            </a:xfrm>
-            <a:prstGeom prst="rect">
-              <a:avLst/>
-            </a:prstGeom>
-          </p:spPr>
-          <p:txBody>
-            <a:bodyPr lIns="50800" tIns="50800" rIns="50800" bIns="50800" rtlCol="0" anchor="ctr"/>
-            <a:lstStyle/>
-            <a:p>
-              <a:pPr algn="ctr">
-                <a:lnSpc>
-                  <a:spcPts val="4759"/>
-                </a:lnSpc>
-              </a:pPr>
-              <a:r>
-                <a:rPr lang="en-US" sz="3200" b="1" spc="-67" dirty="0">
-                  <a:solidFill>
-                    <a:srgbClr val="FFFFFF"/>
-                  </a:solidFill>
-                  <a:latin typeface="Arial Bold"/>
-                  <a:ea typeface="Arial Bold"/>
-                  <a:cs typeface="Arial Bold"/>
-                  <a:sym typeface="Arial Bold"/>
-                </a:rPr>
-                <a:t>Colors using </a:t>
-              </a:r>
-            </a:p>
-            <a:p>
-              <a:pPr algn="ctr">
-                <a:lnSpc>
-                  <a:spcPts val="4759"/>
-                </a:lnSpc>
-              </a:pPr>
-              <a:r>
-                <a:rPr lang="en-US" sz="3200" b="1" spc="-67" dirty="0">
-                  <a:solidFill>
-                    <a:srgbClr val="FFFFFF"/>
-                  </a:solidFill>
-                  <a:latin typeface="Arial Bold"/>
-                  <a:ea typeface="Arial Bold"/>
-                  <a:cs typeface="Arial Bold"/>
-                  <a:sym typeface="Arial Bold"/>
-                </a:rPr>
-                <a:t>ANSI Escape Codes</a:t>
-              </a:r>
-            </a:p>
-          </p:txBody>
-        </p:sp>
-      </p:grpSp>
-      <p:grpSp>
-        <p:nvGrpSpPr>
-          <p:cNvPr id="14" name="Group 14"/>
-          <p:cNvGrpSpPr/>
-          <p:nvPr/>
-        </p:nvGrpSpPr>
-        <p:grpSpPr>
-          <a:xfrm>
-            <a:off x="2985256" y="4717194"/>
-            <a:ext cx="5668394" cy="1898583"/>
-            <a:chOff x="0" y="0"/>
-            <a:chExt cx="1213344" cy="406400"/>
-          </a:xfrm>
-        </p:grpSpPr>
-        <p:sp>
-          <p:nvSpPr>
-            <p:cNvPr id="15" name="Freeform 15"/>
-            <p:cNvSpPr/>
-            <p:nvPr/>
-          </p:nvSpPr>
-          <p:spPr>
-            <a:xfrm>
-              <a:off x="0" y="0"/>
-              <a:ext cx="1213344" cy="406400"/>
-            </a:xfrm>
-            <a:custGeom>
-              <a:avLst/>
-              <a:gdLst/>
-              <a:ahLst/>
-              <a:cxnLst/>
-              <a:rect l="l" t="t" r="r" b="b"/>
-              <a:pathLst>
-                <a:path w="1213344" h="406400">
-                  <a:moveTo>
-                    <a:pt x="1010144" y="0"/>
-                  </a:moveTo>
-                  <a:cubicBezTo>
-                    <a:pt x="1122369" y="0"/>
-                    <a:pt x="1213344" y="90976"/>
-                    <a:pt x="1213344" y="203200"/>
-                  </a:cubicBezTo>
-                  <a:cubicBezTo>
-                    <a:pt x="1213344" y="315424"/>
-                    <a:pt x="1122369" y="406400"/>
-                    <a:pt x="1010144" y="406400"/>
-                  </a:cubicBezTo>
-                  <a:lnTo>
-                    <a:pt x="203200" y="406400"/>
-                  </a:lnTo>
-                  <a:cubicBezTo>
-                    <a:pt x="90976" y="406400"/>
-                    <a:pt x="0" y="315424"/>
-                    <a:pt x="0" y="203200"/>
-                  </a:cubicBezTo>
-                  <a:cubicBezTo>
-                    <a:pt x="0" y="90976"/>
-                    <a:pt x="90976" y="0"/>
-                    <a:pt x="203200" y="0"/>
-                  </a:cubicBezTo>
-                  <a:close/>
-                </a:path>
-              </a:pathLst>
-            </a:custGeom>
-            <a:solidFill>
-              <a:srgbClr val="024F44"/>
-            </a:solidFill>
-            <a:ln w="38100" cap="sq">
-              <a:solidFill>
-                <a:srgbClr val="F7F7F7"/>
-              </a:solidFill>
-              <a:prstDash val="sysDot"/>
-              <a:miter/>
-            </a:ln>
-          </p:spPr>
-          <p:txBody>
-            <a:bodyPr/>
-            <a:lstStyle/>
-            <a:p>
-              <a:endParaRPr lang="en-US" dirty="0"/>
-            </a:p>
-          </p:txBody>
-        </p:sp>
-        <p:sp>
-          <p:nvSpPr>
-            <p:cNvPr id="16" name="TextBox 16"/>
-            <p:cNvSpPr txBox="1"/>
-            <p:nvPr/>
-          </p:nvSpPr>
-          <p:spPr>
-            <a:xfrm>
-              <a:off x="0" y="-133350"/>
-              <a:ext cx="1213344" cy="539750"/>
-            </a:xfrm>
-            <a:prstGeom prst="rect">
-              <a:avLst/>
-            </a:prstGeom>
-          </p:spPr>
-          <p:txBody>
-            <a:bodyPr lIns="50800" tIns="50800" rIns="50800" bIns="50800" rtlCol="0" anchor="ctr"/>
-            <a:lstStyle/>
-            <a:p>
-              <a:pPr algn="ctr">
-                <a:lnSpc>
-                  <a:spcPts val="4759"/>
-                </a:lnSpc>
-              </a:pPr>
-              <a:endParaRPr lang="en-US" sz="2800" b="1" spc="-67" dirty="0">
-                <a:solidFill>
-                  <a:srgbClr val="FFFFFF"/>
-                </a:solidFill>
-                <a:latin typeface="Arial Bold"/>
-                <a:ea typeface="Arial Bold"/>
-                <a:cs typeface="Arial Bold"/>
-                <a:sym typeface="Arial Bold"/>
-              </a:endParaRPr>
-            </a:p>
-            <a:p>
-              <a:pPr algn="ctr">
-                <a:lnSpc>
-                  <a:spcPts val="4759"/>
-                </a:lnSpc>
-              </a:pPr>
-              <a:r>
-                <a:rPr lang="en-US" sz="2800" b="1" spc="-67" dirty="0">
-                  <a:solidFill>
-                    <a:srgbClr val="FFFFFF"/>
-                  </a:solidFill>
-                  <a:latin typeface="Arial Bold"/>
-                  <a:ea typeface="Arial Bold"/>
-                  <a:cs typeface="Arial Bold"/>
-                  <a:sym typeface="Arial Bold"/>
-                </a:rPr>
-                <a:t>Turn-based prompts (“Enter row and column: ”)</a:t>
-              </a:r>
-            </a:p>
-          </p:txBody>
-        </p:sp>
-      </p:grpSp>
-      <p:grpSp>
-        <p:nvGrpSpPr>
-          <p:cNvPr id="17" name="Group 17"/>
-          <p:cNvGrpSpPr/>
-          <p:nvPr/>
-        </p:nvGrpSpPr>
-        <p:grpSpPr>
-          <a:xfrm>
-            <a:off x="2985256" y="6795761"/>
-            <a:ext cx="5668394" cy="1978533"/>
-            <a:chOff x="0" y="0"/>
-            <a:chExt cx="1213344" cy="423514"/>
-          </a:xfrm>
-        </p:grpSpPr>
-        <p:sp>
-          <p:nvSpPr>
-            <p:cNvPr id="18" name="Freeform 18"/>
-            <p:cNvSpPr/>
-            <p:nvPr/>
-          </p:nvSpPr>
-          <p:spPr>
-            <a:xfrm>
-              <a:off x="0" y="0"/>
-              <a:ext cx="1213344" cy="423514"/>
-            </a:xfrm>
-            <a:custGeom>
-              <a:avLst/>
-              <a:gdLst/>
-              <a:ahLst/>
-              <a:cxnLst/>
-              <a:rect l="l" t="t" r="r" b="b"/>
-              <a:pathLst>
-                <a:path w="1213344" h="423514">
-                  <a:moveTo>
-                    <a:pt x="1010144" y="0"/>
-                  </a:moveTo>
-                  <a:cubicBezTo>
-                    <a:pt x="1122369" y="0"/>
-                    <a:pt x="1213344" y="94807"/>
-                    <a:pt x="1213344" y="211757"/>
-                  </a:cubicBezTo>
-                  <a:cubicBezTo>
-                    <a:pt x="1213344" y="328707"/>
-                    <a:pt x="1122369" y="423514"/>
-                    <a:pt x="1010144" y="423514"/>
-                  </a:cubicBezTo>
-                  <a:lnTo>
-                    <a:pt x="203200" y="423514"/>
-                  </a:lnTo>
-                  <a:cubicBezTo>
-                    <a:pt x="90976" y="423514"/>
-                    <a:pt x="0" y="328707"/>
-                    <a:pt x="0" y="211757"/>
-                  </a:cubicBezTo>
-                  <a:cubicBezTo>
-                    <a:pt x="0" y="94807"/>
-                    <a:pt x="90976" y="0"/>
-                    <a:pt x="203200" y="0"/>
-                  </a:cubicBezTo>
-                  <a:close/>
-                </a:path>
-              </a:pathLst>
-            </a:custGeom>
-            <a:solidFill>
-              <a:srgbClr val="024F44"/>
-            </a:solidFill>
-            <a:ln w="38100" cap="sq">
-              <a:solidFill>
-                <a:srgbClr val="F7F7F7"/>
-              </a:solidFill>
-              <a:prstDash val="sysDot"/>
-              <a:miter/>
-            </a:ln>
-          </p:spPr>
-          <p:txBody>
-            <a:bodyPr/>
-            <a:lstStyle/>
-            <a:p>
-              <a:endParaRPr lang="en-US"/>
-            </a:p>
-          </p:txBody>
-        </p:sp>
-        <p:sp>
-          <p:nvSpPr>
-            <p:cNvPr id="19" name="TextBox 19"/>
-            <p:cNvSpPr txBox="1"/>
-            <p:nvPr/>
-          </p:nvSpPr>
-          <p:spPr>
-            <a:xfrm>
-              <a:off x="0" y="-133350"/>
-              <a:ext cx="1213344" cy="556864"/>
-            </a:xfrm>
-            <a:prstGeom prst="rect">
-              <a:avLst/>
-            </a:prstGeom>
-          </p:spPr>
-          <p:txBody>
-            <a:bodyPr lIns="50800" tIns="50800" rIns="50800" bIns="50800" rtlCol="0" anchor="ctr"/>
-            <a:lstStyle/>
-            <a:p>
-              <a:pPr algn="ctr">
-                <a:lnSpc>
-                  <a:spcPts val="4759"/>
-                </a:lnSpc>
-              </a:pPr>
-              <a:endParaRPr lang="en-US" sz="2800" b="1" spc="-67" dirty="0">
-                <a:solidFill>
-                  <a:srgbClr val="FFFFFF"/>
-                </a:solidFill>
-                <a:latin typeface="Arial Bold"/>
-                <a:ea typeface="Arial Bold"/>
-                <a:cs typeface="Arial Bold"/>
-                <a:sym typeface="Arial Bold"/>
-              </a:endParaRPr>
-            </a:p>
-            <a:p>
-              <a:pPr algn="ctr">
-                <a:lnSpc>
-                  <a:spcPts val="4759"/>
-                </a:lnSpc>
-              </a:pPr>
-              <a:r>
-                <a:rPr lang="en-US" sz="2800" b="1" spc="-67" dirty="0">
-                  <a:solidFill>
-                    <a:srgbClr val="FFFFFF"/>
-                  </a:solidFill>
-                  <a:latin typeface="Arial Bold"/>
-                  <a:ea typeface="Arial Bold"/>
-                  <a:cs typeface="Arial Bold"/>
-                  <a:sym typeface="Arial Bold"/>
-                </a:rPr>
-                <a:t>Invalid move? </a:t>
-              </a:r>
-            </a:p>
-            <a:p>
-              <a:pPr algn="ctr">
-                <a:lnSpc>
-                  <a:spcPts val="4759"/>
-                </a:lnSpc>
-              </a:pPr>
-              <a:r>
-                <a:rPr lang="en-US" sz="2800" b="1" spc="-67" dirty="0">
-                  <a:solidFill>
-                    <a:srgbClr val="FFFFFF"/>
-                  </a:solidFill>
-                  <a:latin typeface="Arial Bold"/>
-                  <a:ea typeface="Arial Bold"/>
-                  <a:cs typeface="Arial Bold"/>
-                  <a:sym typeface="Arial Bold"/>
-                </a:rPr>
-                <a:t>Shows message &amp; asks again</a:t>
-              </a:r>
-            </a:p>
-          </p:txBody>
-        </p:sp>
-      </p:grpSp>
-      <p:grpSp>
-        <p:nvGrpSpPr>
-          <p:cNvPr id="20" name="Group 20"/>
-          <p:cNvGrpSpPr/>
-          <p:nvPr/>
-        </p:nvGrpSpPr>
-        <p:grpSpPr>
-          <a:xfrm>
-            <a:off x="10107523" y="4094221"/>
-            <a:ext cx="5668394" cy="2521556"/>
-            <a:chOff x="0" y="-133350"/>
-            <a:chExt cx="1213344" cy="539750"/>
-          </a:xfrm>
-        </p:grpSpPr>
-        <p:sp>
-          <p:nvSpPr>
-            <p:cNvPr id="21" name="Freeform 21"/>
-            <p:cNvSpPr/>
-            <p:nvPr/>
-          </p:nvSpPr>
-          <p:spPr>
-            <a:xfrm>
-              <a:off x="0" y="0"/>
-              <a:ext cx="1213344" cy="406400"/>
-            </a:xfrm>
-            <a:custGeom>
-              <a:avLst/>
-              <a:gdLst/>
-              <a:ahLst/>
-              <a:cxnLst/>
-              <a:rect l="l" t="t" r="r" b="b"/>
-              <a:pathLst>
-                <a:path w="1213344" h="406400">
-                  <a:moveTo>
-                    <a:pt x="1010144" y="0"/>
-                  </a:moveTo>
-                  <a:cubicBezTo>
-                    <a:pt x="1122369" y="0"/>
-                    <a:pt x="1213344" y="90976"/>
-                    <a:pt x="1213344" y="203200"/>
-                  </a:cubicBezTo>
-                  <a:cubicBezTo>
-                    <a:pt x="1213344" y="315424"/>
-                    <a:pt x="1122369" y="406400"/>
-                    <a:pt x="1010144" y="406400"/>
-                  </a:cubicBezTo>
-                  <a:lnTo>
-                    <a:pt x="203200" y="406400"/>
-                  </a:lnTo>
-                  <a:cubicBezTo>
-                    <a:pt x="90976" y="406400"/>
-                    <a:pt x="0" y="315424"/>
-                    <a:pt x="0" y="203200"/>
-                  </a:cubicBezTo>
-                  <a:cubicBezTo>
-                    <a:pt x="0" y="90976"/>
-                    <a:pt x="90976" y="0"/>
-                    <a:pt x="203200" y="0"/>
-                  </a:cubicBezTo>
-                  <a:close/>
-                </a:path>
-              </a:pathLst>
-            </a:custGeom>
-            <a:solidFill>
-              <a:srgbClr val="024F44"/>
-            </a:solidFill>
-            <a:ln w="38100" cap="sq">
-              <a:solidFill>
-                <a:srgbClr val="F7F7F7"/>
-              </a:solidFill>
-              <a:prstDash val="sysDot"/>
-              <a:miter/>
-            </a:ln>
-          </p:spPr>
-          <p:txBody>
-            <a:bodyPr/>
-            <a:lstStyle/>
-            <a:p>
-              <a:endParaRPr lang="en-US" dirty="0"/>
-            </a:p>
-          </p:txBody>
-        </p:sp>
-        <p:sp>
-          <p:nvSpPr>
-            <p:cNvPr id="22" name="TextBox 22"/>
-            <p:cNvSpPr txBox="1"/>
-            <p:nvPr/>
-          </p:nvSpPr>
-          <p:spPr>
-            <a:xfrm>
-              <a:off x="0" y="-133350"/>
-              <a:ext cx="1213344" cy="539750"/>
-            </a:xfrm>
-            <a:prstGeom prst="rect">
-              <a:avLst/>
-            </a:prstGeom>
-          </p:spPr>
-          <p:txBody>
-            <a:bodyPr lIns="50800" tIns="50800" rIns="50800" bIns="50800" rtlCol="0" anchor="ctr"/>
-            <a:lstStyle/>
-            <a:p>
-              <a:pPr algn="ctr">
-                <a:lnSpc>
-                  <a:spcPts val="4759"/>
-                </a:lnSpc>
-              </a:pPr>
-              <a:endParaRPr lang="en-US" sz="3200" b="1" spc="-67" dirty="0">
-                <a:solidFill>
-                  <a:srgbClr val="FFFFFF"/>
-                </a:solidFill>
-                <a:latin typeface="Arial Bold"/>
-                <a:ea typeface="Arial Bold"/>
-                <a:cs typeface="Arial Bold"/>
-                <a:sym typeface="Arial Bold"/>
-              </a:endParaRPr>
-            </a:p>
-            <a:p>
-              <a:pPr algn="ctr">
-                <a:lnSpc>
-                  <a:spcPts val="4759"/>
-                </a:lnSpc>
-              </a:pPr>
-              <a:r>
-                <a:rPr lang="en-US" sz="3200" b="1" spc="-67" dirty="0">
-                  <a:solidFill>
-                    <a:srgbClr val="FFFFFF"/>
-                  </a:solidFill>
-                  <a:latin typeface="Arial Bold"/>
-                  <a:ea typeface="Arial Bold"/>
-                  <a:cs typeface="Arial Bold"/>
-                  <a:sym typeface="Arial Bold"/>
-                </a:rPr>
-                <a:t>Clear screen on transitions using clear() function</a:t>
-              </a:r>
-            </a:p>
-          </p:txBody>
-        </p:sp>
-      </p:grpSp>
-      <p:grpSp>
-        <p:nvGrpSpPr>
-          <p:cNvPr id="23" name="Group 23"/>
-          <p:cNvGrpSpPr/>
-          <p:nvPr/>
-        </p:nvGrpSpPr>
-        <p:grpSpPr>
-          <a:xfrm>
-            <a:off x="10099562" y="6169219"/>
-            <a:ext cx="5668394" cy="2521556"/>
-            <a:chOff x="0" y="-133350"/>
-            <a:chExt cx="1213344" cy="539750"/>
-          </a:xfrm>
-        </p:grpSpPr>
-        <p:sp>
-          <p:nvSpPr>
-            <p:cNvPr id="24" name="Freeform 24"/>
-            <p:cNvSpPr/>
-            <p:nvPr/>
-          </p:nvSpPr>
-          <p:spPr>
-            <a:xfrm>
-              <a:off x="0" y="0"/>
-              <a:ext cx="1213344" cy="406400"/>
-            </a:xfrm>
-            <a:custGeom>
-              <a:avLst/>
-              <a:gdLst/>
-              <a:ahLst/>
-              <a:cxnLst/>
-              <a:rect l="l" t="t" r="r" b="b"/>
-              <a:pathLst>
-                <a:path w="1213344" h="406400">
-                  <a:moveTo>
-                    <a:pt x="1010144" y="0"/>
-                  </a:moveTo>
-                  <a:cubicBezTo>
-                    <a:pt x="1122369" y="0"/>
-                    <a:pt x="1213344" y="90976"/>
-                    <a:pt x="1213344" y="203200"/>
-                  </a:cubicBezTo>
-                  <a:cubicBezTo>
-                    <a:pt x="1213344" y="315424"/>
-                    <a:pt x="1122369" y="406400"/>
-                    <a:pt x="1010144" y="406400"/>
-                  </a:cubicBezTo>
-                  <a:lnTo>
-                    <a:pt x="203200" y="406400"/>
-                  </a:lnTo>
-                  <a:cubicBezTo>
-                    <a:pt x="90976" y="406400"/>
-                    <a:pt x="0" y="315424"/>
-                    <a:pt x="0" y="203200"/>
-                  </a:cubicBezTo>
-                  <a:cubicBezTo>
-                    <a:pt x="0" y="90976"/>
-                    <a:pt x="90976" y="0"/>
-                    <a:pt x="203200" y="0"/>
-                  </a:cubicBezTo>
-                  <a:close/>
-                </a:path>
-              </a:pathLst>
-            </a:custGeom>
-            <a:solidFill>
-              <a:srgbClr val="024F44"/>
-            </a:solidFill>
-            <a:ln w="38100" cap="sq">
-              <a:solidFill>
-                <a:srgbClr val="F7F7F7"/>
-              </a:solidFill>
-              <a:prstDash val="sysDot"/>
-              <a:miter/>
-            </a:ln>
-          </p:spPr>
-          <p:txBody>
-            <a:bodyPr/>
-            <a:lstStyle/>
-            <a:p>
-              <a:endParaRPr lang="en-US"/>
-            </a:p>
-          </p:txBody>
-        </p:sp>
-        <p:sp>
-          <p:nvSpPr>
-            <p:cNvPr id="25" name="TextBox 25"/>
-            <p:cNvSpPr txBox="1"/>
-            <p:nvPr/>
-          </p:nvSpPr>
-          <p:spPr>
-            <a:xfrm>
-              <a:off x="0" y="-133350"/>
-              <a:ext cx="1213344" cy="539750"/>
-            </a:xfrm>
-            <a:prstGeom prst="rect">
-              <a:avLst/>
-            </a:prstGeom>
-          </p:spPr>
-          <p:txBody>
-            <a:bodyPr lIns="50800" tIns="50800" rIns="50800" bIns="50800" rtlCol="0" anchor="ctr"/>
-            <a:lstStyle/>
-            <a:p>
-              <a:pPr algn="ctr">
-                <a:lnSpc>
-                  <a:spcPts val="4759"/>
-                </a:lnSpc>
-              </a:pPr>
-              <a:endParaRPr lang="en-US" sz="2800" b="1" spc="-67" dirty="0">
-                <a:solidFill>
-                  <a:srgbClr val="FFFFFF"/>
-                </a:solidFill>
-                <a:latin typeface="Arial Bold"/>
-                <a:ea typeface="Arial Bold"/>
-                <a:cs typeface="Arial Bold"/>
-                <a:sym typeface="Arial Bold"/>
-              </a:endParaRPr>
-            </a:p>
-            <a:p>
-              <a:pPr algn="ctr">
-                <a:lnSpc>
-                  <a:spcPts val="4759"/>
-                </a:lnSpc>
-              </a:pPr>
-              <a:r>
-                <a:rPr lang="en-US" sz="2800" b="1" spc="-67" dirty="0">
-                  <a:solidFill>
-                    <a:srgbClr val="FFFFFF"/>
-                  </a:solidFill>
-                  <a:latin typeface="Arial Bold"/>
-                  <a:ea typeface="Arial Bold"/>
-                  <a:cs typeface="Arial Bold"/>
-                  <a:sym typeface="Arial Bold"/>
-                </a:rPr>
-                <a:t>Menu navigation with simple number input</a:t>
-              </a:r>
             </a:p>
           </p:txBody>
         </p:sp>
